--- a/Final Project/Report.pptx
+++ b/Final Project/Report.pptx
@@ -500,7 +500,6 @@
     </c:plotArea>
     <c:legend>
       <c:legendPos val="t"/>
-      <c:layout/>
       <c:overlay val="0"/>
       <c:spPr>
         <a:noFill/>
@@ -15578,142 +15577,6 @@
 </file>
 
 <file path=customXml/item2.xml><?xml version="1.0" encoding="utf-8"?>
-<p:properties xmlns:p="http://schemas.microsoft.com/office/2006/metadata/properties" xmlns:xsi="http://www.w3.org/2001/XMLSchema-instance" xmlns:pc="http://schemas.microsoft.com/office/infopath/2007/PartnerControls">
-  <documentManagement>
-    <LocPublishedLinkedAssetsLookup xmlns="4873beb7-5857-4685-be1f-d57550cc96cc" xsi:nil="true"/>
-    <ApprovalStatus xmlns="4873beb7-5857-4685-be1f-d57550cc96cc">InProgress</ApprovalStatus>
-    <MarketSpecific xmlns="4873beb7-5857-4685-be1f-d57550cc96cc">false</MarketSpecific>
-    <LocComments xmlns="4873beb7-5857-4685-be1f-d57550cc96cc" xsi:nil="true"/>
-    <LocLastLocAttemptVersionTypeLookup xmlns="4873beb7-5857-4685-be1f-d57550cc96cc" xsi:nil="true"/>
-    <DirectSourceMarket xmlns="4873beb7-5857-4685-be1f-d57550cc96cc" xsi:nil="true"/>
-    <ThumbnailAssetId xmlns="4873beb7-5857-4685-be1f-d57550cc96cc" xsi:nil="true"/>
-    <PrimaryImageGen xmlns="4873beb7-5857-4685-be1f-d57550cc96cc">false</PrimaryImageGen>
-    <LocNewPublishedVersionLookup xmlns="4873beb7-5857-4685-be1f-d57550cc96cc" xsi:nil="true"/>
-    <LegacyData xmlns="4873beb7-5857-4685-be1f-d57550cc96cc" xsi:nil="true"/>
-    <LocRecommendedHandoff xmlns="4873beb7-5857-4685-be1f-d57550cc96cc" xsi:nil="true"/>
-    <BusinessGroup xmlns="4873beb7-5857-4685-be1f-d57550cc96cc" xsi:nil="true"/>
-    <BlockPublish xmlns="4873beb7-5857-4685-be1f-d57550cc96cc">false</BlockPublish>
-    <TPFriendlyName xmlns="4873beb7-5857-4685-be1f-d57550cc96cc" xsi:nil="true"/>
-    <LocOverallPublishStatusLookup xmlns="4873beb7-5857-4685-be1f-d57550cc96cc" xsi:nil="true"/>
-    <NumericId xmlns="4873beb7-5857-4685-be1f-d57550cc96cc" xsi:nil="true"/>
-    <APEditor xmlns="4873beb7-5857-4685-be1f-d57550cc96cc">
-      <UserInfo>
-        <DisplayName/>
-        <AccountId xsi:nil="true"/>
-        <AccountType/>
-      </UserInfo>
-    </APEditor>
-    <SourceTitle xmlns="4873beb7-5857-4685-be1f-d57550cc96cc" xsi:nil="true"/>
-    <OpenTemplate xmlns="4873beb7-5857-4685-be1f-d57550cc96cc">true</OpenTemplate>
-    <LocOverallLocStatusLookup xmlns="4873beb7-5857-4685-be1f-d57550cc96cc" xsi:nil="true"/>
-    <UALocComments xmlns="4873beb7-5857-4685-be1f-d57550cc96cc" xsi:nil="true"/>
-    <ParentAssetId xmlns="4873beb7-5857-4685-be1f-d57550cc96cc" xsi:nil="true"/>
-    <IntlLangReviewDate xmlns="4873beb7-5857-4685-be1f-d57550cc96cc" xsi:nil="true"/>
-    <FeatureTagsTaxHTField0 xmlns="4873beb7-5857-4685-be1f-d57550cc96cc">
-      <Terms xmlns="http://schemas.microsoft.com/office/infopath/2007/PartnerControls"/>
-    </FeatureTagsTaxHTField0>
-    <PublishStatusLookup xmlns="4873beb7-5857-4685-be1f-d57550cc96cc">
-      <Value>1345093</Value>
-    </PublishStatusLookup>
-    <Providers xmlns="4873beb7-5857-4685-be1f-d57550cc96cc" xsi:nil="true"/>
-    <MachineTranslated xmlns="4873beb7-5857-4685-be1f-d57550cc96cc">false</MachineTranslated>
-    <OriginalSourceMarket xmlns="4873beb7-5857-4685-be1f-d57550cc96cc" xsi:nil="true"/>
-    <APDescription xmlns="4873beb7-5857-4685-be1f-d57550cc96cc">This simple template design works for technology and  businesses, but it's versatile enough to use in other contexts.  It features multiple slide layouts designed for widescreen (16x9 resolution) and includes a sample SmartArt list and chart that are easily editable.</APDescription>
-    <ClipArtFilename xmlns="4873beb7-5857-4685-be1f-d57550cc96cc" xsi:nil="true"/>
-    <ContentItem xmlns="4873beb7-5857-4685-be1f-d57550cc96cc" xsi:nil="true"/>
-    <TPInstallLocation xmlns="4873beb7-5857-4685-be1f-d57550cc96cc" xsi:nil="true"/>
-    <PublishTargets xmlns="4873beb7-5857-4685-be1f-d57550cc96cc">OfficeOnlineVNext</PublishTargets>
-    <TimesCloned xmlns="4873beb7-5857-4685-be1f-d57550cc96cc" xsi:nil="true"/>
-    <AssetStart xmlns="4873beb7-5857-4685-be1f-d57550cc96cc">2011-11-26T00:30:00+00:00</AssetStart>
-    <Provider xmlns="4873beb7-5857-4685-be1f-d57550cc96cc" xsi:nil="true"/>
-    <AcquiredFrom xmlns="4873beb7-5857-4685-be1f-d57550cc96cc">Internal MS</AcquiredFrom>
-    <FriendlyTitle xmlns="4873beb7-5857-4685-be1f-d57550cc96cc" xsi:nil="true"/>
-    <LastHandOff xmlns="4873beb7-5857-4685-be1f-d57550cc96cc" xsi:nil="true"/>
-    <TPClientViewer xmlns="4873beb7-5857-4685-be1f-d57550cc96cc" xsi:nil="true"/>
-    <TemplateStatus xmlns="4873beb7-5857-4685-be1f-d57550cc96cc">Complete</TemplateStatus>
-    <Downloads xmlns="4873beb7-5857-4685-be1f-d57550cc96cc">0</Downloads>
-    <OOCacheId xmlns="4873beb7-5857-4685-be1f-d57550cc96cc" xsi:nil="true"/>
-    <IsDeleted xmlns="4873beb7-5857-4685-be1f-d57550cc96cc">false</IsDeleted>
-    <LocPublishedDependentAssetsLookup xmlns="4873beb7-5857-4685-be1f-d57550cc96cc" xsi:nil="true"/>
-    <TPExecutable xmlns="4873beb7-5857-4685-be1f-d57550cc96cc" xsi:nil="true"/>
-    <EditorialTags xmlns="4873beb7-5857-4685-be1f-d57550cc96cc" xsi:nil="true"/>
-    <SubmitterId xmlns="4873beb7-5857-4685-be1f-d57550cc96cc" xsi:nil="true"/>
-    <ApprovalLog xmlns="4873beb7-5857-4685-be1f-d57550cc96cc" xsi:nil="true"/>
-    <AssetType xmlns="4873beb7-5857-4685-be1f-d57550cc96cc">TP</AssetType>
-    <BugNumber xmlns="4873beb7-5857-4685-be1f-d57550cc96cc" xsi:nil="true"/>
-    <CSXSubmissionDate xmlns="4873beb7-5857-4685-be1f-d57550cc96cc" xsi:nil="true"/>
-    <CSXUpdate xmlns="4873beb7-5857-4685-be1f-d57550cc96cc">false</CSXUpdate>
-    <Milestone xmlns="4873beb7-5857-4685-be1f-d57550cc96cc" xsi:nil="true"/>
-    <RecommendationsModifier xmlns="4873beb7-5857-4685-be1f-d57550cc96cc" xsi:nil="true"/>
-    <OriginAsset xmlns="4873beb7-5857-4685-be1f-d57550cc96cc" xsi:nil="true"/>
-    <TPComponent xmlns="4873beb7-5857-4685-be1f-d57550cc96cc" xsi:nil="true"/>
-    <AssetId xmlns="4873beb7-5857-4685-be1f-d57550cc96cc">TP102787989</AssetId>
-    <IntlLocPriority xmlns="4873beb7-5857-4685-be1f-d57550cc96cc" xsi:nil="true"/>
-    <PolicheckWords xmlns="4873beb7-5857-4685-be1f-d57550cc96cc" xsi:nil="true"/>
-    <TPLaunchHelpLink xmlns="4873beb7-5857-4685-be1f-d57550cc96cc" xsi:nil="true"/>
-    <TPApplication xmlns="4873beb7-5857-4685-be1f-d57550cc96cc" xsi:nil="true"/>
-    <CrawlForDependencies xmlns="4873beb7-5857-4685-be1f-d57550cc96cc">false</CrawlForDependencies>
-    <HandoffToMSDN xmlns="4873beb7-5857-4685-be1f-d57550cc96cc" xsi:nil="true"/>
-    <PlannedPubDate xmlns="4873beb7-5857-4685-be1f-d57550cc96cc" xsi:nil="true"/>
-    <IntlLangReviewer xmlns="4873beb7-5857-4685-be1f-d57550cc96cc" xsi:nil="true"/>
-    <TrustLevel xmlns="4873beb7-5857-4685-be1f-d57550cc96cc">1 Microsoft Managed Content</TrustLevel>
-    <LocLastLocAttemptVersionLookup xmlns="4873beb7-5857-4685-be1f-d57550cc96cc">694266</LocLastLocAttemptVersionLookup>
-    <LocProcessedForHandoffsLookup xmlns="4873beb7-5857-4685-be1f-d57550cc96cc" xsi:nil="true"/>
-    <IsSearchable xmlns="4873beb7-5857-4685-be1f-d57550cc96cc">true</IsSearchable>
-    <TemplateTemplateType xmlns="4873beb7-5857-4685-be1f-d57550cc96cc">PowerPoint Presentation Template</TemplateTemplateType>
-    <CampaignTagsTaxHTField0 xmlns="4873beb7-5857-4685-be1f-d57550cc96cc">
-      <Terms xmlns="http://schemas.microsoft.com/office/infopath/2007/PartnerControls"/>
-    </CampaignTagsTaxHTField0>
-    <TPNamespace xmlns="4873beb7-5857-4685-be1f-d57550cc96cc" xsi:nil="true"/>
-    <LocOverallPreviewStatusLookup xmlns="4873beb7-5857-4685-be1f-d57550cc96cc" xsi:nil="true"/>
-    <TaxCatchAll xmlns="4873beb7-5857-4685-be1f-d57550cc96cc"/>
-    <Markets xmlns="4873beb7-5857-4685-be1f-d57550cc96cc"/>
-    <UAProjectedTotalWords xmlns="4873beb7-5857-4685-be1f-d57550cc96cc" xsi:nil="true"/>
-    <IntlLangReview xmlns="4873beb7-5857-4685-be1f-d57550cc96cc" xsi:nil="true"/>
-    <OutputCachingOn xmlns="4873beb7-5857-4685-be1f-d57550cc96cc">false</OutputCachingOn>
-    <AverageRating xmlns="4873beb7-5857-4685-be1f-d57550cc96cc" xsi:nil="true"/>
-    <APAuthor xmlns="4873beb7-5857-4685-be1f-d57550cc96cc">
-      <UserInfo>
-        <DisplayName>REDMOND\kristaa</DisplayName>
-        <AccountId>136</AccountId>
-        <AccountType/>
-      </UserInfo>
-    </APAuthor>
-    <LocManualTestRequired xmlns="4873beb7-5857-4685-be1f-d57550cc96cc">false</LocManualTestRequired>
-    <TPCommandLine xmlns="4873beb7-5857-4685-be1f-d57550cc96cc" xsi:nil="true"/>
-    <TPAppVersion xmlns="4873beb7-5857-4685-be1f-d57550cc96cc" xsi:nil="true"/>
-    <EditorialStatus xmlns="4873beb7-5857-4685-be1f-d57550cc96cc">Complete</EditorialStatus>
-    <LastModifiedDateTime xmlns="4873beb7-5857-4685-be1f-d57550cc96cc" xsi:nil="true"/>
-    <ScenarioTagsTaxHTField0 xmlns="4873beb7-5857-4685-be1f-d57550cc96cc">
-      <Terms xmlns="http://schemas.microsoft.com/office/infopath/2007/PartnerControls"/>
-    </ScenarioTagsTaxHTField0>
-    <LocProcessedForMarketsLookup xmlns="4873beb7-5857-4685-be1f-d57550cc96cc" xsi:nil="true"/>
-    <TPLaunchHelpLinkType xmlns="4873beb7-5857-4685-be1f-d57550cc96cc">Template</TPLaunchHelpLinkType>
-    <OriginalRelease xmlns="4873beb7-5857-4685-be1f-d57550cc96cc">15</OriginalRelease>
-    <LocalizationTagsTaxHTField0 xmlns="4873beb7-5857-4685-be1f-d57550cc96cc">
-      <Terms xmlns="http://schemas.microsoft.com/office/infopath/2007/PartnerControls"/>
-    </LocalizationTagsTaxHTField0>
-    <UACurrentWords xmlns="4873beb7-5857-4685-be1f-d57550cc96cc" xsi:nil="true"/>
-    <ArtSampleDocs xmlns="4873beb7-5857-4685-be1f-d57550cc96cc" xsi:nil="true"/>
-    <UALocRecommendation xmlns="4873beb7-5857-4685-be1f-d57550cc96cc">Localize</UALocRecommendation>
-    <Manager xmlns="4873beb7-5857-4685-be1f-d57550cc96cc" xsi:nil="true"/>
-    <LocOverallHandbackStatusLookup xmlns="4873beb7-5857-4685-be1f-d57550cc96cc" xsi:nil="true"/>
-    <ShowIn xmlns="4873beb7-5857-4685-be1f-d57550cc96cc">Show everywhere</ShowIn>
-    <UANotes xmlns="4873beb7-5857-4685-be1f-d57550cc96cc" xsi:nil="true"/>
-    <InternalTagsTaxHTField0 xmlns="4873beb7-5857-4685-be1f-d57550cc96cc">
-      <Terms xmlns="http://schemas.microsoft.com/office/infopath/2007/PartnerControls"/>
-    </InternalTagsTaxHTField0>
-    <CSXHash xmlns="4873beb7-5857-4685-be1f-d57550cc96cc" xsi:nil="true"/>
-    <VoteCount xmlns="4873beb7-5857-4685-be1f-d57550cc96cc" xsi:nil="true"/>
-    <AssetExpire xmlns="4873beb7-5857-4685-be1f-d57550cc96cc">2029-05-12T07:00:00+00:00</AssetExpire>
-    <DSATActionTaken xmlns="4873beb7-5857-4685-be1f-d57550cc96cc" xsi:nil="true"/>
-    <CSXSubmissionMarket xmlns="4873beb7-5857-4685-be1f-d57550cc96cc" xsi:nil="true"/>
-    <LocMarketGroupTiers2 xmlns="4873beb7-5857-4685-be1f-d57550cc96cc" xsi:nil="true"/>
-  </documentManagement>
-</p:properties>
-</file>
-
-<file path=customXml/item3.xml><?xml version="1.0" encoding="utf-8"?>
 <ct:contentTypeSchema xmlns:ct="http://schemas.microsoft.com/office/2006/metadata/contentType" xmlns:ma="http://schemas.microsoft.com/office/2006/metadata/properties/metaAttributes" ct:_="" ma:_="" ma:contentTypeName="TemplateFile" ma:contentTypeID="0x0101006EDDDB5EE6D98C44930B742096920B300400F5B6D36B3EF94B4E9A635CDF2A18F5B8" ma:contentTypeVersion="72" ma:contentTypeDescription="Create a new document." ma:contentTypeScope="" ma:versionID="a23e56308344d904b51738559c3d67c9">
   <xsd:schema xmlns:xsd="http://www.w3.org/2001/XMLSchema" xmlns:xs="http://www.w3.org/2001/XMLSchema" xmlns:p="http://schemas.microsoft.com/office/2006/metadata/properties" xmlns:ns2="4873beb7-5857-4685-be1f-d57550cc96cc" targetNamespace="http://schemas.microsoft.com/office/2006/metadata/properties" ma:root="true" ma:fieldsID="cd0908cc4600e77bf5da051303e00c8d" ns2:_="">
     <xsd:import namespace="4873beb7-5857-4685-be1f-d57550cc96cc"/>
@@ -16753,6 +16616,142 @@
 </ct:contentTypeSchema>
 </file>
 
+<file path=customXml/item3.xml><?xml version="1.0" encoding="utf-8"?>
+<p:properties xmlns:p="http://schemas.microsoft.com/office/2006/metadata/properties" xmlns:xsi="http://www.w3.org/2001/XMLSchema-instance" xmlns:pc="http://schemas.microsoft.com/office/infopath/2007/PartnerControls">
+  <documentManagement>
+    <LocPublishedLinkedAssetsLookup xmlns="4873beb7-5857-4685-be1f-d57550cc96cc" xsi:nil="true"/>
+    <ApprovalStatus xmlns="4873beb7-5857-4685-be1f-d57550cc96cc">InProgress</ApprovalStatus>
+    <MarketSpecific xmlns="4873beb7-5857-4685-be1f-d57550cc96cc">false</MarketSpecific>
+    <LocComments xmlns="4873beb7-5857-4685-be1f-d57550cc96cc" xsi:nil="true"/>
+    <LocLastLocAttemptVersionTypeLookup xmlns="4873beb7-5857-4685-be1f-d57550cc96cc" xsi:nil="true"/>
+    <DirectSourceMarket xmlns="4873beb7-5857-4685-be1f-d57550cc96cc" xsi:nil="true"/>
+    <ThumbnailAssetId xmlns="4873beb7-5857-4685-be1f-d57550cc96cc" xsi:nil="true"/>
+    <PrimaryImageGen xmlns="4873beb7-5857-4685-be1f-d57550cc96cc">false</PrimaryImageGen>
+    <LocNewPublishedVersionLookup xmlns="4873beb7-5857-4685-be1f-d57550cc96cc" xsi:nil="true"/>
+    <LegacyData xmlns="4873beb7-5857-4685-be1f-d57550cc96cc" xsi:nil="true"/>
+    <LocRecommendedHandoff xmlns="4873beb7-5857-4685-be1f-d57550cc96cc" xsi:nil="true"/>
+    <BusinessGroup xmlns="4873beb7-5857-4685-be1f-d57550cc96cc" xsi:nil="true"/>
+    <BlockPublish xmlns="4873beb7-5857-4685-be1f-d57550cc96cc">false</BlockPublish>
+    <TPFriendlyName xmlns="4873beb7-5857-4685-be1f-d57550cc96cc" xsi:nil="true"/>
+    <LocOverallPublishStatusLookup xmlns="4873beb7-5857-4685-be1f-d57550cc96cc" xsi:nil="true"/>
+    <NumericId xmlns="4873beb7-5857-4685-be1f-d57550cc96cc" xsi:nil="true"/>
+    <APEditor xmlns="4873beb7-5857-4685-be1f-d57550cc96cc">
+      <UserInfo>
+        <DisplayName/>
+        <AccountId xsi:nil="true"/>
+        <AccountType/>
+      </UserInfo>
+    </APEditor>
+    <SourceTitle xmlns="4873beb7-5857-4685-be1f-d57550cc96cc" xsi:nil="true"/>
+    <OpenTemplate xmlns="4873beb7-5857-4685-be1f-d57550cc96cc">true</OpenTemplate>
+    <LocOverallLocStatusLookup xmlns="4873beb7-5857-4685-be1f-d57550cc96cc" xsi:nil="true"/>
+    <UALocComments xmlns="4873beb7-5857-4685-be1f-d57550cc96cc" xsi:nil="true"/>
+    <ParentAssetId xmlns="4873beb7-5857-4685-be1f-d57550cc96cc" xsi:nil="true"/>
+    <IntlLangReviewDate xmlns="4873beb7-5857-4685-be1f-d57550cc96cc" xsi:nil="true"/>
+    <FeatureTagsTaxHTField0 xmlns="4873beb7-5857-4685-be1f-d57550cc96cc">
+      <Terms xmlns="http://schemas.microsoft.com/office/infopath/2007/PartnerControls"/>
+    </FeatureTagsTaxHTField0>
+    <PublishStatusLookup xmlns="4873beb7-5857-4685-be1f-d57550cc96cc">
+      <Value>1345093</Value>
+    </PublishStatusLookup>
+    <Providers xmlns="4873beb7-5857-4685-be1f-d57550cc96cc" xsi:nil="true"/>
+    <MachineTranslated xmlns="4873beb7-5857-4685-be1f-d57550cc96cc">false</MachineTranslated>
+    <OriginalSourceMarket xmlns="4873beb7-5857-4685-be1f-d57550cc96cc" xsi:nil="true"/>
+    <APDescription xmlns="4873beb7-5857-4685-be1f-d57550cc96cc">This simple template design works for technology and  businesses, but it's versatile enough to use in other contexts.  It features multiple slide layouts designed for widescreen (16x9 resolution) and includes a sample SmartArt list and chart that are easily editable.</APDescription>
+    <ClipArtFilename xmlns="4873beb7-5857-4685-be1f-d57550cc96cc" xsi:nil="true"/>
+    <ContentItem xmlns="4873beb7-5857-4685-be1f-d57550cc96cc" xsi:nil="true"/>
+    <TPInstallLocation xmlns="4873beb7-5857-4685-be1f-d57550cc96cc" xsi:nil="true"/>
+    <PublishTargets xmlns="4873beb7-5857-4685-be1f-d57550cc96cc">OfficeOnlineVNext</PublishTargets>
+    <TimesCloned xmlns="4873beb7-5857-4685-be1f-d57550cc96cc" xsi:nil="true"/>
+    <AssetStart xmlns="4873beb7-5857-4685-be1f-d57550cc96cc">2011-11-26T00:30:00+00:00</AssetStart>
+    <Provider xmlns="4873beb7-5857-4685-be1f-d57550cc96cc" xsi:nil="true"/>
+    <AcquiredFrom xmlns="4873beb7-5857-4685-be1f-d57550cc96cc">Internal MS</AcquiredFrom>
+    <FriendlyTitle xmlns="4873beb7-5857-4685-be1f-d57550cc96cc" xsi:nil="true"/>
+    <LastHandOff xmlns="4873beb7-5857-4685-be1f-d57550cc96cc" xsi:nil="true"/>
+    <TPClientViewer xmlns="4873beb7-5857-4685-be1f-d57550cc96cc" xsi:nil="true"/>
+    <TemplateStatus xmlns="4873beb7-5857-4685-be1f-d57550cc96cc">Complete</TemplateStatus>
+    <Downloads xmlns="4873beb7-5857-4685-be1f-d57550cc96cc">0</Downloads>
+    <OOCacheId xmlns="4873beb7-5857-4685-be1f-d57550cc96cc" xsi:nil="true"/>
+    <IsDeleted xmlns="4873beb7-5857-4685-be1f-d57550cc96cc">false</IsDeleted>
+    <LocPublishedDependentAssetsLookup xmlns="4873beb7-5857-4685-be1f-d57550cc96cc" xsi:nil="true"/>
+    <TPExecutable xmlns="4873beb7-5857-4685-be1f-d57550cc96cc" xsi:nil="true"/>
+    <EditorialTags xmlns="4873beb7-5857-4685-be1f-d57550cc96cc" xsi:nil="true"/>
+    <SubmitterId xmlns="4873beb7-5857-4685-be1f-d57550cc96cc" xsi:nil="true"/>
+    <ApprovalLog xmlns="4873beb7-5857-4685-be1f-d57550cc96cc" xsi:nil="true"/>
+    <AssetType xmlns="4873beb7-5857-4685-be1f-d57550cc96cc">TP</AssetType>
+    <BugNumber xmlns="4873beb7-5857-4685-be1f-d57550cc96cc" xsi:nil="true"/>
+    <CSXSubmissionDate xmlns="4873beb7-5857-4685-be1f-d57550cc96cc" xsi:nil="true"/>
+    <CSXUpdate xmlns="4873beb7-5857-4685-be1f-d57550cc96cc">false</CSXUpdate>
+    <Milestone xmlns="4873beb7-5857-4685-be1f-d57550cc96cc" xsi:nil="true"/>
+    <RecommendationsModifier xmlns="4873beb7-5857-4685-be1f-d57550cc96cc" xsi:nil="true"/>
+    <OriginAsset xmlns="4873beb7-5857-4685-be1f-d57550cc96cc" xsi:nil="true"/>
+    <TPComponent xmlns="4873beb7-5857-4685-be1f-d57550cc96cc" xsi:nil="true"/>
+    <AssetId xmlns="4873beb7-5857-4685-be1f-d57550cc96cc">TP102787989</AssetId>
+    <IntlLocPriority xmlns="4873beb7-5857-4685-be1f-d57550cc96cc" xsi:nil="true"/>
+    <PolicheckWords xmlns="4873beb7-5857-4685-be1f-d57550cc96cc" xsi:nil="true"/>
+    <TPLaunchHelpLink xmlns="4873beb7-5857-4685-be1f-d57550cc96cc" xsi:nil="true"/>
+    <TPApplication xmlns="4873beb7-5857-4685-be1f-d57550cc96cc" xsi:nil="true"/>
+    <CrawlForDependencies xmlns="4873beb7-5857-4685-be1f-d57550cc96cc">false</CrawlForDependencies>
+    <HandoffToMSDN xmlns="4873beb7-5857-4685-be1f-d57550cc96cc" xsi:nil="true"/>
+    <PlannedPubDate xmlns="4873beb7-5857-4685-be1f-d57550cc96cc" xsi:nil="true"/>
+    <IntlLangReviewer xmlns="4873beb7-5857-4685-be1f-d57550cc96cc" xsi:nil="true"/>
+    <TrustLevel xmlns="4873beb7-5857-4685-be1f-d57550cc96cc">1 Microsoft Managed Content</TrustLevel>
+    <LocLastLocAttemptVersionLookup xmlns="4873beb7-5857-4685-be1f-d57550cc96cc">694266</LocLastLocAttemptVersionLookup>
+    <LocProcessedForHandoffsLookup xmlns="4873beb7-5857-4685-be1f-d57550cc96cc" xsi:nil="true"/>
+    <IsSearchable xmlns="4873beb7-5857-4685-be1f-d57550cc96cc">true</IsSearchable>
+    <TemplateTemplateType xmlns="4873beb7-5857-4685-be1f-d57550cc96cc">PowerPoint Presentation Template</TemplateTemplateType>
+    <CampaignTagsTaxHTField0 xmlns="4873beb7-5857-4685-be1f-d57550cc96cc">
+      <Terms xmlns="http://schemas.microsoft.com/office/infopath/2007/PartnerControls"/>
+    </CampaignTagsTaxHTField0>
+    <TPNamespace xmlns="4873beb7-5857-4685-be1f-d57550cc96cc" xsi:nil="true"/>
+    <LocOverallPreviewStatusLookup xmlns="4873beb7-5857-4685-be1f-d57550cc96cc" xsi:nil="true"/>
+    <TaxCatchAll xmlns="4873beb7-5857-4685-be1f-d57550cc96cc"/>
+    <Markets xmlns="4873beb7-5857-4685-be1f-d57550cc96cc"/>
+    <UAProjectedTotalWords xmlns="4873beb7-5857-4685-be1f-d57550cc96cc" xsi:nil="true"/>
+    <IntlLangReview xmlns="4873beb7-5857-4685-be1f-d57550cc96cc" xsi:nil="true"/>
+    <OutputCachingOn xmlns="4873beb7-5857-4685-be1f-d57550cc96cc">false</OutputCachingOn>
+    <AverageRating xmlns="4873beb7-5857-4685-be1f-d57550cc96cc" xsi:nil="true"/>
+    <APAuthor xmlns="4873beb7-5857-4685-be1f-d57550cc96cc">
+      <UserInfo>
+        <DisplayName>REDMOND\kristaa</DisplayName>
+        <AccountId>136</AccountId>
+        <AccountType/>
+      </UserInfo>
+    </APAuthor>
+    <LocManualTestRequired xmlns="4873beb7-5857-4685-be1f-d57550cc96cc">false</LocManualTestRequired>
+    <TPCommandLine xmlns="4873beb7-5857-4685-be1f-d57550cc96cc" xsi:nil="true"/>
+    <TPAppVersion xmlns="4873beb7-5857-4685-be1f-d57550cc96cc" xsi:nil="true"/>
+    <EditorialStatus xmlns="4873beb7-5857-4685-be1f-d57550cc96cc">Complete</EditorialStatus>
+    <LastModifiedDateTime xmlns="4873beb7-5857-4685-be1f-d57550cc96cc" xsi:nil="true"/>
+    <ScenarioTagsTaxHTField0 xmlns="4873beb7-5857-4685-be1f-d57550cc96cc">
+      <Terms xmlns="http://schemas.microsoft.com/office/infopath/2007/PartnerControls"/>
+    </ScenarioTagsTaxHTField0>
+    <LocProcessedForMarketsLookup xmlns="4873beb7-5857-4685-be1f-d57550cc96cc" xsi:nil="true"/>
+    <TPLaunchHelpLinkType xmlns="4873beb7-5857-4685-be1f-d57550cc96cc">Template</TPLaunchHelpLinkType>
+    <OriginalRelease xmlns="4873beb7-5857-4685-be1f-d57550cc96cc">15</OriginalRelease>
+    <LocalizationTagsTaxHTField0 xmlns="4873beb7-5857-4685-be1f-d57550cc96cc">
+      <Terms xmlns="http://schemas.microsoft.com/office/infopath/2007/PartnerControls"/>
+    </LocalizationTagsTaxHTField0>
+    <UACurrentWords xmlns="4873beb7-5857-4685-be1f-d57550cc96cc" xsi:nil="true"/>
+    <ArtSampleDocs xmlns="4873beb7-5857-4685-be1f-d57550cc96cc" xsi:nil="true"/>
+    <UALocRecommendation xmlns="4873beb7-5857-4685-be1f-d57550cc96cc">Localize</UALocRecommendation>
+    <Manager xmlns="4873beb7-5857-4685-be1f-d57550cc96cc" xsi:nil="true"/>
+    <LocOverallHandbackStatusLookup xmlns="4873beb7-5857-4685-be1f-d57550cc96cc" xsi:nil="true"/>
+    <ShowIn xmlns="4873beb7-5857-4685-be1f-d57550cc96cc">Show everywhere</ShowIn>
+    <UANotes xmlns="4873beb7-5857-4685-be1f-d57550cc96cc" xsi:nil="true"/>
+    <InternalTagsTaxHTField0 xmlns="4873beb7-5857-4685-be1f-d57550cc96cc">
+      <Terms xmlns="http://schemas.microsoft.com/office/infopath/2007/PartnerControls"/>
+    </InternalTagsTaxHTField0>
+    <CSXHash xmlns="4873beb7-5857-4685-be1f-d57550cc96cc" xsi:nil="true"/>
+    <VoteCount xmlns="4873beb7-5857-4685-be1f-d57550cc96cc" xsi:nil="true"/>
+    <AssetExpire xmlns="4873beb7-5857-4685-be1f-d57550cc96cc">2029-05-12T07:00:00+00:00</AssetExpire>
+    <DSATActionTaken xmlns="4873beb7-5857-4685-be1f-d57550cc96cc" xsi:nil="true"/>
+    <CSXSubmissionMarket xmlns="4873beb7-5857-4685-be1f-d57550cc96cc" xsi:nil="true"/>
+    <LocMarketGroupTiers2 xmlns="4873beb7-5857-4685-be1f-d57550cc96cc" xsi:nil="true"/>
+  </documentManagement>
+</p:properties>
+</file>
+
 <file path=customXml/itemProps1.xml><?xml version="1.0" encoding="utf-8"?>
 <ds:datastoreItem xmlns:ds="http://schemas.openxmlformats.org/officeDocument/2006/customXml" ds:itemID="{3836F65B-1B07-41EE-A0E8-BC6EF3855225}">
   <ds:schemaRefs>
@@ -16762,22 +16761,6 @@
 </file>
 
 <file path=customXml/itemProps2.xml><?xml version="1.0" encoding="utf-8"?>
-<ds:datastoreItem xmlns:ds="http://schemas.openxmlformats.org/officeDocument/2006/customXml" ds:itemID="{60C67BEE-D13F-4BD2-98A5-34D8A0977F68}">
-  <ds:schemaRefs>
-    <ds:schemaRef ds:uri="4873beb7-5857-4685-be1f-d57550cc96cc"/>
-    <ds:schemaRef ds:uri="http://schemas.openxmlformats.org/package/2006/metadata/core-properties"/>
-    <ds:schemaRef ds:uri="http://purl.org/dc/terms/"/>
-    <ds:schemaRef ds:uri="http://schemas.microsoft.com/office/2006/documentManagement/types"/>
-    <ds:schemaRef ds:uri="http://purl.org/dc/elements/1.1/"/>
-    <ds:schemaRef ds:uri="http://schemas.microsoft.com/office/2006/metadata/properties"/>
-    <ds:schemaRef ds:uri="http://schemas.microsoft.com/office/infopath/2007/PartnerControls"/>
-    <ds:schemaRef ds:uri="http://www.w3.org/XML/1998/namespace"/>
-    <ds:schemaRef ds:uri="http://purl.org/dc/dcmitype/"/>
-  </ds:schemaRefs>
-</ds:datastoreItem>
-</file>
-
-<file path=customXml/itemProps3.xml><?xml version="1.0" encoding="utf-8"?>
 <ds:datastoreItem xmlns:ds="http://schemas.openxmlformats.org/officeDocument/2006/customXml" ds:itemID="{A09BF4D4-EF60-4196-BFC3-9462D607978C}">
   <ds:schemaRefs>
     <ds:schemaRef ds:uri="http://schemas.microsoft.com/office/2006/metadata/contentType"/>
@@ -16793,4 +16776,20 @@
     <ds:schemaRef ds:uri="http://schemas.microsoft.com/internal/obd"/>
   </ds:schemaRefs>
 </ds:datastoreItem>
+</file>
+
+<file path=customXml/itemProps3.xml><?xml version="1.0" encoding="utf-8"?>
+<ds:datastoreItem xmlns:ds="http://schemas.openxmlformats.org/officeDocument/2006/customXml" ds:itemID="{60C67BEE-D13F-4BD2-98A5-34D8A0977F68}">
+  <ds:schemaRefs>
+    <ds:schemaRef ds:uri="4873beb7-5857-4685-be1f-d57550cc96cc"/>
+    <ds:schemaRef ds:uri="http://schemas.openxmlformats.org/package/2006/metadata/core-properties"/>
+    <ds:schemaRef ds:uri="http://purl.org/dc/terms/"/>
+    <ds:schemaRef ds:uri="http://schemas.microsoft.com/office/2006/documentManagement/types"/>
+    <ds:schemaRef ds:uri="http://purl.org/dc/elements/1.1/"/>
+    <ds:schemaRef ds:uri="http://schemas.microsoft.com/office/2006/metadata/properties"/>
+    <ds:schemaRef ds:uri="http://schemas.microsoft.com/office/infopath/2007/PartnerControls"/>
+    <ds:schemaRef ds:uri="http://www.w3.org/XML/1998/namespace"/>
+    <ds:schemaRef ds:uri="http://purl.org/dc/dcmitype/"/>
+  </ds:schemaRefs>
+</ds:datastoreItem>
 </file>
--- a/Final Project/Report.pptx
+++ b/Final Project/Report.pptx
@@ -5,23 +5,26 @@
     <p:sldMasterId id="2147483750" r:id="rId4"/>
   </p:sldMasterIdLst>
   <p:notesMasterIdLst>
-    <p:notesMasterId r:id="rId16"/>
+    <p:notesMasterId r:id="rId19"/>
   </p:notesMasterIdLst>
   <p:handoutMasterIdLst>
-    <p:handoutMasterId r:id="rId17"/>
+    <p:handoutMasterId r:id="rId20"/>
   </p:handoutMasterIdLst>
   <p:sldIdLst>
     <p:sldId id="257" r:id="rId5"/>
-    <p:sldId id="268" r:id="rId6"/>
-    <p:sldId id="267" r:id="rId7"/>
-    <p:sldId id="269" r:id="rId8"/>
-    <p:sldId id="270" r:id="rId9"/>
-    <p:sldId id="259" r:id="rId10"/>
-    <p:sldId id="261" r:id="rId11"/>
-    <p:sldId id="262" r:id="rId12"/>
-    <p:sldId id="263" r:id="rId13"/>
-    <p:sldId id="271" r:id="rId14"/>
-    <p:sldId id="265" r:id="rId15"/>
+    <p:sldId id="273" r:id="rId6"/>
+    <p:sldId id="268" r:id="rId7"/>
+    <p:sldId id="272" r:id="rId8"/>
+    <p:sldId id="274" r:id="rId9"/>
+    <p:sldId id="267" r:id="rId10"/>
+    <p:sldId id="269" r:id="rId11"/>
+    <p:sldId id="270" r:id="rId12"/>
+    <p:sldId id="259" r:id="rId13"/>
+    <p:sldId id="261" r:id="rId14"/>
+    <p:sldId id="262" r:id="rId15"/>
+    <p:sldId id="263" r:id="rId16"/>
+    <p:sldId id="271" r:id="rId17"/>
+    <p:sldId id="265" r:id="rId18"/>
   </p:sldIdLst>
   <p:sldSz cx="12188825" cy="6858000"/>
   <p:notesSz cx="6858000" cy="9144000"/>
@@ -5235,7 +5238,7 @@
                 <a:ea typeface="+mj-ea"/>
               </a:rPr>
               <a:pPr algn="r" rtl="0"/>
-              <a:t>2018/12/24</a:t>
+              <a:t>2018/12/25</a:t>
             </a:fld>
             <a:endParaRPr lang="zh-TW" altLang="en-US" dirty="0">
               <a:latin typeface="+mj-ea"/>
@@ -5517,7 +5520,7 @@
                 <a:ea typeface="+mj-ea"/>
               </a:rPr>
               <a:pPr algn="r" rtl="0"/>
-              <a:t>2018/12/24</a:t>
+              <a:t>2018/12/25</a:t>
             </a:fld>
             <a:endParaRPr lang="zh-TW" altLang="en-US" dirty="0">
               <a:latin typeface="+mj-ea"/>
@@ -5885,7 +5888,7 @@
                 <a:ea typeface="+mj-ea"/>
               </a:rPr>
               <a:pPr algn="r" rtl="0"/>
-              <a:t>10</a:t>
+              <a:t>13</a:t>
             </a:fld>
             <a:endParaRPr lang="zh-TW" altLang="en-US" dirty="0">
               <a:latin typeface="+mj-ea"/>
@@ -5985,7 +5988,7 @@
                 <a:ea typeface="+mj-ea"/>
               </a:rPr>
               <a:pPr algn="r" rtl="0"/>
-              <a:t>11</a:t>
+              <a:t>14</a:t>
             </a:fld>
             <a:endParaRPr lang="zh-TW" altLang="en-US" dirty="0">
               <a:latin typeface="+mj-ea"/>
@@ -6085,7 +6088,7 @@
                 <a:ea typeface="+mj-ea"/>
               </a:rPr>
               <a:pPr algn="r" rtl="0"/>
-              <a:t>2</a:t>
+              <a:t>3</a:t>
             </a:fld>
             <a:endParaRPr lang="zh-TW" altLang="en-US" dirty="0">
               <a:latin typeface="+mj-ea"/>
@@ -6185,7 +6188,7 @@
                 <a:ea typeface="+mj-ea"/>
               </a:rPr>
               <a:pPr algn="r" rtl="0"/>
-              <a:t>3</a:t>
+              <a:t>6</a:t>
             </a:fld>
             <a:endParaRPr lang="zh-TW" altLang="en-US" dirty="0">
               <a:latin typeface="+mj-ea"/>
@@ -6285,7 +6288,7 @@
                 <a:ea typeface="+mj-ea"/>
               </a:rPr>
               <a:pPr algn="r" rtl="0"/>
-              <a:t>4</a:t>
+              <a:t>7</a:t>
             </a:fld>
             <a:endParaRPr lang="zh-TW" altLang="en-US" dirty="0">
               <a:latin typeface="+mj-ea"/>
@@ -6389,7 +6392,7 @@
                 <a:ea typeface="+mj-ea"/>
               </a:rPr>
               <a:pPr algn="r" rtl="0"/>
-              <a:t>5</a:t>
+              <a:t>8</a:t>
             </a:fld>
             <a:endParaRPr lang="zh-TW" altLang="en-US" dirty="0">
               <a:latin typeface="+mj-ea"/>
@@ -6492,7 +6495,7 @@
                 <a:ea typeface="+mj-ea"/>
               </a:rPr>
               <a:pPr algn="r" rtl="0"/>
-              <a:t>6</a:t>
+              <a:t>9</a:t>
             </a:fld>
             <a:endParaRPr lang="zh-TW" altLang="en-US" dirty="0">
               <a:latin typeface="+mj-ea"/>
@@ -6592,7 +6595,7 @@
                 <a:ea typeface="+mj-ea"/>
               </a:rPr>
               <a:pPr algn="r" rtl="0"/>
-              <a:t>7</a:t>
+              <a:t>10</a:t>
             </a:fld>
             <a:endParaRPr lang="zh-TW" altLang="en-US" dirty="0">
               <a:latin typeface="+mj-ea"/>
@@ -6692,7 +6695,7 @@
                 <a:ea typeface="+mj-ea"/>
               </a:rPr>
               <a:pPr algn="r" rtl="0"/>
-              <a:t>8</a:t>
+              <a:t>11</a:t>
             </a:fld>
             <a:endParaRPr lang="zh-TW" altLang="en-US" dirty="0">
               <a:latin typeface="+mj-ea"/>
@@ -6792,7 +6795,7 @@
                 <a:ea typeface="+mj-ea"/>
               </a:rPr>
               <a:pPr algn="r" rtl="0"/>
-              <a:t>9</a:t>
+              <a:t>12</a:t>
             </a:fld>
             <a:endParaRPr lang="zh-TW" altLang="en-US" dirty="0">
               <a:latin typeface="+mj-ea"/>
@@ -7000,7 +7003,7 @@
             <a:fld id="{9648EAF3-A6E8-4E9A-8D84-778422506FC2}" type="datetime1">
               <a:rPr lang="zh-TW" altLang="en-US" smtClean="0"/>
               <a:pPr/>
-              <a:t>2018/12/24</a:t>
+              <a:t>2018/12/25</a:t>
             </a:fld>
             <a:endParaRPr lang="zh-TW" altLang="en-US" dirty="0"/>
           </a:p>
@@ -7319,7 +7322,7 @@
             <a:fld id="{9648EAF3-A6E8-4E9A-8D84-778422506FC2}" type="datetime1">
               <a:rPr lang="zh-TW" altLang="en-US" smtClean="0"/>
               <a:pPr/>
-              <a:t>2018/12/24</a:t>
+              <a:t>2018/12/25</a:t>
             </a:fld>
             <a:endParaRPr lang="zh-TW" altLang="en-US" dirty="0"/>
           </a:p>
@@ -7520,7 +7523,7 @@
             <a:fld id="{9648EAF3-A6E8-4E9A-8D84-778422506FC2}" type="datetime1">
               <a:rPr lang="zh-TW" altLang="en-US" smtClean="0"/>
               <a:pPr/>
-              <a:t>2018/12/24</a:t>
+              <a:t>2018/12/25</a:t>
             </a:fld>
             <a:endParaRPr lang="zh-TW" altLang="en-US" dirty="0"/>
           </a:p>
@@ -7790,7 +7793,7 @@
             <a:fld id="{9648EAF3-A6E8-4E9A-8D84-778422506FC2}" type="datetime1">
               <a:rPr lang="zh-TW" altLang="en-US" smtClean="0"/>
               <a:pPr/>
-              <a:t>2018/12/24</a:t>
+              <a:t>2018/12/25</a:t>
             </a:fld>
             <a:endParaRPr lang="zh-TW" altLang="en-US" dirty="0"/>
           </a:p>
@@ -8223,7 +8226,7 @@
             <a:fld id="{9648EAF3-A6E8-4E9A-8D84-778422506FC2}" type="datetime1">
               <a:rPr lang="zh-TW" altLang="en-US" smtClean="0"/>
               <a:pPr/>
-              <a:t>2018/12/24</a:t>
+              <a:t>2018/12/25</a:t>
             </a:fld>
             <a:endParaRPr lang="zh-TW" altLang="en-US" dirty="0"/>
           </a:p>
@@ -8769,7 +8772,7 @@
             <a:fld id="{9648EAF3-A6E8-4E9A-8D84-778422506FC2}" type="datetime1">
               <a:rPr lang="zh-TW" altLang="en-US" smtClean="0"/>
               <a:pPr/>
-              <a:t>2018/12/24</a:t>
+              <a:t>2018/12/25</a:t>
             </a:fld>
             <a:endParaRPr lang="zh-TW" altLang="en-US" dirty="0"/>
           </a:p>
@@ -9635,7 +9638,7 @@
             <a:fld id="{9648EAF3-A6E8-4E9A-8D84-778422506FC2}" type="datetime1">
               <a:rPr lang="zh-TW" altLang="en-US" smtClean="0"/>
               <a:pPr/>
-              <a:t>2018/12/24</a:t>
+              <a:t>2018/12/25</a:t>
             </a:fld>
             <a:endParaRPr lang="zh-TW" altLang="en-US" dirty="0"/>
           </a:p>
@@ -9807,7 +9810,7 @@
             <a:fld id="{9648EAF3-A6E8-4E9A-8D84-778422506FC2}" type="datetime1">
               <a:rPr lang="zh-TW" altLang="en-US" smtClean="0"/>
               <a:pPr/>
-              <a:t>2018/12/24</a:t>
+              <a:t>2018/12/25</a:t>
             </a:fld>
             <a:endParaRPr lang="zh-TW" altLang="en-US" dirty="0"/>
           </a:p>
@@ -10013,7 +10016,7 @@
             <a:fld id="{9648EAF3-A6E8-4E9A-8D84-778422506FC2}" type="datetime1">
               <a:rPr lang="zh-TW" altLang="en-US" smtClean="0"/>
               <a:pPr/>
-              <a:t>2018/12/24</a:t>
+              <a:t>2018/12/25</a:t>
             </a:fld>
             <a:endParaRPr lang="zh-TW" altLang="en-US" dirty="0"/>
           </a:p>
@@ -10205,7 +10208,7 @@
             <a:fld id="{9648EAF3-A6E8-4E9A-8D84-778422506FC2}" type="datetime1">
               <a:rPr lang="zh-TW" altLang="en-US" smtClean="0"/>
               <a:pPr/>
-              <a:t>2018/12/24</a:t>
+              <a:t>2018/12/25</a:t>
             </a:fld>
             <a:endParaRPr lang="zh-TW" altLang="en-US" dirty="0"/>
           </a:p>
@@ -10458,7 +10461,7 @@
             <a:fld id="{9648EAF3-A6E8-4E9A-8D84-778422506FC2}" type="datetime1">
               <a:rPr lang="zh-TW" altLang="en-US" smtClean="0"/>
               <a:pPr/>
-              <a:t>2018/12/24</a:t>
+              <a:t>2018/12/25</a:t>
             </a:fld>
             <a:endParaRPr lang="zh-TW" altLang="en-US" dirty="0"/>
           </a:p>
@@ -10716,7 +10719,7 @@
             <a:fld id="{9648EAF3-A6E8-4E9A-8D84-778422506FC2}" type="datetime1">
               <a:rPr lang="zh-TW" altLang="en-US" smtClean="0"/>
               <a:pPr/>
-              <a:t>2018/12/24</a:t>
+              <a:t>2018/12/25</a:t>
             </a:fld>
             <a:endParaRPr lang="zh-TW" altLang="en-US" dirty="0"/>
           </a:p>
@@ -11191,7 +11194,7 @@
             <a:fld id="{9648EAF3-A6E8-4E9A-8D84-778422506FC2}" type="datetime1">
               <a:rPr lang="zh-TW" altLang="en-US" smtClean="0"/>
               <a:pPr/>
-              <a:t>2018/12/24</a:t>
+              <a:t>2018/12/25</a:t>
             </a:fld>
             <a:endParaRPr lang="zh-TW" altLang="en-US" dirty="0"/>
           </a:p>
@@ -11318,7 +11321,7 @@
             <a:fld id="{9648EAF3-A6E8-4E9A-8D84-778422506FC2}" type="datetime1">
               <a:rPr lang="zh-TW" altLang="en-US" smtClean="0"/>
               <a:pPr/>
-              <a:t>2018/12/24</a:t>
+              <a:t>2018/12/25</a:t>
             </a:fld>
             <a:endParaRPr lang="zh-TW" altLang="en-US" dirty="0"/>
           </a:p>
@@ -11435,7 +11438,7 @@
             <a:fld id="{9648EAF3-A6E8-4E9A-8D84-778422506FC2}" type="datetime1">
               <a:rPr lang="zh-TW" altLang="en-US" smtClean="0"/>
               <a:pPr/>
-              <a:t>2018/12/24</a:t>
+              <a:t>2018/12/25</a:t>
             </a:fld>
             <a:endParaRPr lang="zh-TW" altLang="en-US" dirty="0"/>
           </a:p>
@@ -11712,7 +11715,7 @@
             <a:fld id="{9648EAF3-A6E8-4E9A-8D84-778422506FC2}" type="datetime1">
               <a:rPr lang="zh-TW" altLang="en-US" smtClean="0"/>
               <a:pPr/>
-              <a:t>2018/12/24</a:t>
+              <a:t>2018/12/25</a:t>
             </a:fld>
             <a:endParaRPr lang="zh-TW" altLang="en-US" dirty="0"/>
           </a:p>
@@ -12034,7 +12037,7 @@
             <a:fld id="{9648EAF3-A6E8-4E9A-8D84-778422506FC2}" type="datetime1">
               <a:rPr lang="zh-TW" altLang="en-US" smtClean="0"/>
               <a:pPr/>
-              <a:t>2018/12/24</a:t>
+              <a:t>2018/12/25</a:t>
             </a:fld>
             <a:endParaRPr lang="zh-TW" altLang="en-US" dirty="0"/>
           </a:p>
@@ -12290,7 +12293,7 @@
             <a:fld id="{9648EAF3-A6E8-4E9A-8D84-778422506FC2}" type="datetime1">
               <a:rPr lang="zh-TW" altLang="en-US" smtClean="0"/>
               <a:pPr/>
-              <a:t>2018/12/24</a:t>
+              <a:t>2018/12/25</a:t>
             </a:fld>
             <a:endParaRPr lang="zh-TW" altLang="en-US" dirty="0"/>
           </a:p>
@@ -13012,8 +13015,8 @@
         </p:nvSpPr>
         <p:spPr>
           <a:xfrm>
-            <a:off x="-1588" y="304800"/>
-            <a:ext cx="12188825" cy="2362200"/>
+            <a:off x="-9826" y="0"/>
+            <a:ext cx="12188825" cy="3048000"/>
           </a:xfrm>
         </p:spPr>
         <p:txBody>
@@ -13024,12 +13027,28 @@
           <a:p>
             <a:pPr rtl="0"/>
             <a:r>
+              <a:rPr lang="en-US" altLang="zh-TW" sz="8000" dirty="0" smtClean="0">
+                <a:latin typeface="微軟正黑體" panose="020B0604030504040204" pitchFamily="34" charset="-120"/>
+                <a:ea typeface="微軟正黑體" panose="020B0604030504040204" pitchFamily="34" charset="-120"/>
+                <a:sym typeface="Salesforce Sans"/>
+              </a:rPr>
+              <a:t>Gaussian </a:t>
+            </a:r>
+            <a:r>
+              <a:rPr lang="en-US" altLang="zh-TW" sz="8000" dirty="0" smtClean="0">
+                <a:latin typeface="微軟正黑體" panose="020B0604030504040204" pitchFamily="34" charset="-120"/>
+                <a:ea typeface="微軟正黑體" panose="020B0604030504040204" pitchFamily="34" charset="-120"/>
+                <a:sym typeface="Salesforce Sans"/>
+              </a:rPr>
+              <a:t>Blur</a:t>
+            </a:r>
+            <a:r>
               <a:rPr lang="en-US" altLang="zh-TW" sz="6700" dirty="0" smtClean="0">
                 <a:latin typeface="微軟正黑體" panose="020B0604030504040204" pitchFamily="34" charset="-120"/>
                 <a:ea typeface="微軟正黑體" panose="020B0604030504040204" pitchFamily="34" charset="-120"/>
                 <a:sym typeface="Salesforce Sans"/>
               </a:rPr>
-              <a:t>Gaussian Blur</a:t>
+              <a:t/>
             </a:r>
             <a:br>
               <a:rPr lang="en-US" altLang="zh-TW" sz="6700" dirty="0" smtClean="0">
@@ -13039,6 +13058,21 @@
               </a:rPr>
             </a:br>
             <a:r>
+              <a:rPr lang="en-US" altLang="zh-TW" sz="6700" dirty="0" smtClean="0">
+                <a:latin typeface="微軟正黑體" panose="020B0604030504040204" pitchFamily="34" charset="-120"/>
+                <a:ea typeface="微軟正黑體" panose="020B0604030504040204" pitchFamily="34" charset="-120"/>
+                <a:sym typeface="Salesforce Sans"/>
+              </a:rPr>
+              <a:t/>
+            </a:r>
+            <a:br>
+              <a:rPr lang="en-US" altLang="zh-TW" sz="6700" dirty="0" smtClean="0">
+                <a:latin typeface="微軟正黑體" panose="020B0604030504040204" pitchFamily="34" charset="-120"/>
+                <a:ea typeface="微軟正黑體" panose="020B0604030504040204" pitchFamily="34" charset="-120"/>
+                <a:sym typeface="Salesforce Sans"/>
+              </a:rPr>
+            </a:br>
+            <a:r>
               <a:rPr lang="en-US" altLang="zh-TW" sz="5300" dirty="0" smtClean="0">
                 <a:latin typeface="微軟正黑體" panose="020B0604030504040204" pitchFamily="34" charset="-120"/>
                 <a:ea typeface="微軟正黑體" panose="020B0604030504040204" pitchFamily="34" charset="-120"/>
@@ -13066,13 +13100,13 @@
         </p:nvSpPr>
         <p:spPr>
           <a:xfrm>
-            <a:off x="1726749" y="4191000"/>
+            <a:off x="1716923" y="4267200"/>
             <a:ext cx="8735325" cy="2286000"/>
           </a:xfrm>
         </p:spPr>
         <p:txBody>
           <a:bodyPr rtlCol="0">
-            <a:normAutofit/>
+            <a:noAutofit/>
           </a:bodyPr>
           <a:lstStyle/>
           <a:p>
@@ -13160,7 +13194,7 @@
           </a:p>
           <a:p>
             <a:pPr rtl="0"/>
-            <a:endParaRPr lang="zh-TW" altLang="en-US" sz="2000" dirty="0">
+            <a:endParaRPr lang="zh-TW" altLang="en-US" sz="3000" dirty="0">
               <a:latin typeface="微軟正黑體" panose="020B0604030504040204" pitchFamily="34" charset="-120"/>
               <a:ea typeface="微軟正黑體" panose="020B0604030504040204" pitchFamily="34" charset="-120"/>
               <a:sym typeface="Salesforce Sans"/>
@@ -13219,6 +13253,288 @@
       </p:grpSpPr>
       <p:sp>
         <p:nvSpPr>
+          <p:cNvPr id="7" name="標題 6"/>
+          <p:cNvSpPr>
+            <a:spLocks noGrp="1"/>
+          </p:cNvSpPr>
+          <p:nvPr>
+            <p:ph type="title"/>
+          </p:nvPr>
+        </p:nvSpPr>
+        <p:spPr/>
+        <p:txBody>
+          <a:bodyPr rtlCol="0"/>
+          <a:lstStyle/>
+          <a:p>
+            <a:pPr rtl="0"/>
+            <a:r>
+              <a:rPr lang="zh-TW" altLang="en-US" dirty="0" smtClean="0">
+                <a:sym typeface="Salesforce Sans"/>
+              </a:rPr>
+              <a:t>新增投影片標題 </a:t>
+            </a:r>
+            <a:r>
+              <a:rPr lang="en-US" altLang="zh-TW" dirty="0" smtClean="0">
+                <a:sym typeface="Salesforce Sans"/>
+              </a:rPr>
+              <a:t>- 2</a:t>
+            </a:r>
+            <a:endParaRPr lang="zh-TW" altLang="en-US" dirty="0">
+              <a:sym typeface="Salesforce Sans"/>
+            </a:endParaRPr>
+          </a:p>
+        </p:txBody>
+      </p:sp>
+      <p:sp>
+        <p:nvSpPr>
+          <p:cNvPr id="8" name="文字預留位置 7"/>
+          <p:cNvSpPr>
+            <a:spLocks noGrp="1"/>
+          </p:cNvSpPr>
+          <p:nvPr>
+            <p:ph type="body" idx="1"/>
+          </p:nvPr>
+        </p:nvSpPr>
+        <p:spPr/>
+        <p:txBody>
+          <a:bodyPr rtlCol="0"/>
+          <a:lstStyle/>
+          <a:p>
+            <a:pPr rtl="0"/>
+            <a:endParaRPr lang="zh-TW" altLang="en-US" dirty="0">
+              <a:sym typeface="Salesforce Sans"/>
+            </a:endParaRPr>
+          </a:p>
+        </p:txBody>
+      </p:sp>
+      <p:sp>
+        <p:nvSpPr>
+          <p:cNvPr id="10" name="內容預留位置 9"/>
+          <p:cNvSpPr>
+            <a:spLocks noGrp="1"/>
+          </p:cNvSpPr>
+          <p:nvPr>
+            <p:ph sz="half" idx="2"/>
+          </p:nvPr>
+        </p:nvSpPr>
+        <p:spPr/>
+        <p:txBody>
+          <a:bodyPr rtlCol="0"/>
+          <a:lstStyle/>
+          <a:p>
+            <a:pPr rtl="0"/>
+            <a:endParaRPr lang="zh-TW" altLang="en-US" dirty="0">
+              <a:sym typeface="Salesforce Sans"/>
+            </a:endParaRPr>
+          </a:p>
+        </p:txBody>
+      </p:sp>
+      <p:sp>
+        <p:nvSpPr>
+          <p:cNvPr id="9" name="文字預留位置 8"/>
+          <p:cNvSpPr>
+            <a:spLocks noGrp="1"/>
+          </p:cNvSpPr>
+          <p:nvPr>
+            <p:ph type="body" sz="quarter" idx="3"/>
+          </p:nvPr>
+        </p:nvSpPr>
+        <p:spPr/>
+        <p:txBody>
+          <a:bodyPr rtlCol="0"/>
+          <a:lstStyle/>
+          <a:p>
+            <a:pPr rtl="0"/>
+            <a:endParaRPr lang="zh-TW" altLang="en-US" dirty="0">
+              <a:sym typeface="Salesforce Sans"/>
+            </a:endParaRPr>
+          </a:p>
+        </p:txBody>
+      </p:sp>
+      <p:sp>
+        <p:nvSpPr>
+          <p:cNvPr id="11" name="內容預留位置 10"/>
+          <p:cNvSpPr>
+            <a:spLocks noGrp="1"/>
+          </p:cNvSpPr>
+          <p:nvPr>
+            <p:ph sz="quarter" idx="4"/>
+          </p:nvPr>
+        </p:nvSpPr>
+        <p:spPr/>
+        <p:txBody>
+          <a:bodyPr rtlCol="0"/>
+          <a:lstStyle/>
+          <a:p>
+            <a:pPr rtl="0"/>
+            <a:endParaRPr lang="zh-TW" altLang="en-US" dirty="0">
+              <a:sym typeface="Salesforce Sans"/>
+            </a:endParaRPr>
+          </a:p>
+        </p:txBody>
+      </p:sp>
+    </p:spTree>
+    <p:extLst>
+      <p:ext uri="{BB962C8B-B14F-4D97-AF65-F5344CB8AC3E}">
+        <p14:creationId xmlns:p14="http://schemas.microsoft.com/office/powerpoint/2010/main" val="2672039197"/>
+      </p:ext>
+    </p:extLst>
+  </p:cSld>
+  <p:clrMapOvr>
+    <a:masterClrMapping/>
+  </p:clrMapOvr>
+  <mc:AlternateContent xmlns:mc="http://schemas.openxmlformats.org/markup-compatibility/2006" xmlns:p14="http://schemas.microsoft.com/office/powerpoint/2010/main">
+    <mc:Choice Requires="p14">
+      <p:transition spd="med" p14:dur="700">
+        <p:fade/>
+      </p:transition>
+    </mc:Choice>
+    <mc:Fallback xmlns="">
+      <p:transition spd="med">
+        <p:fade/>
+      </p:transition>
+    </mc:Fallback>
+  </mc:AlternateContent>
+</p:sld>
+</file>
+
+<file path=ppt/slides/slide11.xml><?xml version="1.0" encoding="utf-8"?>
+<p:sld xmlns:a="http://schemas.openxmlformats.org/drawingml/2006/main" xmlns:r="http://schemas.openxmlformats.org/officeDocument/2006/relationships" xmlns:p="http://schemas.openxmlformats.org/presentationml/2006/main">
+  <p:cSld>
+    <p:spTree>
+      <p:nvGrpSpPr>
+        <p:cNvPr id="1" name=""/>
+        <p:cNvGrpSpPr/>
+        <p:nvPr/>
+      </p:nvGrpSpPr>
+      <p:grpSpPr>
+        <a:xfrm>
+          <a:off x="0" y="0"/>
+          <a:ext cx="0" cy="0"/>
+          <a:chOff x="0" y="0"/>
+          <a:chExt cx="0" cy="0"/>
+        </a:xfrm>
+      </p:grpSpPr>
+      <p:sp>
+        <p:nvSpPr>
+          <p:cNvPr id="3" name="標題 2"/>
+          <p:cNvSpPr>
+            <a:spLocks noGrp="1"/>
+          </p:cNvSpPr>
+          <p:nvPr>
+            <p:ph type="title"/>
+          </p:nvPr>
+        </p:nvSpPr>
+        <p:spPr/>
+        <p:txBody>
+          <a:bodyPr rtlCol="0"/>
+          <a:lstStyle/>
+          <a:p>
+            <a:pPr rtl="0"/>
+            <a:r>
+              <a:rPr lang="zh-TW" altLang="en-US" dirty="0" smtClean="0">
+                <a:sym typeface="Salesforce Sans"/>
+              </a:rPr>
+              <a:t>新增投影片標題 </a:t>
+            </a:r>
+            <a:r>
+              <a:rPr lang="en-US" altLang="zh-TW" dirty="0" smtClean="0">
+                <a:sym typeface="Salesforce Sans"/>
+              </a:rPr>
+              <a:t>- 3</a:t>
+            </a:r>
+            <a:endParaRPr lang="zh-TW" altLang="en-US" dirty="0">
+              <a:sym typeface="Salesforce Sans"/>
+            </a:endParaRPr>
+          </a:p>
+        </p:txBody>
+      </p:sp>
+    </p:spTree>
+    <p:extLst>
+      <p:ext uri="{BB962C8B-B14F-4D97-AF65-F5344CB8AC3E}">
+        <p14:creationId xmlns:p14="http://schemas.microsoft.com/office/powerpoint/2010/main" val="397710800"/>
+      </p:ext>
+    </p:extLst>
+  </p:cSld>
+  <p:clrMapOvr>
+    <a:masterClrMapping/>
+  </p:clrMapOvr>
+  <mc:AlternateContent xmlns:mc="http://schemas.openxmlformats.org/markup-compatibility/2006" xmlns:p14="http://schemas.microsoft.com/office/powerpoint/2010/main">
+    <mc:Choice Requires="p14">
+      <p:transition spd="med" p14:dur="700">
+        <p:fade/>
+      </p:transition>
+    </mc:Choice>
+    <mc:Fallback xmlns="">
+      <p:transition spd="med">
+        <p:fade/>
+      </p:transition>
+    </mc:Fallback>
+  </mc:AlternateContent>
+</p:sld>
+</file>
+
+<file path=ppt/slides/slide12.xml><?xml version="1.0" encoding="utf-8"?>
+<p:sld xmlns:a="http://schemas.openxmlformats.org/drawingml/2006/main" xmlns:r="http://schemas.openxmlformats.org/officeDocument/2006/relationships" xmlns:p="http://schemas.openxmlformats.org/presentationml/2006/main">
+  <p:cSld>
+    <p:spTree>
+      <p:nvGrpSpPr>
+        <p:cNvPr id="1" name=""/>
+        <p:cNvGrpSpPr/>
+        <p:nvPr/>
+      </p:nvGrpSpPr>
+      <p:grpSpPr>
+        <a:xfrm>
+          <a:off x="0" y="0"/>
+          <a:ext cx="0" cy="0"/>
+          <a:chOff x="0" y="0"/>
+          <a:chExt cx="0" cy="0"/>
+        </a:xfrm>
+      </p:grpSpPr>
+    </p:spTree>
+    <p:extLst>
+      <p:ext uri="{BB962C8B-B14F-4D97-AF65-F5344CB8AC3E}">
+        <p14:creationId xmlns:p14="http://schemas.microsoft.com/office/powerpoint/2010/main" val="1405850135"/>
+      </p:ext>
+    </p:extLst>
+  </p:cSld>
+  <p:clrMapOvr>
+    <a:masterClrMapping/>
+  </p:clrMapOvr>
+  <mc:AlternateContent xmlns:mc="http://schemas.openxmlformats.org/markup-compatibility/2006" xmlns:p14="http://schemas.microsoft.com/office/powerpoint/2010/main">
+    <mc:Choice Requires="p14">
+      <p:transition spd="med" p14:dur="700">
+        <p:fade/>
+      </p:transition>
+    </mc:Choice>
+    <mc:Fallback xmlns="">
+      <p:transition spd="med">
+        <p:fade/>
+      </p:transition>
+    </mc:Fallback>
+  </mc:AlternateContent>
+</p:sld>
+</file>
+
+<file path=ppt/slides/slide13.xml><?xml version="1.0" encoding="utf-8"?>
+<p:sld xmlns:a="http://schemas.openxmlformats.org/drawingml/2006/main" xmlns:r="http://schemas.openxmlformats.org/officeDocument/2006/relationships" xmlns:p="http://schemas.openxmlformats.org/presentationml/2006/main">
+  <p:cSld>
+    <p:spTree>
+      <p:nvGrpSpPr>
+        <p:cNvPr id="1" name=""/>
+        <p:cNvGrpSpPr/>
+        <p:nvPr/>
+      </p:nvGrpSpPr>
+      <p:grpSpPr>
+        <a:xfrm>
+          <a:off x="0" y="0"/>
+          <a:ext cx="0" cy="0"/>
+          <a:chOff x="0" y="0"/>
+          <a:chExt cx="0" cy="0"/>
+        </a:xfrm>
+      </p:grpSpPr>
+      <p:sp>
+        <p:nvSpPr>
           <p:cNvPr id="2" name="標題 1"/>
           <p:cNvSpPr>
             <a:spLocks noGrp="1"/>
@@ -13320,7 +13636,7 @@
 </p:sld>
 </file>
 
-<file path=ppt/slides/slide11.xml><?xml version="1.0" encoding="utf-8"?>
+<file path=ppt/slides/slide14.xml><?xml version="1.0" encoding="utf-8"?>
 <p:sld xmlns:a="http://schemas.openxmlformats.org/drawingml/2006/main" xmlns:r="http://schemas.openxmlformats.org/officeDocument/2006/relationships" xmlns:p="http://schemas.openxmlformats.org/presentationml/2006/main">
   <p:cSld>
     <p:spTree>
@@ -13449,7 +13765,7 @@
       </p:grpSpPr>
       <p:sp>
         <p:nvSpPr>
-          <p:cNvPr id="13" name="標題 12"/>
+          <p:cNvPr id="2" name="標題 1"/>
           <p:cNvSpPr>
             <a:spLocks noGrp="1"/>
           </p:cNvSpPr>
@@ -13459,13 +13775,217 @@
         </p:nvSpPr>
         <p:spPr>
           <a:xfrm>
-            <a:off x="913557" y="0"/>
+            <a:off x="913557" y="32951"/>
             <a:ext cx="10351066" cy="970450"/>
           </a:xfrm>
         </p:spPr>
         <p:txBody>
+          <a:bodyPr>
+            <a:normAutofit/>
+          </a:bodyPr>
+          <a:lstStyle/>
+          <a:p>
+            <a:r>
+              <a:rPr lang="en-US" sz="4800" dirty="0" smtClean="0">
+                <a:latin typeface="微軟正黑體" panose="020B0604030504040204" pitchFamily="34" charset="-120"/>
+                <a:ea typeface="微軟正黑體" panose="020B0604030504040204" pitchFamily="34" charset="-120"/>
+              </a:rPr>
+              <a:t>Outline</a:t>
+            </a:r>
+            <a:endParaRPr lang="en-US" sz="4800" dirty="0">
+              <a:latin typeface="微軟正黑體" panose="020B0604030504040204" pitchFamily="34" charset="-120"/>
+              <a:ea typeface="微軟正黑體" panose="020B0604030504040204" pitchFamily="34" charset="-120"/>
+            </a:endParaRPr>
+          </a:p>
+        </p:txBody>
+      </p:sp>
+      <p:sp>
+        <p:nvSpPr>
+          <p:cNvPr id="3" name="內容版面配置區 2"/>
+          <p:cNvSpPr>
+            <a:spLocks noGrp="1"/>
+          </p:cNvSpPr>
+          <p:nvPr>
+            <p:ph idx="1"/>
+          </p:nvPr>
+        </p:nvSpPr>
+        <p:spPr>
+          <a:xfrm>
+            <a:off x="926385" y="1003401"/>
+            <a:ext cx="10351066" cy="5854599"/>
+          </a:xfrm>
+        </p:spPr>
+        <p:txBody>
+          <a:bodyPr>
+            <a:normAutofit/>
+          </a:bodyPr>
+          <a:lstStyle/>
+          <a:p>
+            <a:r>
+              <a:rPr lang="en-US" sz="2800" dirty="0" smtClean="0">
+                <a:latin typeface="微軟正黑體" panose="020B0604030504040204" pitchFamily="34" charset="-120"/>
+                <a:ea typeface="微軟正黑體" panose="020B0604030504040204" pitchFamily="34" charset="-120"/>
+              </a:rPr>
+              <a:t>Gaussian Blur explained.</a:t>
+            </a:r>
+          </a:p>
+          <a:p>
+            <a:r>
+              <a:rPr lang="en-US" sz="2800" dirty="0" smtClean="0">
+                <a:latin typeface="微軟正黑體" panose="020B0604030504040204" pitchFamily="34" charset="-120"/>
+                <a:ea typeface="微軟正黑體" panose="020B0604030504040204" pitchFamily="34" charset="-120"/>
+              </a:rPr>
+              <a:t>Motivation.</a:t>
+            </a:r>
+          </a:p>
+          <a:p>
+            <a:r>
+              <a:rPr lang="en-US" sz="2800" dirty="0" smtClean="0">
+                <a:latin typeface="微軟正黑體" panose="020B0604030504040204" pitchFamily="34" charset="-120"/>
+                <a:ea typeface="微軟正黑體" panose="020B0604030504040204" pitchFamily="34" charset="-120"/>
+              </a:rPr>
+              <a:t>Hardware for this project</a:t>
+            </a:r>
+          </a:p>
+          <a:p>
+            <a:r>
+              <a:rPr lang="en-US" sz="2800" dirty="0" smtClean="0">
+                <a:latin typeface="微軟正黑體" panose="020B0604030504040204" pitchFamily="34" charset="-120"/>
+                <a:ea typeface="微軟正黑體" panose="020B0604030504040204" pitchFamily="34" charset="-120"/>
+              </a:rPr>
+              <a:t>Parallelization platform animation.</a:t>
+            </a:r>
+          </a:p>
+          <a:p>
+            <a:r>
+              <a:rPr lang="en-US" sz="2800" dirty="0" smtClean="0">
+                <a:latin typeface="微軟正黑體" panose="020B0604030504040204" pitchFamily="34" charset="-120"/>
+                <a:ea typeface="微軟正黑體" panose="020B0604030504040204" pitchFamily="34" charset="-120"/>
+              </a:rPr>
+              <a:t>Different platforms explained and respective discoveries .</a:t>
+            </a:r>
+          </a:p>
+          <a:p>
+            <a:pPr lvl="1"/>
+            <a:r>
+              <a:rPr lang="en-US" sz="2400" dirty="0" smtClean="0">
+                <a:latin typeface="微軟正黑體" panose="020B0604030504040204" pitchFamily="34" charset="-120"/>
+                <a:ea typeface="微軟正黑體" panose="020B0604030504040204" pitchFamily="34" charset="-120"/>
+              </a:rPr>
+              <a:t>CUDA</a:t>
+            </a:r>
+          </a:p>
+          <a:p>
+            <a:pPr lvl="1"/>
+            <a:r>
+              <a:rPr lang="en-US" sz="2400" dirty="0" smtClean="0">
+                <a:latin typeface="微軟正黑體" panose="020B0604030504040204" pitchFamily="34" charset="-120"/>
+                <a:ea typeface="微軟正黑體" panose="020B0604030504040204" pitchFamily="34" charset="-120"/>
+              </a:rPr>
+              <a:t>OpenCL</a:t>
+            </a:r>
+          </a:p>
+          <a:p>
+            <a:pPr lvl="1"/>
+            <a:r>
+              <a:rPr lang="en-US" sz="2400" dirty="0" err="1" smtClean="0">
+                <a:latin typeface="微軟正黑體" panose="020B0604030504040204" pitchFamily="34" charset="-120"/>
+                <a:ea typeface="微軟正黑體" panose="020B0604030504040204" pitchFamily="34" charset="-120"/>
+              </a:rPr>
+              <a:t>OpenMP</a:t>
+            </a:r>
+            <a:endParaRPr lang="en-US" sz="2400" dirty="0" smtClean="0">
+              <a:latin typeface="微軟正黑體" panose="020B0604030504040204" pitchFamily="34" charset="-120"/>
+              <a:ea typeface="微軟正黑體" panose="020B0604030504040204" pitchFamily="34" charset="-120"/>
+            </a:endParaRPr>
+          </a:p>
+          <a:p>
+            <a:r>
+              <a:rPr lang="en-US" sz="2800" dirty="0" smtClean="0">
+                <a:latin typeface="微軟正黑體" panose="020B0604030504040204" pitchFamily="34" charset="-120"/>
+                <a:ea typeface="微軟正黑體" panose="020B0604030504040204" pitchFamily="34" charset="-120"/>
+              </a:rPr>
+              <a:t>Demo video.</a:t>
+            </a:r>
+          </a:p>
+          <a:p>
+            <a:r>
+              <a:rPr lang="en-US" sz="2800" dirty="0" smtClean="0">
+                <a:latin typeface="微軟正黑體" panose="020B0604030504040204" pitchFamily="34" charset="-120"/>
+                <a:ea typeface="微軟正黑體" panose="020B0604030504040204" pitchFamily="34" charset="-120"/>
+              </a:rPr>
+              <a:t>Q&amp;A </a:t>
+            </a:r>
+          </a:p>
+          <a:p>
+            <a:endParaRPr lang="en-US" sz="2400" dirty="0" smtClean="0">
+              <a:latin typeface="微軟正黑體" panose="020B0604030504040204" pitchFamily="34" charset="-120"/>
+              <a:ea typeface="微軟正黑體" panose="020B0604030504040204" pitchFamily="34" charset="-120"/>
+            </a:endParaRPr>
+          </a:p>
+          <a:p>
+            <a:endParaRPr lang="en-US" sz="2400" dirty="0" smtClean="0">
+              <a:latin typeface="微軟正黑體" panose="020B0604030504040204" pitchFamily="34" charset="-120"/>
+              <a:ea typeface="微軟正黑體" panose="020B0604030504040204" pitchFamily="34" charset="-120"/>
+            </a:endParaRPr>
+          </a:p>
+          <a:p>
+            <a:endParaRPr lang="en-US" sz="2400" dirty="0">
+              <a:latin typeface="微軟正黑體" panose="020B0604030504040204" pitchFamily="34" charset="-120"/>
+              <a:ea typeface="微軟正黑體" panose="020B0604030504040204" pitchFamily="34" charset="-120"/>
+            </a:endParaRPr>
+          </a:p>
+        </p:txBody>
+      </p:sp>
+    </p:spTree>
+    <p:extLst>
+      <p:ext uri="{BB962C8B-B14F-4D97-AF65-F5344CB8AC3E}">
+        <p14:creationId xmlns:p14="http://schemas.microsoft.com/office/powerpoint/2010/main" val="2695480174"/>
+      </p:ext>
+    </p:extLst>
+  </p:cSld>
+  <p:clrMapOvr>
+    <a:masterClrMapping/>
+  </p:clrMapOvr>
+</p:sld>
+</file>
+
+<file path=ppt/slides/slide3.xml><?xml version="1.0" encoding="utf-8"?>
+<p:sld xmlns:a="http://schemas.openxmlformats.org/drawingml/2006/main" xmlns:r="http://schemas.openxmlformats.org/officeDocument/2006/relationships" xmlns:p="http://schemas.openxmlformats.org/presentationml/2006/main">
+  <p:cSld>
+    <p:spTree>
+      <p:nvGrpSpPr>
+        <p:cNvPr id="1" name=""/>
+        <p:cNvGrpSpPr/>
+        <p:nvPr/>
+      </p:nvGrpSpPr>
+      <p:grpSpPr>
+        <a:xfrm>
+          <a:off x="0" y="0"/>
+          <a:ext cx="0" cy="0"/>
+          <a:chOff x="0" y="0"/>
+          <a:chExt cx="0" cy="0"/>
+        </a:xfrm>
+      </p:grpSpPr>
+      <p:sp>
+        <p:nvSpPr>
+          <p:cNvPr id="13" name="標題 12"/>
+          <p:cNvSpPr>
+            <a:spLocks noGrp="1"/>
+          </p:cNvSpPr>
+          <p:nvPr>
+            <p:ph type="title"/>
+          </p:nvPr>
+        </p:nvSpPr>
+        <p:spPr>
+          <a:xfrm>
+            <a:off x="4590" y="0"/>
+            <a:ext cx="12153343" cy="970450"/>
+          </a:xfrm>
+        </p:spPr>
+        <p:txBody>
           <a:bodyPr rtlCol="0">
-            <a:normAutofit fontScale="90000"/>
+            <a:noAutofit/>
           </a:bodyPr>
           <a:lstStyle/>
           <a:p>
@@ -13476,7 +13996,23 @@
                 <a:ea typeface="微軟正黑體" panose="020B0604030504040204" pitchFamily="34" charset="-120"/>
                 <a:sym typeface="Salesforce Sans"/>
               </a:rPr>
-              <a:t>What is Gaussian Blur and why need?</a:t>
+              <a:t>What is Gaussian Blur and </a:t>
+            </a:r>
+            <a:r>
+              <a:rPr lang="en-US" altLang="zh-TW" sz="4800" dirty="0" smtClean="0">
+                <a:latin typeface="微軟正黑體" panose="020B0604030504040204" pitchFamily="34" charset="-120"/>
+                <a:ea typeface="微軟正黑體" panose="020B0604030504040204" pitchFamily="34" charset="-120"/>
+                <a:sym typeface="Salesforce Sans"/>
+              </a:rPr>
+              <a:t>why </a:t>
+            </a:r>
+            <a:r>
+              <a:rPr lang="en-US" altLang="zh-TW" sz="4800" dirty="0" smtClean="0">
+                <a:latin typeface="微軟正黑體" panose="020B0604030504040204" pitchFamily="34" charset="-120"/>
+                <a:ea typeface="微軟正黑體" panose="020B0604030504040204" pitchFamily="34" charset="-120"/>
+                <a:sym typeface="Salesforce Sans"/>
+              </a:rPr>
+              <a:t>need?</a:t>
             </a:r>
             <a:endParaRPr lang="zh-TW" altLang="en-US" sz="4800" dirty="0">
               <a:latin typeface="微軟正黑體" panose="020B0604030504040204" pitchFamily="34" charset="-120"/>
@@ -13488,7 +14024,7 @@
       </p:sp>
       <p:sp>
         <p:nvSpPr>
-          <p:cNvPr id="14" name="內容預留位置 13"/>
+          <p:cNvPr id="2" name="內容版面配置區 1"/>
           <p:cNvSpPr>
             <a:spLocks noGrp="1"/>
           </p:cNvSpPr>
@@ -13496,42 +14032,226 @@
             <p:ph idx="1"/>
           </p:nvPr>
         </p:nvSpPr>
-        <p:spPr/>
+        <p:spPr>
+          <a:xfrm>
+            <a:off x="20036" y="970450"/>
+            <a:ext cx="5754130" cy="5638800"/>
+          </a:xfrm>
+        </p:spPr>
         <p:txBody>
-          <a:bodyPr rtlCol="0"/>
+          <a:bodyPr/>
           <a:lstStyle/>
           <a:p>
-            <a:pPr rtl="0"/>
-            <a:r>
-              <a:rPr lang="zh-TW" altLang="en-US" dirty="0">
-                <a:latin typeface="Salesforce Sans"/>
+            <a:r>
+              <a:rPr lang="en-US" sz="2400" dirty="0" smtClean="0">
+                <a:latin typeface="微軟正黑體" panose="020B0604030504040204" pitchFamily="34" charset="-120"/>
                 <a:ea typeface="微軟正黑體" panose="020B0604030504040204" pitchFamily="34" charset="-120"/>
-                <a:sym typeface="Salesforce Sans"/>
               </a:rPr>
-              <a:t>在此新增您的第一個項目符號</a:t>
-            </a:r>
-          </a:p>
-          <a:p>
-            <a:pPr rtl="0"/>
-            <a:r>
-              <a:rPr lang="zh-TW" altLang="en-US" dirty="0">
-                <a:latin typeface="Salesforce Sans"/>
+              <a:t>An image processing algorithm using convolution to </a:t>
+            </a:r>
+            <a:r>
+              <a:rPr lang="en-US" sz="2400" b="1" u="sng" dirty="0" smtClean="0">
+                <a:latin typeface="微軟正黑體" panose="020B0604030504040204" pitchFamily="34" charset="-120"/>
                 <a:ea typeface="微軟正黑體" panose="020B0604030504040204" pitchFamily="34" charset="-120"/>
-                <a:sym typeface="Salesforce Sans"/>
               </a:rPr>
-              <a:t>在此新增您的第二個項目符號</a:t>
-            </a:r>
-          </a:p>
-          <a:p>
-            <a:pPr rtl="0"/>
-            <a:r>
-              <a:rPr lang="zh-TW" altLang="en-US" dirty="0">
-                <a:latin typeface="Salesforce Sans"/>
+              <a:t>smooth images.</a:t>
+            </a:r>
+          </a:p>
+          <a:p>
+            <a:r>
+              <a:rPr lang="en-US" sz="2400" dirty="0" smtClean="0">
+                <a:latin typeface="微軟正黑體" panose="020B0604030504040204" pitchFamily="34" charset="-120"/>
                 <a:ea typeface="微軟正黑體" panose="020B0604030504040204" pitchFamily="34" charset="-120"/>
-                <a:sym typeface="Salesforce Sans"/>
               </a:rPr>
-              <a:t>在此新增您的第三個項目符號</a:t>
-            </a:r>
+              <a:t>Result images varies with filter size and standard deviation of Gaussian Kernel. </a:t>
+            </a:r>
+          </a:p>
+          <a:p>
+            <a:r>
+              <a:rPr lang="en-US" sz="2400" dirty="0" smtClean="0">
+                <a:latin typeface="微軟正黑體" panose="020B0604030504040204" pitchFamily="34" charset="-120"/>
+                <a:ea typeface="微軟正黑體" panose="020B0604030504040204" pitchFamily="34" charset="-120"/>
+              </a:rPr>
+              <a:t>Such algorithm can be used for noise reduction of the image.</a:t>
+            </a:r>
+          </a:p>
+          <a:p>
+            <a:r>
+              <a:rPr lang="en-US" sz="2400" dirty="0" smtClean="0">
+                <a:latin typeface="微軟正黑體" panose="020B0604030504040204" pitchFamily="34" charset="-120"/>
+                <a:ea typeface="微軟正黑體" panose="020B0604030504040204" pitchFamily="34" charset="-120"/>
+              </a:rPr>
+              <a:t>Time complexity is </a:t>
+            </a:r>
+            <a:r>
+              <a:rPr lang="en-US" sz="2400" b="1" dirty="0" smtClean="0">
+                <a:latin typeface="微軟正黑體" panose="020B0604030504040204" pitchFamily="34" charset="-120"/>
+                <a:ea typeface="微軟正黑體" panose="020B0604030504040204" pitchFamily="34" charset="-120"/>
+              </a:rPr>
+              <a:t>O(</a:t>
+            </a:r>
+            <a:r>
+              <a:rPr lang="en-US" sz="2400" b="1" dirty="0" err="1" smtClean="0">
+                <a:latin typeface="微軟正黑體" panose="020B0604030504040204" pitchFamily="34" charset="-120"/>
+                <a:ea typeface="微軟正黑體" panose="020B0604030504040204" pitchFamily="34" charset="-120"/>
+              </a:rPr>
+              <a:t>img_width</a:t>
+            </a:r>
+            <a:r>
+              <a:rPr lang="en-US" sz="2400" b="1" dirty="0" smtClean="0">
+                <a:latin typeface="微軟正黑體" panose="020B0604030504040204" pitchFamily="34" charset="-120"/>
+                <a:ea typeface="微軟正黑體" panose="020B0604030504040204" pitchFamily="34" charset="-120"/>
+              </a:rPr>
+              <a:t> x </a:t>
+            </a:r>
+            <a:r>
+              <a:rPr lang="en-US" sz="2400" b="1" dirty="0" err="1" smtClean="0">
+                <a:latin typeface="微軟正黑體" panose="020B0604030504040204" pitchFamily="34" charset="-120"/>
+                <a:ea typeface="微軟正黑體" panose="020B0604030504040204" pitchFamily="34" charset="-120"/>
+              </a:rPr>
+              <a:t>img_height</a:t>
+            </a:r>
+            <a:r>
+              <a:rPr lang="en-US" sz="2400" b="1" dirty="0" smtClean="0">
+                <a:latin typeface="微軟正黑體" panose="020B0604030504040204" pitchFamily="34" charset="-120"/>
+                <a:ea typeface="微軟正黑體" panose="020B0604030504040204" pitchFamily="34" charset="-120"/>
+              </a:rPr>
+              <a:t> x filter_size^2)</a:t>
+            </a:r>
+          </a:p>
+          <a:p>
+            <a:endParaRPr lang="en-US" dirty="0">
+              <a:latin typeface="微軟正黑體" panose="020B0604030504040204" pitchFamily="34" charset="-120"/>
+              <a:ea typeface="微軟正黑體" panose="020B0604030504040204" pitchFamily="34" charset="-120"/>
+            </a:endParaRPr>
+          </a:p>
+        </p:txBody>
+      </p:sp>
+      <p:pic>
+        <p:nvPicPr>
+          <p:cNvPr id="3" name="圖片 2"/>
+          <p:cNvPicPr>
+            <a:picLocks noChangeAspect="1"/>
+          </p:cNvPicPr>
+          <p:nvPr/>
+        </p:nvPicPr>
+        <p:blipFill>
+          <a:blip r:embed="rId3">
+            <a:extLst>
+              <a:ext uri="{28A0092B-C50C-407E-A947-70E740481C1C}">
+                <a14:useLocalDpi xmlns:a14="http://schemas.microsoft.com/office/drawing/2010/main" val="0"/>
+              </a:ext>
+            </a:extLst>
+          </a:blip>
+          <a:stretch>
+            <a:fillRect/>
+          </a:stretch>
+        </p:blipFill>
+        <p:spPr>
+          <a:xfrm>
+            <a:off x="5789612" y="976628"/>
+            <a:ext cx="3481267" cy="2610950"/>
+          </a:xfrm>
+          <a:prstGeom prst="rect">
+            <a:avLst/>
+          </a:prstGeom>
+        </p:spPr>
+      </p:pic>
+      <p:pic>
+        <p:nvPicPr>
+          <p:cNvPr id="4" name="圖片 3"/>
+          <p:cNvPicPr>
+            <a:picLocks noChangeAspect="1"/>
+          </p:cNvPicPr>
+          <p:nvPr/>
+        </p:nvPicPr>
+        <p:blipFill>
+          <a:blip r:embed="rId4">
+            <a:extLst>
+              <a:ext uri="{28A0092B-C50C-407E-A947-70E740481C1C}">
+                <a14:useLocalDpi xmlns:a14="http://schemas.microsoft.com/office/drawing/2010/main" val="0"/>
+              </a:ext>
+            </a:extLst>
+          </a:blip>
+          <a:stretch>
+            <a:fillRect/>
+          </a:stretch>
+        </p:blipFill>
+        <p:spPr>
+          <a:xfrm>
+            <a:off x="5789612" y="3905987"/>
+            <a:ext cx="3481267" cy="2610950"/>
+          </a:xfrm>
+          <a:prstGeom prst="rect">
+            <a:avLst/>
+          </a:prstGeom>
+        </p:spPr>
+      </p:pic>
+      <p:sp>
+        <p:nvSpPr>
+          <p:cNvPr id="5" name="文字方塊 4"/>
+          <p:cNvSpPr txBox="1"/>
+          <p:nvPr/>
+        </p:nvSpPr>
+        <p:spPr>
+          <a:xfrm>
+            <a:off x="9371012" y="3263653"/>
+            <a:ext cx="2939321" cy="1200329"/>
+          </a:xfrm>
+          <a:prstGeom prst="rect">
+            <a:avLst/>
+          </a:prstGeom>
+          <a:noFill/>
+        </p:spPr>
+        <p:txBody>
+          <a:bodyPr wrap="square" rtlCol="0">
+            <a:spAutoFit/>
+          </a:bodyPr>
+          <a:lstStyle/>
+          <a:p>
+            <a:r>
+              <a:rPr lang="en-US" dirty="0" smtClean="0">
+                <a:latin typeface="微軟正黑體" panose="020B0604030504040204" pitchFamily="34" charset="-120"/>
+                <a:ea typeface="微軟正黑體" panose="020B0604030504040204" pitchFamily="34" charset="-120"/>
+              </a:rPr>
+              <a:t>640 x 480 </a:t>
+            </a:r>
+          </a:p>
+          <a:p>
+            <a:r>
+              <a:rPr lang="en-US" dirty="0" smtClean="0">
+                <a:latin typeface="微軟正黑體" panose="020B0604030504040204" pitchFamily="34" charset="-120"/>
+                <a:ea typeface="微軟正黑體" panose="020B0604030504040204" pitchFamily="34" charset="-120"/>
+              </a:rPr>
+              <a:t>filter size 101 x 101</a:t>
+            </a:r>
+          </a:p>
+          <a:p>
+            <a:r>
+              <a:rPr lang="en-US" dirty="0" err="1">
+                <a:latin typeface="微軟正黑體" panose="020B0604030504040204" pitchFamily="34" charset="-120"/>
+                <a:ea typeface="微軟正黑體" panose="020B0604030504040204" pitchFamily="34" charset="-120"/>
+              </a:rPr>
+              <a:t>s</a:t>
+            </a:r>
+            <a:r>
+              <a:rPr lang="en-US" dirty="0" err="1" smtClean="0">
+                <a:latin typeface="微軟正黑體" panose="020B0604030504040204" pitchFamily="34" charset="-120"/>
+                <a:ea typeface="微軟正黑體" panose="020B0604030504040204" pitchFamily="34" charset="-120"/>
+              </a:rPr>
+              <a:t>tddev</a:t>
+            </a:r>
+            <a:r>
+              <a:rPr lang="en-US" dirty="0" smtClean="0">
+                <a:latin typeface="微軟正黑體" panose="020B0604030504040204" pitchFamily="34" charset="-120"/>
+                <a:ea typeface="微軟正黑體" panose="020B0604030504040204" pitchFamily="34" charset="-120"/>
+              </a:rPr>
+              <a:t>  10</a:t>
+            </a:r>
+            <a:endParaRPr lang="en-US" dirty="0">
+              <a:latin typeface="微軟正黑體" panose="020B0604030504040204" pitchFamily="34" charset="-120"/>
+              <a:ea typeface="微軟正黑體" panose="020B0604030504040204" pitchFamily="34" charset="-120"/>
+            </a:endParaRPr>
           </a:p>
         </p:txBody>
       </p:sp>
@@ -13567,7 +14287,503 @@
 </p:sld>
 </file>
 
-<file path=ppt/slides/slide3.xml><?xml version="1.0" encoding="utf-8"?>
+<file path=ppt/slides/slide4.xml><?xml version="1.0" encoding="utf-8"?>
+<p:sld xmlns:a="http://schemas.openxmlformats.org/drawingml/2006/main" xmlns:r="http://schemas.openxmlformats.org/officeDocument/2006/relationships" xmlns:p="http://schemas.openxmlformats.org/presentationml/2006/main">
+  <p:cSld>
+    <p:spTree>
+      <p:nvGrpSpPr>
+        <p:cNvPr id="1" name=""/>
+        <p:cNvGrpSpPr/>
+        <p:nvPr/>
+      </p:nvGrpSpPr>
+      <p:grpSpPr>
+        <a:xfrm>
+          <a:off x="0" y="0"/>
+          <a:ext cx="0" cy="0"/>
+          <a:chOff x="0" y="0"/>
+          <a:chExt cx="0" cy="0"/>
+        </a:xfrm>
+      </p:grpSpPr>
+      <p:sp>
+        <p:nvSpPr>
+          <p:cNvPr id="2" name="標題 1"/>
+          <p:cNvSpPr>
+            <a:spLocks noGrp="1"/>
+          </p:cNvSpPr>
+          <p:nvPr>
+            <p:ph type="title"/>
+          </p:nvPr>
+        </p:nvSpPr>
+        <p:spPr>
+          <a:xfrm>
+            <a:off x="918147" y="4119"/>
+            <a:ext cx="10351066" cy="970450"/>
+          </a:xfrm>
+        </p:spPr>
+        <p:txBody>
+          <a:bodyPr>
+            <a:normAutofit/>
+          </a:bodyPr>
+          <a:lstStyle/>
+          <a:p>
+            <a:r>
+              <a:rPr lang="en-US" sz="4800" dirty="0" smtClean="0">
+                <a:latin typeface="微軟正黑體" panose="020B0604030504040204" pitchFamily="34" charset="-120"/>
+                <a:ea typeface="微軟正黑體" panose="020B0604030504040204" pitchFamily="34" charset="-120"/>
+              </a:rPr>
+              <a:t>Motivation of this project</a:t>
+            </a:r>
+            <a:endParaRPr lang="en-US" sz="4800" dirty="0">
+              <a:latin typeface="微軟正黑體" panose="020B0604030504040204" pitchFamily="34" charset="-120"/>
+              <a:ea typeface="微軟正黑體" panose="020B0604030504040204" pitchFamily="34" charset="-120"/>
+            </a:endParaRPr>
+          </a:p>
+        </p:txBody>
+      </p:sp>
+      <p:sp>
+        <p:nvSpPr>
+          <p:cNvPr id="3" name="內容版面配置區 2"/>
+          <p:cNvSpPr>
+            <a:spLocks noGrp="1"/>
+          </p:cNvSpPr>
+          <p:nvPr>
+            <p:ph idx="1"/>
+          </p:nvPr>
+        </p:nvSpPr>
+        <p:spPr>
+          <a:xfrm>
+            <a:off x="0" y="937499"/>
+            <a:ext cx="5713412" cy="5844301"/>
+          </a:xfrm>
+        </p:spPr>
+        <p:txBody>
+          <a:bodyPr>
+            <a:normAutofit/>
+          </a:bodyPr>
+          <a:lstStyle/>
+          <a:p>
+            <a:r>
+              <a:rPr lang="en-US" sz="2400" dirty="0" smtClean="0">
+                <a:latin typeface="微軟正黑體" panose="020B0604030504040204" pitchFamily="34" charset="-120"/>
+                <a:ea typeface="微軟正黑體" panose="020B0604030504040204" pitchFamily="34" charset="-120"/>
+              </a:rPr>
+              <a:t>Widely used algorithm in lots of software like </a:t>
+            </a:r>
+            <a:r>
+              <a:rPr lang="en-US" sz="2400" dirty="0" err="1" smtClean="0">
+                <a:latin typeface="微軟正黑體" panose="020B0604030504040204" pitchFamily="34" charset="-120"/>
+                <a:ea typeface="微軟正黑體" panose="020B0604030504040204" pitchFamily="34" charset="-120"/>
+              </a:rPr>
+              <a:t>PhotoShop</a:t>
+            </a:r>
+            <a:r>
+              <a:rPr lang="en-US" sz="2400" dirty="0" smtClean="0">
+                <a:latin typeface="微軟正黑體" panose="020B0604030504040204" pitchFamily="34" charset="-120"/>
+                <a:ea typeface="微軟正黑體" panose="020B0604030504040204" pitchFamily="34" charset="-120"/>
+              </a:rPr>
+              <a:t>, GIMP.</a:t>
+            </a:r>
+          </a:p>
+          <a:p>
+            <a:r>
+              <a:rPr lang="en-US" sz="2400" dirty="0" smtClean="0">
+                <a:latin typeface="微軟正黑體" panose="020B0604030504040204" pitchFamily="34" charset="-120"/>
+                <a:ea typeface="微軟正黑體" panose="020B0604030504040204" pitchFamily="34" charset="-120"/>
+              </a:rPr>
+              <a:t>Due to convolution, the compute complexity is </a:t>
+            </a:r>
+            <a:r>
+              <a:rPr lang="en-US" sz="2400" b="1" u="sng" dirty="0" smtClean="0">
+                <a:latin typeface="微軟正黑體" panose="020B0604030504040204" pitchFamily="34" charset="-120"/>
+                <a:ea typeface="微軟正黑體" panose="020B0604030504040204" pitchFamily="34" charset="-120"/>
+              </a:rPr>
+              <a:t>extremely high.</a:t>
+            </a:r>
+          </a:p>
+          <a:p>
+            <a:r>
+              <a:rPr lang="en-US" sz="2400" dirty="0" smtClean="0">
+                <a:latin typeface="微軟正黑體" panose="020B0604030504040204" pitchFamily="34" charset="-120"/>
+                <a:ea typeface="微軟正黑體" panose="020B0604030504040204" pitchFamily="34" charset="-120"/>
+              </a:rPr>
+              <a:t>Beside the well-known </a:t>
+            </a:r>
+            <a:r>
+              <a:rPr lang="en-US" sz="2400" dirty="0" smtClean="0">
+                <a:solidFill>
+                  <a:srgbClr val="00B0F0"/>
+                </a:solidFill>
+                <a:latin typeface="微軟正黑體" panose="020B0604030504040204" pitchFamily="34" charset="-120"/>
+                <a:ea typeface="微軟正黑體" panose="020B0604030504040204" pitchFamily="34" charset="-120"/>
+              </a:rPr>
+              <a:t>POSIX thread</a:t>
+            </a:r>
+            <a:r>
+              <a:rPr lang="en-US" sz="2400" dirty="0" smtClean="0">
+                <a:latin typeface="微軟正黑體" panose="020B0604030504040204" pitchFamily="34" charset="-120"/>
+                <a:ea typeface="微軟正黑體" panose="020B0604030504040204" pitchFamily="34" charset="-120"/>
+              </a:rPr>
+              <a:t> ,with an eye to try parallel on </a:t>
+            </a:r>
+            <a:r>
+              <a:rPr lang="en-US" sz="2400" dirty="0" err="1" smtClean="0">
+                <a:solidFill>
+                  <a:srgbClr val="00B0F0"/>
+                </a:solidFill>
+                <a:latin typeface="微軟正黑體" panose="020B0604030504040204" pitchFamily="34" charset="-120"/>
+                <a:ea typeface="微軟正黑體" panose="020B0604030504040204" pitchFamily="34" charset="-120"/>
+              </a:rPr>
+              <a:t>OpenMP</a:t>
+            </a:r>
+            <a:r>
+              <a:rPr lang="en-US" sz="2400" dirty="0" smtClean="0">
+                <a:latin typeface="微軟正黑體" panose="020B0604030504040204" pitchFamily="34" charset="-120"/>
+                <a:ea typeface="微軟正黑體" panose="020B0604030504040204" pitchFamily="34" charset="-120"/>
+              </a:rPr>
+              <a:t> where both computes with </a:t>
+            </a:r>
+            <a:r>
+              <a:rPr lang="en-US" sz="2400" dirty="0" smtClean="0">
+                <a:solidFill>
+                  <a:srgbClr val="00B0F0"/>
+                </a:solidFill>
+                <a:latin typeface="微軟正黑體" panose="020B0604030504040204" pitchFamily="34" charset="-120"/>
+                <a:ea typeface="微軟正黑體" panose="020B0604030504040204" pitchFamily="34" charset="-120"/>
+              </a:rPr>
+              <a:t>CPU</a:t>
+            </a:r>
+            <a:r>
+              <a:rPr lang="en-US" sz="2400" dirty="0" smtClean="0">
+                <a:latin typeface="微軟正黑體" panose="020B0604030504040204" pitchFamily="34" charset="-120"/>
+                <a:ea typeface="微軟正黑體" panose="020B0604030504040204" pitchFamily="34" charset="-120"/>
+              </a:rPr>
+              <a:t>.</a:t>
+            </a:r>
+          </a:p>
+          <a:p>
+            <a:r>
+              <a:rPr lang="en-US" sz="2400" b="1" u="sng" dirty="0" smtClean="0">
+                <a:solidFill>
+                  <a:srgbClr val="FF0000"/>
+                </a:solidFill>
+                <a:effectLst/>
+                <a:latin typeface="微軟正黑體" panose="020B0604030504040204" pitchFamily="34" charset="-120"/>
+                <a:ea typeface="微軟正黑體" panose="020B0604030504040204" pitchFamily="34" charset="-120"/>
+              </a:rPr>
+              <a:t>Heterogeneous computation: </a:t>
+            </a:r>
+            <a:r>
+              <a:rPr lang="en-US" sz="2400" dirty="0" smtClean="0">
+                <a:solidFill>
+                  <a:schemeClr val="tx1"/>
+                </a:solidFill>
+                <a:effectLst/>
+                <a:latin typeface="微軟正黑體" panose="020B0604030504040204" pitchFamily="34" charset="-120"/>
+                <a:ea typeface="微軟正黑體" panose="020B0604030504040204" pitchFamily="34" charset="-120"/>
+              </a:rPr>
+              <a:t>Use </a:t>
+            </a:r>
+            <a:r>
+              <a:rPr lang="en-US" sz="2400" dirty="0" smtClean="0">
+                <a:solidFill>
+                  <a:srgbClr val="FF0000"/>
+                </a:solidFill>
+                <a:effectLst/>
+                <a:latin typeface="微軟正黑體" panose="020B0604030504040204" pitchFamily="34" charset="-120"/>
+                <a:ea typeface="微軟正黑體" panose="020B0604030504040204" pitchFamily="34" charset="-120"/>
+              </a:rPr>
+              <a:t>more than one kind </a:t>
+            </a:r>
+            <a:r>
+              <a:rPr lang="en-US" sz="2400" dirty="0" smtClean="0">
+                <a:solidFill>
+                  <a:schemeClr val="tx1"/>
+                </a:solidFill>
+                <a:effectLst/>
+                <a:latin typeface="微軟正黑體" panose="020B0604030504040204" pitchFamily="34" charset="-120"/>
+                <a:ea typeface="微軟正黑體" panose="020B0604030504040204" pitchFamily="34" charset="-120"/>
+              </a:rPr>
+              <a:t>of processors, </a:t>
+            </a:r>
+            <a:r>
+              <a:rPr lang="en-US" sz="2400" dirty="0" smtClean="0">
+                <a:solidFill>
+                  <a:srgbClr val="FF0000"/>
+                </a:solidFill>
+                <a:effectLst/>
+                <a:latin typeface="微軟正黑體" panose="020B0604030504040204" pitchFamily="34" charset="-120"/>
+                <a:ea typeface="微軟正黑體" panose="020B0604030504040204" pitchFamily="34" charset="-120"/>
+              </a:rPr>
+              <a:t>co-processing</a:t>
+            </a:r>
+            <a:r>
+              <a:rPr lang="en-US" sz="2400" dirty="0" smtClean="0">
+                <a:solidFill>
+                  <a:schemeClr val="tx1"/>
+                </a:solidFill>
+                <a:effectLst/>
+                <a:latin typeface="微軟正黑體" panose="020B0604030504040204" pitchFamily="34" charset="-120"/>
+                <a:ea typeface="微軟正黑體" panose="020B0604030504040204" pitchFamily="34" charset="-120"/>
+              </a:rPr>
+              <a:t> to gain </a:t>
+            </a:r>
+            <a:r>
+              <a:rPr lang="en-US" sz="2400" dirty="0" smtClean="0">
+                <a:solidFill>
+                  <a:srgbClr val="FF0000"/>
+                </a:solidFill>
+                <a:effectLst/>
+                <a:latin typeface="微軟正黑體" panose="020B0604030504040204" pitchFamily="34" charset="-120"/>
+                <a:ea typeface="微軟正黑體" panose="020B0604030504040204" pitchFamily="34" charset="-120"/>
+              </a:rPr>
+              <a:t>significantly performance improvement </a:t>
+            </a:r>
+            <a:r>
+              <a:rPr lang="en-US" sz="2400" dirty="0" smtClean="0">
+                <a:solidFill>
+                  <a:schemeClr val="tx1"/>
+                </a:solidFill>
+                <a:effectLst/>
+                <a:latin typeface="微軟正黑體" panose="020B0604030504040204" pitchFamily="34" charset="-120"/>
+                <a:ea typeface="微軟正黑體" panose="020B0604030504040204" pitchFamily="34" charset="-120"/>
+              </a:rPr>
+              <a:t>such as </a:t>
+            </a:r>
+            <a:r>
+              <a:rPr lang="en-US" sz="2400" dirty="0" smtClean="0">
+                <a:solidFill>
+                  <a:srgbClr val="FF0000"/>
+                </a:solidFill>
+                <a:effectLst/>
+                <a:latin typeface="微軟正黑體" panose="020B0604030504040204" pitchFamily="34" charset="-120"/>
+                <a:ea typeface="微軟正黑體" panose="020B0604030504040204" pitchFamily="34" charset="-120"/>
+              </a:rPr>
+              <a:t>CUDA</a:t>
+            </a:r>
+            <a:r>
+              <a:rPr lang="en-US" sz="2400" dirty="0" smtClean="0">
+                <a:solidFill>
+                  <a:schemeClr val="tx1"/>
+                </a:solidFill>
+                <a:effectLst/>
+                <a:latin typeface="微軟正黑體" panose="020B0604030504040204" pitchFamily="34" charset="-120"/>
+                <a:ea typeface="微軟正黑體" panose="020B0604030504040204" pitchFamily="34" charset="-120"/>
+              </a:rPr>
+              <a:t> and </a:t>
+            </a:r>
+            <a:r>
+              <a:rPr lang="en-US" sz="2400" dirty="0" smtClean="0">
+                <a:solidFill>
+                  <a:srgbClr val="FF0000"/>
+                </a:solidFill>
+                <a:effectLst/>
+                <a:latin typeface="微軟正黑體" panose="020B0604030504040204" pitchFamily="34" charset="-120"/>
+                <a:ea typeface="微軟正黑體" panose="020B0604030504040204" pitchFamily="34" charset="-120"/>
+              </a:rPr>
+              <a:t>OpenCL</a:t>
+            </a:r>
+            <a:r>
+              <a:rPr lang="en-US" sz="2400" dirty="0" smtClean="0">
+                <a:solidFill>
+                  <a:schemeClr val="tx1"/>
+                </a:solidFill>
+                <a:effectLst/>
+                <a:latin typeface="微軟正黑體" panose="020B0604030504040204" pitchFamily="34" charset="-120"/>
+                <a:ea typeface="微軟正黑體" panose="020B0604030504040204" pitchFamily="34" charset="-120"/>
+              </a:rPr>
+              <a:t> </a:t>
+            </a:r>
+          </a:p>
+          <a:p>
+            <a:endParaRPr lang="en-US" sz="2400" dirty="0" smtClean="0">
+              <a:latin typeface="微軟正黑體" panose="020B0604030504040204" pitchFamily="34" charset="-120"/>
+              <a:ea typeface="微軟正黑體" panose="020B0604030504040204" pitchFamily="34" charset="-120"/>
+            </a:endParaRPr>
+          </a:p>
+          <a:p>
+            <a:endParaRPr lang="en-US" sz="2400" dirty="0" smtClean="0">
+              <a:latin typeface="微軟正黑體" panose="020B0604030504040204" pitchFamily="34" charset="-120"/>
+              <a:ea typeface="微軟正黑體" panose="020B0604030504040204" pitchFamily="34" charset="-120"/>
+            </a:endParaRPr>
+          </a:p>
+          <a:p>
+            <a:endParaRPr lang="en-US" sz="2400" dirty="0" smtClean="0">
+              <a:latin typeface="微軟正黑體" panose="020B0604030504040204" pitchFamily="34" charset="-120"/>
+              <a:ea typeface="微軟正黑體" panose="020B0604030504040204" pitchFamily="34" charset="-120"/>
+            </a:endParaRPr>
+          </a:p>
+          <a:p>
+            <a:endParaRPr lang="en-US" sz="2400" dirty="0">
+              <a:latin typeface="微軟正黑體" panose="020B0604030504040204" pitchFamily="34" charset="-120"/>
+              <a:ea typeface="微軟正黑體" panose="020B0604030504040204" pitchFamily="34" charset="-120"/>
+            </a:endParaRPr>
+          </a:p>
+        </p:txBody>
+      </p:sp>
+      <p:pic>
+        <p:nvPicPr>
+          <p:cNvPr id="4" name="圖片 3"/>
+          <p:cNvPicPr>
+            <a:picLocks noChangeAspect="1"/>
+          </p:cNvPicPr>
+          <p:nvPr/>
+        </p:nvPicPr>
+        <p:blipFill>
+          <a:blip r:embed="rId2">
+            <a:extLst>
+              <a:ext uri="{28A0092B-C50C-407E-A947-70E740481C1C}">
+                <a14:useLocalDpi xmlns:a14="http://schemas.microsoft.com/office/drawing/2010/main" val="0"/>
+              </a:ext>
+            </a:extLst>
+          </a:blip>
+          <a:stretch>
+            <a:fillRect/>
+          </a:stretch>
+        </p:blipFill>
+        <p:spPr>
+          <a:xfrm>
+            <a:off x="6011872" y="962213"/>
+            <a:ext cx="6026139" cy="4649478"/>
+          </a:xfrm>
+          <a:prstGeom prst="rect">
+            <a:avLst/>
+          </a:prstGeom>
+        </p:spPr>
+      </p:pic>
+      <p:sp>
+        <p:nvSpPr>
+          <p:cNvPr id="5" name="文字方塊 4"/>
+          <p:cNvSpPr txBox="1"/>
+          <p:nvPr/>
+        </p:nvSpPr>
+        <p:spPr>
+          <a:xfrm>
+            <a:off x="6014404" y="5746338"/>
+            <a:ext cx="6174421" cy="830997"/>
+          </a:xfrm>
+          <a:prstGeom prst="rect">
+            <a:avLst/>
+          </a:prstGeom>
+          <a:noFill/>
+        </p:spPr>
+        <p:txBody>
+          <a:bodyPr wrap="square" rtlCol="0">
+            <a:spAutoFit/>
+          </a:bodyPr>
+          <a:lstStyle/>
+          <a:p>
+            <a:r>
+              <a:rPr lang="en-US" dirty="0" smtClean="0">
+                <a:latin typeface="微軟正黑體" panose="020B0604030504040204" pitchFamily="34" charset="-120"/>
+                <a:ea typeface="微軟正黑體" panose="020B0604030504040204" pitchFamily="34" charset="-120"/>
+              </a:rPr>
+              <a:t>Gaussian Convolution  with its kernel</a:t>
+            </a:r>
+          </a:p>
+          <a:p>
+            <a:r>
+              <a:rPr lang="en-US" dirty="0" err="1" smtClean="0">
+                <a:latin typeface="微軟正黑體" panose="020B0604030504040204" pitchFamily="34" charset="-120"/>
+                <a:ea typeface="微軟正黑體" panose="020B0604030504040204" pitchFamily="34" charset="-120"/>
+                <a:hlinkClick r:id="rId3"/>
+              </a:rPr>
+              <a:t>Img</a:t>
+            </a:r>
+            <a:r>
+              <a:rPr lang="en-US" dirty="0" smtClean="0">
+                <a:latin typeface="微軟正黑體" panose="020B0604030504040204" pitchFamily="34" charset="-120"/>
+                <a:ea typeface="微軟正黑體" panose="020B0604030504040204" pitchFamily="34" charset="-120"/>
+                <a:hlinkClick r:id="rId3"/>
+              </a:rPr>
+              <a:t> source</a:t>
+            </a:r>
+            <a:endParaRPr lang="en-US" dirty="0">
+              <a:latin typeface="微軟正黑體" panose="020B0604030504040204" pitchFamily="34" charset="-120"/>
+              <a:ea typeface="微軟正黑體" panose="020B0604030504040204" pitchFamily="34" charset="-120"/>
+            </a:endParaRPr>
+          </a:p>
+        </p:txBody>
+      </p:sp>
+    </p:spTree>
+    <p:extLst>
+      <p:ext uri="{BB962C8B-B14F-4D97-AF65-F5344CB8AC3E}">
+        <p14:creationId xmlns:p14="http://schemas.microsoft.com/office/powerpoint/2010/main" val="4262106015"/>
+      </p:ext>
+    </p:extLst>
+  </p:cSld>
+  <p:clrMapOvr>
+    <a:masterClrMapping/>
+  </p:clrMapOvr>
+</p:sld>
+</file>
+
+<file path=ppt/slides/slide5.xml><?xml version="1.0" encoding="utf-8"?>
+<p:sld xmlns:a="http://schemas.openxmlformats.org/drawingml/2006/main" xmlns:r="http://schemas.openxmlformats.org/officeDocument/2006/relationships" xmlns:p="http://schemas.openxmlformats.org/presentationml/2006/main">
+  <p:cSld>
+    <p:spTree>
+      <p:nvGrpSpPr>
+        <p:cNvPr id="1" name=""/>
+        <p:cNvGrpSpPr/>
+        <p:nvPr/>
+      </p:nvGrpSpPr>
+      <p:grpSpPr>
+        <a:xfrm>
+          <a:off x="0" y="0"/>
+          <a:ext cx="0" cy="0"/>
+          <a:chOff x="0" y="0"/>
+          <a:chExt cx="0" cy="0"/>
+        </a:xfrm>
+      </p:grpSpPr>
+      <p:sp>
+        <p:nvSpPr>
+          <p:cNvPr id="2" name="標題 1"/>
+          <p:cNvSpPr>
+            <a:spLocks noGrp="1"/>
+          </p:cNvSpPr>
+          <p:nvPr>
+            <p:ph type="title"/>
+          </p:nvPr>
+        </p:nvSpPr>
+        <p:spPr>
+          <a:xfrm>
+            <a:off x="913557" y="76200"/>
+            <a:ext cx="10351066" cy="970450"/>
+          </a:xfrm>
+        </p:spPr>
+        <p:txBody>
+          <a:bodyPr>
+            <a:normAutofit/>
+          </a:bodyPr>
+          <a:lstStyle/>
+          <a:p>
+            <a:r>
+              <a:rPr lang="en-US" sz="4800" dirty="0" smtClean="0">
+                <a:latin typeface="微軟正黑體" panose="020B0604030504040204" pitchFamily="34" charset="-120"/>
+                <a:ea typeface="微軟正黑體" panose="020B0604030504040204" pitchFamily="34" charset="-120"/>
+              </a:rPr>
+              <a:t>Hardware for this project</a:t>
+            </a:r>
+            <a:endParaRPr lang="en-US" sz="4800" dirty="0">
+              <a:latin typeface="微軟正黑體" panose="020B0604030504040204" pitchFamily="34" charset="-120"/>
+              <a:ea typeface="微軟正黑體" panose="020B0604030504040204" pitchFamily="34" charset="-120"/>
+            </a:endParaRPr>
+          </a:p>
+        </p:txBody>
+      </p:sp>
+    </p:spTree>
+    <p:extLst>
+      <p:ext uri="{BB962C8B-B14F-4D97-AF65-F5344CB8AC3E}">
+        <p14:creationId xmlns:p14="http://schemas.microsoft.com/office/powerpoint/2010/main" val="3635218041"/>
+      </p:ext>
+    </p:extLst>
+  </p:cSld>
+  <p:clrMapOvr>
+    <a:masterClrMapping/>
+  </p:clrMapOvr>
+</p:sld>
+</file>
+
+<file path=ppt/slides/slide6.xml><?xml version="1.0" encoding="utf-8"?>
 <p:sld xmlns:a="http://schemas.openxmlformats.org/drawingml/2006/main" xmlns:r="http://schemas.openxmlformats.org/officeDocument/2006/relationships" xmlns:p="http://schemas.openxmlformats.org/presentationml/2006/main">
   <p:cSld>
     <p:spTree>
@@ -13666,7 +14882,7 @@
 </p:sld>
 </file>
 
-<file path=ppt/slides/slide4.xml><?xml version="1.0" encoding="utf-8"?>
+<file path=ppt/slides/slide7.xml><?xml version="1.0" encoding="utf-8"?>
 <p:sld xmlns:a="http://schemas.openxmlformats.org/drawingml/2006/main" xmlns:r="http://schemas.openxmlformats.org/officeDocument/2006/relationships" xmlns:p="http://schemas.openxmlformats.org/presentationml/2006/main">
   <p:cSld>
     <p:spTree>
@@ -14202,421 +15418,6 @@
 </p:sld>
 </file>
 
-<file path=ppt/slides/slide5.xml><?xml version="1.0" encoding="utf-8"?>
-<p:sld xmlns:a="http://schemas.openxmlformats.org/drawingml/2006/main" xmlns:r="http://schemas.openxmlformats.org/officeDocument/2006/relationships" xmlns:p="http://schemas.openxmlformats.org/presentationml/2006/main">
-  <p:cSld>
-    <p:spTree>
-      <p:nvGrpSpPr>
-        <p:cNvPr id="1" name=""/>
-        <p:cNvGrpSpPr/>
-        <p:nvPr/>
-      </p:nvGrpSpPr>
-      <p:grpSpPr>
-        <a:xfrm>
-          <a:off x="0" y="0"/>
-          <a:ext cx="0" cy="0"/>
-          <a:chOff x="0" y="0"/>
-          <a:chExt cx="0" cy="0"/>
-        </a:xfrm>
-      </p:grpSpPr>
-      <p:sp>
-        <p:nvSpPr>
-          <p:cNvPr id="2" name="標題 1"/>
-          <p:cNvSpPr>
-            <a:spLocks noGrp="1"/>
-          </p:cNvSpPr>
-          <p:nvPr>
-            <p:ph type="title"/>
-          </p:nvPr>
-        </p:nvSpPr>
-        <p:spPr/>
-        <p:txBody>
-          <a:bodyPr rtlCol="0"/>
-          <a:lstStyle/>
-          <a:p>
-            <a:pPr rtl="0"/>
-            <a:r>
-              <a:rPr lang="zh-TW" altLang="en-US" dirty="0" smtClean="0">
-                <a:sym typeface="Salesforce Sans"/>
-              </a:rPr>
-              <a:t>含 </a:t>
-            </a:r>
-            <a:r>
-              <a:rPr lang="en-US" altLang="zh-TW" dirty="0" smtClean="0">
-                <a:sym typeface="Salesforce Sans"/>
-              </a:rPr>
-              <a:t>SmartArt </a:t>
-            </a:r>
-            <a:r>
-              <a:rPr lang="zh-TW" altLang="en-US" dirty="0" smtClean="0">
-                <a:sym typeface="Salesforce Sans"/>
-              </a:rPr>
-              <a:t>的兩項內容版面配置</a:t>
-            </a:r>
-            <a:endParaRPr lang="zh-TW" altLang="en-US" dirty="0">
-              <a:sym typeface="Salesforce Sans"/>
-            </a:endParaRPr>
-          </a:p>
-        </p:txBody>
-      </p:sp>
-      <p:sp>
-        <p:nvSpPr>
-          <p:cNvPr id="3" name="內容預留位置 2"/>
-          <p:cNvSpPr>
-            <a:spLocks noGrp="1"/>
-          </p:cNvSpPr>
-          <p:nvPr>
-            <p:ph sz="half" idx="1"/>
-          </p:nvPr>
-        </p:nvSpPr>
-        <p:spPr/>
-        <p:txBody>
-          <a:bodyPr rtlCol="0"/>
-          <a:lstStyle/>
-          <a:p>
-            <a:pPr rtl="0"/>
-            <a:r>
-              <a:rPr lang="zh-TW" altLang="en-US" dirty="0" smtClean="0">
-                <a:sym typeface="Salesforce Sans"/>
-              </a:rPr>
-              <a:t>第一個項目符號</a:t>
-            </a:r>
-          </a:p>
-          <a:p>
-            <a:pPr rtl="0"/>
-            <a:r>
-              <a:rPr lang="zh-TW" altLang="en-US" dirty="0" smtClean="0">
-                <a:sym typeface="Salesforce Sans"/>
-              </a:rPr>
-              <a:t>第二個項目符號</a:t>
-            </a:r>
-          </a:p>
-          <a:p>
-            <a:pPr rtl="0"/>
-            <a:r>
-              <a:rPr lang="zh-TW" altLang="en-US" dirty="0" smtClean="0">
-                <a:sym typeface="Salesforce Sans"/>
-              </a:rPr>
-              <a:t>第三個項目符號</a:t>
-            </a:r>
-            <a:endParaRPr lang="zh-TW" altLang="en-US" dirty="0">
-              <a:sym typeface="Salesforce Sans"/>
-            </a:endParaRPr>
-          </a:p>
-        </p:txBody>
-      </p:sp>
-      <p:graphicFrame>
-        <p:nvGraphicFramePr>
-          <p:cNvPr id="5" name="內容預留位置 4" descr="由上至下依序顯示 3 項工作的交錯流程圖，兩個向下箭號用來表示由第一項工作到第二項工作，再由第二項工作到第三項工作的進程。"/>
-          <p:cNvGraphicFramePr>
-            <a:graphicFrameLocks noGrp="1"/>
-          </p:cNvGraphicFramePr>
-          <p:nvPr>
-            <p:ph sz="half" idx="2"/>
-            <p:extLst>
-              <p:ext uri="{D42A27DB-BD31-4B8C-83A1-F6EECF244321}">
-                <p14:modId xmlns:p14="http://schemas.microsoft.com/office/powerpoint/2010/main" val="2150814564"/>
-              </p:ext>
-            </p:extLst>
-          </p:nvPr>
-        </p:nvGraphicFramePr>
-        <p:xfrm>
-          <a:off x="6200775" y="1731963"/>
-          <a:ext cx="5064125" cy="4059237"/>
-        </p:xfrm>
-        <a:graphic>
-          <a:graphicData uri="http://schemas.openxmlformats.org/drawingml/2006/diagram">
-            <dgm:relIds xmlns:dgm="http://schemas.openxmlformats.org/drawingml/2006/diagram" xmlns:r="http://schemas.openxmlformats.org/officeDocument/2006/relationships" r:dm="rId3" r:lo="rId4" r:qs="rId5" r:cs="rId6"/>
-          </a:graphicData>
-        </a:graphic>
-      </p:graphicFrame>
-    </p:spTree>
-    <p:extLst>
-      <p:ext uri="{BB962C8B-B14F-4D97-AF65-F5344CB8AC3E}">
-        <p14:creationId xmlns:p14="http://schemas.microsoft.com/office/powerpoint/2010/main" val="4123189245"/>
-      </p:ext>
-    </p:extLst>
-  </p:cSld>
-  <p:clrMapOvr>
-    <a:masterClrMapping/>
-  </p:clrMapOvr>
-  <mc:AlternateContent xmlns:mc="http://schemas.openxmlformats.org/markup-compatibility/2006" xmlns:p14="http://schemas.microsoft.com/office/powerpoint/2010/main">
-    <mc:Choice Requires="p14">
-      <p:transition spd="med" p14:dur="700">
-        <p:fade/>
-      </p:transition>
-    </mc:Choice>
-    <mc:Fallback xmlns="">
-      <p:transition spd="med">
-        <p:fade/>
-      </p:transition>
-    </mc:Fallback>
-  </mc:AlternateContent>
-</p:sld>
-</file>
-
-<file path=ppt/slides/slide6.xml><?xml version="1.0" encoding="utf-8"?>
-<p:sld xmlns:a="http://schemas.openxmlformats.org/drawingml/2006/main" xmlns:r="http://schemas.openxmlformats.org/officeDocument/2006/relationships" xmlns:p="http://schemas.openxmlformats.org/presentationml/2006/main">
-  <p:cSld>
-    <p:spTree>
-      <p:nvGrpSpPr>
-        <p:cNvPr id="1" name=""/>
-        <p:cNvGrpSpPr/>
-        <p:nvPr/>
-      </p:nvGrpSpPr>
-      <p:grpSpPr>
-        <a:xfrm>
-          <a:off x="0" y="0"/>
-          <a:ext cx="0" cy="0"/>
-          <a:chOff x="0" y="0"/>
-          <a:chExt cx="0" cy="0"/>
-        </a:xfrm>
-      </p:grpSpPr>
-      <p:sp>
-        <p:nvSpPr>
-          <p:cNvPr id="4" name="標題 3"/>
-          <p:cNvSpPr>
-            <a:spLocks noGrp="1"/>
-          </p:cNvSpPr>
-          <p:nvPr>
-            <p:ph type="title"/>
-          </p:nvPr>
-        </p:nvSpPr>
-        <p:spPr/>
-        <p:txBody>
-          <a:bodyPr rtlCol="0"/>
-          <a:lstStyle/>
-          <a:p>
-            <a:pPr rtl="0"/>
-            <a:r>
-              <a:rPr lang="zh-TW" altLang="en-US" dirty="0" smtClean="0">
-                <a:sym typeface="Salesforce Sans"/>
-              </a:rPr>
-              <a:t>新增投影片標題 </a:t>
-            </a:r>
-            <a:r>
-              <a:rPr lang="en-US" altLang="zh-TW" dirty="0" smtClean="0">
-                <a:sym typeface="Salesforce Sans"/>
-              </a:rPr>
-              <a:t>- 1</a:t>
-            </a:r>
-            <a:endParaRPr lang="zh-TW" altLang="en-US" dirty="0">
-              <a:sym typeface="Salesforce Sans"/>
-            </a:endParaRPr>
-          </a:p>
-        </p:txBody>
-      </p:sp>
-      <p:sp>
-        <p:nvSpPr>
-          <p:cNvPr id="5" name="文字預留位置 4"/>
-          <p:cNvSpPr>
-            <a:spLocks noGrp="1"/>
-          </p:cNvSpPr>
-          <p:nvPr>
-            <p:ph type="body" idx="1"/>
-          </p:nvPr>
-        </p:nvSpPr>
-        <p:spPr/>
-        <p:txBody>
-          <a:bodyPr rtlCol="0"/>
-          <a:lstStyle/>
-          <a:p>
-            <a:pPr rtl="0"/>
-            <a:endParaRPr lang="zh-TW" altLang="en-US" dirty="0">
-              <a:sym typeface="Salesforce Sans"/>
-            </a:endParaRPr>
-          </a:p>
-        </p:txBody>
-      </p:sp>
-    </p:spTree>
-    <p:extLst>
-      <p:ext uri="{BB962C8B-B14F-4D97-AF65-F5344CB8AC3E}">
-        <p14:creationId xmlns:p14="http://schemas.microsoft.com/office/powerpoint/2010/main" val="4264977537"/>
-      </p:ext>
-    </p:extLst>
-  </p:cSld>
-  <p:clrMapOvr>
-    <a:masterClrMapping/>
-  </p:clrMapOvr>
-  <mc:AlternateContent xmlns:mc="http://schemas.openxmlformats.org/markup-compatibility/2006" xmlns:p14="http://schemas.microsoft.com/office/powerpoint/2010/main">
-    <mc:Choice Requires="p14">
-      <p:transition spd="med" p14:dur="700">
-        <p:fade/>
-      </p:transition>
-    </mc:Choice>
-    <mc:Fallback xmlns="">
-      <p:transition spd="med">
-        <p:fade/>
-      </p:transition>
-    </mc:Fallback>
-  </mc:AlternateContent>
-</p:sld>
-</file>
-
-<file path=ppt/slides/slide7.xml><?xml version="1.0" encoding="utf-8"?>
-<p:sld xmlns:a="http://schemas.openxmlformats.org/drawingml/2006/main" xmlns:r="http://schemas.openxmlformats.org/officeDocument/2006/relationships" xmlns:p="http://schemas.openxmlformats.org/presentationml/2006/main">
-  <p:cSld>
-    <p:spTree>
-      <p:nvGrpSpPr>
-        <p:cNvPr id="1" name=""/>
-        <p:cNvGrpSpPr/>
-        <p:nvPr/>
-      </p:nvGrpSpPr>
-      <p:grpSpPr>
-        <a:xfrm>
-          <a:off x="0" y="0"/>
-          <a:ext cx="0" cy="0"/>
-          <a:chOff x="0" y="0"/>
-          <a:chExt cx="0" cy="0"/>
-        </a:xfrm>
-      </p:grpSpPr>
-      <p:sp>
-        <p:nvSpPr>
-          <p:cNvPr id="7" name="標題 6"/>
-          <p:cNvSpPr>
-            <a:spLocks noGrp="1"/>
-          </p:cNvSpPr>
-          <p:nvPr>
-            <p:ph type="title"/>
-          </p:nvPr>
-        </p:nvSpPr>
-        <p:spPr/>
-        <p:txBody>
-          <a:bodyPr rtlCol="0"/>
-          <a:lstStyle/>
-          <a:p>
-            <a:pPr rtl="0"/>
-            <a:r>
-              <a:rPr lang="zh-TW" altLang="en-US" dirty="0" smtClean="0">
-                <a:sym typeface="Salesforce Sans"/>
-              </a:rPr>
-              <a:t>新增投影片標題 </a:t>
-            </a:r>
-            <a:r>
-              <a:rPr lang="en-US" altLang="zh-TW" dirty="0" smtClean="0">
-                <a:sym typeface="Salesforce Sans"/>
-              </a:rPr>
-              <a:t>- 2</a:t>
-            </a:r>
-            <a:endParaRPr lang="zh-TW" altLang="en-US" dirty="0">
-              <a:sym typeface="Salesforce Sans"/>
-            </a:endParaRPr>
-          </a:p>
-        </p:txBody>
-      </p:sp>
-      <p:sp>
-        <p:nvSpPr>
-          <p:cNvPr id="8" name="文字預留位置 7"/>
-          <p:cNvSpPr>
-            <a:spLocks noGrp="1"/>
-          </p:cNvSpPr>
-          <p:nvPr>
-            <p:ph type="body" idx="1"/>
-          </p:nvPr>
-        </p:nvSpPr>
-        <p:spPr/>
-        <p:txBody>
-          <a:bodyPr rtlCol="0"/>
-          <a:lstStyle/>
-          <a:p>
-            <a:pPr rtl="0"/>
-            <a:endParaRPr lang="zh-TW" altLang="en-US" dirty="0">
-              <a:sym typeface="Salesforce Sans"/>
-            </a:endParaRPr>
-          </a:p>
-        </p:txBody>
-      </p:sp>
-      <p:sp>
-        <p:nvSpPr>
-          <p:cNvPr id="10" name="內容預留位置 9"/>
-          <p:cNvSpPr>
-            <a:spLocks noGrp="1"/>
-          </p:cNvSpPr>
-          <p:nvPr>
-            <p:ph sz="half" idx="2"/>
-          </p:nvPr>
-        </p:nvSpPr>
-        <p:spPr/>
-        <p:txBody>
-          <a:bodyPr rtlCol="0"/>
-          <a:lstStyle/>
-          <a:p>
-            <a:pPr rtl="0"/>
-            <a:endParaRPr lang="zh-TW" altLang="en-US" dirty="0">
-              <a:sym typeface="Salesforce Sans"/>
-            </a:endParaRPr>
-          </a:p>
-        </p:txBody>
-      </p:sp>
-      <p:sp>
-        <p:nvSpPr>
-          <p:cNvPr id="9" name="文字預留位置 8"/>
-          <p:cNvSpPr>
-            <a:spLocks noGrp="1"/>
-          </p:cNvSpPr>
-          <p:nvPr>
-            <p:ph type="body" sz="quarter" idx="3"/>
-          </p:nvPr>
-        </p:nvSpPr>
-        <p:spPr/>
-        <p:txBody>
-          <a:bodyPr rtlCol="0"/>
-          <a:lstStyle/>
-          <a:p>
-            <a:pPr rtl="0"/>
-            <a:endParaRPr lang="zh-TW" altLang="en-US" dirty="0">
-              <a:sym typeface="Salesforce Sans"/>
-            </a:endParaRPr>
-          </a:p>
-        </p:txBody>
-      </p:sp>
-      <p:sp>
-        <p:nvSpPr>
-          <p:cNvPr id="11" name="內容預留位置 10"/>
-          <p:cNvSpPr>
-            <a:spLocks noGrp="1"/>
-          </p:cNvSpPr>
-          <p:nvPr>
-            <p:ph sz="quarter" idx="4"/>
-          </p:nvPr>
-        </p:nvSpPr>
-        <p:spPr/>
-        <p:txBody>
-          <a:bodyPr rtlCol="0"/>
-          <a:lstStyle/>
-          <a:p>
-            <a:pPr rtl="0"/>
-            <a:endParaRPr lang="zh-TW" altLang="en-US" dirty="0">
-              <a:sym typeface="Salesforce Sans"/>
-            </a:endParaRPr>
-          </a:p>
-        </p:txBody>
-      </p:sp>
-    </p:spTree>
-    <p:extLst>
-      <p:ext uri="{BB962C8B-B14F-4D97-AF65-F5344CB8AC3E}">
-        <p14:creationId xmlns:p14="http://schemas.microsoft.com/office/powerpoint/2010/main" val="2672039197"/>
-      </p:ext>
-    </p:extLst>
-  </p:cSld>
-  <p:clrMapOvr>
-    <a:masterClrMapping/>
-  </p:clrMapOvr>
-  <mc:AlternateContent xmlns:mc="http://schemas.openxmlformats.org/markup-compatibility/2006" xmlns:p14="http://schemas.microsoft.com/office/powerpoint/2010/main">
-    <mc:Choice Requires="p14">
-      <p:transition spd="med" p14:dur="700">
-        <p:fade/>
-      </p:transition>
-    </mc:Choice>
-    <mc:Fallback xmlns="">
-      <p:transition spd="med">
-        <p:fade/>
-      </p:transition>
-    </mc:Fallback>
-  </mc:AlternateContent>
-</p:sld>
-</file>
-
 <file path=ppt/slides/slide8.xml><?xml version="1.0" encoding="utf-8"?>
 <p:sld xmlns:a="http://schemas.openxmlformats.org/drawingml/2006/main" xmlns:r="http://schemas.openxmlformats.org/officeDocument/2006/relationships" xmlns:p="http://schemas.openxmlformats.org/presentationml/2006/main">
   <p:cSld>
@@ -14636,7 +15437,7 @@
       </p:grpSpPr>
       <p:sp>
         <p:nvSpPr>
-          <p:cNvPr id="3" name="標題 2"/>
+          <p:cNvPr id="2" name="標題 1"/>
           <p:cNvSpPr>
             <a:spLocks noGrp="1"/>
           </p:cNvSpPr>
@@ -14654,13 +15455,19 @@
               <a:rPr lang="zh-TW" altLang="en-US" dirty="0" smtClean="0">
                 <a:sym typeface="Salesforce Sans"/>
               </a:rPr>
-              <a:t>新增投影片標題 </a:t>
+              <a:t>含 </a:t>
             </a:r>
             <a:r>
               <a:rPr lang="en-US" altLang="zh-TW" dirty="0" smtClean="0">
                 <a:sym typeface="Salesforce Sans"/>
               </a:rPr>
-              <a:t>- 3</a:t>
+              <a:t>SmartArt </a:t>
+            </a:r>
+            <a:r>
+              <a:rPr lang="zh-TW" altLang="en-US" dirty="0" smtClean="0">
+                <a:sym typeface="Salesforce Sans"/>
+              </a:rPr>
+              <a:t>的兩項內容版面配置</a:t>
             </a:r>
             <a:endParaRPr lang="zh-TW" altLang="en-US" dirty="0">
               <a:sym typeface="Salesforce Sans"/>
@@ -14668,10 +15475,81 @@
           </a:p>
         </p:txBody>
       </p:sp>
+      <p:sp>
+        <p:nvSpPr>
+          <p:cNvPr id="3" name="內容預留位置 2"/>
+          <p:cNvSpPr>
+            <a:spLocks noGrp="1"/>
+          </p:cNvSpPr>
+          <p:nvPr>
+            <p:ph sz="half" idx="1"/>
+          </p:nvPr>
+        </p:nvSpPr>
+        <p:spPr/>
+        <p:txBody>
+          <a:bodyPr rtlCol="0"/>
+          <a:lstStyle/>
+          <a:p>
+            <a:pPr rtl="0"/>
+            <a:r>
+              <a:rPr lang="zh-TW" altLang="en-US" dirty="0" smtClean="0">
+                <a:sym typeface="Salesforce Sans"/>
+              </a:rPr>
+              <a:t>第一個項目符號</a:t>
+            </a:r>
+          </a:p>
+          <a:p>
+            <a:pPr rtl="0"/>
+            <a:r>
+              <a:rPr lang="zh-TW" altLang="en-US" dirty="0" smtClean="0">
+                <a:sym typeface="Salesforce Sans"/>
+              </a:rPr>
+              <a:t>第二個項目符號</a:t>
+            </a:r>
+          </a:p>
+          <a:p>
+            <a:pPr rtl="0"/>
+            <a:r>
+              <a:rPr lang="zh-TW" altLang="en-US" dirty="0" smtClean="0">
+                <a:sym typeface="Salesforce Sans"/>
+              </a:rPr>
+              <a:t>第三個項目符號</a:t>
+            </a:r>
+            <a:endParaRPr lang="zh-TW" altLang="en-US" dirty="0">
+              <a:sym typeface="Salesforce Sans"/>
+            </a:endParaRPr>
+          </a:p>
+        </p:txBody>
+      </p:sp>
+      <p:graphicFrame>
+        <p:nvGraphicFramePr>
+          <p:cNvPr id="5" name="內容預留位置 4" descr="由上至下依序顯示 3 項工作的交錯流程圖，兩個向下箭號用來表示由第一項工作到第二項工作，再由第二項工作到第三項工作的進程。"/>
+          <p:cNvGraphicFramePr>
+            <a:graphicFrameLocks noGrp="1"/>
+          </p:cNvGraphicFramePr>
+          <p:nvPr>
+            <p:ph sz="half" idx="2"/>
+            <p:extLst>
+              <p:ext uri="{D42A27DB-BD31-4B8C-83A1-F6EECF244321}">
+                <p14:modId xmlns:p14="http://schemas.microsoft.com/office/powerpoint/2010/main" val="2150814564"/>
+              </p:ext>
+            </p:extLst>
+          </p:nvPr>
+        </p:nvGraphicFramePr>
+        <p:xfrm>
+          <a:off x="6200775" y="1731963"/>
+          <a:ext cx="5064125" cy="4059237"/>
+        </p:xfrm>
+        <a:graphic>
+          <a:graphicData uri="http://schemas.openxmlformats.org/drawingml/2006/diagram">
+            <dgm:relIds xmlns:dgm="http://schemas.openxmlformats.org/drawingml/2006/diagram" xmlns:r="http://schemas.openxmlformats.org/officeDocument/2006/relationships" r:dm="rId3" r:lo="rId4" r:qs="rId5" r:cs="rId6"/>
+          </a:graphicData>
+        </a:graphic>
+      </p:graphicFrame>
     </p:spTree>
     <p:extLst>
       <p:ext uri="{BB962C8B-B14F-4D97-AF65-F5344CB8AC3E}">
-        <p14:creationId xmlns:p14="http://schemas.microsoft.com/office/powerpoint/2010/main" val="397710800"/>
+        <p14:creationId xmlns:p14="http://schemas.microsoft.com/office/powerpoint/2010/main" val="4123189245"/>
       </p:ext>
     </p:extLst>
   </p:cSld>
@@ -14710,10 +15588,66 @@
           <a:chExt cx="0" cy="0"/>
         </a:xfrm>
       </p:grpSpPr>
+      <p:sp>
+        <p:nvSpPr>
+          <p:cNvPr id="4" name="標題 3"/>
+          <p:cNvSpPr>
+            <a:spLocks noGrp="1"/>
+          </p:cNvSpPr>
+          <p:nvPr>
+            <p:ph type="title"/>
+          </p:nvPr>
+        </p:nvSpPr>
+        <p:spPr/>
+        <p:txBody>
+          <a:bodyPr rtlCol="0"/>
+          <a:lstStyle/>
+          <a:p>
+            <a:pPr rtl="0"/>
+            <a:r>
+              <a:rPr lang="zh-TW" altLang="en-US" dirty="0" smtClean="0">
+                <a:sym typeface="Salesforce Sans"/>
+              </a:rPr>
+              <a:t>新增投影片標題 </a:t>
+            </a:r>
+            <a:r>
+              <a:rPr lang="en-US" altLang="zh-TW" dirty="0" smtClean="0">
+                <a:sym typeface="Salesforce Sans"/>
+              </a:rPr>
+              <a:t>- 1</a:t>
+            </a:r>
+            <a:endParaRPr lang="zh-TW" altLang="en-US" dirty="0">
+              <a:sym typeface="Salesforce Sans"/>
+            </a:endParaRPr>
+          </a:p>
+        </p:txBody>
+      </p:sp>
+      <p:sp>
+        <p:nvSpPr>
+          <p:cNvPr id="5" name="文字預留位置 4"/>
+          <p:cNvSpPr>
+            <a:spLocks noGrp="1"/>
+          </p:cNvSpPr>
+          <p:nvPr>
+            <p:ph type="body" idx="1"/>
+          </p:nvPr>
+        </p:nvSpPr>
+        <p:spPr/>
+        <p:txBody>
+          <a:bodyPr rtlCol="0"/>
+          <a:lstStyle/>
+          <a:p>
+            <a:pPr rtl="0"/>
+            <a:endParaRPr lang="zh-TW" altLang="en-US" dirty="0">
+              <a:sym typeface="Salesforce Sans"/>
+            </a:endParaRPr>
+          </a:p>
+        </p:txBody>
+      </p:sp>
     </p:spTree>
     <p:extLst>
       <p:ext uri="{BB962C8B-B14F-4D97-AF65-F5344CB8AC3E}">
-        <p14:creationId xmlns:p14="http://schemas.microsoft.com/office/powerpoint/2010/main" val="1405850135"/>
+        <p14:creationId xmlns:p14="http://schemas.microsoft.com/office/powerpoint/2010/main" val="4264977537"/>
       </p:ext>
     </p:extLst>
   </p:cSld>
@@ -15577,6 +16511,142 @@
 </file>
 
 <file path=customXml/item2.xml><?xml version="1.0" encoding="utf-8"?>
+<p:properties xmlns:p="http://schemas.microsoft.com/office/2006/metadata/properties" xmlns:xsi="http://www.w3.org/2001/XMLSchema-instance" xmlns:pc="http://schemas.microsoft.com/office/infopath/2007/PartnerControls">
+  <documentManagement>
+    <LocPublishedLinkedAssetsLookup xmlns="4873beb7-5857-4685-be1f-d57550cc96cc" xsi:nil="true"/>
+    <ApprovalStatus xmlns="4873beb7-5857-4685-be1f-d57550cc96cc">InProgress</ApprovalStatus>
+    <MarketSpecific xmlns="4873beb7-5857-4685-be1f-d57550cc96cc">false</MarketSpecific>
+    <LocComments xmlns="4873beb7-5857-4685-be1f-d57550cc96cc" xsi:nil="true"/>
+    <LocLastLocAttemptVersionTypeLookup xmlns="4873beb7-5857-4685-be1f-d57550cc96cc" xsi:nil="true"/>
+    <DirectSourceMarket xmlns="4873beb7-5857-4685-be1f-d57550cc96cc" xsi:nil="true"/>
+    <ThumbnailAssetId xmlns="4873beb7-5857-4685-be1f-d57550cc96cc" xsi:nil="true"/>
+    <PrimaryImageGen xmlns="4873beb7-5857-4685-be1f-d57550cc96cc">false</PrimaryImageGen>
+    <LocNewPublishedVersionLookup xmlns="4873beb7-5857-4685-be1f-d57550cc96cc" xsi:nil="true"/>
+    <LegacyData xmlns="4873beb7-5857-4685-be1f-d57550cc96cc" xsi:nil="true"/>
+    <LocRecommendedHandoff xmlns="4873beb7-5857-4685-be1f-d57550cc96cc" xsi:nil="true"/>
+    <BusinessGroup xmlns="4873beb7-5857-4685-be1f-d57550cc96cc" xsi:nil="true"/>
+    <BlockPublish xmlns="4873beb7-5857-4685-be1f-d57550cc96cc">false</BlockPublish>
+    <TPFriendlyName xmlns="4873beb7-5857-4685-be1f-d57550cc96cc" xsi:nil="true"/>
+    <LocOverallPublishStatusLookup xmlns="4873beb7-5857-4685-be1f-d57550cc96cc" xsi:nil="true"/>
+    <NumericId xmlns="4873beb7-5857-4685-be1f-d57550cc96cc" xsi:nil="true"/>
+    <APEditor xmlns="4873beb7-5857-4685-be1f-d57550cc96cc">
+      <UserInfo>
+        <DisplayName/>
+        <AccountId xsi:nil="true"/>
+        <AccountType/>
+      </UserInfo>
+    </APEditor>
+    <SourceTitle xmlns="4873beb7-5857-4685-be1f-d57550cc96cc" xsi:nil="true"/>
+    <OpenTemplate xmlns="4873beb7-5857-4685-be1f-d57550cc96cc">true</OpenTemplate>
+    <LocOverallLocStatusLookup xmlns="4873beb7-5857-4685-be1f-d57550cc96cc" xsi:nil="true"/>
+    <UALocComments xmlns="4873beb7-5857-4685-be1f-d57550cc96cc" xsi:nil="true"/>
+    <ParentAssetId xmlns="4873beb7-5857-4685-be1f-d57550cc96cc" xsi:nil="true"/>
+    <IntlLangReviewDate xmlns="4873beb7-5857-4685-be1f-d57550cc96cc" xsi:nil="true"/>
+    <FeatureTagsTaxHTField0 xmlns="4873beb7-5857-4685-be1f-d57550cc96cc">
+      <Terms xmlns="http://schemas.microsoft.com/office/infopath/2007/PartnerControls"/>
+    </FeatureTagsTaxHTField0>
+    <PublishStatusLookup xmlns="4873beb7-5857-4685-be1f-d57550cc96cc">
+      <Value>1345093</Value>
+    </PublishStatusLookup>
+    <Providers xmlns="4873beb7-5857-4685-be1f-d57550cc96cc" xsi:nil="true"/>
+    <MachineTranslated xmlns="4873beb7-5857-4685-be1f-d57550cc96cc">false</MachineTranslated>
+    <OriginalSourceMarket xmlns="4873beb7-5857-4685-be1f-d57550cc96cc" xsi:nil="true"/>
+    <APDescription xmlns="4873beb7-5857-4685-be1f-d57550cc96cc">This simple template design works for technology and  businesses, but it's versatile enough to use in other contexts.  It features multiple slide layouts designed for widescreen (16x9 resolution) and includes a sample SmartArt list and chart that are easily editable.</APDescription>
+    <ClipArtFilename xmlns="4873beb7-5857-4685-be1f-d57550cc96cc" xsi:nil="true"/>
+    <ContentItem xmlns="4873beb7-5857-4685-be1f-d57550cc96cc" xsi:nil="true"/>
+    <TPInstallLocation xmlns="4873beb7-5857-4685-be1f-d57550cc96cc" xsi:nil="true"/>
+    <PublishTargets xmlns="4873beb7-5857-4685-be1f-d57550cc96cc">OfficeOnlineVNext</PublishTargets>
+    <TimesCloned xmlns="4873beb7-5857-4685-be1f-d57550cc96cc" xsi:nil="true"/>
+    <AssetStart xmlns="4873beb7-5857-4685-be1f-d57550cc96cc">2011-11-26T00:30:00+00:00</AssetStart>
+    <Provider xmlns="4873beb7-5857-4685-be1f-d57550cc96cc" xsi:nil="true"/>
+    <AcquiredFrom xmlns="4873beb7-5857-4685-be1f-d57550cc96cc">Internal MS</AcquiredFrom>
+    <FriendlyTitle xmlns="4873beb7-5857-4685-be1f-d57550cc96cc" xsi:nil="true"/>
+    <LastHandOff xmlns="4873beb7-5857-4685-be1f-d57550cc96cc" xsi:nil="true"/>
+    <TPClientViewer xmlns="4873beb7-5857-4685-be1f-d57550cc96cc" xsi:nil="true"/>
+    <TemplateStatus xmlns="4873beb7-5857-4685-be1f-d57550cc96cc">Complete</TemplateStatus>
+    <Downloads xmlns="4873beb7-5857-4685-be1f-d57550cc96cc">0</Downloads>
+    <OOCacheId xmlns="4873beb7-5857-4685-be1f-d57550cc96cc" xsi:nil="true"/>
+    <IsDeleted xmlns="4873beb7-5857-4685-be1f-d57550cc96cc">false</IsDeleted>
+    <LocPublishedDependentAssetsLookup xmlns="4873beb7-5857-4685-be1f-d57550cc96cc" xsi:nil="true"/>
+    <TPExecutable xmlns="4873beb7-5857-4685-be1f-d57550cc96cc" xsi:nil="true"/>
+    <EditorialTags xmlns="4873beb7-5857-4685-be1f-d57550cc96cc" xsi:nil="true"/>
+    <SubmitterId xmlns="4873beb7-5857-4685-be1f-d57550cc96cc" xsi:nil="true"/>
+    <ApprovalLog xmlns="4873beb7-5857-4685-be1f-d57550cc96cc" xsi:nil="true"/>
+    <AssetType xmlns="4873beb7-5857-4685-be1f-d57550cc96cc">TP</AssetType>
+    <BugNumber xmlns="4873beb7-5857-4685-be1f-d57550cc96cc" xsi:nil="true"/>
+    <CSXSubmissionDate xmlns="4873beb7-5857-4685-be1f-d57550cc96cc" xsi:nil="true"/>
+    <CSXUpdate xmlns="4873beb7-5857-4685-be1f-d57550cc96cc">false</CSXUpdate>
+    <Milestone xmlns="4873beb7-5857-4685-be1f-d57550cc96cc" xsi:nil="true"/>
+    <RecommendationsModifier xmlns="4873beb7-5857-4685-be1f-d57550cc96cc" xsi:nil="true"/>
+    <OriginAsset xmlns="4873beb7-5857-4685-be1f-d57550cc96cc" xsi:nil="true"/>
+    <TPComponent xmlns="4873beb7-5857-4685-be1f-d57550cc96cc" xsi:nil="true"/>
+    <AssetId xmlns="4873beb7-5857-4685-be1f-d57550cc96cc">TP102787989</AssetId>
+    <IntlLocPriority xmlns="4873beb7-5857-4685-be1f-d57550cc96cc" xsi:nil="true"/>
+    <PolicheckWords xmlns="4873beb7-5857-4685-be1f-d57550cc96cc" xsi:nil="true"/>
+    <TPLaunchHelpLink xmlns="4873beb7-5857-4685-be1f-d57550cc96cc" xsi:nil="true"/>
+    <TPApplication xmlns="4873beb7-5857-4685-be1f-d57550cc96cc" xsi:nil="true"/>
+    <CrawlForDependencies xmlns="4873beb7-5857-4685-be1f-d57550cc96cc">false</CrawlForDependencies>
+    <HandoffToMSDN xmlns="4873beb7-5857-4685-be1f-d57550cc96cc" xsi:nil="true"/>
+    <PlannedPubDate xmlns="4873beb7-5857-4685-be1f-d57550cc96cc" xsi:nil="true"/>
+    <IntlLangReviewer xmlns="4873beb7-5857-4685-be1f-d57550cc96cc" xsi:nil="true"/>
+    <TrustLevel xmlns="4873beb7-5857-4685-be1f-d57550cc96cc">1 Microsoft Managed Content</TrustLevel>
+    <LocLastLocAttemptVersionLookup xmlns="4873beb7-5857-4685-be1f-d57550cc96cc">694266</LocLastLocAttemptVersionLookup>
+    <LocProcessedForHandoffsLookup xmlns="4873beb7-5857-4685-be1f-d57550cc96cc" xsi:nil="true"/>
+    <IsSearchable xmlns="4873beb7-5857-4685-be1f-d57550cc96cc">true</IsSearchable>
+    <TemplateTemplateType xmlns="4873beb7-5857-4685-be1f-d57550cc96cc">PowerPoint Presentation Template</TemplateTemplateType>
+    <CampaignTagsTaxHTField0 xmlns="4873beb7-5857-4685-be1f-d57550cc96cc">
+      <Terms xmlns="http://schemas.microsoft.com/office/infopath/2007/PartnerControls"/>
+    </CampaignTagsTaxHTField0>
+    <TPNamespace xmlns="4873beb7-5857-4685-be1f-d57550cc96cc" xsi:nil="true"/>
+    <LocOverallPreviewStatusLookup xmlns="4873beb7-5857-4685-be1f-d57550cc96cc" xsi:nil="true"/>
+    <TaxCatchAll xmlns="4873beb7-5857-4685-be1f-d57550cc96cc"/>
+    <Markets xmlns="4873beb7-5857-4685-be1f-d57550cc96cc"/>
+    <UAProjectedTotalWords xmlns="4873beb7-5857-4685-be1f-d57550cc96cc" xsi:nil="true"/>
+    <IntlLangReview xmlns="4873beb7-5857-4685-be1f-d57550cc96cc" xsi:nil="true"/>
+    <OutputCachingOn xmlns="4873beb7-5857-4685-be1f-d57550cc96cc">false</OutputCachingOn>
+    <AverageRating xmlns="4873beb7-5857-4685-be1f-d57550cc96cc" xsi:nil="true"/>
+    <APAuthor xmlns="4873beb7-5857-4685-be1f-d57550cc96cc">
+      <UserInfo>
+        <DisplayName>REDMOND\kristaa</DisplayName>
+        <AccountId>136</AccountId>
+        <AccountType/>
+      </UserInfo>
+    </APAuthor>
+    <LocManualTestRequired xmlns="4873beb7-5857-4685-be1f-d57550cc96cc">false</LocManualTestRequired>
+    <TPCommandLine xmlns="4873beb7-5857-4685-be1f-d57550cc96cc" xsi:nil="true"/>
+    <TPAppVersion xmlns="4873beb7-5857-4685-be1f-d57550cc96cc" xsi:nil="true"/>
+    <EditorialStatus xmlns="4873beb7-5857-4685-be1f-d57550cc96cc">Complete</EditorialStatus>
+    <LastModifiedDateTime xmlns="4873beb7-5857-4685-be1f-d57550cc96cc" xsi:nil="true"/>
+    <ScenarioTagsTaxHTField0 xmlns="4873beb7-5857-4685-be1f-d57550cc96cc">
+      <Terms xmlns="http://schemas.microsoft.com/office/infopath/2007/PartnerControls"/>
+    </ScenarioTagsTaxHTField0>
+    <LocProcessedForMarketsLookup xmlns="4873beb7-5857-4685-be1f-d57550cc96cc" xsi:nil="true"/>
+    <TPLaunchHelpLinkType xmlns="4873beb7-5857-4685-be1f-d57550cc96cc">Template</TPLaunchHelpLinkType>
+    <OriginalRelease xmlns="4873beb7-5857-4685-be1f-d57550cc96cc">15</OriginalRelease>
+    <LocalizationTagsTaxHTField0 xmlns="4873beb7-5857-4685-be1f-d57550cc96cc">
+      <Terms xmlns="http://schemas.microsoft.com/office/infopath/2007/PartnerControls"/>
+    </LocalizationTagsTaxHTField0>
+    <UACurrentWords xmlns="4873beb7-5857-4685-be1f-d57550cc96cc" xsi:nil="true"/>
+    <ArtSampleDocs xmlns="4873beb7-5857-4685-be1f-d57550cc96cc" xsi:nil="true"/>
+    <UALocRecommendation xmlns="4873beb7-5857-4685-be1f-d57550cc96cc">Localize</UALocRecommendation>
+    <Manager xmlns="4873beb7-5857-4685-be1f-d57550cc96cc" xsi:nil="true"/>
+    <LocOverallHandbackStatusLookup xmlns="4873beb7-5857-4685-be1f-d57550cc96cc" xsi:nil="true"/>
+    <ShowIn xmlns="4873beb7-5857-4685-be1f-d57550cc96cc">Show everywhere</ShowIn>
+    <UANotes xmlns="4873beb7-5857-4685-be1f-d57550cc96cc" xsi:nil="true"/>
+    <InternalTagsTaxHTField0 xmlns="4873beb7-5857-4685-be1f-d57550cc96cc">
+      <Terms xmlns="http://schemas.microsoft.com/office/infopath/2007/PartnerControls"/>
+    </InternalTagsTaxHTField0>
+    <CSXHash xmlns="4873beb7-5857-4685-be1f-d57550cc96cc" xsi:nil="true"/>
+    <VoteCount xmlns="4873beb7-5857-4685-be1f-d57550cc96cc" xsi:nil="true"/>
+    <AssetExpire xmlns="4873beb7-5857-4685-be1f-d57550cc96cc">2029-05-12T07:00:00+00:00</AssetExpire>
+    <DSATActionTaken xmlns="4873beb7-5857-4685-be1f-d57550cc96cc" xsi:nil="true"/>
+    <CSXSubmissionMarket xmlns="4873beb7-5857-4685-be1f-d57550cc96cc" xsi:nil="true"/>
+    <LocMarketGroupTiers2 xmlns="4873beb7-5857-4685-be1f-d57550cc96cc" xsi:nil="true"/>
+  </documentManagement>
+</p:properties>
+</file>
+
+<file path=customXml/item3.xml><?xml version="1.0" encoding="utf-8"?>
 <ct:contentTypeSchema xmlns:ct="http://schemas.microsoft.com/office/2006/metadata/contentType" xmlns:ma="http://schemas.microsoft.com/office/2006/metadata/properties/metaAttributes" ct:_="" ma:_="" ma:contentTypeName="TemplateFile" ma:contentTypeID="0x0101006EDDDB5EE6D98C44930B742096920B300400F5B6D36B3EF94B4E9A635CDF2A18F5B8" ma:contentTypeVersion="72" ma:contentTypeDescription="Create a new document." ma:contentTypeScope="" ma:versionID="a23e56308344d904b51738559c3d67c9">
   <xsd:schema xmlns:xsd="http://www.w3.org/2001/XMLSchema" xmlns:xs="http://www.w3.org/2001/XMLSchema" xmlns:p="http://schemas.microsoft.com/office/2006/metadata/properties" xmlns:ns2="4873beb7-5857-4685-be1f-d57550cc96cc" targetNamespace="http://schemas.microsoft.com/office/2006/metadata/properties" ma:root="true" ma:fieldsID="cd0908cc4600e77bf5da051303e00c8d" ns2:_="">
     <xsd:import namespace="4873beb7-5857-4685-be1f-d57550cc96cc"/>
@@ -16616,142 +17686,6 @@
 </ct:contentTypeSchema>
 </file>
 
-<file path=customXml/item3.xml><?xml version="1.0" encoding="utf-8"?>
-<p:properties xmlns:p="http://schemas.microsoft.com/office/2006/metadata/properties" xmlns:xsi="http://www.w3.org/2001/XMLSchema-instance" xmlns:pc="http://schemas.microsoft.com/office/infopath/2007/PartnerControls">
-  <documentManagement>
-    <LocPublishedLinkedAssetsLookup xmlns="4873beb7-5857-4685-be1f-d57550cc96cc" xsi:nil="true"/>
-    <ApprovalStatus xmlns="4873beb7-5857-4685-be1f-d57550cc96cc">InProgress</ApprovalStatus>
-    <MarketSpecific xmlns="4873beb7-5857-4685-be1f-d57550cc96cc">false</MarketSpecific>
-    <LocComments xmlns="4873beb7-5857-4685-be1f-d57550cc96cc" xsi:nil="true"/>
-    <LocLastLocAttemptVersionTypeLookup xmlns="4873beb7-5857-4685-be1f-d57550cc96cc" xsi:nil="true"/>
-    <DirectSourceMarket xmlns="4873beb7-5857-4685-be1f-d57550cc96cc" xsi:nil="true"/>
-    <ThumbnailAssetId xmlns="4873beb7-5857-4685-be1f-d57550cc96cc" xsi:nil="true"/>
-    <PrimaryImageGen xmlns="4873beb7-5857-4685-be1f-d57550cc96cc">false</PrimaryImageGen>
-    <LocNewPublishedVersionLookup xmlns="4873beb7-5857-4685-be1f-d57550cc96cc" xsi:nil="true"/>
-    <LegacyData xmlns="4873beb7-5857-4685-be1f-d57550cc96cc" xsi:nil="true"/>
-    <LocRecommendedHandoff xmlns="4873beb7-5857-4685-be1f-d57550cc96cc" xsi:nil="true"/>
-    <BusinessGroup xmlns="4873beb7-5857-4685-be1f-d57550cc96cc" xsi:nil="true"/>
-    <BlockPublish xmlns="4873beb7-5857-4685-be1f-d57550cc96cc">false</BlockPublish>
-    <TPFriendlyName xmlns="4873beb7-5857-4685-be1f-d57550cc96cc" xsi:nil="true"/>
-    <LocOverallPublishStatusLookup xmlns="4873beb7-5857-4685-be1f-d57550cc96cc" xsi:nil="true"/>
-    <NumericId xmlns="4873beb7-5857-4685-be1f-d57550cc96cc" xsi:nil="true"/>
-    <APEditor xmlns="4873beb7-5857-4685-be1f-d57550cc96cc">
-      <UserInfo>
-        <DisplayName/>
-        <AccountId xsi:nil="true"/>
-        <AccountType/>
-      </UserInfo>
-    </APEditor>
-    <SourceTitle xmlns="4873beb7-5857-4685-be1f-d57550cc96cc" xsi:nil="true"/>
-    <OpenTemplate xmlns="4873beb7-5857-4685-be1f-d57550cc96cc">true</OpenTemplate>
-    <LocOverallLocStatusLookup xmlns="4873beb7-5857-4685-be1f-d57550cc96cc" xsi:nil="true"/>
-    <UALocComments xmlns="4873beb7-5857-4685-be1f-d57550cc96cc" xsi:nil="true"/>
-    <ParentAssetId xmlns="4873beb7-5857-4685-be1f-d57550cc96cc" xsi:nil="true"/>
-    <IntlLangReviewDate xmlns="4873beb7-5857-4685-be1f-d57550cc96cc" xsi:nil="true"/>
-    <FeatureTagsTaxHTField0 xmlns="4873beb7-5857-4685-be1f-d57550cc96cc">
-      <Terms xmlns="http://schemas.microsoft.com/office/infopath/2007/PartnerControls"/>
-    </FeatureTagsTaxHTField0>
-    <PublishStatusLookup xmlns="4873beb7-5857-4685-be1f-d57550cc96cc">
-      <Value>1345093</Value>
-    </PublishStatusLookup>
-    <Providers xmlns="4873beb7-5857-4685-be1f-d57550cc96cc" xsi:nil="true"/>
-    <MachineTranslated xmlns="4873beb7-5857-4685-be1f-d57550cc96cc">false</MachineTranslated>
-    <OriginalSourceMarket xmlns="4873beb7-5857-4685-be1f-d57550cc96cc" xsi:nil="true"/>
-    <APDescription xmlns="4873beb7-5857-4685-be1f-d57550cc96cc">This simple template design works for technology and  businesses, but it's versatile enough to use in other contexts.  It features multiple slide layouts designed for widescreen (16x9 resolution) and includes a sample SmartArt list and chart that are easily editable.</APDescription>
-    <ClipArtFilename xmlns="4873beb7-5857-4685-be1f-d57550cc96cc" xsi:nil="true"/>
-    <ContentItem xmlns="4873beb7-5857-4685-be1f-d57550cc96cc" xsi:nil="true"/>
-    <TPInstallLocation xmlns="4873beb7-5857-4685-be1f-d57550cc96cc" xsi:nil="true"/>
-    <PublishTargets xmlns="4873beb7-5857-4685-be1f-d57550cc96cc">OfficeOnlineVNext</PublishTargets>
-    <TimesCloned xmlns="4873beb7-5857-4685-be1f-d57550cc96cc" xsi:nil="true"/>
-    <AssetStart xmlns="4873beb7-5857-4685-be1f-d57550cc96cc">2011-11-26T00:30:00+00:00</AssetStart>
-    <Provider xmlns="4873beb7-5857-4685-be1f-d57550cc96cc" xsi:nil="true"/>
-    <AcquiredFrom xmlns="4873beb7-5857-4685-be1f-d57550cc96cc">Internal MS</AcquiredFrom>
-    <FriendlyTitle xmlns="4873beb7-5857-4685-be1f-d57550cc96cc" xsi:nil="true"/>
-    <LastHandOff xmlns="4873beb7-5857-4685-be1f-d57550cc96cc" xsi:nil="true"/>
-    <TPClientViewer xmlns="4873beb7-5857-4685-be1f-d57550cc96cc" xsi:nil="true"/>
-    <TemplateStatus xmlns="4873beb7-5857-4685-be1f-d57550cc96cc">Complete</TemplateStatus>
-    <Downloads xmlns="4873beb7-5857-4685-be1f-d57550cc96cc">0</Downloads>
-    <OOCacheId xmlns="4873beb7-5857-4685-be1f-d57550cc96cc" xsi:nil="true"/>
-    <IsDeleted xmlns="4873beb7-5857-4685-be1f-d57550cc96cc">false</IsDeleted>
-    <LocPublishedDependentAssetsLookup xmlns="4873beb7-5857-4685-be1f-d57550cc96cc" xsi:nil="true"/>
-    <TPExecutable xmlns="4873beb7-5857-4685-be1f-d57550cc96cc" xsi:nil="true"/>
-    <EditorialTags xmlns="4873beb7-5857-4685-be1f-d57550cc96cc" xsi:nil="true"/>
-    <SubmitterId xmlns="4873beb7-5857-4685-be1f-d57550cc96cc" xsi:nil="true"/>
-    <ApprovalLog xmlns="4873beb7-5857-4685-be1f-d57550cc96cc" xsi:nil="true"/>
-    <AssetType xmlns="4873beb7-5857-4685-be1f-d57550cc96cc">TP</AssetType>
-    <BugNumber xmlns="4873beb7-5857-4685-be1f-d57550cc96cc" xsi:nil="true"/>
-    <CSXSubmissionDate xmlns="4873beb7-5857-4685-be1f-d57550cc96cc" xsi:nil="true"/>
-    <CSXUpdate xmlns="4873beb7-5857-4685-be1f-d57550cc96cc">false</CSXUpdate>
-    <Milestone xmlns="4873beb7-5857-4685-be1f-d57550cc96cc" xsi:nil="true"/>
-    <RecommendationsModifier xmlns="4873beb7-5857-4685-be1f-d57550cc96cc" xsi:nil="true"/>
-    <OriginAsset xmlns="4873beb7-5857-4685-be1f-d57550cc96cc" xsi:nil="true"/>
-    <TPComponent xmlns="4873beb7-5857-4685-be1f-d57550cc96cc" xsi:nil="true"/>
-    <AssetId xmlns="4873beb7-5857-4685-be1f-d57550cc96cc">TP102787989</AssetId>
-    <IntlLocPriority xmlns="4873beb7-5857-4685-be1f-d57550cc96cc" xsi:nil="true"/>
-    <PolicheckWords xmlns="4873beb7-5857-4685-be1f-d57550cc96cc" xsi:nil="true"/>
-    <TPLaunchHelpLink xmlns="4873beb7-5857-4685-be1f-d57550cc96cc" xsi:nil="true"/>
-    <TPApplication xmlns="4873beb7-5857-4685-be1f-d57550cc96cc" xsi:nil="true"/>
-    <CrawlForDependencies xmlns="4873beb7-5857-4685-be1f-d57550cc96cc">false</CrawlForDependencies>
-    <HandoffToMSDN xmlns="4873beb7-5857-4685-be1f-d57550cc96cc" xsi:nil="true"/>
-    <PlannedPubDate xmlns="4873beb7-5857-4685-be1f-d57550cc96cc" xsi:nil="true"/>
-    <IntlLangReviewer xmlns="4873beb7-5857-4685-be1f-d57550cc96cc" xsi:nil="true"/>
-    <TrustLevel xmlns="4873beb7-5857-4685-be1f-d57550cc96cc">1 Microsoft Managed Content</TrustLevel>
-    <LocLastLocAttemptVersionLookup xmlns="4873beb7-5857-4685-be1f-d57550cc96cc">694266</LocLastLocAttemptVersionLookup>
-    <LocProcessedForHandoffsLookup xmlns="4873beb7-5857-4685-be1f-d57550cc96cc" xsi:nil="true"/>
-    <IsSearchable xmlns="4873beb7-5857-4685-be1f-d57550cc96cc">true</IsSearchable>
-    <TemplateTemplateType xmlns="4873beb7-5857-4685-be1f-d57550cc96cc">PowerPoint Presentation Template</TemplateTemplateType>
-    <CampaignTagsTaxHTField0 xmlns="4873beb7-5857-4685-be1f-d57550cc96cc">
-      <Terms xmlns="http://schemas.microsoft.com/office/infopath/2007/PartnerControls"/>
-    </CampaignTagsTaxHTField0>
-    <TPNamespace xmlns="4873beb7-5857-4685-be1f-d57550cc96cc" xsi:nil="true"/>
-    <LocOverallPreviewStatusLookup xmlns="4873beb7-5857-4685-be1f-d57550cc96cc" xsi:nil="true"/>
-    <TaxCatchAll xmlns="4873beb7-5857-4685-be1f-d57550cc96cc"/>
-    <Markets xmlns="4873beb7-5857-4685-be1f-d57550cc96cc"/>
-    <UAProjectedTotalWords xmlns="4873beb7-5857-4685-be1f-d57550cc96cc" xsi:nil="true"/>
-    <IntlLangReview xmlns="4873beb7-5857-4685-be1f-d57550cc96cc" xsi:nil="true"/>
-    <OutputCachingOn xmlns="4873beb7-5857-4685-be1f-d57550cc96cc">false</OutputCachingOn>
-    <AverageRating xmlns="4873beb7-5857-4685-be1f-d57550cc96cc" xsi:nil="true"/>
-    <APAuthor xmlns="4873beb7-5857-4685-be1f-d57550cc96cc">
-      <UserInfo>
-        <DisplayName>REDMOND\kristaa</DisplayName>
-        <AccountId>136</AccountId>
-        <AccountType/>
-      </UserInfo>
-    </APAuthor>
-    <LocManualTestRequired xmlns="4873beb7-5857-4685-be1f-d57550cc96cc">false</LocManualTestRequired>
-    <TPCommandLine xmlns="4873beb7-5857-4685-be1f-d57550cc96cc" xsi:nil="true"/>
-    <TPAppVersion xmlns="4873beb7-5857-4685-be1f-d57550cc96cc" xsi:nil="true"/>
-    <EditorialStatus xmlns="4873beb7-5857-4685-be1f-d57550cc96cc">Complete</EditorialStatus>
-    <LastModifiedDateTime xmlns="4873beb7-5857-4685-be1f-d57550cc96cc" xsi:nil="true"/>
-    <ScenarioTagsTaxHTField0 xmlns="4873beb7-5857-4685-be1f-d57550cc96cc">
-      <Terms xmlns="http://schemas.microsoft.com/office/infopath/2007/PartnerControls"/>
-    </ScenarioTagsTaxHTField0>
-    <LocProcessedForMarketsLookup xmlns="4873beb7-5857-4685-be1f-d57550cc96cc" xsi:nil="true"/>
-    <TPLaunchHelpLinkType xmlns="4873beb7-5857-4685-be1f-d57550cc96cc">Template</TPLaunchHelpLinkType>
-    <OriginalRelease xmlns="4873beb7-5857-4685-be1f-d57550cc96cc">15</OriginalRelease>
-    <LocalizationTagsTaxHTField0 xmlns="4873beb7-5857-4685-be1f-d57550cc96cc">
-      <Terms xmlns="http://schemas.microsoft.com/office/infopath/2007/PartnerControls"/>
-    </LocalizationTagsTaxHTField0>
-    <UACurrentWords xmlns="4873beb7-5857-4685-be1f-d57550cc96cc" xsi:nil="true"/>
-    <ArtSampleDocs xmlns="4873beb7-5857-4685-be1f-d57550cc96cc" xsi:nil="true"/>
-    <UALocRecommendation xmlns="4873beb7-5857-4685-be1f-d57550cc96cc">Localize</UALocRecommendation>
-    <Manager xmlns="4873beb7-5857-4685-be1f-d57550cc96cc" xsi:nil="true"/>
-    <LocOverallHandbackStatusLookup xmlns="4873beb7-5857-4685-be1f-d57550cc96cc" xsi:nil="true"/>
-    <ShowIn xmlns="4873beb7-5857-4685-be1f-d57550cc96cc">Show everywhere</ShowIn>
-    <UANotes xmlns="4873beb7-5857-4685-be1f-d57550cc96cc" xsi:nil="true"/>
-    <InternalTagsTaxHTField0 xmlns="4873beb7-5857-4685-be1f-d57550cc96cc">
-      <Terms xmlns="http://schemas.microsoft.com/office/infopath/2007/PartnerControls"/>
-    </InternalTagsTaxHTField0>
-    <CSXHash xmlns="4873beb7-5857-4685-be1f-d57550cc96cc" xsi:nil="true"/>
-    <VoteCount xmlns="4873beb7-5857-4685-be1f-d57550cc96cc" xsi:nil="true"/>
-    <AssetExpire xmlns="4873beb7-5857-4685-be1f-d57550cc96cc">2029-05-12T07:00:00+00:00</AssetExpire>
-    <DSATActionTaken xmlns="4873beb7-5857-4685-be1f-d57550cc96cc" xsi:nil="true"/>
-    <CSXSubmissionMarket xmlns="4873beb7-5857-4685-be1f-d57550cc96cc" xsi:nil="true"/>
-    <LocMarketGroupTiers2 xmlns="4873beb7-5857-4685-be1f-d57550cc96cc" xsi:nil="true"/>
-  </documentManagement>
-</p:properties>
-</file>
-
 <file path=customXml/itemProps1.xml><?xml version="1.0" encoding="utf-8"?>
 <ds:datastoreItem xmlns:ds="http://schemas.openxmlformats.org/officeDocument/2006/customXml" ds:itemID="{3836F65B-1B07-41EE-A0E8-BC6EF3855225}">
   <ds:schemaRefs>
@@ -16761,6 +17695,22 @@
 </file>
 
 <file path=customXml/itemProps2.xml><?xml version="1.0" encoding="utf-8"?>
+<ds:datastoreItem xmlns:ds="http://schemas.openxmlformats.org/officeDocument/2006/customXml" ds:itemID="{60C67BEE-D13F-4BD2-98A5-34D8A0977F68}">
+  <ds:schemaRefs>
+    <ds:schemaRef ds:uri="4873beb7-5857-4685-be1f-d57550cc96cc"/>
+    <ds:schemaRef ds:uri="http://schemas.openxmlformats.org/package/2006/metadata/core-properties"/>
+    <ds:schemaRef ds:uri="http://purl.org/dc/terms/"/>
+    <ds:schemaRef ds:uri="http://schemas.microsoft.com/office/2006/documentManagement/types"/>
+    <ds:schemaRef ds:uri="http://purl.org/dc/elements/1.1/"/>
+    <ds:schemaRef ds:uri="http://schemas.microsoft.com/office/2006/metadata/properties"/>
+    <ds:schemaRef ds:uri="http://schemas.microsoft.com/office/infopath/2007/PartnerControls"/>
+    <ds:schemaRef ds:uri="http://www.w3.org/XML/1998/namespace"/>
+    <ds:schemaRef ds:uri="http://purl.org/dc/dcmitype/"/>
+  </ds:schemaRefs>
+</ds:datastoreItem>
+</file>
+
+<file path=customXml/itemProps3.xml><?xml version="1.0" encoding="utf-8"?>
 <ds:datastoreItem xmlns:ds="http://schemas.openxmlformats.org/officeDocument/2006/customXml" ds:itemID="{A09BF4D4-EF60-4196-BFC3-9462D607978C}">
   <ds:schemaRefs>
     <ds:schemaRef ds:uri="http://schemas.microsoft.com/office/2006/metadata/contentType"/>
@@ -16776,20 +17726,4 @@
     <ds:schemaRef ds:uri="http://schemas.microsoft.com/internal/obd"/>
   </ds:schemaRefs>
 </ds:datastoreItem>
-</file>
-
-<file path=customXml/itemProps3.xml><?xml version="1.0" encoding="utf-8"?>
-<ds:datastoreItem xmlns:ds="http://schemas.openxmlformats.org/officeDocument/2006/customXml" ds:itemID="{60C67BEE-D13F-4BD2-98A5-34D8A0977F68}">
-  <ds:schemaRefs>
-    <ds:schemaRef ds:uri="4873beb7-5857-4685-be1f-d57550cc96cc"/>
-    <ds:schemaRef ds:uri="http://schemas.openxmlformats.org/package/2006/metadata/core-properties"/>
-    <ds:schemaRef ds:uri="http://purl.org/dc/terms/"/>
-    <ds:schemaRef ds:uri="http://schemas.microsoft.com/office/2006/documentManagement/types"/>
-    <ds:schemaRef ds:uri="http://purl.org/dc/elements/1.1/"/>
-    <ds:schemaRef ds:uri="http://schemas.microsoft.com/office/2006/metadata/properties"/>
-    <ds:schemaRef ds:uri="http://schemas.microsoft.com/office/infopath/2007/PartnerControls"/>
-    <ds:schemaRef ds:uri="http://www.w3.org/XML/1998/namespace"/>
-    <ds:schemaRef ds:uri="http://purl.org/dc/dcmitype/"/>
-  </ds:schemaRefs>
-</ds:datastoreItem>
 </file>
--- a/Final Project/Report.pptx
+++ b/Final Project/Report.pptx
@@ -5,10 +5,10 @@
     <p:sldMasterId id="2147483750" r:id="rId4"/>
   </p:sldMasterIdLst>
   <p:notesMasterIdLst>
-    <p:notesMasterId r:id="rId19"/>
+    <p:notesMasterId r:id="rId22"/>
   </p:notesMasterIdLst>
   <p:handoutMasterIdLst>
-    <p:handoutMasterId r:id="rId20"/>
+    <p:handoutMasterId r:id="rId23"/>
   </p:handoutMasterIdLst>
   <p:sldIdLst>
     <p:sldId id="257" r:id="rId5"/>
@@ -16,21 +16,24 @@
     <p:sldId id="268" r:id="rId7"/>
     <p:sldId id="272" r:id="rId8"/>
     <p:sldId id="274" r:id="rId9"/>
-    <p:sldId id="267" r:id="rId10"/>
-    <p:sldId id="269" r:id="rId11"/>
-    <p:sldId id="270" r:id="rId12"/>
-    <p:sldId id="259" r:id="rId13"/>
-    <p:sldId id="261" r:id="rId14"/>
-    <p:sldId id="262" r:id="rId15"/>
-    <p:sldId id="263" r:id="rId16"/>
-    <p:sldId id="271" r:id="rId17"/>
-    <p:sldId id="265" r:id="rId18"/>
+    <p:sldId id="276" r:id="rId10"/>
+    <p:sldId id="278" r:id="rId11"/>
+    <p:sldId id="277" r:id="rId12"/>
+    <p:sldId id="267" r:id="rId13"/>
+    <p:sldId id="269" r:id="rId14"/>
+    <p:sldId id="270" r:id="rId15"/>
+    <p:sldId id="259" r:id="rId16"/>
+    <p:sldId id="261" r:id="rId17"/>
+    <p:sldId id="262" r:id="rId18"/>
+    <p:sldId id="263" r:id="rId19"/>
+    <p:sldId id="271" r:id="rId20"/>
+    <p:sldId id="265" r:id="rId21"/>
   </p:sldIdLst>
   <p:sldSz cx="12188825" cy="6858000"/>
   <p:notesSz cx="6858000" cy="9144000"/>
   <p:defaultTextStyle>
     <a:defPPr rtl="0">
-      <a:defRPr lang="zh-tw"/>
+      <a:defRPr lang="x-none"/>
     </a:defPPr>
     <a:lvl1pPr marL="0" algn="l" defTabSz="1218987" rtl="0" eaLnBrk="1" latinLnBrk="0" hangingPunct="1">
       <a:defRPr sz="2400" kern="1200">
@@ -157,7 +160,7 @@
 </file>
 
 <file path=ppt/charts/chart1.xml><?xml version="1.0" encoding="utf-8"?>
-<c:chartSpace xmlns:c="http://schemas.openxmlformats.org/drawingml/2006/chart" xmlns:a="http://schemas.openxmlformats.org/drawingml/2006/main" xmlns:r="http://schemas.openxmlformats.org/officeDocument/2006/relationships" xmlns:c16r2="http://schemas.microsoft.com/office/drawing/2015/06/chart">
+<c:chartSpace xmlns:c="http://schemas.openxmlformats.org/drawingml/2006/chart" xmlns:a="http://schemas.openxmlformats.org/drawingml/2006/main" xmlns:r="http://schemas.openxmlformats.org/officeDocument/2006/relationships">
   <c:date1904 val="0"/>
   <c:lang val="zh-TW"/>
   <c:roundedCorners val="0"/>
@@ -243,7 +246,7 @@
               </c:numCache>
             </c:numRef>
           </c:val>
-          <c:extLst>
+          <c:extLst xmlns:c16r2="http://schemas.microsoft.com/office/drawing/2015/06/chart">
             <c:ext xmlns:c16="http://schemas.microsoft.com/office/drawing/2014/chart" uri="{C3380CC4-5D6E-409C-BE32-E72D297353CC}">
               <c16:uniqueId val="{00000000-5E92-4051-99BC-2623F45BF7E0}"/>
             </c:ext>
@@ -304,7 +307,7 @@
                   <c:v>2.4</c:v>
                 </c:pt>
                 <c:pt idx="1">
-                  <c:v>4.4000000000000004</c:v>
+                  <c:v>4.4</c:v>
                 </c:pt>
                 <c:pt idx="2">
                   <c:v>1.8</c:v>
@@ -315,7 +318,7 @@
               </c:numCache>
             </c:numRef>
           </c:val>
-          <c:extLst>
+          <c:extLst xmlns:c16r2="http://schemas.microsoft.com/office/drawing/2015/06/chart">
             <c:ext xmlns:c16="http://schemas.microsoft.com/office/drawing/2014/chart" uri="{C3380CC4-5D6E-409C-BE32-E72D297353CC}">
               <c16:uniqueId val="{00000001-5E92-4051-99BC-2623F45BF7E0}"/>
             </c:ext>
@@ -373,21 +376,21 @@
                 <c:formatCode>General</c:formatCode>
                 <c:ptCount val="4"/>
                 <c:pt idx="0">
-                  <c:v>2</c:v>
+                  <c:v>2.0</c:v>
                 </c:pt>
                 <c:pt idx="1">
-                  <c:v>2</c:v>
+                  <c:v>2.0</c:v>
                 </c:pt>
                 <c:pt idx="2">
-                  <c:v>3</c:v>
+                  <c:v>3.0</c:v>
                 </c:pt>
                 <c:pt idx="3">
-                  <c:v>5</c:v>
+                  <c:v>5.0</c:v>
                 </c:pt>
               </c:numCache>
             </c:numRef>
           </c:val>
-          <c:extLst>
+          <c:extLst xmlns:c16r2="http://schemas.microsoft.com/office/drawing/2015/06/chart">
             <c:ext xmlns:c16="http://schemas.microsoft.com/office/drawing/2014/chart" uri="{C3380CC4-5D6E-409C-BE32-E72D297353CC}">
               <c16:uniqueId val="{00000002-5E92-4051-99BC-2623F45BF7E0}"/>
             </c:ext>
@@ -403,11 +406,11 @@
         </c:dLbls>
         <c:gapWidth val="164"/>
         <c:overlap val="-35"/>
-        <c:axId val="632163384"/>
-        <c:axId val="632166128"/>
+        <c:axId val="2107036368"/>
+        <c:axId val="2104924608"/>
       </c:barChart>
       <c:catAx>
-        <c:axId val="632163384"/>
+        <c:axId val="2107036368"/>
         <c:scaling>
           <c:orientation val="minMax"/>
         </c:scaling>
@@ -441,10 +444,10 @@
                 <a:cs typeface="+mn-cs"/>
               </a:defRPr>
             </a:pPr>
-            <a:endParaRPr lang="en-US"/>
+            <a:endParaRPr lang="zh-TW"/>
           </a:p>
         </c:txPr>
-        <c:crossAx val="632166128"/>
+        <c:crossAx val="2104924608"/>
         <c:crosses val="autoZero"/>
         <c:auto val="1"/>
         <c:lblAlgn val="ctr"/>
@@ -452,7 +455,7 @@
         <c:noMultiLvlLbl val="0"/>
       </c:catAx>
       <c:valAx>
-        <c:axId val="632166128"/>
+        <c:axId val="2104924608"/>
         <c:scaling>
           <c:orientation val="minMax"/>
         </c:scaling>
@@ -486,10 +489,10 @@
                 <a:cs typeface="+mn-cs"/>
               </a:defRPr>
             </a:pPr>
-            <a:endParaRPr lang="en-US"/>
+            <a:endParaRPr lang="zh-TW"/>
           </a:p>
         </c:txPr>
-        <c:crossAx val="632163384"/>
+        <c:crossAx val="2107036368"/>
         <c:crosses val="autoZero"/>
         <c:crossBetween val="between"/>
       </c:valAx>
@@ -503,6 +506,7 @@
     </c:plotArea>
     <c:legend>
       <c:legendPos val="t"/>
+      <c:layout/>
       <c:overlay val="0"/>
       <c:spPr>
         <a:noFill/>
@@ -528,7 +532,7 @@
               <a:cs typeface="+mn-cs"/>
             </a:defRPr>
           </a:pPr>
-          <a:endParaRPr lang="en-US"/>
+          <a:endParaRPr lang="zh-TW"/>
         </a:p>
       </c:txPr>
     </c:legend>
@@ -550,7 +554,7 @@
       <a:pPr>
         <a:defRPr/>
       </a:pPr>
-      <a:endParaRPr lang="en-US"/>
+      <a:endParaRPr lang="zh-TW"/>
     </a:p>
   </c:txPr>
   <c:externalData r:id="rId3">
@@ -2472,12 +2476,12 @@
         </a:fontRef>
       </dsp:style>
       <dsp:txBody>
-        <a:bodyPr spcFirstLastPara="0" vert="horz" wrap="square" lIns="156210" tIns="156210" rIns="156210" bIns="156210" numCol="1" spcCol="1270" rtlCol="0" anchor="ctr" anchorCtr="0">
+        <a:bodyPr spcFirstLastPara="0" vert="horz" wrap="square" lIns="190500" tIns="190500" rIns="190500" bIns="190500" numCol="1" spcCol="1270" rtlCol="0" anchor="ctr" anchorCtr="0">
           <a:noAutofit/>
         </a:bodyPr>
         <a:lstStyle/>
         <a:p>
-          <a:pPr lvl="0" algn="l" defTabSz="1822450" rtl="0">
+          <a:pPr lvl="0" algn="l" defTabSz="2222500" rtl="0">
             <a:lnSpc>
               <a:spcPct val="90000"/>
             </a:lnSpc>
@@ -2489,20 +2493,20 @@
             </a:spcAft>
           </a:pPr>
           <a:r>
-            <a:rPr lang="zh-TW" altLang="en-US" sz="4100" kern="1200" noProof="0" dirty="0" smtClean="0">
+            <a:rPr lang="zh-TW" altLang="en-US" sz="5000" kern="1200" noProof="0" dirty="0" smtClean="0">
               <a:latin typeface="+mj-ea"/>
               <a:ea typeface="+mj-ea"/>
             </a:rPr>
             <a:t>工作 </a:t>
           </a:r>
           <a:r>
-            <a:rPr lang="en-US" altLang="zh-TW" sz="4100" kern="1200" noProof="0" dirty="0" smtClean="0">
+            <a:rPr lang="en-US" altLang="zh-TW" sz="5000" kern="1200" noProof="0" dirty="0" smtClean="0">
               <a:latin typeface="+mj-ea"/>
               <a:ea typeface="+mj-ea"/>
             </a:rPr>
             <a:t>1</a:t>
           </a:r>
-          <a:endParaRPr lang="zh-TW" altLang="en-US" sz="4100" kern="1200" noProof="0" dirty="0">
+          <a:endParaRPr lang="zh-TW" altLang="en-US" sz="5000" kern="1200" noProof="0" dirty="0">
             <a:latin typeface="+mj-ea"/>
             <a:ea typeface="+mj-ea"/>
           </a:endParaRPr>
@@ -2579,12 +2583,12 @@
         </a:fontRef>
       </dsp:style>
       <dsp:txBody>
-        <a:bodyPr spcFirstLastPara="0" vert="horz" wrap="square" lIns="156210" tIns="156210" rIns="156210" bIns="156210" numCol="1" spcCol="1270" rtlCol="0" anchor="ctr" anchorCtr="0">
+        <a:bodyPr spcFirstLastPara="0" vert="horz" wrap="square" lIns="190500" tIns="190500" rIns="190500" bIns="190500" numCol="1" spcCol="1270" rtlCol="0" anchor="ctr" anchorCtr="0">
           <a:noAutofit/>
         </a:bodyPr>
         <a:lstStyle/>
         <a:p>
-          <a:pPr lvl="0" algn="l" defTabSz="1822450" rtl="0">
+          <a:pPr lvl="0" algn="l" defTabSz="2222500" rtl="0">
             <a:lnSpc>
               <a:spcPct val="90000"/>
             </a:lnSpc>
@@ -2596,20 +2600,20 @@
             </a:spcAft>
           </a:pPr>
           <a:r>
-            <a:rPr lang="zh-TW" altLang="en-US" sz="4100" kern="1200" noProof="0" dirty="0" smtClean="0">
+            <a:rPr lang="zh-TW" altLang="en-US" sz="5000" kern="1200" noProof="0" dirty="0" smtClean="0">
               <a:latin typeface="+mj-ea"/>
               <a:ea typeface="+mj-ea"/>
             </a:rPr>
             <a:t>工作 </a:t>
           </a:r>
           <a:r>
-            <a:rPr lang="en-US" altLang="zh-TW" sz="4100" kern="1200" noProof="0" dirty="0" smtClean="0">
+            <a:rPr lang="en-US" altLang="zh-TW" sz="5000" kern="1200" noProof="0" dirty="0" smtClean="0">
               <a:latin typeface="+mj-ea"/>
               <a:ea typeface="+mj-ea"/>
             </a:rPr>
             <a:t>2</a:t>
           </a:r>
-          <a:endParaRPr lang="zh-TW" altLang="en-US" sz="4100" kern="1200" noProof="0" dirty="0">
+          <a:endParaRPr lang="zh-TW" altLang="en-US" sz="5000" kern="1200" noProof="0" dirty="0">
             <a:latin typeface="+mj-ea"/>
             <a:ea typeface="+mj-ea"/>
           </a:endParaRPr>
@@ -2686,12 +2690,12 @@
         </a:fontRef>
       </dsp:style>
       <dsp:txBody>
-        <a:bodyPr spcFirstLastPara="0" vert="horz" wrap="square" lIns="156210" tIns="156210" rIns="156210" bIns="156210" numCol="1" spcCol="1270" rtlCol="0" anchor="ctr" anchorCtr="0">
+        <a:bodyPr spcFirstLastPara="0" vert="horz" wrap="square" lIns="190500" tIns="190500" rIns="190500" bIns="190500" numCol="1" spcCol="1270" rtlCol="0" anchor="ctr" anchorCtr="0">
           <a:noAutofit/>
         </a:bodyPr>
         <a:lstStyle/>
         <a:p>
-          <a:pPr lvl="0" algn="l" defTabSz="1822450" rtl="0">
+          <a:pPr lvl="0" algn="l" defTabSz="2222500" rtl="0">
             <a:lnSpc>
               <a:spcPct val="90000"/>
             </a:lnSpc>
@@ -2703,20 +2707,20 @@
             </a:spcAft>
           </a:pPr>
           <a:r>
-            <a:rPr lang="zh-TW" altLang="en-US" sz="4100" kern="1200" noProof="0" dirty="0" smtClean="0">
+            <a:rPr lang="zh-TW" altLang="en-US" sz="5000" kern="1200" noProof="0" dirty="0" smtClean="0">
               <a:latin typeface="+mj-ea"/>
               <a:ea typeface="+mj-ea"/>
             </a:rPr>
             <a:t>工作 </a:t>
           </a:r>
           <a:r>
-            <a:rPr lang="en-US" altLang="zh-TW" sz="4100" kern="1200" noProof="0" dirty="0" smtClean="0">
+            <a:rPr lang="en-US" altLang="zh-TW" sz="5000" kern="1200" noProof="0" dirty="0" smtClean="0">
               <a:latin typeface="+mj-ea"/>
               <a:ea typeface="+mj-ea"/>
             </a:rPr>
             <a:t>3</a:t>
           </a:r>
-          <a:endParaRPr lang="zh-TW" altLang="en-US" sz="4100" kern="1200" noProof="0" dirty="0">
+          <a:endParaRPr lang="zh-TW" altLang="en-US" sz="5000" kern="1200" noProof="0" dirty="0">
             <a:latin typeface="+mj-ea"/>
             <a:ea typeface="+mj-ea"/>
           </a:endParaRPr>
@@ -5900,7 +5904,7 @@
     </p:spTree>
     <p:extLst>
       <p:ext uri="{BB962C8B-B14F-4D97-AF65-F5344CB8AC3E}">
-        <p14:creationId xmlns:p14="http://schemas.microsoft.com/office/powerpoint/2010/main" val="2270168328"/>
+        <p14:creationId xmlns:p14="http://schemas.microsoft.com/office/powerpoint/2010/main" val="2350785629"/>
       </p:ext>
     </p:extLst>
   </p:cSld>
@@ -5989,6 +5993,306 @@
               </a:rPr>
               <a:pPr algn="r" rtl="0"/>
               <a:t>14</a:t>
+            </a:fld>
+            <a:endParaRPr lang="zh-TW" altLang="en-US" dirty="0">
+              <a:latin typeface="+mj-ea"/>
+              <a:ea typeface="+mj-ea"/>
+            </a:endParaRPr>
+          </a:p>
+        </p:txBody>
+      </p:sp>
+    </p:spTree>
+    <p:extLst>
+      <p:ext uri="{BB962C8B-B14F-4D97-AF65-F5344CB8AC3E}">
+        <p14:creationId xmlns:p14="http://schemas.microsoft.com/office/powerpoint/2010/main" val="2978741859"/>
+      </p:ext>
+    </p:extLst>
+  </p:cSld>
+  <p:clrMapOvr>
+    <a:masterClrMapping/>
+  </p:clrMapOvr>
+</p:notes>
+</file>
+
+<file path=ppt/notesSlides/notesSlide12.xml><?xml version="1.0" encoding="utf-8"?>
+<p:notes xmlns:a="http://schemas.openxmlformats.org/drawingml/2006/main" xmlns:r="http://schemas.openxmlformats.org/officeDocument/2006/relationships" xmlns:p="http://schemas.openxmlformats.org/presentationml/2006/main">
+  <p:cSld>
+    <p:spTree>
+      <p:nvGrpSpPr>
+        <p:cNvPr id="1" name=""/>
+        <p:cNvGrpSpPr/>
+        <p:nvPr/>
+      </p:nvGrpSpPr>
+      <p:grpSpPr>
+        <a:xfrm>
+          <a:off x="0" y="0"/>
+          <a:ext cx="0" cy="0"/>
+          <a:chOff x="0" y="0"/>
+          <a:chExt cx="0" cy="0"/>
+        </a:xfrm>
+      </p:grpSpPr>
+      <p:sp>
+        <p:nvSpPr>
+          <p:cNvPr id="2" name="投影片圖像版面配置區 1"/>
+          <p:cNvSpPr>
+            <a:spLocks noGrp="1" noRot="1" noChangeAspect="1"/>
+          </p:cNvSpPr>
+          <p:nvPr>
+            <p:ph type="sldImg"/>
+          </p:nvPr>
+        </p:nvSpPr>
+        <p:spPr/>
+      </p:sp>
+      <p:sp>
+        <p:nvSpPr>
+          <p:cNvPr id="3" name="備忘稿版面配置區 2"/>
+          <p:cNvSpPr>
+            <a:spLocks noGrp="1"/>
+          </p:cNvSpPr>
+          <p:nvPr>
+            <p:ph type="body" idx="1"/>
+          </p:nvPr>
+        </p:nvSpPr>
+        <p:spPr/>
+        <p:txBody>
+          <a:bodyPr/>
+          <a:lstStyle/>
+          <a:p>
+            <a:endParaRPr lang="zh-TW" altLang="en-US" dirty="0"/>
+          </a:p>
+        </p:txBody>
+      </p:sp>
+      <p:sp>
+        <p:nvSpPr>
+          <p:cNvPr id="5" name="投影片編號版面配置區 3"/>
+          <p:cNvSpPr>
+            <a:spLocks noGrp="1"/>
+          </p:cNvSpPr>
+          <p:nvPr>
+            <p:ph type="sldNum" sz="quarter" idx="5"/>
+          </p:nvPr>
+        </p:nvSpPr>
+        <p:spPr>
+          <a:xfrm>
+            <a:off x="3884613" y="8685213"/>
+            <a:ext cx="2971800" cy="457200"/>
+          </a:xfrm>
+          <a:prstGeom prst="rect">
+            <a:avLst/>
+          </a:prstGeom>
+        </p:spPr>
+        <p:txBody>
+          <a:bodyPr/>
+          <a:lstStyle/>
+          <a:p>
+            <a:pPr algn="r" rtl="0"/>
+            <a:fld id="{3EBA5BD7-F043-4D1B-AA17-CD412FC534DE}" type="slidenum">
+              <a:rPr lang="en-US" altLang="zh-TW" smtClean="0">
+                <a:latin typeface="+mj-ea"/>
+                <a:ea typeface="+mj-ea"/>
+              </a:rPr>
+              <a:pPr algn="r" rtl="0"/>
+              <a:t>15</a:t>
+            </a:fld>
+            <a:endParaRPr lang="zh-TW" altLang="en-US" dirty="0">
+              <a:latin typeface="+mj-ea"/>
+              <a:ea typeface="+mj-ea"/>
+            </a:endParaRPr>
+          </a:p>
+        </p:txBody>
+      </p:sp>
+    </p:spTree>
+    <p:extLst>
+      <p:ext uri="{BB962C8B-B14F-4D97-AF65-F5344CB8AC3E}">
+        <p14:creationId xmlns:p14="http://schemas.microsoft.com/office/powerpoint/2010/main" val="1227375036"/>
+      </p:ext>
+    </p:extLst>
+  </p:cSld>
+  <p:clrMapOvr>
+    <a:masterClrMapping/>
+  </p:clrMapOvr>
+</p:notes>
+</file>
+
+<file path=ppt/notesSlides/notesSlide13.xml><?xml version="1.0" encoding="utf-8"?>
+<p:notes xmlns:a="http://schemas.openxmlformats.org/drawingml/2006/main" xmlns:r="http://schemas.openxmlformats.org/officeDocument/2006/relationships" xmlns:p="http://schemas.openxmlformats.org/presentationml/2006/main">
+  <p:cSld>
+    <p:spTree>
+      <p:nvGrpSpPr>
+        <p:cNvPr id="1" name=""/>
+        <p:cNvGrpSpPr/>
+        <p:nvPr/>
+      </p:nvGrpSpPr>
+      <p:grpSpPr>
+        <a:xfrm>
+          <a:off x="0" y="0"/>
+          <a:ext cx="0" cy="0"/>
+          <a:chOff x="0" y="0"/>
+          <a:chExt cx="0" cy="0"/>
+        </a:xfrm>
+      </p:grpSpPr>
+      <p:sp>
+        <p:nvSpPr>
+          <p:cNvPr id="2" name="投影片圖像版面配置區 1"/>
+          <p:cNvSpPr>
+            <a:spLocks noGrp="1" noRot="1" noChangeAspect="1"/>
+          </p:cNvSpPr>
+          <p:nvPr>
+            <p:ph type="sldImg"/>
+          </p:nvPr>
+        </p:nvSpPr>
+        <p:spPr/>
+      </p:sp>
+      <p:sp>
+        <p:nvSpPr>
+          <p:cNvPr id="3" name="備忘稿版面配置區 2"/>
+          <p:cNvSpPr>
+            <a:spLocks noGrp="1"/>
+          </p:cNvSpPr>
+          <p:nvPr>
+            <p:ph type="body" idx="1"/>
+          </p:nvPr>
+        </p:nvSpPr>
+        <p:spPr/>
+        <p:txBody>
+          <a:bodyPr/>
+          <a:lstStyle/>
+          <a:p>
+            <a:endParaRPr lang="zh-TW" altLang="en-US" dirty="0"/>
+          </a:p>
+        </p:txBody>
+      </p:sp>
+      <p:sp>
+        <p:nvSpPr>
+          <p:cNvPr id="5" name="投影片編號版面配置區 3"/>
+          <p:cNvSpPr>
+            <a:spLocks noGrp="1"/>
+          </p:cNvSpPr>
+          <p:nvPr>
+            <p:ph type="sldNum" sz="quarter" idx="5"/>
+          </p:nvPr>
+        </p:nvSpPr>
+        <p:spPr>
+          <a:xfrm>
+            <a:off x="3884613" y="8685213"/>
+            <a:ext cx="2971800" cy="457200"/>
+          </a:xfrm>
+          <a:prstGeom prst="rect">
+            <a:avLst/>
+          </a:prstGeom>
+        </p:spPr>
+        <p:txBody>
+          <a:bodyPr/>
+          <a:lstStyle/>
+          <a:p>
+            <a:pPr algn="r" rtl="0"/>
+            <a:fld id="{3EBA5BD7-F043-4D1B-AA17-CD412FC534DE}" type="slidenum">
+              <a:rPr lang="en-US" altLang="zh-TW" smtClean="0">
+                <a:latin typeface="+mj-ea"/>
+                <a:ea typeface="+mj-ea"/>
+              </a:rPr>
+              <a:pPr algn="r" rtl="0"/>
+              <a:t>16</a:t>
+            </a:fld>
+            <a:endParaRPr lang="zh-TW" altLang="en-US" dirty="0">
+              <a:latin typeface="+mj-ea"/>
+              <a:ea typeface="+mj-ea"/>
+            </a:endParaRPr>
+          </a:p>
+        </p:txBody>
+      </p:sp>
+    </p:spTree>
+    <p:extLst>
+      <p:ext uri="{BB962C8B-B14F-4D97-AF65-F5344CB8AC3E}">
+        <p14:creationId xmlns:p14="http://schemas.microsoft.com/office/powerpoint/2010/main" val="2270168328"/>
+      </p:ext>
+    </p:extLst>
+  </p:cSld>
+  <p:clrMapOvr>
+    <a:masterClrMapping/>
+  </p:clrMapOvr>
+</p:notes>
+</file>
+
+<file path=ppt/notesSlides/notesSlide14.xml><?xml version="1.0" encoding="utf-8"?>
+<p:notes xmlns:a="http://schemas.openxmlformats.org/drawingml/2006/main" xmlns:r="http://schemas.openxmlformats.org/officeDocument/2006/relationships" xmlns:p="http://schemas.openxmlformats.org/presentationml/2006/main">
+  <p:cSld>
+    <p:spTree>
+      <p:nvGrpSpPr>
+        <p:cNvPr id="1" name=""/>
+        <p:cNvGrpSpPr/>
+        <p:nvPr/>
+      </p:nvGrpSpPr>
+      <p:grpSpPr>
+        <a:xfrm>
+          <a:off x="0" y="0"/>
+          <a:ext cx="0" cy="0"/>
+          <a:chOff x="0" y="0"/>
+          <a:chExt cx="0" cy="0"/>
+        </a:xfrm>
+      </p:grpSpPr>
+      <p:sp>
+        <p:nvSpPr>
+          <p:cNvPr id="2" name="投影片圖像版面配置區 1"/>
+          <p:cNvSpPr>
+            <a:spLocks noGrp="1" noRot="1" noChangeAspect="1"/>
+          </p:cNvSpPr>
+          <p:nvPr>
+            <p:ph type="sldImg"/>
+          </p:nvPr>
+        </p:nvSpPr>
+        <p:spPr/>
+      </p:sp>
+      <p:sp>
+        <p:nvSpPr>
+          <p:cNvPr id="3" name="備忘稿版面配置區 2"/>
+          <p:cNvSpPr>
+            <a:spLocks noGrp="1"/>
+          </p:cNvSpPr>
+          <p:nvPr>
+            <p:ph type="body" idx="1"/>
+          </p:nvPr>
+        </p:nvSpPr>
+        <p:spPr/>
+        <p:txBody>
+          <a:bodyPr/>
+          <a:lstStyle/>
+          <a:p>
+            <a:endParaRPr lang="zh-TW" altLang="en-US" dirty="0"/>
+          </a:p>
+        </p:txBody>
+      </p:sp>
+      <p:sp>
+        <p:nvSpPr>
+          <p:cNvPr id="5" name="投影片編號版面配置區 3"/>
+          <p:cNvSpPr>
+            <a:spLocks noGrp="1"/>
+          </p:cNvSpPr>
+          <p:nvPr>
+            <p:ph type="sldNum" sz="quarter" idx="5"/>
+          </p:nvPr>
+        </p:nvSpPr>
+        <p:spPr>
+          <a:xfrm>
+            <a:off x="3884613" y="8685213"/>
+            <a:ext cx="2971800" cy="457200"/>
+          </a:xfrm>
+          <a:prstGeom prst="rect">
+            <a:avLst/>
+          </a:prstGeom>
+        </p:spPr>
+        <p:txBody>
+          <a:bodyPr/>
+          <a:lstStyle/>
+          <a:p>
+            <a:pPr algn="r" rtl="0"/>
+            <a:fld id="{3EBA5BD7-F043-4D1B-AA17-CD412FC534DE}" type="slidenum">
+              <a:rPr lang="en-US" altLang="zh-TW" smtClean="0">
+                <a:latin typeface="+mj-ea"/>
+                <a:ea typeface="+mj-ea"/>
+              </a:rPr>
+              <a:pPr algn="r" rtl="0"/>
+              <a:t>17</a:t>
             </a:fld>
             <a:endParaRPr lang="zh-TW" altLang="en-US" dirty="0">
               <a:latin typeface="+mj-ea"/>
@@ -6200,7 +6504,7 @@
     </p:spTree>
     <p:extLst>
       <p:ext uri="{BB962C8B-B14F-4D97-AF65-F5344CB8AC3E}">
-        <p14:creationId xmlns:p14="http://schemas.microsoft.com/office/powerpoint/2010/main" val="2591913702"/>
+        <p14:creationId xmlns:p14="http://schemas.microsoft.com/office/powerpoint/2010/main" val="1892651579"/>
       </p:ext>
     </p:extLst>
   </p:cSld>
@@ -6300,7 +6604,7 @@
     </p:spTree>
     <p:extLst>
       <p:ext uri="{BB962C8B-B14F-4D97-AF65-F5344CB8AC3E}">
-        <p14:creationId xmlns:p14="http://schemas.microsoft.com/office/powerpoint/2010/main" val="3785988129"/>
+        <p14:creationId xmlns:p14="http://schemas.microsoft.com/office/powerpoint/2010/main" val="1744468252"/>
       </p:ext>
     </p:extLst>
   </p:cSld>
@@ -6329,7 +6633,7 @@
       </p:grpSpPr>
       <p:sp>
         <p:nvSpPr>
-          <p:cNvPr id="2" name="投影片影像預留位置 1"/>
+          <p:cNvPr id="2" name="投影片圖像版面配置區 1"/>
           <p:cNvSpPr>
             <a:spLocks noGrp="1" noRot="1" noChangeAspect="1"/>
           </p:cNvSpPr>
@@ -6341,7 +6645,7 @@
       </p:sp>
       <p:sp>
         <p:nvSpPr>
-          <p:cNvPr id="3" name="備忘稿預留位置 2"/>
+          <p:cNvPr id="3" name="備忘稿版面配置區 2"/>
           <p:cNvSpPr>
             <a:spLocks noGrp="1"/>
           </p:cNvSpPr>
@@ -6351,14 +6655,10 @@
         </p:nvSpPr>
         <p:spPr/>
         <p:txBody>
-          <a:bodyPr rtlCol="0"/>
+          <a:bodyPr/>
           <a:lstStyle/>
           <a:p>
-            <a:pPr rtl="0"/>
-            <a:endParaRPr lang="zh-TW" altLang="en-US" noProof="0" dirty="0">
-              <a:latin typeface="+mj-ea"/>
-              <a:ea typeface="+mj-ea"/>
-            </a:endParaRPr>
+            <a:endParaRPr lang="zh-TW" altLang="en-US" dirty="0"/>
           </a:p>
         </p:txBody>
       </p:sp>
@@ -6404,7 +6704,7 @@
     </p:spTree>
     <p:extLst>
       <p:ext uri="{BB962C8B-B14F-4D97-AF65-F5344CB8AC3E}">
-        <p14:creationId xmlns:p14="http://schemas.microsoft.com/office/powerpoint/2010/main" val="4117229062"/>
+        <p14:creationId xmlns:p14="http://schemas.microsoft.com/office/powerpoint/2010/main" val="1701206156"/>
       </p:ext>
     </p:extLst>
   </p:cSld>
@@ -6458,10 +6758,7 @@
           <a:bodyPr/>
           <a:lstStyle/>
           <a:p>
-            <a:endParaRPr lang="zh-TW" altLang="en-US" dirty="0">
-              <a:latin typeface="+mj-ea"/>
-              <a:ea typeface="+mj-ea"/>
-            </a:endParaRPr>
+            <a:endParaRPr lang="zh-TW" altLang="en-US" dirty="0"/>
           </a:p>
         </p:txBody>
       </p:sp>
@@ -6507,7 +6804,7 @@
     </p:spTree>
     <p:extLst>
       <p:ext uri="{BB962C8B-B14F-4D97-AF65-F5344CB8AC3E}">
-        <p14:creationId xmlns:p14="http://schemas.microsoft.com/office/powerpoint/2010/main" val="2495838477"/>
+        <p14:creationId xmlns:p14="http://schemas.microsoft.com/office/powerpoint/2010/main" val="2591913702"/>
       </p:ext>
     </p:extLst>
   </p:cSld>
@@ -6607,7 +6904,7 @@
     </p:spTree>
     <p:extLst>
       <p:ext uri="{BB962C8B-B14F-4D97-AF65-F5344CB8AC3E}">
-        <p14:creationId xmlns:p14="http://schemas.microsoft.com/office/powerpoint/2010/main" val="2350785629"/>
+        <p14:creationId xmlns:p14="http://schemas.microsoft.com/office/powerpoint/2010/main" val="3785988129"/>
       </p:ext>
     </p:extLst>
   </p:cSld>
@@ -6636,7 +6933,7 @@
       </p:grpSpPr>
       <p:sp>
         <p:nvSpPr>
-          <p:cNvPr id="2" name="投影片圖像版面配置區 1"/>
+          <p:cNvPr id="2" name="投影片影像預留位置 1"/>
           <p:cNvSpPr>
             <a:spLocks noGrp="1" noRot="1" noChangeAspect="1"/>
           </p:cNvSpPr>
@@ -6648,7 +6945,7 @@
       </p:sp>
       <p:sp>
         <p:nvSpPr>
-          <p:cNvPr id="3" name="備忘稿版面配置區 2"/>
+          <p:cNvPr id="3" name="備忘稿預留位置 2"/>
           <p:cNvSpPr>
             <a:spLocks noGrp="1"/>
           </p:cNvSpPr>
@@ -6658,10 +6955,14 @@
         </p:nvSpPr>
         <p:spPr/>
         <p:txBody>
-          <a:bodyPr/>
+          <a:bodyPr rtlCol="0"/>
           <a:lstStyle/>
           <a:p>
-            <a:endParaRPr lang="zh-TW" altLang="en-US" dirty="0"/>
+            <a:pPr rtl="0"/>
+            <a:endParaRPr lang="zh-TW" altLang="en-US" noProof="0" dirty="0">
+              <a:latin typeface="+mj-ea"/>
+              <a:ea typeface="+mj-ea"/>
+            </a:endParaRPr>
           </a:p>
         </p:txBody>
       </p:sp>
@@ -6707,7 +7008,7 @@
     </p:spTree>
     <p:extLst>
       <p:ext uri="{BB962C8B-B14F-4D97-AF65-F5344CB8AC3E}">
-        <p14:creationId xmlns:p14="http://schemas.microsoft.com/office/powerpoint/2010/main" val="2978741859"/>
+        <p14:creationId xmlns:p14="http://schemas.microsoft.com/office/powerpoint/2010/main" val="4117229062"/>
       </p:ext>
     </p:extLst>
   </p:cSld>
@@ -6761,7 +7062,10 @@
           <a:bodyPr/>
           <a:lstStyle/>
           <a:p>
-            <a:endParaRPr lang="zh-TW" altLang="en-US" dirty="0"/>
+            <a:endParaRPr lang="zh-TW" altLang="en-US" dirty="0">
+              <a:latin typeface="+mj-ea"/>
+              <a:ea typeface="+mj-ea"/>
+            </a:endParaRPr>
           </a:p>
         </p:txBody>
       </p:sp>
@@ -6807,7 +7111,7 @@
     </p:spTree>
     <p:extLst>
       <p:ext uri="{BB962C8B-B14F-4D97-AF65-F5344CB8AC3E}">
-        <p14:creationId xmlns:p14="http://schemas.microsoft.com/office/powerpoint/2010/main" val="1227375036"/>
+        <p14:creationId xmlns:p14="http://schemas.microsoft.com/office/powerpoint/2010/main" val="2495838477"/>
       </p:ext>
     </p:extLst>
   </p:cSld>
@@ -13032,15 +13336,7 @@
                 <a:ea typeface="微軟正黑體" panose="020B0604030504040204" pitchFamily="34" charset="-120"/>
                 <a:sym typeface="Salesforce Sans"/>
               </a:rPr>
-              <a:t>Gaussian </a:t>
-            </a:r>
-            <a:r>
-              <a:rPr lang="en-US" altLang="zh-TW" sz="8000" dirty="0" smtClean="0">
-                <a:latin typeface="微軟正黑體" panose="020B0604030504040204" pitchFamily="34" charset="-120"/>
-                <a:ea typeface="微軟正黑體" panose="020B0604030504040204" pitchFamily="34" charset="-120"/>
-                <a:sym typeface="Salesforce Sans"/>
-              </a:rPr>
-              <a:t>Blur</a:t>
+              <a:t>Gaussian Blur</a:t>
             </a:r>
             <a:r>
               <a:rPr lang="en-US" altLang="zh-TW" sz="6700" dirty="0" smtClean="0">
@@ -13253,1654 +13549,6 @@
       </p:grpSpPr>
       <p:sp>
         <p:nvSpPr>
-          <p:cNvPr id="7" name="標題 6"/>
-          <p:cNvSpPr>
-            <a:spLocks noGrp="1"/>
-          </p:cNvSpPr>
-          <p:nvPr>
-            <p:ph type="title"/>
-          </p:nvPr>
-        </p:nvSpPr>
-        <p:spPr/>
-        <p:txBody>
-          <a:bodyPr rtlCol="0"/>
-          <a:lstStyle/>
-          <a:p>
-            <a:pPr rtl="0"/>
-            <a:r>
-              <a:rPr lang="zh-TW" altLang="en-US" dirty="0" smtClean="0">
-                <a:sym typeface="Salesforce Sans"/>
-              </a:rPr>
-              <a:t>新增投影片標題 </a:t>
-            </a:r>
-            <a:r>
-              <a:rPr lang="en-US" altLang="zh-TW" dirty="0" smtClean="0">
-                <a:sym typeface="Salesforce Sans"/>
-              </a:rPr>
-              <a:t>- 2</a:t>
-            </a:r>
-            <a:endParaRPr lang="zh-TW" altLang="en-US" dirty="0">
-              <a:sym typeface="Salesforce Sans"/>
-            </a:endParaRPr>
-          </a:p>
-        </p:txBody>
-      </p:sp>
-      <p:sp>
-        <p:nvSpPr>
-          <p:cNvPr id="8" name="文字預留位置 7"/>
-          <p:cNvSpPr>
-            <a:spLocks noGrp="1"/>
-          </p:cNvSpPr>
-          <p:nvPr>
-            <p:ph type="body" idx="1"/>
-          </p:nvPr>
-        </p:nvSpPr>
-        <p:spPr/>
-        <p:txBody>
-          <a:bodyPr rtlCol="0"/>
-          <a:lstStyle/>
-          <a:p>
-            <a:pPr rtl="0"/>
-            <a:endParaRPr lang="zh-TW" altLang="en-US" dirty="0">
-              <a:sym typeface="Salesforce Sans"/>
-            </a:endParaRPr>
-          </a:p>
-        </p:txBody>
-      </p:sp>
-      <p:sp>
-        <p:nvSpPr>
-          <p:cNvPr id="10" name="內容預留位置 9"/>
-          <p:cNvSpPr>
-            <a:spLocks noGrp="1"/>
-          </p:cNvSpPr>
-          <p:nvPr>
-            <p:ph sz="half" idx="2"/>
-          </p:nvPr>
-        </p:nvSpPr>
-        <p:spPr/>
-        <p:txBody>
-          <a:bodyPr rtlCol="0"/>
-          <a:lstStyle/>
-          <a:p>
-            <a:pPr rtl="0"/>
-            <a:endParaRPr lang="zh-TW" altLang="en-US" dirty="0">
-              <a:sym typeface="Salesforce Sans"/>
-            </a:endParaRPr>
-          </a:p>
-        </p:txBody>
-      </p:sp>
-      <p:sp>
-        <p:nvSpPr>
-          <p:cNvPr id="9" name="文字預留位置 8"/>
-          <p:cNvSpPr>
-            <a:spLocks noGrp="1"/>
-          </p:cNvSpPr>
-          <p:nvPr>
-            <p:ph type="body" sz="quarter" idx="3"/>
-          </p:nvPr>
-        </p:nvSpPr>
-        <p:spPr/>
-        <p:txBody>
-          <a:bodyPr rtlCol="0"/>
-          <a:lstStyle/>
-          <a:p>
-            <a:pPr rtl="0"/>
-            <a:endParaRPr lang="zh-TW" altLang="en-US" dirty="0">
-              <a:sym typeface="Salesforce Sans"/>
-            </a:endParaRPr>
-          </a:p>
-        </p:txBody>
-      </p:sp>
-      <p:sp>
-        <p:nvSpPr>
-          <p:cNvPr id="11" name="內容預留位置 10"/>
-          <p:cNvSpPr>
-            <a:spLocks noGrp="1"/>
-          </p:cNvSpPr>
-          <p:nvPr>
-            <p:ph sz="quarter" idx="4"/>
-          </p:nvPr>
-        </p:nvSpPr>
-        <p:spPr/>
-        <p:txBody>
-          <a:bodyPr rtlCol="0"/>
-          <a:lstStyle/>
-          <a:p>
-            <a:pPr rtl="0"/>
-            <a:endParaRPr lang="zh-TW" altLang="en-US" dirty="0">
-              <a:sym typeface="Salesforce Sans"/>
-            </a:endParaRPr>
-          </a:p>
-        </p:txBody>
-      </p:sp>
-    </p:spTree>
-    <p:extLst>
-      <p:ext uri="{BB962C8B-B14F-4D97-AF65-F5344CB8AC3E}">
-        <p14:creationId xmlns:p14="http://schemas.microsoft.com/office/powerpoint/2010/main" val="2672039197"/>
-      </p:ext>
-    </p:extLst>
-  </p:cSld>
-  <p:clrMapOvr>
-    <a:masterClrMapping/>
-  </p:clrMapOvr>
-  <mc:AlternateContent xmlns:mc="http://schemas.openxmlformats.org/markup-compatibility/2006" xmlns:p14="http://schemas.microsoft.com/office/powerpoint/2010/main">
-    <mc:Choice Requires="p14">
-      <p:transition spd="med" p14:dur="700">
-        <p:fade/>
-      </p:transition>
-    </mc:Choice>
-    <mc:Fallback xmlns="">
-      <p:transition spd="med">
-        <p:fade/>
-      </p:transition>
-    </mc:Fallback>
-  </mc:AlternateContent>
-</p:sld>
-</file>
-
-<file path=ppt/slides/slide11.xml><?xml version="1.0" encoding="utf-8"?>
-<p:sld xmlns:a="http://schemas.openxmlformats.org/drawingml/2006/main" xmlns:r="http://schemas.openxmlformats.org/officeDocument/2006/relationships" xmlns:p="http://schemas.openxmlformats.org/presentationml/2006/main">
-  <p:cSld>
-    <p:spTree>
-      <p:nvGrpSpPr>
-        <p:cNvPr id="1" name=""/>
-        <p:cNvGrpSpPr/>
-        <p:nvPr/>
-      </p:nvGrpSpPr>
-      <p:grpSpPr>
-        <a:xfrm>
-          <a:off x="0" y="0"/>
-          <a:ext cx="0" cy="0"/>
-          <a:chOff x="0" y="0"/>
-          <a:chExt cx="0" cy="0"/>
-        </a:xfrm>
-      </p:grpSpPr>
-      <p:sp>
-        <p:nvSpPr>
-          <p:cNvPr id="3" name="標題 2"/>
-          <p:cNvSpPr>
-            <a:spLocks noGrp="1"/>
-          </p:cNvSpPr>
-          <p:nvPr>
-            <p:ph type="title"/>
-          </p:nvPr>
-        </p:nvSpPr>
-        <p:spPr/>
-        <p:txBody>
-          <a:bodyPr rtlCol="0"/>
-          <a:lstStyle/>
-          <a:p>
-            <a:pPr rtl="0"/>
-            <a:r>
-              <a:rPr lang="zh-TW" altLang="en-US" dirty="0" smtClean="0">
-                <a:sym typeface="Salesforce Sans"/>
-              </a:rPr>
-              <a:t>新增投影片標題 </a:t>
-            </a:r>
-            <a:r>
-              <a:rPr lang="en-US" altLang="zh-TW" dirty="0" smtClean="0">
-                <a:sym typeface="Salesforce Sans"/>
-              </a:rPr>
-              <a:t>- 3</a:t>
-            </a:r>
-            <a:endParaRPr lang="zh-TW" altLang="en-US" dirty="0">
-              <a:sym typeface="Salesforce Sans"/>
-            </a:endParaRPr>
-          </a:p>
-        </p:txBody>
-      </p:sp>
-    </p:spTree>
-    <p:extLst>
-      <p:ext uri="{BB962C8B-B14F-4D97-AF65-F5344CB8AC3E}">
-        <p14:creationId xmlns:p14="http://schemas.microsoft.com/office/powerpoint/2010/main" val="397710800"/>
-      </p:ext>
-    </p:extLst>
-  </p:cSld>
-  <p:clrMapOvr>
-    <a:masterClrMapping/>
-  </p:clrMapOvr>
-  <mc:AlternateContent xmlns:mc="http://schemas.openxmlformats.org/markup-compatibility/2006" xmlns:p14="http://schemas.microsoft.com/office/powerpoint/2010/main">
-    <mc:Choice Requires="p14">
-      <p:transition spd="med" p14:dur="700">
-        <p:fade/>
-      </p:transition>
-    </mc:Choice>
-    <mc:Fallback xmlns="">
-      <p:transition spd="med">
-        <p:fade/>
-      </p:transition>
-    </mc:Fallback>
-  </mc:AlternateContent>
-</p:sld>
-</file>
-
-<file path=ppt/slides/slide12.xml><?xml version="1.0" encoding="utf-8"?>
-<p:sld xmlns:a="http://schemas.openxmlformats.org/drawingml/2006/main" xmlns:r="http://schemas.openxmlformats.org/officeDocument/2006/relationships" xmlns:p="http://schemas.openxmlformats.org/presentationml/2006/main">
-  <p:cSld>
-    <p:spTree>
-      <p:nvGrpSpPr>
-        <p:cNvPr id="1" name=""/>
-        <p:cNvGrpSpPr/>
-        <p:nvPr/>
-      </p:nvGrpSpPr>
-      <p:grpSpPr>
-        <a:xfrm>
-          <a:off x="0" y="0"/>
-          <a:ext cx="0" cy="0"/>
-          <a:chOff x="0" y="0"/>
-          <a:chExt cx="0" cy="0"/>
-        </a:xfrm>
-      </p:grpSpPr>
-    </p:spTree>
-    <p:extLst>
-      <p:ext uri="{BB962C8B-B14F-4D97-AF65-F5344CB8AC3E}">
-        <p14:creationId xmlns:p14="http://schemas.microsoft.com/office/powerpoint/2010/main" val="1405850135"/>
-      </p:ext>
-    </p:extLst>
-  </p:cSld>
-  <p:clrMapOvr>
-    <a:masterClrMapping/>
-  </p:clrMapOvr>
-  <mc:AlternateContent xmlns:mc="http://schemas.openxmlformats.org/markup-compatibility/2006" xmlns:p14="http://schemas.microsoft.com/office/powerpoint/2010/main">
-    <mc:Choice Requires="p14">
-      <p:transition spd="med" p14:dur="700">
-        <p:fade/>
-      </p:transition>
-    </mc:Choice>
-    <mc:Fallback xmlns="">
-      <p:transition spd="med">
-        <p:fade/>
-      </p:transition>
-    </mc:Fallback>
-  </mc:AlternateContent>
-</p:sld>
-</file>
-
-<file path=ppt/slides/slide13.xml><?xml version="1.0" encoding="utf-8"?>
-<p:sld xmlns:a="http://schemas.openxmlformats.org/drawingml/2006/main" xmlns:r="http://schemas.openxmlformats.org/officeDocument/2006/relationships" xmlns:p="http://schemas.openxmlformats.org/presentationml/2006/main">
-  <p:cSld>
-    <p:spTree>
-      <p:nvGrpSpPr>
-        <p:cNvPr id="1" name=""/>
-        <p:cNvGrpSpPr/>
-        <p:nvPr/>
-      </p:nvGrpSpPr>
-      <p:grpSpPr>
-        <a:xfrm>
-          <a:off x="0" y="0"/>
-          <a:ext cx="0" cy="0"/>
-          <a:chOff x="0" y="0"/>
-          <a:chExt cx="0" cy="0"/>
-        </a:xfrm>
-      </p:grpSpPr>
-      <p:sp>
-        <p:nvSpPr>
-          <p:cNvPr id="2" name="標題 1"/>
-          <p:cNvSpPr>
-            <a:spLocks noGrp="1"/>
-          </p:cNvSpPr>
-          <p:nvPr>
-            <p:ph type="title"/>
-          </p:nvPr>
-        </p:nvSpPr>
-        <p:spPr/>
-        <p:txBody>
-          <a:bodyPr rtlCol="0"/>
-          <a:lstStyle/>
-          <a:p>
-            <a:pPr rtl="0"/>
-            <a:r>
-              <a:rPr lang="zh-TW" altLang="en-US" dirty="0" smtClean="0">
-                <a:sym typeface="Salesforce Sans"/>
-              </a:rPr>
-              <a:t>新增投影片標題 </a:t>
-            </a:r>
-            <a:r>
-              <a:rPr lang="en-US" altLang="zh-TW" dirty="0" smtClean="0">
-                <a:sym typeface="Salesforce Sans"/>
-              </a:rPr>
-              <a:t>- 4</a:t>
-            </a:r>
-            <a:endParaRPr lang="zh-TW" altLang="en-US" dirty="0">
-              <a:sym typeface="Salesforce Sans"/>
-            </a:endParaRPr>
-          </a:p>
-        </p:txBody>
-      </p:sp>
-      <p:sp>
-        <p:nvSpPr>
-          <p:cNvPr id="3" name="內容預留位置 2"/>
-          <p:cNvSpPr>
-            <a:spLocks noGrp="1"/>
-          </p:cNvSpPr>
-          <p:nvPr>
-            <p:ph idx="1"/>
-          </p:nvPr>
-        </p:nvSpPr>
-        <p:spPr/>
-        <p:txBody>
-          <a:bodyPr rtlCol="0"/>
-          <a:lstStyle/>
-          <a:p>
-            <a:pPr rtl="0"/>
-            <a:endParaRPr lang="zh-TW" altLang="en-US" dirty="0">
-              <a:sym typeface="Salesforce Sans"/>
-            </a:endParaRPr>
-          </a:p>
-        </p:txBody>
-      </p:sp>
-      <p:sp>
-        <p:nvSpPr>
-          <p:cNvPr id="4" name="文字預留位置 3"/>
-          <p:cNvSpPr>
-            <a:spLocks noGrp="1"/>
-          </p:cNvSpPr>
-          <p:nvPr>
-            <p:ph type="body" sz="half" idx="2"/>
-          </p:nvPr>
-        </p:nvSpPr>
-        <p:spPr/>
-        <p:txBody>
-          <a:bodyPr rtlCol="0"/>
-          <a:lstStyle/>
-          <a:p>
-            <a:pPr rtl="0"/>
-            <a:endParaRPr lang="zh-TW" altLang="en-US" dirty="0">
-              <a:sym typeface="Salesforce Sans"/>
-            </a:endParaRPr>
-          </a:p>
-        </p:txBody>
-      </p:sp>
-    </p:spTree>
-    <p:extLst>
-      <p:ext uri="{BB962C8B-B14F-4D97-AF65-F5344CB8AC3E}">
-        <p14:creationId xmlns:p14="http://schemas.microsoft.com/office/powerpoint/2010/main" val="2319046984"/>
-      </p:ext>
-    </p:extLst>
-  </p:cSld>
-  <p:clrMapOvr>
-    <a:masterClrMapping/>
-  </p:clrMapOvr>
-  <mc:AlternateContent xmlns:mc="http://schemas.openxmlformats.org/markup-compatibility/2006" xmlns:p14="http://schemas.microsoft.com/office/powerpoint/2010/main">
-    <mc:Choice Requires="p14">
-      <p:transition spd="med" p14:dur="700">
-        <p:fade/>
-      </p:transition>
-    </mc:Choice>
-    <mc:Fallback xmlns="">
-      <p:transition spd="med">
-        <p:fade/>
-      </p:transition>
-    </mc:Fallback>
-  </mc:AlternateContent>
-</p:sld>
-</file>
-
-<file path=ppt/slides/slide14.xml><?xml version="1.0" encoding="utf-8"?>
-<p:sld xmlns:a="http://schemas.openxmlformats.org/drawingml/2006/main" xmlns:r="http://schemas.openxmlformats.org/officeDocument/2006/relationships" xmlns:p="http://schemas.openxmlformats.org/presentationml/2006/main">
-  <p:cSld>
-    <p:spTree>
-      <p:nvGrpSpPr>
-        <p:cNvPr id="1" name=""/>
-        <p:cNvGrpSpPr/>
-        <p:nvPr/>
-      </p:nvGrpSpPr>
-      <p:grpSpPr>
-        <a:xfrm>
-          <a:off x="0" y="0"/>
-          <a:ext cx="0" cy="0"/>
-          <a:chOff x="0" y="0"/>
-          <a:chExt cx="0" cy="0"/>
-        </a:xfrm>
-      </p:grpSpPr>
-      <p:sp>
-        <p:nvSpPr>
-          <p:cNvPr id="3" name="標題 2"/>
-          <p:cNvSpPr>
-            <a:spLocks noGrp="1"/>
-          </p:cNvSpPr>
-          <p:nvPr>
-            <p:ph type="title"/>
-          </p:nvPr>
-        </p:nvSpPr>
-        <p:spPr/>
-        <p:txBody>
-          <a:bodyPr rtlCol="0"/>
-          <a:lstStyle/>
-          <a:p>
-            <a:pPr rtl="0"/>
-            <a:r>
-              <a:rPr lang="zh-TW" altLang="en-US" dirty="0" smtClean="0">
-                <a:sym typeface="Salesforce Sans"/>
-              </a:rPr>
-              <a:t>新增投影片標題 </a:t>
-            </a:r>
-            <a:r>
-              <a:rPr lang="en-US" altLang="zh-TW" dirty="0" smtClean="0">
-                <a:sym typeface="Salesforce Sans"/>
-              </a:rPr>
-              <a:t>- 5</a:t>
-            </a:r>
-            <a:endParaRPr lang="zh-TW" altLang="en-US" dirty="0">
-              <a:sym typeface="Salesforce Sans"/>
-            </a:endParaRPr>
-          </a:p>
-        </p:txBody>
-      </p:sp>
-      <p:sp>
-        <p:nvSpPr>
-          <p:cNvPr id="6" name="圖片預留位置 5" descr="要新增影像的空白預留位置。按一下預留位置，然後選取您想要新增的影像。"/>
-          <p:cNvSpPr>
-            <a:spLocks noGrp="1"/>
-          </p:cNvSpPr>
-          <p:nvPr>
-            <p:ph type="pic" idx="1"/>
-          </p:nvPr>
-        </p:nvSpPr>
-        <p:spPr/>
-      </p:sp>
-      <p:sp>
-        <p:nvSpPr>
-          <p:cNvPr id="5" name="文字預留位置 4"/>
-          <p:cNvSpPr>
-            <a:spLocks noGrp="1"/>
-          </p:cNvSpPr>
-          <p:nvPr>
-            <p:ph type="body" sz="half" idx="2"/>
-          </p:nvPr>
-        </p:nvSpPr>
-        <p:spPr/>
-        <p:txBody>
-          <a:bodyPr rtlCol="0"/>
-          <a:lstStyle/>
-          <a:p>
-            <a:pPr rtl="0"/>
-            <a:endParaRPr lang="zh-TW" altLang="en-US" dirty="0">
-              <a:sym typeface="Salesforce Sans"/>
-            </a:endParaRPr>
-          </a:p>
-        </p:txBody>
-      </p:sp>
-    </p:spTree>
-    <p:extLst>
-      <p:ext uri="{BB962C8B-B14F-4D97-AF65-F5344CB8AC3E}">
-        <p14:creationId xmlns:p14="http://schemas.microsoft.com/office/powerpoint/2010/main" val="3480339974"/>
-      </p:ext>
-    </p:extLst>
-  </p:cSld>
-  <p:clrMapOvr>
-    <a:masterClrMapping/>
-  </p:clrMapOvr>
-  <mc:AlternateContent xmlns:mc="http://schemas.openxmlformats.org/markup-compatibility/2006" xmlns:p14="http://schemas.microsoft.com/office/powerpoint/2010/main">
-    <mc:Choice Requires="p14">
-      <p:transition spd="med" p14:dur="700">
-        <p:fade/>
-      </p:transition>
-    </mc:Choice>
-    <mc:Fallback xmlns="">
-      <p:transition spd="med">
-        <p:fade/>
-      </p:transition>
-    </mc:Fallback>
-  </mc:AlternateContent>
-</p:sld>
-</file>
-
-<file path=ppt/slides/slide2.xml><?xml version="1.0" encoding="utf-8"?>
-<p:sld xmlns:a="http://schemas.openxmlformats.org/drawingml/2006/main" xmlns:r="http://schemas.openxmlformats.org/officeDocument/2006/relationships" xmlns:p="http://schemas.openxmlformats.org/presentationml/2006/main">
-  <p:cSld>
-    <p:spTree>
-      <p:nvGrpSpPr>
-        <p:cNvPr id="1" name=""/>
-        <p:cNvGrpSpPr/>
-        <p:nvPr/>
-      </p:nvGrpSpPr>
-      <p:grpSpPr>
-        <a:xfrm>
-          <a:off x="0" y="0"/>
-          <a:ext cx="0" cy="0"/>
-          <a:chOff x="0" y="0"/>
-          <a:chExt cx="0" cy="0"/>
-        </a:xfrm>
-      </p:grpSpPr>
-      <p:sp>
-        <p:nvSpPr>
-          <p:cNvPr id="2" name="標題 1"/>
-          <p:cNvSpPr>
-            <a:spLocks noGrp="1"/>
-          </p:cNvSpPr>
-          <p:nvPr>
-            <p:ph type="title"/>
-          </p:nvPr>
-        </p:nvSpPr>
-        <p:spPr>
-          <a:xfrm>
-            <a:off x="913557" y="32951"/>
-            <a:ext cx="10351066" cy="970450"/>
-          </a:xfrm>
-        </p:spPr>
-        <p:txBody>
-          <a:bodyPr>
-            <a:normAutofit/>
-          </a:bodyPr>
-          <a:lstStyle/>
-          <a:p>
-            <a:r>
-              <a:rPr lang="en-US" sz="4800" dirty="0" smtClean="0">
-                <a:latin typeface="微軟正黑體" panose="020B0604030504040204" pitchFamily="34" charset="-120"/>
-                <a:ea typeface="微軟正黑體" panose="020B0604030504040204" pitchFamily="34" charset="-120"/>
-              </a:rPr>
-              <a:t>Outline</a:t>
-            </a:r>
-            <a:endParaRPr lang="en-US" sz="4800" dirty="0">
-              <a:latin typeface="微軟正黑體" panose="020B0604030504040204" pitchFamily="34" charset="-120"/>
-              <a:ea typeface="微軟正黑體" panose="020B0604030504040204" pitchFamily="34" charset="-120"/>
-            </a:endParaRPr>
-          </a:p>
-        </p:txBody>
-      </p:sp>
-      <p:sp>
-        <p:nvSpPr>
-          <p:cNvPr id="3" name="內容版面配置區 2"/>
-          <p:cNvSpPr>
-            <a:spLocks noGrp="1"/>
-          </p:cNvSpPr>
-          <p:nvPr>
-            <p:ph idx="1"/>
-          </p:nvPr>
-        </p:nvSpPr>
-        <p:spPr>
-          <a:xfrm>
-            <a:off x="926385" y="1003401"/>
-            <a:ext cx="10351066" cy="5854599"/>
-          </a:xfrm>
-        </p:spPr>
-        <p:txBody>
-          <a:bodyPr>
-            <a:normAutofit/>
-          </a:bodyPr>
-          <a:lstStyle/>
-          <a:p>
-            <a:r>
-              <a:rPr lang="en-US" sz="2800" dirty="0" smtClean="0">
-                <a:latin typeface="微軟正黑體" panose="020B0604030504040204" pitchFamily="34" charset="-120"/>
-                <a:ea typeface="微軟正黑體" panose="020B0604030504040204" pitchFamily="34" charset="-120"/>
-              </a:rPr>
-              <a:t>Gaussian Blur explained.</a:t>
-            </a:r>
-          </a:p>
-          <a:p>
-            <a:r>
-              <a:rPr lang="en-US" sz="2800" dirty="0" smtClean="0">
-                <a:latin typeface="微軟正黑體" panose="020B0604030504040204" pitchFamily="34" charset="-120"/>
-                <a:ea typeface="微軟正黑體" panose="020B0604030504040204" pitchFamily="34" charset="-120"/>
-              </a:rPr>
-              <a:t>Motivation.</a:t>
-            </a:r>
-          </a:p>
-          <a:p>
-            <a:r>
-              <a:rPr lang="en-US" sz="2800" dirty="0" smtClean="0">
-                <a:latin typeface="微軟正黑體" panose="020B0604030504040204" pitchFamily="34" charset="-120"/>
-                <a:ea typeface="微軟正黑體" panose="020B0604030504040204" pitchFamily="34" charset="-120"/>
-              </a:rPr>
-              <a:t>Hardware for this project</a:t>
-            </a:r>
-          </a:p>
-          <a:p>
-            <a:r>
-              <a:rPr lang="en-US" sz="2800" dirty="0" smtClean="0">
-                <a:latin typeface="微軟正黑體" panose="020B0604030504040204" pitchFamily="34" charset="-120"/>
-                <a:ea typeface="微軟正黑體" panose="020B0604030504040204" pitchFamily="34" charset="-120"/>
-              </a:rPr>
-              <a:t>Parallelization platform animation.</a:t>
-            </a:r>
-          </a:p>
-          <a:p>
-            <a:r>
-              <a:rPr lang="en-US" sz="2800" dirty="0" smtClean="0">
-                <a:latin typeface="微軟正黑體" panose="020B0604030504040204" pitchFamily="34" charset="-120"/>
-                <a:ea typeface="微軟正黑體" panose="020B0604030504040204" pitchFamily="34" charset="-120"/>
-              </a:rPr>
-              <a:t>Different platforms explained and respective discoveries .</a:t>
-            </a:r>
-          </a:p>
-          <a:p>
-            <a:pPr lvl="1"/>
-            <a:r>
-              <a:rPr lang="en-US" sz="2400" dirty="0" smtClean="0">
-                <a:latin typeface="微軟正黑體" panose="020B0604030504040204" pitchFamily="34" charset="-120"/>
-                <a:ea typeface="微軟正黑體" panose="020B0604030504040204" pitchFamily="34" charset="-120"/>
-              </a:rPr>
-              <a:t>CUDA</a:t>
-            </a:r>
-          </a:p>
-          <a:p>
-            <a:pPr lvl="1"/>
-            <a:r>
-              <a:rPr lang="en-US" sz="2400" dirty="0" smtClean="0">
-                <a:latin typeface="微軟正黑體" panose="020B0604030504040204" pitchFamily="34" charset="-120"/>
-                <a:ea typeface="微軟正黑體" panose="020B0604030504040204" pitchFamily="34" charset="-120"/>
-              </a:rPr>
-              <a:t>OpenCL</a:t>
-            </a:r>
-          </a:p>
-          <a:p>
-            <a:pPr lvl="1"/>
-            <a:r>
-              <a:rPr lang="en-US" sz="2400" dirty="0" err="1" smtClean="0">
-                <a:latin typeface="微軟正黑體" panose="020B0604030504040204" pitchFamily="34" charset="-120"/>
-                <a:ea typeface="微軟正黑體" panose="020B0604030504040204" pitchFamily="34" charset="-120"/>
-              </a:rPr>
-              <a:t>OpenMP</a:t>
-            </a:r>
-            <a:endParaRPr lang="en-US" sz="2400" dirty="0" smtClean="0">
-              <a:latin typeface="微軟正黑體" panose="020B0604030504040204" pitchFamily="34" charset="-120"/>
-              <a:ea typeface="微軟正黑體" panose="020B0604030504040204" pitchFamily="34" charset="-120"/>
-            </a:endParaRPr>
-          </a:p>
-          <a:p>
-            <a:r>
-              <a:rPr lang="en-US" sz="2800" dirty="0" smtClean="0">
-                <a:latin typeface="微軟正黑體" panose="020B0604030504040204" pitchFamily="34" charset="-120"/>
-                <a:ea typeface="微軟正黑體" panose="020B0604030504040204" pitchFamily="34" charset="-120"/>
-              </a:rPr>
-              <a:t>Demo video.</a:t>
-            </a:r>
-          </a:p>
-          <a:p>
-            <a:r>
-              <a:rPr lang="en-US" sz="2800" dirty="0" smtClean="0">
-                <a:latin typeface="微軟正黑體" panose="020B0604030504040204" pitchFamily="34" charset="-120"/>
-                <a:ea typeface="微軟正黑體" panose="020B0604030504040204" pitchFamily="34" charset="-120"/>
-              </a:rPr>
-              <a:t>Q&amp;A </a:t>
-            </a:r>
-          </a:p>
-          <a:p>
-            <a:endParaRPr lang="en-US" sz="2400" dirty="0" smtClean="0">
-              <a:latin typeface="微軟正黑體" panose="020B0604030504040204" pitchFamily="34" charset="-120"/>
-              <a:ea typeface="微軟正黑體" panose="020B0604030504040204" pitchFamily="34" charset="-120"/>
-            </a:endParaRPr>
-          </a:p>
-          <a:p>
-            <a:endParaRPr lang="en-US" sz="2400" dirty="0" smtClean="0">
-              <a:latin typeface="微軟正黑體" panose="020B0604030504040204" pitchFamily="34" charset="-120"/>
-              <a:ea typeface="微軟正黑體" panose="020B0604030504040204" pitchFamily="34" charset="-120"/>
-            </a:endParaRPr>
-          </a:p>
-          <a:p>
-            <a:endParaRPr lang="en-US" sz="2400" dirty="0">
-              <a:latin typeface="微軟正黑體" panose="020B0604030504040204" pitchFamily="34" charset="-120"/>
-              <a:ea typeface="微軟正黑體" panose="020B0604030504040204" pitchFamily="34" charset="-120"/>
-            </a:endParaRPr>
-          </a:p>
-        </p:txBody>
-      </p:sp>
-    </p:spTree>
-    <p:extLst>
-      <p:ext uri="{BB962C8B-B14F-4D97-AF65-F5344CB8AC3E}">
-        <p14:creationId xmlns:p14="http://schemas.microsoft.com/office/powerpoint/2010/main" val="2695480174"/>
-      </p:ext>
-    </p:extLst>
-  </p:cSld>
-  <p:clrMapOvr>
-    <a:masterClrMapping/>
-  </p:clrMapOvr>
-</p:sld>
-</file>
-
-<file path=ppt/slides/slide3.xml><?xml version="1.0" encoding="utf-8"?>
-<p:sld xmlns:a="http://schemas.openxmlformats.org/drawingml/2006/main" xmlns:r="http://schemas.openxmlformats.org/officeDocument/2006/relationships" xmlns:p="http://schemas.openxmlformats.org/presentationml/2006/main">
-  <p:cSld>
-    <p:spTree>
-      <p:nvGrpSpPr>
-        <p:cNvPr id="1" name=""/>
-        <p:cNvGrpSpPr/>
-        <p:nvPr/>
-      </p:nvGrpSpPr>
-      <p:grpSpPr>
-        <a:xfrm>
-          <a:off x="0" y="0"/>
-          <a:ext cx="0" cy="0"/>
-          <a:chOff x="0" y="0"/>
-          <a:chExt cx="0" cy="0"/>
-        </a:xfrm>
-      </p:grpSpPr>
-      <p:sp>
-        <p:nvSpPr>
-          <p:cNvPr id="13" name="標題 12"/>
-          <p:cNvSpPr>
-            <a:spLocks noGrp="1"/>
-          </p:cNvSpPr>
-          <p:nvPr>
-            <p:ph type="title"/>
-          </p:nvPr>
-        </p:nvSpPr>
-        <p:spPr>
-          <a:xfrm>
-            <a:off x="4590" y="0"/>
-            <a:ext cx="12153343" cy="970450"/>
-          </a:xfrm>
-        </p:spPr>
-        <p:txBody>
-          <a:bodyPr rtlCol="0">
-            <a:noAutofit/>
-          </a:bodyPr>
-          <a:lstStyle/>
-          <a:p>
-            <a:pPr rtl="0"/>
-            <a:r>
-              <a:rPr lang="en-US" altLang="zh-TW" sz="4800" dirty="0" smtClean="0">
-                <a:latin typeface="微軟正黑體" panose="020B0604030504040204" pitchFamily="34" charset="-120"/>
-                <a:ea typeface="微軟正黑體" panose="020B0604030504040204" pitchFamily="34" charset="-120"/>
-                <a:sym typeface="Salesforce Sans"/>
-              </a:rPr>
-              <a:t>What is Gaussian Blur and </a:t>
-            </a:r>
-            <a:r>
-              <a:rPr lang="en-US" altLang="zh-TW" sz="4800" dirty="0" smtClean="0">
-                <a:latin typeface="微軟正黑體" panose="020B0604030504040204" pitchFamily="34" charset="-120"/>
-                <a:ea typeface="微軟正黑體" panose="020B0604030504040204" pitchFamily="34" charset="-120"/>
-                <a:sym typeface="Salesforce Sans"/>
-              </a:rPr>
-              <a:t>why </a:t>
-            </a:r>
-            <a:r>
-              <a:rPr lang="en-US" altLang="zh-TW" sz="4800" dirty="0" smtClean="0">
-                <a:latin typeface="微軟正黑體" panose="020B0604030504040204" pitchFamily="34" charset="-120"/>
-                <a:ea typeface="微軟正黑體" panose="020B0604030504040204" pitchFamily="34" charset="-120"/>
-                <a:sym typeface="Salesforce Sans"/>
-              </a:rPr>
-              <a:t>need?</a:t>
-            </a:r>
-            <a:endParaRPr lang="zh-TW" altLang="en-US" sz="4800" dirty="0">
-              <a:latin typeface="微軟正黑體" panose="020B0604030504040204" pitchFamily="34" charset="-120"/>
-              <a:ea typeface="微軟正黑體" panose="020B0604030504040204" pitchFamily="34" charset="-120"/>
-              <a:sym typeface="Salesforce Sans"/>
-            </a:endParaRPr>
-          </a:p>
-        </p:txBody>
-      </p:sp>
-      <p:sp>
-        <p:nvSpPr>
-          <p:cNvPr id="2" name="內容版面配置區 1"/>
-          <p:cNvSpPr>
-            <a:spLocks noGrp="1"/>
-          </p:cNvSpPr>
-          <p:nvPr>
-            <p:ph idx="1"/>
-          </p:nvPr>
-        </p:nvSpPr>
-        <p:spPr>
-          <a:xfrm>
-            <a:off x="20036" y="970450"/>
-            <a:ext cx="5754130" cy="5638800"/>
-          </a:xfrm>
-        </p:spPr>
-        <p:txBody>
-          <a:bodyPr/>
-          <a:lstStyle/>
-          <a:p>
-            <a:r>
-              <a:rPr lang="en-US" sz="2400" dirty="0" smtClean="0">
-                <a:latin typeface="微軟正黑體" panose="020B0604030504040204" pitchFamily="34" charset="-120"/>
-                <a:ea typeface="微軟正黑體" panose="020B0604030504040204" pitchFamily="34" charset="-120"/>
-              </a:rPr>
-              <a:t>An image processing algorithm using convolution to </a:t>
-            </a:r>
-            <a:r>
-              <a:rPr lang="en-US" sz="2400" b="1" u="sng" dirty="0" smtClean="0">
-                <a:latin typeface="微軟正黑體" panose="020B0604030504040204" pitchFamily="34" charset="-120"/>
-                <a:ea typeface="微軟正黑體" panose="020B0604030504040204" pitchFamily="34" charset="-120"/>
-              </a:rPr>
-              <a:t>smooth images.</a:t>
-            </a:r>
-          </a:p>
-          <a:p>
-            <a:r>
-              <a:rPr lang="en-US" sz="2400" dirty="0" smtClean="0">
-                <a:latin typeface="微軟正黑體" panose="020B0604030504040204" pitchFamily="34" charset="-120"/>
-                <a:ea typeface="微軟正黑體" panose="020B0604030504040204" pitchFamily="34" charset="-120"/>
-              </a:rPr>
-              <a:t>Result images varies with filter size and standard deviation of Gaussian Kernel. </a:t>
-            </a:r>
-          </a:p>
-          <a:p>
-            <a:r>
-              <a:rPr lang="en-US" sz="2400" dirty="0" smtClean="0">
-                <a:latin typeface="微軟正黑體" panose="020B0604030504040204" pitchFamily="34" charset="-120"/>
-                <a:ea typeface="微軟正黑體" panose="020B0604030504040204" pitchFamily="34" charset="-120"/>
-              </a:rPr>
-              <a:t>Such algorithm can be used for noise reduction of the image.</a:t>
-            </a:r>
-          </a:p>
-          <a:p>
-            <a:r>
-              <a:rPr lang="en-US" sz="2400" dirty="0" smtClean="0">
-                <a:latin typeface="微軟正黑體" panose="020B0604030504040204" pitchFamily="34" charset="-120"/>
-                <a:ea typeface="微軟正黑體" panose="020B0604030504040204" pitchFamily="34" charset="-120"/>
-              </a:rPr>
-              <a:t>Time complexity is </a:t>
-            </a:r>
-            <a:r>
-              <a:rPr lang="en-US" sz="2400" b="1" dirty="0" smtClean="0">
-                <a:latin typeface="微軟正黑體" panose="020B0604030504040204" pitchFamily="34" charset="-120"/>
-                <a:ea typeface="微軟正黑體" panose="020B0604030504040204" pitchFamily="34" charset="-120"/>
-              </a:rPr>
-              <a:t>O(</a:t>
-            </a:r>
-            <a:r>
-              <a:rPr lang="en-US" sz="2400" b="1" dirty="0" err="1" smtClean="0">
-                <a:latin typeface="微軟正黑體" panose="020B0604030504040204" pitchFamily="34" charset="-120"/>
-                <a:ea typeface="微軟正黑體" panose="020B0604030504040204" pitchFamily="34" charset="-120"/>
-              </a:rPr>
-              <a:t>img_width</a:t>
-            </a:r>
-            <a:r>
-              <a:rPr lang="en-US" sz="2400" b="1" dirty="0" smtClean="0">
-                <a:latin typeface="微軟正黑體" panose="020B0604030504040204" pitchFamily="34" charset="-120"/>
-                <a:ea typeface="微軟正黑體" panose="020B0604030504040204" pitchFamily="34" charset="-120"/>
-              </a:rPr>
-              <a:t> x </a:t>
-            </a:r>
-            <a:r>
-              <a:rPr lang="en-US" sz="2400" b="1" dirty="0" err="1" smtClean="0">
-                <a:latin typeface="微軟正黑體" panose="020B0604030504040204" pitchFamily="34" charset="-120"/>
-                <a:ea typeface="微軟正黑體" panose="020B0604030504040204" pitchFamily="34" charset="-120"/>
-              </a:rPr>
-              <a:t>img_height</a:t>
-            </a:r>
-            <a:r>
-              <a:rPr lang="en-US" sz="2400" b="1" dirty="0" smtClean="0">
-                <a:latin typeface="微軟正黑體" panose="020B0604030504040204" pitchFamily="34" charset="-120"/>
-                <a:ea typeface="微軟正黑體" panose="020B0604030504040204" pitchFamily="34" charset="-120"/>
-              </a:rPr>
-              <a:t> x filter_size^2)</a:t>
-            </a:r>
-          </a:p>
-          <a:p>
-            <a:endParaRPr lang="en-US" dirty="0">
-              <a:latin typeface="微軟正黑體" panose="020B0604030504040204" pitchFamily="34" charset="-120"/>
-              <a:ea typeface="微軟正黑體" panose="020B0604030504040204" pitchFamily="34" charset="-120"/>
-            </a:endParaRPr>
-          </a:p>
-        </p:txBody>
-      </p:sp>
-      <p:pic>
-        <p:nvPicPr>
-          <p:cNvPr id="3" name="圖片 2"/>
-          <p:cNvPicPr>
-            <a:picLocks noChangeAspect="1"/>
-          </p:cNvPicPr>
-          <p:nvPr/>
-        </p:nvPicPr>
-        <p:blipFill>
-          <a:blip r:embed="rId3">
-            <a:extLst>
-              <a:ext uri="{28A0092B-C50C-407E-A947-70E740481C1C}">
-                <a14:useLocalDpi xmlns:a14="http://schemas.microsoft.com/office/drawing/2010/main" val="0"/>
-              </a:ext>
-            </a:extLst>
-          </a:blip>
-          <a:stretch>
-            <a:fillRect/>
-          </a:stretch>
-        </p:blipFill>
-        <p:spPr>
-          <a:xfrm>
-            <a:off x="5789612" y="976628"/>
-            <a:ext cx="3481267" cy="2610950"/>
-          </a:xfrm>
-          <a:prstGeom prst="rect">
-            <a:avLst/>
-          </a:prstGeom>
-        </p:spPr>
-      </p:pic>
-      <p:pic>
-        <p:nvPicPr>
-          <p:cNvPr id="4" name="圖片 3"/>
-          <p:cNvPicPr>
-            <a:picLocks noChangeAspect="1"/>
-          </p:cNvPicPr>
-          <p:nvPr/>
-        </p:nvPicPr>
-        <p:blipFill>
-          <a:blip r:embed="rId4">
-            <a:extLst>
-              <a:ext uri="{28A0092B-C50C-407E-A947-70E740481C1C}">
-                <a14:useLocalDpi xmlns:a14="http://schemas.microsoft.com/office/drawing/2010/main" val="0"/>
-              </a:ext>
-            </a:extLst>
-          </a:blip>
-          <a:stretch>
-            <a:fillRect/>
-          </a:stretch>
-        </p:blipFill>
-        <p:spPr>
-          <a:xfrm>
-            <a:off x="5789612" y="3905987"/>
-            <a:ext cx="3481267" cy="2610950"/>
-          </a:xfrm>
-          <a:prstGeom prst="rect">
-            <a:avLst/>
-          </a:prstGeom>
-        </p:spPr>
-      </p:pic>
-      <p:sp>
-        <p:nvSpPr>
-          <p:cNvPr id="5" name="文字方塊 4"/>
-          <p:cNvSpPr txBox="1"/>
-          <p:nvPr/>
-        </p:nvSpPr>
-        <p:spPr>
-          <a:xfrm>
-            <a:off x="9371012" y="3263653"/>
-            <a:ext cx="2939321" cy="1200329"/>
-          </a:xfrm>
-          <a:prstGeom prst="rect">
-            <a:avLst/>
-          </a:prstGeom>
-          <a:noFill/>
-        </p:spPr>
-        <p:txBody>
-          <a:bodyPr wrap="square" rtlCol="0">
-            <a:spAutoFit/>
-          </a:bodyPr>
-          <a:lstStyle/>
-          <a:p>
-            <a:r>
-              <a:rPr lang="en-US" dirty="0" smtClean="0">
-                <a:latin typeface="微軟正黑體" panose="020B0604030504040204" pitchFamily="34" charset="-120"/>
-                <a:ea typeface="微軟正黑體" panose="020B0604030504040204" pitchFamily="34" charset="-120"/>
-              </a:rPr>
-              <a:t>640 x 480 </a:t>
-            </a:r>
-          </a:p>
-          <a:p>
-            <a:r>
-              <a:rPr lang="en-US" dirty="0" smtClean="0">
-                <a:latin typeface="微軟正黑體" panose="020B0604030504040204" pitchFamily="34" charset="-120"/>
-                <a:ea typeface="微軟正黑體" panose="020B0604030504040204" pitchFamily="34" charset="-120"/>
-              </a:rPr>
-              <a:t>filter size 101 x 101</a:t>
-            </a:r>
-          </a:p>
-          <a:p>
-            <a:r>
-              <a:rPr lang="en-US" dirty="0" err="1">
-                <a:latin typeface="微軟正黑體" panose="020B0604030504040204" pitchFamily="34" charset="-120"/>
-                <a:ea typeface="微軟正黑體" panose="020B0604030504040204" pitchFamily="34" charset="-120"/>
-              </a:rPr>
-              <a:t>s</a:t>
-            </a:r>
-            <a:r>
-              <a:rPr lang="en-US" dirty="0" err="1" smtClean="0">
-                <a:latin typeface="微軟正黑體" panose="020B0604030504040204" pitchFamily="34" charset="-120"/>
-                <a:ea typeface="微軟正黑體" panose="020B0604030504040204" pitchFamily="34" charset="-120"/>
-              </a:rPr>
-              <a:t>tddev</a:t>
-            </a:r>
-            <a:r>
-              <a:rPr lang="en-US" dirty="0" smtClean="0">
-                <a:latin typeface="微軟正黑體" panose="020B0604030504040204" pitchFamily="34" charset="-120"/>
-                <a:ea typeface="微軟正黑體" panose="020B0604030504040204" pitchFamily="34" charset="-120"/>
-              </a:rPr>
-              <a:t>  10</a:t>
-            </a:r>
-            <a:endParaRPr lang="en-US" dirty="0">
-              <a:latin typeface="微軟正黑體" panose="020B0604030504040204" pitchFamily="34" charset="-120"/>
-              <a:ea typeface="微軟正黑體" panose="020B0604030504040204" pitchFamily="34" charset="-120"/>
-            </a:endParaRPr>
-          </a:p>
-        </p:txBody>
-      </p:sp>
-    </p:spTree>
-    <p:extLst>
-      <p:ext uri="{BB962C8B-B14F-4D97-AF65-F5344CB8AC3E}">
-        <p14:creationId xmlns:p14="http://schemas.microsoft.com/office/powerpoint/2010/main" val="3529114326"/>
-      </p:ext>
-    </p:extLst>
-  </p:cSld>
-  <p:clrMapOvr>
-    <a:masterClrMapping/>
-  </p:clrMapOvr>
-  <mc:AlternateContent xmlns:mc="http://schemas.openxmlformats.org/markup-compatibility/2006" xmlns:p14="http://schemas.microsoft.com/office/powerpoint/2010/main">
-    <mc:Choice Requires="p14">
-      <p:transition spd="med" p14:dur="700">
-        <p:fade/>
-      </p:transition>
-    </mc:Choice>
-    <mc:Fallback xmlns="">
-      <p:transition spd="med">
-        <p:fade/>
-      </p:transition>
-    </mc:Fallback>
-  </mc:AlternateContent>
-  <p:timing>
-    <p:tnLst>
-      <p:par>
-        <p:cTn id="1" dur="indefinite" restart="never" nodeType="tmRoot"/>
-      </p:par>
-    </p:tnLst>
-  </p:timing>
-</p:sld>
-</file>
-
-<file path=ppt/slides/slide4.xml><?xml version="1.0" encoding="utf-8"?>
-<p:sld xmlns:a="http://schemas.openxmlformats.org/drawingml/2006/main" xmlns:r="http://schemas.openxmlformats.org/officeDocument/2006/relationships" xmlns:p="http://schemas.openxmlformats.org/presentationml/2006/main">
-  <p:cSld>
-    <p:spTree>
-      <p:nvGrpSpPr>
-        <p:cNvPr id="1" name=""/>
-        <p:cNvGrpSpPr/>
-        <p:nvPr/>
-      </p:nvGrpSpPr>
-      <p:grpSpPr>
-        <a:xfrm>
-          <a:off x="0" y="0"/>
-          <a:ext cx="0" cy="0"/>
-          <a:chOff x="0" y="0"/>
-          <a:chExt cx="0" cy="0"/>
-        </a:xfrm>
-      </p:grpSpPr>
-      <p:sp>
-        <p:nvSpPr>
-          <p:cNvPr id="2" name="標題 1"/>
-          <p:cNvSpPr>
-            <a:spLocks noGrp="1"/>
-          </p:cNvSpPr>
-          <p:nvPr>
-            <p:ph type="title"/>
-          </p:nvPr>
-        </p:nvSpPr>
-        <p:spPr>
-          <a:xfrm>
-            <a:off x="918147" y="4119"/>
-            <a:ext cx="10351066" cy="970450"/>
-          </a:xfrm>
-        </p:spPr>
-        <p:txBody>
-          <a:bodyPr>
-            <a:normAutofit/>
-          </a:bodyPr>
-          <a:lstStyle/>
-          <a:p>
-            <a:r>
-              <a:rPr lang="en-US" sz="4800" dirty="0" smtClean="0">
-                <a:latin typeface="微軟正黑體" panose="020B0604030504040204" pitchFamily="34" charset="-120"/>
-                <a:ea typeface="微軟正黑體" panose="020B0604030504040204" pitchFamily="34" charset="-120"/>
-              </a:rPr>
-              <a:t>Motivation of this project</a:t>
-            </a:r>
-            <a:endParaRPr lang="en-US" sz="4800" dirty="0">
-              <a:latin typeface="微軟正黑體" panose="020B0604030504040204" pitchFamily="34" charset="-120"/>
-              <a:ea typeface="微軟正黑體" panose="020B0604030504040204" pitchFamily="34" charset="-120"/>
-            </a:endParaRPr>
-          </a:p>
-        </p:txBody>
-      </p:sp>
-      <p:sp>
-        <p:nvSpPr>
-          <p:cNvPr id="3" name="內容版面配置區 2"/>
-          <p:cNvSpPr>
-            <a:spLocks noGrp="1"/>
-          </p:cNvSpPr>
-          <p:nvPr>
-            <p:ph idx="1"/>
-          </p:nvPr>
-        </p:nvSpPr>
-        <p:spPr>
-          <a:xfrm>
-            <a:off x="0" y="937499"/>
-            <a:ext cx="5713412" cy="5844301"/>
-          </a:xfrm>
-        </p:spPr>
-        <p:txBody>
-          <a:bodyPr>
-            <a:normAutofit/>
-          </a:bodyPr>
-          <a:lstStyle/>
-          <a:p>
-            <a:r>
-              <a:rPr lang="en-US" sz="2400" dirty="0" smtClean="0">
-                <a:latin typeface="微軟正黑體" panose="020B0604030504040204" pitchFamily="34" charset="-120"/>
-                <a:ea typeface="微軟正黑體" panose="020B0604030504040204" pitchFamily="34" charset="-120"/>
-              </a:rPr>
-              <a:t>Widely used algorithm in lots of software like </a:t>
-            </a:r>
-            <a:r>
-              <a:rPr lang="en-US" sz="2400" dirty="0" err="1" smtClean="0">
-                <a:latin typeface="微軟正黑體" panose="020B0604030504040204" pitchFamily="34" charset="-120"/>
-                <a:ea typeface="微軟正黑體" panose="020B0604030504040204" pitchFamily="34" charset="-120"/>
-              </a:rPr>
-              <a:t>PhotoShop</a:t>
-            </a:r>
-            <a:r>
-              <a:rPr lang="en-US" sz="2400" dirty="0" smtClean="0">
-                <a:latin typeface="微軟正黑體" panose="020B0604030504040204" pitchFamily="34" charset="-120"/>
-                <a:ea typeface="微軟正黑體" panose="020B0604030504040204" pitchFamily="34" charset="-120"/>
-              </a:rPr>
-              <a:t>, GIMP.</a:t>
-            </a:r>
-          </a:p>
-          <a:p>
-            <a:r>
-              <a:rPr lang="en-US" sz="2400" dirty="0" smtClean="0">
-                <a:latin typeface="微軟正黑體" panose="020B0604030504040204" pitchFamily="34" charset="-120"/>
-                <a:ea typeface="微軟正黑體" panose="020B0604030504040204" pitchFamily="34" charset="-120"/>
-              </a:rPr>
-              <a:t>Due to convolution, the compute complexity is </a:t>
-            </a:r>
-            <a:r>
-              <a:rPr lang="en-US" sz="2400" b="1" u="sng" dirty="0" smtClean="0">
-                <a:latin typeface="微軟正黑體" panose="020B0604030504040204" pitchFamily="34" charset="-120"/>
-                <a:ea typeface="微軟正黑體" panose="020B0604030504040204" pitchFamily="34" charset="-120"/>
-              </a:rPr>
-              <a:t>extremely high.</a:t>
-            </a:r>
-          </a:p>
-          <a:p>
-            <a:r>
-              <a:rPr lang="en-US" sz="2400" dirty="0" smtClean="0">
-                <a:latin typeface="微軟正黑體" panose="020B0604030504040204" pitchFamily="34" charset="-120"/>
-                <a:ea typeface="微軟正黑體" panose="020B0604030504040204" pitchFamily="34" charset="-120"/>
-              </a:rPr>
-              <a:t>Beside the well-known </a:t>
-            </a:r>
-            <a:r>
-              <a:rPr lang="en-US" sz="2400" dirty="0" smtClean="0">
-                <a:solidFill>
-                  <a:srgbClr val="00B0F0"/>
-                </a:solidFill>
-                <a:latin typeface="微軟正黑體" panose="020B0604030504040204" pitchFamily="34" charset="-120"/>
-                <a:ea typeface="微軟正黑體" panose="020B0604030504040204" pitchFamily="34" charset="-120"/>
-              </a:rPr>
-              <a:t>POSIX thread</a:t>
-            </a:r>
-            <a:r>
-              <a:rPr lang="en-US" sz="2400" dirty="0" smtClean="0">
-                <a:latin typeface="微軟正黑體" panose="020B0604030504040204" pitchFamily="34" charset="-120"/>
-                <a:ea typeface="微軟正黑體" panose="020B0604030504040204" pitchFamily="34" charset="-120"/>
-              </a:rPr>
-              <a:t> ,with an eye to try parallel on </a:t>
-            </a:r>
-            <a:r>
-              <a:rPr lang="en-US" sz="2400" dirty="0" err="1" smtClean="0">
-                <a:solidFill>
-                  <a:srgbClr val="00B0F0"/>
-                </a:solidFill>
-                <a:latin typeface="微軟正黑體" panose="020B0604030504040204" pitchFamily="34" charset="-120"/>
-                <a:ea typeface="微軟正黑體" panose="020B0604030504040204" pitchFamily="34" charset="-120"/>
-              </a:rPr>
-              <a:t>OpenMP</a:t>
-            </a:r>
-            <a:r>
-              <a:rPr lang="en-US" sz="2400" dirty="0" smtClean="0">
-                <a:latin typeface="微軟正黑體" panose="020B0604030504040204" pitchFamily="34" charset="-120"/>
-                <a:ea typeface="微軟正黑體" panose="020B0604030504040204" pitchFamily="34" charset="-120"/>
-              </a:rPr>
-              <a:t> where both computes with </a:t>
-            </a:r>
-            <a:r>
-              <a:rPr lang="en-US" sz="2400" dirty="0" smtClean="0">
-                <a:solidFill>
-                  <a:srgbClr val="00B0F0"/>
-                </a:solidFill>
-                <a:latin typeface="微軟正黑體" panose="020B0604030504040204" pitchFamily="34" charset="-120"/>
-                <a:ea typeface="微軟正黑體" panose="020B0604030504040204" pitchFamily="34" charset="-120"/>
-              </a:rPr>
-              <a:t>CPU</a:t>
-            </a:r>
-            <a:r>
-              <a:rPr lang="en-US" sz="2400" dirty="0" smtClean="0">
-                <a:latin typeface="微軟正黑體" panose="020B0604030504040204" pitchFamily="34" charset="-120"/>
-                <a:ea typeface="微軟正黑體" panose="020B0604030504040204" pitchFamily="34" charset="-120"/>
-              </a:rPr>
-              <a:t>.</a:t>
-            </a:r>
-          </a:p>
-          <a:p>
-            <a:r>
-              <a:rPr lang="en-US" sz="2400" b="1" u="sng" dirty="0" smtClean="0">
-                <a:solidFill>
-                  <a:srgbClr val="FF0000"/>
-                </a:solidFill>
-                <a:effectLst/>
-                <a:latin typeface="微軟正黑體" panose="020B0604030504040204" pitchFamily="34" charset="-120"/>
-                <a:ea typeface="微軟正黑體" panose="020B0604030504040204" pitchFamily="34" charset="-120"/>
-              </a:rPr>
-              <a:t>Heterogeneous computation: </a:t>
-            </a:r>
-            <a:r>
-              <a:rPr lang="en-US" sz="2400" dirty="0" smtClean="0">
-                <a:solidFill>
-                  <a:schemeClr val="tx1"/>
-                </a:solidFill>
-                <a:effectLst/>
-                <a:latin typeface="微軟正黑體" panose="020B0604030504040204" pitchFamily="34" charset="-120"/>
-                <a:ea typeface="微軟正黑體" panose="020B0604030504040204" pitchFamily="34" charset="-120"/>
-              </a:rPr>
-              <a:t>Use </a:t>
-            </a:r>
-            <a:r>
-              <a:rPr lang="en-US" sz="2400" dirty="0" smtClean="0">
-                <a:solidFill>
-                  <a:srgbClr val="FF0000"/>
-                </a:solidFill>
-                <a:effectLst/>
-                <a:latin typeface="微軟正黑體" panose="020B0604030504040204" pitchFamily="34" charset="-120"/>
-                <a:ea typeface="微軟正黑體" panose="020B0604030504040204" pitchFamily="34" charset="-120"/>
-              </a:rPr>
-              <a:t>more than one kind </a:t>
-            </a:r>
-            <a:r>
-              <a:rPr lang="en-US" sz="2400" dirty="0" smtClean="0">
-                <a:solidFill>
-                  <a:schemeClr val="tx1"/>
-                </a:solidFill>
-                <a:effectLst/>
-                <a:latin typeface="微軟正黑體" panose="020B0604030504040204" pitchFamily="34" charset="-120"/>
-                <a:ea typeface="微軟正黑體" panose="020B0604030504040204" pitchFamily="34" charset="-120"/>
-              </a:rPr>
-              <a:t>of processors, </a:t>
-            </a:r>
-            <a:r>
-              <a:rPr lang="en-US" sz="2400" dirty="0" smtClean="0">
-                <a:solidFill>
-                  <a:srgbClr val="FF0000"/>
-                </a:solidFill>
-                <a:effectLst/>
-                <a:latin typeface="微軟正黑體" panose="020B0604030504040204" pitchFamily="34" charset="-120"/>
-                <a:ea typeface="微軟正黑體" panose="020B0604030504040204" pitchFamily="34" charset="-120"/>
-              </a:rPr>
-              <a:t>co-processing</a:t>
-            </a:r>
-            <a:r>
-              <a:rPr lang="en-US" sz="2400" dirty="0" smtClean="0">
-                <a:solidFill>
-                  <a:schemeClr val="tx1"/>
-                </a:solidFill>
-                <a:effectLst/>
-                <a:latin typeface="微軟正黑體" panose="020B0604030504040204" pitchFamily="34" charset="-120"/>
-                <a:ea typeface="微軟正黑體" panose="020B0604030504040204" pitchFamily="34" charset="-120"/>
-              </a:rPr>
-              <a:t> to gain </a:t>
-            </a:r>
-            <a:r>
-              <a:rPr lang="en-US" sz="2400" dirty="0" smtClean="0">
-                <a:solidFill>
-                  <a:srgbClr val="FF0000"/>
-                </a:solidFill>
-                <a:effectLst/>
-                <a:latin typeface="微軟正黑體" panose="020B0604030504040204" pitchFamily="34" charset="-120"/>
-                <a:ea typeface="微軟正黑體" panose="020B0604030504040204" pitchFamily="34" charset="-120"/>
-              </a:rPr>
-              <a:t>significantly performance improvement </a:t>
-            </a:r>
-            <a:r>
-              <a:rPr lang="en-US" sz="2400" dirty="0" smtClean="0">
-                <a:solidFill>
-                  <a:schemeClr val="tx1"/>
-                </a:solidFill>
-                <a:effectLst/>
-                <a:latin typeface="微軟正黑體" panose="020B0604030504040204" pitchFamily="34" charset="-120"/>
-                <a:ea typeface="微軟正黑體" panose="020B0604030504040204" pitchFamily="34" charset="-120"/>
-              </a:rPr>
-              <a:t>such as </a:t>
-            </a:r>
-            <a:r>
-              <a:rPr lang="en-US" sz="2400" dirty="0" smtClean="0">
-                <a:solidFill>
-                  <a:srgbClr val="FF0000"/>
-                </a:solidFill>
-                <a:effectLst/>
-                <a:latin typeface="微軟正黑體" panose="020B0604030504040204" pitchFamily="34" charset="-120"/>
-                <a:ea typeface="微軟正黑體" panose="020B0604030504040204" pitchFamily="34" charset="-120"/>
-              </a:rPr>
-              <a:t>CUDA</a:t>
-            </a:r>
-            <a:r>
-              <a:rPr lang="en-US" sz="2400" dirty="0" smtClean="0">
-                <a:solidFill>
-                  <a:schemeClr val="tx1"/>
-                </a:solidFill>
-                <a:effectLst/>
-                <a:latin typeface="微軟正黑體" panose="020B0604030504040204" pitchFamily="34" charset="-120"/>
-                <a:ea typeface="微軟正黑體" panose="020B0604030504040204" pitchFamily="34" charset="-120"/>
-              </a:rPr>
-              <a:t> and </a:t>
-            </a:r>
-            <a:r>
-              <a:rPr lang="en-US" sz="2400" dirty="0" smtClean="0">
-                <a:solidFill>
-                  <a:srgbClr val="FF0000"/>
-                </a:solidFill>
-                <a:effectLst/>
-                <a:latin typeface="微軟正黑體" panose="020B0604030504040204" pitchFamily="34" charset="-120"/>
-                <a:ea typeface="微軟正黑體" panose="020B0604030504040204" pitchFamily="34" charset="-120"/>
-              </a:rPr>
-              <a:t>OpenCL</a:t>
-            </a:r>
-            <a:r>
-              <a:rPr lang="en-US" sz="2400" dirty="0" smtClean="0">
-                <a:solidFill>
-                  <a:schemeClr val="tx1"/>
-                </a:solidFill>
-                <a:effectLst/>
-                <a:latin typeface="微軟正黑體" panose="020B0604030504040204" pitchFamily="34" charset="-120"/>
-                <a:ea typeface="微軟正黑體" panose="020B0604030504040204" pitchFamily="34" charset="-120"/>
-              </a:rPr>
-              <a:t> </a:t>
-            </a:r>
-          </a:p>
-          <a:p>
-            <a:endParaRPr lang="en-US" sz="2400" dirty="0" smtClean="0">
-              <a:latin typeface="微軟正黑體" panose="020B0604030504040204" pitchFamily="34" charset="-120"/>
-              <a:ea typeface="微軟正黑體" panose="020B0604030504040204" pitchFamily="34" charset="-120"/>
-            </a:endParaRPr>
-          </a:p>
-          <a:p>
-            <a:endParaRPr lang="en-US" sz="2400" dirty="0" smtClean="0">
-              <a:latin typeface="微軟正黑體" panose="020B0604030504040204" pitchFamily="34" charset="-120"/>
-              <a:ea typeface="微軟正黑體" panose="020B0604030504040204" pitchFamily="34" charset="-120"/>
-            </a:endParaRPr>
-          </a:p>
-          <a:p>
-            <a:endParaRPr lang="en-US" sz="2400" dirty="0" smtClean="0">
-              <a:latin typeface="微軟正黑體" panose="020B0604030504040204" pitchFamily="34" charset="-120"/>
-              <a:ea typeface="微軟正黑體" panose="020B0604030504040204" pitchFamily="34" charset="-120"/>
-            </a:endParaRPr>
-          </a:p>
-          <a:p>
-            <a:endParaRPr lang="en-US" sz="2400" dirty="0">
-              <a:latin typeface="微軟正黑體" panose="020B0604030504040204" pitchFamily="34" charset="-120"/>
-              <a:ea typeface="微軟正黑體" panose="020B0604030504040204" pitchFamily="34" charset="-120"/>
-            </a:endParaRPr>
-          </a:p>
-        </p:txBody>
-      </p:sp>
-      <p:pic>
-        <p:nvPicPr>
-          <p:cNvPr id="4" name="圖片 3"/>
-          <p:cNvPicPr>
-            <a:picLocks noChangeAspect="1"/>
-          </p:cNvPicPr>
-          <p:nvPr/>
-        </p:nvPicPr>
-        <p:blipFill>
-          <a:blip r:embed="rId2">
-            <a:extLst>
-              <a:ext uri="{28A0092B-C50C-407E-A947-70E740481C1C}">
-                <a14:useLocalDpi xmlns:a14="http://schemas.microsoft.com/office/drawing/2010/main" val="0"/>
-              </a:ext>
-            </a:extLst>
-          </a:blip>
-          <a:stretch>
-            <a:fillRect/>
-          </a:stretch>
-        </p:blipFill>
-        <p:spPr>
-          <a:xfrm>
-            <a:off x="6011872" y="962213"/>
-            <a:ext cx="6026139" cy="4649478"/>
-          </a:xfrm>
-          <a:prstGeom prst="rect">
-            <a:avLst/>
-          </a:prstGeom>
-        </p:spPr>
-      </p:pic>
-      <p:sp>
-        <p:nvSpPr>
-          <p:cNvPr id="5" name="文字方塊 4"/>
-          <p:cNvSpPr txBox="1"/>
-          <p:nvPr/>
-        </p:nvSpPr>
-        <p:spPr>
-          <a:xfrm>
-            <a:off x="6014404" y="5746338"/>
-            <a:ext cx="6174421" cy="830997"/>
-          </a:xfrm>
-          <a:prstGeom prst="rect">
-            <a:avLst/>
-          </a:prstGeom>
-          <a:noFill/>
-        </p:spPr>
-        <p:txBody>
-          <a:bodyPr wrap="square" rtlCol="0">
-            <a:spAutoFit/>
-          </a:bodyPr>
-          <a:lstStyle/>
-          <a:p>
-            <a:r>
-              <a:rPr lang="en-US" dirty="0" smtClean="0">
-                <a:latin typeface="微軟正黑體" panose="020B0604030504040204" pitchFamily="34" charset="-120"/>
-                <a:ea typeface="微軟正黑體" panose="020B0604030504040204" pitchFamily="34" charset="-120"/>
-              </a:rPr>
-              <a:t>Gaussian Convolution  with its kernel</a:t>
-            </a:r>
-          </a:p>
-          <a:p>
-            <a:r>
-              <a:rPr lang="en-US" dirty="0" err="1" smtClean="0">
-                <a:latin typeface="微軟正黑體" panose="020B0604030504040204" pitchFamily="34" charset="-120"/>
-                <a:ea typeface="微軟正黑體" panose="020B0604030504040204" pitchFamily="34" charset="-120"/>
-                <a:hlinkClick r:id="rId3"/>
-              </a:rPr>
-              <a:t>Img</a:t>
-            </a:r>
-            <a:r>
-              <a:rPr lang="en-US" dirty="0" smtClean="0">
-                <a:latin typeface="微軟正黑體" panose="020B0604030504040204" pitchFamily="34" charset="-120"/>
-                <a:ea typeface="微軟正黑體" panose="020B0604030504040204" pitchFamily="34" charset="-120"/>
-                <a:hlinkClick r:id="rId3"/>
-              </a:rPr>
-              <a:t> source</a:t>
-            </a:r>
-            <a:endParaRPr lang="en-US" dirty="0">
-              <a:latin typeface="微軟正黑體" panose="020B0604030504040204" pitchFamily="34" charset="-120"/>
-              <a:ea typeface="微軟正黑體" panose="020B0604030504040204" pitchFamily="34" charset="-120"/>
-            </a:endParaRPr>
-          </a:p>
-        </p:txBody>
-      </p:sp>
-    </p:spTree>
-    <p:extLst>
-      <p:ext uri="{BB962C8B-B14F-4D97-AF65-F5344CB8AC3E}">
-        <p14:creationId xmlns:p14="http://schemas.microsoft.com/office/powerpoint/2010/main" val="4262106015"/>
-      </p:ext>
-    </p:extLst>
-  </p:cSld>
-  <p:clrMapOvr>
-    <a:masterClrMapping/>
-  </p:clrMapOvr>
-</p:sld>
-</file>
-
-<file path=ppt/slides/slide5.xml><?xml version="1.0" encoding="utf-8"?>
-<p:sld xmlns:a="http://schemas.openxmlformats.org/drawingml/2006/main" xmlns:r="http://schemas.openxmlformats.org/officeDocument/2006/relationships" xmlns:p="http://schemas.openxmlformats.org/presentationml/2006/main">
-  <p:cSld>
-    <p:spTree>
-      <p:nvGrpSpPr>
-        <p:cNvPr id="1" name=""/>
-        <p:cNvGrpSpPr/>
-        <p:nvPr/>
-      </p:nvGrpSpPr>
-      <p:grpSpPr>
-        <a:xfrm>
-          <a:off x="0" y="0"/>
-          <a:ext cx="0" cy="0"/>
-          <a:chOff x="0" y="0"/>
-          <a:chExt cx="0" cy="0"/>
-        </a:xfrm>
-      </p:grpSpPr>
-      <p:sp>
-        <p:nvSpPr>
-          <p:cNvPr id="2" name="標題 1"/>
-          <p:cNvSpPr>
-            <a:spLocks noGrp="1"/>
-          </p:cNvSpPr>
-          <p:nvPr>
-            <p:ph type="title"/>
-          </p:nvPr>
-        </p:nvSpPr>
-        <p:spPr>
-          <a:xfrm>
-            <a:off x="913557" y="76200"/>
-            <a:ext cx="10351066" cy="970450"/>
-          </a:xfrm>
-        </p:spPr>
-        <p:txBody>
-          <a:bodyPr>
-            <a:normAutofit/>
-          </a:bodyPr>
-          <a:lstStyle/>
-          <a:p>
-            <a:r>
-              <a:rPr lang="en-US" sz="4800" dirty="0" smtClean="0">
-                <a:latin typeface="微軟正黑體" panose="020B0604030504040204" pitchFamily="34" charset="-120"/>
-                <a:ea typeface="微軟正黑體" panose="020B0604030504040204" pitchFamily="34" charset="-120"/>
-              </a:rPr>
-              <a:t>Hardware for this project</a:t>
-            </a:r>
-            <a:endParaRPr lang="en-US" sz="4800" dirty="0">
-              <a:latin typeface="微軟正黑體" panose="020B0604030504040204" pitchFamily="34" charset="-120"/>
-              <a:ea typeface="微軟正黑體" panose="020B0604030504040204" pitchFamily="34" charset="-120"/>
-            </a:endParaRPr>
-          </a:p>
-        </p:txBody>
-      </p:sp>
-    </p:spTree>
-    <p:extLst>
-      <p:ext uri="{BB962C8B-B14F-4D97-AF65-F5344CB8AC3E}">
-        <p14:creationId xmlns:p14="http://schemas.microsoft.com/office/powerpoint/2010/main" val="3635218041"/>
-      </p:ext>
-    </p:extLst>
-  </p:cSld>
-  <p:clrMapOvr>
-    <a:masterClrMapping/>
-  </p:clrMapOvr>
-</p:sld>
-</file>
-
-<file path=ppt/slides/slide6.xml><?xml version="1.0" encoding="utf-8"?>
-<p:sld xmlns:a="http://schemas.openxmlformats.org/drawingml/2006/main" xmlns:r="http://schemas.openxmlformats.org/officeDocument/2006/relationships" xmlns:p="http://schemas.openxmlformats.org/presentationml/2006/main">
-  <p:cSld>
-    <p:spTree>
-      <p:nvGrpSpPr>
-        <p:cNvPr id="1" name=""/>
-        <p:cNvGrpSpPr/>
-        <p:nvPr/>
-      </p:nvGrpSpPr>
-      <p:grpSpPr>
-        <a:xfrm>
-          <a:off x="0" y="0"/>
-          <a:ext cx="0" cy="0"/>
-          <a:chOff x="0" y="0"/>
-          <a:chExt cx="0" cy="0"/>
-        </a:xfrm>
-      </p:grpSpPr>
-      <p:sp>
-        <p:nvSpPr>
-          <p:cNvPr id="7" name="標題 6"/>
-          <p:cNvSpPr>
-            <a:spLocks noGrp="1"/>
-          </p:cNvSpPr>
-          <p:nvPr>
-            <p:ph type="title"/>
-          </p:nvPr>
-        </p:nvSpPr>
-        <p:spPr/>
-        <p:txBody>
-          <a:bodyPr rtlCol="0"/>
-          <a:lstStyle/>
-          <a:p>
-            <a:pPr rtl="0"/>
-            <a:r>
-              <a:rPr lang="zh-TW" altLang="en-US" dirty="0" smtClean="0">
-                <a:latin typeface="Salesforce Sans"/>
-                <a:ea typeface="微軟正黑體" panose="020B0604030504040204" pitchFamily="34" charset="-120"/>
-                <a:sym typeface="Salesforce Sans"/>
-              </a:rPr>
-              <a:t>標題及含圖表的內容版面配置</a:t>
-            </a:r>
-            <a:endParaRPr lang="zh-TW" altLang="en-US" dirty="0">
-              <a:latin typeface="Salesforce Sans"/>
-              <a:ea typeface="微軟正黑體" panose="020B0604030504040204" pitchFamily="34" charset="-120"/>
-              <a:sym typeface="Salesforce Sans"/>
-            </a:endParaRPr>
-          </a:p>
-        </p:txBody>
-      </p:sp>
-      <p:graphicFrame>
-        <p:nvGraphicFramePr>
-          <p:cNvPr id="9" name="內容預留位置 8" descr="顯示由 3 種數列值所組成 4 種類別的群組直條圖"/>
-          <p:cNvGraphicFramePr>
-            <a:graphicFrameLocks noGrp="1"/>
-          </p:cNvGraphicFramePr>
-          <p:nvPr>
-            <p:ph idx="1"/>
-            <p:extLst>
-              <p:ext uri="{D42A27DB-BD31-4B8C-83A1-F6EECF244321}">
-                <p14:modId xmlns:p14="http://schemas.microsoft.com/office/powerpoint/2010/main" val="2963422385"/>
-              </p:ext>
-            </p:extLst>
-          </p:nvPr>
-        </p:nvGraphicFramePr>
-        <p:xfrm>
-          <a:off x="912813" y="1731963"/>
-          <a:ext cx="10352087" cy="4059237"/>
-        </p:xfrm>
-        <a:graphic>
-          <a:graphicData uri="http://schemas.openxmlformats.org/drawingml/2006/chart">
-            <c:chart xmlns:c="http://schemas.openxmlformats.org/drawingml/2006/chart" xmlns:r="http://schemas.openxmlformats.org/officeDocument/2006/relationships" r:id="rId3"/>
-          </a:graphicData>
-        </a:graphic>
-      </p:graphicFrame>
-    </p:spTree>
-    <p:extLst>
-      <p:ext uri="{BB962C8B-B14F-4D97-AF65-F5344CB8AC3E}">
-        <p14:creationId xmlns:p14="http://schemas.microsoft.com/office/powerpoint/2010/main" val="1484811712"/>
-      </p:ext>
-    </p:extLst>
-  </p:cSld>
-  <p:clrMapOvr>
-    <a:masterClrMapping/>
-  </p:clrMapOvr>
-  <mc:AlternateContent xmlns:mc="http://schemas.openxmlformats.org/markup-compatibility/2006" xmlns:p14="http://schemas.microsoft.com/office/powerpoint/2010/main">
-    <mc:Choice Requires="p14">
-      <p:transition spd="med" p14:dur="700">
-        <p:fade/>
-      </p:transition>
-    </mc:Choice>
-    <mc:Fallback xmlns="">
-      <p:transition spd="med">
-        <p:fade/>
-      </p:transition>
-    </mc:Fallback>
-  </mc:AlternateContent>
-</p:sld>
-</file>
-
-<file path=ppt/slides/slide7.xml><?xml version="1.0" encoding="utf-8"?>
-<p:sld xmlns:a="http://schemas.openxmlformats.org/drawingml/2006/main" xmlns:r="http://schemas.openxmlformats.org/officeDocument/2006/relationships" xmlns:p="http://schemas.openxmlformats.org/presentationml/2006/main">
-  <p:cSld>
-    <p:spTree>
-      <p:nvGrpSpPr>
-        <p:cNvPr id="1" name=""/>
-        <p:cNvGrpSpPr/>
-        <p:nvPr/>
-      </p:nvGrpSpPr>
-      <p:grpSpPr>
-        <a:xfrm>
-          <a:off x="0" y="0"/>
-          <a:ext cx="0" cy="0"/>
-          <a:chOff x="0" y="0"/>
-          <a:chExt cx="0" cy="0"/>
-        </a:xfrm>
-      </p:grpSpPr>
-      <p:sp>
-        <p:nvSpPr>
           <p:cNvPr id="2" name="標題 1"/>
           <p:cNvSpPr>
             <a:spLocks noGrp="1"/>
@@ -15014,21 +13662,21 @@
                 <a:gridCol w="1688042">
                   <a:extLst>
                     <a:ext uri="{9D8B030D-6E8A-4147-A177-3AD203B41FA5}">
-                      <a16:colId xmlns:a16="http://schemas.microsoft.com/office/drawing/2014/main" val="20000"/>
+                      <a16:colId xmlns:a16="http://schemas.microsoft.com/office/drawing/2014/main" xmlns="" val="20000"/>
                     </a:ext>
                   </a:extLst>
                 </a:gridCol>
                 <a:gridCol w="1688042">
                   <a:extLst>
                     <a:ext uri="{9D8B030D-6E8A-4147-A177-3AD203B41FA5}">
-                      <a16:colId xmlns:a16="http://schemas.microsoft.com/office/drawing/2014/main" val="20001"/>
+                      <a16:colId xmlns:a16="http://schemas.microsoft.com/office/drawing/2014/main" xmlns="" val="20001"/>
                     </a:ext>
                   </a:extLst>
                 </a:gridCol>
                 <a:gridCol w="1688042">
                   <a:extLst>
                     <a:ext uri="{9D8B030D-6E8A-4147-A177-3AD203B41FA5}">
-                      <a16:colId xmlns:a16="http://schemas.microsoft.com/office/drawing/2014/main" val="20002"/>
+                      <a16:colId xmlns:a16="http://schemas.microsoft.com/office/drawing/2014/main" xmlns="" val="20002"/>
                     </a:ext>
                   </a:extLst>
                 </a:gridCol>
@@ -15133,7 +13781,7 @@
                 </a:tc>
                 <a:extLst>
                   <a:ext uri="{0D108BD9-81ED-4DB2-BD59-A6C34878D82A}">
-                    <a16:rowId xmlns:a16="http://schemas.microsoft.com/office/drawing/2014/main" val="10000"/>
+                    <a16:rowId xmlns:a16="http://schemas.microsoft.com/office/drawing/2014/main" xmlns="" val="10000"/>
                   </a:ext>
                 </a:extLst>
               </a:tr>
@@ -15217,7 +13865,7 @@
                 </a:tc>
                 <a:extLst>
                   <a:ext uri="{0D108BD9-81ED-4DB2-BD59-A6C34878D82A}">
-                    <a16:rowId xmlns:a16="http://schemas.microsoft.com/office/drawing/2014/main" val="10001"/>
+                    <a16:rowId xmlns:a16="http://schemas.microsoft.com/office/drawing/2014/main" xmlns="" val="10001"/>
                   </a:ext>
                 </a:extLst>
               </a:tr>
@@ -15301,7 +13949,7 @@
                 </a:tc>
                 <a:extLst>
                   <a:ext uri="{0D108BD9-81ED-4DB2-BD59-A6C34878D82A}">
-                    <a16:rowId xmlns:a16="http://schemas.microsoft.com/office/drawing/2014/main" val="10002"/>
+                    <a16:rowId xmlns:a16="http://schemas.microsoft.com/office/drawing/2014/main" xmlns="" val="10002"/>
                   </a:ext>
                 </a:extLst>
               </a:tr>
@@ -15385,7 +14033,7 @@
                 </a:tc>
                 <a:extLst>
                   <a:ext uri="{0D108BD9-81ED-4DB2-BD59-A6C34878D82A}">
-                    <a16:rowId xmlns:a16="http://schemas.microsoft.com/office/drawing/2014/main" val="10003"/>
+                    <a16:rowId xmlns:a16="http://schemas.microsoft.com/office/drawing/2014/main" xmlns="" val="10003"/>
                   </a:ext>
                 </a:extLst>
               </a:tr>
@@ -15418,7 +14066,7 @@
 </p:sld>
 </file>
 
-<file path=ppt/slides/slide8.xml><?xml version="1.0" encoding="utf-8"?>
+<file path=ppt/slides/slide11.xml><?xml version="1.0" encoding="utf-8"?>
 <p:sld xmlns:a="http://schemas.openxmlformats.org/drawingml/2006/main" xmlns:r="http://schemas.openxmlformats.org/officeDocument/2006/relationships" xmlns:p="http://schemas.openxmlformats.org/presentationml/2006/main">
   <p:cSld>
     <p:spTree>
@@ -15571,6 +14219,2741 @@
 </p:sld>
 </file>
 
+<file path=ppt/slides/slide12.xml><?xml version="1.0" encoding="utf-8"?>
+<p:sld xmlns:a="http://schemas.openxmlformats.org/drawingml/2006/main" xmlns:r="http://schemas.openxmlformats.org/officeDocument/2006/relationships" xmlns:p="http://schemas.openxmlformats.org/presentationml/2006/main">
+  <p:cSld>
+    <p:spTree>
+      <p:nvGrpSpPr>
+        <p:cNvPr id="1" name=""/>
+        <p:cNvGrpSpPr/>
+        <p:nvPr/>
+      </p:nvGrpSpPr>
+      <p:grpSpPr>
+        <a:xfrm>
+          <a:off x="0" y="0"/>
+          <a:ext cx="0" cy="0"/>
+          <a:chOff x="0" y="0"/>
+          <a:chExt cx="0" cy="0"/>
+        </a:xfrm>
+      </p:grpSpPr>
+      <p:sp>
+        <p:nvSpPr>
+          <p:cNvPr id="4" name="標題 3"/>
+          <p:cNvSpPr>
+            <a:spLocks noGrp="1"/>
+          </p:cNvSpPr>
+          <p:nvPr>
+            <p:ph type="title"/>
+          </p:nvPr>
+        </p:nvSpPr>
+        <p:spPr/>
+        <p:txBody>
+          <a:bodyPr rtlCol="0"/>
+          <a:lstStyle/>
+          <a:p>
+            <a:pPr rtl="0"/>
+            <a:r>
+              <a:rPr lang="zh-TW" altLang="en-US" dirty="0" smtClean="0">
+                <a:sym typeface="Salesforce Sans"/>
+              </a:rPr>
+              <a:t>新增投影片標題 </a:t>
+            </a:r>
+            <a:r>
+              <a:rPr lang="en-US" altLang="zh-TW" dirty="0" smtClean="0">
+                <a:sym typeface="Salesforce Sans"/>
+              </a:rPr>
+              <a:t>- 1</a:t>
+            </a:r>
+            <a:endParaRPr lang="zh-TW" altLang="en-US" dirty="0">
+              <a:sym typeface="Salesforce Sans"/>
+            </a:endParaRPr>
+          </a:p>
+        </p:txBody>
+      </p:sp>
+      <p:sp>
+        <p:nvSpPr>
+          <p:cNvPr id="5" name="文字預留位置 4"/>
+          <p:cNvSpPr>
+            <a:spLocks noGrp="1"/>
+          </p:cNvSpPr>
+          <p:nvPr>
+            <p:ph type="body" idx="1"/>
+          </p:nvPr>
+        </p:nvSpPr>
+        <p:spPr/>
+        <p:txBody>
+          <a:bodyPr rtlCol="0"/>
+          <a:lstStyle/>
+          <a:p>
+            <a:pPr rtl="0"/>
+            <a:endParaRPr lang="zh-TW" altLang="en-US" dirty="0">
+              <a:sym typeface="Salesforce Sans"/>
+            </a:endParaRPr>
+          </a:p>
+        </p:txBody>
+      </p:sp>
+    </p:spTree>
+    <p:extLst>
+      <p:ext uri="{BB962C8B-B14F-4D97-AF65-F5344CB8AC3E}">
+        <p14:creationId xmlns:p14="http://schemas.microsoft.com/office/powerpoint/2010/main" val="4264977537"/>
+      </p:ext>
+    </p:extLst>
+  </p:cSld>
+  <p:clrMapOvr>
+    <a:masterClrMapping/>
+  </p:clrMapOvr>
+  <mc:AlternateContent xmlns:mc="http://schemas.openxmlformats.org/markup-compatibility/2006" xmlns:p14="http://schemas.microsoft.com/office/powerpoint/2010/main">
+    <mc:Choice Requires="p14">
+      <p:transition spd="med" p14:dur="700">
+        <p:fade/>
+      </p:transition>
+    </mc:Choice>
+    <mc:Fallback xmlns="">
+      <p:transition spd="med">
+        <p:fade/>
+      </p:transition>
+    </mc:Fallback>
+  </mc:AlternateContent>
+</p:sld>
+</file>
+
+<file path=ppt/slides/slide13.xml><?xml version="1.0" encoding="utf-8"?>
+<p:sld xmlns:a="http://schemas.openxmlformats.org/drawingml/2006/main" xmlns:r="http://schemas.openxmlformats.org/officeDocument/2006/relationships" xmlns:p="http://schemas.openxmlformats.org/presentationml/2006/main">
+  <p:cSld>
+    <p:spTree>
+      <p:nvGrpSpPr>
+        <p:cNvPr id="1" name=""/>
+        <p:cNvGrpSpPr/>
+        <p:nvPr/>
+      </p:nvGrpSpPr>
+      <p:grpSpPr>
+        <a:xfrm>
+          <a:off x="0" y="0"/>
+          <a:ext cx="0" cy="0"/>
+          <a:chOff x="0" y="0"/>
+          <a:chExt cx="0" cy="0"/>
+        </a:xfrm>
+      </p:grpSpPr>
+      <p:sp>
+        <p:nvSpPr>
+          <p:cNvPr id="7" name="標題 6"/>
+          <p:cNvSpPr>
+            <a:spLocks noGrp="1"/>
+          </p:cNvSpPr>
+          <p:nvPr>
+            <p:ph type="title"/>
+          </p:nvPr>
+        </p:nvSpPr>
+        <p:spPr/>
+        <p:txBody>
+          <a:bodyPr rtlCol="0"/>
+          <a:lstStyle/>
+          <a:p>
+            <a:pPr rtl="0"/>
+            <a:r>
+              <a:rPr lang="zh-TW" altLang="en-US" dirty="0" smtClean="0">
+                <a:sym typeface="Salesforce Sans"/>
+              </a:rPr>
+              <a:t>新增投影片標題 </a:t>
+            </a:r>
+            <a:r>
+              <a:rPr lang="en-US" altLang="zh-TW" dirty="0" smtClean="0">
+                <a:sym typeface="Salesforce Sans"/>
+              </a:rPr>
+              <a:t>- 2</a:t>
+            </a:r>
+            <a:endParaRPr lang="zh-TW" altLang="en-US" dirty="0">
+              <a:sym typeface="Salesforce Sans"/>
+            </a:endParaRPr>
+          </a:p>
+        </p:txBody>
+      </p:sp>
+      <p:sp>
+        <p:nvSpPr>
+          <p:cNvPr id="8" name="文字預留位置 7"/>
+          <p:cNvSpPr>
+            <a:spLocks noGrp="1"/>
+          </p:cNvSpPr>
+          <p:nvPr>
+            <p:ph type="body" idx="1"/>
+          </p:nvPr>
+        </p:nvSpPr>
+        <p:spPr/>
+        <p:txBody>
+          <a:bodyPr rtlCol="0"/>
+          <a:lstStyle/>
+          <a:p>
+            <a:pPr rtl="0"/>
+            <a:endParaRPr lang="zh-TW" altLang="en-US" dirty="0">
+              <a:sym typeface="Salesforce Sans"/>
+            </a:endParaRPr>
+          </a:p>
+        </p:txBody>
+      </p:sp>
+      <p:sp>
+        <p:nvSpPr>
+          <p:cNvPr id="10" name="內容預留位置 9"/>
+          <p:cNvSpPr>
+            <a:spLocks noGrp="1"/>
+          </p:cNvSpPr>
+          <p:nvPr>
+            <p:ph sz="half" idx="2"/>
+          </p:nvPr>
+        </p:nvSpPr>
+        <p:spPr/>
+        <p:txBody>
+          <a:bodyPr rtlCol="0"/>
+          <a:lstStyle/>
+          <a:p>
+            <a:pPr rtl="0"/>
+            <a:endParaRPr lang="zh-TW" altLang="en-US" dirty="0">
+              <a:sym typeface="Salesforce Sans"/>
+            </a:endParaRPr>
+          </a:p>
+        </p:txBody>
+      </p:sp>
+      <p:sp>
+        <p:nvSpPr>
+          <p:cNvPr id="9" name="文字預留位置 8"/>
+          <p:cNvSpPr>
+            <a:spLocks noGrp="1"/>
+          </p:cNvSpPr>
+          <p:nvPr>
+            <p:ph type="body" sz="quarter" idx="3"/>
+          </p:nvPr>
+        </p:nvSpPr>
+        <p:spPr/>
+        <p:txBody>
+          <a:bodyPr rtlCol="0"/>
+          <a:lstStyle/>
+          <a:p>
+            <a:pPr rtl="0"/>
+            <a:endParaRPr lang="zh-TW" altLang="en-US" dirty="0">
+              <a:sym typeface="Salesforce Sans"/>
+            </a:endParaRPr>
+          </a:p>
+        </p:txBody>
+      </p:sp>
+      <p:sp>
+        <p:nvSpPr>
+          <p:cNvPr id="11" name="內容預留位置 10"/>
+          <p:cNvSpPr>
+            <a:spLocks noGrp="1"/>
+          </p:cNvSpPr>
+          <p:nvPr>
+            <p:ph sz="quarter" idx="4"/>
+          </p:nvPr>
+        </p:nvSpPr>
+        <p:spPr/>
+        <p:txBody>
+          <a:bodyPr rtlCol="0"/>
+          <a:lstStyle/>
+          <a:p>
+            <a:pPr rtl="0"/>
+            <a:endParaRPr lang="zh-TW" altLang="en-US" dirty="0">
+              <a:sym typeface="Salesforce Sans"/>
+            </a:endParaRPr>
+          </a:p>
+        </p:txBody>
+      </p:sp>
+    </p:spTree>
+    <p:extLst>
+      <p:ext uri="{BB962C8B-B14F-4D97-AF65-F5344CB8AC3E}">
+        <p14:creationId xmlns:p14="http://schemas.microsoft.com/office/powerpoint/2010/main" val="2672039197"/>
+      </p:ext>
+    </p:extLst>
+  </p:cSld>
+  <p:clrMapOvr>
+    <a:masterClrMapping/>
+  </p:clrMapOvr>
+  <mc:AlternateContent xmlns:mc="http://schemas.openxmlformats.org/markup-compatibility/2006" xmlns:p14="http://schemas.microsoft.com/office/powerpoint/2010/main">
+    <mc:Choice Requires="p14">
+      <p:transition spd="med" p14:dur="700">
+        <p:fade/>
+      </p:transition>
+    </mc:Choice>
+    <mc:Fallback xmlns="">
+      <p:transition spd="med">
+        <p:fade/>
+      </p:transition>
+    </mc:Fallback>
+  </mc:AlternateContent>
+</p:sld>
+</file>
+
+<file path=ppt/slides/slide14.xml><?xml version="1.0" encoding="utf-8"?>
+<p:sld xmlns:a="http://schemas.openxmlformats.org/drawingml/2006/main" xmlns:r="http://schemas.openxmlformats.org/officeDocument/2006/relationships" xmlns:p="http://schemas.openxmlformats.org/presentationml/2006/main">
+  <p:cSld>
+    <p:spTree>
+      <p:nvGrpSpPr>
+        <p:cNvPr id="1" name=""/>
+        <p:cNvGrpSpPr/>
+        <p:nvPr/>
+      </p:nvGrpSpPr>
+      <p:grpSpPr>
+        <a:xfrm>
+          <a:off x="0" y="0"/>
+          <a:ext cx="0" cy="0"/>
+          <a:chOff x="0" y="0"/>
+          <a:chExt cx="0" cy="0"/>
+        </a:xfrm>
+      </p:grpSpPr>
+      <p:sp>
+        <p:nvSpPr>
+          <p:cNvPr id="3" name="標題 2"/>
+          <p:cNvSpPr>
+            <a:spLocks noGrp="1"/>
+          </p:cNvSpPr>
+          <p:nvPr>
+            <p:ph type="title"/>
+          </p:nvPr>
+        </p:nvSpPr>
+        <p:spPr/>
+        <p:txBody>
+          <a:bodyPr rtlCol="0"/>
+          <a:lstStyle/>
+          <a:p>
+            <a:pPr rtl="0"/>
+            <a:r>
+              <a:rPr lang="zh-TW" altLang="en-US" dirty="0" smtClean="0">
+                <a:sym typeface="Salesforce Sans"/>
+              </a:rPr>
+              <a:t>新增投影片標題 </a:t>
+            </a:r>
+            <a:r>
+              <a:rPr lang="en-US" altLang="zh-TW" dirty="0" smtClean="0">
+                <a:sym typeface="Salesforce Sans"/>
+              </a:rPr>
+              <a:t>- 3</a:t>
+            </a:r>
+            <a:endParaRPr lang="zh-TW" altLang="en-US" dirty="0">
+              <a:sym typeface="Salesforce Sans"/>
+            </a:endParaRPr>
+          </a:p>
+        </p:txBody>
+      </p:sp>
+    </p:spTree>
+    <p:extLst>
+      <p:ext uri="{BB962C8B-B14F-4D97-AF65-F5344CB8AC3E}">
+        <p14:creationId xmlns:p14="http://schemas.microsoft.com/office/powerpoint/2010/main" val="397710800"/>
+      </p:ext>
+    </p:extLst>
+  </p:cSld>
+  <p:clrMapOvr>
+    <a:masterClrMapping/>
+  </p:clrMapOvr>
+  <mc:AlternateContent xmlns:mc="http://schemas.openxmlformats.org/markup-compatibility/2006" xmlns:p14="http://schemas.microsoft.com/office/powerpoint/2010/main">
+    <mc:Choice Requires="p14">
+      <p:transition spd="med" p14:dur="700">
+        <p:fade/>
+      </p:transition>
+    </mc:Choice>
+    <mc:Fallback xmlns="">
+      <p:transition spd="med">
+        <p:fade/>
+      </p:transition>
+    </mc:Fallback>
+  </mc:AlternateContent>
+</p:sld>
+</file>
+
+<file path=ppt/slides/slide15.xml><?xml version="1.0" encoding="utf-8"?>
+<p:sld xmlns:a="http://schemas.openxmlformats.org/drawingml/2006/main" xmlns:r="http://schemas.openxmlformats.org/officeDocument/2006/relationships" xmlns:p="http://schemas.openxmlformats.org/presentationml/2006/main">
+  <p:cSld>
+    <p:spTree>
+      <p:nvGrpSpPr>
+        <p:cNvPr id="1" name=""/>
+        <p:cNvGrpSpPr/>
+        <p:nvPr/>
+      </p:nvGrpSpPr>
+      <p:grpSpPr>
+        <a:xfrm>
+          <a:off x="0" y="0"/>
+          <a:ext cx="0" cy="0"/>
+          <a:chOff x="0" y="0"/>
+          <a:chExt cx="0" cy="0"/>
+        </a:xfrm>
+      </p:grpSpPr>
+    </p:spTree>
+    <p:extLst>
+      <p:ext uri="{BB962C8B-B14F-4D97-AF65-F5344CB8AC3E}">
+        <p14:creationId xmlns:p14="http://schemas.microsoft.com/office/powerpoint/2010/main" val="1405850135"/>
+      </p:ext>
+    </p:extLst>
+  </p:cSld>
+  <p:clrMapOvr>
+    <a:masterClrMapping/>
+  </p:clrMapOvr>
+  <mc:AlternateContent xmlns:mc="http://schemas.openxmlformats.org/markup-compatibility/2006" xmlns:p14="http://schemas.microsoft.com/office/powerpoint/2010/main">
+    <mc:Choice Requires="p14">
+      <p:transition spd="med" p14:dur="700">
+        <p:fade/>
+      </p:transition>
+    </mc:Choice>
+    <mc:Fallback xmlns="">
+      <p:transition spd="med">
+        <p:fade/>
+      </p:transition>
+    </mc:Fallback>
+  </mc:AlternateContent>
+</p:sld>
+</file>
+
+<file path=ppt/slides/slide16.xml><?xml version="1.0" encoding="utf-8"?>
+<p:sld xmlns:a="http://schemas.openxmlformats.org/drawingml/2006/main" xmlns:r="http://schemas.openxmlformats.org/officeDocument/2006/relationships" xmlns:p="http://schemas.openxmlformats.org/presentationml/2006/main">
+  <p:cSld>
+    <p:spTree>
+      <p:nvGrpSpPr>
+        <p:cNvPr id="1" name=""/>
+        <p:cNvGrpSpPr/>
+        <p:nvPr/>
+      </p:nvGrpSpPr>
+      <p:grpSpPr>
+        <a:xfrm>
+          <a:off x="0" y="0"/>
+          <a:ext cx="0" cy="0"/>
+          <a:chOff x="0" y="0"/>
+          <a:chExt cx="0" cy="0"/>
+        </a:xfrm>
+      </p:grpSpPr>
+      <p:sp>
+        <p:nvSpPr>
+          <p:cNvPr id="2" name="標題 1"/>
+          <p:cNvSpPr>
+            <a:spLocks noGrp="1"/>
+          </p:cNvSpPr>
+          <p:nvPr>
+            <p:ph type="title"/>
+          </p:nvPr>
+        </p:nvSpPr>
+        <p:spPr/>
+        <p:txBody>
+          <a:bodyPr rtlCol="0"/>
+          <a:lstStyle/>
+          <a:p>
+            <a:pPr rtl="0"/>
+            <a:r>
+              <a:rPr lang="zh-TW" altLang="en-US" dirty="0" smtClean="0">
+                <a:sym typeface="Salesforce Sans"/>
+              </a:rPr>
+              <a:t>新增投影片標題 </a:t>
+            </a:r>
+            <a:r>
+              <a:rPr lang="en-US" altLang="zh-TW" dirty="0" smtClean="0">
+                <a:sym typeface="Salesforce Sans"/>
+              </a:rPr>
+              <a:t>- 4</a:t>
+            </a:r>
+            <a:endParaRPr lang="zh-TW" altLang="en-US" dirty="0">
+              <a:sym typeface="Salesforce Sans"/>
+            </a:endParaRPr>
+          </a:p>
+        </p:txBody>
+      </p:sp>
+      <p:sp>
+        <p:nvSpPr>
+          <p:cNvPr id="3" name="內容預留位置 2"/>
+          <p:cNvSpPr>
+            <a:spLocks noGrp="1"/>
+          </p:cNvSpPr>
+          <p:nvPr>
+            <p:ph idx="1"/>
+          </p:nvPr>
+        </p:nvSpPr>
+        <p:spPr/>
+        <p:txBody>
+          <a:bodyPr rtlCol="0"/>
+          <a:lstStyle/>
+          <a:p>
+            <a:pPr rtl="0"/>
+            <a:endParaRPr lang="zh-TW" altLang="en-US" dirty="0">
+              <a:sym typeface="Salesforce Sans"/>
+            </a:endParaRPr>
+          </a:p>
+        </p:txBody>
+      </p:sp>
+      <p:sp>
+        <p:nvSpPr>
+          <p:cNvPr id="4" name="文字預留位置 3"/>
+          <p:cNvSpPr>
+            <a:spLocks noGrp="1"/>
+          </p:cNvSpPr>
+          <p:nvPr>
+            <p:ph type="body" sz="half" idx="2"/>
+          </p:nvPr>
+        </p:nvSpPr>
+        <p:spPr/>
+        <p:txBody>
+          <a:bodyPr rtlCol="0"/>
+          <a:lstStyle/>
+          <a:p>
+            <a:pPr rtl="0"/>
+            <a:endParaRPr lang="zh-TW" altLang="en-US" dirty="0">
+              <a:sym typeface="Salesforce Sans"/>
+            </a:endParaRPr>
+          </a:p>
+        </p:txBody>
+      </p:sp>
+    </p:spTree>
+    <p:extLst>
+      <p:ext uri="{BB962C8B-B14F-4D97-AF65-F5344CB8AC3E}">
+        <p14:creationId xmlns:p14="http://schemas.microsoft.com/office/powerpoint/2010/main" val="2319046984"/>
+      </p:ext>
+    </p:extLst>
+  </p:cSld>
+  <p:clrMapOvr>
+    <a:masterClrMapping/>
+  </p:clrMapOvr>
+  <mc:AlternateContent xmlns:mc="http://schemas.openxmlformats.org/markup-compatibility/2006" xmlns:p14="http://schemas.microsoft.com/office/powerpoint/2010/main">
+    <mc:Choice Requires="p14">
+      <p:transition spd="med" p14:dur="700">
+        <p:fade/>
+      </p:transition>
+    </mc:Choice>
+    <mc:Fallback xmlns="">
+      <p:transition spd="med">
+        <p:fade/>
+      </p:transition>
+    </mc:Fallback>
+  </mc:AlternateContent>
+</p:sld>
+</file>
+
+<file path=ppt/slides/slide17.xml><?xml version="1.0" encoding="utf-8"?>
+<p:sld xmlns:a="http://schemas.openxmlformats.org/drawingml/2006/main" xmlns:r="http://schemas.openxmlformats.org/officeDocument/2006/relationships" xmlns:p="http://schemas.openxmlformats.org/presentationml/2006/main">
+  <p:cSld>
+    <p:spTree>
+      <p:nvGrpSpPr>
+        <p:cNvPr id="1" name=""/>
+        <p:cNvGrpSpPr/>
+        <p:nvPr/>
+      </p:nvGrpSpPr>
+      <p:grpSpPr>
+        <a:xfrm>
+          <a:off x="0" y="0"/>
+          <a:ext cx="0" cy="0"/>
+          <a:chOff x="0" y="0"/>
+          <a:chExt cx="0" cy="0"/>
+        </a:xfrm>
+      </p:grpSpPr>
+      <p:sp>
+        <p:nvSpPr>
+          <p:cNvPr id="3" name="標題 2"/>
+          <p:cNvSpPr>
+            <a:spLocks noGrp="1"/>
+          </p:cNvSpPr>
+          <p:nvPr>
+            <p:ph type="title"/>
+          </p:nvPr>
+        </p:nvSpPr>
+        <p:spPr/>
+        <p:txBody>
+          <a:bodyPr rtlCol="0"/>
+          <a:lstStyle/>
+          <a:p>
+            <a:pPr rtl="0"/>
+            <a:r>
+              <a:rPr lang="zh-TW" altLang="en-US" dirty="0" smtClean="0">
+                <a:sym typeface="Salesforce Sans"/>
+              </a:rPr>
+              <a:t>新增投影片標題 </a:t>
+            </a:r>
+            <a:r>
+              <a:rPr lang="en-US" altLang="zh-TW" dirty="0" smtClean="0">
+                <a:sym typeface="Salesforce Sans"/>
+              </a:rPr>
+              <a:t>- 5</a:t>
+            </a:r>
+            <a:endParaRPr lang="zh-TW" altLang="en-US" dirty="0">
+              <a:sym typeface="Salesforce Sans"/>
+            </a:endParaRPr>
+          </a:p>
+        </p:txBody>
+      </p:sp>
+      <p:sp>
+        <p:nvSpPr>
+          <p:cNvPr id="6" name="圖片預留位置 5" descr="要新增影像的空白預留位置。按一下預留位置，然後選取您想要新增的影像。"/>
+          <p:cNvSpPr>
+            <a:spLocks noGrp="1"/>
+          </p:cNvSpPr>
+          <p:nvPr>
+            <p:ph type="pic" idx="1"/>
+          </p:nvPr>
+        </p:nvSpPr>
+        <p:spPr/>
+      </p:sp>
+      <p:sp>
+        <p:nvSpPr>
+          <p:cNvPr id="5" name="文字預留位置 4"/>
+          <p:cNvSpPr>
+            <a:spLocks noGrp="1"/>
+          </p:cNvSpPr>
+          <p:nvPr>
+            <p:ph type="body" sz="half" idx="2"/>
+          </p:nvPr>
+        </p:nvSpPr>
+        <p:spPr/>
+        <p:txBody>
+          <a:bodyPr rtlCol="0"/>
+          <a:lstStyle/>
+          <a:p>
+            <a:pPr rtl="0"/>
+            <a:endParaRPr lang="zh-TW" altLang="en-US" dirty="0">
+              <a:sym typeface="Salesforce Sans"/>
+            </a:endParaRPr>
+          </a:p>
+        </p:txBody>
+      </p:sp>
+    </p:spTree>
+    <p:extLst>
+      <p:ext uri="{BB962C8B-B14F-4D97-AF65-F5344CB8AC3E}">
+        <p14:creationId xmlns:p14="http://schemas.microsoft.com/office/powerpoint/2010/main" val="3480339974"/>
+      </p:ext>
+    </p:extLst>
+  </p:cSld>
+  <p:clrMapOvr>
+    <a:masterClrMapping/>
+  </p:clrMapOvr>
+  <mc:AlternateContent xmlns:mc="http://schemas.openxmlformats.org/markup-compatibility/2006" xmlns:p14="http://schemas.microsoft.com/office/powerpoint/2010/main">
+    <mc:Choice Requires="p14">
+      <p:transition spd="med" p14:dur="700">
+        <p:fade/>
+      </p:transition>
+    </mc:Choice>
+    <mc:Fallback xmlns="">
+      <p:transition spd="med">
+        <p:fade/>
+      </p:transition>
+    </mc:Fallback>
+  </mc:AlternateContent>
+</p:sld>
+</file>
+
+<file path=ppt/slides/slide2.xml><?xml version="1.0" encoding="utf-8"?>
+<p:sld xmlns:a="http://schemas.openxmlformats.org/drawingml/2006/main" xmlns:r="http://schemas.openxmlformats.org/officeDocument/2006/relationships" xmlns:p="http://schemas.openxmlformats.org/presentationml/2006/main">
+  <p:cSld>
+    <p:spTree>
+      <p:nvGrpSpPr>
+        <p:cNvPr id="1" name=""/>
+        <p:cNvGrpSpPr/>
+        <p:nvPr/>
+      </p:nvGrpSpPr>
+      <p:grpSpPr>
+        <a:xfrm>
+          <a:off x="0" y="0"/>
+          <a:ext cx="0" cy="0"/>
+          <a:chOff x="0" y="0"/>
+          <a:chExt cx="0" cy="0"/>
+        </a:xfrm>
+      </p:grpSpPr>
+      <p:sp>
+        <p:nvSpPr>
+          <p:cNvPr id="2" name="標題 1"/>
+          <p:cNvSpPr>
+            <a:spLocks noGrp="1"/>
+          </p:cNvSpPr>
+          <p:nvPr>
+            <p:ph type="title"/>
+          </p:nvPr>
+        </p:nvSpPr>
+        <p:spPr>
+          <a:xfrm>
+            <a:off x="913557" y="32951"/>
+            <a:ext cx="10351066" cy="970450"/>
+          </a:xfrm>
+        </p:spPr>
+        <p:txBody>
+          <a:bodyPr>
+            <a:normAutofit/>
+          </a:bodyPr>
+          <a:lstStyle/>
+          <a:p>
+            <a:r>
+              <a:rPr lang="en-US" sz="4800" dirty="0" smtClean="0">
+                <a:latin typeface="微軟正黑體" panose="020B0604030504040204" pitchFamily="34" charset="-120"/>
+                <a:ea typeface="微軟正黑體" panose="020B0604030504040204" pitchFamily="34" charset="-120"/>
+              </a:rPr>
+              <a:t>Outline</a:t>
+            </a:r>
+            <a:endParaRPr lang="en-US" sz="4800" dirty="0">
+              <a:latin typeface="微軟正黑體" panose="020B0604030504040204" pitchFamily="34" charset="-120"/>
+              <a:ea typeface="微軟正黑體" panose="020B0604030504040204" pitchFamily="34" charset="-120"/>
+            </a:endParaRPr>
+          </a:p>
+        </p:txBody>
+      </p:sp>
+      <p:sp>
+        <p:nvSpPr>
+          <p:cNvPr id="3" name="內容版面配置區 2"/>
+          <p:cNvSpPr>
+            <a:spLocks noGrp="1"/>
+          </p:cNvSpPr>
+          <p:nvPr>
+            <p:ph idx="1"/>
+          </p:nvPr>
+        </p:nvSpPr>
+        <p:spPr>
+          <a:xfrm>
+            <a:off x="926385" y="1003401"/>
+            <a:ext cx="10351066" cy="5854599"/>
+          </a:xfrm>
+        </p:spPr>
+        <p:txBody>
+          <a:bodyPr>
+            <a:normAutofit/>
+          </a:bodyPr>
+          <a:lstStyle/>
+          <a:p>
+            <a:r>
+              <a:rPr lang="en-US" sz="2800" dirty="0" smtClean="0">
+                <a:latin typeface="微軟正黑體" panose="020B0604030504040204" pitchFamily="34" charset="-120"/>
+                <a:ea typeface="微軟正黑體" panose="020B0604030504040204" pitchFamily="34" charset="-120"/>
+              </a:rPr>
+              <a:t>Gaussian Blur explained.</a:t>
+            </a:r>
+          </a:p>
+          <a:p>
+            <a:r>
+              <a:rPr lang="en-US" sz="2800" dirty="0" smtClean="0">
+                <a:latin typeface="微軟正黑體" panose="020B0604030504040204" pitchFamily="34" charset="-120"/>
+                <a:ea typeface="微軟正黑體" panose="020B0604030504040204" pitchFamily="34" charset="-120"/>
+              </a:rPr>
+              <a:t>Motivation.</a:t>
+            </a:r>
+          </a:p>
+          <a:p>
+            <a:r>
+              <a:rPr lang="en-US" sz="2800" dirty="0" smtClean="0">
+                <a:latin typeface="微軟正黑體" panose="020B0604030504040204" pitchFamily="34" charset="-120"/>
+                <a:ea typeface="微軟正黑體" panose="020B0604030504040204" pitchFamily="34" charset="-120"/>
+              </a:rPr>
+              <a:t>Hardware for this project</a:t>
+            </a:r>
+          </a:p>
+          <a:p>
+            <a:r>
+              <a:rPr lang="en-US" sz="2800" dirty="0" smtClean="0">
+                <a:latin typeface="微軟正黑體" panose="020B0604030504040204" pitchFamily="34" charset="-120"/>
+                <a:ea typeface="微軟正黑體" panose="020B0604030504040204" pitchFamily="34" charset="-120"/>
+              </a:rPr>
+              <a:t>Parallelization platform animation.</a:t>
+            </a:r>
+          </a:p>
+          <a:p>
+            <a:r>
+              <a:rPr lang="en-US" sz="2800" dirty="0" smtClean="0">
+                <a:latin typeface="微軟正黑體" panose="020B0604030504040204" pitchFamily="34" charset="-120"/>
+                <a:ea typeface="微軟正黑體" panose="020B0604030504040204" pitchFamily="34" charset="-120"/>
+              </a:rPr>
+              <a:t>Different platforms explained and respective discoveries .</a:t>
+            </a:r>
+          </a:p>
+          <a:p>
+            <a:pPr lvl="1"/>
+            <a:r>
+              <a:rPr lang="en-US" sz="2400" dirty="0" smtClean="0">
+                <a:latin typeface="微軟正黑體" panose="020B0604030504040204" pitchFamily="34" charset="-120"/>
+                <a:ea typeface="微軟正黑體" panose="020B0604030504040204" pitchFamily="34" charset="-120"/>
+              </a:rPr>
+              <a:t>CUDA</a:t>
+            </a:r>
+          </a:p>
+          <a:p>
+            <a:pPr lvl="1"/>
+            <a:r>
+              <a:rPr lang="en-US" sz="2400" dirty="0" smtClean="0">
+                <a:latin typeface="微軟正黑體" panose="020B0604030504040204" pitchFamily="34" charset="-120"/>
+                <a:ea typeface="微軟正黑體" panose="020B0604030504040204" pitchFamily="34" charset="-120"/>
+              </a:rPr>
+              <a:t>OpenCL</a:t>
+            </a:r>
+          </a:p>
+          <a:p>
+            <a:pPr lvl="1"/>
+            <a:r>
+              <a:rPr lang="en-US" sz="2400" dirty="0" err="1" smtClean="0">
+                <a:latin typeface="微軟正黑體" panose="020B0604030504040204" pitchFamily="34" charset="-120"/>
+                <a:ea typeface="微軟正黑體" panose="020B0604030504040204" pitchFamily="34" charset="-120"/>
+              </a:rPr>
+              <a:t>OpenMP</a:t>
+            </a:r>
+            <a:endParaRPr lang="en-US" sz="2400" dirty="0" smtClean="0">
+              <a:latin typeface="微軟正黑體" panose="020B0604030504040204" pitchFamily="34" charset="-120"/>
+              <a:ea typeface="微軟正黑體" panose="020B0604030504040204" pitchFamily="34" charset="-120"/>
+            </a:endParaRPr>
+          </a:p>
+          <a:p>
+            <a:r>
+              <a:rPr lang="en-US" sz="2800" dirty="0" smtClean="0">
+                <a:latin typeface="微軟正黑體" panose="020B0604030504040204" pitchFamily="34" charset="-120"/>
+                <a:ea typeface="微軟正黑體" panose="020B0604030504040204" pitchFamily="34" charset="-120"/>
+              </a:rPr>
+              <a:t>Demo video.</a:t>
+            </a:r>
+          </a:p>
+          <a:p>
+            <a:r>
+              <a:rPr lang="en-US" sz="2800" dirty="0" smtClean="0">
+                <a:latin typeface="微軟正黑體" panose="020B0604030504040204" pitchFamily="34" charset="-120"/>
+                <a:ea typeface="微軟正黑體" panose="020B0604030504040204" pitchFamily="34" charset="-120"/>
+              </a:rPr>
+              <a:t>Q&amp;A </a:t>
+            </a:r>
+          </a:p>
+          <a:p>
+            <a:endParaRPr lang="en-US" sz="2400" dirty="0" smtClean="0">
+              <a:latin typeface="微軟正黑體" panose="020B0604030504040204" pitchFamily="34" charset="-120"/>
+              <a:ea typeface="微軟正黑體" panose="020B0604030504040204" pitchFamily="34" charset="-120"/>
+            </a:endParaRPr>
+          </a:p>
+          <a:p>
+            <a:endParaRPr lang="en-US" sz="2400" dirty="0" smtClean="0">
+              <a:latin typeface="微軟正黑體" panose="020B0604030504040204" pitchFamily="34" charset="-120"/>
+              <a:ea typeface="微軟正黑體" panose="020B0604030504040204" pitchFamily="34" charset="-120"/>
+            </a:endParaRPr>
+          </a:p>
+          <a:p>
+            <a:endParaRPr lang="en-US" sz="2400" dirty="0">
+              <a:latin typeface="微軟正黑體" panose="020B0604030504040204" pitchFamily="34" charset="-120"/>
+              <a:ea typeface="微軟正黑體" panose="020B0604030504040204" pitchFamily="34" charset="-120"/>
+            </a:endParaRPr>
+          </a:p>
+        </p:txBody>
+      </p:sp>
+    </p:spTree>
+    <p:extLst>
+      <p:ext uri="{BB962C8B-B14F-4D97-AF65-F5344CB8AC3E}">
+        <p14:creationId xmlns:p14="http://schemas.microsoft.com/office/powerpoint/2010/main" val="2695480174"/>
+      </p:ext>
+    </p:extLst>
+  </p:cSld>
+  <p:clrMapOvr>
+    <a:masterClrMapping/>
+  </p:clrMapOvr>
+</p:sld>
+</file>
+
+<file path=ppt/slides/slide3.xml><?xml version="1.0" encoding="utf-8"?>
+<p:sld xmlns:a="http://schemas.openxmlformats.org/drawingml/2006/main" xmlns:r="http://schemas.openxmlformats.org/officeDocument/2006/relationships" xmlns:p="http://schemas.openxmlformats.org/presentationml/2006/main">
+  <p:cSld>
+    <p:spTree>
+      <p:nvGrpSpPr>
+        <p:cNvPr id="1" name=""/>
+        <p:cNvGrpSpPr/>
+        <p:nvPr/>
+      </p:nvGrpSpPr>
+      <p:grpSpPr>
+        <a:xfrm>
+          <a:off x="0" y="0"/>
+          <a:ext cx="0" cy="0"/>
+          <a:chOff x="0" y="0"/>
+          <a:chExt cx="0" cy="0"/>
+        </a:xfrm>
+      </p:grpSpPr>
+      <p:sp>
+        <p:nvSpPr>
+          <p:cNvPr id="13" name="標題 12"/>
+          <p:cNvSpPr>
+            <a:spLocks noGrp="1"/>
+          </p:cNvSpPr>
+          <p:nvPr>
+            <p:ph type="title"/>
+          </p:nvPr>
+        </p:nvSpPr>
+        <p:spPr>
+          <a:xfrm>
+            <a:off x="4590" y="0"/>
+            <a:ext cx="12153343" cy="970450"/>
+          </a:xfrm>
+        </p:spPr>
+        <p:txBody>
+          <a:bodyPr rtlCol="0">
+            <a:noAutofit/>
+          </a:bodyPr>
+          <a:lstStyle/>
+          <a:p>
+            <a:pPr rtl="0"/>
+            <a:r>
+              <a:rPr lang="en-US" altLang="zh-TW" sz="4800" dirty="0" smtClean="0">
+                <a:latin typeface="微軟正黑體" panose="020B0604030504040204" pitchFamily="34" charset="-120"/>
+                <a:ea typeface="微軟正黑體" panose="020B0604030504040204" pitchFamily="34" charset="-120"/>
+                <a:sym typeface="Salesforce Sans"/>
+              </a:rPr>
+              <a:t>What is Gaussian Blur and why need?</a:t>
+            </a:r>
+            <a:endParaRPr lang="zh-TW" altLang="en-US" sz="4800" dirty="0">
+              <a:latin typeface="微軟正黑體" panose="020B0604030504040204" pitchFamily="34" charset="-120"/>
+              <a:ea typeface="微軟正黑體" panose="020B0604030504040204" pitchFamily="34" charset="-120"/>
+              <a:sym typeface="Salesforce Sans"/>
+            </a:endParaRPr>
+          </a:p>
+        </p:txBody>
+      </p:sp>
+      <p:sp>
+        <p:nvSpPr>
+          <p:cNvPr id="2" name="內容版面配置區 1"/>
+          <p:cNvSpPr>
+            <a:spLocks noGrp="1"/>
+          </p:cNvSpPr>
+          <p:nvPr>
+            <p:ph idx="1"/>
+          </p:nvPr>
+        </p:nvSpPr>
+        <p:spPr>
+          <a:xfrm>
+            <a:off x="20036" y="970450"/>
+            <a:ext cx="5754130" cy="5638800"/>
+          </a:xfrm>
+        </p:spPr>
+        <p:txBody>
+          <a:bodyPr/>
+          <a:lstStyle/>
+          <a:p>
+            <a:r>
+              <a:rPr lang="en-US" sz="2400" dirty="0" smtClean="0">
+                <a:latin typeface="微軟正黑體" panose="020B0604030504040204" pitchFamily="34" charset="-120"/>
+                <a:ea typeface="微軟正黑體" panose="020B0604030504040204" pitchFamily="34" charset="-120"/>
+              </a:rPr>
+              <a:t>An image processing algorithm using convolution to </a:t>
+            </a:r>
+            <a:r>
+              <a:rPr lang="en-US" sz="2400" b="1" u="sng" dirty="0" smtClean="0">
+                <a:latin typeface="微軟正黑體" panose="020B0604030504040204" pitchFamily="34" charset="-120"/>
+                <a:ea typeface="微軟正黑體" panose="020B0604030504040204" pitchFamily="34" charset="-120"/>
+              </a:rPr>
+              <a:t>smooth images.</a:t>
+            </a:r>
+          </a:p>
+          <a:p>
+            <a:r>
+              <a:rPr lang="en-US" sz="2400" dirty="0" smtClean="0">
+                <a:latin typeface="微軟正黑體" panose="020B0604030504040204" pitchFamily="34" charset="-120"/>
+                <a:ea typeface="微軟正黑體" panose="020B0604030504040204" pitchFamily="34" charset="-120"/>
+              </a:rPr>
+              <a:t>Result images varies with filter size and standard deviation of Gaussian Kernel. </a:t>
+            </a:r>
+          </a:p>
+          <a:p>
+            <a:r>
+              <a:rPr lang="en-US" sz="2400" dirty="0" smtClean="0">
+                <a:latin typeface="微軟正黑體" panose="020B0604030504040204" pitchFamily="34" charset="-120"/>
+                <a:ea typeface="微軟正黑體" panose="020B0604030504040204" pitchFamily="34" charset="-120"/>
+              </a:rPr>
+              <a:t>Such algorithm can be used for noise reduction of the image.</a:t>
+            </a:r>
+          </a:p>
+          <a:p>
+            <a:r>
+              <a:rPr lang="en-US" sz="2400" dirty="0" smtClean="0">
+                <a:latin typeface="微軟正黑體" panose="020B0604030504040204" pitchFamily="34" charset="-120"/>
+                <a:ea typeface="微軟正黑體" panose="020B0604030504040204" pitchFamily="34" charset="-120"/>
+              </a:rPr>
+              <a:t>Time complexity is </a:t>
+            </a:r>
+            <a:r>
+              <a:rPr lang="en-US" sz="2400" b="1" dirty="0" smtClean="0">
+                <a:latin typeface="微軟正黑體" panose="020B0604030504040204" pitchFamily="34" charset="-120"/>
+                <a:ea typeface="微軟正黑體" panose="020B0604030504040204" pitchFamily="34" charset="-120"/>
+              </a:rPr>
+              <a:t>O(</a:t>
+            </a:r>
+            <a:r>
+              <a:rPr lang="en-US" sz="2400" b="1" dirty="0" err="1" smtClean="0">
+                <a:latin typeface="微軟正黑體" panose="020B0604030504040204" pitchFamily="34" charset="-120"/>
+                <a:ea typeface="微軟正黑體" panose="020B0604030504040204" pitchFamily="34" charset="-120"/>
+              </a:rPr>
+              <a:t>img_width</a:t>
+            </a:r>
+            <a:r>
+              <a:rPr lang="en-US" sz="2400" b="1" dirty="0" smtClean="0">
+                <a:latin typeface="微軟正黑體" panose="020B0604030504040204" pitchFamily="34" charset="-120"/>
+                <a:ea typeface="微軟正黑體" panose="020B0604030504040204" pitchFamily="34" charset="-120"/>
+              </a:rPr>
+              <a:t> x </a:t>
+            </a:r>
+            <a:r>
+              <a:rPr lang="en-US" sz="2400" b="1" dirty="0" err="1" smtClean="0">
+                <a:latin typeface="微軟正黑體" panose="020B0604030504040204" pitchFamily="34" charset="-120"/>
+                <a:ea typeface="微軟正黑體" panose="020B0604030504040204" pitchFamily="34" charset="-120"/>
+              </a:rPr>
+              <a:t>img_height</a:t>
+            </a:r>
+            <a:r>
+              <a:rPr lang="en-US" sz="2400" b="1" dirty="0" smtClean="0">
+                <a:latin typeface="微軟正黑體" panose="020B0604030504040204" pitchFamily="34" charset="-120"/>
+                <a:ea typeface="微軟正黑體" panose="020B0604030504040204" pitchFamily="34" charset="-120"/>
+              </a:rPr>
+              <a:t> x filter_size^2)</a:t>
+            </a:r>
+          </a:p>
+          <a:p>
+            <a:endParaRPr lang="en-US" dirty="0">
+              <a:latin typeface="微軟正黑體" panose="020B0604030504040204" pitchFamily="34" charset="-120"/>
+              <a:ea typeface="微軟正黑體" panose="020B0604030504040204" pitchFamily="34" charset="-120"/>
+            </a:endParaRPr>
+          </a:p>
+        </p:txBody>
+      </p:sp>
+      <p:pic>
+        <p:nvPicPr>
+          <p:cNvPr id="3" name="圖片 2"/>
+          <p:cNvPicPr>
+            <a:picLocks noChangeAspect="1"/>
+          </p:cNvPicPr>
+          <p:nvPr/>
+        </p:nvPicPr>
+        <p:blipFill>
+          <a:blip r:embed="rId3">
+            <a:extLst>
+              <a:ext uri="{28A0092B-C50C-407E-A947-70E740481C1C}">
+                <a14:useLocalDpi xmlns:a14="http://schemas.microsoft.com/office/drawing/2010/main" val="0"/>
+              </a:ext>
+            </a:extLst>
+          </a:blip>
+          <a:stretch>
+            <a:fillRect/>
+          </a:stretch>
+        </p:blipFill>
+        <p:spPr>
+          <a:xfrm>
+            <a:off x="5789612" y="976628"/>
+            <a:ext cx="3481267" cy="2610950"/>
+          </a:xfrm>
+          <a:prstGeom prst="rect">
+            <a:avLst/>
+          </a:prstGeom>
+        </p:spPr>
+      </p:pic>
+      <p:pic>
+        <p:nvPicPr>
+          <p:cNvPr id="4" name="圖片 3"/>
+          <p:cNvPicPr>
+            <a:picLocks noChangeAspect="1"/>
+          </p:cNvPicPr>
+          <p:nvPr/>
+        </p:nvPicPr>
+        <p:blipFill>
+          <a:blip r:embed="rId4">
+            <a:extLst>
+              <a:ext uri="{28A0092B-C50C-407E-A947-70E740481C1C}">
+                <a14:useLocalDpi xmlns:a14="http://schemas.microsoft.com/office/drawing/2010/main" val="0"/>
+              </a:ext>
+            </a:extLst>
+          </a:blip>
+          <a:stretch>
+            <a:fillRect/>
+          </a:stretch>
+        </p:blipFill>
+        <p:spPr>
+          <a:xfrm>
+            <a:off x="5789612" y="3905987"/>
+            <a:ext cx="3481267" cy="2610950"/>
+          </a:xfrm>
+          <a:prstGeom prst="rect">
+            <a:avLst/>
+          </a:prstGeom>
+        </p:spPr>
+      </p:pic>
+      <p:sp>
+        <p:nvSpPr>
+          <p:cNvPr id="5" name="文字方塊 4"/>
+          <p:cNvSpPr txBox="1"/>
+          <p:nvPr/>
+        </p:nvSpPr>
+        <p:spPr>
+          <a:xfrm>
+            <a:off x="9371012" y="3263653"/>
+            <a:ext cx="2939321" cy="1200329"/>
+          </a:xfrm>
+          <a:prstGeom prst="rect">
+            <a:avLst/>
+          </a:prstGeom>
+          <a:noFill/>
+        </p:spPr>
+        <p:txBody>
+          <a:bodyPr wrap="square" rtlCol="0">
+            <a:spAutoFit/>
+          </a:bodyPr>
+          <a:lstStyle/>
+          <a:p>
+            <a:r>
+              <a:rPr lang="en-US" dirty="0" smtClean="0">
+                <a:latin typeface="微軟正黑體" panose="020B0604030504040204" pitchFamily="34" charset="-120"/>
+                <a:ea typeface="微軟正黑體" panose="020B0604030504040204" pitchFamily="34" charset="-120"/>
+              </a:rPr>
+              <a:t>640 x 480 </a:t>
+            </a:r>
+          </a:p>
+          <a:p>
+            <a:r>
+              <a:rPr lang="en-US" dirty="0" smtClean="0">
+                <a:latin typeface="微軟正黑體" panose="020B0604030504040204" pitchFamily="34" charset="-120"/>
+                <a:ea typeface="微軟正黑體" panose="020B0604030504040204" pitchFamily="34" charset="-120"/>
+              </a:rPr>
+              <a:t>filter size 101 x 101</a:t>
+            </a:r>
+          </a:p>
+          <a:p>
+            <a:r>
+              <a:rPr lang="en-US" dirty="0" err="1">
+                <a:latin typeface="微軟正黑體" panose="020B0604030504040204" pitchFamily="34" charset="-120"/>
+                <a:ea typeface="微軟正黑體" panose="020B0604030504040204" pitchFamily="34" charset="-120"/>
+              </a:rPr>
+              <a:t>s</a:t>
+            </a:r>
+            <a:r>
+              <a:rPr lang="en-US" dirty="0" err="1" smtClean="0">
+                <a:latin typeface="微軟正黑體" panose="020B0604030504040204" pitchFamily="34" charset="-120"/>
+                <a:ea typeface="微軟正黑體" panose="020B0604030504040204" pitchFamily="34" charset="-120"/>
+              </a:rPr>
+              <a:t>tddev</a:t>
+            </a:r>
+            <a:r>
+              <a:rPr lang="en-US" dirty="0" smtClean="0">
+                <a:latin typeface="微軟正黑體" panose="020B0604030504040204" pitchFamily="34" charset="-120"/>
+                <a:ea typeface="微軟正黑體" panose="020B0604030504040204" pitchFamily="34" charset="-120"/>
+              </a:rPr>
+              <a:t>  10</a:t>
+            </a:r>
+            <a:endParaRPr lang="en-US" dirty="0">
+              <a:latin typeface="微軟正黑體" panose="020B0604030504040204" pitchFamily="34" charset="-120"/>
+              <a:ea typeface="微軟正黑體" panose="020B0604030504040204" pitchFamily="34" charset="-120"/>
+            </a:endParaRPr>
+          </a:p>
+        </p:txBody>
+      </p:sp>
+    </p:spTree>
+    <p:extLst>
+      <p:ext uri="{BB962C8B-B14F-4D97-AF65-F5344CB8AC3E}">
+        <p14:creationId xmlns:p14="http://schemas.microsoft.com/office/powerpoint/2010/main" val="3529114326"/>
+      </p:ext>
+    </p:extLst>
+  </p:cSld>
+  <p:clrMapOvr>
+    <a:masterClrMapping/>
+  </p:clrMapOvr>
+  <mc:AlternateContent xmlns:mc="http://schemas.openxmlformats.org/markup-compatibility/2006" xmlns:p14="http://schemas.microsoft.com/office/powerpoint/2010/main">
+    <mc:Choice Requires="p14">
+      <p:transition spd="med" p14:dur="700">
+        <p:fade/>
+      </p:transition>
+    </mc:Choice>
+    <mc:Fallback xmlns="">
+      <p:transition spd="med">
+        <p:fade/>
+      </p:transition>
+    </mc:Fallback>
+  </mc:AlternateContent>
+  <p:timing>
+    <p:tnLst>
+      <p:par>
+        <p:cTn id="1" dur="indefinite" restart="never" nodeType="tmRoot"/>
+      </p:par>
+    </p:tnLst>
+  </p:timing>
+</p:sld>
+</file>
+
+<file path=ppt/slides/slide4.xml><?xml version="1.0" encoding="utf-8"?>
+<p:sld xmlns:a="http://schemas.openxmlformats.org/drawingml/2006/main" xmlns:r="http://schemas.openxmlformats.org/officeDocument/2006/relationships" xmlns:p="http://schemas.openxmlformats.org/presentationml/2006/main">
+  <p:cSld>
+    <p:spTree>
+      <p:nvGrpSpPr>
+        <p:cNvPr id="1" name=""/>
+        <p:cNvGrpSpPr/>
+        <p:nvPr/>
+      </p:nvGrpSpPr>
+      <p:grpSpPr>
+        <a:xfrm>
+          <a:off x="0" y="0"/>
+          <a:ext cx="0" cy="0"/>
+          <a:chOff x="0" y="0"/>
+          <a:chExt cx="0" cy="0"/>
+        </a:xfrm>
+      </p:grpSpPr>
+      <p:sp>
+        <p:nvSpPr>
+          <p:cNvPr id="2" name="標題 1"/>
+          <p:cNvSpPr>
+            <a:spLocks noGrp="1"/>
+          </p:cNvSpPr>
+          <p:nvPr>
+            <p:ph type="title"/>
+          </p:nvPr>
+        </p:nvSpPr>
+        <p:spPr>
+          <a:xfrm>
+            <a:off x="918147" y="4119"/>
+            <a:ext cx="10351066" cy="970450"/>
+          </a:xfrm>
+        </p:spPr>
+        <p:txBody>
+          <a:bodyPr>
+            <a:normAutofit/>
+          </a:bodyPr>
+          <a:lstStyle/>
+          <a:p>
+            <a:r>
+              <a:rPr lang="en-US" sz="4800" dirty="0" smtClean="0">
+                <a:latin typeface="微軟正黑體" panose="020B0604030504040204" pitchFamily="34" charset="-120"/>
+                <a:ea typeface="微軟正黑體" panose="020B0604030504040204" pitchFamily="34" charset="-120"/>
+              </a:rPr>
+              <a:t>Motivation of this project</a:t>
+            </a:r>
+            <a:endParaRPr lang="en-US" sz="4800" dirty="0">
+              <a:latin typeface="微軟正黑體" panose="020B0604030504040204" pitchFamily="34" charset="-120"/>
+              <a:ea typeface="微軟正黑體" panose="020B0604030504040204" pitchFamily="34" charset="-120"/>
+            </a:endParaRPr>
+          </a:p>
+        </p:txBody>
+      </p:sp>
+      <p:sp>
+        <p:nvSpPr>
+          <p:cNvPr id="3" name="內容版面配置區 2"/>
+          <p:cNvSpPr>
+            <a:spLocks noGrp="1"/>
+          </p:cNvSpPr>
+          <p:nvPr>
+            <p:ph idx="1"/>
+          </p:nvPr>
+        </p:nvSpPr>
+        <p:spPr>
+          <a:xfrm>
+            <a:off x="0" y="937499"/>
+            <a:ext cx="5713412" cy="5844301"/>
+          </a:xfrm>
+        </p:spPr>
+        <p:txBody>
+          <a:bodyPr>
+            <a:normAutofit/>
+          </a:bodyPr>
+          <a:lstStyle/>
+          <a:p>
+            <a:r>
+              <a:rPr lang="en-US" sz="2400" dirty="0" smtClean="0">
+                <a:latin typeface="微軟正黑體" panose="020B0604030504040204" pitchFamily="34" charset="-120"/>
+                <a:ea typeface="微軟正黑體" panose="020B0604030504040204" pitchFamily="34" charset="-120"/>
+              </a:rPr>
+              <a:t>Widely used algorithm in lots of software like </a:t>
+            </a:r>
+            <a:r>
+              <a:rPr lang="en-US" sz="2400" dirty="0" err="1" smtClean="0">
+                <a:latin typeface="微軟正黑體" panose="020B0604030504040204" pitchFamily="34" charset="-120"/>
+                <a:ea typeface="微軟正黑體" panose="020B0604030504040204" pitchFamily="34" charset="-120"/>
+              </a:rPr>
+              <a:t>PhotoShop</a:t>
+            </a:r>
+            <a:r>
+              <a:rPr lang="en-US" sz="2400" dirty="0" smtClean="0">
+                <a:latin typeface="微軟正黑體" panose="020B0604030504040204" pitchFamily="34" charset="-120"/>
+                <a:ea typeface="微軟正黑體" panose="020B0604030504040204" pitchFamily="34" charset="-120"/>
+              </a:rPr>
+              <a:t>, GIMP.</a:t>
+            </a:r>
+          </a:p>
+          <a:p>
+            <a:r>
+              <a:rPr lang="en-US" sz="2400" dirty="0" smtClean="0">
+                <a:latin typeface="微軟正黑體" panose="020B0604030504040204" pitchFamily="34" charset="-120"/>
+                <a:ea typeface="微軟正黑體" panose="020B0604030504040204" pitchFamily="34" charset="-120"/>
+              </a:rPr>
+              <a:t>Due to convolution, the compute complexity is </a:t>
+            </a:r>
+            <a:r>
+              <a:rPr lang="en-US" sz="2400" b="1" u="sng" dirty="0" smtClean="0">
+                <a:latin typeface="微軟正黑體" panose="020B0604030504040204" pitchFamily="34" charset="-120"/>
+                <a:ea typeface="微軟正黑體" panose="020B0604030504040204" pitchFamily="34" charset="-120"/>
+              </a:rPr>
+              <a:t>extremely high.</a:t>
+            </a:r>
+          </a:p>
+          <a:p>
+            <a:r>
+              <a:rPr lang="en-US" sz="2400" dirty="0" smtClean="0">
+                <a:latin typeface="微軟正黑體" panose="020B0604030504040204" pitchFamily="34" charset="-120"/>
+                <a:ea typeface="微軟正黑體" panose="020B0604030504040204" pitchFamily="34" charset="-120"/>
+              </a:rPr>
+              <a:t>Beside the well-known </a:t>
+            </a:r>
+            <a:r>
+              <a:rPr lang="en-US" sz="2400" dirty="0" smtClean="0">
+                <a:solidFill>
+                  <a:srgbClr val="00B0F0"/>
+                </a:solidFill>
+                <a:latin typeface="微軟正黑體" panose="020B0604030504040204" pitchFamily="34" charset="-120"/>
+                <a:ea typeface="微軟正黑體" panose="020B0604030504040204" pitchFamily="34" charset="-120"/>
+              </a:rPr>
+              <a:t>POSIX thread</a:t>
+            </a:r>
+            <a:r>
+              <a:rPr lang="en-US" sz="2400" dirty="0" smtClean="0">
+                <a:latin typeface="微軟正黑體" panose="020B0604030504040204" pitchFamily="34" charset="-120"/>
+                <a:ea typeface="微軟正黑體" panose="020B0604030504040204" pitchFamily="34" charset="-120"/>
+              </a:rPr>
+              <a:t> ,with an eye to try parallel on </a:t>
+            </a:r>
+            <a:r>
+              <a:rPr lang="en-US" sz="2400" dirty="0" err="1" smtClean="0">
+                <a:solidFill>
+                  <a:srgbClr val="00B0F0"/>
+                </a:solidFill>
+                <a:latin typeface="微軟正黑體" panose="020B0604030504040204" pitchFamily="34" charset="-120"/>
+                <a:ea typeface="微軟正黑體" panose="020B0604030504040204" pitchFamily="34" charset="-120"/>
+              </a:rPr>
+              <a:t>OpenMP</a:t>
+            </a:r>
+            <a:r>
+              <a:rPr lang="en-US" sz="2400" dirty="0" smtClean="0">
+                <a:latin typeface="微軟正黑體" panose="020B0604030504040204" pitchFamily="34" charset="-120"/>
+                <a:ea typeface="微軟正黑體" panose="020B0604030504040204" pitchFamily="34" charset="-120"/>
+              </a:rPr>
+              <a:t> where both computes with </a:t>
+            </a:r>
+            <a:r>
+              <a:rPr lang="en-US" sz="2400" dirty="0" smtClean="0">
+                <a:solidFill>
+                  <a:srgbClr val="00B0F0"/>
+                </a:solidFill>
+                <a:latin typeface="微軟正黑體" panose="020B0604030504040204" pitchFamily="34" charset="-120"/>
+                <a:ea typeface="微軟正黑體" panose="020B0604030504040204" pitchFamily="34" charset="-120"/>
+              </a:rPr>
+              <a:t>CPU</a:t>
+            </a:r>
+            <a:r>
+              <a:rPr lang="en-US" sz="2400" dirty="0" smtClean="0">
+                <a:latin typeface="微軟正黑體" panose="020B0604030504040204" pitchFamily="34" charset="-120"/>
+                <a:ea typeface="微軟正黑體" panose="020B0604030504040204" pitchFamily="34" charset="-120"/>
+              </a:rPr>
+              <a:t>.</a:t>
+            </a:r>
+          </a:p>
+          <a:p>
+            <a:r>
+              <a:rPr lang="en-US" sz="2400" b="1" u="sng" dirty="0" smtClean="0">
+                <a:solidFill>
+                  <a:srgbClr val="FF0000"/>
+                </a:solidFill>
+                <a:effectLst/>
+                <a:latin typeface="微軟正黑體" panose="020B0604030504040204" pitchFamily="34" charset="-120"/>
+                <a:ea typeface="微軟正黑體" panose="020B0604030504040204" pitchFamily="34" charset="-120"/>
+              </a:rPr>
+              <a:t>Heterogeneous computation: </a:t>
+            </a:r>
+            <a:r>
+              <a:rPr lang="en-US" sz="2400" dirty="0" smtClean="0">
+                <a:solidFill>
+                  <a:schemeClr val="tx1"/>
+                </a:solidFill>
+                <a:effectLst/>
+                <a:latin typeface="微軟正黑體" panose="020B0604030504040204" pitchFamily="34" charset="-120"/>
+                <a:ea typeface="微軟正黑體" panose="020B0604030504040204" pitchFamily="34" charset="-120"/>
+              </a:rPr>
+              <a:t>Use </a:t>
+            </a:r>
+            <a:r>
+              <a:rPr lang="en-US" sz="2400" dirty="0" smtClean="0">
+                <a:solidFill>
+                  <a:srgbClr val="FF0000"/>
+                </a:solidFill>
+                <a:effectLst/>
+                <a:latin typeface="微軟正黑體" panose="020B0604030504040204" pitchFamily="34" charset="-120"/>
+                <a:ea typeface="微軟正黑體" panose="020B0604030504040204" pitchFamily="34" charset="-120"/>
+              </a:rPr>
+              <a:t>more than one kind </a:t>
+            </a:r>
+            <a:r>
+              <a:rPr lang="en-US" sz="2400" dirty="0" smtClean="0">
+                <a:solidFill>
+                  <a:schemeClr val="tx1"/>
+                </a:solidFill>
+                <a:effectLst/>
+                <a:latin typeface="微軟正黑體" panose="020B0604030504040204" pitchFamily="34" charset="-120"/>
+                <a:ea typeface="微軟正黑體" panose="020B0604030504040204" pitchFamily="34" charset="-120"/>
+              </a:rPr>
+              <a:t>of processors, </a:t>
+            </a:r>
+            <a:r>
+              <a:rPr lang="en-US" sz="2400" dirty="0" smtClean="0">
+                <a:solidFill>
+                  <a:srgbClr val="FF0000"/>
+                </a:solidFill>
+                <a:effectLst/>
+                <a:latin typeface="微軟正黑體" panose="020B0604030504040204" pitchFamily="34" charset="-120"/>
+                <a:ea typeface="微軟正黑體" panose="020B0604030504040204" pitchFamily="34" charset="-120"/>
+              </a:rPr>
+              <a:t>co-processing</a:t>
+            </a:r>
+            <a:r>
+              <a:rPr lang="en-US" sz="2400" dirty="0" smtClean="0">
+                <a:solidFill>
+                  <a:schemeClr val="tx1"/>
+                </a:solidFill>
+                <a:effectLst/>
+                <a:latin typeface="微軟正黑體" panose="020B0604030504040204" pitchFamily="34" charset="-120"/>
+                <a:ea typeface="微軟正黑體" panose="020B0604030504040204" pitchFamily="34" charset="-120"/>
+              </a:rPr>
+              <a:t> to gain </a:t>
+            </a:r>
+            <a:r>
+              <a:rPr lang="en-US" sz="2400" dirty="0" smtClean="0">
+                <a:solidFill>
+                  <a:srgbClr val="FF0000"/>
+                </a:solidFill>
+                <a:effectLst/>
+                <a:latin typeface="微軟正黑體" panose="020B0604030504040204" pitchFamily="34" charset="-120"/>
+                <a:ea typeface="微軟正黑體" panose="020B0604030504040204" pitchFamily="34" charset="-120"/>
+              </a:rPr>
+              <a:t>significantly performance improvement </a:t>
+            </a:r>
+            <a:r>
+              <a:rPr lang="en-US" sz="2400" dirty="0" smtClean="0">
+                <a:solidFill>
+                  <a:schemeClr val="tx1"/>
+                </a:solidFill>
+                <a:effectLst/>
+                <a:latin typeface="微軟正黑體" panose="020B0604030504040204" pitchFamily="34" charset="-120"/>
+                <a:ea typeface="微軟正黑體" panose="020B0604030504040204" pitchFamily="34" charset="-120"/>
+              </a:rPr>
+              <a:t>such as </a:t>
+            </a:r>
+            <a:r>
+              <a:rPr lang="en-US" sz="2400" dirty="0" smtClean="0">
+                <a:solidFill>
+                  <a:srgbClr val="FF0000"/>
+                </a:solidFill>
+                <a:effectLst/>
+                <a:latin typeface="微軟正黑體" panose="020B0604030504040204" pitchFamily="34" charset="-120"/>
+                <a:ea typeface="微軟正黑體" panose="020B0604030504040204" pitchFamily="34" charset="-120"/>
+              </a:rPr>
+              <a:t>CUDA</a:t>
+            </a:r>
+            <a:r>
+              <a:rPr lang="en-US" sz="2400" dirty="0" smtClean="0">
+                <a:solidFill>
+                  <a:schemeClr val="tx1"/>
+                </a:solidFill>
+                <a:effectLst/>
+                <a:latin typeface="微軟正黑體" panose="020B0604030504040204" pitchFamily="34" charset="-120"/>
+                <a:ea typeface="微軟正黑體" panose="020B0604030504040204" pitchFamily="34" charset="-120"/>
+              </a:rPr>
+              <a:t> and </a:t>
+            </a:r>
+            <a:r>
+              <a:rPr lang="en-US" sz="2400" dirty="0" smtClean="0">
+                <a:solidFill>
+                  <a:srgbClr val="FF0000"/>
+                </a:solidFill>
+                <a:effectLst/>
+                <a:latin typeface="微軟正黑體" panose="020B0604030504040204" pitchFamily="34" charset="-120"/>
+                <a:ea typeface="微軟正黑體" panose="020B0604030504040204" pitchFamily="34" charset="-120"/>
+              </a:rPr>
+              <a:t>OpenCL</a:t>
+            </a:r>
+            <a:r>
+              <a:rPr lang="en-US" sz="2400" dirty="0" smtClean="0">
+                <a:solidFill>
+                  <a:schemeClr val="tx1"/>
+                </a:solidFill>
+                <a:effectLst/>
+                <a:latin typeface="微軟正黑體" panose="020B0604030504040204" pitchFamily="34" charset="-120"/>
+                <a:ea typeface="微軟正黑體" panose="020B0604030504040204" pitchFamily="34" charset="-120"/>
+              </a:rPr>
+              <a:t> </a:t>
+            </a:r>
+          </a:p>
+          <a:p>
+            <a:endParaRPr lang="en-US" sz="2400" dirty="0" smtClean="0">
+              <a:latin typeface="微軟正黑體" panose="020B0604030504040204" pitchFamily="34" charset="-120"/>
+              <a:ea typeface="微軟正黑體" panose="020B0604030504040204" pitchFamily="34" charset="-120"/>
+            </a:endParaRPr>
+          </a:p>
+          <a:p>
+            <a:endParaRPr lang="en-US" sz="2400" dirty="0" smtClean="0">
+              <a:latin typeface="微軟正黑體" panose="020B0604030504040204" pitchFamily="34" charset="-120"/>
+              <a:ea typeface="微軟正黑體" panose="020B0604030504040204" pitchFamily="34" charset="-120"/>
+            </a:endParaRPr>
+          </a:p>
+          <a:p>
+            <a:endParaRPr lang="en-US" sz="2400" dirty="0" smtClean="0">
+              <a:latin typeface="微軟正黑體" panose="020B0604030504040204" pitchFamily="34" charset="-120"/>
+              <a:ea typeface="微軟正黑體" panose="020B0604030504040204" pitchFamily="34" charset="-120"/>
+            </a:endParaRPr>
+          </a:p>
+          <a:p>
+            <a:endParaRPr lang="en-US" sz="2400" dirty="0">
+              <a:latin typeface="微軟正黑體" panose="020B0604030504040204" pitchFamily="34" charset="-120"/>
+              <a:ea typeface="微軟正黑體" panose="020B0604030504040204" pitchFamily="34" charset="-120"/>
+            </a:endParaRPr>
+          </a:p>
+        </p:txBody>
+      </p:sp>
+      <p:pic>
+        <p:nvPicPr>
+          <p:cNvPr id="4" name="圖片 3"/>
+          <p:cNvPicPr>
+            <a:picLocks noChangeAspect="1"/>
+          </p:cNvPicPr>
+          <p:nvPr/>
+        </p:nvPicPr>
+        <p:blipFill>
+          <a:blip r:embed="rId2">
+            <a:extLst>
+              <a:ext uri="{28A0092B-C50C-407E-A947-70E740481C1C}">
+                <a14:useLocalDpi xmlns:a14="http://schemas.microsoft.com/office/drawing/2010/main" val="0"/>
+              </a:ext>
+            </a:extLst>
+          </a:blip>
+          <a:stretch>
+            <a:fillRect/>
+          </a:stretch>
+        </p:blipFill>
+        <p:spPr>
+          <a:xfrm>
+            <a:off x="6011872" y="962213"/>
+            <a:ext cx="6026139" cy="4649478"/>
+          </a:xfrm>
+          <a:prstGeom prst="rect">
+            <a:avLst/>
+          </a:prstGeom>
+        </p:spPr>
+      </p:pic>
+      <p:sp>
+        <p:nvSpPr>
+          <p:cNvPr id="5" name="文字方塊 4"/>
+          <p:cNvSpPr txBox="1"/>
+          <p:nvPr/>
+        </p:nvSpPr>
+        <p:spPr>
+          <a:xfrm>
+            <a:off x="6014404" y="5746338"/>
+            <a:ext cx="6174421" cy="830997"/>
+          </a:xfrm>
+          <a:prstGeom prst="rect">
+            <a:avLst/>
+          </a:prstGeom>
+          <a:noFill/>
+        </p:spPr>
+        <p:txBody>
+          <a:bodyPr wrap="square" rtlCol="0">
+            <a:spAutoFit/>
+          </a:bodyPr>
+          <a:lstStyle/>
+          <a:p>
+            <a:r>
+              <a:rPr lang="en-US" dirty="0" smtClean="0">
+                <a:latin typeface="微軟正黑體" panose="020B0604030504040204" pitchFamily="34" charset="-120"/>
+                <a:ea typeface="微軟正黑體" panose="020B0604030504040204" pitchFamily="34" charset="-120"/>
+              </a:rPr>
+              <a:t>Gaussian Convolution  with its kernel</a:t>
+            </a:r>
+          </a:p>
+          <a:p>
+            <a:r>
+              <a:rPr lang="en-US" dirty="0" err="1" smtClean="0">
+                <a:latin typeface="微軟正黑體" panose="020B0604030504040204" pitchFamily="34" charset="-120"/>
+                <a:ea typeface="微軟正黑體" panose="020B0604030504040204" pitchFamily="34" charset="-120"/>
+                <a:hlinkClick r:id="rId3"/>
+              </a:rPr>
+              <a:t>Img</a:t>
+            </a:r>
+            <a:r>
+              <a:rPr lang="en-US" dirty="0" smtClean="0">
+                <a:latin typeface="微軟正黑體" panose="020B0604030504040204" pitchFamily="34" charset="-120"/>
+                <a:ea typeface="微軟正黑體" panose="020B0604030504040204" pitchFamily="34" charset="-120"/>
+                <a:hlinkClick r:id="rId3"/>
+              </a:rPr>
+              <a:t> source</a:t>
+            </a:r>
+            <a:endParaRPr lang="en-US" dirty="0">
+              <a:latin typeface="微軟正黑體" panose="020B0604030504040204" pitchFamily="34" charset="-120"/>
+              <a:ea typeface="微軟正黑體" panose="020B0604030504040204" pitchFamily="34" charset="-120"/>
+            </a:endParaRPr>
+          </a:p>
+        </p:txBody>
+      </p:sp>
+    </p:spTree>
+    <p:extLst>
+      <p:ext uri="{BB962C8B-B14F-4D97-AF65-F5344CB8AC3E}">
+        <p14:creationId xmlns:p14="http://schemas.microsoft.com/office/powerpoint/2010/main" val="4262106015"/>
+      </p:ext>
+    </p:extLst>
+  </p:cSld>
+  <p:clrMapOvr>
+    <a:masterClrMapping/>
+  </p:clrMapOvr>
+</p:sld>
+</file>
+
+<file path=ppt/slides/slide5.xml><?xml version="1.0" encoding="utf-8"?>
+<p:sld xmlns:a="http://schemas.openxmlformats.org/drawingml/2006/main" xmlns:r="http://schemas.openxmlformats.org/officeDocument/2006/relationships" xmlns:p="http://schemas.openxmlformats.org/presentationml/2006/main">
+  <p:cSld>
+    <p:spTree>
+      <p:nvGrpSpPr>
+        <p:cNvPr id="1" name=""/>
+        <p:cNvGrpSpPr/>
+        <p:nvPr/>
+      </p:nvGrpSpPr>
+      <p:grpSpPr>
+        <a:xfrm>
+          <a:off x="0" y="0"/>
+          <a:ext cx="0" cy="0"/>
+          <a:chOff x="0" y="0"/>
+          <a:chExt cx="0" cy="0"/>
+        </a:xfrm>
+      </p:grpSpPr>
+      <p:sp>
+        <p:nvSpPr>
+          <p:cNvPr id="2" name="標題 1"/>
+          <p:cNvSpPr>
+            <a:spLocks noGrp="1"/>
+          </p:cNvSpPr>
+          <p:nvPr>
+            <p:ph type="title"/>
+          </p:nvPr>
+        </p:nvSpPr>
+        <p:spPr>
+          <a:xfrm>
+            <a:off x="913557" y="76200"/>
+            <a:ext cx="10351066" cy="970450"/>
+          </a:xfrm>
+        </p:spPr>
+        <p:txBody>
+          <a:bodyPr>
+            <a:normAutofit/>
+          </a:bodyPr>
+          <a:lstStyle/>
+          <a:p>
+            <a:r>
+              <a:rPr lang="en-US" sz="4800" dirty="0" smtClean="0">
+                <a:latin typeface="微軟正黑體" panose="020B0604030504040204" pitchFamily="34" charset="-120"/>
+                <a:ea typeface="微軟正黑體" panose="020B0604030504040204" pitchFamily="34" charset="-120"/>
+              </a:rPr>
+              <a:t>Hardware for this project</a:t>
+            </a:r>
+            <a:endParaRPr lang="en-US" sz="4800" dirty="0">
+              <a:latin typeface="微軟正黑體" panose="020B0604030504040204" pitchFamily="34" charset="-120"/>
+              <a:ea typeface="微軟正黑體" panose="020B0604030504040204" pitchFamily="34" charset="-120"/>
+            </a:endParaRPr>
+          </a:p>
+        </p:txBody>
+      </p:sp>
+      <p:pic>
+        <p:nvPicPr>
+          <p:cNvPr id="3" name="圖片 2"/>
+          <p:cNvPicPr>
+            <a:picLocks noChangeAspect="1"/>
+          </p:cNvPicPr>
+          <p:nvPr/>
+        </p:nvPicPr>
+        <p:blipFill rotWithShape="1">
+          <a:blip r:embed="rId2">
+            <a:extLst>
+              <a:ext uri="{28A0092B-C50C-407E-A947-70E740481C1C}">
+                <a14:useLocalDpi xmlns:a14="http://schemas.microsoft.com/office/drawing/2010/main" val="0"/>
+              </a:ext>
+            </a:extLst>
+          </a:blip>
+          <a:srcRect l="5714" t="3613" r="8571" b="2102"/>
+          <a:stretch/>
+        </p:blipFill>
+        <p:spPr>
+          <a:xfrm>
+            <a:off x="227012" y="1143000"/>
+            <a:ext cx="2493818" cy="2743200"/>
+          </a:xfrm>
+          <a:prstGeom prst="rect">
+            <a:avLst/>
+          </a:prstGeom>
+        </p:spPr>
+      </p:pic>
+      <p:pic>
+        <p:nvPicPr>
+          <p:cNvPr id="4" name="圖片 3"/>
+          <p:cNvPicPr>
+            <a:picLocks noChangeAspect="1"/>
+          </p:cNvPicPr>
+          <p:nvPr/>
+        </p:nvPicPr>
+        <p:blipFill>
+          <a:blip r:embed="rId3">
+            <a:extLst>
+              <a:ext uri="{28A0092B-C50C-407E-A947-70E740481C1C}">
+                <a14:useLocalDpi xmlns:a14="http://schemas.microsoft.com/office/drawing/2010/main" val="0"/>
+              </a:ext>
+            </a:extLst>
+          </a:blip>
+          <a:stretch>
+            <a:fillRect/>
+          </a:stretch>
+        </p:blipFill>
+        <p:spPr>
+          <a:xfrm>
+            <a:off x="6399212" y="1143000"/>
+            <a:ext cx="2743200" cy="2743200"/>
+          </a:xfrm>
+          <a:prstGeom prst="rect">
+            <a:avLst/>
+          </a:prstGeom>
+        </p:spPr>
+      </p:pic>
+      <p:pic>
+        <p:nvPicPr>
+          <p:cNvPr id="5" name="圖片 4"/>
+          <p:cNvPicPr>
+            <a:picLocks noChangeAspect="1"/>
+          </p:cNvPicPr>
+          <p:nvPr/>
+        </p:nvPicPr>
+        <p:blipFill rotWithShape="1">
+          <a:blip r:embed="rId4">
+            <a:extLst>
+              <a:ext uri="{28A0092B-C50C-407E-A947-70E740481C1C}">
+                <a14:useLocalDpi xmlns:a14="http://schemas.microsoft.com/office/drawing/2010/main" val="0"/>
+              </a:ext>
+            </a:extLst>
+          </a:blip>
+          <a:srcRect l="5775" t="5105" r="5425" b="4804"/>
+          <a:stretch/>
+        </p:blipFill>
+        <p:spPr>
+          <a:xfrm>
+            <a:off x="227012" y="4215977"/>
+            <a:ext cx="3647676" cy="2464646"/>
+          </a:xfrm>
+          <a:prstGeom prst="rect">
+            <a:avLst/>
+          </a:prstGeom>
+        </p:spPr>
+      </p:pic>
+      <p:pic>
+        <p:nvPicPr>
+          <p:cNvPr id="6" name="圖片 5"/>
+          <p:cNvPicPr>
+            <a:picLocks noChangeAspect="1"/>
+          </p:cNvPicPr>
+          <p:nvPr/>
+        </p:nvPicPr>
+        <p:blipFill>
+          <a:blip r:embed="rId5">
+            <a:extLst>
+              <a:ext uri="{28A0092B-C50C-407E-A947-70E740481C1C}">
+                <a14:useLocalDpi xmlns:a14="http://schemas.microsoft.com/office/drawing/2010/main" val="0"/>
+              </a:ext>
+            </a:extLst>
+          </a:blip>
+          <a:stretch>
+            <a:fillRect/>
+          </a:stretch>
+        </p:blipFill>
+        <p:spPr>
+          <a:xfrm>
+            <a:off x="6399212" y="4152900"/>
+            <a:ext cx="2743200" cy="2590800"/>
+          </a:xfrm>
+          <a:prstGeom prst="rect">
+            <a:avLst/>
+          </a:prstGeom>
+        </p:spPr>
+      </p:pic>
+      <p:sp>
+        <p:nvSpPr>
+          <p:cNvPr id="7" name="文字方塊 6"/>
+          <p:cNvSpPr txBox="1"/>
+          <p:nvPr/>
+        </p:nvSpPr>
+        <p:spPr>
+          <a:xfrm>
+            <a:off x="3112221" y="2031149"/>
+            <a:ext cx="2895600" cy="1200329"/>
+          </a:xfrm>
+          <a:prstGeom prst="rect">
+            <a:avLst/>
+          </a:prstGeom>
+          <a:noFill/>
+        </p:spPr>
+        <p:txBody>
+          <a:bodyPr wrap="square" rtlCol="0">
+            <a:spAutoFit/>
+          </a:bodyPr>
+          <a:lstStyle/>
+          <a:p>
+            <a:r>
+              <a:rPr kumimoji="1" lang="en-US" altLang="zh-TW" dirty="0" smtClean="0">
+                <a:latin typeface="+mn-ea"/>
+              </a:rPr>
+              <a:t>Intel i5 7500 4C4T</a:t>
+            </a:r>
+          </a:p>
+          <a:p>
+            <a:r>
+              <a:rPr kumimoji="1" lang="en-US" altLang="zh-TW" dirty="0" smtClean="0">
+                <a:latin typeface="+mn-ea"/>
+              </a:rPr>
+              <a:t>3.4GHz</a:t>
+            </a:r>
+          </a:p>
+          <a:p>
+            <a:endParaRPr kumimoji="1" lang="zh-TW" altLang="en-US" dirty="0">
+              <a:latin typeface="+mn-ea"/>
+            </a:endParaRPr>
+          </a:p>
+        </p:txBody>
+      </p:sp>
+      <p:sp>
+        <p:nvSpPr>
+          <p:cNvPr id="8" name="文字方塊 7"/>
+          <p:cNvSpPr txBox="1"/>
+          <p:nvPr/>
+        </p:nvSpPr>
+        <p:spPr>
+          <a:xfrm>
+            <a:off x="9533803" y="1989658"/>
+            <a:ext cx="2895600" cy="830997"/>
+          </a:xfrm>
+          <a:prstGeom prst="rect">
+            <a:avLst/>
+          </a:prstGeom>
+          <a:noFill/>
+        </p:spPr>
+        <p:txBody>
+          <a:bodyPr wrap="square" rtlCol="0">
+            <a:spAutoFit/>
+          </a:bodyPr>
+          <a:lstStyle/>
+          <a:p>
+            <a:r>
+              <a:rPr kumimoji="1" lang="en-US" altLang="zh-TW" dirty="0" smtClean="0">
+                <a:latin typeface="+mn-ea"/>
+              </a:rPr>
+              <a:t>ASUS STRIX GTX1070 OC 8GB</a:t>
+            </a:r>
+            <a:endParaRPr kumimoji="1" lang="zh-TW" altLang="en-US" dirty="0">
+              <a:latin typeface="+mn-ea"/>
+            </a:endParaRPr>
+          </a:p>
+        </p:txBody>
+      </p:sp>
+      <p:sp>
+        <p:nvSpPr>
+          <p:cNvPr id="9" name="文字方塊 8"/>
+          <p:cNvSpPr txBox="1"/>
+          <p:nvPr/>
+        </p:nvSpPr>
+        <p:spPr>
+          <a:xfrm>
+            <a:off x="3885292" y="4817650"/>
+            <a:ext cx="2895600" cy="1200329"/>
+          </a:xfrm>
+          <a:prstGeom prst="rect">
+            <a:avLst/>
+          </a:prstGeom>
+          <a:noFill/>
+        </p:spPr>
+        <p:txBody>
+          <a:bodyPr wrap="square" rtlCol="0">
+            <a:spAutoFit/>
+          </a:bodyPr>
+          <a:lstStyle/>
+          <a:p>
+            <a:r>
+              <a:rPr kumimoji="1" lang="en-US" altLang="zh-TW" dirty="0" smtClean="0">
+                <a:latin typeface="+mn-ea"/>
+              </a:rPr>
+              <a:t>Samsung PM981</a:t>
+            </a:r>
+          </a:p>
+          <a:p>
+            <a:r>
+              <a:rPr kumimoji="1" lang="en-US" altLang="zh-TW" dirty="0" smtClean="0">
+                <a:latin typeface="+mn-ea"/>
+              </a:rPr>
+              <a:t>512G (970 EVO</a:t>
+            </a:r>
+          </a:p>
+          <a:p>
+            <a:r>
+              <a:rPr kumimoji="1" lang="en-US" altLang="zh-TW" dirty="0" smtClean="0">
+                <a:latin typeface="+mn-ea"/>
+              </a:rPr>
+              <a:t>Equivalent)</a:t>
+            </a:r>
+            <a:endParaRPr kumimoji="1" lang="zh-TW" altLang="en-US" dirty="0">
+              <a:latin typeface="+mn-ea"/>
+            </a:endParaRPr>
+          </a:p>
+        </p:txBody>
+      </p:sp>
+      <p:sp>
+        <p:nvSpPr>
+          <p:cNvPr id="10" name="文字方塊 9"/>
+          <p:cNvSpPr txBox="1"/>
+          <p:nvPr/>
+        </p:nvSpPr>
+        <p:spPr>
+          <a:xfrm>
+            <a:off x="9447212" y="4848135"/>
+            <a:ext cx="2895600" cy="1200329"/>
+          </a:xfrm>
+          <a:prstGeom prst="rect">
+            <a:avLst/>
+          </a:prstGeom>
+          <a:noFill/>
+        </p:spPr>
+        <p:txBody>
+          <a:bodyPr wrap="square" rtlCol="0">
+            <a:spAutoFit/>
+          </a:bodyPr>
+          <a:lstStyle/>
+          <a:p>
+            <a:r>
+              <a:rPr kumimoji="1" lang="en-US" altLang="zh-TW" dirty="0" smtClean="0">
+                <a:latin typeface="+mn-ea"/>
+              </a:rPr>
+              <a:t>Ubuntu 16.04 x64</a:t>
+            </a:r>
+          </a:p>
+          <a:p>
+            <a:endParaRPr kumimoji="1" lang="en-US" altLang="zh-TW" dirty="0">
+              <a:latin typeface="+mn-ea"/>
+            </a:endParaRPr>
+          </a:p>
+          <a:p>
+            <a:endParaRPr kumimoji="1" lang="zh-TW" altLang="en-US" dirty="0">
+              <a:latin typeface="+mn-ea"/>
+            </a:endParaRPr>
+          </a:p>
+        </p:txBody>
+      </p:sp>
+    </p:spTree>
+    <p:extLst>
+      <p:ext uri="{BB962C8B-B14F-4D97-AF65-F5344CB8AC3E}">
+        <p14:creationId xmlns:p14="http://schemas.microsoft.com/office/powerpoint/2010/main" val="3635218041"/>
+      </p:ext>
+    </p:extLst>
+  </p:cSld>
+  <p:clrMapOvr>
+    <a:masterClrMapping/>
+  </p:clrMapOvr>
+</p:sld>
+</file>
+
+<file path=ppt/slides/slide6.xml><?xml version="1.0" encoding="utf-8"?>
+<p:sld xmlns:a="http://schemas.openxmlformats.org/drawingml/2006/main" xmlns:r="http://schemas.openxmlformats.org/officeDocument/2006/relationships" xmlns:p="http://schemas.openxmlformats.org/presentationml/2006/main">
+  <p:cSld>
+    <p:spTree>
+      <p:nvGrpSpPr>
+        <p:cNvPr id="1" name=""/>
+        <p:cNvGrpSpPr/>
+        <p:nvPr/>
+      </p:nvGrpSpPr>
+      <p:grpSpPr>
+        <a:xfrm>
+          <a:off x="0" y="0"/>
+          <a:ext cx="0" cy="0"/>
+          <a:chOff x="0" y="0"/>
+          <a:chExt cx="0" cy="0"/>
+        </a:xfrm>
+      </p:grpSpPr>
+      <p:sp>
+        <p:nvSpPr>
+          <p:cNvPr id="13" name="標題 12"/>
+          <p:cNvSpPr>
+            <a:spLocks noGrp="1"/>
+          </p:cNvSpPr>
+          <p:nvPr>
+            <p:ph type="title"/>
+          </p:nvPr>
+        </p:nvSpPr>
+        <p:spPr>
+          <a:xfrm>
+            <a:off x="4590" y="0"/>
+            <a:ext cx="12153343" cy="970450"/>
+          </a:xfrm>
+        </p:spPr>
+        <p:txBody>
+          <a:bodyPr rtlCol="0">
+            <a:noAutofit/>
+          </a:bodyPr>
+          <a:lstStyle/>
+          <a:p>
+            <a:pPr rtl="0"/>
+            <a:r>
+              <a:rPr lang="en-US" altLang="zh-TW" sz="4800" dirty="0" smtClean="0">
+                <a:latin typeface="微軟正黑體" panose="020B0604030504040204" pitchFamily="34" charset="-120"/>
+                <a:ea typeface="微軟正黑體" panose="020B0604030504040204" pitchFamily="34" charset="-120"/>
+                <a:sym typeface="Salesforce Sans"/>
+              </a:rPr>
+              <a:t>Benchmark method</a:t>
+            </a:r>
+            <a:endParaRPr lang="zh-TW" altLang="en-US" sz="4800" dirty="0">
+              <a:latin typeface="微軟正黑體" panose="020B0604030504040204" pitchFamily="34" charset="-120"/>
+              <a:ea typeface="微軟正黑體" panose="020B0604030504040204" pitchFamily="34" charset="-120"/>
+              <a:sym typeface="Salesforce Sans"/>
+            </a:endParaRPr>
+          </a:p>
+        </p:txBody>
+      </p:sp>
+      <p:sp>
+        <p:nvSpPr>
+          <p:cNvPr id="2" name="內容版面配置區 1"/>
+          <p:cNvSpPr>
+            <a:spLocks noGrp="1"/>
+          </p:cNvSpPr>
+          <p:nvPr>
+            <p:ph idx="1"/>
+          </p:nvPr>
+        </p:nvSpPr>
+        <p:spPr>
+          <a:xfrm>
+            <a:off x="20036" y="970450"/>
+            <a:ext cx="5754130" cy="5638800"/>
+          </a:xfrm>
+        </p:spPr>
+        <p:txBody>
+          <a:bodyPr>
+            <a:normAutofit/>
+          </a:bodyPr>
+          <a:lstStyle/>
+          <a:p>
+            <a:r>
+              <a:rPr lang="en-US" sz="2400" dirty="0" smtClean="0">
+                <a:latin typeface="微軟正黑體" panose="020B0604030504040204" pitchFamily="34" charset="-120"/>
+                <a:ea typeface="微軟正黑體" panose="020B0604030504040204" pitchFamily="34" charset="-120"/>
+              </a:rPr>
+              <a:t>8K(7680 x 4320) image for processing</a:t>
+            </a:r>
+          </a:p>
+          <a:p>
+            <a:r>
+              <a:rPr lang="en-US" sz="2400" dirty="0" smtClean="0">
+                <a:latin typeface="微軟正黑體" panose="020B0604030504040204" pitchFamily="34" charset="-120"/>
+                <a:ea typeface="微軟正黑體" panose="020B0604030504040204" pitchFamily="34" charset="-120"/>
+              </a:rPr>
+              <a:t>Filter size fixed to 101 x 101</a:t>
+            </a:r>
+          </a:p>
+          <a:p>
+            <a:r>
+              <a:rPr lang="en-US" sz="2400" dirty="0" smtClean="0">
+                <a:latin typeface="微軟正黑體" panose="020B0604030504040204" pitchFamily="34" charset="-120"/>
+                <a:ea typeface="微軟正黑體" panose="020B0604030504040204" pitchFamily="34" charset="-120"/>
+              </a:rPr>
+              <a:t>Use Linux command: </a:t>
+            </a:r>
+            <a:r>
+              <a:rPr lang="en-US" sz="2400" dirty="0" smtClean="0">
+                <a:solidFill>
+                  <a:srgbClr val="FF0000"/>
+                </a:solidFill>
+                <a:latin typeface="微軟正黑體" panose="020B0604030504040204" pitchFamily="34" charset="-120"/>
+                <a:ea typeface="微軟正黑體" panose="020B0604030504040204" pitchFamily="34" charset="-120"/>
+              </a:rPr>
+              <a:t>$time ./</a:t>
+            </a:r>
+            <a:r>
+              <a:rPr lang="en-US" sz="2400" dirty="0" err="1" smtClean="0">
+                <a:solidFill>
+                  <a:srgbClr val="FF0000"/>
+                </a:solidFill>
+                <a:latin typeface="微軟正黑體" panose="020B0604030504040204" pitchFamily="34" charset="-120"/>
+                <a:ea typeface="微軟正黑體" panose="020B0604030504040204" pitchFamily="34" charset="-120"/>
+              </a:rPr>
+              <a:t>obj</a:t>
+            </a:r>
+            <a:r>
+              <a:rPr lang="en-US" sz="2400" dirty="0" err="1" smtClean="0">
+                <a:solidFill>
+                  <a:srgbClr val="FF0000"/>
+                </a:solidFill>
+                <a:latin typeface="微軟正黑體" panose="020B0604030504040204" pitchFamily="34" charset="-120"/>
+                <a:ea typeface="微軟正黑體" panose="020B0604030504040204" pitchFamily="34" charset="-120"/>
+              </a:rPr>
+              <a:t>_file</a:t>
+            </a:r>
+            <a:r>
+              <a:rPr lang="en-US" sz="2400" dirty="0" smtClean="0">
+                <a:solidFill>
+                  <a:srgbClr val="FF0000"/>
+                </a:solidFill>
+                <a:latin typeface="微軟正黑體" panose="020B0604030504040204" pitchFamily="34" charset="-120"/>
+                <a:ea typeface="微軟正黑體" panose="020B0604030504040204" pitchFamily="34" charset="-120"/>
+              </a:rPr>
+              <a:t> </a:t>
+            </a:r>
+            <a:r>
+              <a:rPr lang="en-US" sz="2400" dirty="0" smtClean="0">
+                <a:latin typeface="微軟正黑體" panose="020B0604030504040204" pitchFamily="34" charset="-120"/>
+                <a:ea typeface="微軟正黑體" panose="020B0604030504040204" pitchFamily="34" charset="-120"/>
+              </a:rPr>
+              <a:t>to measure execution time</a:t>
+            </a:r>
+          </a:p>
+          <a:p>
+            <a:r>
+              <a:rPr lang="en-US" sz="2400" dirty="0" smtClean="0">
+                <a:latin typeface="微軟正黑體" panose="020B0604030504040204" pitchFamily="34" charset="-120"/>
+                <a:ea typeface="微軟正黑體" panose="020B0604030504040204" pitchFamily="34" charset="-120"/>
+              </a:rPr>
+              <a:t>Computation is </a:t>
+            </a:r>
+            <a:r>
+              <a:rPr lang="cs-CZ" sz="2400" dirty="0" smtClean="0">
+                <a:latin typeface="微軟正黑體" panose="020B0604030504040204" pitchFamily="34" charset="-120"/>
+                <a:ea typeface="微軟正黑體" panose="020B0604030504040204" pitchFamily="34" charset="-120"/>
+              </a:rPr>
+              <a:t>338444697600 (338 </a:t>
+            </a:r>
+            <a:r>
+              <a:rPr lang="cs-CZ" sz="2400" dirty="0" err="1" smtClean="0">
+                <a:latin typeface="微軟正黑體" panose="020B0604030504040204" pitchFamily="34" charset="-120"/>
+                <a:ea typeface="微軟正黑體" panose="020B0604030504040204" pitchFamily="34" charset="-120"/>
+              </a:rPr>
+              <a:t>billion</a:t>
+            </a:r>
+            <a:r>
+              <a:rPr lang="cs-CZ" sz="2400" dirty="0" smtClean="0">
+                <a:latin typeface="微軟正黑體" panose="020B0604030504040204" pitchFamily="34" charset="-120"/>
+                <a:ea typeface="微軟正黑體" panose="020B0604030504040204" pitchFamily="34" charset="-120"/>
+              </a:rPr>
+              <a:t>!)</a:t>
+            </a:r>
+          </a:p>
+          <a:p>
+            <a:r>
+              <a:rPr lang="cs-CZ" sz="2400" dirty="0" err="1" smtClean="0">
+                <a:latin typeface="微軟正黑體" panose="020B0604030504040204" pitchFamily="34" charset="-120"/>
+                <a:ea typeface="微軟正黑體" panose="020B0604030504040204" pitchFamily="34" charset="-120"/>
+              </a:rPr>
+              <a:t>Check</a:t>
+            </a:r>
+            <a:r>
+              <a:rPr lang="cs-CZ" sz="2400" dirty="0" smtClean="0">
+                <a:latin typeface="微軟正黑體" panose="020B0604030504040204" pitchFamily="34" charset="-120"/>
+                <a:ea typeface="微軟正黑體" panose="020B0604030504040204" pitchFamily="34" charset="-120"/>
+              </a:rPr>
+              <a:t> </a:t>
+            </a:r>
+            <a:r>
+              <a:rPr lang="cs-CZ" sz="2400" dirty="0" err="1" smtClean="0">
+                <a:latin typeface="微軟正黑體" panose="020B0604030504040204" pitchFamily="34" charset="-120"/>
+                <a:ea typeface="微軟正黑體" panose="020B0604030504040204" pitchFamily="34" charset="-120"/>
+              </a:rPr>
+              <a:t>error</a:t>
+            </a:r>
+            <a:r>
+              <a:rPr lang="cs-CZ" sz="2400" dirty="0" smtClean="0">
+                <a:latin typeface="微軟正黑體" panose="020B0604030504040204" pitchFamily="34" charset="-120"/>
+                <a:ea typeface="微軟正黑體" panose="020B0604030504040204" pitchFamily="34" charset="-120"/>
+              </a:rPr>
+              <a:t> percent </a:t>
+            </a:r>
+            <a:r>
+              <a:rPr lang="cs-CZ" sz="2400" dirty="0" err="1" smtClean="0">
+                <a:latin typeface="微軟正黑體" panose="020B0604030504040204" pitchFamily="34" charset="-120"/>
+                <a:ea typeface="微軟正黑體" panose="020B0604030504040204" pitchFamily="34" charset="-120"/>
+              </a:rPr>
+              <a:t>if</a:t>
+            </a:r>
+            <a:r>
+              <a:rPr lang="cs-CZ" sz="2400" dirty="0" smtClean="0">
+                <a:latin typeface="微軟正黑體" panose="020B0604030504040204" pitchFamily="34" charset="-120"/>
+                <a:ea typeface="微軟正黑體" panose="020B0604030504040204" pitchFamily="34" charset="-120"/>
+              </a:rPr>
+              <a:t> </a:t>
+            </a:r>
+            <a:r>
+              <a:rPr lang="cs-CZ" sz="2400" dirty="0" err="1" smtClean="0">
+                <a:latin typeface="微軟正黑體" panose="020B0604030504040204" pitchFamily="34" charset="-120"/>
+                <a:ea typeface="微軟正黑體" panose="020B0604030504040204" pitchFamily="34" charset="-120"/>
+              </a:rPr>
+              <a:t>needed</a:t>
+            </a:r>
+            <a:r>
+              <a:rPr lang="cs-CZ" sz="2400" dirty="0" smtClean="0">
+                <a:latin typeface="微軟正黑體" panose="020B0604030504040204" pitchFamily="34" charset="-120"/>
+                <a:ea typeface="微軟正黑體" panose="020B0604030504040204" pitchFamily="34" charset="-120"/>
+              </a:rPr>
+              <a:t> (</a:t>
+            </a:r>
+            <a:r>
+              <a:rPr lang="cs-CZ" sz="2400" dirty="0" err="1" smtClean="0">
+                <a:latin typeface="微軟正黑體" panose="020B0604030504040204" pitchFamily="34" charset="-120"/>
+                <a:ea typeface="微軟正黑體" panose="020B0604030504040204" pitchFamily="34" charset="-120"/>
+              </a:rPr>
+              <a:t>diff</a:t>
+            </a:r>
+            <a:r>
+              <a:rPr lang="cs-CZ" sz="2400" dirty="0" smtClean="0">
+                <a:latin typeface="微軟正黑體" panose="020B0604030504040204" pitchFamily="34" charset="-120"/>
+                <a:ea typeface="微軟正黑體" panose="020B0604030504040204" pitchFamily="34" charset="-120"/>
+              </a:rPr>
+              <a:t> image)</a:t>
+            </a:r>
+            <a:endParaRPr lang="en-US" sz="2400" dirty="0">
+              <a:latin typeface="微軟正黑體" panose="020B0604030504040204" pitchFamily="34" charset="-120"/>
+              <a:ea typeface="微軟正黑體" panose="020B0604030504040204" pitchFamily="34" charset="-120"/>
+            </a:endParaRPr>
+          </a:p>
+        </p:txBody>
+      </p:sp>
+      <p:pic>
+        <p:nvPicPr>
+          <p:cNvPr id="6" name="圖片 5"/>
+          <p:cNvPicPr>
+            <a:picLocks noChangeAspect="1"/>
+          </p:cNvPicPr>
+          <p:nvPr/>
+        </p:nvPicPr>
+        <p:blipFill>
+          <a:blip r:embed="rId3" cstate="print">
+            <a:extLst>
+              <a:ext uri="{28A0092B-C50C-407E-A947-70E740481C1C}">
+                <a14:useLocalDpi xmlns:a14="http://schemas.microsoft.com/office/drawing/2010/main" val="0"/>
+              </a:ext>
+            </a:extLst>
+          </a:blip>
+          <a:stretch>
+            <a:fillRect/>
+          </a:stretch>
+        </p:blipFill>
+        <p:spPr>
+          <a:xfrm>
+            <a:off x="5918843" y="970450"/>
+            <a:ext cx="6094413" cy="3428107"/>
+          </a:xfrm>
+          <a:prstGeom prst="rect">
+            <a:avLst/>
+          </a:prstGeom>
+        </p:spPr>
+      </p:pic>
+    </p:spTree>
+    <p:extLst>
+      <p:ext uri="{BB962C8B-B14F-4D97-AF65-F5344CB8AC3E}">
+        <p14:creationId xmlns:p14="http://schemas.microsoft.com/office/powerpoint/2010/main" val="128907965"/>
+      </p:ext>
+    </p:extLst>
+  </p:cSld>
+  <p:clrMapOvr>
+    <a:masterClrMapping/>
+  </p:clrMapOvr>
+  <mc:AlternateContent xmlns:mc="http://schemas.openxmlformats.org/markup-compatibility/2006">
+    <mc:Choice xmlns:p14="http://schemas.microsoft.com/office/powerpoint/2010/main" Requires="p14">
+      <p:transition spd="med" p14:dur="700">
+        <p:fade/>
+      </p:transition>
+    </mc:Choice>
+    <mc:Fallback>
+      <p:transition spd="med">
+        <p:fade/>
+      </p:transition>
+    </mc:Fallback>
+  </mc:AlternateContent>
+  <p:timing>
+    <p:tnLst>
+      <p:par>
+        <p:cTn id="1" dur="indefinite" restart="never" nodeType="tmRoot"/>
+      </p:par>
+    </p:tnLst>
+  </p:timing>
+</p:sld>
+</file>
+
+<file path=ppt/slides/slide7.xml><?xml version="1.0" encoding="utf-8"?>
+<p:sld xmlns:a="http://schemas.openxmlformats.org/drawingml/2006/main" xmlns:r="http://schemas.openxmlformats.org/officeDocument/2006/relationships" xmlns:p="http://schemas.openxmlformats.org/presentationml/2006/main">
+  <p:cSld>
+    <p:spTree>
+      <p:nvGrpSpPr>
+        <p:cNvPr id="1" name=""/>
+        <p:cNvGrpSpPr/>
+        <p:nvPr/>
+      </p:nvGrpSpPr>
+      <p:grpSpPr>
+        <a:xfrm>
+          <a:off x="0" y="0"/>
+          <a:ext cx="0" cy="0"/>
+          <a:chOff x="0" y="0"/>
+          <a:chExt cx="0" cy="0"/>
+        </a:xfrm>
+      </p:grpSpPr>
+      <p:sp>
+        <p:nvSpPr>
+          <p:cNvPr id="13" name="標題 12"/>
+          <p:cNvSpPr>
+            <a:spLocks noGrp="1"/>
+          </p:cNvSpPr>
+          <p:nvPr>
+            <p:ph type="title"/>
+          </p:nvPr>
+        </p:nvSpPr>
+        <p:spPr>
+          <a:xfrm>
+            <a:off x="4590" y="0"/>
+            <a:ext cx="12153343" cy="970450"/>
+          </a:xfrm>
+        </p:spPr>
+        <p:txBody>
+          <a:bodyPr rtlCol="0">
+            <a:noAutofit/>
+          </a:bodyPr>
+          <a:lstStyle/>
+          <a:p>
+            <a:pPr rtl="0"/>
+            <a:r>
+              <a:rPr lang="en-US" altLang="zh-TW" sz="4800" dirty="0" smtClean="0">
+                <a:latin typeface="微軟正黑體" panose="020B0604030504040204" pitchFamily="34" charset="-120"/>
+                <a:ea typeface="微軟正黑體" panose="020B0604030504040204" pitchFamily="34" charset="-120"/>
+                <a:sym typeface="Salesforce Sans"/>
+              </a:rPr>
+              <a:t>How we parallel (animation)</a:t>
+            </a:r>
+            <a:endParaRPr lang="zh-TW" altLang="en-US" sz="4800" dirty="0">
+              <a:latin typeface="微軟正黑體" panose="020B0604030504040204" pitchFamily="34" charset="-120"/>
+              <a:ea typeface="微軟正黑體" panose="020B0604030504040204" pitchFamily="34" charset="-120"/>
+              <a:sym typeface="Salesforce Sans"/>
+            </a:endParaRPr>
+          </a:p>
+        </p:txBody>
+      </p:sp>
+      <p:sp>
+        <p:nvSpPr>
+          <p:cNvPr id="3" name="內容版面配置區 2"/>
+          <p:cNvSpPr>
+            <a:spLocks noGrp="1"/>
+          </p:cNvSpPr>
+          <p:nvPr>
+            <p:ph idx="1"/>
+          </p:nvPr>
+        </p:nvSpPr>
+        <p:spPr/>
+        <p:txBody>
+          <a:bodyPr/>
+          <a:lstStyle/>
+          <a:p>
+            <a:endParaRPr kumimoji="1" lang="zh-TW" altLang="en-US"/>
+          </a:p>
+        </p:txBody>
+      </p:sp>
+    </p:spTree>
+    <p:extLst>
+      <p:ext uri="{BB962C8B-B14F-4D97-AF65-F5344CB8AC3E}">
+        <p14:creationId xmlns:p14="http://schemas.microsoft.com/office/powerpoint/2010/main" val="1758262596"/>
+      </p:ext>
+    </p:extLst>
+  </p:cSld>
+  <p:clrMapOvr>
+    <a:masterClrMapping/>
+  </p:clrMapOvr>
+  <mc:AlternateContent xmlns:mc="http://schemas.openxmlformats.org/markup-compatibility/2006">
+    <mc:Choice xmlns:p14="http://schemas.microsoft.com/office/powerpoint/2010/main" Requires="p14">
+      <p:transition spd="med" p14:dur="700">
+        <p:fade/>
+      </p:transition>
+    </mc:Choice>
+    <mc:Fallback>
+      <p:transition spd="med">
+        <p:fade/>
+      </p:transition>
+    </mc:Fallback>
+  </mc:AlternateContent>
+  <p:timing>
+    <p:tnLst>
+      <p:par>
+        <p:cTn id="1" dur="indefinite" restart="never" nodeType="tmRoot"/>
+      </p:par>
+    </p:tnLst>
+  </p:timing>
+</p:sld>
+</file>
+
+<file path=ppt/slides/slide8.xml><?xml version="1.0" encoding="utf-8"?>
+<p:sld xmlns:a="http://schemas.openxmlformats.org/drawingml/2006/main" xmlns:r="http://schemas.openxmlformats.org/officeDocument/2006/relationships" xmlns:p="http://schemas.openxmlformats.org/presentationml/2006/main">
+  <p:cSld>
+    <p:spTree>
+      <p:nvGrpSpPr>
+        <p:cNvPr id="1" name=""/>
+        <p:cNvGrpSpPr/>
+        <p:nvPr/>
+      </p:nvGrpSpPr>
+      <p:grpSpPr>
+        <a:xfrm>
+          <a:off x="0" y="0"/>
+          <a:ext cx="0" cy="0"/>
+          <a:chOff x="0" y="0"/>
+          <a:chExt cx="0" cy="0"/>
+        </a:xfrm>
+      </p:grpSpPr>
+      <p:sp>
+        <p:nvSpPr>
+          <p:cNvPr id="13" name="標題 12"/>
+          <p:cNvSpPr>
+            <a:spLocks noGrp="1"/>
+          </p:cNvSpPr>
+          <p:nvPr>
+            <p:ph type="title"/>
+          </p:nvPr>
+        </p:nvSpPr>
+        <p:spPr>
+          <a:xfrm>
+            <a:off x="4590" y="0"/>
+            <a:ext cx="12153343" cy="970450"/>
+          </a:xfrm>
+        </p:spPr>
+        <p:txBody>
+          <a:bodyPr rtlCol="0">
+            <a:noAutofit/>
+          </a:bodyPr>
+          <a:lstStyle/>
+          <a:p>
+            <a:pPr rtl="0"/>
+            <a:r>
+              <a:rPr lang="en-US" altLang="zh-TW" sz="4800" dirty="0" smtClean="0">
+                <a:solidFill>
+                  <a:srgbClr val="FF0000"/>
+                </a:solidFill>
+                <a:latin typeface="微軟正黑體" panose="020B0604030504040204" pitchFamily="34" charset="-120"/>
+                <a:ea typeface="微軟正黑體" panose="020B0604030504040204" pitchFamily="34" charset="-120"/>
+                <a:sym typeface="Salesforce Sans"/>
+              </a:rPr>
+              <a:t>C</a:t>
+            </a:r>
+            <a:r>
+              <a:rPr lang="en-US" altLang="zh-TW" sz="4800" dirty="0" smtClean="0">
+                <a:latin typeface="微軟正黑體" panose="020B0604030504040204" pitchFamily="34" charset="-120"/>
+                <a:ea typeface="微軟正黑體" panose="020B0604030504040204" pitchFamily="34" charset="-120"/>
+                <a:sym typeface="Salesforce Sans"/>
+              </a:rPr>
+              <a:t>ompute </a:t>
+            </a:r>
+            <a:r>
+              <a:rPr lang="en-US" altLang="zh-TW" sz="4800" dirty="0" smtClean="0">
+                <a:solidFill>
+                  <a:srgbClr val="FF0000"/>
+                </a:solidFill>
+                <a:latin typeface="微軟正黑體" panose="020B0604030504040204" pitchFamily="34" charset="-120"/>
+                <a:ea typeface="微軟正黑體" panose="020B0604030504040204" pitchFamily="34" charset="-120"/>
+                <a:sym typeface="Salesforce Sans"/>
+              </a:rPr>
+              <a:t>U</a:t>
+            </a:r>
+            <a:r>
+              <a:rPr lang="en-US" altLang="zh-TW" sz="4800" dirty="0" smtClean="0">
+                <a:latin typeface="微軟正黑體" panose="020B0604030504040204" pitchFamily="34" charset="-120"/>
+                <a:ea typeface="微軟正黑體" panose="020B0604030504040204" pitchFamily="34" charset="-120"/>
+                <a:sym typeface="Salesforce Sans"/>
+              </a:rPr>
+              <a:t>nified </a:t>
+            </a:r>
+            <a:r>
+              <a:rPr lang="en-US" altLang="zh-TW" sz="4800" dirty="0" smtClean="0">
+                <a:solidFill>
+                  <a:srgbClr val="FF0000"/>
+                </a:solidFill>
+                <a:latin typeface="微軟正黑體" panose="020B0604030504040204" pitchFamily="34" charset="-120"/>
+                <a:ea typeface="微軟正黑體" panose="020B0604030504040204" pitchFamily="34" charset="-120"/>
+                <a:sym typeface="Salesforce Sans"/>
+              </a:rPr>
+              <a:t>D</a:t>
+            </a:r>
+            <a:r>
+              <a:rPr lang="en-US" altLang="zh-TW" sz="4800" dirty="0" smtClean="0">
+                <a:latin typeface="微軟正黑體" panose="020B0604030504040204" pitchFamily="34" charset="-120"/>
+                <a:ea typeface="微軟正黑體" panose="020B0604030504040204" pitchFamily="34" charset="-120"/>
+                <a:sym typeface="Salesforce Sans"/>
+              </a:rPr>
+              <a:t>evice </a:t>
+            </a:r>
+            <a:r>
+              <a:rPr lang="en-US" altLang="zh-TW" sz="4800" dirty="0" smtClean="0">
+                <a:solidFill>
+                  <a:srgbClr val="FF0000"/>
+                </a:solidFill>
+                <a:latin typeface="微軟正黑體" panose="020B0604030504040204" pitchFamily="34" charset="-120"/>
+                <a:ea typeface="微軟正黑體" panose="020B0604030504040204" pitchFamily="34" charset="-120"/>
+                <a:sym typeface="Salesforce Sans"/>
+              </a:rPr>
+              <a:t>A</a:t>
+            </a:r>
+            <a:r>
+              <a:rPr lang="en-US" altLang="zh-TW" sz="4800" dirty="0" smtClean="0">
+                <a:latin typeface="微軟正黑體" panose="020B0604030504040204" pitchFamily="34" charset="-120"/>
+                <a:ea typeface="微軟正黑體" panose="020B0604030504040204" pitchFamily="34" charset="-120"/>
+                <a:sym typeface="Salesforce Sans"/>
+              </a:rPr>
+              <a:t>rchitecture</a:t>
+            </a:r>
+            <a:endParaRPr lang="zh-TW" altLang="en-US" sz="4800" dirty="0">
+              <a:latin typeface="微軟正黑體" panose="020B0604030504040204" pitchFamily="34" charset="-120"/>
+              <a:ea typeface="微軟正黑體" panose="020B0604030504040204" pitchFamily="34" charset="-120"/>
+              <a:sym typeface="Salesforce Sans"/>
+            </a:endParaRPr>
+          </a:p>
+        </p:txBody>
+      </p:sp>
+      <p:sp>
+        <p:nvSpPr>
+          <p:cNvPr id="2" name="內容版面配置區 1"/>
+          <p:cNvSpPr>
+            <a:spLocks noGrp="1"/>
+          </p:cNvSpPr>
+          <p:nvPr>
+            <p:ph idx="1"/>
+          </p:nvPr>
+        </p:nvSpPr>
+        <p:spPr>
+          <a:xfrm>
+            <a:off x="20036" y="970450"/>
+            <a:ext cx="5754130" cy="5638800"/>
+          </a:xfrm>
+        </p:spPr>
+        <p:txBody>
+          <a:bodyPr>
+            <a:normAutofit/>
+          </a:bodyPr>
+          <a:lstStyle/>
+          <a:p>
+            <a:r>
+              <a:rPr lang="en-US" sz="2400" dirty="0" smtClean="0">
+                <a:latin typeface="微軟正黑體" panose="020B0604030504040204" pitchFamily="34" charset="-120"/>
+                <a:ea typeface="微軟正黑體" panose="020B0604030504040204" pitchFamily="34" charset="-120"/>
+              </a:rPr>
+              <a:t>8K(7680 x 4320) image for processing</a:t>
+            </a:r>
+          </a:p>
+          <a:p>
+            <a:r>
+              <a:rPr lang="en-US" sz="2400" dirty="0" smtClean="0">
+                <a:latin typeface="微軟正黑體" panose="020B0604030504040204" pitchFamily="34" charset="-120"/>
+                <a:ea typeface="微軟正黑體" panose="020B0604030504040204" pitchFamily="34" charset="-120"/>
+              </a:rPr>
+              <a:t>Filter size fixed to 101 x 101</a:t>
+            </a:r>
+          </a:p>
+          <a:p>
+            <a:r>
+              <a:rPr lang="en-US" sz="2400" dirty="0" smtClean="0">
+                <a:latin typeface="微軟正黑體" panose="020B0604030504040204" pitchFamily="34" charset="-120"/>
+                <a:ea typeface="微軟正黑體" panose="020B0604030504040204" pitchFamily="34" charset="-120"/>
+              </a:rPr>
+              <a:t>Use Linux command: </a:t>
+            </a:r>
+            <a:r>
+              <a:rPr lang="en-US" sz="2400" dirty="0" smtClean="0">
+                <a:solidFill>
+                  <a:srgbClr val="FF0000"/>
+                </a:solidFill>
+                <a:latin typeface="微軟正黑體" panose="020B0604030504040204" pitchFamily="34" charset="-120"/>
+                <a:ea typeface="微軟正黑體" panose="020B0604030504040204" pitchFamily="34" charset="-120"/>
+              </a:rPr>
+              <a:t>$time ./</a:t>
+            </a:r>
+            <a:r>
+              <a:rPr lang="en-US" sz="2400" dirty="0" err="1" smtClean="0">
+                <a:solidFill>
+                  <a:srgbClr val="FF0000"/>
+                </a:solidFill>
+                <a:latin typeface="微軟正黑體" panose="020B0604030504040204" pitchFamily="34" charset="-120"/>
+                <a:ea typeface="微軟正黑體" panose="020B0604030504040204" pitchFamily="34" charset="-120"/>
+              </a:rPr>
+              <a:t>obj</a:t>
+            </a:r>
+            <a:r>
+              <a:rPr lang="en-US" sz="2400" dirty="0" err="1" smtClean="0">
+                <a:solidFill>
+                  <a:srgbClr val="FF0000"/>
+                </a:solidFill>
+                <a:latin typeface="微軟正黑體" panose="020B0604030504040204" pitchFamily="34" charset="-120"/>
+                <a:ea typeface="微軟正黑體" panose="020B0604030504040204" pitchFamily="34" charset="-120"/>
+              </a:rPr>
+              <a:t>_file</a:t>
+            </a:r>
+            <a:r>
+              <a:rPr lang="en-US" sz="2400" dirty="0" smtClean="0">
+                <a:solidFill>
+                  <a:srgbClr val="FF0000"/>
+                </a:solidFill>
+                <a:latin typeface="微軟正黑體" panose="020B0604030504040204" pitchFamily="34" charset="-120"/>
+                <a:ea typeface="微軟正黑體" panose="020B0604030504040204" pitchFamily="34" charset="-120"/>
+              </a:rPr>
+              <a:t> </a:t>
+            </a:r>
+            <a:r>
+              <a:rPr lang="en-US" sz="2400" dirty="0" smtClean="0">
+                <a:latin typeface="微軟正黑體" panose="020B0604030504040204" pitchFamily="34" charset="-120"/>
+                <a:ea typeface="微軟正黑體" panose="020B0604030504040204" pitchFamily="34" charset="-120"/>
+              </a:rPr>
+              <a:t>to measure execution time</a:t>
+            </a:r>
+          </a:p>
+          <a:p>
+            <a:r>
+              <a:rPr lang="en-US" sz="2400" dirty="0" smtClean="0">
+                <a:latin typeface="微軟正黑體" panose="020B0604030504040204" pitchFamily="34" charset="-120"/>
+                <a:ea typeface="微軟正黑體" panose="020B0604030504040204" pitchFamily="34" charset="-120"/>
+              </a:rPr>
+              <a:t>Computation is </a:t>
+            </a:r>
+            <a:r>
+              <a:rPr lang="cs-CZ" sz="2400" dirty="0" smtClean="0">
+                <a:latin typeface="微軟正黑體" panose="020B0604030504040204" pitchFamily="34" charset="-120"/>
+                <a:ea typeface="微軟正黑體" panose="020B0604030504040204" pitchFamily="34" charset="-120"/>
+              </a:rPr>
+              <a:t>338444697600 (338 </a:t>
+            </a:r>
+            <a:r>
+              <a:rPr lang="cs-CZ" sz="2400" dirty="0" err="1" smtClean="0">
+                <a:latin typeface="微軟正黑體" panose="020B0604030504040204" pitchFamily="34" charset="-120"/>
+                <a:ea typeface="微軟正黑體" panose="020B0604030504040204" pitchFamily="34" charset="-120"/>
+              </a:rPr>
+              <a:t>billion</a:t>
+            </a:r>
+            <a:r>
+              <a:rPr lang="cs-CZ" sz="2400" dirty="0" smtClean="0">
+                <a:latin typeface="微軟正黑體" panose="020B0604030504040204" pitchFamily="34" charset="-120"/>
+                <a:ea typeface="微軟正黑體" panose="020B0604030504040204" pitchFamily="34" charset="-120"/>
+              </a:rPr>
+              <a:t>!)</a:t>
+            </a:r>
+          </a:p>
+          <a:p>
+            <a:r>
+              <a:rPr lang="cs-CZ" sz="2400" dirty="0" err="1" smtClean="0">
+                <a:latin typeface="微軟正黑體" panose="020B0604030504040204" pitchFamily="34" charset="-120"/>
+                <a:ea typeface="微軟正黑體" panose="020B0604030504040204" pitchFamily="34" charset="-120"/>
+              </a:rPr>
+              <a:t>Check</a:t>
+            </a:r>
+            <a:r>
+              <a:rPr lang="cs-CZ" sz="2400" dirty="0" smtClean="0">
+                <a:latin typeface="微軟正黑體" panose="020B0604030504040204" pitchFamily="34" charset="-120"/>
+                <a:ea typeface="微軟正黑體" panose="020B0604030504040204" pitchFamily="34" charset="-120"/>
+              </a:rPr>
+              <a:t> </a:t>
+            </a:r>
+            <a:r>
+              <a:rPr lang="cs-CZ" sz="2400" dirty="0" err="1" smtClean="0">
+                <a:latin typeface="微軟正黑體" panose="020B0604030504040204" pitchFamily="34" charset="-120"/>
+                <a:ea typeface="微軟正黑體" panose="020B0604030504040204" pitchFamily="34" charset="-120"/>
+              </a:rPr>
+              <a:t>error</a:t>
+            </a:r>
+            <a:r>
+              <a:rPr lang="cs-CZ" sz="2400" dirty="0" smtClean="0">
+                <a:latin typeface="微軟正黑體" panose="020B0604030504040204" pitchFamily="34" charset="-120"/>
+                <a:ea typeface="微軟正黑體" panose="020B0604030504040204" pitchFamily="34" charset="-120"/>
+              </a:rPr>
+              <a:t> percent </a:t>
+            </a:r>
+            <a:r>
+              <a:rPr lang="cs-CZ" sz="2400" dirty="0" err="1" smtClean="0">
+                <a:latin typeface="微軟正黑體" panose="020B0604030504040204" pitchFamily="34" charset="-120"/>
+                <a:ea typeface="微軟正黑體" panose="020B0604030504040204" pitchFamily="34" charset="-120"/>
+              </a:rPr>
+              <a:t>if</a:t>
+            </a:r>
+            <a:r>
+              <a:rPr lang="cs-CZ" sz="2400" dirty="0" smtClean="0">
+                <a:latin typeface="微軟正黑體" panose="020B0604030504040204" pitchFamily="34" charset="-120"/>
+                <a:ea typeface="微軟正黑體" panose="020B0604030504040204" pitchFamily="34" charset="-120"/>
+              </a:rPr>
+              <a:t> </a:t>
+            </a:r>
+            <a:r>
+              <a:rPr lang="cs-CZ" sz="2400" dirty="0" err="1" smtClean="0">
+                <a:latin typeface="微軟正黑體" panose="020B0604030504040204" pitchFamily="34" charset="-120"/>
+                <a:ea typeface="微軟正黑體" panose="020B0604030504040204" pitchFamily="34" charset="-120"/>
+              </a:rPr>
+              <a:t>needed</a:t>
+            </a:r>
+            <a:r>
+              <a:rPr lang="cs-CZ" sz="2400" dirty="0" smtClean="0">
+                <a:latin typeface="微軟正黑體" panose="020B0604030504040204" pitchFamily="34" charset="-120"/>
+                <a:ea typeface="微軟正黑體" panose="020B0604030504040204" pitchFamily="34" charset="-120"/>
+              </a:rPr>
+              <a:t> (</a:t>
+            </a:r>
+            <a:r>
+              <a:rPr lang="cs-CZ" sz="2400" dirty="0" err="1" smtClean="0">
+                <a:latin typeface="微軟正黑體" panose="020B0604030504040204" pitchFamily="34" charset="-120"/>
+                <a:ea typeface="微軟正黑體" panose="020B0604030504040204" pitchFamily="34" charset="-120"/>
+              </a:rPr>
+              <a:t>diff</a:t>
+            </a:r>
+            <a:r>
+              <a:rPr lang="cs-CZ" sz="2400" dirty="0" smtClean="0">
+                <a:latin typeface="微軟正黑體" panose="020B0604030504040204" pitchFamily="34" charset="-120"/>
+                <a:ea typeface="微軟正黑體" panose="020B0604030504040204" pitchFamily="34" charset="-120"/>
+              </a:rPr>
+              <a:t> image)</a:t>
+            </a:r>
+            <a:endParaRPr lang="en-US" sz="2400" dirty="0">
+              <a:latin typeface="微軟正黑體" panose="020B0604030504040204" pitchFamily="34" charset="-120"/>
+              <a:ea typeface="微軟正黑體" panose="020B0604030504040204" pitchFamily="34" charset="-120"/>
+            </a:endParaRPr>
+          </a:p>
+        </p:txBody>
+      </p:sp>
+      <p:pic>
+        <p:nvPicPr>
+          <p:cNvPr id="6" name="圖片 5"/>
+          <p:cNvPicPr>
+            <a:picLocks noChangeAspect="1"/>
+          </p:cNvPicPr>
+          <p:nvPr/>
+        </p:nvPicPr>
+        <p:blipFill>
+          <a:blip r:embed="rId3" cstate="print">
+            <a:extLst>
+              <a:ext uri="{28A0092B-C50C-407E-A947-70E740481C1C}">
+                <a14:useLocalDpi xmlns:a14="http://schemas.microsoft.com/office/drawing/2010/main" val="0"/>
+              </a:ext>
+            </a:extLst>
+          </a:blip>
+          <a:stretch>
+            <a:fillRect/>
+          </a:stretch>
+        </p:blipFill>
+        <p:spPr>
+          <a:xfrm>
+            <a:off x="5918843" y="970450"/>
+            <a:ext cx="6094413" cy="3428107"/>
+          </a:xfrm>
+          <a:prstGeom prst="rect">
+            <a:avLst/>
+          </a:prstGeom>
+        </p:spPr>
+      </p:pic>
+    </p:spTree>
+    <p:extLst>
+      <p:ext uri="{BB962C8B-B14F-4D97-AF65-F5344CB8AC3E}">
+        <p14:creationId xmlns:p14="http://schemas.microsoft.com/office/powerpoint/2010/main" val="620951047"/>
+      </p:ext>
+    </p:extLst>
+  </p:cSld>
+  <p:clrMapOvr>
+    <a:masterClrMapping/>
+  </p:clrMapOvr>
+  <mc:AlternateContent xmlns:mc="http://schemas.openxmlformats.org/markup-compatibility/2006">
+    <mc:Choice xmlns:p14="http://schemas.microsoft.com/office/powerpoint/2010/main" Requires="p14">
+      <p:transition spd="med" p14:dur="700">
+        <p:fade/>
+      </p:transition>
+    </mc:Choice>
+    <mc:Fallback>
+      <p:transition spd="med">
+        <p:fade/>
+      </p:transition>
+    </mc:Fallback>
+  </mc:AlternateContent>
+  <p:timing>
+    <p:tnLst>
+      <p:par>
+        <p:cTn id="1" dur="indefinite" restart="never" nodeType="tmRoot"/>
+      </p:par>
+    </p:tnLst>
+  </p:timing>
+</p:sld>
+</file>
+
 <file path=ppt/slides/slide9.xml><?xml version="1.0" encoding="utf-8"?>
 <p:sld xmlns:a="http://schemas.openxmlformats.org/drawingml/2006/main" xmlns:r="http://schemas.openxmlformats.org/officeDocument/2006/relationships" xmlns:p="http://schemas.openxmlformats.org/presentationml/2006/main">
   <p:cSld>
@@ -15590,7 +16973,7 @@
       </p:grpSpPr>
       <p:sp>
         <p:nvSpPr>
-          <p:cNvPr id="4" name="標題 3"/>
+          <p:cNvPr id="7" name="標題 6"/>
           <p:cNvSpPr>
             <a:spLocks noGrp="1"/>
           </p:cNvSpPr>
@@ -15606,48 +16989,49 @@
             <a:pPr rtl="0"/>
             <a:r>
               <a:rPr lang="zh-TW" altLang="en-US" dirty="0" smtClean="0">
+                <a:latin typeface="Salesforce Sans"/>
+                <a:ea typeface="微軟正黑體" panose="020B0604030504040204" pitchFamily="34" charset="-120"/>
                 <a:sym typeface="Salesforce Sans"/>
               </a:rPr>
-              <a:t>新增投影片標題 </a:t>
-            </a:r>
-            <a:r>
-              <a:rPr lang="en-US" altLang="zh-TW" dirty="0" smtClean="0">
-                <a:sym typeface="Salesforce Sans"/>
-              </a:rPr>
-              <a:t>- 1</a:t>
+              <a:t>標題及含圖表的內容版面配置</a:t>
             </a:r>
             <a:endParaRPr lang="zh-TW" altLang="en-US" dirty="0">
+              <a:latin typeface="Salesforce Sans"/>
+              <a:ea typeface="微軟正黑體" panose="020B0604030504040204" pitchFamily="34" charset="-120"/>
               <a:sym typeface="Salesforce Sans"/>
             </a:endParaRPr>
           </a:p>
         </p:txBody>
       </p:sp>
-      <p:sp>
-        <p:nvSpPr>
-          <p:cNvPr id="5" name="文字預留位置 4"/>
-          <p:cNvSpPr>
-            <a:spLocks noGrp="1"/>
-          </p:cNvSpPr>
-          <p:nvPr>
-            <p:ph type="body" idx="1"/>
-          </p:nvPr>
-        </p:nvSpPr>
-        <p:spPr/>
-        <p:txBody>
-          <a:bodyPr rtlCol="0"/>
-          <a:lstStyle/>
-          <a:p>
-            <a:pPr rtl="0"/>
-            <a:endParaRPr lang="zh-TW" altLang="en-US" dirty="0">
-              <a:sym typeface="Salesforce Sans"/>
-            </a:endParaRPr>
-          </a:p>
-        </p:txBody>
-      </p:sp>
+      <p:graphicFrame>
+        <p:nvGraphicFramePr>
+          <p:cNvPr id="9" name="內容預留位置 8" descr="顯示由 3 種數列值所組成 4 種類別的群組直條圖"/>
+          <p:cNvGraphicFramePr>
+            <a:graphicFrameLocks noGrp="1"/>
+          </p:cNvGraphicFramePr>
+          <p:nvPr>
+            <p:ph idx="1"/>
+            <p:extLst>
+              <p:ext uri="{D42A27DB-BD31-4B8C-83A1-F6EECF244321}">
+                <p14:modId xmlns:p14="http://schemas.microsoft.com/office/powerpoint/2010/main" val="2963422385"/>
+              </p:ext>
+            </p:extLst>
+          </p:nvPr>
+        </p:nvGraphicFramePr>
+        <p:xfrm>
+          <a:off x="912813" y="1731963"/>
+          <a:ext cx="10352087" cy="4059237"/>
+        </p:xfrm>
+        <a:graphic>
+          <a:graphicData uri="http://schemas.openxmlformats.org/drawingml/2006/chart">
+            <c:chart xmlns:c="http://schemas.openxmlformats.org/drawingml/2006/chart" xmlns:r="http://schemas.openxmlformats.org/officeDocument/2006/relationships" r:id="rId3"/>
+          </a:graphicData>
+        </a:graphic>
+      </p:graphicFrame>
     </p:spTree>
     <p:extLst>
       <p:ext uri="{BB962C8B-B14F-4D97-AF65-F5344CB8AC3E}">
-        <p14:creationId xmlns:p14="http://schemas.microsoft.com/office/powerpoint/2010/main" val="4264977537"/>
+        <p14:creationId xmlns:p14="http://schemas.microsoft.com/office/powerpoint/2010/main" val="1484811712"/>
       </p:ext>
     </p:extLst>
   </p:cSld>

--- a/Final Project/Report.pptx
+++ b/Final Project/Report.pptx
@@ -5,10 +5,10 @@
     <p:sldMasterId id="2147483750" r:id="rId4"/>
   </p:sldMasterIdLst>
   <p:notesMasterIdLst>
-    <p:notesMasterId r:id="rId22"/>
+    <p:notesMasterId r:id="rId25"/>
   </p:notesMasterIdLst>
   <p:handoutMasterIdLst>
-    <p:handoutMasterId r:id="rId23"/>
+    <p:handoutMasterId r:id="rId26"/>
   </p:handoutMasterIdLst>
   <p:sldIdLst>
     <p:sldId id="257" r:id="rId5"/>
@@ -19,15 +19,18 @@
     <p:sldId id="276" r:id="rId10"/>
     <p:sldId id="278" r:id="rId11"/>
     <p:sldId id="277" r:id="rId12"/>
-    <p:sldId id="267" r:id="rId13"/>
-    <p:sldId id="269" r:id="rId14"/>
-    <p:sldId id="270" r:id="rId15"/>
-    <p:sldId id="259" r:id="rId16"/>
-    <p:sldId id="261" r:id="rId17"/>
-    <p:sldId id="262" r:id="rId18"/>
-    <p:sldId id="263" r:id="rId19"/>
-    <p:sldId id="271" r:id="rId20"/>
-    <p:sldId id="265" r:id="rId21"/>
+    <p:sldId id="279" r:id="rId13"/>
+    <p:sldId id="281" r:id="rId14"/>
+    <p:sldId id="280" r:id="rId15"/>
+    <p:sldId id="267" r:id="rId16"/>
+    <p:sldId id="269" r:id="rId17"/>
+    <p:sldId id="270" r:id="rId18"/>
+    <p:sldId id="259" r:id="rId19"/>
+    <p:sldId id="261" r:id="rId20"/>
+    <p:sldId id="262" r:id="rId21"/>
+    <p:sldId id="263" r:id="rId22"/>
+    <p:sldId id="271" r:id="rId23"/>
+    <p:sldId id="265" r:id="rId24"/>
   </p:sldIdLst>
   <p:sldSz cx="12188825" cy="6858000"/>
   <p:notesSz cx="6858000" cy="9144000"/>
@@ -406,11 +409,11 @@
         </c:dLbls>
         <c:gapWidth val="164"/>
         <c:overlap val="-35"/>
-        <c:axId val="2107036368"/>
-        <c:axId val="2104924608"/>
+        <c:axId val="2094774288"/>
+        <c:axId val="2114496032"/>
       </c:barChart>
       <c:catAx>
-        <c:axId val="2107036368"/>
+        <c:axId val="2094774288"/>
         <c:scaling>
           <c:orientation val="minMax"/>
         </c:scaling>
@@ -447,7 +450,7 @@
             <a:endParaRPr lang="zh-TW"/>
           </a:p>
         </c:txPr>
-        <c:crossAx val="2104924608"/>
+        <c:crossAx val="2114496032"/>
         <c:crosses val="autoZero"/>
         <c:auto val="1"/>
         <c:lblAlgn val="ctr"/>
@@ -455,7 +458,7 @@
         <c:noMultiLvlLbl val="0"/>
       </c:catAx>
       <c:valAx>
-        <c:axId val="2104924608"/>
+        <c:axId val="2114496032"/>
         <c:scaling>
           <c:orientation val="minMax"/>
         </c:scaling>
@@ -492,7 +495,7 @@
             <a:endParaRPr lang="zh-TW"/>
           </a:p>
         </c:txPr>
-        <c:crossAx val="2107036368"/>
+        <c:crossAx val="2094774288"/>
         <c:crosses val="autoZero"/>
         <c:crossBetween val="between"/>
       </c:valAx>
@@ -5833,7 +5836,7 @@
       </p:grpSpPr>
       <p:sp>
         <p:nvSpPr>
-          <p:cNvPr id="2" name="投影片圖像版面配置區 1"/>
+          <p:cNvPr id="2" name="投影片影像預留位置 1"/>
           <p:cNvSpPr>
             <a:spLocks noGrp="1" noRot="1" noChangeAspect="1"/>
           </p:cNvSpPr>
@@ -5845,7 +5848,7 @@
       </p:sp>
       <p:sp>
         <p:nvSpPr>
-          <p:cNvPr id="3" name="備忘稿版面配置區 2"/>
+          <p:cNvPr id="3" name="備忘稿預留位置 2"/>
           <p:cNvSpPr>
             <a:spLocks noGrp="1"/>
           </p:cNvSpPr>
@@ -5855,10 +5858,14 @@
         </p:nvSpPr>
         <p:spPr/>
         <p:txBody>
-          <a:bodyPr/>
+          <a:bodyPr rtlCol="0"/>
           <a:lstStyle/>
           <a:p>
-            <a:endParaRPr lang="zh-TW" altLang="en-US" dirty="0"/>
+            <a:pPr rtl="0"/>
+            <a:endParaRPr lang="zh-TW" altLang="en-US" noProof="0" dirty="0">
+              <a:latin typeface="+mj-ea"/>
+              <a:ea typeface="+mj-ea"/>
+            </a:endParaRPr>
           </a:p>
         </p:txBody>
       </p:sp>
@@ -5892,7 +5899,7 @@
                 <a:ea typeface="+mj-ea"/>
               </a:rPr>
               <a:pPr algn="r" rtl="0"/>
-              <a:t>13</a:t>
+              <a:t>14</a:t>
             </a:fld>
             <a:endParaRPr lang="zh-TW" altLang="en-US" dirty="0">
               <a:latin typeface="+mj-ea"/>
@@ -5904,7 +5911,7 @@
     </p:spTree>
     <p:extLst>
       <p:ext uri="{BB962C8B-B14F-4D97-AF65-F5344CB8AC3E}">
-        <p14:creationId xmlns:p14="http://schemas.microsoft.com/office/powerpoint/2010/main" val="2350785629"/>
+        <p14:creationId xmlns:p14="http://schemas.microsoft.com/office/powerpoint/2010/main" val="4117229062"/>
       </p:ext>
     </p:extLst>
   </p:cSld>
@@ -5958,7 +5965,10 @@
           <a:bodyPr/>
           <a:lstStyle/>
           <a:p>
-            <a:endParaRPr lang="zh-TW" altLang="en-US" dirty="0"/>
+            <a:endParaRPr lang="zh-TW" altLang="en-US" dirty="0">
+              <a:latin typeface="+mj-ea"/>
+              <a:ea typeface="+mj-ea"/>
+            </a:endParaRPr>
           </a:p>
         </p:txBody>
       </p:sp>
@@ -5992,7 +6002,7 @@
                 <a:ea typeface="+mj-ea"/>
               </a:rPr>
               <a:pPr algn="r" rtl="0"/>
-              <a:t>14</a:t>
+              <a:t>15</a:t>
             </a:fld>
             <a:endParaRPr lang="zh-TW" altLang="en-US" dirty="0">
               <a:latin typeface="+mj-ea"/>
@@ -6004,7 +6014,7 @@
     </p:spTree>
     <p:extLst>
       <p:ext uri="{BB962C8B-B14F-4D97-AF65-F5344CB8AC3E}">
-        <p14:creationId xmlns:p14="http://schemas.microsoft.com/office/powerpoint/2010/main" val="2978741859"/>
+        <p14:creationId xmlns:p14="http://schemas.microsoft.com/office/powerpoint/2010/main" val="2495838477"/>
       </p:ext>
     </p:extLst>
   </p:cSld>
@@ -6092,7 +6102,7 @@
                 <a:ea typeface="+mj-ea"/>
               </a:rPr>
               <a:pPr algn="r" rtl="0"/>
-              <a:t>15</a:t>
+              <a:t>16</a:t>
             </a:fld>
             <a:endParaRPr lang="zh-TW" altLang="en-US" dirty="0">
               <a:latin typeface="+mj-ea"/>
@@ -6104,7 +6114,7 @@
     </p:spTree>
     <p:extLst>
       <p:ext uri="{BB962C8B-B14F-4D97-AF65-F5344CB8AC3E}">
-        <p14:creationId xmlns:p14="http://schemas.microsoft.com/office/powerpoint/2010/main" val="1227375036"/>
+        <p14:creationId xmlns:p14="http://schemas.microsoft.com/office/powerpoint/2010/main" val="2350785629"/>
       </p:ext>
     </p:extLst>
   </p:cSld>
@@ -6192,7 +6202,7 @@
                 <a:ea typeface="+mj-ea"/>
               </a:rPr>
               <a:pPr algn="r" rtl="0"/>
-              <a:t>16</a:t>
+              <a:t>17</a:t>
             </a:fld>
             <a:endParaRPr lang="zh-TW" altLang="en-US" dirty="0">
               <a:latin typeface="+mj-ea"/>
@@ -6204,7 +6214,7 @@
     </p:spTree>
     <p:extLst>
       <p:ext uri="{BB962C8B-B14F-4D97-AF65-F5344CB8AC3E}">
-        <p14:creationId xmlns:p14="http://schemas.microsoft.com/office/powerpoint/2010/main" val="2270168328"/>
+        <p14:creationId xmlns:p14="http://schemas.microsoft.com/office/powerpoint/2010/main" val="2978741859"/>
       </p:ext>
     </p:extLst>
   </p:cSld>
@@ -6292,7 +6302,207 @@
                 <a:ea typeface="+mj-ea"/>
               </a:rPr>
               <a:pPr algn="r" rtl="0"/>
-              <a:t>17</a:t>
+              <a:t>18</a:t>
+            </a:fld>
+            <a:endParaRPr lang="zh-TW" altLang="en-US" dirty="0">
+              <a:latin typeface="+mj-ea"/>
+              <a:ea typeface="+mj-ea"/>
+            </a:endParaRPr>
+          </a:p>
+        </p:txBody>
+      </p:sp>
+    </p:spTree>
+    <p:extLst>
+      <p:ext uri="{BB962C8B-B14F-4D97-AF65-F5344CB8AC3E}">
+        <p14:creationId xmlns:p14="http://schemas.microsoft.com/office/powerpoint/2010/main" val="1227375036"/>
+      </p:ext>
+    </p:extLst>
+  </p:cSld>
+  <p:clrMapOvr>
+    <a:masterClrMapping/>
+  </p:clrMapOvr>
+</p:notes>
+</file>
+
+<file path=ppt/notesSlides/notesSlide15.xml><?xml version="1.0" encoding="utf-8"?>
+<p:notes xmlns:a="http://schemas.openxmlformats.org/drawingml/2006/main" xmlns:r="http://schemas.openxmlformats.org/officeDocument/2006/relationships" xmlns:p="http://schemas.openxmlformats.org/presentationml/2006/main">
+  <p:cSld>
+    <p:spTree>
+      <p:nvGrpSpPr>
+        <p:cNvPr id="1" name=""/>
+        <p:cNvGrpSpPr/>
+        <p:nvPr/>
+      </p:nvGrpSpPr>
+      <p:grpSpPr>
+        <a:xfrm>
+          <a:off x="0" y="0"/>
+          <a:ext cx="0" cy="0"/>
+          <a:chOff x="0" y="0"/>
+          <a:chExt cx="0" cy="0"/>
+        </a:xfrm>
+      </p:grpSpPr>
+      <p:sp>
+        <p:nvSpPr>
+          <p:cNvPr id="2" name="投影片圖像版面配置區 1"/>
+          <p:cNvSpPr>
+            <a:spLocks noGrp="1" noRot="1" noChangeAspect="1"/>
+          </p:cNvSpPr>
+          <p:nvPr>
+            <p:ph type="sldImg"/>
+          </p:nvPr>
+        </p:nvSpPr>
+        <p:spPr/>
+      </p:sp>
+      <p:sp>
+        <p:nvSpPr>
+          <p:cNvPr id="3" name="備忘稿版面配置區 2"/>
+          <p:cNvSpPr>
+            <a:spLocks noGrp="1"/>
+          </p:cNvSpPr>
+          <p:nvPr>
+            <p:ph type="body" idx="1"/>
+          </p:nvPr>
+        </p:nvSpPr>
+        <p:spPr/>
+        <p:txBody>
+          <a:bodyPr/>
+          <a:lstStyle/>
+          <a:p>
+            <a:endParaRPr lang="zh-TW" altLang="en-US" dirty="0"/>
+          </a:p>
+        </p:txBody>
+      </p:sp>
+      <p:sp>
+        <p:nvSpPr>
+          <p:cNvPr id="5" name="投影片編號版面配置區 3"/>
+          <p:cNvSpPr>
+            <a:spLocks noGrp="1"/>
+          </p:cNvSpPr>
+          <p:nvPr>
+            <p:ph type="sldNum" sz="quarter" idx="5"/>
+          </p:nvPr>
+        </p:nvSpPr>
+        <p:spPr>
+          <a:xfrm>
+            <a:off x="3884613" y="8685213"/>
+            <a:ext cx="2971800" cy="457200"/>
+          </a:xfrm>
+          <a:prstGeom prst="rect">
+            <a:avLst/>
+          </a:prstGeom>
+        </p:spPr>
+        <p:txBody>
+          <a:bodyPr/>
+          <a:lstStyle/>
+          <a:p>
+            <a:pPr algn="r" rtl="0"/>
+            <a:fld id="{3EBA5BD7-F043-4D1B-AA17-CD412FC534DE}" type="slidenum">
+              <a:rPr lang="en-US" altLang="zh-TW" smtClean="0">
+                <a:latin typeface="+mj-ea"/>
+                <a:ea typeface="+mj-ea"/>
+              </a:rPr>
+              <a:pPr algn="r" rtl="0"/>
+              <a:t>19</a:t>
+            </a:fld>
+            <a:endParaRPr lang="zh-TW" altLang="en-US" dirty="0">
+              <a:latin typeface="+mj-ea"/>
+              <a:ea typeface="+mj-ea"/>
+            </a:endParaRPr>
+          </a:p>
+        </p:txBody>
+      </p:sp>
+    </p:spTree>
+    <p:extLst>
+      <p:ext uri="{BB962C8B-B14F-4D97-AF65-F5344CB8AC3E}">
+        <p14:creationId xmlns:p14="http://schemas.microsoft.com/office/powerpoint/2010/main" val="2270168328"/>
+      </p:ext>
+    </p:extLst>
+  </p:cSld>
+  <p:clrMapOvr>
+    <a:masterClrMapping/>
+  </p:clrMapOvr>
+</p:notes>
+</file>
+
+<file path=ppt/notesSlides/notesSlide16.xml><?xml version="1.0" encoding="utf-8"?>
+<p:notes xmlns:a="http://schemas.openxmlformats.org/drawingml/2006/main" xmlns:r="http://schemas.openxmlformats.org/officeDocument/2006/relationships" xmlns:p="http://schemas.openxmlformats.org/presentationml/2006/main">
+  <p:cSld>
+    <p:spTree>
+      <p:nvGrpSpPr>
+        <p:cNvPr id="1" name=""/>
+        <p:cNvGrpSpPr/>
+        <p:nvPr/>
+      </p:nvGrpSpPr>
+      <p:grpSpPr>
+        <a:xfrm>
+          <a:off x="0" y="0"/>
+          <a:ext cx="0" cy="0"/>
+          <a:chOff x="0" y="0"/>
+          <a:chExt cx="0" cy="0"/>
+        </a:xfrm>
+      </p:grpSpPr>
+      <p:sp>
+        <p:nvSpPr>
+          <p:cNvPr id="2" name="投影片圖像版面配置區 1"/>
+          <p:cNvSpPr>
+            <a:spLocks noGrp="1" noRot="1" noChangeAspect="1"/>
+          </p:cNvSpPr>
+          <p:nvPr>
+            <p:ph type="sldImg"/>
+          </p:nvPr>
+        </p:nvSpPr>
+        <p:spPr/>
+      </p:sp>
+      <p:sp>
+        <p:nvSpPr>
+          <p:cNvPr id="3" name="備忘稿版面配置區 2"/>
+          <p:cNvSpPr>
+            <a:spLocks noGrp="1"/>
+          </p:cNvSpPr>
+          <p:nvPr>
+            <p:ph type="body" idx="1"/>
+          </p:nvPr>
+        </p:nvSpPr>
+        <p:spPr/>
+        <p:txBody>
+          <a:bodyPr/>
+          <a:lstStyle/>
+          <a:p>
+            <a:endParaRPr lang="zh-TW" altLang="en-US" dirty="0"/>
+          </a:p>
+        </p:txBody>
+      </p:sp>
+      <p:sp>
+        <p:nvSpPr>
+          <p:cNvPr id="5" name="投影片編號版面配置區 3"/>
+          <p:cNvSpPr>
+            <a:spLocks noGrp="1"/>
+          </p:cNvSpPr>
+          <p:nvPr>
+            <p:ph type="sldNum" sz="quarter" idx="5"/>
+          </p:nvPr>
+        </p:nvSpPr>
+        <p:spPr>
+          <a:xfrm>
+            <a:off x="3884613" y="8685213"/>
+            <a:ext cx="2971800" cy="457200"/>
+          </a:xfrm>
+          <a:prstGeom prst="rect">
+            <a:avLst/>
+          </a:prstGeom>
+        </p:spPr>
+        <p:txBody>
+          <a:bodyPr/>
+          <a:lstStyle/>
+          <a:p>
+            <a:pPr algn="r" rtl="0"/>
+            <a:fld id="{3EBA5BD7-F043-4D1B-AA17-CD412FC534DE}" type="slidenum">
+              <a:rPr lang="en-US" altLang="zh-TW" smtClean="0">
+                <a:latin typeface="+mj-ea"/>
+                <a:ea typeface="+mj-ea"/>
+              </a:rPr>
+              <a:pPr algn="r" rtl="0"/>
+              <a:t>20</a:t>
             </a:fld>
             <a:endParaRPr lang="zh-TW" altLang="en-US" dirty="0">
               <a:latin typeface="+mj-ea"/>
@@ -6804,7 +7014,7 @@
     </p:spTree>
     <p:extLst>
       <p:ext uri="{BB962C8B-B14F-4D97-AF65-F5344CB8AC3E}">
-        <p14:creationId xmlns:p14="http://schemas.microsoft.com/office/powerpoint/2010/main" val="2591913702"/>
+        <p14:creationId xmlns:p14="http://schemas.microsoft.com/office/powerpoint/2010/main" val="959025213"/>
       </p:ext>
     </p:extLst>
   </p:cSld>
@@ -6892,7 +7102,7 @@
                 <a:ea typeface="+mj-ea"/>
               </a:rPr>
               <a:pPr algn="r" rtl="0"/>
-              <a:t>10</a:t>
+              <a:t>11</a:t>
             </a:fld>
             <a:endParaRPr lang="zh-TW" altLang="en-US" dirty="0">
               <a:latin typeface="+mj-ea"/>
@@ -6904,7 +7114,7 @@
     </p:spTree>
     <p:extLst>
       <p:ext uri="{BB962C8B-B14F-4D97-AF65-F5344CB8AC3E}">
-        <p14:creationId xmlns:p14="http://schemas.microsoft.com/office/powerpoint/2010/main" val="3785988129"/>
+        <p14:creationId xmlns:p14="http://schemas.microsoft.com/office/powerpoint/2010/main" val="1754646481"/>
       </p:ext>
     </p:extLst>
   </p:cSld>
@@ -6933,7 +7143,7 @@
       </p:grpSpPr>
       <p:sp>
         <p:nvSpPr>
-          <p:cNvPr id="2" name="投影片影像預留位置 1"/>
+          <p:cNvPr id="2" name="投影片圖像版面配置區 1"/>
           <p:cNvSpPr>
             <a:spLocks noGrp="1" noRot="1" noChangeAspect="1"/>
           </p:cNvSpPr>
@@ -6945,7 +7155,7 @@
       </p:sp>
       <p:sp>
         <p:nvSpPr>
-          <p:cNvPr id="3" name="備忘稿預留位置 2"/>
+          <p:cNvPr id="3" name="備忘稿版面配置區 2"/>
           <p:cNvSpPr>
             <a:spLocks noGrp="1"/>
           </p:cNvSpPr>
@@ -6955,14 +7165,10 @@
         </p:nvSpPr>
         <p:spPr/>
         <p:txBody>
-          <a:bodyPr rtlCol="0"/>
+          <a:bodyPr/>
           <a:lstStyle/>
           <a:p>
-            <a:pPr rtl="0"/>
-            <a:endParaRPr lang="zh-TW" altLang="en-US" noProof="0" dirty="0">
-              <a:latin typeface="+mj-ea"/>
-              <a:ea typeface="+mj-ea"/>
-            </a:endParaRPr>
+            <a:endParaRPr lang="zh-TW" altLang="en-US" dirty="0"/>
           </a:p>
         </p:txBody>
       </p:sp>
@@ -6996,7 +7202,7 @@
                 <a:ea typeface="+mj-ea"/>
               </a:rPr>
               <a:pPr algn="r" rtl="0"/>
-              <a:t>11</a:t>
+              <a:t>12</a:t>
             </a:fld>
             <a:endParaRPr lang="zh-TW" altLang="en-US" dirty="0">
               <a:latin typeface="+mj-ea"/>
@@ -7008,7 +7214,7 @@
     </p:spTree>
     <p:extLst>
       <p:ext uri="{BB962C8B-B14F-4D97-AF65-F5344CB8AC3E}">
-        <p14:creationId xmlns:p14="http://schemas.microsoft.com/office/powerpoint/2010/main" val="4117229062"/>
+        <p14:creationId xmlns:p14="http://schemas.microsoft.com/office/powerpoint/2010/main" val="2591913702"/>
       </p:ext>
     </p:extLst>
   </p:cSld>
@@ -7062,10 +7268,7 @@
           <a:bodyPr/>
           <a:lstStyle/>
           <a:p>
-            <a:endParaRPr lang="zh-TW" altLang="en-US" dirty="0">
-              <a:latin typeface="+mj-ea"/>
-              <a:ea typeface="+mj-ea"/>
-            </a:endParaRPr>
+            <a:endParaRPr lang="zh-TW" altLang="en-US" dirty="0"/>
           </a:p>
         </p:txBody>
       </p:sp>
@@ -7099,7 +7302,7 @@
                 <a:ea typeface="+mj-ea"/>
               </a:rPr>
               <a:pPr algn="r" rtl="0"/>
-              <a:t>12</a:t>
+              <a:t>13</a:t>
             </a:fld>
             <a:endParaRPr lang="zh-TW" altLang="en-US" dirty="0">
               <a:latin typeface="+mj-ea"/>
@@ -7111,7 +7314,7 @@
     </p:spTree>
     <p:extLst>
       <p:ext uri="{BB962C8B-B14F-4D97-AF65-F5344CB8AC3E}">
-        <p14:creationId xmlns:p14="http://schemas.microsoft.com/office/powerpoint/2010/main" val="2495838477"/>
+        <p14:creationId xmlns:p14="http://schemas.microsoft.com/office/powerpoint/2010/main" val="3785988129"/>
       </p:ext>
     </p:extLst>
   </p:cSld>
@@ -13557,6 +13760,362 @@
             <p:ph type="title"/>
           </p:nvPr>
         </p:nvSpPr>
+        <p:spPr>
+          <a:xfrm>
+            <a:off x="-1" y="2971800"/>
+            <a:ext cx="12188825" cy="970450"/>
+          </a:xfrm>
+        </p:spPr>
+        <p:txBody>
+          <a:bodyPr>
+            <a:noAutofit/>
+          </a:bodyPr>
+          <a:lstStyle/>
+          <a:p>
+            <a:r>
+              <a:rPr kumimoji="1" lang="en-US" altLang="zh-TW" sz="8800" dirty="0" smtClean="0">
+                <a:latin typeface="+mj-ea"/>
+              </a:rPr>
+              <a:t>CAN WE DO FASTER?</a:t>
+            </a:r>
+            <a:endParaRPr kumimoji="1" lang="zh-TW" altLang="en-US" sz="8800" dirty="0">
+              <a:latin typeface="+mj-ea"/>
+            </a:endParaRPr>
+          </a:p>
+        </p:txBody>
+      </p:sp>
+    </p:spTree>
+    <p:extLst>
+      <p:ext uri="{BB962C8B-B14F-4D97-AF65-F5344CB8AC3E}">
+        <p14:creationId xmlns:p14="http://schemas.microsoft.com/office/powerpoint/2010/main" val="551854922"/>
+      </p:ext>
+    </p:extLst>
+  </p:cSld>
+  <p:clrMapOvr>
+    <a:masterClrMapping/>
+  </p:clrMapOvr>
+</p:sld>
+</file>
+
+<file path=ppt/slides/slide11.xml><?xml version="1.0" encoding="utf-8"?>
+<p:sld xmlns:a="http://schemas.openxmlformats.org/drawingml/2006/main" xmlns:r="http://schemas.openxmlformats.org/officeDocument/2006/relationships" xmlns:p="http://schemas.openxmlformats.org/presentationml/2006/main">
+  <p:cSld>
+    <p:spTree>
+      <p:nvGrpSpPr>
+        <p:cNvPr id="1" name=""/>
+        <p:cNvGrpSpPr/>
+        <p:nvPr/>
+      </p:nvGrpSpPr>
+      <p:grpSpPr>
+        <a:xfrm>
+          <a:off x="0" y="0"/>
+          <a:ext cx="0" cy="0"/>
+          <a:chOff x="0" y="0"/>
+          <a:chExt cx="0" cy="0"/>
+        </a:xfrm>
+      </p:grpSpPr>
+      <p:sp>
+        <p:nvSpPr>
+          <p:cNvPr id="13" name="標題 12"/>
+          <p:cNvSpPr>
+            <a:spLocks noGrp="1"/>
+          </p:cNvSpPr>
+          <p:nvPr>
+            <p:ph type="title"/>
+          </p:nvPr>
+        </p:nvSpPr>
+        <p:spPr>
+          <a:xfrm>
+            <a:off x="4590" y="0"/>
+            <a:ext cx="12153343" cy="970450"/>
+          </a:xfrm>
+        </p:spPr>
+        <p:txBody>
+          <a:bodyPr rtlCol="0">
+            <a:noAutofit/>
+          </a:bodyPr>
+          <a:lstStyle/>
+          <a:p>
+            <a:pPr rtl="0"/>
+            <a:r>
+              <a:rPr lang="en-US" altLang="zh-TW" sz="4800" dirty="0" smtClean="0">
+                <a:latin typeface="微軟正黑體" panose="020B0604030504040204" pitchFamily="34" charset="-120"/>
+                <a:ea typeface="微軟正黑體" panose="020B0604030504040204" pitchFamily="34" charset="-120"/>
+                <a:sym typeface="Salesforce Sans"/>
+              </a:rPr>
+              <a:t>Do faster with </a:t>
+            </a:r>
+            <a:r>
+              <a:rPr lang="en-US" altLang="zh-TW" sz="4800" dirty="0" smtClean="0">
+                <a:solidFill>
+                  <a:srgbClr val="FF0000"/>
+                </a:solidFill>
+                <a:latin typeface="微軟正黑體" panose="020B0604030504040204" pitchFamily="34" charset="-120"/>
+                <a:ea typeface="微軟正黑體" panose="020B0604030504040204" pitchFamily="34" charset="-120"/>
+                <a:sym typeface="Salesforce Sans"/>
+              </a:rPr>
+              <a:t>Constant Memory</a:t>
+            </a:r>
+            <a:endParaRPr lang="zh-TW" altLang="en-US" sz="4800" dirty="0">
+              <a:solidFill>
+                <a:srgbClr val="FF0000"/>
+              </a:solidFill>
+              <a:latin typeface="微軟正黑體" panose="020B0604030504040204" pitchFamily="34" charset="-120"/>
+              <a:ea typeface="微軟正黑體" panose="020B0604030504040204" pitchFamily="34" charset="-120"/>
+              <a:sym typeface="Salesforce Sans"/>
+            </a:endParaRPr>
+          </a:p>
+        </p:txBody>
+      </p:sp>
+      <p:sp>
+        <p:nvSpPr>
+          <p:cNvPr id="2" name="內容版面配置區 1"/>
+          <p:cNvSpPr>
+            <a:spLocks noGrp="1"/>
+          </p:cNvSpPr>
+          <p:nvPr>
+            <p:ph idx="1"/>
+          </p:nvPr>
+        </p:nvSpPr>
+        <p:spPr>
+          <a:xfrm>
+            <a:off x="42832" y="5887550"/>
+            <a:ext cx="12137897" cy="970450"/>
+          </a:xfrm>
+        </p:spPr>
+        <p:txBody>
+          <a:bodyPr>
+            <a:normAutofit lnSpcReduction="10000"/>
+          </a:bodyPr>
+          <a:lstStyle/>
+          <a:p>
+            <a:r>
+              <a:rPr lang="en-US" sz="2400" dirty="0" smtClean="0">
+                <a:latin typeface="微軟正黑體" panose="020B0604030504040204" pitchFamily="34" charset="-120"/>
+                <a:ea typeface="微軟正黑體" panose="020B0604030504040204" pitchFamily="34" charset="-120"/>
+              </a:rPr>
+              <a:t>Filter is frequently and repeatedly accessed but GPU global memory is quite slow.</a:t>
+            </a:r>
+          </a:p>
+          <a:p>
+            <a:r>
+              <a:rPr lang="en-US" sz="2400" dirty="0" smtClean="0">
+                <a:latin typeface="微軟正黑體" panose="020B0604030504040204" pitchFamily="34" charset="-120"/>
+                <a:ea typeface="微軟正黑體" panose="020B0604030504040204" pitchFamily="34" charset="-120"/>
+              </a:rPr>
+              <a:t>Use the </a:t>
+            </a:r>
+            <a:r>
+              <a:rPr lang="en-US" sz="2400" dirty="0" smtClean="0">
+                <a:solidFill>
+                  <a:srgbClr val="FF0000"/>
+                </a:solidFill>
+                <a:latin typeface="微軟正黑體" panose="020B0604030504040204" pitchFamily="34" charset="-120"/>
+                <a:ea typeface="微軟正黑體" panose="020B0604030504040204" pitchFamily="34" charset="-120"/>
+              </a:rPr>
+              <a:t>__constant__ </a:t>
+            </a:r>
+            <a:r>
+              <a:rPr lang="en-US" sz="2400" dirty="0" smtClean="0">
+                <a:latin typeface="微軟正黑體" panose="020B0604030504040204" pitchFamily="34" charset="-120"/>
+                <a:ea typeface="微軟正黑體" panose="020B0604030504040204" pitchFamily="34" charset="-120"/>
+              </a:rPr>
+              <a:t>identifier to declare the variables as constant</a:t>
+            </a:r>
+            <a:endParaRPr lang="en-US" sz="2400" dirty="0" smtClean="0">
+              <a:latin typeface="微軟正黑體" panose="020B0604030504040204" pitchFamily="34" charset="-120"/>
+              <a:ea typeface="微軟正黑體" panose="020B0604030504040204" pitchFamily="34" charset="-120"/>
+            </a:endParaRPr>
+          </a:p>
+        </p:txBody>
+      </p:sp>
+      <p:pic>
+        <p:nvPicPr>
+          <p:cNvPr id="3" name="圖片 2"/>
+          <p:cNvPicPr>
+            <a:picLocks noChangeAspect="1"/>
+          </p:cNvPicPr>
+          <p:nvPr/>
+        </p:nvPicPr>
+        <p:blipFill rotWithShape="1">
+          <a:blip r:embed="rId3">
+            <a:extLst>
+              <a:ext uri="{28A0092B-C50C-407E-A947-70E740481C1C}">
+                <a14:useLocalDpi xmlns:a14="http://schemas.microsoft.com/office/drawing/2010/main" val="0"/>
+              </a:ext>
+            </a:extLst>
+          </a:blip>
+          <a:srcRect l="2151" t="14388" b="8095"/>
+          <a:stretch/>
+        </p:blipFill>
+        <p:spPr>
+          <a:xfrm>
+            <a:off x="2055812" y="970450"/>
+            <a:ext cx="8102149" cy="4808836"/>
+          </a:xfrm>
+          <a:prstGeom prst="rect">
+            <a:avLst/>
+          </a:prstGeom>
+        </p:spPr>
+      </p:pic>
+    </p:spTree>
+    <p:extLst>
+      <p:ext uri="{BB962C8B-B14F-4D97-AF65-F5344CB8AC3E}">
+        <p14:creationId xmlns:p14="http://schemas.microsoft.com/office/powerpoint/2010/main" val="1916829704"/>
+      </p:ext>
+    </p:extLst>
+  </p:cSld>
+  <p:clrMapOvr>
+    <a:masterClrMapping/>
+  </p:clrMapOvr>
+  <mc:AlternateContent xmlns:mc="http://schemas.openxmlformats.org/markup-compatibility/2006">
+    <mc:Choice xmlns:p14="http://schemas.microsoft.com/office/powerpoint/2010/main" Requires="p14">
+      <p:transition spd="med" p14:dur="700">
+        <p:fade/>
+      </p:transition>
+    </mc:Choice>
+    <mc:Fallback>
+      <p:transition spd="med">
+        <p:fade/>
+      </p:transition>
+    </mc:Fallback>
+  </mc:AlternateContent>
+  <p:timing>
+    <p:tnLst>
+      <p:par>
+        <p:cTn id="1" dur="indefinite" restart="never" nodeType="tmRoot"/>
+      </p:par>
+    </p:tnLst>
+  </p:timing>
+</p:sld>
+</file>
+
+<file path=ppt/slides/slide12.xml><?xml version="1.0" encoding="utf-8"?>
+<p:sld xmlns:a="http://schemas.openxmlformats.org/drawingml/2006/main" xmlns:r="http://schemas.openxmlformats.org/officeDocument/2006/relationships" xmlns:p="http://schemas.openxmlformats.org/presentationml/2006/main">
+  <p:cSld>
+    <p:spTree>
+      <p:nvGrpSpPr>
+        <p:cNvPr id="1" name=""/>
+        <p:cNvGrpSpPr/>
+        <p:nvPr/>
+      </p:nvGrpSpPr>
+      <p:grpSpPr>
+        <a:xfrm>
+          <a:off x="0" y="0"/>
+          <a:ext cx="0" cy="0"/>
+          <a:chOff x="0" y="0"/>
+          <a:chExt cx="0" cy="0"/>
+        </a:xfrm>
+      </p:grpSpPr>
+      <p:sp>
+        <p:nvSpPr>
+          <p:cNvPr id="7" name="標題 6"/>
+          <p:cNvSpPr>
+            <a:spLocks noGrp="1"/>
+          </p:cNvSpPr>
+          <p:nvPr>
+            <p:ph type="title"/>
+          </p:nvPr>
+        </p:nvSpPr>
+        <p:spPr/>
+        <p:txBody>
+          <a:bodyPr rtlCol="0"/>
+          <a:lstStyle/>
+          <a:p>
+            <a:pPr rtl="0"/>
+            <a:r>
+              <a:rPr lang="zh-TW" altLang="en-US" dirty="0" smtClean="0">
+                <a:latin typeface="Salesforce Sans"/>
+                <a:ea typeface="微軟正黑體" panose="020B0604030504040204" pitchFamily="34" charset="-120"/>
+                <a:sym typeface="Salesforce Sans"/>
+              </a:rPr>
+              <a:t>標題及含圖表的內容版面配置</a:t>
+            </a:r>
+            <a:endParaRPr lang="zh-TW" altLang="en-US" dirty="0">
+              <a:latin typeface="Salesforce Sans"/>
+              <a:ea typeface="微軟正黑體" panose="020B0604030504040204" pitchFamily="34" charset="-120"/>
+              <a:sym typeface="Salesforce Sans"/>
+            </a:endParaRPr>
+          </a:p>
+        </p:txBody>
+      </p:sp>
+      <p:graphicFrame>
+        <p:nvGraphicFramePr>
+          <p:cNvPr id="9" name="內容預留位置 8" descr="顯示由 3 種數列值所組成 4 種類別的群組直條圖"/>
+          <p:cNvGraphicFramePr>
+            <a:graphicFrameLocks noGrp="1"/>
+          </p:cNvGraphicFramePr>
+          <p:nvPr>
+            <p:ph idx="1"/>
+            <p:extLst>
+              <p:ext uri="{D42A27DB-BD31-4B8C-83A1-F6EECF244321}">
+                <p14:modId xmlns:p14="http://schemas.microsoft.com/office/powerpoint/2010/main" val="2963422385"/>
+              </p:ext>
+            </p:extLst>
+          </p:nvPr>
+        </p:nvGraphicFramePr>
+        <p:xfrm>
+          <a:off x="912813" y="1731963"/>
+          <a:ext cx="10352087" cy="4059237"/>
+        </p:xfrm>
+        <a:graphic>
+          <a:graphicData uri="http://schemas.openxmlformats.org/drawingml/2006/chart">
+            <c:chart xmlns:c="http://schemas.openxmlformats.org/drawingml/2006/chart" xmlns:r="http://schemas.openxmlformats.org/officeDocument/2006/relationships" r:id="rId3"/>
+          </a:graphicData>
+        </a:graphic>
+      </p:graphicFrame>
+    </p:spTree>
+    <p:extLst>
+      <p:ext uri="{BB962C8B-B14F-4D97-AF65-F5344CB8AC3E}">
+        <p14:creationId xmlns:p14="http://schemas.microsoft.com/office/powerpoint/2010/main" val="1484811712"/>
+      </p:ext>
+    </p:extLst>
+  </p:cSld>
+  <p:clrMapOvr>
+    <a:masterClrMapping/>
+  </p:clrMapOvr>
+  <mc:AlternateContent xmlns:mc="http://schemas.openxmlformats.org/markup-compatibility/2006" xmlns:p14="http://schemas.microsoft.com/office/powerpoint/2010/main">
+    <mc:Choice Requires="p14">
+      <p:transition spd="med" p14:dur="700">
+        <p:fade/>
+      </p:transition>
+    </mc:Choice>
+    <mc:Fallback xmlns="">
+      <p:transition spd="med">
+        <p:fade/>
+      </p:transition>
+    </mc:Fallback>
+  </mc:AlternateContent>
+</p:sld>
+</file>
+
+<file path=ppt/slides/slide13.xml><?xml version="1.0" encoding="utf-8"?>
+<p:sld xmlns:a="http://schemas.openxmlformats.org/drawingml/2006/main" xmlns:r="http://schemas.openxmlformats.org/officeDocument/2006/relationships" xmlns:p="http://schemas.openxmlformats.org/presentationml/2006/main">
+  <p:cSld>
+    <p:spTree>
+      <p:nvGrpSpPr>
+        <p:cNvPr id="1" name=""/>
+        <p:cNvGrpSpPr/>
+        <p:nvPr/>
+      </p:nvGrpSpPr>
+      <p:grpSpPr>
+        <a:xfrm>
+          <a:off x="0" y="0"/>
+          <a:ext cx="0" cy="0"/>
+          <a:chOff x="0" y="0"/>
+          <a:chExt cx="0" cy="0"/>
+        </a:xfrm>
+      </p:grpSpPr>
+      <p:sp>
+        <p:nvSpPr>
+          <p:cNvPr id="2" name="標題 1"/>
+          <p:cNvSpPr>
+            <a:spLocks noGrp="1"/>
+          </p:cNvSpPr>
+          <p:nvPr>
+            <p:ph type="title"/>
+          </p:nvPr>
+        </p:nvSpPr>
         <p:spPr/>
         <p:txBody>
           <a:bodyPr rtlCol="0"/>
@@ -13662,21 +14221,21 @@
                 <a:gridCol w="1688042">
                   <a:extLst>
                     <a:ext uri="{9D8B030D-6E8A-4147-A177-3AD203B41FA5}">
-                      <a16:colId xmlns:a16="http://schemas.microsoft.com/office/drawing/2014/main" xmlns="" val="20000"/>
+                      <a16:colId xmlns="" xmlns:a16="http://schemas.microsoft.com/office/drawing/2014/main" val="20000"/>
                     </a:ext>
                   </a:extLst>
                 </a:gridCol>
                 <a:gridCol w="1688042">
                   <a:extLst>
                     <a:ext uri="{9D8B030D-6E8A-4147-A177-3AD203B41FA5}">
-                      <a16:colId xmlns:a16="http://schemas.microsoft.com/office/drawing/2014/main" xmlns="" val="20001"/>
+                      <a16:colId xmlns="" xmlns:a16="http://schemas.microsoft.com/office/drawing/2014/main" val="20001"/>
                     </a:ext>
                   </a:extLst>
                 </a:gridCol>
                 <a:gridCol w="1688042">
                   <a:extLst>
                     <a:ext uri="{9D8B030D-6E8A-4147-A177-3AD203B41FA5}">
-                      <a16:colId xmlns:a16="http://schemas.microsoft.com/office/drawing/2014/main" xmlns="" val="20002"/>
+                      <a16:colId xmlns="" xmlns:a16="http://schemas.microsoft.com/office/drawing/2014/main" val="20002"/>
                     </a:ext>
                   </a:extLst>
                 </a:gridCol>
@@ -13781,7 +14340,7 @@
                 </a:tc>
                 <a:extLst>
                   <a:ext uri="{0D108BD9-81ED-4DB2-BD59-A6C34878D82A}">
-                    <a16:rowId xmlns:a16="http://schemas.microsoft.com/office/drawing/2014/main" xmlns="" val="10000"/>
+                    <a16:rowId xmlns="" xmlns:a16="http://schemas.microsoft.com/office/drawing/2014/main" val="10000"/>
                   </a:ext>
                 </a:extLst>
               </a:tr>
@@ -13865,7 +14424,7 @@
                 </a:tc>
                 <a:extLst>
                   <a:ext uri="{0D108BD9-81ED-4DB2-BD59-A6C34878D82A}">
-                    <a16:rowId xmlns:a16="http://schemas.microsoft.com/office/drawing/2014/main" xmlns="" val="10001"/>
+                    <a16:rowId xmlns="" xmlns:a16="http://schemas.microsoft.com/office/drawing/2014/main" val="10001"/>
                   </a:ext>
                 </a:extLst>
               </a:tr>
@@ -13949,7 +14508,7 @@
                 </a:tc>
                 <a:extLst>
                   <a:ext uri="{0D108BD9-81ED-4DB2-BD59-A6C34878D82A}">
-                    <a16:rowId xmlns:a16="http://schemas.microsoft.com/office/drawing/2014/main" xmlns="" val="10002"/>
+                    <a16:rowId xmlns="" xmlns:a16="http://schemas.microsoft.com/office/drawing/2014/main" val="10002"/>
                   </a:ext>
                 </a:extLst>
               </a:tr>
@@ -14033,7 +14592,7 @@
                 </a:tc>
                 <a:extLst>
                   <a:ext uri="{0D108BD9-81ED-4DB2-BD59-A6C34878D82A}">
-                    <a16:rowId xmlns:a16="http://schemas.microsoft.com/office/drawing/2014/main" xmlns="" val="10003"/>
+                    <a16:rowId xmlns="" xmlns:a16="http://schemas.microsoft.com/office/drawing/2014/main" val="10003"/>
                   </a:ext>
                 </a:extLst>
               </a:tr>
@@ -14045,421 +14604,6 @@
     <p:extLst>
       <p:ext uri="{BB962C8B-B14F-4D97-AF65-F5344CB8AC3E}">
         <p14:creationId xmlns:p14="http://schemas.microsoft.com/office/powerpoint/2010/main" val="2341911148"/>
-      </p:ext>
-    </p:extLst>
-  </p:cSld>
-  <p:clrMapOvr>
-    <a:masterClrMapping/>
-  </p:clrMapOvr>
-  <mc:AlternateContent xmlns:mc="http://schemas.openxmlformats.org/markup-compatibility/2006" xmlns:p14="http://schemas.microsoft.com/office/powerpoint/2010/main">
-    <mc:Choice Requires="p14">
-      <p:transition spd="med" p14:dur="700">
-        <p:fade/>
-      </p:transition>
-    </mc:Choice>
-    <mc:Fallback xmlns="">
-      <p:transition spd="med">
-        <p:fade/>
-      </p:transition>
-    </mc:Fallback>
-  </mc:AlternateContent>
-</p:sld>
-</file>
-
-<file path=ppt/slides/slide11.xml><?xml version="1.0" encoding="utf-8"?>
-<p:sld xmlns:a="http://schemas.openxmlformats.org/drawingml/2006/main" xmlns:r="http://schemas.openxmlformats.org/officeDocument/2006/relationships" xmlns:p="http://schemas.openxmlformats.org/presentationml/2006/main">
-  <p:cSld>
-    <p:spTree>
-      <p:nvGrpSpPr>
-        <p:cNvPr id="1" name=""/>
-        <p:cNvGrpSpPr/>
-        <p:nvPr/>
-      </p:nvGrpSpPr>
-      <p:grpSpPr>
-        <a:xfrm>
-          <a:off x="0" y="0"/>
-          <a:ext cx="0" cy="0"/>
-          <a:chOff x="0" y="0"/>
-          <a:chExt cx="0" cy="0"/>
-        </a:xfrm>
-      </p:grpSpPr>
-      <p:sp>
-        <p:nvSpPr>
-          <p:cNvPr id="2" name="標題 1"/>
-          <p:cNvSpPr>
-            <a:spLocks noGrp="1"/>
-          </p:cNvSpPr>
-          <p:nvPr>
-            <p:ph type="title"/>
-          </p:nvPr>
-        </p:nvSpPr>
-        <p:spPr/>
-        <p:txBody>
-          <a:bodyPr rtlCol="0"/>
-          <a:lstStyle/>
-          <a:p>
-            <a:pPr rtl="0"/>
-            <a:r>
-              <a:rPr lang="zh-TW" altLang="en-US" dirty="0" smtClean="0">
-                <a:sym typeface="Salesforce Sans"/>
-              </a:rPr>
-              <a:t>含 </a:t>
-            </a:r>
-            <a:r>
-              <a:rPr lang="en-US" altLang="zh-TW" dirty="0" smtClean="0">
-                <a:sym typeface="Salesforce Sans"/>
-              </a:rPr>
-              <a:t>SmartArt </a:t>
-            </a:r>
-            <a:r>
-              <a:rPr lang="zh-TW" altLang="en-US" dirty="0" smtClean="0">
-                <a:sym typeface="Salesforce Sans"/>
-              </a:rPr>
-              <a:t>的兩項內容版面配置</a:t>
-            </a:r>
-            <a:endParaRPr lang="zh-TW" altLang="en-US" dirty="0">
-              <a:sym typeface="Salesforce Sans"/>
-            </a:endParaRPr>
-          </a:p>
-        </p:txBody>
-      </p:sp>
-      <p:sp>
-        <p:nvSpPr>
-          <p:cNvPr id="3" name="內容預留位置 2"/>
-          <p:cNvSpPr>
-            <a:spLocks noGrp="1"/>
-          </p:cNvSpPr>
-          <p:nvPr>
-            <p:ph sz="half" idx="1"/>
-          </p:nvPr>
-        </p:nvSpPr>
-        <p:spPr/>
-        <p:txBody>
-          <a:bodyPr rtlCol="0"/>
-          <a:lstStyle/>
-          <a:p>
-            <a:pPr rtl="0"/>
-            <a:r>
-              <a:rPr lang="zh-TW" altLang="en-US" dirty="0" smtClean="0">
-                <a:sym typeface="Salesforce Sans"/>
-              </a:rPr>
-              <a:t>第一個項目符號</a:t>
-            </a:r>
-          </a:p>
-          <a:p>
-            <a:pPr rtl="0"/>
-            <a:r>
-              <a:rPr lang="zh-TW" altLang="en-US" dirty="0" smtClean="0">
-                <a:sym typeface="Salesforce Sans"/>
-              </a:rPr>
-              <a:t>第二個項目符號</a:t>
-            </a:r>
-          </a:p>
-          <a:p>
-            <a:pPr rtl="0"/>
-            <a:r>
-              <a:rPr lang="zh-TW" altLang="en-US" dirty="0" smtClean="0">
-                <a:sym typeface="Salesforce Sans"/>
-              </a:rPr>
-              <a:t>第三個項目符號</a:t>
-            </a:r>
-            <a:endParaRPr lang="zh-TW" altLang="en-US" dirty="0">
-              <a:sym typeface="Salesforce Sans"/>
-            </a:endParaRPr>
-          </a:p>
-        </p:txBody>
-      </p:sp>
-      <p:graphicFrame>
-        <p:nvGraphicFramePr>
-          <p:cNvPr id="5" name="內容預留位置 4" descr="由上至下依序顯示 3 項工作的交錯流程圖，兩個向下箭號用來表示由第一項工作到第二項工作，再由第二項工作到第三項工作的進程。"/>
-          <p:cNvGraphicFramePr>
-            <a:graphicFrameLocks noGrp="1"/>
-          </p:cNvGraphicFramePr>
-          <p:nvPr>
-            <p:ph sz="half" idx="2"/>
-            <p:extLst>
-              <p:ext uri="{D42A27DB-BD31-4B8C-83A1-F6EECF244321}">
-                <p14:modId xmlns:p14="http://schemas.microsoft.com/office/powerpoint/2010/main" val="2150814564"/>
-              </p:ext>
-            </p:extLst>
-          </p:nvPr>
-        </p:nvGraphicFramePr>
-        <p:xfrm>
-          <a:off x="6200775" y="1731963"/>
-          <a:ext cx="5064125" cy="4059237"/>
-        </p:xfrm>
-        <a:graphic>
-          <a:graphicData uri="http://schemas.openxmlformats.org/drawingml/2006/diagram">
-            <dgm:relIds xmlns:dgm="http://schemas.openxmlformats.org/drawingml/2006/diagram" xmlns:r="http://schemas.openxmlformats.org/officeDocument/2006/relationships" r:dm="rId3" r:lo="rId4" r:qs="rId5" r:cs="rId6"/>
-          </a:graphicData>
-        </a:graphic>
-      </p:graphicFrame>
-    </p:spTree>
-    <p:extLst>
-      <p:ext uri="{BB962C8B-B14F-4D97-AF65-F5344CB8AC3E}">
-        <p14:creationId xmlns:p14="http://schemas.microsoft.com/office/powerpoint/2010/main" val="4123189245"/>
-      </p:ext>
-    </p:extLst>
-  </p:cSld>
-  <p:clrMapOvr>
-    <a:masterClrMapping/>
-  </p:clrMapOvr>
-  <mc:AlternateContent xmlns:mc="http://schemas.openxmlformats.org/markup-compatibility/2006" xmlns:p14="http://schemas.microsoft.com/office/powerpoint/2010/main">
-    <mc:Choice Requires="p14">
-      <p:transition spd="med" p14:dur="700">
-        <p:fade/>
-      </p:transition>
-    </mc:Choice>
-    <mc:Fallback xmlns="">
-      <p:transition spd="med">
-        <p:fade/>
-      </p:transition>
-    </mc:Fallback>
-  </mc:AlternateContent>
-</p:sld>
-</file>
-
-<file path=ppt/slides/slide12.xml><?xml version="1.0" encoding="utf-8"?>
-<p:sld xmlns:a="http://schemas.openxmlformats.org/drawingml/2006/main" xmlns:r="http://schemas.openxmlformats.org/officeDocument/2006/relationships" xmlns:p="http://schemas.openxmlformats.org/presentationml/2006/main">
-  <p:cSld>
-    <p:spTree>
-      <p:nvGrpSpPr>
-        <p:cNvPr id="1" name=""/>
-        <p:cNvGrpSpPr/>
-        <p:nvPr/>
-      </p:nvGrpSpPr>
-      <p:grpSpPr>
-        <a:xfrm>
-          <a:off x="0" y="0"/>
-          <a:ext cx="0" cy="0"/>
-          <a:chOff x="0" y="0"/>
-          <a:chExt cx="0" cy="0"/>
-        </a:xfrm>
-      </p:grpSpPr>
-      <p:sp>
-        <p:nvSpPr>
-          <p:cNvPr id="4" name="標題 3"/>
-          <p:cNvSpPr>
-            <a:spLocks noGrp="1"/>
-          </p:cNvSpPr>
-          <p:nvPr>
-            <p:ph type="title"/>
-          </p:nvPr>
-        </p:nvSpPr>
-        <p:spPr/>
-        <p:txBody>
-          <a:bodyPr rtlCol="0"/>
-          <a:lstStyle/>
-          <a:p>
-            <a:pPr rtl="0"/>
-            <a:r>
-              <a:rPr lang="zh-TW" altLang="en-US" dirty="0" smtClean="0">
-                <a:sym typeface="Salesforce Sans"/>
-              </a:rPr>
-              <a:t>新增投影片標題 </a:t>
-            </a:r>
-            <a:r>
-              <a:rPr lang="en-US" altLang="zh-TW" dirty="0" smtClean="0">
-                <a:sym typeface="Salesforce Sans"/>
-              </a:rPr>
-              <a:t>- 1</a:t>
-            </a:r>
-            <a:endParaRPr lang="zh-TW" altLang="en-US" dirty="0">
-              <a:sym typeface="Salesforce Sans"/>
-            </a:endParaRPr>
-          </a:p>
-        </p:txBody>
-      </p:sp>
-      <p:sp>
-        <p:nvSpPr>
-          <p:cNvPr id="5" name="文字預留位置 4"/>
-          <p:cNvSpPr>
-            <a:spLocks noGrp="1"/>
-          </p:cNvSpPr>
-          <p:nvPr>
-            <p:ph type="body" idx="1"/>
-          </p:nvPr>
-        </p:nvSpPr>
-        <p:spPr/>
-        <p:txBody>
-          <a:bodyPr rtlCol="0"/>
-          <a:lstStyle/>
-          <a:p>
-            <a:pPr rtl="0"/>
-            <a:endParaRPr lang="zh-TW" altLang="en-US" dirty="0">
-              <a:sym typeface="Salesforce Sans"/>
-            </a:endParaRPr>
-          </a:p>
-        </p:txBody>
-      </p:sp>
-    </p:spTree>
-    <p:extLst>
-      <p:ext uri="{BB962C8B-B14F-4D97-AF65-F5344CB8AC3E}">
-        <p14:creationId xmlns:p14="http://schemas.microsoft.com/office/powerpoint/2010/main" val="4264977537"/>
-      </p:ext>
-    </p:extLst>
-  </p:cSld>
-  <p:clrMapOvr>
-    <a:masterClrMapping/>
-  </p:clrMapOvr>
-  <mc:AlternateContent xmlns:mc="http://schemas.openxmlformats.org/markup-compatibility/2006" xmlns:p14="http://schemas.microsoft.com/office/powerpoint/2010/main">
-    <mc:Choice Requires="p14">
-      <p:transition spd="med" p14:dur="700">
-        <p:fade/>
-      </p:transition>
-    </mc:Choice>
-    <mc:Fallback xmlns="">
-      <p:transition spd="med">
-        <p:fade/>
-      </p:transition>
-    </mc:Fallback>
-  </mc:AlternateContent>
-</p:sld>
-</file>
-
-<file path=ppt/slides/slide13.xml><?xml version="1.0" encoding="utf-8"?>
-<p:sld xmlns:a="http://schemas.openxmlformats.org/drawingml/2006/main" xmlns:r="http://schemas.openxmlformats.org/officeDocument/2006/relationships" xmlns:p="http://schemas.openxmlformats.org/presentationml/2006/main">
-  <p:cSld>
-    <p:spTree>
-      <p:nvGrpSpPr>
-        <p:cNvPr id="1" name=""/>
-        <p:cNvGrpSpPr/>
-        <p:nvPr/>
-      </p:nvGrpSpPr>
-      <p:grpSpPr>
-        <a:xfrm>
-          <a:off x="0" y="0"/>
-          <a:ext cx="0" cy="0"/>
-          <a:chOff x="0" y="0"/>
-          <a:chExt cx="0" cy="0"/>
-        </a:xfrm>
-      </p:grpSpPr>
-      <p:sp>
-        <p:nvSpPr>
-          <p:cNvPr id="7" name="標題 6"/>
-          <p:cNvSpPr>
-            <a:spLocks noGrp="1"/>
-          </p:cNvSpPr>
-          <p:nvPr>
-            <p:ph type="title"/>
-          </p:nvPr>
-        </p:nvSpPr>
-        <p:spPr/>
-        <p:txBody>
-          <a:bodyPr rtlCol="0"/>
-          <a:lstStyle/>
-          <a:p>
-            <a:pPr rtl="0"/>
-            <a:r>
-              <a:rPr lang="zh-TW" altLang="en-US" dirty="0" smtClean="0">
-                <a:sym typeface="Salesforce Sans"/>
-              </a:rPr>
-              <a:t>新增投影片標題 </a:t>
-            </a:r>
-            <a:r>
-              <a:rPr lang="en-US" altLang="zh-TW" dirty="0" smtClean="0">
-                <a:sym typeface="Salesforce Sans"/>
-              </a:rPr>
-              <a:t>- 2</a:t>
-            </a:r>
-            <a:endParaRPr lang="zh-TW" altLang="en-US" dirty="0">
-              <a:sym typeface="Salesforce Sans"/>
-            </a:endParaRPr>
-          </a:p>
-        </p:txBody>
-      </p:sp>
-      <p:sp>
-        <p:nvSpPr>
-          <p:cNvPr id="8" name="文字預留位置 7"/>
-          <p:cNvSpPr>
-            <a:spLocks noGrp="1"/>
-          </p:cNvSpPr>
-          <p:nvPr>
-            <p:ph type="body" idx="1"/>
-          </p:nvPr>
-        </p:nvSpPr>
-        <p:spPr/>
-        <p:txBody>
-          <a:bodyPr rtlCol="0"/>
-          <a:lstStyle/>
-          <a:p>
-            <a:pPr rtl="0"/>
-            <a:endParaRPr lang="zh-TW" altLang="en-US" dirty="0">
-              <a:sym typeface="Salesforce Sans"/>
-            </a:endParaRPr>
-          </a:p>
-        </p:txBody>
-      </p:sp>
-      <p:sp>
-        <p:nvSpPr>
-          <p:cNvPr id="10" name="內容預留位置 9"/>
-          <p:cNvSpPr>
-            <a:spLocks noGrp="1"/>
-          </p:cNvSpPr>
-          <p:nvPr>
-            <p:ph sz="half" idx="2"/>
-          </p:nvPr>
-        </p:nvSpPr>
-        <p:spPr/>
-        <p:txBody>
-          <a:bodyPr rtlCol="0"/>
-          <a:lstStyle/>
-          <a:p>
-            <a:pPr rtl="0"/>
-            <a:endParaRPr lang="zh-TW" altLang="en-US" dirty="0">
-              <a:sym typeface="Salesforce Sans"/>
-            </a:endParaRPr>
-          </a:p>
-        </p:txBody>
-      </p:sp>
-      <p:sp>
-        <p:nvSpPr>
-          <p:cNvPr id="9" name="文字預留位置 8"/>
-          <p:cNvSpPr>
-            <a:spLocks noGrp="1"/>
-          </p:cNvSpPr>
-          <p:nvPr>
-            <p:ph type="body" sz="quarter" idx="3"/>
-          </p:nvPr>
-        </p:nvSpPr>
-        <p:spPr/>
-        <p:txBody>
-          <a:bodyPr rtlCol="0"/>
-          <a:lstStyle/>
-          <a:p>
-            <a:pPr rtl="0"/>
-            <a:endParaRPr lang="zh-TW" altLang="en-US" dirty="0">
-              <a:sym typeface="Salesforce Sans"/>
-            </a:endParaRPr>
-          </a:p>
-        </p:txBody>
-      </p:sp>
-      <p:sp>
-        <p:nvSpPr>
-          <p:cNvPr id="11" name="內容預留位置 10"/>
-          <p:cNvSpPr>
-            <a:spLocks noGrp="1"/>
-          </p:cNvSpPr>
-          <p:nvPr>
-            <p:ph sz="quarter" idx="4"/>
-          </p:nvPr>
-        </p:nvSpPr>
-        <p:spPr/>
-        <p:txBody>
-          <a:bodyPr rtlCol="0"/>
-          <a:lstStyle/>
-          <a:p>
-            <a:pPr rtl="0"/>
-            <a:endParaRPr lang="zh-TW" altLang="en-US" dirty="0">
-              <a:sym typeface="Salesforce Sans"/>
-            </a:endParaRPr>
-          </a:p>
-        </p:txBody>
-      </p:sp>
-    </p:spTree>
-    <p:extLst>
-      <p:ext uri="{BB962C8B-B14F-4D97-AF65-F5344CB8AC3E}">
-        <p14:creationId xmlns:p14="http://schemas.microsoft.com/office/powerpoint/2010/main" val="2672039197"/>
       </p:ext>
     </p:extLst>
   </p:cSld>
@@ -14500,6 +14644,421 @@
       </p:grpSpPr>
       <p:sp>
         <p:nvSpPr>
+          <p:cNvPr id="2" name="標題 1"/>
+          <p:cNvSpPr>
+            <a:spLocks noGrp="1"/>
+          </p:cNvSpPr>
+          <p:nvPr>
+            <p:ph type="title"/>
+          </p:nvPr>
+        </p:nvSpPr>
+        <p:spPr/>
+        <p:txBody>
+          <a:bodyPr rtlCol="0"/>
+          <a:lstStyle/>
+          <a:p>
+            <a:pPr rtl="0"/>
+            <a:r>
+              <a:rPr lang="zh-TW" altLang="en-US" dirty="0" smtClean="0">
+                <a:sym typeface="Salesforce Sans"/>
+              </a:rPr>
+              <a:t>含 </a:t>
+            </a:r>
+            <a:r>
+              <a:rPr lang="en-US" altLang="zh-TW" dirty="0" smtClean="0">
+                <a:sym typeface="Salesforce Sans"/>
+              </a:rPr>
+              <a:t>SmartArt </a:t>
+            </a:r>
+            <a:r>
+              <a:rPr lang="zh-TW" altLang="en-US" dirty="0" smtClean="0">
+                <a:sym typeface="Salesforce Sans"/>
+              </a:rPr>
+              <a:t>的兩項內容版面配置</a:t>
+            </a:r>
+            <a:endParaRPr lang="zh-TW" altLang="en-US" dirty="0">
+              <a:sym typeface="Salesforce Sans"/>
+            </a:endParaRPr>
+          </a:p>
+        </p:txBody>
+      </p:sp>
+      <p:sp>
+        <p:nvSpPr>
+          <p:cNvPr id="3" name="內容預留位置 2"/>
+          <p:cNvSpPr>
+            <a:spLocks noGrp="1"/>
+          </p:cNvSpPr>
+          <p:nvPr>
+            <p:ph sz="half" idx="1"/>
+          </p:nvPr>
+        </p:nvSpPr>
+        <p:spPr/>
+        <p:txBody>
+          <a:bodyPr rtlCol="0"/>
+          <a:lstStyle/>
+          <a:p>
+            <a:pPr rtl="0"/>
+            <a:r>
+              <a:rPr lang="zh-TW" altLang="en-US" dirty="0" smtClean="0">
+                <a:sym typeface="Salesforce Sans"/>
+              </a:rPr>
+              <a:t>第一個項目符號</a:t>
+            </a:r>
+          </a:p>
+          <a:p>
+            <a:pPr rtl="0"/>
+            <a:r>
+              <a:rPr lang="zh-TW" altLang="en-US" dirty="0" smtClean="0">
+                <a:sym typeface="Salesforce Sans"/>
+              </a:rPr>
+              <a:t>第二個項目符號</a:t>
+            </a:r>
+          </a:p>
+          <a:p>
+            <a:pPr rtl="0"/>
+            <a:r>
+              <a:rPr lang="zh-TW" altLang="en-US" dirty="0" smtClean="0">
+                <a:sym typeface="Salesforce Sans"/>
+              </a:rPr>
+              <a:t>第三個項目符號</a:t>
+            </a:r>
+            <a:endParaRPr lang="zh-TW" altLang="en-US" dirty="0">
+              <a:sym typeface="Salesforce Sans"/>
+            </a:endParaRPr>
+          </a:p>
+        </p:txBody>
+      </p:sp>
+      <p:graphicFrame>
+        <p:nvGraphicFramePr>
+          <p:cNvPr id="5" name="內容預留位置 4" descr="由上至下依序顯示 3 項工作的交錯流程圖，兩個向下箭號用來表示由第一項工作到第二項工作，再由第二項工作到第三項工作的進程。"/>
+          <p:cNvGraphicFramePr>
+            <a:graphicFrameLocks noGrp="1"/>
+          </p:cNvGraphicFramePr>
+          <p:nvPr>
+            <p:ph sz="half" idx="2"/>
+            <p:extLst>
+              <p:ext uri="{D42A27DB-BD31-4B8C-83A1-F6EECF244321}">
+                <p14:modId xmlns:p14="http://schemas.microsoft.com/office/powerpoint/2010/main" val="2150814564"/>
+              </p:ext>
+            </p:extLst>
+          </p:nvPr>
+        </p:nvGraphicFramePr>
+        <p:xfrm>
+          <a:off x="6200775" y="1731963"/>
+          <a:ext cx="5064125" cy="4059237"/>
+        </p:xfrm>
+        <a:graphic>
+          <a:graphicData uri="http://schemas.openxmlformats.org/drawingml/2006/diagram">
+            <dgm:relIds xmlns:dgm="http://schemas.openxmlformats.org/drawingml/2006/diagram" xmlns:r="http://schemas.openxmlformats.org/officeDocument/2006/relationships" r:dm="rId3" r:lo="rId4" r:qs="rId5" r:cs="rId6"/>
+          </a:graphicData>
+        </a:graphic>
+      </p:graphicFrame>
+    </p:spTree>
+    <p:extLst>
+      <p:ext uri="{BB962C8B-B14F-4D97-AF65-F5344CB8AC3E}">
+        <p14:creationId xmlns:p14="http://schemas.microsoft.com/office/powerpoint/2010/main" val="4123189245"/>
+      </p:ext>
+    </p:extLst>
+  </p:cSld>
+  <p:clrMapOvr>
+    <a:masterClrMapping/>
+  </p:clrMapOvr>
+  <mc:AlternateContent xmlns:mc="http://schemas.openxmlformats.org/markup-compatibility/2006" xmlns:p14="http://schemas.microsoft.com/office/powerpoint/2010/main">
+    <mc:Choice Requires="p14">
+      <p:transition spd="med" p14:dur="700">
+        <p:fade/>
+      </p:transition>
+    </mc:Choice>
+    <mc:Fallback xmlns="">
+      <p:transition spd="med">
+        <p:fade/>
+      </p:transition>
+    </mc:Fallback>
+  </mc:AlternateContent>
+</p:sld>
+</file>
+
+<file path=ppt/slides/slide15.xml><?xml version="1.0" encoding="utf-8"?>
+<p:sld xmlns:a="http://schemas.openxmlformats.org/drawingml/2006/main" xmlns:r="http://schemas.openxmlformats.org/officeDocument/2006/relationships" xmlns:p="http://schemas.openxmlformats.org/presentationml/2006/main">
+  <p:cSld>
+    <p:spTree>
+      <p:nvGrpSpPr>
+        <p:cNvPr id="1" name=""/>
+        <p:cNvGrpSpPr/>
+        <p:nvPr/>
+      </p:nvGrpSpPr>
+      <p:grpSpPr>
+        <a:xfrm>
+          <a:off x="0" y="0"/>
+          <a:ext cx="0" cy="0"/>
+          <a:chOff x="0" y="0"/>
+          <a:chExt cx="0" cy="0"/>
+        </a:xfrm>
+      </p:grpSpPr>
+      <p:sp>
+        <p:nvSpPr>
+          <p:cNvPr id="4" name="標題 3"/>
+          <p:cNvSpPr>
+            <a:spLocks noGrp="1"/>
+          </p:cNvSpPr>
+          <p:nvPr>
+            <p:ph type="title"/>
+          </p:nvPr>
+        </p:nvSpPr>
+        <p:spPr/>
+        <p:txBody>
+          <a:bodyPr rtlCol="0"/>
+          <a:lstStyle/>
+          <a:p>
+            <a:pPr rtl="0"/>
+            <a:r>
+              <a:rPr lang="zh-TW" altLang="en-US" dirty="0" smtClean="0">
+                <a:sym typeface="Salesforce Sans"/>
+              </a:rPr>
+              <a:t>新增投影片標題 </a:t>
+            </a:r>
+            <a:r>
+              <a:rPr lang="en-US" altLang="zh-TW" dirty="0" smtClean="0">
+                <a:sym typeface="Salesforce Sans"/>
+              </a:rPr>
+              <a:t>- 1</a:t>
+            </a:r>
+            <a:endParaRPr lang="zh-TW" altLang="en-US" dirty="0">
+              <a:sym typeface="Salesforce Sans"/>
+            </a:endParaRPr>
+          </a:p>
+        </p:txBody>
+      </p:sp>
+      <p:sp>
+        <p:nvSpPr>
+          <p:cNvPr id="5" name="文字預留位置 4"/>
+          <p:cNvSpPr>
+            <a:spLocks noGrp="1"/>
+          </p:cNvSpPr>
+          <p:nvPr>
+            <p:ph type="body" idx="1"/>
+          </p:nvPr>
+        </p:nvSpPr>
+        <p:spPr/>
+        <p:txBody>
+          <a:bodyPr rtlCol="0"/>
+          <a:lstStyle/>
+          <a:p>
+            <a:pPr rtl="0"/>
+            <a:endParaRPr lang="zh-TW" altLang="en-US" dirty="0">
+              <a:sym typeface="Salesforce Sans"/>
+            </a:endParaRPr>
+          </a:p>
+        </p:txBody>
+      </p:sp>
+    </p:spTree>
+    <p:extLst>
+      <p:ext uri="{BB962C8B-B14F-4D97-AF65-F5344CB8AC3E}">
+        <p14:creationId xmlns:p14="http://schemas.microsoft.com/office/powerpoint/2010/main" val="4264977537"/>
+      </p:ext>
+    </p:extLst>
+  </p:cSld>
+  <p:clrMapOvr>
+    <a:masterClrMapping/>
+  </p:clrMapOvr>
+  <mc:AlternateContent xmlns:mc="http://schemas.openxmlformats.org/markup-compatibility/2006" xmlns:p14="http://schemas.microsoft.com/office/powerpoint/2010/main">
+    <mc:Choice Requires="p14">
+      <p:transition spd="med" p14:dur="700">
+        <p:fade/>
+      </p:transition>
+    </mc:Choice>
+    <mc:Fallback xmlns="">
+      <p:transition spd="med">
+        <p:fade/>
+      </p:transition>
+    </mc:Fallback>
+  </mc:AlternateContent>
+</p:sld>
+</file>
+
+<file path=ppt/slides/slide16.xml><?xml version="1.0" encoding="utf-8"?>
+<p:sld xmlns:a="http://schemas.openxmlformats.org/drawingml/2006/main" xmlns:r="http://schemas.openxmlformats.org/officeDocument/2006/relationships" xmlns:p="http://schemas.openxmlformats.org/presentationml/2006/main">
+  <p:cSld>
+    <p:spTree>
+      <p:nvGrpSpPr>
+        <p:cNvPr id="1" name=""/>
+        <p:cNvGrpSpPr/>
+        <p:nvPr/>
+      </p:nvGrpSpPr>
+      <p:grpSpPr>
+        <a:xfrm>
+          <a:off x="0" y="0"/>
+          <a:ext cx="0" cy="0"/>
+          <a:chOff x="0" y="0"/>
+          <a:chExt cx="0" cy="0"/>
+        </a:xfrm>
+      </p:grpSpPr>
+      <p:sp>
+        <p:nvSpPr>
+          <p:cNvPr id="7" name="標題 6"/>
+          <p:cNvSpPr>
+            <a:spLocks noGrp="1"/>
+          </p:cNvSpPr>
+          <p:nvPr>
+            <p:ph type="title"/>
+          </p:nvPr>
+        </p:nvSpPr>
+        <p:spPr/>
+        <p:txBody>
+          <a:bodyPr rtlCol="0"/>
+          <a:lstStyle/>
+          <a:p>
+            <a:pPr rtl="0"/>
+            <a:r>
+              <a:rPr lang="zh-TW" altLang="en-US" dirty="0" smtClean="0">
+                <a:sym typeface="Salesforce Sans"/>
+              </a:rPr>
+              <a:t>新增投影片標題 </a:t>
+            </a:r>
+            <a:r>
+              <a:rPr lang="en-US" altLang="zh-TW" dirty="0" smtClean="0">
+                <a:sym typeface="Salesforce Sans"/>
+              </a:rPr>
+              <a:t>- 2</a:t>
+            </a:r>
+            <a:endParaRPr lang="zh-TW" altLang="en-US" dirty="0">
+              <a:sym typeface="Salesforce Sans"/>
+            </a:endParaRPr>
+          </a:p>
+        </p:txBody>
+      </p:sp>
+      <p:sp>
+        <p:nvSpPr>
+          <p:cNvPr id="8" name="文字預留位置 7"/>
+          <p:cNvSpPr>
+            <a:spLocks noGrp="1"/>
+          </p:cNvSpPr>
+          <p:nvPr>
+            <p:ph type="body" idx="1"/>
+          </p:nvPr>
+        </p:nvSpPr>
+        <p:spPr/>
+        <p:txBody>
+          <a:bodyPr rtlCol="0"/>
+          <a:lstStyle/>
+          <a:p>
+            <a:pPr rtl="0"/>
+            <a:endParaRPr lang="zh-TW" altLang="en-US" dirty="0">
+              <a:sym typeface="Salesforce Sans"/>
+            </a:endParaRPr>
+          </a:p>
+        </p:txBody>
+      </p:sp>
+      <p:sp>
+        <p:nvSpPr>
+          <p:cNvPr id="10" name="內容預留位置 9"/>
+          <p:cNvSpPr>
+            <a:spLocks noGrp="1"/>
+          </p:cNvSpPr>
+          <p:nvPr>
+            <p:ph sz="half" idx="2"/>
+          </p:nvPr>
+        </p:nvSpPr>
+        <p:spPr/>
+        <p:txBody>
+          <a:bodyPr rtlCol="0"/>
+          <a:lstStyle/>
+          <a:p>
+            <a:pPr rtl="0"/>
+            <a:endParaRPr lang="zh-TW" altLang="en-US" dirty="0">
+              <a:sym typeface="Salesforce Sans"/>
+            </a:endParaRPr>
+          </a:p>
+        </p:txBody>
+      </p:sp>
+      <p:sp>
+        <p:nvSpPr>
+          <p:cNvPr id="9" name="文字預留位置 8"/>
+          <p:cNvSpPr>
+            <a:spLocks noGrp="1"/>
+          </p:cNvSpPr>
+          <p:nvPr>
+            <p:ph type="body" sz="quarter" idx="3"/>
+          </p:nvPr>
+        </p:nvSpPr>
+        <p:spPr/>
+        <p:txBody>
+          <a:bodyPr rtlCol="0"/>
+          <a:lstStyle/>
+          <a:p>
+            <a:pPr rtl="0"/>
+            <a:endParaRPr lang="zh-TW" altLang="en-US" dirty="0">
+              <a:sym typeface="Salesforce Sans"/>
+            </a:endParaRPr>
+          </a:p>
+        </p:txBody>
+      </p:sp>
+      <p:sp>
+        <p:nvSpPr>
+          <p:cNvPr id="11" name="內容預留位置 10"/>
+          <p:cNvSpPr>
+            <a:spLocks noGrp="1"/>
+          </p:cNvSpPr>
+          <p:nvPr>
+            <p:ph sz="quarter" idx="4"/>
+          </p:nvPr>
+        </p:nvSpPr>
+        <p:spPr/>
+        <p:txBody>
+          <a:bodyPr rtlCol="0"/>
+          <a:lstStyle/>
+          <a:p>
+            <a:pPr rtl="0"/>
+            <a:endParaRPr lang="zh-TW" altLang="en-US" dirty="0">
+              <a:sym typeface="Salesforce Sans"/>
+            </a:endParaRPr>
+          </a:p>
+        </p:txBody>
+      </p:sp>
+    </p:spTree>
+    <p:extLst>
+      <p:ext uri="{BB962C8B-B14F-4D97-AF65-F5344CB8AC3E}">
+        <p14:creationId xmlns:p14="http://schemas.microsoft.com/office/powerpoint/2010/main" val="2672039197"/>
+      </p:ext>
+    </p:extLst>
+  </p:cSld>
+  <p:clrMapOvr>
+    <a:masterClrMapping/>
+  </p:clrMapOvr>
+  <mc:AlternateContent xmlns:mc="http://schemas.openxmlformats.org/markup-compatibility/2006" xmlns:p14="http://schemas.microsoft.com/office/powerpoint/2010/main">
+    <mc:Choice Requires="p14">
+      <p:transition spd="med" p14:dur="700">
+        <p:fade/>
+      </p:transition>
+    </mc:Choice>
+    <mc:Fallback xmlns="">
+      <p:transition spd="med">
+        <p:fade/>
+      </p:transition>
+    </mc:Fallback>
+  </mc:AlternateContent>
+</p:sld>
+</file>
+
+<file path=ppt/slides/slide17.xml><?xml version="1.0" encoding="utf-8"?>
+<p:sld xmlns:a="http://schemas.openxmlformats.org/drawingml/2006/main" xmlns:r="http://schemas.openxmlformats.org/officeDocument/2006/relationships" xmlns:p="http://schemas.openxmlformats.org/presentationml/2006/main">
+  <p:cSld>
+    <p:spTree>
+      <p:nvGrpSpPr>
+        <p:cNvPr id="1" name=""/>
+        <p:cNvGrpSpPr/>
+        <p:nvPr/>
+      </p:nvGrpSpPr>
+      <p:grpSpPr>
+        <a:xfrm>
+          <a:off x="0" y="0"/>
+          <a:ext cx="0" cy="0"/>
+          <a:chOff x="0" y="0"/>
+          <a:chExt cx="0" cy="0"/>
+        </a:xfrm>
+      </p:grpSpPr>
+      <p:sp>
+        <p:nvSpPr>
           <p:cNvPr id="3" name="標題 2"/>
           <p:cNvSpPr>
             <a:spLocks noGrp="1"/>
@@ -14557,7 +15116,7 @@
 </p:sld>
 </file>
 
-<file path=ppt/slides/slide15.xml><?xml version="1.0" encoding="utf-8"?>
+<file path=ppt/slides/slide18.xml><?xml version="1.0" encoding="utf-8"?>
 <p:sld xmlns:a="http://schemas.openxmlformats.org/drawingml/2006/main" xmlns:r="http://schemas.openxmlformats.org/officeDocument/2006/relationships" xmlns:p="http://schemas.openxmlformats.org/presentationml/2006/main">
   <p:cSld>
     <p:spTree>
@@ -14599,7 +15158,7 @@
 </p:sld>
 </file>
 
-<file path=ppt/slides/slide16.xml><?xml version="1.0" encoding="utf-8"?>
+<file path=ppt/slides/slide19.xml><?xml version="1.0" encoding="utf-8"?>
 <p:sld xmlns:a="http://schemas.openxmlformats.org/drawingml/2006/main" xmlns:r="http://schemas.openxmlformats.org/officeDocument/2006/relationships" xmlns:p="http://schemas.openxmlformats.org/presentationml/2006/main">
   <p:cSld>
     <p:spTree>
@@ -14698,116 +15257,6 @@
     <p:extLst>
       <p:ext uri="{BB962C8B-B14F-4D97-AF65-F5344CB8AC3E}">
         <p14:creationId xmlns:p14="http://schemas.microsoft.com/office/powerpoint/2010/main" val="2319046984"/>
-      </p:ext>
-    </p:extLst>
-  </p:cSld>
-  <p:clrMapOvr>
-    <a:masterClrMapping/>
-  </p:clrMapOvr>
-  <mc:AlternateContent xmlns:mc="http://schemas.openxmlformats.org/markup-compatibility/2006" xmlns:p14="http://schemas.microsoft.com/office/powerpoint/2010/main">
-    <mc:Choice Requires="p14">
-      <p:transition spd="med" p14:dur="700">
-        <p:fade/>
-      </p:transition>
-    </mc:Choice>
-    <mc:Fallback xmlns="">
-      <p:transition spd="med">
-        <p:fade/>
-      </p:transition>
-    </mc:Fallback>
-  </mc:AlternateContent>
-</p:sld>
-</file>
-
-<file path=ppt/slides/slide17.xml><?xml version="1.0" encoding="utf-8"?>
-<p:sld xmlns:a="http://schemas.openxmlformats.org/drawingml/2006/main" xmlns:r="http://schemas.openxmlformats.org/officeDocument/2006/relationships" xmlns:p="http://schemas.openxmlformats.org/presentationml/2006/main">
-  <p:cSld>
-    <p:spTree>
-      <p:nvGrpSpPr>
-        <p:cNvPr id="1" name=""/>
-        <p:cNvGrpSpPr/>
-        <p:nvPr/>
-      </p:nvGrpSpPr>
-      <p:grpSpPr>
-        <a:xfrm>
-          <a:off x="0" y="0"/>
-          <a:ext cx="0" cy="0"/>
-          <a:chOff x="0" y="0"/>
-          <a:chExt cx="0" cy="0"/>
-        </a:xfrm>
-      </p:grpSpPr>
-      <p:sp>
-        <p:nvSpPr>
-          <p:cNvPr id="3" name="標題 2"/>
-          <p:cNvSpPr>
-            <a:spLocks noGrp="1"/>
-          </p:cNvSpPr>
-          <p:nvPr>
-            <p:ph type="title"/>
-          </p:nvPr>
-        </p:nvSpPr>
-        <p:spPr/>
-        <p:txBody>
-          <a:bodyPr rtlCol="0"/>
-          <a:lstStyle/>
-          <a:p>
-            <a:pPr rtl="0"/>
-            <a:r>
-              <a:rPr lang="zh-TW" altLang="en-US" dirty="0" smtClean="0">
-                <a:sym typeface="Salesforce Sans"/>
-              </a:rPr>
-              <a:t>新增投影片標題 </a:t>
-            </a:r>
-            <a:r>
-              <a:rPr lang="en-US" altLang="zh-TW" dirty="0" smtClean="0">
-                <a:sym typeface="Salesforce Sans"/>
-              </a:rPr>
-              <a:t>- 5</a:t>
-            </a:r>
-            <a:endParaRPr lang="zh-TW" altLang="en-US" dirty="0">
-              <a:sym typeface="Salesforce Sans"/>
-            </a:endParaRPr>
-          </a:p>
-        </p:txBody>
-      </p:sp>
-      <p:sp>
-        <p:nvSpPr>
-          <p:cNvPr id="6" name="圖片預留位置 5" descr="要新增影像的空白預留位置。按一下預留位置，然後選取您想要新增的影像。"/>
-          <p:cNvSpPr>
-            <a:spLocks noGrp="1"/>
-          </p:cNvSpPr>
-          <p:nvPr>
-            <p:ph type="pic" idx="1"/>
-          </p:nvPr>
-        </p:nvSpPr>
-        <p:spPr/>
-      </p:sp>
-      <p:sp>
-        <p:nvSpPr>
-          <p:cNvPr id="5" name="文字預留位置 4"/>
-          <p:cNvSpPr>
-            <a:spLocks noGrp="1"/>
-          </p:cNvSpPr>
-          <p:nvPr>
-            <p:ph type="body" sz="half" idx="2"/>
-          </p:nvPr>
-        </p:nvSpPr>
-        <p:spPr/>
-        <p:txBody>
-          <a:bodyPr rtlCol="0"/>
-          <a:lstStyle/>
-          <a:p>
-            <a:pPr rtl="0"/>
-            <a:endParaRPr lang="zh-TW" altLang="en-US" dirty="0">
-              <a:sym typeface="Salesforce Sans"/>
-            </a:endParaRPr>
-          </a:p>
-        </p:txBody>
-      </p:sp>
-    </p:spTree>
-    <p:extLst>
-      <p:ext uri="{BB962C8B-B14F-4D97-AF65-F5344CB8AC3E}">
-        <p14:creationId xmlns:p14="http://schemas.microsoft.com/office/powerpoint/2010/main" val="3480339974"/>
       </p:ext>
     </p:extLst>
   </p:cSld>
@@ -14927,7 +15376,14 @@
                 <a:latin typeface="微軟正黑體" panose="020B0604030504040204" pitchFamily="34" charset="-120"/>
                 <a:ea typeface="微軟正黑體" panose="020B0604030504040204" pitchFamily="34" charset="-120"/>
               </a:rPr>
-              <a:t>Hardware for this project</a:t>
+              <a:t>Environment </a:t>
+            </a:r>
+            <a:r>
+              <a:rPr lang="en-US" sz="2800" dirty="0" smtClean="0">
+                <a:latin typeface="微軟正黑體" panose="020B0604030504040204" pitchFamily="34" charset="-120"/>
+                <a:ea typeface="微軟正黑體" panose="020B0604030504040204" pitchFamily="34" charset="-120"/>
+              </a:rPr>
+              <a:t>for this project</a:t>
             </a:r>
           </a:p>
           <a:p>
@@ -15030,6 +15486,116 @@
   <p:clrMapOvr>
     <a:masterClrMapping/>
   </p:clrMapOvr>
+</p:sld>
+</file>
+
+<file path=ppt/slides/slide20.xml><?xml version="1.0" encoding="utf-8"?>
+<p:sld xmlns:a="http://schemas.openxmlformats.org/drawingml/2006/main" xmlns:r="http://schemas.openxmlformats.org/officeDocument/2006/relationships" xmlns:p="http://schemas.openxmlformats.org/presentationml/2006/main">
+  <p:cSld>
+    <p:spTree>
+      <p:nvGrpSpPr>
+        <p:cNvPr id="1" name=""/>
+        <p:cNvGrpSpPr/>
+        <p:nvPr/>
+      </p:nvGrpSpPr>
+      <p:grpSpPr>
+        <a:xfrm>
+          <a:off x="0" y="0"/>
+          <a:ext cx="0" cy="0"/>
+          <a:chOff x="0" y="0"/>
+          <a:chExt cx="0" cy="0"/>
+        </a:xfrm>
+      </p:grpSpPr>
+      <p:sp>
+        <p:nvSpPr>
+          <p:cNvPr id="3" name="標題 2"/>
+          <p:cNvSpPr>
+            <a:spLocks noGrp="1"/>
+          </p:cNvSpPr>
+          <p:nvPr>
+            <p:ph type="title"/>
+          </p:nvPr>
+        </p:nvSpPr>
+        <p:spPr/>
+        <p:txBody>
+          <a:bodyPr rtlCol="0"/>
+          <a:lstStyle/>
+          <a:p>
+            <a:pPr rtl="0"/>
+            <a:r>
+              <a:rPr lang="zh-TW" altLang="en-US" dirty="0" smtClean="0">
+                <a:sym typeface="Salesforce Sans"/>
+              </a:rPr>
+              <a:t>新增投影片標題 </a:t>
+            </a:r>
+            <a:r>
+              <a:rPr lang="en-US" altLang="zh-TW" dirty="0" smtClean="0">
+                <a:sym typeface="Salesforce Sans"/>
+              </a:rPr>
+              <a:t>- 5</a:t>
+            </a:r>
+            <a:endParaRPr lang="zh-TW" altLang="en-US" dirty="0">
+              <a:sym typeface="Salesforce Sans"/>
+            </a:endParaRPr>
+          </a:p>
+        </p:txBody>
+      </p:sp>
+      <p:sp>
+        <p:nvSpPr>
+          <p:cNvPr id="6" name="圖片預留位置 5" descr="要新增影像的空白預留位置。按一下預留位置，然後選取您想要新增的影像。"/>
+          <p:cNvSpPr>
+            <a:spLocks noGrp="1"/>
+          </p:cNvSpPr>
+          <p:nvPr>
+            <p:ph type="pic" idx="1"/>
+          </p:nvPr>
+        </p:nvSpPr>
+        <p:spPr/>
+      </p:sp>
+      <p:sp>
+        <p:nvSpPr>
+          <p:cNvPr id="5" name="文字預留位置 4"/>
+          <p:cNvSpPr>
+            <a:spLocks noGrp="1"/>
+          </p:cNvSpPr>
+          <p:nvPr>
+            <p:ph type="body" sz="half" idx="2"/>
+          </p:nvPr>
+        </p:nvSpPr>
+        <p:spPr/>
+        <p:txBody>
+          <a:bodyPr rtlCol="0"/>
+          <a:lstStyle/>
+          <a:p>
+            <a:pPr rtl="0"/>
+            <a:endParaRPr lang="zh-TW" altLang="en-US" dirty="0">
+              <a:sym typeface="Salesforce Sans"/>
+            </a:endParaRPr>
+          </a:p>
+        </p:txBody>
+      </p:sp>
+    </p:spTree>
+    <p:extLst>
+      <p:ext uri="{BB962C8B-B14F-4D97-AF65-F5344CB8AC3E}">
+        <p14:creationId xmlns:p14="http://schemas.microsoft.com/office/powerpoint/2010/main" val="3480339974"/>
+      </p:ext>
+    </p:extLst>
+  </p:cSld>
+  <p:clrMapOvr>
+    <a:masterClrMapping/>
+  </p:clrMapOvr>
+  <mc:AlternateContent xmlns:mc="http://schemas.openxmlformats.org/markup-compatibility/2006" xmlns:p14="http://schemas.microsoft.com/office/powerpoint/2010/main">
+    <mc:Choice Requires="p14">
+      <p:transition spd="med" p14:dur="700">
+        <p:fade/>
+      </p:transition>
+    </mc:Choice>
+    <mc:Fallback xmlns="">
+      <p:transition spd="med">
+        <p:fade/>
+      </p:transition>
+    </mc:Fallback>
+  </mc:AlternateContent>
 </p:sld>
 </file>
 
@@ -15828,7 +16394,14 @@
                 <a:latin typeface="微軟正黑體" panose="020B0604030504040204" pitchFamily="34" charset="-120"/>
                 <a:ea typeface="微軟正黑體" panose="020B0604030504040204" pitchFamily="34" charset="-120"/>
               </a:rPr>
-              <a:t>Hardware for this project</a:t>
+              <a:t>Environment </a:t>
+            </a:r>
+            <a:r>
+              <a:rPr lang="en-US" sz="4800" dirty="0" smtClean="0">
+                <a:latin typeface="微軟正黑體" panose="020B0604030504040204" pitchFamily="34" charset="-120"/>
+                <a:ea typeface="微軟正黑體" panose="020B0604030504040204" pitchFamily="34" charset="-120"/>
+              </a:rPr>
+              <a:t>for this project</a:t>
             </a:r>
             <a:endParaRPr lang="en-US" sz="4800" dirty="0">
               <a:latin typeface="微軟正黑體" panose="020B0604030504040204" pitchFamily="34" charset="-120"/>
@@ -16007,8 +16580,8 @@
         </p:nvSpPr>
         <p:spPr>
           <a:xfrm>
-            <a:off x="9533803" y="1989658"/>
-            <a:ext cx="2895600" cy="830997"/>
+            <a:off x="9328213" y="1999610"/>
+            <a:ext cx="2895600" cy="1200329"/>
           </a:xfrm>
           <a:prstGeom prst="rect">
             <a:avLst/>
@@ -16025,7 +16598,21 @@
               <a:rPr kumimoji="1" lang="en-US" altLang="zh-TW" dirty="0" smtClean="0">
                 <a:latin typeface="+mn-ea"/>
               </a:rPr>
-              <a:t>ASUS STRIX GTX1070 OC 8GB</a:t>
+              <a:t>ASUS STRIX GTX1070 OC </a:t>
+            </a:r>
+            <a:r>
+              <a:rPr kumimoji="1" lang="en-US" altLang="zh-TW" dirty="0" smtClean="0">
+                <a:latin typeface="+mn-ea"/>
+              </a:rPr>
+              <a:t>8GB</a:t>
+            </a:r>
+          </a:p>
+          <a:p>
+            <a:r>
+              <a:rPr kumimoji="1" lang="en-US" altLang="zh-TW" dirty="0" smtClean="0">
+                <a:latin typeface="+mn-ea"/>
+              </a:rPr>
+              <a:t>1920 CUDA Cores</a:t>
             </a:r>
             <a:endParaRPr kumimoji="1" lang="zh-TW" altLang="en-US" dirty="0">
               <a:latin typeface="+mn-ea"/>
@@ -16091,7 +16678,7 @@
         </p:nvSpPr>
         <p:spPr>
           <a:xfrm>
-            <a:off x="9447212" y="4848135"/>
+            <a:off x="9328213" y="4848135"/>
             <a:ext cx="2895600" cy="1200329"/>
           </a:xfrm>
           <a:prstGeom prst="rect">
@@ -16120,6 +16707,42 @@
           <a:p>
             <a:endParaRPr kumimoji="1" lang="zh-TW" altLang="en-US" dirty="0">
               <a:latin typeface="+mn-ea"/>
+            </a:endParaRPr>
+          </a:p>
+        </p:txBody>
+      </p:sp>
+      <p:sp>
+        <p:nvSpPr>
+          <p:cNvPr id="11" name="文字方塊 10"/>
+          <p:cNvSpPr txBox="1"/>
+          <p:nvPr/>
+        </p:nvSpPr>
+        <p:spPr>
+          <a:xfrm>
+            <a:off x="9142412" y="6359164"/>
+            <a:ext cx="2971800" cy="523220"/>
+          </a:xfrm>
+          <a:prstGeom prst="rect">
+            <a:avLst/>
+          </a:prstGeom>
+          <a:noFill/>
+        </p:spPr>
+        <p:txBody>
+          <a:bodyPr wrap="square" rtlCol="0">
+            <a:spAutoFit/>
+          </a:bodyPr>
+          <a:lstStyle/>
+          <a:p>
+            <a:r>
+              <a:rPr kumimoji="1" lang="en-US" altLang="zh-TW" sz="1400" dirty="0" smtClean="0">
+                <a:latin typeface="+mj-ea"/>
+                <a:ea typeface="+mj-ea"/>
+              </a:rPr>
+              <a:t>Images source from respective company</a:t>
+            </a:r>
+            <a:endParaRPr kumimoji="1" lang="zh-TW" altLang="en-US" sz="1400" dirty="0">
+              <a:latin typeface="+mj-ea"/>
+              <a:ea typeface="+mj-ea"/>
             </a:endParaRPr>
           </a:p>
         </p:txBody>
@@ -16258,17 +16881,7 @@
                 <a:latin typeface="微軟正黑體" panose="020B0604030504040204" pitchFamily="34" charset="-120"/>
                 <a:ea typeface="微軟正黑體" panose="020B0604030504040204" pitchFamily="34" charset="-120"/>
               </a:rPr>
-              <a:t>obj</a:t>
-            </a:r>
-            <a:r>
-              <a:rPr lang="en-US" sz="2400" dirty="0" err="1" smtClean="0">
-                <a:solidFill>
-                  <a:srgbClr val="FF0000"/>
-                </a:solidFill>
-                <a:latin typeface="微軟正黑體" panose="020B0604030504040204" pitchFamily="34" charset="-120"/>
-                <a:ea typeface="微軟正黑體" panose="020B0604030504040204" pitchFamily="34" charset="-120"/>
-              </a:rPr>
-              <a:t>_file</a:t>
+              <a:t>obj_file</a:t>
             </a:r>
             <a:r>
               <a:rPr lang="en-US" sz="2400" dirty="0" smtClean="0">
@@ -16387,9 +17000,112 @@
                 <a:latin typeface="微軟正黑體" panose="020B0604030504040204" pitchFamily="34" charset="-120"/>
                 <a:ea typeface="微軟正黑體" panose="020B0604030504040204" pitchFamily="34" charset="-120"/>
               </a:rPr>
-              <a:t> image)</a:t>
-            </a:r>
-            <a:endParaRPr lang="en-US" sz="2400" dirty="0">
+              <a:t> image</a:t>
+            </a:r>
+            <a:r>
+              <a:rPr lang="cs-CZ" sz="2400" dirty="0" smtClean="0">
+                <a:latin typeface="微軟正黑體" panose="020B0604030504040204" pitchFamily="34" charset="-120"/>
+                <a:ea typeface="微軟正黑體" panose="020B0604030504040204" pitchFamily="34" charset="-120"/>
+              </a:rPr>
+              <a:t>)</a:t>
+            </a:r>
+          </a:p>
+          <a:p>
+            <a:r>
+              <a:rPr lang="cs-CZ" sz="2400" dirty="0" err="1" smtClean="0">
+                <a:latin typeface="微軟正黑體" panose="020B0604030504040204" pitchFamily="34" charset="-120"/>
+                <a:ea typeface="微軟正黑體" panose="020B0604030504040204" pitchFamily="34" charset="-120"/>
+              </a:rPr>
+              <a:t>Baseline</a:t>
+            </a:r>
+            <a:endParaRPr lang="cs-CZ" sz="2400" dirty="0" smtClean="0">
+              <a:latin typeface="微軟正黑體" panose="020B0604030504040204" pitchFamily="34" charset="-120"/>
+              <a:ea typeface="微軟正黑體" panose="020B0604030504040204" pitchFamily="34" charset="-120"/>
+            </a:endParaRPr>
+          </a:p>
+          <a:p>
+            <a:pPr lvl="1"/>
+            <a:r>
+              <a:rPr lang="cs-CZ" sz="2200" dirty="0" err="1" smtClean="0">
+                <a:latin typeface="微軟正黑體" panose="020B0604030504040204" pitchFamily="34" charset="-120"/>
+                <a:ea typeface="微軟正黑體" panose="020B0604030504040204" pitchFamily="34" charset="-120"/>
+              </a:rPr>
+              <a:t>Serial</a:t>
+            </a:r>
+            <a:r>
+              <a:rPr lang="cs-CZ" sz="2200" dirty="0" smtClean="0">
+                <a:latin typeface="微軟正黑體" panose="020B0604030504040204" pitchFamily="34" charset="-120"/>
+                <a:ea typeface="微軟正黑體" panose="020B0604030504040204" pitchFamily="34" charset="-120"/>
+              </a:rPr>
+              <a:t> </a:t>
+            </a:r>
+            <a:r>
+              <a:rPr lang="cs-CZ" sz="2200" dirty="0" err="1" smtClean="0">
+                <a:latin typeface="微軟正黑體" panose="020B0604030504040204" pitchFamily="34" charset="-120"/>
+                <a:ea typeface="微軟正黑體" panose="020B0604030504040204" pitchFamily="34" charset="-120"/>
+              </a:rPr>
+              <a:t>time</a:t>
+            </a:r>
+            <a:r>
+              <a:rPr lang="cs-CZ" sz="2200" dirty="0" smtClean="0">
+                <a:latin typeface="微軟正黑體" panose="020B0604030504040204" pitchFamily="34" charset="-120"/>
+                <a:ea typeface="微軟正黑體" panose="020B0604030504040204" pitchFamily="34" charset="-120"/>
+              </a:rPr>
+              <a:t> </a:t>
+            </a:r>
+            <a:r>
+              <a:rPr lang="cs-CZ" sz="2200" dirty="0" err="1" smtClean="0">
+                <a:latin typeface="微軟正黑體" panose="020B0604030504040204" pitchFamily="34" charset="-120"/>
+                <a:ea typeface="微軟正黑體" panose="020B0604030504040204" pitchFamily="34" charset="-120"/>
+              </a:rPr>
+              <a:t>is</a:t>
+            </a:r>
+            <a:r>
+              <a:rPr lang="cs-CZ" sz="2200" dirty="0" smtClean="0">
+                <a:latin typeface="微軟正黑體" panose="020B0604030504040204" pitchFamily="34" charset="-120"/>
+                <a:ea typeface="微軟正黑體" panose="020B0604030504040204" pitchFamily="34" charset="-120"/>
+              </a:rPr>
+              <a:t> 82m44s (4964s)</a:t>
+            </a:r>
+          </a:p>
+          <a:p>
+            <a:pPr lvl="1"/>
+            <a:r>
+              <a:rPr lang="cs-CZ" sz="2200" dirty="0" smtClean="0">
+                <a:latin typeface="微軟正黑體" panose="020B0604030504040204" pitchFamily="34" charset="-120"/>
+                <a:ea typeface="微軟正黑體" panose="020B0604030504040204" pitchFamily="34" charset="-120"/>
+              </a:rPr>
+              <a:t>POSIX </a:t>
+            </a:r>
+            <a:r>
+              <a:rPr lang="cs-CZ" sz="2200" dirty="0" err="1" smtClean="0">
+                <a:latin typeface="微軟正黑體" panose="020B0604030504040204" pitchFamily="34" charset="-120"/>
+                <a:ea typeface="微軟正黑體" panose="020B0604030504040204" pitchFamily="34" charset="-120"/>
+              </a:rPr>
+              <a:t>thread</a:t>
+            </a:r>
+            <a:r>
+              <a:rPr lang="cs-CZ" sz="2200" dirty="0" smtClean="0">
+                <a:latin typeface="微軟正黑體" panose="020B0604030504040204" pitchFamily="34" charset="-120"/>
+                <a:ea typeface="微軟正黑體" panose="020B0604030504040204" pitchFamily="34" charset="-120"/>
+              </a:rPr>
+              <a:t> </a:t>
+            </a:r>
+            <a:r>
+              <a:rPr lang="cs-CZ" sz="2200" dirty="0" err="1" smtClean="0">
+                <a:latin typeface="微軟正黑體" panose="020B0604030504040204" pitchFamily="34" charset="-120"/>
+                <a:ea typeface="微軟正黑體" panose="020B0604030504040204" pitchFamily="34" charset="-120"/>
+              </a:rPr>
+              <a:t>time</a:t>
+            </a:r>
+            <a:r>
+              <a:rPr lang="cs-CZ" sz="2200" dirty="0" smtClean="0">
+                <a:latin typeface="微軟正黑體" panose="020B0604030504040204" pitchFamily="34" charset="-120"/>
+                <a:ea typeface="微軟正黑體" panose="020B0604030504040204" pitchFamily="34" charset="-120"/>
+              </a:rPr>
+              <a:t> </a:t>
+            </a:r>
+            <a:endParaRPr lang="en-US" sz="2200" dirty="0">
               <a:latin typeface="微軟正黑體" panose="020B0604030504040204" pitchFamily="34" charset="-120"/>
               <a:ea typeface="微軟正黑體" panose="020B0604030504040204" pitchFamily="34" charset="-120"/>
             </a:endParaRPr>
@@ -16436,13 +17152,13 @@
   <p:clrMapOvr>
     <a:masterClrMapping/>
   </p:clrMapOvr>
-  <mc:AlternateContent xmlns:mc="http://schemas.openxmlformats.org/markup-compatibility/2006">
-    <mc:Choice xmlns:p14="http://schemas.microsoft.com/office/powerpoint/2010/main" Requires="p14">
+  <mc:AlternateContent xmlns:mc="http://schemas.openxmlformats.org/markup-compatibility/2006" xmlns:p14="http://schemas.microsoft.com/office/powerpoint/2010/main">
+    <mc:Choice Requires="p14">
       <p:transition spd="med" p14:dur="700">
         <p:fade/>
       </p:transition>
     </mc:Choice>
-    <mc:Fallback>
+    <mc:Fallback xmlns="">
       <p:transition spd="med">
         <p:fade/>
       </p:transition>
@@ -16543,13 +17259,13 @@
   <p:clrMapOvr>
     <a:masterClrMapping/>
   </p:clrMapOvr>
-  <mc:AlternateContent xmlns:mc="http://schemas.openxmlformats.org/markup-compatibility/2006">
-    <mc:Choice xmlns:p14="http://schemas.microsoft.com/office/powerpoint/2010/main" Requires="p14">
+  <mc:AlternateContent xmlns:mc="http://schemas.openxmlformats.org/markup-compatibility/2006" xmlns:p14="http://schemas.microsoft.com/office/powerpoint/2010/main">
+    <mc:Choice Requires="p14">
       <p:transition spd="med" p14:dur="700">
         <p:fade/>
       </p:transition>
     </mc:Choice>
-    <mc:Fallback>
+    <mc:Fallback xmlns="">
       <p:transition spd="med">
         <p:fade/>
       </p:transition>
@@ -16716,7 +17432,7 @@
                 <a:latin typeface="微軟正黑體" panose="020B0604030504040204" pitchFamily="34" charset="-120"/>
                 <a:ea typeface="微軟正黑體" panose="020B0604030504040204" pitchFamily="34" charset="-120"/>
               </a:rPr>
-              <a:t>8K(7680 x 4320) image for processing</a:t>
+              <a:t>Using 1024 thread per block (i.e.)</a:t>
             </a:r>
           </a:p>
           <a:p>
@@ -16725,8 +17441,14 @@
                 <a:latin typeface="微軟正黑體" panose="020B0604030504040204" pitchFamily="34" charset="-120"/>
                 <a:ea typeface="微軟正黑體" panose="020B0604030504040204" pitchFamily="34" charset="-120"/>
               </a:rPr>
-              <a:t>Filter size fixed to 101 x 101</a:t>
-            </a:r>
+              <a:t>Each thread deal with one pixel.</a:t>
+            </a:r>
+          </a:p>
+          <a:p>
+            <a:endParaRPr lang="en-US" sz="2400" dirty="0" smtClean="0">
+              <a:latin typeface="微軟正黑體" panose="020B0604030504040204" pitchFamily="34" charset="-120"/>
+              <a:ea typeface="微軟正黑體" panose="020B0604030504040204" pitchFamily="34" charset="-120"/>
+            </a:endParaRPr>
           </a:p>
           <a:p>
             <a:r>
@@ -16734,194 +17456,29 @@
                 <a:latin typeface="微軟正黑體" panose="020B0604030504040204" pitchFamily="34" charset="-120"/>
                 <a:ea typeface="微軟正黑體" panose="020B0604030504040204" pitchFamily="34" charset="-120"/>
               </a:rPr>
-              <a:t>Use Linux command: </a:t>
-            </a:r>
-            <a:r>
-              <a:rPr lang="en-US" sz="2400" dirty="0" smtClean="0">
-                <a:solidFill>
-                  <a:srgbClr val="FF0000"/>
-                </a:solidFill>
-                <a:latin typeface="微軟正黑體" panose="020B0604030504040204" pitchFamily="34" charset="-120"/>
-                <a:ea typeface="微軟正黑體" panose="020B0604030504040204" pitchFamily="34" charset="-120"/>
-              </a:rPr>
-              <a:t>$time ./</a:t>
-            </a:r>
-            <a:r>
-              <a:rPr lang="en-US" sz="2400" dirty="0" err="1" smtClean="0">
-                <a:solidFill>
-                  <a:srgbClr val="FF0000"/>
-                </a:solidFill>
-                <a:latin typeface="微軟正黑體" panose="020B0604030504040204" pitchFamily="34" charset="-120"/>
-                <a:ea typeface="微軟正黑體" panose="020B0604030504040204" pitchFamily="34" charset="-120"/>
-              </a:rPr>
-              <a:t>obj</a:t>
-            </a:r>
-            <a:r>
-              <a:rPr lang="en-US" sz="2400" dirty="0" err="1" smtClean="0">
-                <a:solidFill>
-                  <a:srgbClr val="FF0000"/>
-                </a:solidFill>
-                <a:latin typeface="微軟正黑體" panose="020B0604030504040204" pitchFamily="34" charset="-120"/>
-                <a:ea typeface="微軟正黑體" panose="020B0604030504040204" pitchFamily="34" charset="-120"/>
-              </a:rPr>
-              <a:t>_file</a:t>
-            </a:r>
-            <a:r>
-              <a:rPr lang="en-US" sz="2400" dirty="0" smtClean="0">
-                <a:solidFill>
-                  <a:srgbClr val="FF0000"/>
-                </a:solidFill>
-                <a:latin typeface="微軟正黑體" panose="020B0604030504040204" pitchFamily="34" charset="-120"/>
-                <a:ea typeface="微軟正黑體" panose="020B0604030504040204" pitchFamily="34" charset="-120"/>
-              </a:rPr>
-              <a:t> </a:t>
-            </a:r>
-            <a:r>
-              <a:rPr lang="en-US" sz="2400" dirty="0" smtClean="0">
-                <a:latin typeface="微軟正黑體" panose="020B0604030504040204" pitchFamily="34" charset="-120"/>
-                <a:ea typeface="微軟正黑體" panose="020B0604030504040204" pitchFamily="34" charset="-120"/>
-              </a:rPr>
-              <a:t>to measure execution time</a:t>
-            </a:r>
-          </a:p>
-          <a:p>
-            <a:r>
-              <a:rPr lang="en-US" sz="2400" dirty="0" smtClean="0">
-                <a:latin typeface="微軟正黑體" panose="020B0604030504040204" pitchFamily="34" charset="-120"/>
-                <a:ea typeface="微軟正黑體" panose="020B0604030504040204" pitchFamily="34" charset="-120"/>
-              </a:rPr>
-              <a:t>Computation is </a:t>
-            </a:r>
-            <a:r>
-              <a:rPr lang="cs-CZ" sz="2400" dirty="0" smtClean="0">
-                <a:latin typeface="微軟正黑體" panose="020B0604030504040204" pitchFamily="34" charset="-120"/>
-                <a:ea typeface="微軟正黑體" panose="020B0604030504040204" pitchFamily="34" charset="-120"/>
-              </a:rPr>
-              <a:t>338444697600 (338 </a:t>
-            </a:r>
-            <a:r>
-              <a:rPr lang="cs-CZ" sz="2400" dirty="0" err="1" smtClean="0">
-                <a:latin typeface="微軟正黑體" panose="020B0604030504040204" pitchFamily="34" charset="-120"/>
-                <a:ea typeface="微軟正黑體" panose="020B0604030504040204" pitchFamily="34" charset="-120"/>
-              </a:rPr>
-              <a:t>billion</a:t>
-            </a:r>
-            <a:r>
-              <a:rPr lang="cs-CZ" sz="2400" dirty="0" smtClean="0">
-                <a:latin typeface="微軟正黑體" panose="020B0604030504040204" pitchFamily="34" charset="-120"/>
-                <a:ea typeface="微軟正黑體" panose="020B0604030504040204" pitchFamily="34" charset="-120"/>
-              </a:rPr>
-              <a:t>!)</a:t>
-            </a:r>
-          </a:p>
-          <a:p>
-            <a:r>
-              <a:rPr lang="cs-CZ" sz="2400" dirty="0" err="1" smtClean="0">
-                <a:latin typeface="微軟正黑體" panose="020B0604030504040204" pitchFamily="34" charset="-120"/>
-                <a:ea typeface="微軟正黑體" panose="020B0604030504040204" pitchFamily="34" charset="-120"/>
-              </a:rPr>
-              <a:t>Check</a:t>
-            </a:r>
-            <a:r>
-              <a:rPr lang="cs-CZ" sz="2400" dirty="0" smtClean="0">
-                <a:latin typeface="微軟正黑體" panose="020B0604030504040204" pitchFamily="34" charset="-120"/>
-                <a:ea typeface="微軟正黑體" panose="020B0604030504040204" pitchFamily="34" charset="-120"/>
-              </a:rPr>
-              <a:t> </a:t>
-            </a:r>
-            <a:r>
-              <a:rPr lang="cs-CZ" sz="2400" dirty="0" err="1" smtClean="0">
-                <a:latin typeface="微軟正黑體" panose="020B0604030504040204" pitchFamily="34" charset="-120"/>
-                <a:ea typeface="微軟正黑體" panose="020B0604030504040204" pitchFamily="34" charset="-120"/>
-              </a:rPr>
-              <a:t>error</a:t>
-            </a:r>
-            <a:r>
-              <a:rPr lang="cs-CZ" sz="2400" dirty="0" smtClean="0">
-                <a:latin typeface="微軟正黑體" panose="020B0604030504040204" pitchFamily="34" charset="-120"/>
-                <a:ea typeface="微軟正黑體" panose="020B0604030504040204" pitchFamily="34" charset="-120"/>
-              </a:rPr>
-              <a:t> percent </a:t>
-            </a:r>
-            <a:r>
-              <a:rPr lang="cs-CZ" sz="2400" dirty="0" err="1" smtClean="0">
-                <a:latin typeface="微軟正黑體" panose="020B0604030504040204" pitchFamily="34" charset="-120"/>
-                <a:ea typeface="微軟正黑體" panose="020B0604030504040204" pitchFamily="34" charset="-120"/>
-              </a:rPr>
-              <a:t>if</a:t>
-            </a:r>
-            <a:r>
-              <a:rPr lang="cs-CZ" sz="2400" dirty="0" smtClean="0">
-                <a:latin typeface="微軟正黑體" panose="020B0604030504040204" pitchFamily="34" charset="-120"/>
-                <a:ea typeface="微軟正黑體" panose="020B0604030504040204" pitchFamily="34" charset="-120"/>
-              </a:rPr>
-              <a:t> </a:t>
-            </a:r>
-            <a:r>
-              <a:rPr lang="cs-CZ" sz="2400" dirty="0" err="1" smtClean="0">
-                <a:latin typeface="微軟正黑體" panose="020B0604030504040204" pitchFamily="34" charset="-120"/>
-                <a:ea typeface="微軟正黑體" panose="020B0604030504040204" pitchFamily="34" charset="-120"/>
-              </a:rPr>
-              <a:t>needed</a:t>
-            </a:r>
-            <a:r>
-              <a:rPr lang="cs-CZ" sz="2400" dirty="0" smtClean="0">
-                <a:latin typeface="微軟正黑體" panose="020B0604030504040204" pitchFamily="34" charset="-120"/>
-                <a:ea typeface="微軟正黑體" panose="020B0604030504040204" pitchFamily="34" charset="-120"/>
-              </a:rPr>
-              <a:t> (</a:t>
-            </a:r>
-            <a:r>
-              <a:rPr lang="cs-CZ" sz="2400" dirty="0" err="1" smtClean="0">
-                <a:latin typeface="微軟正黑體" panose="020B0604030504040204" pitchFamily="34" charset="-120"/>
-                <a:ea typeface="微軟正黑體" panose="020B0604030504040204" pitchFamily="34" charset="-120"/>
-              </a:rPr>
-              <a:t>diff</a:t>
-            </a:r>
-            <a:r>
-              <a:rPr lang="cs-CZ" sz="2400" dirty="0" smtClean="0">
-                <a:latin typeface="微軟正黑體" panose="020B0604030504040204" pitchFamily="34" charset="-120"/>
-                <a:ea typeface="微軟正黑體" panose="020B0604030504040204" pitchFamily="34" charset="-120"/>
-              </a:rPr>
-              <a:t> image)</a:t>
-            </a:r>
-            <a:endParaRPr lang="en-US" sz="2400" dirty="0">
+              <a:t>Compare pixel-wise(R G B) to verify the correctness due to GPU precision slightly inaccurate.</a:t>
+            </a:r>
+          </a:p>
+          <a:p>
+            <a:endParaRPr lang="en-US" sz="2400" dirty="0" smtClean="0">
               <a:latin typeface="微軟正黑體" panose="020B0604030504040204" pitchFamily="34" charset="-120"/>
               <a:ea typeface="微軟正黑體" panose="020B0604030504040204" pitchFamily="34" charset="-120"/>
             </a:endParaRPr>
           </a:p>
+          <a:p>
+            <a:endParaRPr lang="en-US" sz="2400" dirty="0" smtClean="0">
+              <a:latin typeface="微軟正黑體" panose="020B0604030504040204" pitchFamily="34" charset="-120"/>
+              <a:ea typeface="微軟正黑體" panose="020B0604030504040204" pitchFamily="34" charset="-120"/>
+            </a:endParaRPr>
+          </a:p>
+          <a:p>
+            <a:endParaRPr lang="en-US" sz="2400" dirty="0" smtClean="0">
+              <a:latin typeface="微軟正黑體" panose="020B0604030504040204" pitchFamily="34" charset="-120"/>
+              <a:ea typeface="微軟正黑體" panose="020B0604030504040204" pitchFamily="34" charset="-120"/>
+            </a:endParaRPr>
+          </a:p>
         </p:txBody>
       </p:sp>
-      <p:pic>
-        <p:nvPicPr>
-          <p:cNvPr id="6" name="圖片 5"/>
-          <p:cNvPicPr>
-            <a:picLocks noChangeAspect="1"/>
-          </p:cNvPicPr>
-          <p:nvPr/>
-        </p:nvPicPr>
-        <p:blipFill>
-          <a:blip r:embed="rId3" cstate="print">
-            <a:extLst>
-              <a:ext uri="{28A0092B-C50C-407E-A947-70E740481C1C}">
-                <a14:useLocalDpi xmlns:a14="http://schemas.microsoft.com/office/drawing/2010/main" val="0"/>
-              </a:ext>
-            </a:extLst>
-          </a:blip>
-          <a:stretch>
-            <a:fillRect/>
-          </a:stretch>
-        </p:blipFill>
-        <p:spPr>
-          <a:xfrm>
-            <a:off x="5918843" y="970450"/>
-            <a:ext cx="6094413" cy="3428107"/>
-          </a:xfrm>
-          <a:prstGeom prst="rect">
-            <a:avLst/>
-          </a:prstGeom>
-        </p:spPr>
-      </p:pic>
     </p:spTree>
     <p:extLst>
       <p:ext uri="{BB962C8B-B14F-4D97-AF65-F5344CB8AC3E}">
@@ -16932,13 +17489,13 @@
   <p:clrMapOvr>
     <a:masterClrMapping/>
   </p:clrMapOvr>
-  <mc:AlternateContent xmlns:mc="http://schemas.openxmlformats.org/markup-compatibility/2006">
-    <mc:Choice xmlns:p14="http://schemas.microsoft.com/office/powerpoint/2010/main" Requires="p14">
+  <mc:AlternateContent xmlns:mc="http://schemas.openxmlformats.org/markup-compatibility/2006" xmlns:p14="http://schemas.microsoft.com/office/powerpoint/2010/main">
+    <mc:Choice Requires="p14">
       <p:transition spd="med" p14:dur="700">
         <p:fade/>
       </p:transition>
     </mc:Choice>
-    <mc:Fallback>
+    <mc:Fallback xmlns="">
       <p:transition spd="med">
         <p:fade/>
       </p:transition>
@@ -16973,7 +17530,7 @@
       </p:grpSpPr>
       <p:sp>
         <p:nvSpPr>
-          <p:cNvPr id="7" name="標題 6"/>
+          <p:cNvPr id="13" name="標題 12"/>
           <p:cNvSpPr>
             <a:spLocks noGrp="1"/>
           </p:cNvSpPr>
@@ -16981,75 +17538,105 @@
             <p:ph type="title"/>
           </p:nvPr>
         </p:nvSpPr>
-        <p:spPr/>
+        <p:spPr>
+          <a:xfrm>
+            <a:off x="4590" y="0"/>
+            <a:ext cx="12153343" cy="970450"/>
+          </a:xfrm>
+        </p:spPr>
         <p:txBody>
-          <a:bodyPr rtlCol="0"/>
+          <a:bodyPr rtlCol="0">
+            <a:noAutofit/>
+          </a:bodyPr>
           <a:lstStyle/>
           <a:p>
             <a:pPr rtl="0"/>
             <a:r>
-              <a:rPr lang="zh-TW" altLang="en-US" dirty="0" smtClean="0">
-                <a:latin typeface="Salesforce Sans"/>
+              <a:rPr lang="en-US" altLang="zh-TW" sz="4800" dirty="0" smtClean="0">
+                <a:latin typeface="微軟正黑體" panose="020B0604030504040204" pitchFamily="34" charset="-120"/>
                 <a:ea typeface="微軟正黑體" panose="020B0604030504040204" pitchFamily="34" charset="-120"/>
                 <a:sym typeface="Salesforce Sans"/>
               </a:rPr>
-              <a:t>標題及含圖表的內容版面配置</a:t>
-            </a:r>
-            <a:endParaRPr lang="zh-TW" altLang="en-US" dirty="0">
-              <a:latin typeface="Salesforce Sans"/>
+              <a:t>Thread per block vs performance</a:t>
+            </a:r>
+            <a:endParaRPr lang="zh-TW" altLang="en-US" sz="4800" dirty="0">
+              <a:latin typeface="微軟正黑體" panose="020B0604030504040204" pitchFamily="34" charset="-120"/>
               <a:ea typeface="微軟正黑體" panose="020B0604030504040204" pitchFamily="34" charset="-120"/>
               <a:sym typeface="Salesforce Sans"/>
             </a:endParaRPr>
           </a:p>
         </p:txBody>
       </p:sp>
-      <p:graphicFrame>
-        <p:nvGraphicFramePr>
-          <p:cNvPr id="9" name="內容預留位置 8" descr="顯示由 3 種數列值所組成 4 種類別的群組直條圖"/>
-          <p:cNvGraphicFramePr>
-            <a:graphicFrameLocks noGrp="1"/>
-          </p:cNvGraphicFramePr>
+      <p:sp>
+        <p:nvSpPr>
+          <p:cNvPr id="2" name="內容版面配置區 1"/>
+          <p:cNvSpPr>
+            <a:spLocks noGrp="1"/>
+          </p:cNvSpPr>
           <p:nvPr>
             <p:ph idx="1"/>
-            <p:extLst>
-              <p:ext uri="{D42A27DB-BD31-4B8C-83A1-F6EECF244321}">
-                <p14:modId xmlns:p14="http://schemas.microsoft.com/office/powerpoint/2010/main" val="2963422385"/>
-              </p:ext>
-            </p:extLst>
-          </p:nvPr>
-        </p:nvGraphicFramePr>
-        <p:xfrm>
-          <a:off x="912813" y="1731963"/>
-          <a:ext cx="10352087" cy="4059237"/>
-        </p:xfrm>
-        <a:graphic>
-          <a:graphicData uri="http://schemas.openxmlformats.org/drawingml/2006/chart">
-            <c:chart xmlns:c="http://schemas.openxmlformats.org/drawingml/2006/chart" xmlns:r="http://schemas.openxmlformats.org/officeDocument/2006/relationships" r:id="rId3"/>
-          </a:graphicData>
-        </a:graphic>
-      </p:graphicFrame>
+          </p:nvPr>
+        </p:nvSpPr>
+        <p:spPr>
+          <a:xfrm>
+            <a:off x="20036" y="970450"/>
+            <a:ext cx="5754130" cy="5638800"/>
+          </a:xfrm>
+        </p:spPr>
+        <p:txBody>
+          <a:bodyPr>
+            <a:normAutofit/>
+          </a:bodyPr>
+          <a:lstStyle/>
+          <a:p>
+            <a:endParaRPr lang="en-US" sz="2400" dirty="0" smtClean="0">
+              <a:latin typeface="微軟正黑體" panose="020B0604030504040204" pitchFamily="34" charset="-120"/>
+              <a:ea typeface="微軟正黑體" panose="020B0604030504040204" pitchFamily="34" charset="-120"/>
+            </a:endParaRPr>
+          </a:p>
+          <a:p>
+            <a:endParaRPr lang="en-US" sz="2400" dirty="0" smtClean="0">
+              <a:latin typeface="微軟正黑體" panose="020B0604030504040204" pitchFamily="34" charset="-120"/>
+              <a:ea typeface="微軟正黑體" panose="020B0604030504040204" pitchFamily="34" charset="-120"/>
+            </a:endParaRPr>
+          </a:p>
+          <a:p>
+            <a:endParaRPr lang="en-US" sz="2400" dirty="0" smtClean="0">
+              <a:latin typeface="微軟正黑體" panose="020B0604030504040204" pitchFamily="34" charset="-120"/>
+              <a:ea typeface="微軟正黑體" panose="020B0604030504040204" pitchFamily="34" charset="-120"/>
+            </a:endParaRPr>
+          </a:p>
+        </p:txBody>
+      </p:sp>
     </p:spTree>
     <p:extLst>
       <p:ext uri="{BB962C8B-B14F-4D97-AF65-F5344CB8AC3E}">
-        <p14:creationId xmlns:p14="http://schemas.microsoft.com/office/powerpoint/2010/main" val="1484811712"/>
+        <p14:creationId xmlns:p14="http://schemas.microsoft.com/office/powerpoint/2010/main" val="695143099"/>
       </p:ext>
     </p:extLst>
   </p:cSld>
   <p:clrMapOvr>
     <a:masterClrMapping/>
   </p:clrMapOvr>
-  <mc:AlternateContent xmlns:mc="http://schemas.openxmlformats.org/markup-compatibility/2006" xmlns:p14="http://schemas.microsoft.com/office/powerpoint/2010/main">
-    <mc:Choice Requires="p14">
+  <mc:AlternateContent xmlns:mc="http://schemas.openxmlformats.org/markup-compatibility/2006">
+    <mc:Choice xmlns:p14="http://schemas.microsoft.com/office/powerpoint/2010/main" Requires="p14">
       <p:transition spd="med" p14:dur="700">
         <p:fade/>
       </p:transition>
     </mc:Choice>
-    <mc:Fallback xmlns="">
+    <mc:Fallback>
       <p:transition spd="med">
         <p:fade/>
       </p:transition>
     </mc:Fallback>
   </mc:AlternateContent>
+  <p:timing>
+    <p:tnLst>
+      <p:par>
+        <p:cTn id="1" dur="indefinite" restart="never" nodeType="tmRoot"/>
+      </p:par>
+    </p:tnLst>
+  </p:timing>
 </p:sld>
 </file>
 

--- a/Final Project/Report.pptx
+++ b/Final Project/Report.pptx
@@ -5,32 +5,34 @@
     <p:sldMasterId id="2147483750" r:id="rId4"/>
   </p:sldMasterIdLst>
   <p:notesMasterIdLst>
-    <p:notesMasterId r:id="rId25"/>
+    <p:notesMasterId r:id="rId27"/>
   </p:notesMasterIdLst>
   <p:handoutMasterIdLst>
-    <p:handoutMasterId r:id="rId26"/>
+    <p:handoutMasterId r:id="rId28"/>
   </p:handoutMasterIdLst>
   <p:sldIdLst>
     <p:sldId id="257" r:id="rId5"/>
     <p:sldId id="273" r:id="rId6"/>
     <p:sldId id="268" r:id="rId7"/>
-    <p:sldId id="272" r:id="rId8"/>
-    <p:sldId id="274" r:id="rId9"/>
-    <p:sldId id="276" r:id="rId10"/>
-    <p:sldId id="278" r:id="rId11"/>
-    <p:sldId id="277" r:id="rId12"/>
-    <p:sldId id="279" r:id="rId13"/>
-    <p:sldId id="281" r:id="rId14"/>
-    <p:sldId id="280" r:id="rId15"/>
-    <p:sldId id="267" r:id="rId16"/>
-    <p:sldId id="269" r:id="rId17"/>
-    <p:sldId id="270" r:id="rId18"/>
-    <p:sldId id="259" r:id="rId19"/>
-    <p:sldId id="261" r:id="rId20"/>
-    <p:sldId id="262" r:id="rId21"/>
-    <p:sldId id="263" r:id="rId22"/>
-    <p:sldId id="271" r:id="rId23"/>
-    <p:sldId id="265" r:id="rId24"/>
+    <p:sldId id="282" r:id="rId8"/>
+    <p:sldId id="272" r:id="rId9"/>
+    <p:sldId id="283" r:id="rId10"/>
+    <p:sldId id="274" r:id="rId11"/>
+    <p:sldId id="276" r:id="rId12"/>
+    <p:sldId id="278" r:id="rId13"/>
+    <p:sldId id="277" r:id="rId14"/>
+    <p:sldId id="279" r:id="rId15"/>
+    <p:sldId id="281" r:id="rId16"/>
+    <p:sldId id="280" r:id="rId17"/>
+    <p:sldId id="267" r:id="rId18"/>
+    <p:sldId id="269" r:id="rId19"/>
+    <p:sldId id="270" r:id="rId20"/>
+    <p:sldId id="259" r:id="rId21"/>
+    <p:sldId id="261" r:id="rId22"/>
+    <p:sldId id="262" r:id="rId23"/>
+    <p:sldId id="263" r:id="rId24"/>
+    <p:sldId id="271" r:id="rId25"/>
+    <p:sldId id="265" r:id="rId26"/>
   </p:sldIdLst>
   <p:sldSz cx="12188825" cy="6858000"/>
   <p:notesSz cx="6858000" cy="9144000"/>
@@ -409,11 +411,11 @@
         </c:dLbls>
         <c:gapWidth val="164"/>
         <c:overlap val="-35"/>
-        <c:axId val="2094774288"/>
-        <c:axId val="2114496032"/>
+        <c:axId val="2138253088"/>
+        <c:axId val="2138254928"/>
       </c:barChart>
       <c:catAx>
-        <c:axId val="2094774288"/>
+        <c:axId val="2138253088"/>
         <c:scaling>
           <c:orientation val="minMax"/>
         </c:scaling>
@@ -450,7 +452,7 @@
             <a:endParaRPr lang="zh-TW"/>
           </a:p>
         </c:txPr>
-        <c:crossAx val="2114496032"/>
+        <c:crossAx val="2138254928"/>
         <c:crosses val="autoZero"/>
         <c:auto val="1"/>
         <c:lblAlgn val="ctr"/>
@@ -458,7 +460,7 @@
         <c:noMultiLvlLbl val="0"/>
       </c:catAx>
       <c:valAx>
-        <c:axId val="2114496032"/>
+        <c:axId val="2138254928"/>
         <c:scaling>
           <c:orientation val="minMax"/>
         </c:scaling>
@@ -495,7 +497,7 @@
             <a:endParaRPr lang="zh-TW"/>
           </a:p>
         </c:txPr>
-        <c:crossAx val="2094774288"/>
+        <c:crossAx val="2138253088"/>
         <c:crosses val="autoZero"/>
         <c:crossBetween val="between"/>
       </c:valAx>
@@ -5899,7 +5901,7 @@
                 <a:ea typeface="+mj-ea"/>
               </a:rPr>
               <a:pPr algn="r" rtl="0"/>
-              <a:t>14</a:t>
+              <a:t>16</a:t>
             </a:fld>
             <a:endParaRPr lang="zh-TW" altLang="en-US" dirty="0">
               <a:latin typeface="+mj-ea"/>
@@ -6002,7 +6004,7 @@
                 <a:ea typeface="+mj-ea"/>
               </a:rPr>
               <a:pPr algn="r" rtl="0"/>
-              <a:t>15</a:t>
+              <a:t>17</a:t>
             </a:fld>
             <a:endParaRPr lang="zh-TW" altLang="en-US" dirty="0">
               <a:latin typeface="+mj-ea"/>
@@ -6102,7 +6104,7 @@
                 <a:ea typeface="+mj-ea"/>
               </a:rPr>
               <a:pPr algn="r" rtl="0"/>
-              <a:t>16</a:t>
+              <a:t>18</a:t>
             </a:fld>
             <a:endParaRPr lang="zh-TW" altLang="en-US" dirty="0">
               <a:latin typeface="+mj-ea"/>
@@ -6202,7 +6204,7 @@
                 <a:ea typeface="+mj-ea"/>
               </a:rPr>
               <a:pPr algn="r" rtl="0"/>
-              <a:t>17</a:t>
+              <a:t>19</a:t>
             </a:fld>
             <a:endParaRPr lang="zh-TW" altLang="en-US" dirty="0">
               <a:latin typeface="+mj-ea"/>
@@ -6302,7 +6304,7 @@
                 <a:ea typeface="+mj-ea"/>
               </a:rPr>
               <a:pPr algn="r" rtl="0"/>
-              <a:t>18</a:t>
+              <a:t>20</a:t>
             </a:fld>
             <a:endParaRPr lang="zh-TW" altLang="en-US" dirty="0">
               <a:latin typeface="+mj-ea"/>
@@ -6402,7 +6404,7 @@
                 <a:ea typeface="+mj-ea"/>
               </a:rPr>
               <a:pPr algn="r" rtl="0"/>
-              <a:t>19</a:t>
+              <a:t>21</a:t>
             </a:fld>
             <a:endParaRPr lang="zh-TW" altLang="en-US" dirty="0">
               <a:latin typeface="+mj-ea"/>
@@ -6502,7 +6504,7 @@
                 <a:ea typeface="+mj-ea"/>
               </a:rPr>
               <a:pPr algn="r" rtl="0"/>
-              <a:t>20</a:t>
+              <a:t>22</a:t>
             </a:fld>
             <a:endParaRPr lang="zh-TW" altLang="en-US" dirty="0">
               <a:latin typeface="+mj-ea"/>
@@ -6702,7 +6704,7 @@
                 <a:ea typeface="+mj-ea"/>
               </a:rPr>
               <a:pPr algn="r" rtl="0"/>
-              <a:t>6</a:t>
+              <a:t>8</a:t>
             </a:fld>
             <a:endParaRPr lang="zh-TW" altLang="en-US" dirty="0">
               <a:latin typeface="+mj-ea"/>
@@ -6802,7 +6804,7 @@
                 <a:ea typeface="+mj-ea"/>
               </a:rPr>
               <a:pPr algn="r" rtl="0"/>
-              <a:t>7</a:t>
+              <a:t>9</a:t>
             </a:fld>
             <a:endParaRPr lang="zh-TW" altLang="en-US" dirty="0">
               <a:latin typeface="+mj-ea"/>
@@ -6902,7 +6904,7 @@
                 <a:ea typeface="+mj-ea"/>
               </a:rPr>
               <a:pPr algn="r" rtl="0"/>
-              <a:t>8</a:t>
+              <a:t>10</a:t>
             </a:fld>
             <a:endParaRPr lang="zh-TW" altLang="en-US" dirty="0">
               <a:latin typeface="+mj-ea"/>
@@ -7002,7 +7004,7 @@
                 <a:ea typeface="+mj-ea"/>
               </a:rPr>
               <a:pPr algn="r" rtl="0"/>
-              <a:t>9</a:t>
+              <a:t>11</a:t>
             </a:fld>
             <a:endParaRPr lang="zh-TW" altLang="en-US" dirty="0">
               <a:latin typeface="+mj-ea"/>
@@ -7102,7 +7104,7 @@
                 <a:ea typeface="+mj-ea"/>
               </a:rPr>
               <a:pPr algn="r" rtl="0"/>
-              <a:t>11</a:t>
+              <a:t>13</a:t>
             </a:fld>
             <a:endParaRPr lang="zh-TW" altLang="en-US" dirty="0">
               <a:latin typeface="+mj-ea"/>
@@ -7202,7 +7204,7 @@
                 <a:ea typeface="+mj-ea"/>
               </a:rPr>
               <a:pPr algn="r" rtl="0"/>
-              <a:t>12</a:t>
+              <a:t>14</a:t>
             </a:fld>
             <a:endParaRPr lang="zh-TW" altLang="en-US" dirty="0">
               <a:latin typeface="+mj-ea"/>
@@ -7302,7 +7304,7 @@
                 <a:ea typeface="+mj-ea"/>
               </a:rPr>
               <a:pPr algn="r" rtl="0"/>
-              <a:t>13</a:t>
+              <a:t>15</a:t>
             </a:fld>
             <a:endParaRPr lang="zh-TW" altLang="en-US" dirty="0">
               <a:latin typeface="+mj-ea"/>
@@ -13752,7 +13754,7 @@
       </p:grpSpPr>
       <p:sp>
         <p:nvSpPr>
-          <p:cNvPr id="2" name="標題 1"/>
+          <p:cNvPr id="13" name="標題 12"/>
           <p:cNvSpPr>
             <a:spLocks noGrp="1"/>
           </p:cNvSpPr>
@@ -13762,24 +13764,171 @@
         </p:nvSpPr>
         <p:spPr>
           <a:xfrm>
-            <a:off x="-1" y="2971800"/>
-            <a:ext cx="12188825" cy="970450"/>
+            <a:off x="4590" y="0"/>
+            <a:ext cx="12153343" cy="970450"/>
           </a:xfrm>
         </p:spPr>
         <p:txBody>
-          <a:bodyPr>
+          <a:bodyPr rtlCol="0">
             <a:noAutofit/>
           </a:bodyPr>
           <a:lstStyle/>
           <a:p>
-            <a:r>
-              <a:rPr kumimoji="1" lang="en-US" altLang="zh-TW" sz="8800" dirty="0" smtClean="0">
-                <a:latin typeface="+mj-ea"/>
+            <a:pPr rtl="0"/>
+            <a:r>
+              <a:rPr lang="en-US" altLang="zh-TW" sz="4800" dirty="0" smtClean="0">
+                <a:solidFill>
+                  <a:srgbClr val="FF0000"/>
+                </a:solidFill>
+                <a:latin typeface="微軟正黑體" panose="020B0604030504040204" pitchFamily="34" charset="-120"/>
+                <a:ea typeface="微軟正黑體" panose="020B0604030504040204" pitchFamily="34" charset="-120"/>
+                <a:sym typeface="Salesforce Sans"/>
               </a:rPr>
-              <a:t>CAN WE DO FASTER?</a:t>
-            </a:r>
-            <a:endParaRPr kumimoji="1" lang="zh-TW" altLang="en-US" sz="8800" dirty="0">
-              <a:latin typeface="+mj-ea"/>
+              <a:t>C</a:t>
+            </a:r>
+            <a:r>
+              <a:rPr lang="en-US" altLang="zh-TW" sz="4800" dirty="0" smtClean="0">
+                <a:latin typeface="微軟正黑體" panose="020B0604030504040204" pitchFamily="34" charset="-120"/>
+                <a:ea typeface="微軟正黑體" panose="020B0604030504040204" pitchFamily="34" charset="-120"/>
+                <a:sym typeface="Salesforce Sans"/>
+              </a:rPr>
+              <a:t>ompute </a:t>
+            </a:r>
+            <a:r>
+              <a:rPr lang="en-US" altLang="zh-TW" sz="4800" dirty="0" smtClean="0">
+                <a:solidFill>
+                  <a:srgbClr val="FF0000"/>
+                </a:solidFill>
+                <a:latin typeface="微軟正黑體" panose="020B0604030504040204" pitchFamily="34" charset="-120"/>
+                <a:ea typeface="微軟正黑體" panose="020B0604030504040204" pitchFamily="34" charset="-120"/>
+                <a:sym typeface="Salesforce Sans"/>
+              </a:rPr>
+              <a:t>U</a:t>
+            </a:r>
+            <a:r>
+              <a:rPr lang="en-US" altLang="zh-TW" sz="4800" dirty="0" smtClean="0">
+                <a:latin typeface="微軟正黑體" panose="020B0604030504040204" pitchFamily="34" charset="-120"/>
+                <a:ea typeface="微軟正黑體" panose="020B0604030504040204" pitchFamily="34" charset="-120"/>
+                <a:sym typeface="Salesforce Sans"/>
+              </a:rPr>
+              <a:t>nified </a:t>
+            </a:r>
+            <a:r>
+              <a:rPr lang="en-US" altLang="zh-TW" sz="4800" dirty="0" smtClean="0">
+                <a:solidFill>
+                  <a:srgbClr val="FF0000"/>
+                </a:solidFill>
+                <a:latin typeface="微軟正黑體" panose="020B0604030504040204" pitchFamily="34" charset="-120"/>
+                <a:ea typeface="微軟正黑體" panose="020B0604030504040204" pitchFamily="34" charset="-120"/>
+                <a:sym typeface="Salesforce Sans"/>
+              </a:rPr>
+              <a:t>D</a:t>
+            </a:r>
+            <a:r>
+              <a:rPr lang="en-US" altLang="zh-TW" sz="4800" dirty="0" smtClean="0">
+                <a:latin typeface="微軟正黑體" panose="020B0604030504040204" pitchFamily="34" charset="-120"/>
+                <a:ea typeface="微軟正黑體" panose="020B0604030504040204" pitchFamily="34" charset="-120"/>
+                <a:sym typeface="Salesforce Sans"/>
+              </a:rPr>
+              <a:t>evice </a:t>
+            </a:r>
+            <a:r>
+              <a:rPr lang="en-US" altLang="zh-TW" sz="4800" dirty="0" smtClean="0">
+                <a:solidFill>
+                  <a:srgbClr val="FF0000"/>
+                </a:solidFill>
+                <a:latin typeface="微軟正黑體" panose="020B0604030504040204" pitchFamily="34" charset="-120"/>
+                <a:ea typeface="微軟正黑體" panose="020B0604030504040204" pitchFamily="34" charset="-120"/>
+                <a:sym typeface="Salesforce Sans"/>
+              </a:rPr>
+              <a:t>A</a:t>
+            </a:r>
+            <a:r>
+              <a:rPr lang="en-US" altLang="zh-TW" sz="4800" dirty="0" smtClean="0">
+                <a:latin typeface="微軟正黑體" panose="020B0604030504040204" pitchFamily="34" charset="-120"/>
+                <a:ea typeface="微軟正黑體" panose="020B0604030504040204" pitchFamily="34" charset="-120"/>
+                <a:sym typeface="Salesforce Sans"/>
+              </a:rPr>
+              <a:t>rchitecture</a:t>
+            </a:r>
+            <a:endParaRPr lang="zh-TW" altLang="en-US" sz="4800" dirty="0">
+              <a:latin typeface="微軟正黑體" panose="020B0604030504040204" pitchFamily="34" charset="-120"/>
+              <a:ea typeface="微軟正黑體" panose="020B0604030504040204" pitchFamily="34" charset="-120"/>
+              <a:sym typeface="Salesforce Sans"/>
+            </a:endParaRPr>
+          </a:p>
+        </p:txBody>
+      </p:sp>
+      <p:sp>
+        <p:nvSpPr>
+          <p:cNvPr id="2" name="內容版面配置區 1"/>
+          <p:cNvSpPr>
+            <a:spLocks noGrp="1"/>
+          </p:cNvSpPr>
+          <p:nvPr>
+            <p:ph idx="1"/>
+          </p:nvPr>
+        </p:nvSpPr>
+        <p:spPr>
+          <a:xfrm>
+            <a:off x="20036" y="970450"/>
+            <a:ext cx="5754130" cy="5638800"/>
+          </a:xfrm>
+        </p:spPr>
+        <p:txBody>
+          <a:bodyPr>
+            <a:normAutofit/>
+          </a:bodyPr>
+          <a:lstStyle/>
+          <a:p>
+            <a:r>
+              <a:rPr lang="en-US" sz="2400" dirty="0" smtClean="0">
+                <a:latin typeface="微軟正黑體" panose="020B0604030504040204" pitchFamily="34" charset="-120"/>
+                <a:ea typeface="微軟正黑體" panose="020B0604030504040204" pitchFamily="34" charset="-120"/>
+              </a:rPr>
+              <a:t>Using 1024 thread per block (i.e.)</a:t>
+            </a:r>
+          </a:p>
+          <a:p>
+            <a:r>
+              <a:rPr lang="en-US" sz="2400" dirty="0" smtClean="0">
+                <a:latin typeface="微軟正黑體" panose="020B0604030504040204" pitchFamily="34" charset="-120"/>
+                <a:ea typeface="微軟正黑體" panose="020B0604030504040204" pitchFamily="34" charset="-120"/>
+              </a:rPr>
+              <a:t>Each thread deal with one pixel.</a:t>
+            </a:r>
+          </a:p>
+          <a:p>
+            <a:endParaRPr lang="en-US" sz="2400" dirty="0" smtClean="0">
+              <a:latin typeface="微軟正黑體" panose="020B0604030504040204" pitchFamily="34" charset="-120"/>
+              <a:ea typeface="微軟正黑體" panose="020B0604030504040204" pitchFamily="34" charset="-120"/>
+            </a:endParaRPr>
+          </a:p>
+          <a:p>
+            <a:r>
+              <a:rPr lang="en-US" sz="2400" dirty="0" smtClean="0">
+                <a:latin typeface="微軟正黑體" panose="020B0604030504040204" pitchFamily="34" charset="-120"/>
+                <a:ea typeface="微軟正黑體" panose="020B0604030504040204" pitchFamily="34" charset="-120"/>
+              </a:rPr>
+              <a:t>Compare pixel-wise(R G B) to verify the correctness due to GPU precision slightly inaccurate.</a:t>
+            </a:r>
+          </a:p>
+          <a:p>
+            <a:endParaRPr lang="en-US" sz="2400" dirty="0" smtClean="0">
+              <a:latin typeface="微軟正黑體" panose="020B0604030504040204" pitchFamily="34" charset="-120"/>
+              <a:ea typeface="微軟正黑體" panose="020B0604030504040204" pitchFamily="34" charset="-120"/>
+            </a:endParaRPr>
+          </a:p>
+          <a:p>
+            <a:endParaRPr lang="en-US" sz="2400" dirty="0" smtClean="0">
+              <a:latin typeface="微軟正黑體" panose="020B0604030504040204" pitchFamily="34" charset="-120"/>
+              <a:ea typeface="微軟正黑體" panose="020B0604030504040204" pitchFamily="34" charset="-120"/>
+            </a:endParaRPr>
+          </a:p>
+          <a:p>
+            <a:endParaRPr lang="en-US" sz="2400" dirty="0" smtClean="0">
+              <a:latin typeface="微軟正黑體" panose="020B0604030504040204" pitchFamily="34" charset="-120"/>
+              <a:ea typeface="微軟正黑體" panose="020B0604030504040204" pitchFamily="34" charset="-120"/>
             </a:endParaRPr>
           </a:p>
         </p:txBody>
@@ -13787,13 +13936,32 @@
     </p:spTree>
     <p:extLst>
       <p:ext uri="{BB962C8B-B14F-4D97-AF65-F5344CB8AC3E}">
-        <p14:creationId xmlns:p14="http://schemas.microsoft.com/office/powerpoint/2010/main" val="551854922"/>
+        <p14:creationId xmlns:p14="http://schemas.microsoft.com/office/powerpoint/2010/main" val="620951047"/>
       </p:ext>
     </p:extLst>
   </p:cSld>
   <p:clrMapOvr>
     <a:masterClrMapping/>
   </p:clrMapOvr>
+  <mc:AlternateContent xmlns:mc="http://schemas.openxmlformats.org/markup-compatibility/2006" xmlns:p14="http://schemas.microsoft.com/office/powerpoint/2010/main">
+    <mc:Choice Requires="p14">
+      <p:transition spd="med" p14:dur="700">
+        <p:fade/>
+      </p:transition>
+    </mc:Choice>
+    <mc:Fallback xmlns="">
+      <p:transition spd="med">
+        <p:fade/>
+      </p:transition>
+    </mc:Fallback>
+  </mc:AlternateContent>
+  <p:timing>
+    <p:tnLst>
+      <p:par>
+        <p:cTn id="1" dur="indefinite" restart="never" nodeType="tmRoot"/>
+      </p:par>
+    </p:tnLst>
+  </p:timing>
 </p:sld>
 </file>
 
@@ -13843,6 +14011,199 @@
                 <a:ea typeface="微軟正黑體" panose="020B0604030504040204" pitchFamily="34" charset="-120"/>
                 <a:sym typeface="Salesforce Sans"/>
               </a:rPr>
+              <a:t>Thread per block vs performance</a:t>
+            </a:r>
+            <a:endParaRPr lang="zh-TW" altLang="en-US" sz="4800" dirty="0">
+              <a:latin typeface="微軟正黑體" panose="020B0604030504040204" pitchFamily="34" charset="-120"/>
+              <a:ea typeface="微軟正黑體" panose="020B0604030504040204" pitchFamily="34" charset="-120"/>
+              <a:sym typeface="Salesforce Sans"/>
+            </a:endParaRPr>
+          </a:p>
+        </p:txBody>
+      </p:sp>
+      <p:sp>
+        <p:nvSpPr>
+          <p:cNvPr id="2" name="內容版面配置區 1"/>
+          <p:cNvSpPr>
+            <a:spLocks noGrp="1"/>
+          </p:cNvSpPr>
+          <p:nvPr>
+            <p:ph idx="1"/>
+          </p:nvPr>
+        </p:nvSpPr>
+        <p:spPr>
+          <a:xfrm>
+            <a:off x="20036" y="970450"/>
+            <a:ext cx="5754130" cy="5638800"/>
+          </a:xfrm>
+        </p:spPr>
+        <p:txBody>
+          <a:bodyPr>
+            <a:normAutofit/>
+          </a:bodyPr>
+          <a:lstStyle/>
+          <a:p>
+            <a:endParaRPr lang="en-US" sz="2400" dirty="0" smtClean="0">
+              <a:latin typeface="微軟正黑體" panose="020B0604030504040204" pitchFamily="34" charset="-120"/>
+              <a:ea typeface="微軟正黑體" panose="020B0604030504040204" pitchFamily="34" charset="-120"/>
+            </a:endParaRPr>
+          </a:p>
+          <a:p>
+            <a:endParaRPr lang="en-US" sz="2400" dirty="0" smtClean="0">
+              <a:latin typeface="微軟正黑體" panose="020B0604030504040204" pitchFamily="34" charset="-120"/>
+              <a:ea typeface="微軟正黑體" panose="020B0604030504040204" pitchFamily="34" charset="-120"/>
+            </a:endParaRPr>
+          </a:p>
+          <a:p>
+            <a:endParaRPr lang="en-US" sz="2400" dirty="0" smtClean="0">
+              <a:latin typeface="微軟正黑體" panose="020B0604030504040204" pitchFamily="34" charset="-120"/>
+              <a:ea typeface="微軟正黑體" panose="020B0604030504040204" pitchFamily="34" charset="-120"/>
+            </a:endParaRPr>
+          </a:p>
+        </p:txBody>
+      </p:sp>
+    </p:spTree>
+    <p:extLst>
+      <p:ext uri="{BB962C8B-B14F-4D97-AF65-F5344CB8AC3E}">
+        <p14:creationId xmlns:p14="http://schemas.microsoft.com/office/powerpoint/2010/main" val="695143099"/>
+      </p:ext>
+    </p:extLst>
+  </p:cSld>
+  <p:clrMapOvr>
+    <a:masterClrMapping/>
+  </p:clrMapOvr>
+  <mc:AlternateContent xmlns:mc="http://schemas.openxmlformats.org/markup-compatibility/2006" xmlns:p14="http://schemas.microsoft.com/office/powerpoint/2010/main">
+    <mc:Choice Requires="p14">
+      <p:transition spd="med" p14:dur="700">
+        <p:fade/>
+      </p:transition>
+    </mc:Choice>
+    <mc:Fallback xmlns="">
+      <p:transition spd="med">
+        <p:fade/>
+      </p:transition>
+    </mc:Fallback>
+  </mc:AlternateContent>
+  <p:timing>
+    <p:tnLst>
+      <p:par>
+        <p:cTn id="1" dur="indefinite" restart="never" nodeType="tmRoot"/>
+      </p:par>
+    </p:tnLst>
+  </p:timing>
+</p:sld>
+</file>
+
+<file path=ppt/slides/slide12.xml><?xml version="1.0" encoding="utf-8"?>
+<p:sld xmlns:a="http://schemas.openxmlformats.org/drawingml/2006/main" xmlns:r="http://schemas.openxmlformats.org/officeDocument/2006/relationships" xmlns:p="http://schemas.openxmlformats.org/presentationml/2006/main">
+  <p:cSld>
+    <p:spTree>
+      <p:nvGrpSpPr>
+        <p:cNvPr id="1" name=""/>
+        <p:cNvGrpSpPr/>
+        <p:nvPr/>
+      </p:nvGrpSpPr>
+      <p:grpSpPr>
+        <a:xfrm>
+          <a:off x="0" y="0"/>
+          <a:ext cx="0" cy="0"/>
+          <a:chOff x="0" y="0"/>
+          <a:chExt cx="0" cy="0"/>
+        </a:xfrm>
+      </p:grpSpPr>
+      <p:sp>
+        <p:nvSpPr>
+          <p:cNvPr id="2" name="標題 1"/>
+          <p:cNvSpPr>
+            <a:spLocks noGrp="1"/>
+          </p:cNvSpPr>
+          <p:nvPr>
+            <p:ph type="title"/>
+          </p:nvPr>
+        </p:nvSpPr>
+        <p:spPr>
+          <a:xfrm>
+            <a:off x="-1" y="2971800"/>
+            <a:ext cx="12188825" cy="970450"/>
+          </a:xfrm>
+        </p:spPr>
+        <p:txBody>
+          <a:bodyPr>
+            <a:noAutofit/>
+          </a:bodyPr>
+          <a:lstStyle/>
+          <a:p>
+            <a:r>
+              <a:rPr kumimoji="1" lang="en-US" altLang="zh-TW" sz="8800" dirty="0" smtClean="0">
+                <a:latin typeface="+mj-ea"/>
+              </a:rPr>
+              <a:t>CAN WE DO FASTER?</a:t>
+            </a:r>
+            <a:endParaRPr kumimoji="1" lang="zh-TW" altLang="en-US" sz="8800" dirty="0">
+              <a:latin typeface="+mj-ea"/>
+            </a:endParaRPr>
+          </a:p>
+        </p:txBody>
+      </p:sp>
+    </p:spTree>
+    <p:extLst>
+      <p:ext uri="{BB962C8B-B14F-4D97-AF65-F5344CB8AC3E}">
+        <p14:creationId xmlns:p14="http://schemas.microsoft.com/office/powerpoint/2010/main" val="551854922"/>
+      </p:ext>
+    </p:extLst>
+  </p:cSld>
+  <p:clrMapOvr>
+    <a:masterClrMapping/>
+  </p:clrMapOvr>
+</p:sld>
+</file>
+
+<file path=ppt/slides/slide13.xml><?xml version="1.0" encoding="utf-8"?>
+<p:sld xmlns:a="http://schemas.openxmlformats.org/drawingml/2006/main" xmlns:r="http://schemas.openxmlformats.org/officeDocument/2006/relationships" xmlns:p="http://schemas.openxmlformats.org/presentationml/2006/main">
+  <p:cSld>
+    <p:spTree>
+      <p:nvGrpSpPr>
+        <p:cNvPr id="1" name=""/>
+        <p:cNvGrpSpPr/>
+        <p:nvPr/>
+      </p:nvGrpSpPr>
+      <p:grpSpPr>
+        <a:xfrm>
+          <a:off x="0" y="0"/>
+          <a:ext cx="0" cy="0"/>
+          <a:chOff x="0" y="0"/>
+          <a:chExt cx="0" cy="0"/>
+        </a:xfrm>
+      </p:grpSpPr>
+      <p:sp>
+        <p:nvSpPr>
+          <p:cNvPr id="13" name="標題 12"/>
+          <p:cNvSpPr>
+            <a:spLocks noGrp="1"/>
+          </p:cNvSpPr>
+          <p:nvPr>
+            <p:ph type="title"/>
+          </p:nvPr>
+        </p:nvSpPr>
+        <p:spPr>
+          <a:xfrm>
+            <a:off x="4590" y="0"/>
+            <a:ext cx="12153343" cy="970450"/>
+          </a:xfrm>
+        </p:spPr>
+        <p:txBody>
+          <a:bodyPr rtlCol="0">
+            <a:noAutofit/>
+          </a:bodyPr>
+          <a:lstStyle/>
+          <a:p>
+            <a:pPr rtl="0"/>
+            <a:r>
+              <a:rPr lang="en-US" altLang="zh-TW" sz="4800" dirty="0" smtClean="0">
+                <a:latin typeface="微軟正黑體" panose="020B0604030504040204" pitchFamily="34" charset="-120"/>
+                <a:ea typeface="微軟正黑體" panose="020B0604030504040204" pitchFamily="34" charset="-120"/>
+                <a:sym typeface="Salesforce Sans"/>
+              </a:rPr>
               <a:t>Do faster with </a:t>
             </a:r>
             <a:r>
@@ -13879,13 +14240,13 @@
         </p:nvSpPr>
         <p:spPr>
           <a:xfrm>
-            <a:off x="42832" y="5887550"/>
+            <a:off x="0" y="6264511"/>
             <a:ext cx="12137897" cy="970450"/>
           </a:xfrm>
         </p:spPr>
         <p:txBody>
           <a:bodyPr>
-            <a:normAutofit lnSpcReduction="10000"/>
+            <a:normAutofit/>
           </a:bodyPr>
           <a:lstStyle/>
           <a:p>
@@ -13894,33 +14255,21 @@
                 <a:latin typeface="微軟正黑體" panose="020B0604030504040204" pitchFamily="34" charset="-120"/>
                 <a:ea typeface="微軟正黑體" panose="020B0604030504040204" pitchFamily="34" charset="-120"/>
               </a:rPr>
-              <a:t>Filter is frequently and repeatedly accessed but GPU global memory is quite slow.</a:t>
-            </a:r>
-          </a:p>
-          <a:p>
-            <a:r>
-              <a:rPr lang="en-US" sz="2400" dirty="0" smtClean="0">
+              <a:t>Filter is frequently and repeatedly accessed but GPU global memory is quite </a:t>
+            </a:r>
+            <a:r>
+              <a:rPr lang="en-US" sz="2400" smtClean="0">
                 <a:latin typeface="微軟正黑體" panose="020B0604030504040204" pitchFamily="34" charset="-120"/>
                 <a:ea typeface="微軟正黑體" panose="020B0604030504040204" pitchFamily="34" charset="-120"/>
               </a:rPr>
-              <a:t>Use the </a:t>
-            </a:r>
-            <a:r>
-              <a:rPr lang="en-US" sz="2400" dirty="0" smtClean="0">
-                <a:solidFill>
-                  <a:srgbClr val="FF0000"/>
-                </a:solidFill>
+              <a:t>slow</a:t>
+            </a:r>
+            <a:r>
+              <a:rPr lang="en-US" sz="2400" smtClean="0">
                 <a:latin typeface="微軟正黑體" panose="020B0604030504040204" pitchFamily="34" charset="-120"/>
                 <a:ea typeface="微軟正黑體" panose="020B0604030504040204" pitchFamily="34" charset="-120"/>
               </a:rPr>
-              <a:t>__constant__ </a:t>
-            </a:r>
-            <a:r>
-              <a:rPr lang="en-US" sz="2400" dirty="0" smtClean="0">
-                <a:latin typeface="微軟正黑體" panose="020B0604030504040204" pitchFamily="34" charset="-120"/>
-                <a:ea typeface="微軟正黑體" panose="020B0604030504040204" pitchFamily="34" charset="-120"/>
-              </a:rPr>
-              <a:t>identifier to declare the variables as constant</a:t>
+              <a:t>.</a:t>
             </a:r>
             <a:endParaRPr lang="en-US" sz="2400" dirty="0" smtClean="0">
               <a:latin typeface="微軟正黑體" panose="020B0604030504040204" pitchFamily="34" charset="-120"/>
@@ -13950,8 +14299,8 @@
         </p:blipFill>
         <p:spPr>
           <a:xfrm>
-            <a:off x="2055812" y="970450"/>
-            <a:ext cx="8102149" cy="4808836"/>
+            <a:off x="1370012" y="962244"/>
+            <a:ext cx="8919678" cy="5294061"/>
           </a:xfrm>
           <a:prstGeom prst="rect">
             <a:avLst/>
@@ -13968,13 +14317,13 @@
   <p:clrMapOvr>
     <a:masterClrMapping/>
   </p:clrMapOvr>
-  <mc:AlternateContent xmlns:mc="http://schemas.openxmlformats.org/markup-compatibility/2006">
-    <mc:Choice xmlns:p14="http://schemas.microsoft.com/office/powerpoint/2010/main" Requires="p14">
+  <mc:AlternateContent xmlns:mc="http://schemas.openxmlformats.org/markup-compatibility/2006" xmlns:p14="http://schemas.microsoft.com/office/powerpoint/2010/main">
+    <mc:Choice Requires="p14">
       <p:transition spd="med" p14:dur="700">
         <p:fade/>
       </p:transition>
     </mc:Choice>
-    <mc:Fallback>
+    <mc:Fallback xmlns="">
       <p:transition spd="med">
         <p:fade/>
       </p:transition>
@@ -13990,7 +14339,7 @@
 </p:sld>
 </file>
 
-<file path=ppt/slides/slide12.xml><?xml version="1.0" encoding="utf-8"?>
+<file path=ppt/slides/slide14.xml><?xml version="1.0" encoding="utf-8"?>
 <p:sld xmlns:a="http://schemas.openxmlformats.org/drawingml/2006/main" xmlns:r="http://schemas.openxmlformats.org/officeDocument/2006/relationships" xmlns:p="http://schemas.openxmlformats.org/presentationml/2006/main">
   <p:cSld>
     <p:spTree>
@@ -14089,7 +14438,7 @@
 </p:sld>
 </file>
 
-<file path=ppt/slides/slide13.xml><?xml version="1.0" encoding="utf-8"?>
+<file path=ppt/slides/slide15.xml><?xml version="1.0" encoding="utf-8"?>
 <p:sld xmlns:a="http://schemas.openxmlformats.org/drawingml/2006/main" xmlns:r="http://schemas.openxmlformats.org/officeDocument/2006/relationships" xmlns:p="http://schemas.openxmlformats.org/presentationml/2006/main">
   <p:cSld>
     <p:spTree>
@@ -14209,7 +14558,7 @@
         </p:nvGraphicFramePr>
         <p:xfrm>
           <a:off x="6200775" y="1731963"/>
-          <a:ext cx="5064125" cy="4059237"/>
+          <a:ext cx="5064126" cy="2255836"/>
         </p:xfrm>
         <a:graphic>
           <a:graphicData uri="http://schemas.openxmlformats.org/drawingml/2006/table">
@@ -14221,21 +14570,21 @@
                 <a:gridCol w="1688042">
                   <a:extLst>
                     <a:ext uri="{9D8B030D-6E8A-4147-A177-3AD203B41FA5}">
-                      <a16:colId xmlns="" xmlns:a16="http://schemas.microsoft.com/office/drawing/2014/main" val="20000"/>
+                      <a16:colId xmlns:a16="http://schemas.microsoft.com/office/drawing/2014/main" xmlns="" val="20000"/>
                     </a:ext>
                   </a:extLst>
                 </a:gridCol>
                 <a:gridCol w="1688042">
                   <a:extLst>
                     <a:ext uri="{9D8B030D-6E8A-4147-A177-3AD203B41FA5}">
-                      <a16:colId xmlns="" xmlns:a16="http://schemas.microsoft.com/office/drawing/2014/main" val="20001"/>
+                      <a16:colId xmlns:a16="http://schemas.microsoft.com/office/drawing/2014/main" xmlns="" val="20001"/>
                     </a:ext>
                   </a:extLst>
                 </a:gridCol>
                 <a:gridCol w="1688042">
                   <a:extLst>
                     <a:ext uri="{9D8B030D-6E8A-4147-A177-3AD203B41FA5}">
-                      <a16:colId xmlns="" xmlns:a16="http://schemas.microsoft.com/office/drawing/2014/main" val="20002"/>
+                      <a16:colId xmlns:a16="http://schemas.microsoft.com/office/drawing/2014/main" xmlns="" val="20002"/>
                     </a:ext>
                   </a:extLst>
                 </a:gridCol>
@@ -14340,7 +14689,7 @@
                 </a:tc>
                 <a:extLst>
                   <a:ext uri="{0D108BD9-81ED-4DB2-BD59-A6C34878D82A}">
-                    <a16:rowId xmlns="" xmlns:a16="http://schemas.microsoft.com/office/drawing/2014/main" val="10000"/>
+                    <a16:rowId xmlns:a16="http://schemas.microsoft.com/office/drawing/2014/main" xmlns="" val="10000"/>
                   </a:ext>
                 </a:extLst>
               </a:tr>
@@ -14424,7 +14773,7 @@
                 </a:tc>
                 <a:extLst>
                   <a:ext uri="{0D108BD9-81ED-4DB2-BD59-A6C34878D82A}">
-                    <a16:rowId xmlns="" xmlns:a16="http://schemas.microsoft.com/office/drawing/2014/main" val="10001"/>
+                    <a16:rowId xmlns:a16="http://schemas.microsoft.com/office/drawing/2014/main" xmlns="" val="10001"/>
                   </a:ext>
                 </a:extLst>
               </a:tr>
@@ -14508,7 +14857,7 @@
                 </a:tc>
                 <a:extLst>
                   <a:ext uri="{0D108BD9-81ED-4DB2-BD59-A6C34878D82A}">
-                    <a16:rowId xmlns="" xmlns:a16="http://schemas.microsoft.com/office/drawing/2014/main" val="10002"/>
+                    <a16:rowId xmlns:a16="http://schemas.microsoft.com/office/drawing/2014/main" xmlns="" val="10002"/>
                   </a:ext>
                 </a:extLst>
               </a:tr>
@@ -14592,7 +14941,7 @@
                 </a:tc>
                 <a:extLst>
                   <a:ext uri="{0D108BD9-81ED-4DB2-BD59-A6C34878D82A}">
-                    <a16:rowId xmlns="" xmlns:a16="http://schemas.microsoft.com/office/drawing/2014/main" val="10003"/>
+                    <a16:rowId xmlns:a16="http://schemas.microsoft.com/office/drawing/2014/main" xmlns="" val="10003"/>
                   </a:ext>
                 </a:extLst>
               </a:tr>
@@ -14604,257 +14953,6 @@
     <p:extLst>
       <p:ext uri="{BB962C8B-B14F-4D97-AF65-F5344CB8AC3E}">
         <p14:creationId xmlns:p14="http://schemas.microsoft.com/office/powerpoint/2010/main" val="2341911148"/>
-      </p:ext>
-    </p:extLst>
-  </p:cSld>
-  <p:clrMapOvr>
-    <a:masterClrMapping/>
-  </p:clrMapOvr>
-  <mc:AlternateContent xmlns:mc="http://schemas.openxmlformats.org/markup-compatibility/2006" xmlns:p14="http://schemas.microsoft.com/office/powerpoint/2010/main">
-    <mc:Choice Requires="p14">
-      <p:transition spd="med" p14:dur="700">
-        <p:fade/>
-      </p:transition>
-    </mc:Choice>
-    <mc:Fallback xmlns="">
-      <p:transition spd="med">
-        <p:fade/>
-      </p:transition>
-    </mc:Fallback>
-  </mc:AlternateContent>
-</p:sld>
-</file>
-
-<file path=ppt/slides/slide14.xml><?xml version="1.0" encoding="utf-8"?>
-<p:sld xmlns:a="http://schemas.openxmlformats.org/drawingml/2006/main" xmlns:r="http://schemas.openxmlformats.org/officeDocument/2006/relationships" xmlns:p="http://schemas.openxmlformats.org/presentationml/2006/main">
-  <p:cSld>
-    <p:spTree>
-      <p:nvGrpSpPr>
-        <p:cNvPr id="1" name=""/>
-        <p:cNvGrpSpPr/>
-        <p:nvPr/>
-      </p:nvGrpSpPr>
-      <p:grpSpPr>
-        <a:xfrm>
-          <a:off x="0" y="0"/>
-          <a:ext cx="0" cy="0"/>
-          <a:chOff x="0" y="0"/>
-          <a:chExt cx="0" cy="0"/>
-        </a:xfrm>
-      </p:grpSpPr>
-      <p:sp>
-        <p:nvSpPr>
-          <p:cNvPr id="2" name="標題 1"/>
-          <p:cNvSpPr>
-            <a:spLocks noGrp="1"/>
-          </p:cNvSpPr>
-          <p:nvPr>
-            <p:ph type="title"/>
-          </p:nvPr>
-        </p:nvSpPr>
-        <p:spPr/>
-        <p:txBody>
-          <a:bodyPr rtlCol="0"/>
-          <a:lstStyle/>
-          <a:p>
-            <a:pPr rtl="0"/>
-            <a:r>
-              <a:rPr lang="zh-TW" altLang="en-US" dirty="0" smtClean="0">
-                <a:sym typeface="Salesforce Sans"/>
-              </a:rPr>
-              <a:t>含 </a:t>
-            </a:r>
-            <a:r>
-              <a:rPr lang="en-US" altLang="zh-TW" dirty="0" smtClean="0">
-                <a:sym typeface="Salesforce Sans"/>
-              </a:rPr>
-              <a:t>SmartArt </a:t>
-            </a:r>
-            <a:r>
-              <a:rPr lang="zh-TW" altLang="en-US" dirty="0" smtClean="0">
-                <a:sym typeface="Salesforce Sans"/>
-              </a:rPr>
-              <a:t>的兩項內容版面配置</a:t>
-            </a:r>
-            <a:endParaRPr lang="zh-TW" altLang="en-US" dirty="0">
-              <a:sym typeface="Salesforce Sans"/>
-            </a:endParaRPr>
-          </a:p>
-        </p:txBody>
-      </p:sp>
-      <p:sp>
-        <p:nvSpPr>
-          <p:cNvPr id="3" name="內容預留位置 2"/>
-          <p:cNvSpPr>
-            <a:spLocks noGrp="1"/>
-          </p:cNvSpPr>
-          <p:nvPr>
-            <p:ph sz="half" idx="1"/>
-          </p:nvPr>
-        </p:nvSpPr>
-        <p:spPr/>
-        <p:txBody>
-          <a:bodyPr rtlCol="0"/>
-          <a:lstStyle/>
-          <a:p>
-            <a:pPr rtl="0"/>
-            <a:r>
-              <a:rPr lang="zh-TW" altLang="en-US" dirty="0" smtClean="0">
-                <a:sym typeface="Salesforce Sans"/>
-              </a:rPr>
-              <a:t>第一個項目符號</a:t>
-            </a:r>
-          </a:p>
-          <a:p>
-            <a:pPr rtl="0"/>
-            <a:r>
-              <a:rPr lang="zh-TW" altLang="en-US" dirty="0" smtClean="0">
-                <a:sym typeface="Salesforce Sans"/>
-              </a:rPr>
-              <a:t>第二個項目符號</a:t>
-            </a:r>
-          </a:p>
-          <a:p>
-            <a:pPr rtl="0"/>
-            <a:r>
-              <a:rPr lang="zh-TW" altLang="en-US" dirty="0" smtClean="0">
-                <a:sym typeface="Salesforce Sans"/>
-              </a:rPr>
-              <a:t>第三個項目符號</a:t>
-            </a:r>
-            <a:endParaRPr lang="zh-TW" altLang="en-US" dirty="0">
-              <a:sym typeface="Salesforce Sans"/>
-            </a:endParaRPr>
-          </a:p>
-        </p:txBody>
-      </p:sp>
-      <p:graphicFrame>
-        <p:nvGraphicFramePr>
-          <p:cNvPr id="5" name="內容預留位置 4" descr="由上至下依序顯示 3 項工作的交錯流程圖，兩個向下箭號用來表示由第一項工作到第二項工作，再由第二項工作到第三項工作的進程。"/>
-          <p:cNvGraphicFramePr>
-            <a:graphicFrameLocks noGrp="1"/>
-          </p:cNvGraphicFramePr>
-          <p:nvPr>
-            <p:ph sz="half" idx="2"/>
-            <p:extLst>
-              <p:ext uri="{D42A27DB-BD31-4B8C-83A1-F6EECF244321}">
-                <p14:modId xmlns:p14="http://schemas.microsoft.com/office/powerpoint/2010/main" val="2150814564"/>
-              </p:ext>
-            </p:extLst>
-          </p:nvPr>
-        </p:nvGraphicFramePr>
-        <p:xfrm>
-          <a:off x="6200775" y="1731963"/>
-          <a:ext cx="5064125" cy="4059237"/>
-        </p:xfrm>
-        <a:graphic>
-          <a:graphicData uri="http://schemas.openxmlformats.org/drawingml/2006/diagram">
-            <dgm:relIds xmlns:dgm="http://schemas.openxmlformats.org/drawingml/2006/diagram" xmlns:r="http://schemas.openxmlformats.org/officeDocument/2006/relationships" r:dm="rId3" r:lo="rId4" r:qs="rId5" r:cs="rId6"/>
-          </a:graphicData>
-        </a:graphic>
-      </p:graphicFrame>
-    </p:spTree>
-    <p:extLst>
-      <p:ext uri="{BB962C8B-B14F-4D97-AF65-F5344CB8AC3E}">
-        <p14:creationId xmlns:p14="http://schemas.microsoft.com/office/powerpoint/2010/main" val="4123189245"/>
-      </p:ext>
-    </p:extLst>
-  </p:cSld>
-  <p:clrMapOvr>
-    <a:masterClrMapping/>
-  </p:clrMapOvr>
-  <mc:AlternateContent xmlns:mc="http://schemas.openxmlformats.org/markup-compatibility/2006" xmlns:p14="http://schemas.microsoft.com/office/powerpoint/2010/main">
-    <mc:Choice Requires="p14">
-      <p:transition spd="med" p14:dur="700">
-        <p:fade/>
-      </p:transition>
-    </mc:Choice>
-    <mc:Fallback xmlns="">
-      <p:transition spd="med">
-        <p:fade/>
-      </p:transition>
-    </mc:Fallback>
-  </mc:AlternateContent>
-</p:sld>
-</file>
-
-<file path=ppt/slides/slide15.xml><?xml version="1.0" encoding="utf-8"?>
-<p:sld xmlns:a="http://schemas.openxmlformats.org/drawingml/2006/main" xmlns:r="http://schemas.openxmlformats.org/officeDocument/2006/relationships" xmlns:p="http://schemas.openxmlformats.org/presentationml/2006/main">
-  <p:cSld>
-    <p:spTree>
-      <p:nvGrpSpPr>
-        <p:cNvPr id="1" name=""/>
-        <p:cNvGrpSpPr/>
-        <p:nvPr/>
-      </p:nvGrpSpPr>
-      <p:grpSpPr>
-        <a:xfrm>
-          <a:off x="0" y="0"/>
-          <a:ext cx="0" cy="0"/>
-          <a:chOff x="0" y="0"/>
-          <a:chExt cx="0" cy="0"/>
-        </a:xfrm>
-      </p:grpSpPr>
-      <p:sp>
-        <p:nvSpPr>
-          <p:cNvPr id="4" name="標題 3"/>
-          <p:cNvSpPr>
-            <a:spLocks noGrp="1"/>
-          </p:cNvSpPr>
-          <p:nvPr>
-            <p:ph type="title"/>
-          </p:nvPr>
-        </p:nvSpPr>
-        <p:spPr/>
-        <p:txBody>
-          <a:bodyPr rtlCol="0"/>
-          <a:lstStyle/>
-          <a:p>
-            <a:pPr rtl="0"/>
-            <a:r>
-              <a:rPr lang="zh-TW" altLang="en-US" dirty="0" smtClean="0">
-                <a:sym typeface="Salesforce Sans"/>
-              </a:rPr>
-              <a:t>新增投影片標題 </a:t>
-            </a:r>
-            <a:r>
-              <a:rPr lang="en-US" altLang="zh-TW" dirty="0" smtClean="0">
-                <a:sym typeface="Salesforce Sans"/>
-              </a:rPr>
-              <a:t>- 1</a:t>
-            </a:r>
-            <a:endParaRPr lang="zh-TW" altLang="en-US" dirty="0">
-              <a:sym typeface="Salesforce Sans"/>
-            </a:endParaRPr>
-          </a:p>
-        </p:txBody>
-      </p:sp>
-      <p:sp>
-        <p:nvSpPr>
-          <p:cNvPr id="5" name="文字預留位置 4"/>
-          <p:cNvSpPr>
-            <a:spLocks noGrp="1"/>
-          </p:cNvSpPr>
-          <p:nvPr>
-            <p:ph type="body" idx="1"/>
-          </p:nvPr>
-        </p:nvSpPr>
-        <p:spPr/>
-        <p:txBody>
-          <a:bodyPr rtlCol="0"/>
-          <a:lstStyle/>
-          <a:p>
-            <a:pPr rtl="0"/>
-            <a:endParaRPr lang="zh-TW" altLang="en-US" dirty="0">
-              <a:sym typeface="Salesforce Sans"/>
-            </a:endParaRPr>
-          </a:p>
-        </p:txBody>
-      </p:sp>
-    </p:spTree>
-    <p:extLst>
-      <p:ext uri="{BB962C8B-B14F-4D97-AF65-F5344CB8AC3E}">
-        <p14:creationId xmlns:p14="http://schemas.microsoft.com/office/powerpoint/2010/main" val="4264977537"/>
       </p:ext>
     </p:extLst>
   </p:cSld>
@@ -14895,7 +14993,7 @@
       </p:grpSpPr>
       <p:sp>
         <p:nvSpPr>
-          <p:cNvPr id="7" name="標題 6"/>
+          <p:cNvPr id="2" name="標題 1"/>
           <p:cNvSpPr>
             <a:spLocks noGrp="1"/>
           </p:cNvSpPr>
@@ -14913,13 +15011,19 @@
               <a:rPr lang="zh-TW" altLang="en-US" dirty="0" smtClean="0">
                 <a:sym typeface="Salesforce Sans"/>
               </a:rPr>
-              <a:t>新增投影片標題 </a:t>
+              <a:t>含 </a:t>
             </a:r>
             <a:r>
               <a:rPr lang="en-US" altLang="zh-TW" dirty="0" smtClean="0">
                 <a:sym typeface="Salesforce Sans"/>
               </a:rPr>
-              <a:t>- 2</a:t>
+              <a:t>SmartArt </a:t>
+            </a:r>
+            <a:r>
+              <a:rPr lang="zh-TW" altLang="en-US" dirty="0" smtClean="0">
+                <a:sym typeface="Salesforce Sans"/>
+              </a:rPr>
+              <a:t>的兩項內容版面配置</a:t>
             </a:r>
             <a:endParaRPr lang="zh-TW" altLang="en-US" dirty="0">
               <a:sym typeface="Salesforce Sans"/>
@@ -14929,12 +15033,12 @@
       </p:sp>
       <p:sp>
         <p:nvSpPr>
-          <p:cNvPr id="8" name="文字預留位置 7"/>
+          <p:cNvPr id="3" name="內容預留位置 2"/>
           <p:cNvSpPr>
             <a:spLocks noGrp="1"/>
           </p:cNvSpPr>
           <p:nvPr>
-            <p:ph type="body" idx="1"/>
+            <p:ph sz="half" idx="1"/>
           </p:nvPr>
         </p:nvSpPr>
         <p:spPr/>
@@ -14943,82 +15047,65 @@
           <a:lstStyle/>
           <a:p>
             <a:pPr rtl="0"/>
+            <a:r>
+              <a:rPr lang="zh-TW" altLang="en-US" dirty="0" smtClean="0">
+                <a:sym typeface="Salesforce Sans"/>
+              </a:rPr>
+              <a:t>第一個項目符號</a:t>
+            </a:r>
+          </a:p>
+          <a:p>
+            <a:pPr rtl="0"/>
+            <a:r>
+              <a:rPr lang="zh-TW" altLang="en-US" dirty="0" smtClean="0">
+                <a:sym typeface="Salesforce Sans"/>
+              </a:rPr>
+              <a:t>第二個項目符號</a:t>
+            </a:r>
+          </a:p>
+          <a:p>
+            <a:pPr rtl="0"/>
+            <a:r>
+              <a:rPr lang="zh-TW" altLang="en-US" dirty="0" smtClean="0">
+                <a:sym typeface="Salesforce Sans"/>
+              </a:rPr>
+              <a:t>第三個項目符號</a:t>
+            </a:r>
             <a:endParaRPr lang="zh-TW" altLang="en-US" dirty="0">
               <a:sym typeface="Salesforce Sans"/>
             </a:endParaRPr>
           </a:p>
         </p:txBody>
       </p:sp>
-      <p:sp>
-        <p:nvSpPr>
-          <p:cNvPr id="10" name="內容預留位置 9"/>
-          <p:cNvSpPr>
-            <a:spLocks noGrp="1"/>
-          </p:cNvSpPr>
+      <p:graphicFrame>
+        <p:nvGraphicFramePr>
+          <p:cNvPr id="5" name="內容預留位置 4" descr="由上至下依序顯示 3 項工作的交錯流程圖，兩個向下箭號用來表示由第一項工作到第二項工作，再由第二項工作到第三項工作的進程。"/>
+          <p:cNvGraphicFramePr>
+            <a:graphicFrameLocks noGrp="1"/>
+          </p:cNvGraphicFramePr>
           <p:nvPr>
             <p:ph sz="half" idx="2"/>
-          </p:nvPr>
-        </p:nvSpPr>
-        <p:spPr/>
-        <p:txBody>
-          <a:bodyPr rtlCol="0"/>
-          <a:lstStyle/>
-          <a:p>
-            <a:pPr rtl="0"/>
-            <a:endParaRPr lang="zh-TW" altLang="en-US" dirty="0">
-              <a:sym typeface="Salesforce Sans"/>
-            </a:endParaRPr>
-          </a:p>
-        </p:txBody>
-      </p:sp>
-      <p:sp>
-        <p:nvSpPr>
-          <p:cNvPr id="9" name="文字預留位置 8"/>
-          <p:cNvSpPr>
-            <a:spLocks noGrp="1"/>
-          </p:cNvSpPr>
-          <p:nvPr>
-            <p:ph type="body" sz="quarter" idx="3"/>
-          </p:nvPr>
-        </p:nvSpPr>
-        <p:spPr/>
-        <p:txBody>
-          <a:bodyPr rtlCol="0"/>
-          <a:lstStyle/>
-          <a:p>
-            <a:pPr rtl="0"/>
-            <a:endParaRPr lang="zh-TW" altLang="en-US" dirty="0">
-              <a:sym typeface="Salesforce Sans"/>
-            </a:endParaRPr>
-          </a:p>
-        </p:txBody>
-      </p:sp>
-      <p:sp>
-        <p:nvSpPr>
-          <p:cNvPr id="11" name="內容預留位置 10"/>
-          <p:cNvSpPr>
-            <a:spLocks noGrp="1"/>
-          </p:cNvSpPr>
-          <p:nvPr>
-            <p:ph sz="quarter" idx="4"/>
-          </p:nvPr>
-        </p:nvSpPr>
-        <p:spPr/>
-        <p:txBody>
-          <a:bodyPr rtlCol="0"/>
-          <a:lstStyle/>
-          <a:p>
-            <a:pPr rtl="0"/>
-            <a:endParaRPr lang="zh-TW" altLang="en-US" dirty="0">
-              <a:sym typeface="Salesforce Sans"/>
-            </a:endParaRPr>
-          </a:p>
-        </p:txBody>
-      </p:sp>
+            <p:extLst>
+              <p:ext uri="{D42A27DB-BD31-4B8C-83A1-F6EECF244321}">
+                <p14:modId xmlns:p14="http://schemas.microsoft.com/office/powerpoint/2010/main" val="2150814564"/>
+              </p:ext>
+            </p:extLst>
+          </p:nvPr>
+        </p:nvGraphicFramePr>
+        <p:xfrm>
+          <a:off x="6200775" y="1731963"/>
+          <a:ext cx="5064125" cy="4059237"/>
+        </p:xfrm>
+        <a:graphic>
+          <a:graphicData uri="http://schemas.openxmlformats.org/drawingml/2006/diagram">
+            <dgm:relIds xmlns:dgm="http://schemas.openxmlformats.org/drawingml/2006/diagram" xmlns:r="http://schemas.openxmlformats.org/officeDocument/2006/relationships" r:dm="rId3" r:lo="rId4" r:qs="rId5" r:cs="rId6"/>
+          </a:graphicData>
+        </a:graphic>
+      </p:graphicFrame>
     </p:spTree>
     <p:extLst>
       <p:ext uri="{BB962C8B-B14F-4D97-AF65-F5344CB8AC3E}">
-        <p14:creationId xmlns:p14="http://schemas.microsoft.com/office/powerpoint/2010/main" val="2672039197"/>
+        <p14:creationId xmlns:p14="http://schemas.microsoft.com/office/powerpoint/2010/main" val="4123189245"/>
       </p:ext>
     </p:extLst>
   </p:cSld>
@@ -15059,6 +15146,268 @@
       </p:grpSpPr>
       <p:sp>
         <p:nvSpPr>
+          <p:cNvPr id="4" name="標題 3"/>
+          <p:cNvSpPr>
+            <a:spLocks noGrp="1"/>
+          </p:cNvSpPr>
+          <p:nvPr>
+            <p:ph type="title"/>
+          </p:nvPr>
+        </p:nvSpPr>
+        <p:spPr/>
+        <p:txBody>
+          <a:bodyPr rtlCol="0"/>
+          <a:lstStyle/>
+          <a:p>
+            <a:pPr rtl="0"/>
+            <a:r>
+              <a:rPr lang="zh-TW" altLang="en-US" dirty="0" smtClean="0">
+                <a:sym typeface="Salesforce Sans"/>
+              </a:rPr>
+              <a:t>新增投影片標題 </a:t>
+            </a:r>
+            <a:r>
+              <a:rPr lang="en-US" altLang="zh-TW" dirty="0" smtClean="0">
+                <a:sym typeface="Salesforce Sans"/>
+              </a:rPr>
+              <a:t>- 1</a:t>
+            </a:r>
+            <a:endParaRPr lang="zh-TW" altLang="en-US" dirty="0">
+              <a:sym typeface="Salesforce Sans"/>
+            </a:endParaRPr>
+          </a:p>
+        </p:txBody>
+      </p:sp>
+      <p:sp>
+        <p:nvSpPr>
+          <p:cNvPr id="5" name="文字預留位置 4"/>
+          <p:cNvSpPr>
+            <a:spLocks noGrp="1"/>
+          </p:cNvSpPr>
+          <p:nvPr>
+            <p:ph type="body" idx="1"/>
+          </p:nvPr>
+        </p:nvSpPr>
+        <p:spPr/>
+        <p:txBody>
+          <a:bodyPr rtlCol="0"/>
+          <a:lstStyle/>
+          <a:p>
+            <a:pPr rtl="0"/>
+            <a:endParaRPr lang="zh-TW" altLang="en-US" dirty="0">
+              <a:sym typeface="Salesforce Sans"/>
+            </a:endParaRPr>
+          </a:p>
+        </p:txBody>
+      </p:sp>
+    </p:spTree>
+    <p:extLst>
+      <p:ext uri="{BB962C8B-B14F-4D97-AF65-F5344CB8AC3E}">
+        <p14:creationId xmlns:p14="http://schemas.microsoft.com/office/powerpoint/2010/main" val="4264977537"/>
+      </p:ext>
+    </p:extLst>
+  </p:cSld>
+  <p:clrMapOvr>
+    <a:masterClrMapping/>
+  </p:clrMapOvr>
+  <mc:AlternateContent xmlns:mc="http://schemas.openxmlformats.org/markup-compatibility/2006" xmlns:p14="http://schemas.microsoft.com/office/powerpoint/2010/main">
+    <mc:Choice Requires="p14">
+      <p:transition spd="med" p14:dur="700">
+        <p:fade/>
+      </p:transition>
+    </mc:Choice>
+    <mc:Fallback xmlns="">
+      <p:transition spd="med">
+        <p:fade/>
+      </p:transition>
+    </mc:Fallback>
+  </mc:AlternateContent>
+</p:sld>
+</file>
+
+<file path=ppt/slides/slide18.xml><?xml version="1.0" encoding="utf-8"?>
+<p:sld xmlns:a="http://schemas.openxmlformats.org/drawingml/2006/main" xmlns:r="http://schemas.openxmlformats.org/officeDocument/2006/relationships" xmlns:p="http://schemas.openxmlformats.org/presentationml/2006/main">
+  <p:cSld>
+    <p:spTree>
+      <p:nvGrpSpPr>
+        <p:cNvPr id="1" name=""/>
+        <p:cNvGrpSpPr/>
+        <p:nvPr/>
+      </p:nvGrpSpPr>
+      <p:grpSpPr>
+        <a:xfrm>
+          <a:off x="0" y="0"/>
+          <a:ext cx="0" cy="0"/>
+          <a:chOff x="0" y="0"/>
+          <a:chExt cx="0" cy="0"/>
+        </a:xfrm>
+      </p:grpSpPr>
+      <p:sp>
+        <p:nvSpPr>
+          <p:cNvPr id="7" name="標題 6"/>
+          <p:cNvSpPr>
+            <a:spLocks noGrp="1"/>
+          </p:cNvSpPr>
+          <p:nvPr>
+            <p:ph type="title"/>
+          </p:nvPr>
+        </p:nvSpPr>
+        <p:spPr/>
+        <p:txBody>
+          <a:bodyPr rtlCol="0"/>
+          <a:lstStyle/>
+          <a:p>
+            <a:pPr rtl="0"/>
+            <a:r>
+              <a:rPr lang="zh-TW" altLang="en-US" dirty="0" smtClean="0">
+                <a:sym typeface="Salesforce Sans"/>
+              </a:rPr>
+              <a:t>新增投影片標題 </a:t>
+            </a:r>
+            <a:r>
+              <a:rPr lang="en-US" altLang="zh-TW" dirty="0" smtClean="0">
+                <a:sym typeface="Salesforce Sans"/>
+              </a:rPr>
+              <a:t>- 2</a:t>
+            </a:r>
+            <a:endParaRPr lang="zh-TW" altLang="en-US" dirty="0">
+              <a:sym typeface="Salesforce Sans"/>
+            </a:endParaRPr>
+          </a:p>
+        </p:txBody>
+      </p:sp>
+      <p:sp>
+        <p:nvSpPr>
+          <p:cNvPr id="8" name="文字預留位置 7"/>
+          <p:cNvSpPr>
+            <a:spLocks noGrp="1"/>
+          </p:cNvSpPr>
+          <p:nvPr>
+            <p:ph type="body" idx="1"/>
+          </p:nvPr>
+        </p:nvSpPr>
+        <p:spPr/>
+        <p:txBody>
+          <a:bodyPr rtlCol="0"/>
+          <a:lstStyle/>
+          <a:p>
+            <a:pPr rtl="0"/>
+            <a:endParaRPr lang="zh-TW" altLang="en-US" dirty="0">
+              <a:sym typeface="Salesforce Sans"/>
+            </a:endParaRPr>
+          </a:p>
+        </p:txBody>
+      </p:sp>
+      <p:sp>
+        <p:nvSpPr>
+          <p:cNvPr id="10" name="內容預留位置 9"/>
+          <p:cNvSpPr>
+            <a:spLocks noGrp="1"/>
+          </p:cNvSpPr>
+          <p:nvPr>
+            <p:ph sz="half" idx="2"/>
+          </p:nvPr>
+        </p:nvSpPr>
+        <p:spPr/>
+        <p:txBody>
+          <a:bodyPr rtlCol="0"/>
+          <a:lstStyle/>
+          <a:p>
+            <a:pPr rtl="0"/>
+            <a:endParaRPr lang="zh-TW" altLang="en-US" dirty="0">
+              <a:sym typeface="Salesforce Sans"/>
+            </a:endParaRPr>
+          </a:p>
+        </p:txBody>
+      </p:sp>
+      <p:sp>
+        <p:nvSpPr>
+          <p:cNvPr id="9" name="文字預留位置 8"/>
+          <p:cNvSpPr>
+            <a:spLocks noGrp="1"/>
+          </p:cNvSpPr>
+          <p:nvPr>
+            <p:ph type="body" sz="quarter" idx="3"/>
+          </p:nvPr>
+        </p:nvSpPr>
+        <p:spPr/>
+        <p:txBody>
+          <a:bodyPr rtlCol="0"/>
+          <a:lstStyle/>
+          <a:p>
+            <a:pPr rtl="0"/>
+            <a:endParaRPr lang="zh-TW" altLang="en-US" dirty="0">
+              <a:sym typeface="Salesforce Sans"/>
+            </a:endParaRPr>
+          </a:p>
+        </p:txBody>
+      </p:sp>
+      <p:sp>
+        <p:nvSpPr>
+          <p:cNvPr id="11" name="內容預留位置 10"/>
+          <p:cNvSpPr>
+            <a:spLocks noGrp="1"/>
+          </p:cNvSpPr>
+          <p:nvPr>
+            <p:ph sz="quarter" idx="4"/>
+          </p:nvPr>
+        </p:nvSpPr>
+        <p:spPr/>
+        <p:txBody>
+          <a:bodyPr rtlCol="0"/>
+          <a:lstStyle/>
+          <a:p>
+            <a:pPr rtl="0"/>
+            <a:endParaRPr lang="zh-TW" altLang="en-US" dirty="0">
+              <a:sym typeface="Salesforce Sans"/>
+            </a:endParaRPr>
+          </a:p>
+        </p:txBody>
+      </p:sp>
+    </p:spTree>
+    <p:extLst>
+      <p:ext uri="{BB962C8B-B14F-4D97-AF65-F5344CB8AC3E}">
+        <p14:creationId xmlns:p14="http://schemas.microsoft.com/office/powerpoint/2010/main" val="2672039197"/>
+      </p:ext>
+    </p:extLst>
+  </p:cSld>
+  <p:clrMapOvr>
+    <a:masterClrMapping/>
+  </p:clrMapOvr>
+  <mc:AlternateContent xmlns:mc="http://schemas.openxmlformats.org/markup-compatibility/2006" xmlns:p14="http://schemas.microsoft.com/office/powerpoint/2010/main">
+    <mc:Choice Requires="p14">
+      <p:transition spd="med" p14:dur="700">
+        <p:fade/>
+      </p:transition>
+    </mc:Choice>
+    <mc:Fallback xmlns="">
+      <p:transition spd="med">
+        <p:fade/>
+      </p:transition>
+    </mc:Fallback>
+  </mc:AlternateContent>
+</p:sld>
+</file>
+
+<file path=ppt/slides/slide19.xml><?xml version="1.0" encoding="utf-8"?>
+<p:sld xmlns:a="http://schemas.openxmlformats.org/drawingml/2006/main" xmlns:r="http://schemas.openxmlformats.org/officeDocument/2006/relationships" xmlns:p="http://schemas.openxmlformats.org/presentationml/2006/main">
+  <p:cSld>
+    <p:spTree>
+      <p:nvGrpSpPr>
+        <p:cNvPr id="1" name=""/>
+        <p:cNvGrpSpPr/>
+        <p:nvPr/>
+      </p:nvGrpSpPr>
+      <p:grpSpPr>
+        <a:xfrm>
+          <a:off x="0" y="0"/>
+          <a:ext cx="0" cy="0"/>
+          <a:chOff x="0" y="0"/>
+          <a:chExt cx="0" cy="0"/>
+        </a:xfrm>
+      </p:grpSpPr>
+      <p:sp>
+        <p:nvSpPr>
           <p:cNvPr id="3" name="標題 2"/>
           <p:cNvSpPr>
             <a:spLocks noGrp="1"/>
@@ -15116,7 +15465,215 @@
 </p:sld>
 </file>
 
-<file path=ppt/slides/slide18.xml><?xml version="1.0" encoding="utf-8"?>
+<file path=ppt/slides/slide2.xml><?xml version="1.0" encoding="utf-8"?>
+<p:sld xmlns:a="http://schemas.openxmlformats.org/drawingml/2006/main" xmlns:r="http://schemas.openxmlformats.org/officeDocument/2006/relationships" xmlns:p="http://schemas.openxmlformats.org/presentationml/2006/main">
+  <p:cSld>
+    <p:spTree>
+      <p:nvGrpSpPr>
+        <p:cNvPr id="1" name=""/>
+        <p:cNvGrpSpPr/>
+        <p:nvPr/>
+      </p:nvGrpSpPr>
+      <p:grpSpPr>
+        <a:xfrm>
+          <a:off x="0" y="0"/>
+          <a:ext cx="0" cy="0"/>
+          <a:chOff x="0" y="0"/>
+          <a:chExt cx="0" cy="0"/>
+        </a:xfrm>
+      </p:grpSpPr>
+      <p:sp>
+        <p:nvSpPr>
+          <p:cNvPr id="2" name="標題 1"/>
+          <p:cNvSpPr>
+            <a:spLocks noGrp="1"/>
+          </p:cNvSpPr>
+          <p:nvPr>
+            <p:ph type="title"/>
+          </p:nvPr>
+        </p:nvSpPr>
+        <p:spPr>
+          <a:xfrm>
+            <a:off x="913557" y="32951"/>
+            <a:ext cx="10351066" cy="970450"/>
+          </a:xfrm>
+        </p:spPr>
+        <p:txBody>
+          <a:bodyPr>
+            <a:normAutofit/>
+          </a:bodyPr>
+          <a:lstStyle/>
+          <a:p>
+            <a:r>
+              <a:rPr lang="en-US" sz="4800" dirty="0" smtClean="0">
+                <a:latin typeface="微軟正黑體" panose="020B0604030504040204" pitchFamily="34" charset="-120"/>
+                <a:ea typeface="微軟正黑體" panose="020B0604030504040204" pitchFamily="34" charset="-120"/>
+              </a:rPr>
+              <a:t>Outline</a:t>
+            </a:r>
+            <a:endParaRPr lang="en-US" sz="4800" dirty="0">
+              <a:latin typeface="微軟正黑體" panose="020B0604030504040204" pitchFamily="34" charset="-120"/>
+              <a:ea typeface="微軟正黑體" panose="020B0604030504040204" pitchFamily="34" charset="-120"/>
+            </a:endParaRPr>
+          </a:p>
+        </p:txBody>
+      </p:sp>
+      <p:sp>
+        <p:nvSpPr>
+          <p:cNvPr id="3" name="內容版面配置區 2"/>
+          <p:cNvSpPr>
+            <a:spLocks noGrp="1"/>
+          </p:cNvSpPr>
+          <p:nvPr>
+            <p:ph idx="1"/>
+          </p:nvPr>
+        </p:nvSpPr>
+        <p:spPr>
+          <a:xfrm>
+            <a:off x="926385" y="1003401"/>
+            <a:ext cx="10351066" cy="5854599"/>
+          </a:xfrm>
+        </p:spPr>
+        <p:txBody>
+          <a:bodyPr>
+            <a:normAutofit/>
+          </a:bodyPr>
+          <a:lstStyle/>
+          <a:p>
+            <a:r>
+              <a:rPr lang="en-US" sz="2800" dirty="0" smtClean="0">
+                <a:latin typeface="微軟正黑體" panose="020B0604030504040204" pitchFamily="34" charset="-120"/>
+                <a:ea typeface="微軟正黑體" panose="020B0604030504040204" pitchFamily="34" charset="-120"/>
+              </a:rPr>
+              <a:t>What is Gaussian Blur.</a:t>
+            </a:r>
+            <a:endParaRPr lang="en-US" sz="2800" dirty="0" smtClean="0">
+              <a:latin typeface="微軟正黑體" panose="020B0604030504040204" pitchFamily="34" charset="-120"/>
+              <a:ea typeface="微軟正黑體" panose="020B0604030504040204" pitchFamily="34" charset="-120"/>
+            </a:endParaRPr>
+          </a:p>
+          <a:p>
+            <a:r>
+              <a:rPr lang="en-US" sz="2800" dirty="0" smtClean="0">
+                <a:latin typeface="微軟正黑體" panose="020B0604030504040204" pitchFamily="34" charset="-120"/>
+                <a:ea typeface="微軟正黑體" panose="020B0604030504040204" pitchFamily="34" charset="-120"/>
+              </a:rPr>
+              <a:t>Motivation.</a:t>
+            </a:r>
+          </a:p>
+          <a:p>
+            <a:r>
+              <a:rPr lang="en-US" sz="2800" dirty="0" smtClean="0">
+                <a:latin typeface="微軟正黑體" panose="020B0604030504040204" pitchFamily="34" charset="-120"/>
+                <a:ea typeface="微軟正黑體" panose="020B0604030504040204" pitchFamily="34" charset="-120"/>
+              </a:rPr>
+              <a:t>Environment for this project</a:t>
+            </a:r>
+          </a:p>
+          <a:p>
+            <a:r>
+              <a:rPr lang="en-US" sz="2800" dirty="0" smtClean="0">
+                <a:latin typeface="微軟正黑體" panose="020B0604030504040204" pitchFamily="34" charset="-120"/>
+                <a:ea typeface="微軟正黑體" panose="020B0604030504040204" pitchFamily="34" charset="-120"/>
+              </a:rPr>
+              <a:t>Parallelization platform animation.</a:t>
+            </a:r>
+          </a:p>
+          <a:p>
+            <a:r>
+              <a:rPr lang="en-US" sz="2800" dirty="0" smtClean="0">
+                <a:latin typeface="微軟正黑體" panose="020B0604030504040204" pitchFamily="34" charset="-120"/>
+                <a:ea typeface="微軟正黑體" panose="020B0604030504040204" pitchFamily="34" charset="-120"/>
+              </a:rPr>
+              <a:t>Different platforms explained and respective discoveries .</a:t>
+            </a:r>
+          </a:p>
+          <a:p>
+            <a:pPr lvl="1"/>
+            <a:r>
+              <a:rPr lang="en-US" sz="2400" dirty="0" smtClean="0">
+                <a:latin typeface="微軟正黑體" panose="020B0604030504040204" pitchFamily="34" charset="-120"/>
+                <a:ea typeface="微軟正黑體" panose="020B0604030504040204" pitchFamily="34" charset="-120"/>
+              </a:rPr>
+              <a:t>CUDA</a:t>
+            </a:r>
+          </a:p>
+          <a:p>
+            <a:pPr lvl="1"/>
+            <a:r>
+              <a:rPr lang="en-US" sz="2400" dirty="0" smtClean="0">
+                <a:latin typeface="微軟正黑體" panose="020B0604030504040204" pitchFamily="34" charset="-120"/>
+                <a:ea typeface="微軟正黑體" panose="020B0604030504040204" pitchFamily="34" charset="-120"/>
+              </a:rPr>
+              <a:t>OpenCL</a:t>
+            </a:r>
+          </a:p>
+          <a:p>
+            <a:pPr lvl="1"/>
+            <a:r>
+              <a:rPr lang="en-US" sz="2400" dirty="0" err="1" smtClean="0">
+                <a:latin typeface="微軟正黑體" panose="020B0604030504040204" pitchFamily="34" charset="-120"/>
+                <a:ea typeface="微軟正黑體" panose="020B0604030504040204" pitchFamily="34" charset="-120"/>
+              </a:rPr>
+              <a:t>OpenMP</a:t>
+            </a:r>
+            <a:endParaRPr lang="en-US" sz="2400" dirty="0" smtClean="0">
+              <a:latin typeface="微軟正黑體" panose="020B0604030504040204" pitchFamily="34" charset="-120"/>
+              <a:ea typeface="微軟正黑體" panose="020B0604030504040204" pitchFamily="34" charset="-120"/>
+            </a:endParaRPr>
+          </a:p>
+          <a:p>
+            <a:r>
+              <a:rPr lang="en-US" sz="2800" dirty="0" smtClean="0">
+                <a:latin typeface="微軟正黑體" panose="020B0604030504040204" pitchFamily="34" charset="-120"/>
+                <a:ea typeface="微軟正黑體" panose="020B0604030504040204" pitchFamily="34" charset="-120"/>
+              </a:rPr>
+              <a:t>Demo video.</a:t>
+            </a:r>
+          </a:p>
+          <a:p>
+            <a:r>
+              <a:rPr lang="en-US" sz="2800" dirty="0" smtClean="0">
+                <a:latin typeface="微軟正黑體" panose="020B0604030504040204" pitchFamily="34" charset="-120"/>
+                <a:ea typeface="微軟正黑體" panose="020B0604030504040204" pitchFamily="34" charset="-120"/>
+              </a:rPr>
+              <a:t>Q&amp;A </a:t>
+            </a:r>
+          </a:p>
+          <a:p>
+            <a:endParaRPr lang="en-US" sz="2400" dirty="0" smtClean="0">
+              <a:latin typeface="微軟正黑體" panose="020B0604030504040204" pitchFamily="34" charset="-120"/>
+              <a:ea typeface="微軟正黑體" panose="020B0604030504040204" pitchFamily="34" charset="-120"/>
+            </a:endParaRPr>
+          </a:p>
+          <a:p>
+            <a:endParaRPr lang="en-US" sz="2400" dirty="0" smtClean="0">
+              <a:latin typeface="微軟正黑體" panose="020B0604030504040204" pitchFamily="34" charset="-120"/>
+              <a:ea typeface="微軟正黑體" panose="020B0604030504040204" pitchFamily="34" charset="-120"/>
+            </a:endParaRPr>
+          </a:p>
+          <a:p>
+            <a:endParaRPr lang="en-US" sz="2400" dirty="0">
+              <a:latin typeface="微軟正黑體" panose="020B0604030504040204" pitchFamily="34" charset="-120"/>
+              <a:ea typeface="微軟正黑體" panose="020B0604030504040204" pitchFamily="34" charset="-120"/>
+            </a:endParaRPr>
+          </a:p>
+        </p:txBody>
+      </p:sp>
+    </p:spTree>
+    <p:extLst>
+      <p:ext uri="{BB962C8B-B14F-4D97-AF65-F5344CB8AC3E}">
+        <p14:creationId xmlns:p14="http://schemas.microsoft.com/office/powerpoint/2010/main" val="2695480174"/>
+      </p:ext>
+    </p:extLst>
+  </p:cSld>
+  <p:clrMapOvr>
+    <a:masterClrMapping/>
+  </p:clrMapOvr>
+</p:sld>
+</file>
+
+<file path=ppt/slides/slide20.xml><?xml version="1.0" encoding="utf-8"?>
 <p:sld xmlns:a="http://schemas.openxmlformats.org/drawingml/2006/main" xmlns:r="http://schemas.openxmlformats.org/officeDocument/2006/relationships" xmlns:p="http://schemas.openxmlformats.org/presentationml/2006/main">
   <p:cSld>
     <p:spTree>
@@ -15158,7 +15715,7 @@
 </p:sld>
 </file>
 
-<file path=ppt/slides/slide19.xml><?xml version="1.0" encoding="utf-8"?>
+<file path=ppt/slides/slide21.xml><?xml version="1.0" encoding="utf-8"?>
 <p:sld xmlns:a="http://schemas.openxmlformats.org/drawingml/2006/main" xmlns:r="http://schemas.openxmlformats.org/officeDocument/2006/relationships" xmlns:p="http://schemas.openxmlformats.org/presentationml/2006/main">
   <p:cSld>
     <p:spTree>
@@ -15278,218 +15835,7 @@
 </p:sld>
 </file>
 
-<file path=ppt/slides/slide2.xml><?xml version="1.0" encoding="utf-8"?>
-<p:sld xmlns:a="http://schemas.openxmlformats.org/drawingml/2006/main" xmlns:r="http://schemas.openxmlformats.org/officeDocument/2006/relationships" xmlns:p="http://schemas.openxmlformats.org/presentationml/2006/main">
-  <p:cSld>
-    <p:spTree>
-      <p:nvGrpSpPr>
-        <p:cNvPr id="1" name=""/>
-        <p:cNvGrpSpPr/>
-        <p:nvPr/>
-      </p:nvGrpSpPr>
-      <p:grpSpPr>
-        <a:xfrm>
-          <a:off x="0" y="0"/>
-          <a:ext cx="0" cy="0"/>
-          <a:chOff x="0" y="0"/>
-          <a:chExt cx="0" cy="0"/>
-        </a:xfrm>
-      </p:grpSpPr>
-      <p:sp>
-        <p:nvSpPr>
-          <p:cNvPr id="2" name="標題 1"/>
-          <p:cNvSpPr>
-            <a:spLocks noGrp="1"/>
-          </p:cNvSpPr>
-          <p:nvPr>
-            <p:ph type="title"/>
-          </p:nvPr>
-        </p:nvSpPr>
-        <p:spPr>
-          <a:xfrm>
-            <a:off x="913557" y="32951"/>
-            <a:ext cx="10351066" cy="970450"/>
-          </a:xfrm>
-        </p:spPr>
-        <p:txBody>
-          <a:bodyPr>
-            <a:normAutofit/>
-          </a:bodyPr>
-          <a:lstStyle/>
-          <a:p>
-            <a:r>
-              <a:rPr lang="en-US" sz="4800" dirty="0" smtClean="0">
-                <a:latin typeface="微軟正黑體" panose="020B0604030504040204" pitchFamily="34" charset="-120"/>
-                <a:ea typeface="微軟正黑體" panose="020B0604030504040204" pitchFamily="34" charset="-120"/>
-              </a:rPr>
-              <a:t>Outline</a:t>
-            </a:r>
-            <a:endParaRPr lang="en-US" sz="4800" dirty="0">
-              <a:latin typeface="微軟正黑體" panose="020B0604030504040204" pitchFamily="34" charset="-120"/>
-              <a:ea typeface="微軟正黑體" panose="020B0604030504040204" pitchFamily="34" charset="-120"/>
-            </a:endParaRPr>
-          </a:p>
-        </p:txBody>
-      </p:sp>
-      <p:sp>
-        <p:nvSpPr>
-          <p:cNvPr id="3" name="內容版面配置區 2"/>
-          <p:cNvSpPr>
-            <a:spLocks noGrp="1"/>
-          </p:cNvSpPr>
-          <p:nvPr>
-            <p:ph idx="1"/>
-          </p:nvPr>
-        </p:nvSpPr>
-        <p:spPr>
-          <a:xfrm>
-            <a:off x="926385" y="1003401"/>
-            <a:ext cx="10351066" cy="5854599"/>
-          </a:xfrm>
-        </p:spPr>
-        <p:txBody>
-          <a:bodyPr>
-            <a:normAutofit/>
-          </a:bodyPr>
-          <a:lstStyle/>
-          <a:p>
-            <a:r>
-              <a:rPr lang="en-US" sz="2800" dirty="0" smtClean="0">
-                <a:latin typeface="微軟正黑體" panose="020B0604030504040204" pitchFamily="34" charset="-120"/>
-                <a:ea typeface="微軟正黑體" panose="020B0604030504040204" pitchFamily="34" charset="-120"/>
-              </a:rPr>
-              <a:t>Gaussian Blur explained.</a:t>
-            </a:r>
-          </a:p>
-          <a:p>
-            <a:r>
-              <a:rPr lang="en-US" sz="2800" dirty="0" smtClean="0">
-                <a:latin typeface="微軟正黑體" panose="020B0604030504040204" pitchFamily="34" charset="-120"/>
-                <a:ea typeface="微軟正黑體" panose="020B0604030504040204" pitchFamily="34" charset="-120"/>
-              </a:rPr>
-              <a:t>Motivation.</a:t>
-            </a:r>
-          </a:p>
-          <a:p>
-            <a:r>
-              <a:rPr lang="en-US" sz="2800" dirty="0" smtClean="0">
-                <a:latin typeface="微軟正黑體" panose="020B0604030504040204" pitchFamily="34" charset="-120"/>
-                <a:ea typeface="微軟正黑體" panose="020B0604030504040204" pitchFamily="34" charset="-120"/>
-              </a:rPr>
-              <a:t>Environment </a:t>
-            </a:r>
-            <a:r>
-              <a:rPr lang="en-US" sz="2800" dirty="0" smtClean="0">
-                <a:latin typeface="微軟正黑體" panose="020B0604030504040204" pitchFamily="34" charset="-120"/>
-                <a:ea typeface="微軟正黑體" panose="020B0604030504040204" pitchFamily="34" charset="-120"/>
-              </a:rPr>
-              <a:t>for this project</a:t>
-            </a:r>
-          </a:p>
-          <a:p>
-            <a:r>
-              <a:rPr lang="en-US" sz="2800" dirty="0" smtClean="0">
-                <a:latin typeface="微軟正黑體" panose="020B0604030504040204" pitchFamily="34" charset="-120"/>
-                <a:ea typeface="微軟正黑體" panose="020B0604030504040204" pitchFamily="34" charset="-120"/>
-              </a:rPr>
-              <a:t>Parallelization platform animation.</a:t>
-            </a:r>
-          </a:p>
-          <a:p>
-            <a:r>
-              <a:rPr lang="en-US" sz="2800" dirty="0" smtClean="0">
-                <a:latin typeface="微軟正黑體" panose="020B0604030504040204" pitchFamily="34" charset="-120"/>
-                <a:ea typeface="微軟正黑體" panose="020B0604030504040204" pitchFamily="34" charset="-120"/>
-              </a:rPr>
-              <a:t>Different platforms explained and respective discoveries .</a:t>
-            </a:r>
-          </a:p>
-          <a:p>
-            <a:pPr lvl="1"/>
-            <a:r>
-              <a:rPr lang="en-US" sz="2400" dirty="0" smtClean="0">
-                <a:latin typeface="微軟正黑體" panose="020B0604030504040204" pitchFamily="34" charset="-120"/>
-                <a:ea typeface="微軟正黑體" panose="020B0604030504040204" pitchFamily="34" charset="-120"/>
-              </a:rPr>
-              <a:t>CUDA</a:t>
-            </a:r>
-          </a:p>
-          <a:p>
-            <a:pPr lvl="1"/>
-            <a:r>
-              <a:rPr lang="en-US" sz="2400" dirty="0" smtClean="0">
-                <a:latin typeface="微軟正黑體" panose="020B0604030504040204" pitchFamily="34" charset="-120"/>
-                <a:ea typeface="微軟正黑體" panose="020B0604030504040204" pitchFamily="34" charset="-120"/>
-              </a:rPr>
-              <a:t>OpenCL</a:t>
-            </a:r>
-          </a:p>
-          <a:p>
-            <a:pPr lvl="1"/>
-            <a:r>
-              <a:rPr lang="en-US" sz="2400" dirty="0" err="1" smtClean="0">
-                <a:latin typeface="微軟正黑體" panose="020B0604030504040204" pitchFamily="34" charset="-120"/>
-                <a:ea typeface="微軟正黑體" panose="020B0604030504040204" pitchFamily="34" charset="-120"/>
-              </a:rPr>
-              <a:t>OpenMP</a:t>
-            </a:r>
-            <a:endParaRPr lang="en-US" sz="2400" dirty="0" smtClean="0">
-              <a:latin typeface="微軟正黑體" panose="020B0604030504040204" pitchFamily="34" charset="-120"/>
-              <a:ea typeface="微軟正黑體" panose="020B0604030504040204" pitchFamily="34" charset="-120"/>
-            </a:endParaRPr>
-          </a:p>
-          <a:p>
-            <a:r>
-              <a:rPr lang="en-US" sz="2800" dirty="0" smtClean="0">
-                <a:latin typeface="微軟正黑體" panose="020B0604030504040204" pitchFamily="34" charset="-120"/>
-                <a:ea typeface="微軟正黑體" panose="020B0604030504040204" pitchFamily="34" charset="-120"/>
-              </a:rPr>
-              <a:t>Demo video.</a:t>
-            </a:r>
-          </a:p>
-          <a:p>
-            <a:r>
-              <a:rPr lang="en-US" sz="2800" dirty="0" smtClean="0">
-                <a:latin typeface="微軟正黑體" panose="020B0604030504040204" pitchFamily="34" charset="-120"/>
-                <a:ea typeface="微軟正黑體" panose="020B0604030504040204" pitchFamily="34" charset="-120"/>
-              </a:rPr>
-              <a:t>Q&amp;A </a:t>
-            </a:r>
-          </a:p>
-          <a:p>
-            <a:endParaRPr lang="en-US" sz="2400" dirty="0" smtClean="0">
-              <a:latin typeface="微軟正黑體" panose="020B0604030504040204" pitchFamily="34" charset="-120"/>
-              <a:ea typeface="微軟正黑體" panose="020B0604030504040204" pitchFamily="34" charset="-120"/>
-            </a:endParaRPr>
-          </a:p>
-          <a:p>
-            <a:endParaRPr lang="en-US" sz="2400" dirty="0" smtClean="0">
-              <a:latin typeface="微軟正黑體" panose="020B0604030504040204" pitchFamily="34" charset="-120"/>
-              <a:ea typeface="微軟正黑體" panose="020B0604030504040204" pitchFamily="34" charset="-120"/>
-            </a:endParaRPr>
-          </a:p>
-          <a:p>
-            <a:endParaRPr lang="en-US" sz="2400" dirty="0">
-              <a:latin typeface="微軟正黑體" panose="020B0604030504040204" pitchFamily="34" charset="-120"/>
-              <a:ea typeface="微軟正黑體" panose="020B0604030504040204" pitchFamily="34" charset="-120"/>
-            </a:endParaRPr>
-          </a:p>
-        </p:txBody>
-      </p:sp>
-    </p:spTree>
-    <p:extLst>
-      <p:ext uri="{BB962C8B-B14F-4D97-AF65-F5344CB8AC3E}">
-        <p14:creationId xmlns:p14="http://schemas.microsoft.com/office/powerpoint/2010/main" val="2695480174"/>
-      </p:ext>
-    </p:extLst>
-  </p:cSld>
-  <p:clrMapOvr>
-    <a:masterClrMapping/>
-  </p:clrMapOvr>
-</p:sld>
-</file>
-
-<file path=ppt/slides/slide20.xml><?xml version="1.0" encoding="utf-8"?>
+<file path=ppt/slides/slide22.xml><?xml version="1.0" encoding="utf-8"?>
 <p:sld xmlns:a="http://schemas.openxmlformats.org/drawingml/2006/main" xmlns:r="http://schemas.openxmlformats.org/officeDocument/2006/relationships" xmlns:p="http://schemas.openxmlformats.org/presentationml/2006/main">
   <p:cSld>
     <p:spTree>
@@ -15698,6 +16044,31 @@
               </a:rPr>
               <a:t>Result images varies with filter size and standard deviation of Gaussian Kernel. </a:t>
             </a:r>
+            <a:r>
+              <a:rPr lang="en-US" sz="2400" dirty="0" smtClean="0">
+                <a:latin typeface="微軟正黑體" panose="020B0604030504040204" pitchFamily="34" charset="-120"/>
+                <a:ea typeface="微軟正黑體" panose="020B0604030504040204" pitchFamily="34" charset="-120"/>
+              </a:rPr>
+              <a:t>(</a:t>
+            </a:r>
+            <a:r>
+              <a:rPr lang="en-US" sz="2400" dirty="0" err="1" smtClean="0">
+                <a:latin typeface="微軟正黑體" panose="020B0604030504040204" pitchFamily="34" charset="-120"/>
+                <a:ea typeface="微軟正黑體" panose="020B0604030504040204" pitchFamily="34" charset="-120"/>
+              </a:rPr>
+              <a:t>npage</a:t>
+            </a:r>
+            <a:r>
+              <a:rPr lang="en-US" sz="2400" dirty="0" smtClean="0">
+                <a:latin typeface="微軟正黑體" panose="020B0604030504040204" pitchFamily="34" charset="-120"/>
+                <a:ea typeface="微軟正黑體" panose="020B0604030504040204" pitchFamily="34" charset="-120"/>
+              </a:rPr>
+              <a:t>)</a:t>
+            </a:r>
+            <a:endParaRPr lang="en-US" sz="2400" dirty="0" smtClean="0">
+              <a:latin typeface="微軟正黑體" panose="020B0604030504040204" pitchFamily="34" charset="-120"/>
+              <a:ea typeface="微軟正黑體" panose="020B0604030504040204" pitchFamily="34" charset="-120"/>
+            </a:endParaRPr>
           </a:p>
           <a:p>
             <a:r>
@@ -15706,50 +16077,6 @@
                 <a:ea typeface="微軟正黑體" panose="020B0604030504040204" pitchFamily="34" charset="-120"/>
               </a:rPr>
               <a:t>Such algorithm can be used for noise reduction of the image.</a:t>
-            </a:r>
-          </a:p>
-          <a:p>
-            <a:r>
-              <a:rPr lang="en-US" sz="2400" dirty="0" smtClean="0">
-                <a:latin typeface="微軟正黑體" panose="020B0604030504040204" pitchFamily="34" charset="-120"/>
-                <a:ea typeface="微軟正黑體" panose="020B0604030504040204" pitchFamily="34" charset="-120"/>
-              </a:rPr>
-              <a:t>Time complexity is </a:t>
-            </a:r>
-            <a:r>
-              <a:rPr lang="en-US" sz="2400" b="1" dirty="0" smtClean="0">
-                <a:latin typeface="微軟正黑體" panose="020B0604030504040204" pitchFamily="34" charset="-120"/>
-                <a:ea typeface="微軟正黑體" panose="020B0604030504040204" pitchFamily="34" charset="-120"/>
-              </a:rPr>
-              <a:t>O(</a:t>
-            </a:r>
-            <a:r>
-              <a:rPr lang="en-US" sz="2400" b="1" dirty="0" err="1" smtClean="0">
-                <a:latin typeface="微軟正黑體" panose="020B0604030504040204" pitchFamily="34" charset="-120"/>
-                <a:ea typeface="微軟正黑體" panose="020B0604030504040204" pitchFamily="34" charset="-120"/>
-              </a:rPr>
-              <a:t>img_width</a:t>
-            </a:r>
-            <a:r>
-              <a:rPr lang="en-US" sz="2400" b="1" dirty="0" smtClean="0">
-                <a:latin typeface="微軟正黑體" panose="020B0604030504040204" pitchFamily="34" charset="-120"/>
-                <a:ea typeface="微軟正黑體" panose="020B0604030504040204" pitchFamily="34" charset="-120"/>
-              </a:rPr>
-              <a:t> x </a:t>
-            </a:r>
-            <a:r>
-              <a:rPr lang="en-US" sz="2400" b="1" dirty="0" err="1" smtClean="0">
-                <a:latin typeface="微軟正黑體" panose="020B0604030504040204" pitchFamily="34" charset="-120"/>
-                <a:ea typeface="微軟正黑體" panose="020B0604030504040204" pitchFamily="34" charset="-120"/>
-              </a:rPr>
-              <a:t>img_height</a:t>
-            </a:r>
-            <a:r>
-              <a:rPr lang="en-US" sz="2400" b="1" dirty="0" smtClean="0">
-                <a:latin typeface="微軟正黑體" panose="020B0604030504040204" pitchFamily="34" charset="-120"/>
-                <a:ea typeface="微軟正黑體" panose="020B0604030504040204" pitchFamily="34" charset="-120"/>
-              </a:rPr>
-              <a:t> x filter_size^2)</a:t>
             </a:r>
           </a:p>
           <a:p>
@@ -15829,7 +16156,7 @@
         <p:spPr>
           <a:xfrm>
             <a:off x="9371012" y="3263653"/>
-            <a:ext cx="2939321" cy="1200329"/>
+            <a:ext cx="2939321" cy="830997"/>
           </a:xfrm>
           <a:prstGeom prst="rect">
             <a:avLst/>
@@ -15856,32 +16183,16 @@
                 <a:latin typeface="微軟正黑體" panose="020B0604030504040204" pitchFamily="34" charset="-120"/>
                 <a:ea typeface="微軟正黑體" panose="020B0604030504040204" pitchFamily="34" charset="-120"/>
               </a:rPr>
-              <a:t>filter size 101 x 101</a:t>
-            </a:r>
-          </a:p>
-          <a:p>
-            <a:r>
-              <a:rPr lang="en-US" dirty="0" err="1">
-                <a:latin typeface="微軟正黑體" panose="020B0604030504040204" pitchFamily="34" charset="-120"/>
-                <a:ea typeface="微軟正黑體" panose="020B0604030504040204" pitchFamily="34" charset="-120"/>
-              </a:rPr>
-              <a:t>s</a:t>
-            </a:r>
-            <a:r>
-              <a:rPr lang="en-US" dirty="0" err="1" smtClean="0">
-                <a:latin typeface="微軟正黑體" panose="020B0604030504040204" pitchFamily="34" charset="-120"/>
-                <a:ea typeface="微軟正黑體" panose="020B0604030504040204" pitchFamily="34" charset="-120"/>
-              </a:rPr>
-              <a:t>tddev</a:t>
+              <a:t>filter size 101 x </a:t>
             </a:r>
             <a:r>
               <a:rPr lang="en-US" dirty="0" smtClean="0">
                 <a:latin typeface="微軟正黑體" panose="020B0604030504040204" pitchFamily="34" charset="-120"/>
                 <a:ea typeface="微軟正黑體" panose="020B0604030504040204" pitchFamily="34" charset="-120"/>
               </a:rPr>
-              <a:t>  10</a:t>
-            </a:r>
-            <a:endParaRPr lang="en-US" dirty="0">
+              <a:t>101</a:t>
+            </a:r>
+            <a:endParaRPr lang="en-US" dirty="0" smtClean="0">
               <a:latin typeface="微軟正黑體" panose="020B0604030504040204" pitchFamily="34" charset="-120"/>
               <a:ea typeface="微軟正黑體" panose="020B0604030504040204" pitchFamily="34" charset="-120"/>
             </a:endParaRPr>
@@ -15947,29 +16258,12 @@
             <p:ph type="title"/>
           </p:nvPr>
         </p:nvSpPr>
-        <p:spPr>
-          <a:xfrm>
-            <a:off x="918147" y="4119"/>
-            <a:ext cx="10351066" cy="970450"/>
-          </a:xfrm>
-        </p:spPr>
-        <p:txBody>
-          <a:bodyPr>
-            <a:normAutofit/>
-          </a:bodyPr>
+        <p:spPr/>
+        <p:txBody>
+          <a:bodyPr/>
           <a:lstStyle/>
           <a:p>
-            <a:r>
-              <a:rPr lang="en-US" sz="4800" dirty="0" smtClean="0">
-                <a:latin typeface="微軟正黑體" panose="020B0604030504040204" pitchFamily="34" charset="-120"/>
-                <a:ea typeface="微軟正黑體" panose="020B0604030504040204" pitchFamily="34" charset="-120"/>
-              </a:rPr>
-              <a:t>Motivation of this project</a:t>
-            </a:r>
-            <a:endParaRPr lang="en-US" sz="4800" dirty="0">
-              <a:latin typeface="微軟正黑體" panose="020B0604030504040204" pitchFamily="34" charset="-120"/>
-              <a:ea typeface="微軟正黑體" panose="020B0604030504040204" pitchFamily="34" charset="-120"/>
-            </a:endParaRPr>
+            <a:endParaRPr kumimoji="1" lang="zh-TW" altLang="en-US"/>
           </a:p>
         </p:txBody>
       </p:sp>
@@ -15983,364 +16277,19 @@
             <p:ph idx="1"/>
           </p:nvPr>
         </p:nvSpPr>
-        <p:spPr>
-          <a:xfrm>
-            <a:off x="0" y="937499"/>
-            <a:ext cx="5713412" cy="5844301"/>
-          </a:xfrm>
-        </p:spPr>
-        <p:txBody>
-          <a:bodyPr>
-            <a:normAutofit/>
-          </a:bodyPr>
+        <p:spPr/>
+        <p:txBody>
+          <a:bodyPr/>
           <a:lstStyle/>
           <a:p>
-            <a:r>
-              <a:rPr lang="en-US" sz="2400" dirty="0" smtClean="0">
-                <a:latin typeface="微軟正黑體" panose="020B0604030504040204" pitchFamily="34" charset="-120"/>
-                <a:ea typeface="微軟正黑體" panose="020B0604030504040204" pitchFamily="34" charset="-120"/>
-              </a:rPr>
-              <a:t>Widely used algorithm in lots of software like </a:t>
-            </a:r>
-            <a:r>
-              <a:rPr lang="en-US" sz="2400" dirty="0" err="1" smtClean="0">
-                <a:latin typeface="微軟正黑體" panose="020B0604030504040204" pitchFamily="34" charset="-120"/>
-                <a:ea typeface="微軟正黑體" panose="020B0604030504040204" pitchFamily="34" charset="-120"/>
-              </a:rPr>
-              <a:t>PhotoShop</a:t>
-            </a:r>
-            <a:r>
-              <a:rPr lang="en-US" sz="2400" dirty="0" smtClean="0">
-                <a:latin typeface="微軟正黑體" panose="020B0604030504040204" pitchFamily="34" charset="-120"/>
-                <a:ea typeface="微軟正黑體" panose="020B0604030504040204" pitchFamily="34" charset="-120"/>
-              </a:rPr>
-              <a:t>, GIMP.</a:t>
-            </a:r>
-          </a:p>
-          <a:p>
-            <a:r>
-              <a:rPr lang="en-US" sz="2400" dirty="0" smtClean="0">
-                <a:latin typeface="微軟正黑體" panose="020B0604030504040204" pitchFamily="34" charset="-120"/>
-                <a:ea typeface="微軟正黑體" panose="020B0604030504040204" pitchFamily="34" charset="-120"/>
-              </a:rPr>
-              <a:t>Due to convolution, the compute complexity is </a:t>
-            </a:r>
-            <a:r>
-              <a:rPr lang="en-US" sz="2400" b="1" u="sng" dirty="0" smtClean="0">
-                <a:latin typeface="微軟正黑體" panose="020B0604030504040204" pitchFamily="34" charset="-120"/>
-                <a:ea typeface="微軟正黑體" panose="020B0604030504040204" pitchFamily="34" charset="-120"/>
-              </a:rPr>
-              <a:t>extremely high.</a:t>
-            </a:r>
-          </a:p>
-          <a:p>
-            <a:r>
-              <a:rPr lang="en-US" sz="2400" dirty="0" smtClean="0">
-                <a:latin typeface="微軟正黑體" panose="020B0604030504040204" pitchFamily="34" charset="-120"/>
-                <a:ea typeface="微軟正黑體" panose="020B0604030504040204" pitchFamily="34" charset="-120"/>
-              </a:rPr>
-              <a:t>Beside the well-known </a:t>
-            </a:r>
-            <a:r>
-              <a:rPr lang="en-US" sz="2400" dirty="0" smtClean="0">
-                <a:solidFill>
-                  <a:srgbClr val="00B0F0"/>
-                </a:solidFill>
-                <a:latin typeface="微軟正黑體" panose="020B0604030504040204" pitchFamily="34" charset="-120"/>
-                <a:ea typeface="微軟正黑體" panose="020B0604030504040204" pitchFamily="34" charset="-120"/>
-              </a:rPr>
-              <a:t>POSIX thread</a:t>
-            </a:r>
-            <a:r>
-              <a:rPr lang="en-US" sz="2400" dirty="0" smtClean="0">
-                <a:latin typeface="微軟正黑體" panose="020B0604030504040204" pitchFamily="34" charset="-120"/>
-                <a:ea typeface="微軟正黑體" panose="020B0604030504040204" pitchFamily="34" charset="-120"/>
-              </a:rPr>
-              <a:t> ,with an eye to try parallel on </a:t>
-            </a:r>
-            <a:r>
-              <a:rPr lang="en-US" sz="2400" dirty="0" err="1" smtClean="0">
-                <a:solidFill>
-                  <a:srgbClr val="00B0F0"/>
-                </a:solidFill>
-                <a:latin typeface="微軟正黑體" panose="020B0604030504040204" pitchFamily="34" charset="-120"/>
-                <a:ea typeface="微軟正黑體" panose="020B0604030504040204" pitchFamily="34" charset="-120"/>
-              </a:rPr>
-              <a:t>OpenMP</a:t>
-            </a:r>
-            <a:r>
-              <a:rPr lang="en-US" sz="2400" dirty="0" smtClean="0">
-                <a:latin typeface="微軟正黑體" panose="020B0604030504040204" pitchFamily="34" charset="-120"/>
-                <a:ea typeface="微軟正黑體" panose="020B0604030504040204" pitchFamily="34" charset="-120"/>
-              </a:rPr>
-              <a:t> where both computes with </a:t>
-            </a:r>
-            <a:r>
-              <a:rPr lang="en-US" sz="2400" dirty="0" smtClean="0">
-                <a:solidFill>
-                  <a:srgbClr val="00B0F0"/>
-                </a:solidFill>
-                <a:latin typeface="微軟正黑體" panose="020B0604030504040204" pitchFamily="34" charset="-120"/>
-                <a:ea typeface="微軟正黑體" panose="020B0604030504040204" pitchFamily="34" charset="-120"/>
-              </a:rPr>
-              <a:t>CPU</a:t>
-            </a:r>
-            <a:r>
-              <a:rPr lang="en-US" sz="2400" dirty="0" smtClean="0">
-                <a:latin typeface="微軟正黑體" panose="020B0604030504040204" pitchFamily="34" charset="-120"/>
-                <a:ea typeface="微軟正黑體" panose="020B0604030504040204" pitchFamily="34" charset="-120"/>
-              </a:rPr>
-              <a:t>.</a:t>
-            </a:r>
-          </a:p>
-          <a:p>
-            <a:r>
-              <a:rPr lang="en-US" sz="2400" b="1" u="sng" dirty="0" smtClean="0">
-                <a:solidFill>
-                  <a:srgbClr val="FF0000"/>
-                </a:solidFill>
-                <a:effectLst/>
-                <a:latin typeface="微軟正黑體" panose="020B0604030504040204" pitchFamily="34" charset="-120"/>
-                <a:ea typeface="微軟正黑體" panose="020B0604030504040204" pitchFamily="34" charset="-120"/>
-              </a:rPr>
-              <a:t>Heterogeneous computation: </a:t>
-            </a:r>
-            <a:r>
-              <a:rPr lang="en-US" sz="2400" dirty="0" smtClean="0">
-                <a:solidFill>
-                  <a:schemeClr val="tx1"/>
-                </a:solidFill>
-                <a:effectLst/>
-                <a:latin typeface="微軟正黑體" panose="020B0604030504040204" pitchFamily="34" charset="-120"/>
-                <a:ea typeface="微軟正黑體" panose="020B0604030504040204" pitchFamily="34" charset="-120"/>
-              </a:rPr>
-              <a:t>Use </a:t>
-            </a:r>
-            <a:r>
-              <a:rPr lang="en-US" sz="2400" dirty="0" smtClean="0">
-                <a:solidFill>
-                  <a:srgbClr val="FF0000"/>
-                </a:solidFill>
-                <a:effectLst/>
-                <a:latin typeface="微軟正黑體" panose="020B0604030504040204" pitchFamily="34" charset="-120"/>
-                <a:ea typeface="微軟正黑體" panose="020B0604030504040204" pitchFamily="34" charset="-120"/>
-              </a:rPr>
-              <a:t>more than one kind </a:t>
-            </a:r>
-            <a:r>
-              <a:rPr lang="en-US" sz="2400" dirty="0" smtClean="0">
-                <a:solidFill>
-                  <a:schemeClr val="tx1"/>
-                </a:solidFill>
-                <a:effectLst/>
-                <a:latin typeface="微軟正黑體" panose="020B0604030504040204" pitchFamily="34" charset="-120"/>
-                <a:ea typeface="微軟正黑體" panose="020B0604030504040204" pitchFamily="34" charset="-120"/>
-              </a:rPr>
-              <a:t>of processors, </a:t>
-            </a:r>
-            <a:r>
-              <a:rPr lang="en-US" sz="2400" dirty="0" smtClean="0">
-                <a:solidFill>
-                  <a:srgbClr val="FF0000"/>
-                </a:solidFill>
-                <a:effectLst/>
-                <a:latin typeface="微軟正黑體" panose="020B0604030504040204" pitchFamily="34" charset="-120"/>
-                <a:ea typeface="微軟正黑體" panose="020B0604030504040204" pitchFamily="34" charset="-120"/>
-              </a:rPr>
-              <a:t>co-processing</a:t>
-            </a:r>
-            <a:r>
-              <a:rPr lang="en-US" sz="2400" dirty="0" smtClean="0">
-                <a:solidFill>
-                  <a:schemeClr val="tx1"/>
-                </a:solidFill>
-                <a:effectLst/>
-                <a:latin typeface="微軟正黑體" panose="020B0604030504040204" pitchFamily="34" charset="-120"/>
-                <a:ea typeface="微軟正黑體" panose="020B0604030504040204" pitchFamily="34" charset="-120"/>
-              </a:rPr>
-              <a:t> to gain </a:t>
-            </a:r>
-            <a:r>
-              <a:rPr lang="en-US" sz="2400" dirty="0" smtClean="0">
-                <a:solidFill>
-                  <a:srgbClr val="FF0000"/>
-                </a:solidFill>
-                <a:effectLst/>
-                <a:latin typeface="微軟正黑體" panose="020B0604030504040204" pitchFamily="34" charset="-120"/>
-                <a:ea typeface="微軟正黑體" panose="020B0604030504040204" pitchFamily="34" charset="-120"/>
-              </a:rPr>
-              <a:t>significantly performance improvement </a:t>
-            </a:r>
-            <a:r>
-              <a:rPr lang="en-US" sz="2400" dirty="0" smtClean="0">
-                <a:solidFill>
-                  <a:schemeClr val="tx1"/>
-                </a:solidFill>
-                <a:effectLst/>
-                <a:latin typeface="微軟正黑體" panose="020B0604030504040204" pitchFamily="34" charset="-120"/>
-                <a:ea typeface="微軟正黑體" panose="020B0604030504040204" pitchFamily="34" charset="-120"/>
-              </a:rPr>
-              <a:t>such as </a:t>
-            </a:r>
-            <a:r>
-              <a:rPr lang="en-US" sz="2400" dirty="0" smtClean="0">
-                <a:solidFill>
-                  <a:srgbClr val="FF0000"/>
-                </a:solidFill>
-                <a:effectLst/>
-                <a:latin typeface="微軟正黑體" panose="020B0604030504040204" pitchFamily="34" charset="-120"/>
-                <a:ea typeface="微軟正黑體" panose="020B0604030504040204" pitchFamily="34" charset="-120"/>
-              </a:rPr>
-              <a:t>CUDA</a:t>
-            </a:r>
-            <a:r>
-              <a:rPr lang="en-US" sz="2400" dirty="0" smtClean="0">
-                <a:solidFill>
-                  <a:schemeClr val="tx1"/>
-                </a:solidFill>
-                <a:effectLst/>
-                <a:latin typeface="微軟正黑體" panose="020B0604030504040204" pitchFamily="34" charset="-120"/>
-                <a:ea typeface="微軟正黑體" panose="020B0604030504040204" pitchFamily="34" charset="-120"/>
-              </a:rPr>
-              <a:t> and </a:t>
-            </a:r>
-            <a:r>
-              <a:rPr lang="en-US" sz="2400" dirty="0" smtClean="0">
-                <a:solidFill>
-                  <a:srgbClr val="FF0000"/>
-                </a:solidFill>
-                <a:effectLst/>
-                <a:latin typeface="微軟正黑體" panose="020B0604030504040204" pitchFamily="34" charset="-120"/>
-                <a:ea typeface="微軟正黑體" panose="020B0604030504040204" pitchFamily="34" charset="-120"/>
-              </a:rPr>
-              <a:t>OpenCL</a:t>
-            </a:r>
-            <a:r>
-              <a:rPr lang="en-US" sz="2400" dirty="0" smtClean="0">
-                <a:solidFill>
-                  <a:schemeClr val="tx1"/>
-                </a:solidFill>
-                <a:effectLst/>
-                <a:latin typeface="微軟正黑體" panose="020B0604030504040204" pitchFamily="34" charset="-120"/>
-                <a:ea typeface="微軟正黑體" panose="020B0604030504040204" pitchFamily="34" charset="-120"/>
-              </a:rPr>
-              <a:t> </a:t>
-            </a:r>
-          </a:p>
-          <a:p>
-            <a:endParaRPr lang="en-US" sz="2400" dirty="0" smtClean="0">
-              <a:latin typeface="微軟正黑體" panose="020B0604030504040204" pitchFamily="34" charset="-120"/>
-              <a:ea typeface="微軟正黑體" panose="020B0604030504040204" pitchFamily="34" charset="-120"/>
-            </a:endParaRPr>
-          </a:p>
-          <a:p>
-            <a:endParaRPr lang="en-US" sz="2400" dirty="0" smtClean="0">
-              <a:latin typeface="微軟正黑體" panose="020B0604030504040204" pitchFamily="34" charset="-120"/>
-              <a:ea typeface="微軟正黑體" panose="020B0604030504040204" pitchFamily="34" charset="-120"/>
-            </a:endParaRPr>
-          </a:p>
-          <a:p>
-            <a:endParaRPr lang="en-US" sz="2400" dirty="0" smtClean="0">
-              <a:latin typeface="微軟正黑體" panose="020B0604030504040204" pitchFamily="34" charset="-120"/>
-              <a:ea typeface="微軟正黑體" panose="020B0604030504040204" pitchFamily="34" charset="-120"/>
-            </a:endParaRPr>
-          </a:p>
-          <a:p>
-            <a:endParaRPr lang="en-US" sz="2400" dirty="0">
-              <a:latin typeface="微軟正黑體" panose="020B0604030504040204" pitchFamily="34" charset="-120"/>
-              <a:ea typeface="微軟正黑體" panose="020B0604030504040204" pitchFamily="34" charset="-120"/>
-            </a:endParaRPr>
-          </a:p>
-        </p:txBody>
-      </p:sp>
-      <p:pic>
-        <p:nvPicPr>
-          <p:cNvPr id="4" name="圖片 3"/>
-          <p:cNvPicPr>
-            <a:picLocks noChangeAspect="1"/>
-          </p:cNvPicPr>
-          <p:nvPr/>
-        </p:nvPicPr>
-        <p:blipFill>
-          <a:blip r:embed="rId2">
-            <a:extLst>
-              <a:ext uri="{28A0092B-C50C-407E-A947-70E740481C1C}">
-                <a14:useLocalDpi xmlns:a14="http://schemas.microsoft.com/office/drawing/2010/main" val="0"/>
-              </a:ext>
-            </a:extLst>
-          </a:blip>
-          <a:stretch>
-            <a:fillRect/>
-          </a:stretch>
-        </p:blipFill>
-        <p:spPr>
-          <a:xfrm>
-            <a:off x="6011872" y="962213"/>
-            <a:ext cx="6026139" cy="4649478"/>
-          </a:xfrm>
-          <a:prstGeom prst="rect">
-            <a:avLst/>
-          </a:prstGeom>
-        </p:spPr>
-      </p:pic>
-      <p:sp>
-        <p:nvSpPr>
-          <p:cNvPr id="5" name="文字方塊 4"/>
-          <p:cNvSpPr txBox="1"/>
-          <p:nvPr/>
-        </p:nvSpPr>
-        <p:spPr>
-          <a:xfrm>
-            <a:off x="6014404" y="5746338"/>
-            <a:ext cx="6174421" cy="830997"/>
-          </a:xfrm>
-          <a:prstGeom prst="rect">
-            <a:avLst/>
-          </a:prstGeom>
-          <a:noFill/>
-        </p:spPr>
-        <p:txBody>
-          <a:bodyPr wrap="square" rtlCol="0">
-            <a:spAutoFit/>
-          </a:bodyPr>
-          <a:lstStyle/>
-          <a:p>
-            <a:r>
-              <a:rPr lang="en-US" dirty="0" smtClean="0">
-                <a:latin typeface="微軟正黑體" panose="020B0604030504040204" pitchFamily="34" charset="-120"/>
-                <a:ea typeface="微軟正黑體" panose="020B0604030504040204" pitchFamily="34" charset="-120"/>
-              </a:rPr>
-              <a:t>Gaussian Convolution  with its kernel</a:t>
-            </a:r>
-          </a:p>
-          <a:p>
-            <a:r>
-              <a:rPr lang="en-US" dirty="0" err="1" smtClean="0">
-                <a:latin typeface="微軟正黑體" panose="020B0604030504040204" pitchFamily="34" charset="-120"/>
-                <a:ea typeface="微軟正黑體" panose="020B0604030504040204" pitchFamily="34" charset="-120"/>
-                <a:hlinkClick r:id="rId3"/>
-              </a:rPr>
-              <a:t>Img</a:t>
-            </a:r>
-            <a:r>
-              <a:rPr lang="en-US" dirty="0" smtClean="0">
-                <a:latin typeface="微軟正黑體" panose="020B0604030504040204" pitchFamily="34" charset="-120"/>
-                <a:ea typeface="微軟正黑體" panose="020B0604030504040204" pitchFamily="34" charset="-120"/>
-                <a:hlinkClick r:id="rId3"/>
-              </a:rPr>
-              <a:t> source</a:t>
-            </a:r>
-            <a:endParaRPr lang="en-US" dirty="0">
-              <a:latin typeface="微軟正黑體" panose="020B0604030504040204" pitchFamily="34" charset="-120"/>
-              <a:ea typeface="微軟正黑體" panose="020B0604030504040204" pitchFamily="34" charset="-120"/>
-            </a:endParaRPr>
+            <a:endParaRPr kumimoji="1" lang="zh-TW" altLang="en-US"/>
           </a:p>
         </p:txBody>
       </p:sp>
     </p:spTree>
     <p:extLst>
       <p:ext uri="{BB962C8B-B14F-4D97-AF65-F5344CB8AC3E}">
-        <p14:creationId xmlns:p14="http://schemas.microsoft.com/office/powerpoint/2010/main" val="4262106015"/>
+        <p14:creationId xmlns:p14="http://schemas.microsoft.com/office/powerpoint/2010/main" val="1465576559"/>
       </p:ext>
     </p:extLst>
   </p:cSld>
@@ -16379,6 +16328,448 @@
         </p:nvSpPr>
         <p:spPr>
           <a:xfrm>
+            <a:off x="918147" y="4119"/>
+            <a:ext cx="10351066" cy="970450"/>
+          </a:xfrm>
+        </p:spPr>
+        <p:txBody>
+          <a:bodyPr>
+            <a:normAutofit/>
+          </a:bodyPr>
+          <a:lstStyle/>
+          <a:p>
+            <a:r>
+              <a:rPr lang="en-US" sz="4800" dirty="0" smtClean="0">
+                <a:latin typeface="微軟正黑體" panose="020B0604030504040204" pitchFamily="34" charset="-120"/>
+                <a:ea typeface="微軟正黑體" panose="020B0604030504040204" pitchFamily="34" charset="-120"/>
+              </a:rPr>
+              <a:t>Motivation of this project</a:t>
+            </a:r>
+            <a:endParaRPr lang="en-US" sz="4800" dirty="0">
+              <a:latin typeface="微軟正黑體" panose="020B0604030504040204" pitchFamily="34" charset="-120"/>
+              <a:ea typeface="微軟正黑體" panose="020B0604030504040204" pitchFamily="34" charset="-120"/>
+            </a:endParaRPr>
+          </a:p>
+        </p:txBody>
+      </p:sp>
+      <p:sp>
+        <p:nvSpPr>
+          <p:cNvPr id="3" name="內容版面配置區 2"/>
+          <p:cNvSpPr>
+            <a:spLocks noGrp="1"/>
+          </p:cNvSpPr>
+          <p:nvPr>
+            <p:ph idx="1"/>
+          </p:nvPr>
+        </p:nvSpPr>
+        <p:spPr>
+          <a:xfrm>
+            <a:off x="-1" y="937499"/>
+            <a:ext cx="12188825" cy="1577101"/>
+          </a:xfrm>
+        </p:spPr>
+        <p:txBody>
+          <a:bodyPr>
+            <a:normAutofit/>
+          </a:bodyPr>
+          <a:lstStyle/>
+          <a:p>
+            <a:r>
+              <a:rPr lang="en-US" sz="2400" dirty="0" smtClean="0">
+                <a:latin typeface="微軟正黑體" panose="020B0604030504040204" pitchFamily="34" charset="-120"/>
+                <a:ea typeface="微軟正黑體" panose="020B0604030504040204" pitchFamily="34" charset="-120"/>
+              </a:rPr>
+              <a:t>Widely used algorithm in lots of software like </a:t>
+            </a:r>
+            <a:r>
+              <a:rPr lang="en-US" sz="2400" dirty="0" err="1" smtClean="0">
+                <a:latin typeface="微軟正黑體" panose="020B0604030504040204" pitchFamily="34" charset="-120"/>
+                <a:ea typeface="微軟正黑體" panose="020B0604030504040204" pitchFamily="34" charset="-120"/>
+              </a:rPr>
+              <a:t>PhotoShop</a:t>
+            </a:r>
+            <a:r>
+              <a:rPr lang="en-US" sz="2400" dirty="0" smtClean="0">
+                <a:latin typeface="微軟正黑體" panose="020B0604030504040204" pitchFamily="34" charset="-120"/>
+                <a:ea typeface="微軟正黑體" panose="020B0604030504040204" pitchFamily="34" charset="-120"/>
+              </a:rPr>
+              <a:t>, GIMP.</a:t>
+            </a:r>
+          </a:p>
+          <a:p>
+            <a:r>
+              <a:rPr lang="en-US" altLang="zh-TW" sz="2400" dirty="0" smtClean="0">
+                <a:latin typeface="微軟正黑體" panose="020B0604030504040204" pitchFamily="34" charset="-120"/>
+                <a:ea typeface="微軟正黑體" panose="020B0604030504040204" pitchFamily="34" charset="-120"/>
+              </a:rPr>
+              <a:t>Time </a:t>
+            </a:r>
+            <a:r>
+              <a:rPr lang="en-US" altLang="zh-TW" sz="2400" dirty="0">
+                <a:latin typeface="微軟正黑體" panose="020B0604030504040204" pitchFamily="34" charset="-120"/>
+                <a:ea typeface="微軟正黑體" panose="020B0604030504040204" pitchFamily="34" charset="-120"/>
+              </a:rPr>
+              <a:t>complexity :</a:t>
+            </a:r>
+            <a:r>
+              <a:rPr lang="en-US" altLang="zh-TW" sz="2400" dirty="0" smtClean="0">
+                <a:latin typeface="微軟正黑體" panose="020B0604030504040204" pitchFamily="34" charset="-120"/>
+                <a:ea typeface="微軟正黑體" panose="020B0604030504040204" pitchFamily="34" charset="-120"/>
+              </a:rPr>
+              <a:t> </a:t>
+            </a:r>
+            <a:r>
+              <a:rPr lang="en-US" altLang="zh-TW" sz="2400" b="1" dirty="0" smtClean="0">
+                <a:latin typeface="微軟正黑體" panose="020B0604030504040204" pitchFamily="34" charset="-120"/>
+                <a:ea typeface="微軟正黑體" panose="020B0604030504040204" pitchFamily="34" charset="-120"/>
+              </a:rPr>
+              <a:t>O(</a:t>
+            </a:r>
+            <a:r>
+              <a:rPr lang="en-US" altLang="zh-TW" sz="2400" b="1" dirty="0" err="1" smtClean="0">
+                <a:latin typeface="微軟正黑體" panose="020B0604030504040204" pitchFamily="34" charset="-120"/>
+                <a:ea typeface="微軟正黑體" panose="020B0604030504040204" pitchFamily="34" charset="-120"/>
+              </a:rPr>
+              <a:t>img_width</a:t>
+            </a:r>
+            <a:r>
+              <a:rPr lang="en-US" altLang="zh-TW" sz="2400" b="1" dirty="0" smtClean="0">
+                <a:latin typeface="微軟正黑體" panose="020B0604030504040204" pitchFamily="34" charset="-120"/>
+                <a:ea typeface="微軟正黑體" panose="020B0604030504040204" pitchFamily="34" charset="-120"/>
+              </a:rPr>
+              <a:t> </a:t>
+            </a:r>
+            <a:r>
+              <a:rPr lang="en-US" altLang="zh-TW" sz="2400" b="1" dirty="0">
+                <a:latin typeface="微軟正黑體" panose="020B0604030504040204" pitchFamily="34" charset="-120"/>
+                <a:ea typeface="微軟正黑體" panose="020B0604030504040204" pitchFamily="34" charset="-120"/>
+              </a:rPr>
+              <a:t>x </a:t>
+            </a:r>
+            <a:r>
+              <a:rPr lang="en-US" altLang="zh-TW" sz="2400" b="1" dirty="0" err="1">
+                <a:latin typeface="微軟正黑體" panose="020B0604030504040204" pitchFamily="34" charset="-120"/>
+                <a:ea typeface="微軟正黑體" panose="020B0604030504040204" pitchFamily="34" charset="-120"/>
+              </a:rPr>
+              <a:t>img_height</a:t>
+            </a:r>
+            <a:r>
+              <a:rPr lang="en-US" altLang="zh-TW" sz="2400" b="1" dirty="0">
+                <a:latin typeface="微軟正黑體" panose="020B0604030504040204" pitchFamily="34" charset="-120"/>
+                <a:ea typeface="微軟正黑體" panose="020B0604030504040204" pitchFamily="34" charset="-120"/>
+              </a:rPr>
+              <a:t> x filter_size^2)</a:t>
+            </a:r>
+          </a:p>
+          <a:p>
+            <a:endParaRPr lang="en-US" sz="2400" b="1" u="sng" dirty="0" smtClean="0">
+              <a:latin typeface="微軟正黑體" panose="020B0604030504040204" pitchFamily="34" charset="-120"/>
+              <a:ea typeface="微軟正黑體" panose="020B0604030504040204" pitchFamily="34" charset="-120"/>
+            </a:endParaRPr>
+          </a:p>
+          <a:p>
+            <a:endParaRPr lang="en-US" sz="2400" dirty="0" smtClean="0">
+              <a:latin typeface="微軟正黑體" panose="020B0604030504040204" pitchFamily="34" charset="-120"/>
+              <a:ea typeface="微軟正黑體" panose="020B0604030504040204" pitchFamily="34" charset="-120"/>
+            </a:endParaRPr>
+          </a:p>
+          <a:p>
+            <a:endParaRPr lang="en-US" sz="2400" dirty="0" smtClean="0">
+              <a:latin typeface="微軟正黑體" panose="020B0604030504040204" pitchFamily="34" charset="-120"/>
+              <a:ea typeface="微軟正黑體" panose="020B0604030504040204" pitchFamily="34" charset="-120"/>
+            </a:endParaRPr>
+          </a:p>
+          <a:p>
+            <a:endParaRPr lang="en-US" sz="2400" dirty="0" smtClean="0">
+              <a:latin typeface="微軟正黑體" panose="020B0604030504040204" pitchFamily="34" charset="-120"/>
+              <a:ea typeface="微軟正黑體" panose="020B0604030504040204" pitchFamily="34" charset="-120"/>
+            </a:endParaRPr>
+          </a:p>
+          <a:p>
+            <a:endParaRPr lang="en-US" sz="2400" dirty="0">
+              <a:latin typeface="微軟正黑體" panose="020B0604030504040204" pitchFamily="34" charset="-120"/>
+              <a:ea typeface="微軟正黑體" panose="020B0604030504040204" pitchFamily="34" charset="-120"/>
+            </a:endParaRPr>
+          </a:p>
+        </p:txBody>
+      </p:sp>
+      <p:pic>
+        <p:nvPicPr>
+          <p:cNvPr id="4" name="圖片 3"/>
+          <p:cNvPicPr>
+            <a:picLocks noChangeAspect="1"/>
+          </p:cNvPicPr>
+          <p:nvPr/>
+        </p:nvPicPr>
+        <p:blipFill>
+          <a:blip r:embed="rId2">
+            <a:extLst>
+              <a:ext uri="{28A0092B-C50C-407E-A947-70E740481C1C}">
+                <a14:useLocalDpi xmlns:a14="http://schemas.microsoft.com/office/drawing/2010/main" val="0"/>
+              </a:ext>
+            </a:extLst>
+          </a:blip>
+          <a:stretch>
+            <a:fillRect/>
+          </a:stretch>
+        </p:blipFill>
+        <p:spPr>
+          <a:xfrm>
+            <a:off x="3080610" y="1941924"/>
+            <a:ext cx="6026139" cy="4649478"/>
+          </a:xfrm>
+          <a:prstGeom prst="rect">
+            <a:avLst/>
+          </a:prstGeom>
+        </p:spPr>
+      </p:pic>
+      <p:sp>
+        <p:nvSpPr>
+          <p:cNvPr id="5" name="文字方塊 4"/>
+          <p:cNvSpPr txBox="1"/>
+          <p:nvPr/>
+        </p:nvSpPr>
+        <p:spPr>
+          <a:xfrm>
+            <a:off x="9080543" y="5181600"/>
+            <a:ext cx="6174421" cy="830997"/>
+          </a:xfrm>
+          <a:prstGeom prst="rect">
+            <a:avLst/>
+          </a:prstGeom>
+          <a:noFill/>
+        </p:spPr>
+        <p:txBody>
+          <a:bodyPr wrap="square" rtlCol="0">
+            <a:spAutoFit/>
+          </a:bodyPr>
+          <a:lstStyle/>
+          <a:p>
+            <a:r>
+              <a:rPr lang="en-US" dirty="0" smtClean="0">
+                <a:latin typeface="微軟正黑體" panose="020B0604030504040204" pitchFamily="34" charset="-120"/>
+                <a:ea typeface="微軟正黑體" panose="020B0604030504040204" pitchFamily="34" charset="-120"/>
+              </a:rPr>
+              <a:t>Gaussian Convolution  with its kernel</a:t>
+            </a:r>
+          </a:p>
+          <a:p>
+            <a:r>
+              <a:rPr lang="en-US" dirty="0" smtClean="0">
+                <a:latin typeface="微軟正黑體" panose="020B0604030504040204" pitchFamily="34" charset="-120"/>
+                <a:ea typeface="微軟正黑體" panose="020B0604030504040204" pitchFamily="34" charset="-120"/>
+                <a:hlinkClick r:id="rId3"/>
+              </a:rPr>
+              <a:t>Img from Apple Dev.</a:t>
+            </a:r>
+            <a:endParaRPr lang="en-US" dirty="0">
+              <a:latin typeface="微軟正黑體" panose="020B0604030504040204" pitchFamily="34" charset="-120"/>
+              <a:ea typeface="微軟正黑體" panose="020B0604030504040204" pitchFamily="34" charset="-120"/>
+            </a:endParaRPr>
+          </a:p>
+        </p:txBody>
+      </p:sp>
+    </p:spTree>
+    <p:extLst>
+      <p:ext uri="{BB962C8B-B14F-4D97-AF65-F5344CB8AC3E}">
+        <p14:creationId xmlns:p14="http://schemas.microsoft.com/office/powerpoint/2010/main" val="4262106015"/>
+      </p:ext>
+    </p:extLst>
+  </p:cSld>
+  <p:clrMapOvr>
+    <a:masterClrMapping/>
+  </p:clrMapOvr>
+</p:sld>
+</file>
+
+<file path=ppt/slides/slide6.xml><?xml version="1.0" encoding="utf-8"?>
+<p:sld xmlns:a="http://schemas.openxmlformats.org/drawingml/2006/main" xmlns:r="http://schemas.openxmlformats.org/officeDocument/2006/relationships" xmlns:p="http://schemas.openxmlformats.org/presentationml/2006/main">
+  <p:cSld>
+    <p:spTree>
+      <p:nvGrpSpPr>
+        <p:cNvPr id="1" name=""/>
+        <p:cNvGrpSpPr/>
+        <p:nvPr/>
+      </p:nvGrpSpPr>
+      <p:grpSpPr>
+        <a:xfrm>
+          <a:off x="0" y="0"/>
+          <a:ext cx="0" cy="0"/>
+          <a:chOff x="0" y="0"/>
+          <a:chExt cx="0" cy="0"/>
+        </a:xfrm>
+      </p:grpSpPr>
+      <p:sp>
+        <p:nvSpPr>
+          <p:cNvPr id="2" name="標題 1"/>
+          <p:cNvSpPr>
+            <a:spLocks noGrp="1"/>
+          </p:cNvSpPr>
+          <p:nvPr>
+            <p:ph type="title"/>
+          </p:nvPr>
+        </p:nvSpPr>
+        <p:spPr>
+          <a:xfrm>
+            <a:off x="913557" y="32825"/>
+            <a:ext cx="10351066" cy="970450"/>
+          </a:xfrm>
+        </p:spPr>
+        <p:txBody>
+          <a:bodyPr>
+            <a:normAutofit/>
+          </a:bodyPr>
+          <a:lstStyle/>
+          <a:p>
+            <a:r>
+              <a:rPr kumimoji="1" lang="en-US" altLang="zh-TW" sz="4800" dirty="0" smtClean="0">
+                <a:latin typeface="+mj-ea"/>
+              </a:rPr>
+              <a:t>Parallel Platforms</a:t>
+            </a:r>
+            <a:endParaRPr kumimoji="1" lang="zh-TW" altLang="en-US" sz="4800" dirty="0">
+              <a:latin typeface="+mj-ea"/>
+            </a:endParaRPr>
+          </a:p>
+        </p:txBody>
+      </p:sp>
+      <p:sp>
+        <p:nvSpPr>
+          <p:cNvPr id="3" name="內容版面配置區 2"/>
+          <p:cNvSpPr>
+            <a:spLocks noGrp="1"/>
+          </p:cNvSpPr>
+          <p:nvPr>
+            <p:ph idx="1"/>
+          </p:nvPr>
+        </p:nvSpPr>
+        <p:spPr>
+          <a:xfrm>
+            <a:off x="913557" y="1732450"/>
+            <a:ext cx="10351066" cy="5125550"/>
+          </a:xfrm>
+        </p:spPr>
+        <p:txBody>
+          <a:bodyPr>
+            <a:normAutofit/>
+          </a:bodyPr>
+          <a:lstStyle/>
+          <a:p>
+            <a:r>
+              <a:rPr kumimoji="1" lang="en-US" altLang="zh-TW" sz="2400" dirty="0" err="1" smtClean="0">
+                <a:latin typeface="+mj-ea"/>
+                <a:ea typeface="+mj-ea"/>
+              </a:rPr>
+              <a:t>OpenMP</a:t>
+            </a:r>
+            <a:r>
+              <a:rPr kumimoji="1" lang="en-US" altLang="zh-TW" sz="2400" dirty="0" smtClean="0">
+                <a:latin typeface="+mj-ea"/>
+                <a:ea typeface="+mj-ea"/>
+              </a:rPr>
+              <a:t>: CPU</a:t>
+            </a:r>
+            <a:r>
+              <a:rPr kumimoji="1" lang="zh-TW" altLang="en-US" sz="2400" dirty="0" smtClean="0">
+                <a:latin typeface="+mj-ea"/>
+                <a:ea typeface="+mj-ea"/>
+              </a:rPr>
+              <a:t>（改用ㄈ字型）</a:t>
+            </a:r>
+            <a:endParaRPr kumimoji="1" lang="en-US" altLang="zh-TW" sz="2400" dirty="0" smtClean="0">
+              <a:latin typeface="+mj-ea"/>
+              <a:ea typeface="+mj-ea"/>
+            </a:endParaRPr>
+          </a:p>
+          <a:p>
+            <a:r>
+              <a:rPr kumimoji="1" lang="en-US" altLang="zh-TW" sz="2400" dirty="0" err="1" smtClean="0">
+                <a:latin typeface="+mj-ea"/>
+                <a:ea typeface="+mj-ea"/>
+              </a:rPr>
+              <a:t>Pthread</a:t>
+            </a:r>
+            <a:r>
+              <a:rPr kumimoji="1" lang="en-US" altLang="zh-TW" sz="2400" dirty="0" smtClean="0">
+                <a:latin typeface="+mj-ea"/>
+                <a:ea typeface="+mj-ea"/>
+              </a:rPr>
+              <a:t>: CPU</a:t>
+            </a:r>
+          </a:p>
+          <a:p>
+            <a:r>
+              <a:rPr kumimoji="1" lang="en-US" altLang="zh-TW" sz="2400" dirty="0" smtClean="0">
+                <a:latin typeface="+mj-ea"/>
+                <a:ea typeface="+mj-ea"/>
+              </a:rPr>
+              <a:t>CUDA: CPU + GPU</a:t>
+            </a:r>
+          </a:p>
+          <a:p>
+            <a:r>
+              <a:rPr kumimoji="1" lang="en-US" altLang="zh-TW" sz="2400" dirty="0" err="1" smtClean="0">
+                <a:latin typeface="+mj-ea"/>
+                <a:ea typeface="+mj-ea"/>
+              </a:rPr>
+              <a:t>OpenCL</a:t>
+            </a:r>
+            <a:r>
+              <a:rPr kumimoji="1" lang="en-US" altLang="zh-TW" sz="2400" dirty="0" smtClean="0">
+                <a:latin typeface="+mj-ea"/>
+                <a:ea typeface="+mj-ea"/>
+              </a:rPr>
+              <a:t>: CPU + GPU</a:t>
+            </a:r>
+            <a:endParaRPr kumimoji="1" lang="zh-TW" altLang="en-US" sz="2400" dirty="0">
+              <a:latin typeface="+mj-ea"/>
+              <a:ea typeface="+mj-ea"/>
+            </a:endParaRPr>
+          </a:p>
+        </p:txBody>
+      </p:sp>
+    </p:spTree>
+    <p:extLst>
+      <p:ext uri="{BB962C8B-B14F-4D97-AF65-F5344CB8AC3E}">
+        <p14:creationId xmlns:p14="http://schemas.microsoft.com/office/powerpoint/2010/main" val="108027675"/>
+      </p:ext>
+    </p:extLst>
+  </p:cSld>
+  <p:clrMapOvr>
+    <a:masterClrMapping/>
+  </p:clrMapOvr>
+</p:sld>
+</file>
+
+<file path=ppt/slides/slide7.xml><?xml version="1.0" encoding="utf-8"?>
+<p:sld xmlns:a="http://schemas.openxmlformats.org/drawingml/2006/main" xmlns:r="http://schemas.openxmlformats.org/officeDocument/2006/relationships" xmlns:p="http://schemas.openxmlformats.org/presentationml/2006/main">
+  <p:cSld>
+    <p:spTree>
+      <p:nvGrpSpPr>
+        <p:cNvPr id="1" name=""/>
+        <p:cNvGrpSpPr/>
+        <p:nvPr/>
+      </p:nvGrpSpPr>
+      <p:grpSpPr>
+        <a:xfrm>
+          <a:off x="0" y="0"/>
+          <a:ext cx="0" cy="0"/>
+          <a:chOff x="0" y="0"/>
+          <a:chExt cx="0" cy="0"/>
+        </a:xfrm>
+      </p:grpSpPr>
+      <p:sp>
+        <p:nvSpPr>
+          <p:cNvPr id="2" name="標題 1"/>
+          <p:cNvSpPr>
+            <a:spLocks noGrp="1"/>
+          </p:cNvSpPr>
+          <p:nvPr>
+            <p:ph type="title"/>
+          </p:nvPr>
+        </p:nvSpPr>
+        <p:spPr>
+          <a:xfrm>
             <a:off x="913557" y="76200"/>
             <a:ext cx="10351066" cy="970450"/>
           </a:xfrm>
@@ -16394,14 +16785,21 @@
                 <a:latin typeface="微軟正黑體" panose="020B0604030504040204" pitchFamily="34" charset="-120"/>
                 <a:ea typeface="微軟正黑體" panose="020B0604030504040204" pitchFamily="34" charset="-120"/>
               </a:rPr>
-              <a:t>Environment </a:t>
+              <a:t>Environment for this </a:t>
             </a:r>
             <a:r>
               <a:rPr lang="en-US" sz="4800" dirty="0" smtClean="0">
                 <a:latin typeface="微軟正黑體" panose="020B0604030504040204" pitchFamily="34" charset="-120"/>
                 <a:ea typeface="微軟正黑體" panose="020B0604030504040204" pitchFamily="34" charset="-120"/>
               </a:rPr>
-              <a:t>for this project</a:t>
+              <a:t>project</a:t>
+            </a:r>
+            <a:r>
+              <a:rPr lang="zh-TW" altLang="en-US" sz="4800" dirty="0" smtClean="0">
+                <a:latin typeface="微軟正黑體" panose="020B0604030504040204" pitchFamily="34" charset="-120"/>
+                <a:ea typeface="微軟正黑體" panose="020B0604030504040204" pitchFamily="34" charset="-120"/>
+              </a:rPr>
+              <a:t>改表格</a:t>
             </a:r>
             <a:endParaRPr lang="en-US" sz="4800" dirty="0">
               <a:latin typeface="微軟正黑體" panose="020B0604030504040204" pitchFamily="34" charset="-120"/>
@@ -16598,13 +16996,7 @@
               <a:rPr kumimoji="1" lang="en-US" altLang="zh-TW" dirty="0" smtClean="0">
                 <a:latin typeface="+mn-ea"/>
               </a:rPr>
-              <a:t>ASUS STRIX GTX1070 OC </a:t>
-            </a:r>
-            <a:r>
-              <a:rPr kumimoji="1" lang="en-US" altLang="zh-TW" dirty="0" smtClean="0">
-                <a:latin typeface="+mn-ea"/>
-              </a:rPr>
-              <a:t>8GB</a:t>
+              <a:t>ASUS STRIX GTX1070 OC 8GB</a:t>
             </a:r>
           </a:p>
           <a:p>
@@ -16760,7 +17152,7 @@
 </p:sld>
 </file>
 
-<file path=ppt/slides/slide6.xml><?xml version="1.0" encoding="utf-8"?>
+<file path=ppt/slides/slide8.xml><?xml version="1.0" encoding="utf-8"?>
 <p:sld xmlns:a="http://schemas.openxmlformats.org/drawingml/2006/main" xmlns:r="http://schemas.openxmlformats.org/officeDocument/2006/relationships" xmlns:p="http://schemas.openxmlformats.org/presentationml/2006/main">
   <p:cSld>
     <p:spTree>
@@ -16861,73 +17253,43 @@
                 <a:latin typeface="微軟正黑體" panose="020B0604030504040204" pitchFamily="34" charset="-120"/>
                 <a:ea typeface="微軟正黑體" panose="020B0604030504040204" pitchFamily="34" charset="-120"/>
               </a:rPr>
-              <a:t>Use Linux command: </a:t>
+              <a:t>Computation </a:t>
             </a:r>
             <a:r>
               <a:rPr lang="en-US" sz="2400" dirty="0" smtClean="0">
+                <a:latin typeface="微軟正黑體" panose="020B0604030504040204" pitchFamily="34" charset="-120"/>
+                <a:ea typeface="微軟正黑體" panose="020B0604030504040204" pitchFamily="34" charset="-120"/>
+              </a:rPr>
+              <a:t>is </a:t>
+            </a:r>
+            <a:r>
+              <a:rPr lang="cs-CZ" sz="2400" b="1" dirty="0" smtClean="0">
                 <a:solidFill>
                   <a:srgbClr val="FF0000"/>
                 </a:solidFill>
                 <a:latin typeface="微軟正黑體" panose="020B0604030504040204" pitchFamily="34" charset="-120"/>
                 <a:ea typeface="微軟正黑體" panose="020B0604030504040204" pitchFamily="34" charset="-120"/>
               </a:rPr>
-              <a:t>$time ./</a:t>
-            </a:r>
-            <a:r>
-              <a:rPr lang="en-US" sz="2400" dirty="0" err="1" smtClean="0">
+              <a:t>338444697600 (338 </a:t>
+            </a:r>
+            <a:r>
+              <a:rPr lang="cs-CZ" sz="2400" b="1" dirty="0" err="1" smtClean="0">
                 <a:solidFill>
                   <a:srgbClr val="FF0000"/>
                 </a:solidFill>
                 <a:latin typeface="微軟正黑體" panose="020B0604030504040204" pitchFamily="34" charset="-120"/>
                 <a:ea typeface="微軟正黑體" panose="020B0604030504040204" pitchFamily="34" charset="-120"/>
               </a:rPr>
-              <a:t>obj_file</a:t>
-            </a:r>
-            <a:r>
-              <a:rPr lang="en-US" sz="2400" dirty="0" smtClean="0">
+              <a:t>billion</a:t>
+            </a:r>
+            <a:r>
+              <a:rPr lang="cs-CZ" sz="2400" b="1" dirty="0" smtClean="0">
                 <a:solidFill>
                   <a:srgbClr val="FF0000"/>
                 </a:solidFill>
                 <a:latin typeface="微軟正黑體" panose="020B0604030504040204" pitchFamily="34" charset="-120"/>
                 <a:ea typeface="微軟正黑體" panose="020B0604030504040204" pitchFamily="34" charset="-120"/>
               </a:rPr>
-              <a:t> </a:t>
-            </a:r>
-            <a:r>
-              <a:rPr lang="en-US" sz="2400" dirty="0" smtClean="0">
-                <a:latin typeface="微軟正黑體" panose="020B0604030504040204" pitchFamily="34" charset="-120"/>
-                <a:ea typeface="微軟正黑體" panose="020B0604030504040204" pitchFamily="34" charset="-120"/>
-              </a:rPr>
-              <a:t>to measure execution time</a:t>
-            </a:r>
-          </a:p>
-          <a:p>
-            <a:r>
-              <a:rPr lang="en-US" sz="2400" dirty="0" smtClean="0">
-                <a:latin typeface="微軟正黑體" panose="020B0604030504040204" pitchFamily="34" charset="-120"/>
-                <a:ea typeface="微軟正黑體" panose="020B0604030504040204" pitchFamily="34" charset="-120"/>
-              </a:rPr>
-              <a:t>Computation is </a:t>
-            </a:r>
-            <a:r>
-              <a:rPr lang="cs-CZ" sz="2400" dirty="0" smtClean="0">
-                <a:latin typeface="微軟正黑體" panose="020B0604030504040204" pitchFamily="34" charset="-120"/>
-                <a:ea typeface="微軟正黑體" panose="020B0604030504040204" pitchFamily="34" charset="-120"/>
-              </a:rPr>
-              <a:t>338444697600 (338 </a:t>
-            </a:r>
-            <a:r>
-              <a:rPr lang="cs-CZ" sz="2400" dirty="0" err="1" smtClean="0">
-                <a:latin typeface="微軟正黑體" panose="020B0604030504040204" pitchFamily="34" charset="-120"/>
-                <a:ea typeface="微軟正黑體" panose="020B0604030504040204" pitchFamily="34" charset="-120"/>
-              </a:rPr>
-              <a:t>billion</a:t>
-            </a:r>
-            <a:r>
-              <a:rPr lang="cs-CZ" sz="2400" dirty="0" smtClean="0">
-                <a:latin typeface="微軟正黑體" panose="020B0604030504040204" pitchFamily="34" charset="-120"/>
-                <a:ea typeface="微軟正黑體" panose="020B0604030504040204" pitchFamily="34" charset="-120"/>
-              </a:rPr>
               <a:t>!)</a:t>
             </a:r>
           </a:p>
@@ -17000,14 +17362,7 @@
                 <a:latin typeface="微軟正黑體" panose="020B0604030504040204" pitchFamily="34" charset="-120"/>
                 <a:ea typeface="微軟正黑體" panose="020B0604030504040204" pitchFamily="34" charset="-120"/>
               </a:rPr>
-              <a:t> image</a:t>
-            </a:r>
-            <a:r>
-              <a:rPr lang="cs-CZ" sz="2400" dirty="0" smtClean="0">
-                <a:latin typeface="微軟正黑體" panose="020B0604030504040204" pitchFamily="34" charset="-120"/>
-                <a:ea typeface="微軟正黑體" panose="020B0604030504040204" pitchFamily="34" charset="-120"/>
-              </a:rPr>
-              <a:t>)</a:t>
+              <a:t> image)</a:t>
             </a:r>
           </a:p>
           <a:p>
@@ -17174,7 +17529,7 @@
 </p:sld>
 </file>
 
-<file path=ppt/slides/slide7.xml><?xml version="1.0" encoding="utf-8"?>
+<file path=ppt/slides/slide9.xml><?xml version="1.0" encoding="utf-8"?>
 <p:sld xmlns:a="http://schemas.openxmlformats.org/drawingml/2006/main" xmlns:r="http://schemas.openxmlformats.org/officeDocument/2006/relationships" xmlns:p="http://schemas.openxmlformats.org/presentationml/2006/main">
   <p:cSld>
     <p:spTree>
@@ -17266,365 +17621,6 @@
       </p:transition>
     </mc:Choice>
     <mc:Fallback xmlns="">
-      <p:transition spd="med">
-        <p:fade/>
-      </p:transition>
-    </mc:Fallback>
-  </mc:AlternateContent>
-  <p:timing>
-    <p:tnLst>
-      <p:par>
-        <p:cTn id="1" dur="indefinite" restart="never" nodeType="tmRoot"/>
-      </p:par>
-    </p:tnLst>
-  </p:timing>
-</p:sld>
-</file>
-
-<file path=ppt/slides/slide8.xml><?xml version="1.0" encoding="utf-8"?>
-<p:sld xmlns:a="http://schemas.openxmlformats.org/drawingml/2006/main" xmlns:r="http://schemas.openxmlformats.org/officeDocument/2006/relationships" xmlns:p="http://schemas.openxmlformats.org/presentationml/2006/main">
-  <p:cSld>
-    <p:spTree>
-      <p:nvGrpSpPr>
-        <p:cNvPr id="1" name=""/>
-        <p:cNvGrpSpPr/>
-        <p:nvPr/>
-      </p:nvGrpSpPr>
-      <p:grpSpPr>
-        <a:xfrm>
-          <a:off x="0" y="0"/>
-          <a:ext cx="0" cy="0"/>
-          <a:chOff x="0" y="0"/>
-          <a:chExt cx="0" cy="0"/>
-        </a:xfrm>
-      </p:grpSpPr>
-      <p:sp>
-        <p:nvSpPr>
-          <p:cNvPr id="13" name="標題 12"/>
-          <p:cNvSpPr>
-            <a:spLocks noGrp="1"/>
-          </p:cNvSpPr>
-          <p:nvPr>
-            <p:ph type="title"/>
-          </p:nvPr>
-        </p:nvSpPr>
-        <p:spPr>
-          <a:xfrm>
-            <a:off x="4590" y="0"/>
-            <a:ext cx="12153343" cy="970450"/>
-          </a:xfrm>
-        </p:spPr>
-        <p:txBody>
-          <a:bodyPr rtlCol="0">
-            <a:noAutofit/>
-          </a:bodyPr>
-          <a:lstStyle/>
-          <a:p>
-            <a:pPr rtl="0"/>
-            <a:r>
-              <a:rPr lang="en-US" altLang="zh-TW" sz="4800" dirty="0" smtClean="0">
-                <a:solidFill>
-                  <a:srgbClr val="FF0000"/>
-                </a:solidFill>
-                <a:latin typeface="微軟正黑體" panose="020B0604030504040204" pitchFamily="34" charset="-120"/>
-                <a:ea typeface="微軟正黑體" panose="020B0604030504040204" pitchFamily="34" charset="-120"/>
-                <a:sym typeface="Salesforce Sans"/>
-              </a:rPr>
-              <a:t>C</a:t>
-            </a:r>
-            <a:r>
-              <a:rPr lang="en-US" altLang="zh-TW" sz="4800" dirty="0" smtClean="0">
-                <a:latin typeface="微軟正黑體" panose="020B0604030504040204" pitchFamily="34" charset="-120"/>
-                <a:ea typeface="微軟正黑體" panose="020B0604030504040204" pitchFamily="34" charset="-120"/>
-                <a:sym typeface="Salesforce Sans"/>
-              </a:rPr>
-              <a:t>ompute </a:t>
-            </a:r>
-            <a:r>
-              <a:rPr lang="en-US" altLang="zh-TW" sz="4800" dirty="0" smtClean="0">
-                <a:solidFill>
-                  <a:srgbClr val="FF0000"/>
-                </a:solidFill>
-                <a:latin typeface="微軟正黑體" panose="020B0604030504040204" pitchFamily="34" charset="-120"/>
-                <a:ea typeface="微軟正黑體" panose="020B0604030504040204" pitchFamily="34" charset="-120"/>
-                <a:sym typeface="Salesforce Sans"/>
-              </a:rPr>
-              <a:t>U</a:t>
-            </a:r>
-            <a:r>
-              <a:rPr lang="en-US" altLang="zh-TW" sz="4800" dirty="0" smtClean="0">
-                <a:latin typeface="微軟正黑體" panose="020B0604030504040204" pitchFamily="34" charset="-120"/>
-                <a:ea typeface="微軟正黑體" panose="020B0604030504040204" pitchFamily="34" charset="-120"/>
-                <a:sym typeface="Salesforce Sans"/>
-              </a:rPr>
-              <a:t>nified </a:t>
-            </a:r>
-            <a:r>
-              <a:rPr lang="en-US" altLang="zh-TW" sz="4800" dirty="0" smtClean="0">
-                <a:solidFill>
-                  <a:srgbClr val="FF0000"/>
-                </a:solidFill>
-                <a:latin typeface="微軟正黑體" panose="020B0604030504040204" pitchFamily="34" charset="-120"/>
-                <a:ea typeface="微軟正黑體" panose="020B0604030504040204" pitchFamily="34" charset="-120"/>
-                <a:sym typeface="Salesforce Sans"/>
-              </a:rPr>
-              <a:t>D</a:t>
-            </a:r>
-            <a:r>
-              <a:rPr lang="en-US" altLang="zh-TW" sz="4800" dirty="0" smtClean="0">
-                <a:latin typeface="微軟正黑體" panose="020B0604030504040204" pitchFamily="34" charset="-120"/>
-                <a:ea typeface="微軟正黑體" panose="020B0604030504040204" pitchFamily="34" charset="-120"/>
-                <a:sym typeface="Salesforce Sans"/>
-              </a:rPr>
-              <a:t>evice </a:t>
-            </a:r>
-            <a:r>
-              <a:rPr lang="en-US" altLang="zh-TW" sz="4800" dirty="0" smtClean="0">
-                <a:solidFill>
-                  <a:srgbClr val="FF0000"/>
-                </a:solidFill>
-                <a:latin typeface="微軟正黑體" panose="020B0604030504040204" pitchFamily="34" charset="-120"/>
-                <a:ea typeface="微軟正黑體" panose="020B0604030504040204" pitchFamily="34" charset="-120"/>
-                <a:sym typeface="Salesforce Sans"/>
-              </a:rPr>
-              <a:t>A</a:t>
-            </a:r>
-            <a:r>
-              <a:rPr lang="en-US" altLang="zh-TW" sz="4800" dirty="0" smtClean="0">
-                <a:latin typeface="微軟正黑體" panose="020B0604030504040204" pitchFamily="34" charset="-120"/>
-                <a:ea typeface="微軟正黑體" panose="020B0604030504040204" pitchFamily="34" charset="-120"/>
-                <a:sym typeface="Salesforce Sans"/>
-              </a:rPr>
-              <a:t>rchitecture</a:t>
-            </a:r>
-            <a:endParaRPr lang="zh-TW" altLang="en-US" sz="4800" dirty="0">
-              <a:latin typeface="微軟正黑體" panose="020B0604030504040204" pitchFamily="34" charset="-120"/>
-              <a:ea typeface="微軟正黑體" panose="020B0604030504040204" pitchFamily="34" charset="-120"/>
-              <a:sym typeface="Salesforce Sans"/>
-            </a:endParaRPr>
-          </a:p>
-        </p:txBody>
-      </p:sp>
-      <p:sp>
-        <p:nvSpPr>
-          <p:cNvPr id="2" name="內容版面配置區 1"/>
-          <p:cNvSpPr>
-            <a:spLocks noGrp="1"/>
-          </p:cNvSpPr>
-          <p:nvPr>
-            <p:ph idx="1"/>
-          </p:nvPr>
-        </p:nvSpPr>
-        <p:spPr>
-          <a:xfrm>
-            <a:off x="20036" y="970450"/>
-            <a:ext cx="5754130" cy="5638800"/>
-          </a:xfrm>
-        </p:spPr>
-        <p:txBody>
-          <a:bodyPr>
-            <a:normAutofit/>
-          </a:bodyPr>
-          <a:lstStyle/>
-          <a:p>
-            <a:r>
-              <a:rPr lang="en-US" sz="2400" dirty="0" smtClean="0">
-                <a:latin typeface="微軟正黑體" panose="020B0604030504040204" pitchFamily="34" charset="-120"/>
-                <a:ea typeface="微軟正黑體" panose="020B0604030504040204" pitchFamily="34" charset="-120"/>
-              </a:rPr>
-              <a:t>Using 1024 thread per block (i.e.)</a:t>
-            </a:r>
-          </a:p>
-          <a:p>
-            <a:r>
-              <a:rPr lang="en-US" sz="2400" dirty="0" smtClean="0">
-                <a:latin typeface="微軟正黑體" panose="020B0604030504040204" pitchFamily="34" charset="-120"/>
-                <a:ea typeface="微軟正黑體" panose="020B0604030504040204" pitchFamily="34" charset="-120"/>
-              </a:rPr>
-              <a:t>Each thread deal with one pixel.</a:t>
-            </a:r>
-          </a:p>
-          <a:p>
-            <a:endParaRPr lang="en-US" sz="2400" dirty="0" smtClean="0">
-              <a:latin typeface="微軟正黑體" panose="020B0604030504040204" pitchFamily="34" charset="-120"/>
-              <a:ea typeface="微軟正黑體" panose="020B0604030504040204" pitchFamily="34" charset="-120"/>
-            </a:endParaRPr>
-          </a:p>
-          <a:p>
-            <a:r>
-              <a:rPr lang="en-US" sz="2400" dirty="0" smtClean="0">
-                <a:latin typeface="微軟正黑體" panose="020B0604030504040204" pitchFamily="34" charset="-120"/>
-                <a:ea typeface="微軟正黑體" panose="020B0604030504040204" pitchFamily="34" charset="-120"/>
-              </a:rPr>
-              <a:t>Compare pixel-wise(R G B) to verify the correctness due to GPU precision slightly inaccurate.</a:t>
-            </a:r>
-          </a:p>
-          <a:p>
-            <a:endParaRPr lang="en-US" sz="2400" dirty="0" smtClean="0">
-              <a:latin typeface="微軟正黑體" panose="020B0604030504040204" pitchFamily="34" charset="-120"/>
-              <a:ea typeface="微軟正黑體" panose="020B0604030504040204" pitchFamily="34" charset="-120"/>
-            </a:endParaRPr>
-          </a:p>
-          <a:p>
-            <a:endParaRPr lang="en-US" sz="2400" dirty="0" smtClean="0">
-              <a:latin typeface="微軟正黑體" panose="020B0604030504040204" pitchFamily="34" charset="-120"/>
-              <a:ea typeface="微軟正黑體" panose="020B0604030504040204" pitchFamily="34" charset="-120"/>
-            </a:endParaRPr>
-          </a:p>
-          <a:p>
-            <a:endParaRPr lang="en-US" sz="2400" dirty="0" smtClean="0">
-              <a:latin typeface="微軟正黑體" panose="020B0604030504040204" pitchFamily="34" charset="-120"/>
-              <a:ea typeface="微軟正黑體" panose="020B0604030504040204" pitchFamily="34" charset="-120"/>
-            </a:endParaRPr>
-          </a:p>
-        </p:txBody>
-      </p:sp>
-    </p:spTree>
-    <p:extLst>
-      <p:ext uri="{BB962C8B-B14F-4D97-AF65-F5344CB8AC3E}">
-        <p14:creationId xmlns:p14="http://schemas.microsoft.com/office/powerpoint/2010/main" val="620951047"/>
-      </p:ext>
-    </p:extLst>
-  </p:cSld>
-  <p:clrMapOvr>
-    <a:masterClrMapping/>
-  </p:clrMapOvr>
-  <mc:AlternateContent xmlns:mc="http://schemas.openxmlformats.org/markup-compatibility/2006" xmlns:p14="http://schemas.microsoft.com/office/powerpoint/2010/main">
-    <mc:Choice Requires="p14">
-      <p:transition spd="med" p14:dur="700">
-        <p:fade/>
-      </p:transition>
-    </mc:Choice>
-    <mc:Fallback xmlns="">
-      <p:transition spd="med">
-        <p:fade/>
-      </p:transition>
-    </mc:Fallback>
-  </mc:AlternateContent>
-  <p:timing>
-    <p:tnLst>
-      <p:par>
-        <p:cTn id="1" dur="indefinite" restart="never" nodeType="tmRoot"/>
-      </p:par>
-    </p:tnLst>
-  </p:timing>
-</p:sld>
-</file>
-
-<file path=ppt/slides/slide9.xml><?xml version="1.0" encoding="utf-8"?>
-<p:sld xmlns:a="http://schemas.openxmlformats.org/drawingml/2006/main" xmlns:r="http://schemas.openxmlformats.org/officeDocument/2006/relationships" xmlns:p="http://schemas.openxmlformats.org/presentationml/2006/main">
-  <p:cSld>
-    <p:spTree>
-      <p:nvGrpSpPr>
-        <p:cNvPr id="1" name=""/>
-        <p:cNvGrpSpPr/>
-        <p:nvPr/>
-      </p:nvGrpSpPr>
-      <p:grpSpPr>
-        <a:xfrm>
-          <a:off x="0" y="0"/>
-          <a:ext cx="0" cy="0"/>
-          <a:chOff x="0" y="0"/>
-          <a:chExt cx="0" cy="0"/>
-        </a:xfrm>
-      </p:grpSpPr>
-      <p:sp>
-        <p:nvSpPr>
-          <p:cNvPr id="13" name="標題 12"/>
-          <p:cNvSpPr>
-            <a:spLocks noGrp="1"/>
-          </p:cNvSpPr>
-          <p:nvPr>
-            <p:ph type="title"/>
-          </p:nvPr>
-        </p:nvSpPr>
-        <p:spPr>
-          <a:xfrm>
-            <a:off x="4590" y="0"/>
-            <a:ext cx="12153343" cy="970450"/>
-          </a:xfrm>
-        </p:spPr>
-        <p:txBody>
-          <a:bodyPr rtlCol="0">
-            <a:noAutofit/>
-          </a:bodyPr>
-          <a:lstStyle/>
-          <a:p>
-            <a:pPr rtl="0"/>
-            <a:r>
-              <a:rPr lang="en-US" altLang="zh-TW" sz="4800" dirty="0" smtClean="0">
-                <a:latin typeface="微軟正黑體" panose="020B0604030504040204" pitchFamily="34" charset="-120"/>
-                <a:ea typeface="微軟正黑體" panose="020B0604030504040204" pitchFamily="34" charset="-120"/>
-                <a:sym typeface="Salesforce Sans"/>
-              </a:rPr>
-              <a:t>Thread per block vs performance</a:t>
-            </a:r>
-            <a:endParaRPr lang="zh-TW" altLang="en-US" sz="4800" dirty="0">
-              <a:latin typeface="微軟正黑體" panose="020B0604030504040204" pitchFamily="34" charset="-120"/>
-              <a:ea typeface="微軟正黑體" panose="020B0604030504040204" pitchFamily="34" charset="-120"/>
-              <a:sym typeface="Salesforce Sans"/>
-            </a:endParaRPr>
-          </a:p>
-        </p:txBody>
-      </p:sp>
-      <p:sp>
-        <p:nvSpPr>
-          <p:cNvPr id="2" name="內容版面配置區 1"/>
-          <p:cNvSpPr>
-            <a:spLocks noGrp="1"/>
-          </p:cNvSpPr>
-          <p:nvPr>
-            <p:ph idx="1"/>
-          </p:nvPr>
-        </p:nvSpPr>
-        <p:spPr>
-          <a:xfrm>
-            <a:off x="20036" y="970450"/>
-            <a:ext cx="5754130" cy="5638800"/>
-          </a:xfrm>
-        </p:spPr>
-        <p:txBody>
-          <a:bodyPr>
-            <a:normAutofit/>
-          </a:bodyPr>
-          <a:lstStyle/>
-          <a:p>
-            <a:endParaRPr lang="en-US" sz="2400" dirty="0" smtClean="0">
-              <a:latin typeface="微軟正黑體" panose="020B0604030504040204" pitchFamily="34" charset="-120"/>
-              <a:ea typeface="微軟正黑體" panose="020B0604030504040204" pitchFamily="34" charset="-120"/>
-            </a:endParaRPr>
-          </a:p>
-          <a:p>
-            <a:endParaRPr lang="en-US" sz="2400" dirty="0" smtClean="0">
-              <a:latin typeface="微軟正黑體" panose="020B0604030504040204" pitchFamily="34" charset="-120"/>
-              <a:ea typeface="微軟正黑體" panose="020B0604030504040204" pitchFamily="34" charset="-120"/>
-            </a:endParaRPr>
-          </a:p>
-          <a:p>
-            <a:endParaRPr lang="en-US" sz="2400" dirty="0" smtClean="0">
-              <a:latin typeface="微軟正黑體" panose="020B0604030504040204" pitchFamily="34" charset="-120"/>
-              <a:ea typeface="微軟正黑體" panose="020B0604030504040204" pitchFamily="34" charset="-120"/>
-            </a:endParaRPr>
-          </a:p>
-        </p:txBody>
-      </p:sp>
-    </p:spTree>
-    <p:extLst>
-      <p:ext uri="{BB962C8B-B14F-4D97-AF65-F5344CB8AC3E}">
-        <p14:creationId xmlns:p14="http://schemas.microsoft.com/office/powerpoint/2010/main" val="695143099"/>
-      </p:ext>
-    </p:extLst>
-  </p:cSld>
-  <p:clrMapOvr>
-    <a:masterClrMapping/>
-  </p:clrMapOvr>
-  <mc:AlternateContent xmlns:mc="http://schemas.openxmlformats.org/markup-compatibility/2006">
-    <mc:Choice xmlns:p14="http://schemas.microsoft.com/office/powerpoint/2010/main" Requires="p14">
-      <p:transition spd="med" p14:dur="700">
-        <p:fade/>
-      </p:transition>
-    </mc:Choice>
-    <mc:Fallback>
       <p:transition spd="med">
         <p:fade/>
       </p:transition>

--- a/Final Project/Report.pptx
+++ b/Final Project/Report.pptx
@@ -14,12 +14,12 @@
     <p:sldId id="257" r:id="rId5"/>
     <p:sldId id="273" r:id="rId6"/>
     <p:sldId id="268" r:id="rId7"/>
-    <p:sldId id="282" r:id="rId8"/>
+    <p:sldId id="284" r:id="rId8"/>
     <p:sldId id="272" r:id="rId9"/>
     <p:sldId id="283" r:id="rId10"/>
-    <p:sldId id="274" r:id="rId11"/>
-    <p:sldId id="276" r:id="rId12"/>
-    <p:sldId id="278" r:id="rId13"/>
+    <p:sldId id="278" r:id="rId11"/>
+    <p:sldId id="274" r:id="rId12"/>
+    <p:sldId id="276" r:id="rId13"/>
     <p:sldId id="277" r:id="rId14"/>
     <p:sldId id="279" r:id="rId15"/>
     <p:sldId id="281" r:id="rId16"/>
@@ -165,7 +165,7 @@
 </file>
 
 <file path=ppt/charts/chart1.xml><?xml version="1.0" encoding="utf-8"?>
-<c:chartSpace xmlns:c="http://schemas.openxmlformats.org/drawingml/2006/chart" xmlns:a="http://schemas.openxmlformats.org/drawingml/2006/main" xmlns:r="http://schemas.openxmlformats.org/officeDocument/2006/relationships">
+<c:chartSpace xmlns:c="http://schemas.openxmlformats.org/drawingml/2006/chart" xmlns:a="http://schemas.openxmlformats.org/drawingml/2006/main" xmlns:r="http://schemas.openxmlformats.org/officeDocument/2006/relationships" xmlns:c16r2="http://schemas.microsoft.com/office/drawing/2015/06/chart">
   <c:date1904 val="0"/>
   <c:lang val="zh-TW"/>
   <c:roundedCorners val="0"/>
@@ -251,7 +251,7 @@
               </c:numCache>
             </c:numRef>
           </c:val>
-          <c:extLst xmlns:c16r2="http://schemas.microsoft.com/office/drawing/2015/06/chart">
+          <c:extLst>
             <c:ext xmlns:c16="http://schemas.microsoft.com/office/drawing/2014/chart" uri="{C3380CC4-5D6E-409C-BE32-E72D297353CC}">
               <c16:uniqueId val="{00000000-5E92-4051-99BC-2623F45BF7E0}"/>
             </c:ext>
@@ -312,7 +312,7 @@
                   <c:v>2.4</c:v>
                 </c:pt>
                 <c:pt idx="1">
-                  <c:v>4.4</c:v>
+                  <c:v>4.4000000000000004</c:v>
                 </c:pt>
                 <c:pt idx="2">
                   <c:v>1.8</c:v>
@@ -323,7 +323,7 @@
               </c:numCache>
             </c:numRef>
           </c:val>
-          <c:extLst xmlns:c16r2="http://schemas.microsoft.com/office/drawing/2015/06/chart">
+          <c:extLst>
             <c:ext xmlns:c16="http://schemas.microsoft.com/office/drawing/2014/chart" uri="{C3380CC4-5D6E-409C-BE32-E72D297353CC}">
               <c16:uniqueId val="{00000001-5E92-4051-99BC-2623F45BF7E0}"/>
             </c:ext>
@@ -381,21 +381,21 @@
                 <c:formatCode>General</c:formatCode>
                 <c:ptCount val="4"/>
                 <c:pt idx="0">
-                  <c:v>2.0</c:v>
+                  <c:v>2</c:v>
                 </c:pt>
                 <c:pt idx="1">
-                  <c:v>2.0</c:v>
+                  <c:v>2</c:v>
                 </c:pt>
                 <c:pt idx="2">
-                  <c:v>3.0</c:v>
+                  <c:v>3</c:v>
                 </c:pt>
                 <c:pt idx="3">
-                  <c:v>5.0</c:v>
+                  <c:v>5</c:v>
                 </c:pt>
               </c:numCache>
             </c:numRef>
           </c:val>
-          <c:extLst xmlns:c16r2="http://schemas.microsoft.com/office/drawing/2015/06/chart">
+          <c:extLst>
             <c:ext xmlns:c16="http://schemas.microsoft.com/office/drawing/2014/chart" uri="{C3380CC4-5D6E-409C-BE32-E72D297353CC}">
               <c16:uniqueId val="{00000002-5E92-4051-99BC-2623F45BF7E0}"/>
             </c:ext>
@@ -449,7 +449,7 @@
                 <a:cs typeface="+mn-cs"/>
               </a:defRPr>
             </a:pPr>
-            <a:endParaRPr lang="zh-TW"/>
+            <a:endParaRPr lang="en-US"/>
           </a:p>
         </c:txPr>
         <c:crossAx val="2138254928"/>
@@ -494,7 +494,7 @@
                 <a:cs typeface="+mn-cs"/>
               </a:defRPr>
             </a:pPr>
-            <a:endParaRPr lang="zh-TW"/>
+            <a:endParaRPr lang="en-US"/>
           </a:p>
         </c:txPr>
         <c:crossAx val="2138253088"/>
@@ -511,7 +511,6 @@
     </c:plotArea>
     <c:legend>
       <c:legendPos val="t"/>
-      <c:layout/>
       <c:overlay val="0"/>
       <c:spPr>
         <a:noFill/>
@@ -537,7 +536,7 @@
               <a:cs typeface="+mn-cs"/>
             </a:defRPr>
           </a:pPr>
-          <a:endParaRPr lang="zh-TW"/>
+          <a:endParaRPr lang="en-US"/>
         </a:p>
       </c:txPr>
     </c:legend>
@@ -559,7 +558,7 @@
       <a:pPr>
         <a:defRPr/>
       </a:pPr>
-      <a:endParaRPr lang="zh-TW"/>
+      <a:endParaRPr lang="en-US"/>
     </a:p>
   </c:txPr>
   <c:externalData r:id="rId3">
@@ -5838,7 +5837,7 @@
       </p:grpSpPr>
       <p:sp>
         <p:nvSpPr>
-          <p:cNvPr id="2" name="投影片影像預留位置 1"/>
+          <p:cNvPr id="2" name="投影片圖像版面配置區 1"/>
           <p:cNvSpPr>
             <a:spLocks noGrp="1" noRot="1" noChangeAspect="1"/>
           </p:cNvSpPr>
@@ -5850,7 +5849,7 @@
       </p:sp>
       <p:sp>
         <p:nvSpPr>
-          <p:cNvPr id="3" name="備忘稿預留位置 2"/>
+          <p:cNvPr id="3" name="備忘稿版面配置區 2"/>
           <p:cNvSpPr>
             <a:spLocks noGrp="1"/>
           </p:cNvSpPr>
@@ -5860,14 +5859,10 @@
         </p:nvSpPr>
         <p:spPr/>
         <p:txBody>
-          <a:bodyPr rtlCol="0"/>
+          <a:bodyPr/>
           <a:lstStyle/>
           <a:p>
-            <a:pPr rtl="0"/>
-            <a:endParaRPr lang="zh-TW" altLang="en-US" noProof="0" dirty="0">
-              <a:latin typeface="+mj-ea"/>
-              <a:ea typeface="+mj-ea"/>
-            </a:endParaRPr>
+            <a:endParaRPr lang="zh-TW" altLang="en-US" dirty="0"/>
           </a:p>
         </p:txBody>
       </p:sp>
@@ -5901,7 +5896,7 @@
                 <a:ea typeface="+mj-ea"/>
               </a:rPr>
               <a:pPr algn="r" rtl="0"/>
-              <a:t>16</a:t>
+              <a:t>15</a:t>
             </a:fld>
             <a:endParaRPr lang="zh-TW" altLang="en-US" dirty="0">
               <a:latin typeface="+mj-ea"/>
@@ -5913,7 +5908,7 @@
     </p:spTree>
     <p:extLst>
       <p:ext uri="{BB962C8B-B14F-4D97-AF65-F5344CB8AC3E}">
-        <p14:creationId xmlns:p14="http://schemas.microsoft.com/office/powerpoint/2010/main" val="4117229062"/>
+        <p14:creationId xmlns:p14="http://schemas.microsoft.com/office/powerpoint/2010/main" val="3785988129"/>
       </p:ext>
     </p:extLst>
   </p:cSld>
@@ -5942,7 +5937,7 @@
       </p:grpSpPr>
       <p:sp>
         <p:nvSpPr>
-          <p:cNvPr id="2" name="投影片圖像版面配置區 1"/>
+          <p:cNvPr id="2" name="投影片影像預留位置 1"/>
           <p:cNvSpPr>
             <a:spLocks noGrp="1" noRot="1" noChangeAspect="1"/>
           </p:cNvSpPr>
@@ -5954,7 +5949,7 @@
       </p:sp>
       <p:sp>
         <p:nvSpPr>
-          <p:cNvPr id="3" name="備忘稿版面配置區 2"/>
+          <p:cNvPr id="3" name="備忘稿預留位置 2"/>
           <p:cNvSpPr>
             <a:spLocks noGrp="1"/>
           </p:cNvSpPr>
@@ -5964,10 +5959,11 @@
         </p:nvSpPr>
         <p:spPr/>
         <p:txBody>
-          <a:bodyPr/>
+          <a:bodyPr rtlCol="0"/>
           <a:lstStyle/>
           <a:p>
-            <a:endParaRPr lang="zh-TW" altLang="en-US" dirty="0">
+            <a:pPr rtl="0"/>
+            <a:endParaRPr lang="zh-TW" altLang="en-US" noProof="0" dirty="0">
               <a:latin typeface="+mj-ea"/>
               <a:ea typeface="+mj-ea"/>
             </a:endParaRPr>
@@ -6004,7 +6000,7 @@
                 <a:ea typeface="+mj-ea"/>
               </a:rPr>
               <a:pPr algn="r" rtl="0"/>
-              <a:t>17</a:t>
+              <a:t>16</a:t>
             </a:fld>
             <a:endParaRPr lang="zh-TW" altLang="en-US" dirty="0">
               <a:latin typeface="+mj-ea"/>
@@ -6016,7 +6012,7 @@
     </p:spTree>
     <p:extLst>
       <p:ext uri="{BB962C8B-B14F-4D97-AF65-F5344CB8AC3E}">
-        <p14:creationId xmlns:p14="http://schemas.microsoft.com/office/powerpoint/2010/main" val="2495838477"/>
+        <p14:creationId xmlns:p14="http://schemas.microsoft.com/office/powerpoint/2010/main" val="4117229062"/>
       </p:ext>
     </p:extLst>
   </p:cSld>
@@ -6070,7 +6066,10 @@
           <a:bodyPr/>
           <a:lstStyle/>
           <a:p>
-            <a:endParaRPr lang="zh-TW" altLang="en-US" dirty="0"/>
+            <a:endParaRPr lang="zh-TW" altLang="en-US" dirty="0">
+              <a:latin typeface="+mj-ea"/>
+              <a:ea typeface="+mj-ea"/>
+            </a:endParaRPr>
           </a:p>
         </p:txBody>
       </p:sp>
@@ -6104,7 +6103,7 @@
                 <a:ea typeface="+mj-ea"/>
               </a:rPr>
               <a:pPr algn="r" rtl="0"/>
-              <a:t>18</a:t>
+              <a:t>17</a:t>
             </a:fld>
             <a:endParaRPr lang="zh-TW" altLang="en-US" dirty="0">
               <a:latin typeface="+mj-ea"/>
@@ -6116,7 +6115,7 @@
     </p:spTree>
     <p:extLst>
       <p:ext uri="{BB962C8B-B14F-4D97-AF65-F5344CB8AC3E}">
-        <p14:creationId xmlns:p14="http://schemas.microsoft.com/office/powerpoint/2010/main" val="2350785629"/>
+        <p14:creationId xmlns:p14="http://schemas.microsoft.com/office/powerpoint/2010/main" val="2495838477"/>
       </p:ext>
     </p:extLst>
   </p:cSld>
@@ -6204,7 +6203,7 @@
                 <a:ea typeface="+mj-ea"/>
               </a:rPr>
               <a:pPr algn="r" rtl="0"/>
-              <a:t>19</a:t>
+              <a:t>18</a:t>
             </a:fld>
             <a:endParaRPr lang="zh-TW" altLang="en-US" dirty="0">
               <a:latin typeface="+mj-ea"/>
@@ -6216,7 +6215,7 @@
     </p:spTree>
     <p:extLst>
       <p:ext uri="{BB962C8B-B14F-4D97-AF65-F5344CB8AC3E}">
-        <p14:creationId xmlns:p14="http://schemas.microsoft.com/office/powerpoint/2010/main" val="2978741859"/>
+        <p14:creationId xmlns:p14="http://schemas.microsoft.com/office/powerpoint/2010/main" val="2350785629"/>
       </p:ext>
     </p:extLst>
   </p:cSld>
@@ -6304,7 +6303,7 @@
                 <a:ea typeface="+mj-ea"/>
               </a:rPr>
               <a:pPr algn="r" rtl="0"/>
-              <a:t>20</a:t>
+              <a:t>19</a:t>
             </a:fld>
             <a:endParaRPr lang="zh-TW" altLang="en-US" dirty="0">
               <a:latin typeface="+mj-ea"/>
@@ -6316,7 +6315,7 @@
     </p:spTree>
     <p:extLst>
       <p:ext uri="{BB962C8B-B14F-4D97-AF65-F5344CB8AC3E}">
-        <p14:creationId xmlns:p14="http://schemas.microsoft.com/office/powerpoint/2010/main" val="1227375036"/>
+        <p14:creationId xmlns:p14="http://schemas.microsoft.com/office/powerpoint/2010/main" val="2978741859"/>
       </p:ext>
     </p:extLst>
   </p:cSld>
@@ -6404,6 +6403,106 @@
                 <a:ea typeface="+mj-ea"/>
               </a:rPr>
               <a:pPr algn="r" rtl="0"/>
+              <a:t>20</a:t>
+            </a:fld>
+            <a:endParaRPr lang="zh-TW" altLang="en-US" dirty="0">
+              <a:latin typeface="+mj-ea"/>
+              <a:ea typeface="+mj-ea"/>
+            </a:endParaRPr>
+          </a:p>
+        </p:txBody>
+      </p:sp>
+    </p:spTree>
+    <p:extLst>
+      <p:ext uri="{BB962C8B-B14F-4D97-AF65-F5344CB8AC3E}">
+        <p14:creationId xmlns:p14="http://schemas.microsoft.com/office/powerpoint/2010/main" val="1227375036"/>
+      </p:ext>
+    </p:extLst>
+  </p:cSld>
+  <p:clrMapOvr>
+    <a:masterClrMapping/>
+  </p:clrMapOvr>
+</p:notes>
+</file>
+
+<file path=ppt/notesSlides/notesSlide16.xml><?xml version="1.0" encoding="utf-8"?>
+<p:notes xmlns:a="http://schemas.openxmlformats.org/drawingml/2006/main" xmlns:r="http://schemas.openxmlformats.org/officeDocument/2006/relationships" xmlns:p="http://schemas.openxmlformats.org/presentationml/2006/main">
+  <p:cSld>
+    <p:spTree>
+      <p:nvGrpSpPr>
+        <p:cNvPr id="1" name=""/>
+        <p:cNvGrpSpPr/>
+        <p:nvPr/>
+      </p:nvGrpSpPr>
+      <p:grpSpPr>
+        <a:xfrm>
+          <a:off x="0" y="0"/>
+          <a:ext cx="0" cy="0"/>
+          <a:chOff x="0" y="0"/>
+          <a:chExt cx="0" cy="0"/>
+        </a:xfrm>
+      </p:grpSpPr>
+      <p:sp>
+        <p:nvSpPr>
+          <p:cNvPr id="2" name="投影片圖像版面配置區 1"/>
+          <p:cNvSpPr>
+            <a:spLocks noGrp="1" noRot="1" noChangeAspect="1"/>
+          </p:cNvSpPr>
+          <p:nvPr>
+            <p:ph type="sldImg"/>
+          </p:nvPr>
+        </p:nvSpPr>
+        <p:spPr/>
+      </p:sp>
+      <p:sp>
+        <p:nvSpPr>
+          <p:cNvPr id="3" name="備忘稿版面配置區 2"/>
+          <p:cNvSpPr>
+            <a:spLocks noGrp="1"/>
+          </p:cNvSpPr>
+          <p:nvPr>
+            <p:ph type="body" idx="1"/>
+          </p:nvPr>
+        </p:nvSpPr>
+        <p:spPr/>
+        <p:txBody>
+          <a:bodyPr/>
+          <a:lstStyle/>
+          <a:p>
+            <a:endParaRPr lang="zh-TW" altLang="en-US" dirty="0"/>
+          </a:p>
+        </p:txBody>
+      </p:sp>
+      <p:sp>
+        <p:nvSpPr>
+          <p:cNvPr id="5" name="投影片編號版面配置區 3"/>
+          <p:cNvSpPr>
+            <a:spLocks noGrp="1"/>
+          </p:cNvSpPr>
+          <p:nvPr>
+            <p:ph type="sldNum" sz="quarter" idx="5"/>
+          </p:nvPr>
+        </p:nvSpPr>
+        <p:spPr>
+          <a:xfrm>
+            <a:off x="3884613" y="8685213"/>
+            <a:ext cx="2971800" cy="457200"/>
+          </a:xfrm>
+          <a:prstGeom prst="rect">
+            <a:avLst/>
+          </a:prstGeom>
+        </p:spPr>
+        <p:txBody>
+          <a:bodyPr/>
+          <a:lstStyle/>
+          <a:p>
+            <a:pPr algn="r" rtl="0"/>
+            <a:fld id="{3EBA5BD7-F043-4D1B-AA17-CD412FC534DE}" type="slidenum">
+              <a:rPr lang="en-US" altLang="zh-TW" smtClean="0">
+                <a:latin typeface="+mj-ea"/>
+                <a:ea typeface="+mj-ea"/>
+              </a:rPr>
+              <a:pPr algn="r" rtl="0"/>
               <a:t>21</a:t>
             </a:fld>
             <a:endParaRPr lang="zh-TW" altLang="en-US" dirty="0">
@@ -6426,7 +6525,7 @@
 </p:notes>
 </file>
 
-<file path=ppt/notesSlides/notesSlide16.xml><?xml version="1.0" encoding="utf-8"?>
+<file path=ppt/notesSlides/notesSlide17.xml><?xml version="1.0" encoding="utf-8"?>
 <p:notes xmlns:a="http://schemas.openxmlformats.org/drawingml/2006/main" xmlns:r="http://schemas.openxmlformats.org/officeDocument/2006/relationships" xmlns:p="http://schemas.openxmlformats.org/presentationml/2006/main">
   <p:cSld>
     <p:spTree>
@@ -6704,7 +6803,7 @@
                 <a:ea typeface="+mj-ea"/>
               </a:rPr>
               <a:pPr algn="r" rtl="0"/>
-              <a:t>8</a:t>
+              <a:t>4</a:t>
             </a:fld>
             <a:endParaRPr lang="zh-TW" altLang="en-US" dirty="0">
               <a:latin typeface="+mj-ea"/>
@@ -6716,7 +6815,7 @@
     </p:spTree>
     <p:extLst>
       <p:ext uri="{BB962C8B-B14F-4D97-AF65-F5344CB8AC3E}">
-        <p14:creationId xmlns:p14="http://schemas.microsoft.com/office/powerpoint/2010/main" val="1892651579"/>
+        <p14:creationId xmlns:p14="http://schemas.microsoft.com/office/powerpoint/2010/main" val="1743049984"/>
       </p:ext>
     </p:extLst>
   </p:cSld>
@@ -6804,7 +6903,7 @@
                 <a:ea typeface="+mj-ea"/>
               </a:rPr>
               <a:pPr algn="r" rtl="0"/>
-              <a:t>9</a:t>
+              <a:t>7</a:t>
             </a:fld>
             <a:endParaRPr lang="zh-TW" altLang="en-US" dirty="0">
               <a:latin typeface="+mj-ea"/>
@@ -6904,7 +7003,7 @@
                 <a:ea typeface="+mj-ea"/>
               </a:rPr>
               <a:pPr algn="r" rtl="0"/>
-              <a:t>10</a:t>
+              <a:t>9</a:t>
             </a:fld>
             <a:endParaRPr lang="zh-TW" altLang="en-US" dirty="0">
               <a:latin typeface="+mj-ea"/>
@@ -6916,7 +7015,7 @@
     </p:spTree>
     <p:extLst>
       <p:ext uri="{BB962C8B-B14F-4D97-AF65-F5344CB8AC3E}">
-        <p14:creationId xmlns:p14="http://schemas.microsoft.com/office/powerpoint/2010/main" val="1701206156"/>
+        <p14:creationId xmlns:p14="http://schemas.microsoft.com/office/powerpoint/2010/main" val="1892651579"/>
       </p:ext>
     </p:extLst>
   </p:cSld>
@@ -7004,7 +7103,7 @@
                 <a:ea typeface="+mj-ea"/>
               </a:rPr>
               <a:pPr algn="r" rtl="0"/>
-              <a:t>11</a:t>
+              <a:t>10</a:t>
             </a:fld>
             <a:endParaRPr lang="zh-TW" altLang="en-US" dirty="0">
               <a:latin typeface="+mj-ea"/>
@@ -7016,7 +7115,7 @@
     </p:spTree>
     <p:extLst>
       <p:ext uri="{BB962C8B-B14F-4D97-AF65-F5344CB8AC3E}">
-        <p14:creationId xmlns:p14="http://schemas.microsoft.com/office/powerpoint/2010/main" val="959025213"/>
+        <p14:creationId xmlns:p14="http://schemas.microsoft.com/office/powerpoint/2010/main" val="1701206156"/>
       </p:ext>
     </p:extLst>
   </p:cSld>
@@ -7104,7 +7203,7 @@
                 <a:ea typeface="+mj-ea"/>
               </a:rPr>
               <a:pPr algn="r" rtl="0"/>
-              <a:t>13</a:t>
+              <a:t>11</a:t>
             </a:fld>
             <a:endParaRPr lang="zh-TW" altLang="en-US" dirty="0">
               <a:latin typeface="+mj-ea"/>
@@ -7116,7 +7215,7 @@
     </p:spTree>
     <p:extLst>
       <p:ext uri="{BB962C8B-B14F-4D97-AF65-F5344CB8AC3E}">
-        <p14:creationId xmlns:p14="http://schemas.microsoft.com/office/powerpoint/2010/main" val="1754646481"/>
+        <p14:creationId xmlns:p14="http://schemas.microsoft.com/office/powerpoint/2010/main" val="959025213"/>
       </p:ext>
     </p:extLst>
   </p:cSld>
@@ -7204,7 +7303,7 @@
                 <a:ea typeface="+mj-ea"/>
               </a:rPr>
               <a:pPr algn="r" rtl="0"/>
-              <a:t>14</a:t>
+              <a:t>13</a:t>
             </a:fld>
             <a:endParaRPr lang="zh-TW" altLang="en-US" dirty="0">
               <a:latin typeface="+mj-ea"/>
@@ -7216,7 +7315,7 @@
     </p:spTree>
     <p:extLst>
       <p:ext uri="{BB962C8B-B14F-4D97-AF65-F5344CB8AC3E}">
-        <p14:creationId xmlns:p14="http://schemas.microsoft.com/office/powerpoint/2010/main" val="2591913702"/>
+        <p14:creationId xmlns:p14="http://schemas.microsoft.com/office/powerpoint/2010/main" val="1754646481"/>
       </p:ext>
     </p:extLst>
   </p:cSld>
@@ -7304,7 +7403,7 @@
                 <a:ea typeface="+mj-ea"/>
               </a:rPr>
               <a:pPr algn="r" rtl="0"/>
-              <a:t>15</a:t>
+              <a:t>14</a:t>
             </a:fld>
             <a:endParaRPr lang="zh-TW" altLang="en-US" dirty="0">
               <a:latin typeface="+mj-ea"/>
@@ -7316,7 +7415,7 @@
     </p:spTree>
     <p:extLst>
       <p:ext uri="{BB962C8B-B14F-4D97-AF65-F5344CB8AC3E}">
-        <p14:creationId xmlns:p14="http://schemas.microsoft.com/office/powerpoint/2010/main" val="3785988129"/>
+        <p14:creationId xmlns:p14="http://schemas.microsoft.com/office/powerpoint/2010/main" val="2591913702"/>
       </p:ext>
     </p:extLst>
   </p:cSld>
@@ -13871,8 +13970,8 @@
         </p:nvSpPr>
         <p:spPr>
           <a:xfrm>
-            <a:off x="20036" y="970450"/>
-            <a:ext cx="5754130" cy="5638800"/>
+            <a:off x="912812" y="970450"/>
+            <a:ext cx="10210800" cy="5638800"/>
           </a:xfrm>
         </p:spPr>
         <p:txBody>
@@ -13886,8 +13985,42 @@
                 <a:latin typeface="微軟正黑體" panose="020B0604030504040204" pitchFamily="34" charset="-120"/>
                 <a:ea typeface="微軟正黑體" panose="020B0604030504040204" pitchFamily="34" charset="-120"/>
               </a:rPr>
-              <a:t>Using 1024 thread per block (i.e.)</a:t>
-            </a:r>
+              <a:t>Using 1024 </a:t>
+            </a:r>
+            <a:r>
+              <a:rPr lang="en-US" sz="2400" dirty="0" smtClean="0">
+                <a:latin typeface="微軟正黑體" panose="020B0604030504040204" pitchFamily="34" charset="-120"/>
+                <a:ea typeface="微軟正黑體" panose="020B0604030504040204" pitchFamily="34" charset="-120"/>
+              </a:rPr>
+              <a:t>threads </a:t>
+            </a:r>
+            <a:r>
+              <a:rPr lang="en-US" sz="2400" dirty="0" smtClean="0">
+                <a:latin typeface="微軟正黑體" panose="020B0604030504040204" pitchFamily="34" charset="-120"/>
+                <a:ea typeface="微軟正黑體" panose="020B0604030504040204" pitchFamily="34" charset="-120"/>
+              </a:rPr>
+              <a:t>per </a:t>
+            </a:r>
+            <a:r>
+              <a:rPr lang="en-US" sz="2400" dirty="0" smtClean="0">
+                <a:latin typeface="微軟正黑體" panose="020B0604030504040204" pitchFamily="34" charset="-120"/>
+                <a:ea typeface="微軟正黑體" panose="020B0604030504040204" pitchFamily="34" charset="-120"/>
+              </a:rPr>
+              <a:t>block. </a:t>
+            </a:r>
+          </a:p>
+          <a:p>
+            <a:r>
+              <a:rPr lang="en-US" sz="2400" dirty="0" smtClean="0">
+                <a:latin typeface="微軟正黑體" panose="020B0604030504040204" pitchFamily="34" charset="-120"/>
+                <a:ea typeface="微軟正黑體" panose="020B0604030504040204" pitchFamily="34" charset="-120"/>
+              </a:rPr>
+              <a:t>Total of 32400 blocks.</a:t>
+            </a:r>
+            <a:endParaRPr lang="en-US" sz="2400" dirty="0" smtClean="0">
+              <a:latin typeface="微軟正黑體" panose="020B0604030504040204" pitchFamily="34" charset="-120"/>
+              <a:ea typeface="微軟正黑體" panose="020B0604030504040204" pitchFamily="34" charset="-120"/>
+            </a:endParaRPr>
           </a:p>
           <a:p>
             <a:r>
@@ -13897,8 +14030,6 @@
               </a:rPr>
               <a:t>Each thread deal with one pixel.</a:t>
             </a:r>
-          </a:p>
-          <a:p>
             <a:endParaRPr lang="en-US" sz="2400" dirty="0" smtClean="0">
               <a:latin typeface="微軟正黑體" panose="020B0604030504040204" pitchFamily="34" charset="-120"/>
               <a:ea typeface="微軟正黑體" panose="020B0604030504040204" pitchFamily="34" charset="-120"/>
@@ -13910,8 +14041,19 @@
                 <a:latin typeface="微軟正黑體" panose="020B0604030504040204" pitchFamily="34" charset="-120"/>
                 <a:ea typeface="微軟正黑體" panose="020B0604030504040204" pitchFamily="34" charset="-120"/>
               </a:rPr>
-              <a:t>Compare pixel-wise(R G B) to verify the correctness due to GPU precision slightly inaccurate.</a:t>
-            </a:r>
+              <a:t>Compare pixel-wise(R G B) to verify the </a:t>
+            </a:r>
+            <a:r>
+              <a:rPr lang="en-US" sz="2400" dirty="0" smtClean="0">
+                <a:latin typeface="微軟正黑體" panose="020B0604030504040204" pitchFamily="34" charset="-120"/>
+                <a:ea typeface="微軟正黑體" panose="020B0604030504040204" pitchFamily="34" charset="-120"/>
+              </a:rPr>
+              <a:t>correctness</a:t>
+            </a:r>
+            <a:endParaRPr lang="en-US" sz="2400" dirty="0" smtClean="0">
+              <a:latin typeface="微軟正黑體" panose="020B0604030504040204" pitchFamily="34" charset="-120"/>
+              <a:ea typeface="微軟正黑體" panose="020B0604030504040204" pitchFamily="34" charset="-120"/>
+            </a:endParaRPr>
           </a:p>
           <a:p>
             <a:endParaRPr lang="en-US" sz="2400" dirty="0" smtClean="0">
@@ -14111,20 +14253,49 @@
           <a:chExt cx="0" cy="0"/>
         </a:xfrm>
       </p:grpSpPr>
-      <p:sp>
-        <p:nvSpPr>
-          <p:cNvPr id="2" name="標題 1"/>
-          <p:cNvSpPr>
-            <a:spLocks noGrp="1"/>
-          </p:cNvSpPr>
-          <p:nvPr>
-            <p:ph type="title"/>
-          </p:nvPr>
-        </p:nvSpPr>
+      <p:pic>
+        <p:nvPicPr>
+          <p:cNvPr id="3" name="圖片 2"/>
+          <p:cNvPicPr>
+            <a:picLocks noChangeAspect="1"/>
+          </p:cNvPicPr>
+          <p:nvPr/>
+        </p:nvPicPr>
+        <p:blipFill rotWithShape="1">
+          <a:blip r:embed="rId2">
+            <a:extLst>
+              <a:ext uri="{28A0092B-C50C-407E-A947-70E740481C1C}">
+                <a14:useLocalDpi xmlns:a14="http://schemas.microsoft.com/office/drawing/2010/main" val="0"/>
+              </a:ext>
+            </a:extLst>
+          </a:blip>
+          <a:srcRect t="6666"/>
+          <a:stretch/>
+        </p:blipFill>
         <p:spPr>
           <a:xfrm>
-            <a:off x="-1" y="2971800"/>
-            <a:ext cx="12188825" cy="970450"/>
+            <a:off x="5027612" y="104225"/>
+            <a:ext cx="6866567" cy="6400800"/>
+          </a:xfrm>
+          <a:prstGeom prst="rect">
+            <a:avLst/>
+          </a:prstGeom>
+        </p:spPr>
+      </p:pic>
+      <p:sp>
+        <p:nvSpPr>
+          <p:cNvPr id="2" name="標題 1"/>
+          <p:cNvSpPr>
+            <a:spLocks noGrp="1"/>
+          </p:cNvSpPr>
+          <p:nvPr>
+            <p:ph type="title"/>
+          </p:nvPr>
+        </p:nvSpPr>
+        <p:spPr>
+          <a:xfrm>
+            <a:off x="303212" y="104225"/>
+            <a:ext cx="4419600" cy="6400800"/>
           </a:xfrm>
         </p:spPr>
         <p:txBody>
@@ -14262,14 +14433,7 @@
                 <a:latin typeface="微軟正黑體" panose="020B0604030504040204" pitchFamily="34" charset="-120"/>
                 <a:ea typeface="微軟正黑體" panose="020B0604030504040204" pitchFamily="34" charset="-120"/>
               </a:rPr>
-              <a:t>slow</a:t>
-            </a:r>
-            <a:r>
-              <a:rPr lang="en-US" sz="2400" smtClean="0">
-                <a:latin typeface="微軟正黑體" panose="020B0604030504040204" pitchFamily="34" charset="-120"/>
-                <a:ea typeface="微軟正黑體" panose="020B0604030504040204" pitchFamily="34" charset="-120"/>
-              </a:rPr>
-              <a:t>.</a:t>
+              <a:t>slow.</a:t>
             </a:r>
             <a:endParaRPr lang="en-US" sz="2400" dirty="0" smtClean="0">
               <a:latin typeface="微軟正黑體" panose="020B0604030504040204" pitchFamily="34" charset="-120"/>
@@ -14570,21 +14734,21 @@
                 <a:gridCol w="1688042">
                   <a:extLst>
                     <a:ext uri="{9D8B030D-6E8A-4147-A177-3AD203B41FA5}">
-                      <a16:colId xmlns:a16="http://schemas.microsoft.com/office/drawing/2014/main" xmlns="" val="20000"/>
+                      <a16:colId xmlns:a16="http://schemas.microsoft.com/office/drawing/2014/main" val="20000"/>
                     </a:ext>
                   </a:extLst>
                 </a:gridCol>
                 <a:gridCol w="1688042">
                   <a:extLst>
                     <a:ext uri="{9D8B030D-6E8A-4147-A177-3AD203B41FA5}">
-                      <a16:colId xmlns:a16="http://schemas.microsoft.com/office/drawing/2014/main" xmlns="" val="20001"/>
+                      <a16:colId xmlns:a16="http://schemas.microsoft.com/office/drawing/2014/main" val="20001"/>
                     </a:ext>
                   </a:extLst>
                 </a:gridCol>
                 <a:gridCol w="1688042">
                   <a:extLst>
                     <a:ext uri="{9D8B030D-6E8A-4147-A177-3AD203B41FA5}">
-                      <a16:colId xmlns:a16="http://schemas.microsoft.com/office/drawing/2014/main" xmlns="" val="20002"/>
+                      <a16:colId xmlns:a16="http://schemas.microsoft.com/office/drawing/2014/main" val="20002"/>
                     </a:ext>
                   </a:extLst>
                 </a:gridCol>
@@ -14689,7 +14853,7 @@
                 </a:tc>
                 <a:extLst>
                   <a:ext uri="{0D108BD9-81ED-4DB2-BD59-A6C34878D82A}">
-                    <a16:rowId xmlns:a16="http://schemas.microsoft.com/office/drawing/2014/main" xmlns="" val="10000"/>
+                    <a16:rowId xmlns:a16="http://schemas.microsoft.com/office/drawing/2014/main" val="10000"/>
                   </a:ext>
                 </a:extLst>
               </a:tr>
@@ -14773,7 +14937,7 @@
                 </a:tc>
                 <a:extLst>
                   <a:ext uri="{0D108BD9-81ED-4DB2-BD59-A6C34878D82A}">
-                    <a16:rowId xmlns:a16="http://schemas.microsoft.com/office/drawing/2014/main" xmlns="" val="10001"/>
+                    <a16:rowId xmlns:a16="http://schemas.microsoft.com/office/drawing/2014/main" val="10001"/>
                   </a:ext>
                 </a:extLst>
               </a:tr>
@@ -14857,7 +15021,7 @@
                 </a:tc>
                 <a:extLst>
                   <a:ext uri="{0D108BD9-81ED-4DB2-BD59-A6C34878D82A}">
-                    <a16:rowId xmlns:a16="http://schemas.microsoft.com/office/drawing/2014/main" xmlns="" val="10002"/>
+                    <a16:rowId xmlns:a16="http://schemas.microsoft.com/office/drawing/2014/main" val="10002"/>
                   </a:ext>
                 </a:extLst>
               </a:tr>
@@ -14941,7 +15105,7 @@
                 </a:tc>
                 <a:extLst>
                   <a:ext uri="{0D108BD9-81ED-4DB2-BD59-A6C34878D82A}">
-                    <a16:rowId xmlns:a16="http://schemas.microsoft.com/office/drawing/2014/main" xmlns="" val="10003"/>
+                    <a16:rowId xmlns:a16="http://schemas.microsoft.com/office/drawing/2014/main" val="10003"/>
                   </a:ext>
                 </a:extLst>
               </a:tr>
@@ -15547,6 +15711,17 @@
               </a:rPr>
               <a:t>What is Gaussian Blur.</a:t>
             </a:r>
+          </a:p>
+          <a:p>
+            <a:r>
+              <a:rPr lang="en-US" sz="2800" dirty="0" smtClean="0">
+                <a:latin typeface="微軟正黑體" panose="020B0604030504040204" pitchFamily="34" charset="-120"/>
+                <a:ea typeface="微軟正黑體" panose="020B0604030504040204" pitchFamily="34" charset="-120"/>
+              </a:rPr>
+              <a:t>Motivation and platform</a:t>
+            </a:r>
+          </a:p>
+          <a:p>
             <a:endParaRPr lang="en-US" sz="2800" dirty="0" smtClean="0">
               <a:latin typeface="微軟正黑體" panose="020B0604030504040204" pitchFamily="34" charset="-120"/>
               <a:ea typeface="微軟正黑體" panose="020B0604030504040204" pitchFamily="34" charset="-120"/>
@@ -15554,11 +15729,18 @@
           </a:p>
           <a:p>
             <a:r>
+              <a:rPr lang="en-US" sz="2800" dirty="0">
+                <a:latin typeface="微軟正黑體" panose="020B0604030504040204" pitchFamily="34" charset="-120"/>
+                <a:ea typeface="微軟正黑體" panose="020B0604030504040204" pitchFamily="34" charset="-120"/>
+              </a:rPr>
+              <a:t>Environment </a:t>
+            </a:r>
+            <a:r>
               <a:rPr lang="en-US" sz="2800" dirty="0" smtClean="0">
                 <a:latin typeface="微軟正黑體" panose="020B0604030504040204" pitchFamily="34" charset="-120"/>
                 <a:ea typeface="微軟正黑體" panose="020B0604030504040204" pitchFamily="34" charset="-120"/>
               </a:rPr>
-              <a:t>Motivation.</a:t>
+              <a:t>and benchmark method</a:t>
             </a:r>
           </a:p>
           <a:p>
@@ -15567,25 +15749,14 @@
                 <a:latin typeface="微軟正黑體" panose="020B0604030504040204" pitchFamily="34" charset="-120"/>
                 <a:ea typeface="微軟正黑體" panose="020B0604030504040204" pitchFamily="34" charset="-120"/>
               </a:rPr>
-              <a:t>Environment for this project</a:t>
-            </a:r>
-          </a:p>
-          <a:p>
+              <a:t>Different </a:t>
+            </a:r>
             <a:r>
               <a:rPr lang="en-US" sz="2800" dirty="0" smtClean="0">
                 <a:latin typeface="微軟正黑體" panose="020B0604030504040204" pitchFamily="34" charset="-120"/>
                 <a:ea typeface="微軟正黑體" panose="020B0604030504040204" pitchFamily="34" charset="-120"/>
               </a:rPr>
-              <a:t>Parallelization platform animation.</a:t>
-            </a:r>
-          </a:p>
-          <a:p>
-            <a:r>
-              <a:rPr lang="en-US" sz="2800" dirty="0" smtClean="0">
-                <a:latin typeface="微軟正黑體" panose="020B0604030504040204" pitchFamily="34" charset="-120"/>
-                <a:ea typeface="微軟正黑體" panose="020B0604030504040204" pitchFamily="34" charset="-120"/>
-              </a:rPr>
-              <a:t>Different platforms explained and respective discoveries .</a:t>
+              <a:t>platforms explained and respective discoveries .</a:t>
             </a:r>
           </a:p>
           <a:p>
@@ -16013,12 +16184,14 @@
         </p:nvSpPr>
         <p:spPr>
           <a:xfrm>
-            <a:off x="20036" y="970450"/>
-            <a:ext cx="5754130" cy="5638800"/>
+            <a:off x="747261" y="970450"/>
+            <a:ext cx="10668000" cy="1086950"/>
           </a:xfrm>
         </p:spPr>
         <p:txBody>
-          <a:bodyPr/>
+          <a:bodyPr>
+            <a:normAutofit/>
+          </a:bodyPr>
           <a:lstStyle/>
           <a:p>
             <a:r>
@@ -16042,41 +16215,14 @@
                 <a:latin typeface="微軟正黑體" panose="020B0604030504040204" pitchFamily="34" charset="-120"/>
                 <a:ea typeface="微軟正黑體" panose="020B0604030504040204" pitchFamily="34" charset="-120"/>
               </a:rPr>
-              <a:t>Result images varies with filter size and standard deviation of Gaussian Kernel. </a:t>
+              <a:t>Can be </a:t>
             </a:r>
             <a:r>
               <a:rPr lang="en-US" sz="2400" dirty="0" smtClean="0">
                 <a:latin typeface="微軟正黑體" panose="020B0604030504040204" pitchFamily="34" charset="-120"/>
                 <a:ea typeface="微軟正黑體" panose="020B0604030504040204" pitchFamily="34" charset="-120"/>
               </a:rPr>
-              <a:t>(</a:t>
-            </a:r>
-            <a:r>
-              <a:rPr lang="en-US" sz="2400" dirty="0" err="1" smtClean="0">
-                <a:latin typeface="微軟正黑體" panose="020B0604030504040204" pitchFamily="34" charset="-120"/>
-                <a:ea typeface="微軟正黑體" panose="020B0604030504040204" pitchFamily="34" charset="-120"/>
-              </a:rPr>
-              <a:t>npage</a:t>
-            </a:r>
-            <a:r>
-              <a:rPr lang="en-US" sz="2400" dirty="0" smtClean="0">
-                <a:latin typeface="微軟正黑體" panose="020B0604030504040204" pitchFamily="34" charset="-120"/>
-                <a:ea typeface="微軟正黑體" panose="020B0604030504040204" pitchFamily="34" charset="-120"/>
-              </a:rPr>
-              <a:t>)</a:t>
-            </a:r>
-            <a:endParaRPr lang="en-US" sz="2400" dirty="0" smtClean="0">
-              <a:latin typeface="微軟正黑體" panose="020B0604030504040204" pitchFamily="34" charset="-120"/>
-              <a:ea typeface="微軟正黑體" panose="020B0604030504040204" pitchFamily="34" charset="-120"/>
-            </a:endParaRPr>
-          </a:p>
-          <a:p>
-            <a:r>
-              <a:rPr lang="en-US" sz="2400" dirty="0" smtClean="0">
-                <a:latin typeface="微軟正黑體" panose="020B0604030504040204" pitchFamily="34" charset="-120"/>
-                <a:ea typeface="微軟正黑體" panose="020B0604030504040204" pitchFamily="34" charset="-120"/>
-              </a:rPr>
-              <a:t>Such algorithm can be used for noise reduction of the image.</a:t>
+              <a:t>used for noise reduction of the image.</a:t>
             </a:r>
           </a:p>
           <a:p>
@@ -16109,8 +16255,8 @@
         </p:blipFill>
         <p:spPr>
           <a:xfrm>
-            <a:off x="5789612" y="976628"/>
-            <a:ext cx="3481267" cy="2610950"/>
+            <a:off x="531812" y="2133600"/>
+            <a:ext cx="5181600" cy="3886200"/>
           </a:xfrm>
           <a:prstGeom prst="rect">
             <a:avLst/>
@@ -16139,8 +16285,8 @@
         </p:blipFill>
         <p:spPr>
           <a:xfrm>
-            <a:off x="5789612" y="3905987"/>
-            <a:ext cx="3481267" cy="2610950"/>
+            <a:off x="6476699" y="2133600"/>
+            <a:ext cx="5181600" cy="3886200"/>
           </a:xfrm>
           <a:prstGeom prst="rect">
             <a:avLst/>
@@ -16149,53 +16295,49 @@
       </p:pic>
       <p:sp>
         <p:nvSpPr>
-          <p:cNvPr id="5" name="文字方塊 4"/>
-          <p:cNvSpPr txBox="1"/>
+          <p:cNvPr id="7" name="向右箭號 6"/>
+          <p:cNvSpPr/>
           <p:nvPr/>
         </p:nvSpPr>
         <p:spPr>
           <a:xfrm>
-            <a:off x="9371012" y="3263653"/>
-            <a:ext cx="2939321" cy="830997"/>
+            <a:off x="5789612" y="3886200"/>
+            <a:ext cx="609600" cy="381000"/>
           </a:xfrm>
-          <a:prstGeom prst="rect">
+          <a:prstGeom prst="rightArrow">
             <a:avLst/>
           </a:prstGeom>
-          <a:noFill/>
+          <a:solidFill>
+            <a:schemeClr val="tx1"/>
+          </a:solidFill>
+          <a:ln>
+            <a:solidFill>
+              <a:schemeClr val="tx1"/>
+            </a:solidFill>
+          </a:ln>
         </p:spPr>
+        <p:style>
+          <a:lnRef idx="2">
+            <a:schemeClr val="accent1">
+              <a:shade val="50000"/>
+            </a:schemeClr>
+          </a:lnRef>
+          <a:fillRef idx="1">
+            <a:schemeClr val="accent1"/>
+          </a:fillRef>
+          <a:effectRef idx="0">
+            <a:schemeClr val="accent1"/>
+          </a:effectRef>
+          <a:fontRef idx="minor">
+            <a:schemeClr val="lt1"/>
+          </a:fontRef>
+        </p:style>
         <p:txBody>
-          <a:bodyPr wrap="square" rtlCol="0">
-            <a:spAutoFit/>
-          </a:bodyPr>
+          <a:bodyPr rtlCol="0" anchor="ctr"/>
           <a:lstStyle/>
           <a:p>
-            <a:r>
-              <a:rPr lang="en-US" dirty="0" smtClean="0">
-                <a:latin typeface="微軟正黑體" panose="020B0604030504040204" pitchFamily="34" charset="-120"/>
-                <a:ea typeface="微軟正黑體" panose="020B0604030504040204" pitchFamily="34" charset="-120"/>
-              </a:rPr>
-              <a:t>640 x 480 </a:t>
-            </a:r>
-          </a:p>
-          <a:p>
-            <a:r>
-              <a:rPr lang="en-US" dirty="0" smtClean="0">
-                <a:latin typeface="微軟正黑體" panose="020B0604030504040204" pitchFamily="34" charset="-120"/>
-                <a:ea typeface="微軟正黑體" panose="020B0604030504040204" pitchFamily="34" charset="-120"/>
-              </a:rPr>
-              <a:t>filter size 101 x </a:t>
-            </a:r>
-            <a:r>
-              <a:rPr lang="en-US" dirty="0" smtClean="0">
-                <a:latin typeface="微軟正黑體" panose="020B0604030504040204" pitchFamily="34" charset="-120"/>
-                <a:ea typeface="微軟正黑體" panose="020B0604030504040204" pitchFamily="34" charset="-120"/>
-              </a:rPr>
-              <a:t>101</a:t>
-            </a:r>
-            <a:endParaRPr lang="en-US" dirty="0" smtClean="0">
-              <a:latin typeface="微軟正黑體" panose="020B0604030504040204" pitchFamily="34" charset="-120"/>
-              <a:ea typeface="微軟正黑體" panose="020B0604030504040204" pitchFamily="34" charset="-120"/>
-            </a:endParaRPr>
+            <a:pPr algn="ctr"/>
+            <a:endParaRPr lang="en-US"/>
           </a:p>
         </p:txBody>
       </p:sp>
@@ -16250,7 +16392,7 @@
       </p:grpSpPr>
       <p:sp>
         <p:nvSpPr>
-          <p:cNvPr id="2" name="標題 1"/>
+          <p:cNvPr id="13" name="標題 12"/>
           <p:cNvSpPr>
             <a:spLocks noGrp="1"/>
           </p:cNvSpPr>
@@ -16258,44 +16400,196 @@
             <p:ph type="title"/>
           </p:nvPr>
         </p:nvSpPr>
-        <p:spPr/>
+        <p:spPr>
+          <a:xfrm>
+            <a:off x="4590" y="0"/>
+            <a:ext cx="12153343" cy="970450"/>
+          </a:xfrm>
+        </p:spPr>
         <p:txBody>
-          <a:bodyPr/>
+          <a:bodyPr rtlCol="0">
+            <a:noAutofit/>
+          </a:bodyPr>
           <a:lstStyle/>
           <a:p>
-            <a:endParaRPr kumimoji="1" lang="zh-TW" altLang="en-US"/>
+            <a:pPr rtl="0"/>
+            <a:r>
+              <a:rPr lang="en-US" altLang="zh-TW" sz="4800" dirty="0" smtClean="0">
+                <a:latin typeface="微軟正黑體" panose="020B0604030504040204" pitchFamily="34" charset="-120"/>
+                <a:ea typeface="微軟正黑體" panose="020B0604030504040204" pitchFamily="34" charset="-120"/>
+                <a:sym typeface="Salesforce Sans"/>
+              </a:rPr>
+              <a:t>Blurred effect vs filter size</a:t>
+            </a:r>
+            <a:endParaRPr lang="zh-TW" altLang="en-US" sz="4800" dirty="0">
+              <a:latin typeface="微軟正黑體" panose="020B0604030504040204" pitchFamily="34" charset="-120"/>
+              <a:ea typeface="微軟正黑體" panose="020B0604030504040204" pitchFamily="34" charset="-120"/>
+              <a:sym typeface="Salesforce Sans"/>
+            </a:endParaRPr>
           </a:p>
         </p:txBody>
       </p:sp>
-      <p:sp>
-        <p:nvSpPr>
-          <p:cNvPr id="3" name="內容版面配置區 2"/>
-          <p:cNvSpPr>
-            <a:spLocks noGrp="1"/>
-          </p:cNvSpPr>
-          <p:nvPr>
-            <p:ph idx="1"/>
-          </p:nvPr>
-        </p:nvSpPr>
-        <p:spPr/>
+      <p:pic>
+        <p:nvPicPr>
+          <p:cNvPr id="4" name="圖片 3"/>
+          <p:cNvPicPr>
+            <a:picLocks noChangeAspect="1"/>
+          </p:cNvPicPr>
+          <p:nvPr/>
+        </p:nvPicPr>
+        <p:blipFill>
+          <a:blip r:embed="rId3">
+            <a:extLst>
+              <a:ext uri="{28A0092B-C50C-407E-A947-70E740481C1C}">
+                <a14:useLocalDpi xmlns:a14="http://schemas.microsoft.com/office/drawing/2010/main" val="0"/>
+              </a:ext>
+            </a:extLst>
+          </a:blip>
+          <a:stretch>
+            <a:fillRect/>
+          </a:stretch>
+        </p:blipFill>
+        <p:spPr>
+          <a:xfrm>
+            <a:off x="6323012" y="1197234"/>
+            <a:ext cx="5312487" cy="3984365"/>
+          </a:xfrm>
+          <a:prstGeom prst="rect">
+            <a:avLst/>
+          </a:prstGeom>
+        </p:spPr>
+      </p:pic>
+      <p:pic>
+        <p:nvPicPr>
+          <p:cNvPr id="5" name="圖片 4"/>
+          <p:cNvPicPr>
+            <a:picLocks noChangeAspect="1"/>
+          </p:cNvPicPr>
+          <p:nvPr/>
+        </p:nvPicPr>
+        <p:blipFill>
+          <a:blip r:embed="rId4">
+            <a:extLst>
+              <a:ext uri="{28A0092B-C50C-407E-A947-70E740481C1C}">
+                <a14:useLocalDpi xmlns:a14="http://schemas.microsoft.com/office/drawing/2010/main" val="0"/>
+              </a:ext>
+            </a:extLst>
+          </a:blip>
+          <a:stretch>
+            <a:fillRect/>
+          </a:stretch>
+        </p:blipFill>
+        <p:spPr>
+          <a:xfrm>
+            <a:off x="531812" y="1197234"/>
+            <a:ext cx="5310569" cy="3982927"/>
+          </a:xfrm>
+          <a:prstGeom prst="rect">
+            <a:avLst/>
+          </a:prstGeom>
+        </p:spPr>
+      </p:pic>
+      <p:sp>
+        <p:nvSpPr>
+          <p:cNvPr id="6" name="文字方塊 5"/>
+          <p:cNvSpPr txBox="1"/>
+          <p:nvPr/>
+        </p:nvSpPr>
+        <p:spPr>
+          <a:xfrm>
+            <a:off x="531812" y="5406945"/>
+            <a:ext cx="5234369" cy="830997"/>
+          </a:xfrm>
+          <a:prstGeom prst="rect">
+            <a:avLst/>
+          </a:prstGeom>
+          <a:noFill/>
+        </p:spPr>
         <p:txBody>
-          <a:bodyPr/>
+          <a:bodyPr wrap="square" rtlCol="0">
+            <a:spAutoFit/>
+          </a:bodyPr>
           <a:lstStyle/>
           <a:p>
-            <a:endParaRPr kumimoji="1" lang="zh-TW" altLang="en-US"/>
+            <a:r>
+              <a:rPr lang="en-US" sz="4800" dirty="0" smtClean="0">
+                <a:latin typeface="微軟正黑體" panose="020B0604030504040204" pitchFamily="34" charset="-120"/>
+                <a:ea typeface="微軟正黑體" panose="020B0604030504040204" pitchFamily="34" charset="-120"/>
+              </a:rPr>
+              <a:t>5 x 5 filter</a:t>
+            </a:r>
+            <a:endParaRPr lang="en-US" sz="4800" dirty="0">
+              <a:latin typeface="微軟正黑體" panose="020B0604030504040204" pitchFamily="34" charset="-120"/>
+              <a:ea typeface="微軟正黑體" panose="020B0604030504040204" pitchFamily="34" charset="-120"/>
+            </a:endParaRPr>
+          </a:p>
+        </p:txBody>
+      </p:sp>
+      <p:sp>
+        <p:nvSpPr>
+          <p:cNvPr id="8" name="文字方塊 7"/>
+          <p:cNvSpPr txBox="1"/>
+          <p:nvPr/>
+        </p:nvSpPr>
+        <p:spPr>
+          <a:xfrm>
+            <a:off x="6246812" y="5408383"/>
+            <a:ext cx="5234369" cy="830997"/>
+          </a:xfrm>
+          <a:prstGeom prst="rect">
+            <a:avLst/>
+          </a:prstGeom>
+          <a:noFill/>
+        </p:spPr>
+        <p:txBody>
+          <a:bodyPr wrap="square" rtlCol="0">
+            <a:spAutoFit/>
+          </a:bodyPr>
+          <a:lstStyle/>
+          <a:p>
+            <a:r>
+              <a:rPr lang="en-US" sz="4800" dirty="0" smtClean="0">
+                <a:latin typeface="微軟正黑體" panose="020B0604030504040204" pitchFamily="34" charset="-120"/>
+                <a:ea typeface="微軟正黑體" panose="020B0604030504040204" pitchFamily="34" charset="-120"/>
+              </a:rPr>
+              <a:t>101 x 101 filter</a:t>
+            </a:r>
+            <a:endParaRPr lang="en-US" sz="4800" dirty="0">
+              <a:latin typeface="微軟正黑體" panose="020B0604030504040204" pitchFamily="34" charset="-120"/>
+              <a:ea typeface="微軟正黑體" panose="020B0604030504040204" pitchFamily="34" charset="-120"/>
+            </a:endParaRPr>
           </a:p>
         </p:txBody>
       </p:sp>
     </p:spTree>
     <p:extLst>
       <p:ext uri="{BB962C8B-B14F-4D97-AF65-F5344CB8AC3E}">
-        <p14:creationId xmlns:p14="http://schemas.microsoft.com/office/powerpoint/2010/main" val="1465576559"/>
+        <p14:creationId xmlns:p14="http://schemas.microsoft.com/office/powerpoint/2010/main" val="966155412"/>
       </p:ext>
     </p:extLst>
   </p:cSld>
   <p:clrMapOvr>
     <a:masterClrMapping/>
   </p:clrMapOvr>
+  <mc:AlternateContent xmlns:mc="http://schemas.openxmlformats.org/markup-compatibility/2006" xmlns:p14="http://schemas.microsoft.com/office/powerpoint/2010/main">
+    <mc:Choice Requires="p14">
+      <p:transition spd="med" p14:dur="700">
+        <p:fade/>
+      </p:transition>
+    </mc:Choice>
+    <mc:Fallback xmlns="">
+      <p:transition spd="med">
+        <p:fade/>
+      </p:transition>
+    </mc:Fallback>
+  </mc:AlternateContent>
+  <p:timing>
+    <p:tnLst>
+      <p:par>
+        <p:cTn id="1" dur="indefinite" restart="never" nodeType="tmRoot"/>
+      </p:par>
+    </p:tnLst>
+  </p:timing>
 </p:sld>
 </file>
 
@@ -16364,8 +16658,8 @@
         </p:nvSpPr>
         <p:spPr>
           <a:xfrm>
-            <a:off x="-1" y="937499"/>
-            <a:ext cx="12188825" cy="1577101"/>
+            <a:off x="918148" y="937499"/>
+            <a:ext cx="10351066" cy="1577101"/>
           </a:xfrm>
         </p:spPr>
         <p:txBody>
@@ -16420,6 +16714,9 @@
             </a:r>
             <a:r>
               <a:rPr lang="en-US" altLang="zh-TW" sz="2400" b="1" dirty="0" smtClean="0">
+                <a:solidFill>
+                  <a:srgbClr val="FF0000"/>
+                </a:solidFill>
                 <a:latin typeface="微軟正黑體" panose="020B0604030504040204" pitchFamily="34" charset="-120"/>
                 <a:ea typeface="微軟正黑體" panose="020B0604030504040204" pitchFamily="34" charset="-120"/>
               </a:rPr>
@@ -16427,6 +16724,9 @@
             </a:r>
             <a:r>
               <a:rPr lang="en-US" altLang="zh-TW" sz="2400" b="1" dirty="0" err="1" smtClean="0">
+                <a:solidFill>
+                  <a:srgbClr val="FF0000"/>
+                </a:solidFill>
                 <a:latin typeface="微軟正黑體" panose="020B0604030504040204" pitchFamily="34" charset="-120"/>
                 <a:ea typeface="微軟正黑體" panose="020B0604030504040204" pitchFamily="34" charset="-120"/>
               </a:rPr>
@@ -16434,6 +16734,9 @@
             </a:r>
             <a:r>
               <a:rPr lang="en-US" altLang="zh-TW" sz="2400" b="1" dirty="0" smtClean="0">
+                <a:solidFill>
+                  <a:srgbClr val="FF0000"/>
+                </a:solidFill>
                 <a:latin typeface="微軟正黑體" panose="020B0604030504040204" pitchFamily="34" charset="-120"/>
                 <a:ea typeface="微軟正黑體" panose="020B0604030504040204" pitchFamily="34" charset="-120"/>
               </a:rPr>
@@ -16441,6 +16744,9 @@
             </a:r>
             <a:r>
               <a:rPr lang="en-US" altLang="zh-TW" sz="2400" b="1" dirty="0">
+                <a:solidFill>
+                  <a:srgbClr val="FF0000"/>
+                </a:solidFill>
                 <a:latin typeface="微軟正黑體" panose="020B0604030504040204" pitchFamily="34" charset="-120"/>
                 <a:ea typeface="微軟正黑體" panose="020B0604030504040204" pitchFamily="34" charset="-120"/>
               </a:rPr>
@@ -16448,6 +16754,9 @@
             </a:r>
             <a:r>
               <a:rPr lang="en-US" altLang="zh-TW" sz="2400" b="1" dirty="0" err="1">
+                <a:solidFill>
+                  <a:srgbClr val="FF0000"/>
+                </a:solidFill>
                 <a:latin typeface="微軟正黑體" panose="020B0604030504040204" pitchFamily="34" charset="-120"/>
                 <a:ea typeface="微軟正黑體" panose="020B0604030504040204" pitchFamily="34" charset="-120"/>
               </a:rPr>
@@ -16455,11 +16764,31 @@
             </a:r>
             <a:r>
               <a:rPr lang="en-US" altLang="zh-TW" sz="2400" b="1" dirty="0">
+                <a:solidFill>
+                  <a:srgbClr val="FF0000"/>
+                </a:solidFill>
                 <a:latin typeface="微軟正黑體" panose="020B0604030504040204" pitchFamily="34" charset="-120"/>
                 <a:ea typeface="微軟正黑體" panose="020B0604030504040204" pitchFamily="34" charset="-120"/>
               </a:rPr>
-              <a:t> x filter_size^2)</a:t>
-            </a:r>
+              <a:t> x filter_size^2</a:t>
+            </a:r>
+            <a:r>
+              <a:rPr lang="en-US" altLang="zh-TW" sz="2400" b="1" dirty="0" smtClean="0">
+                <a:solidFill>
+                  <a:srgbClr val="FF0000"/>
+                </a:solidFill>
+                <a:latin typeface="微軟正黑體" panose="020B0604030504040204" pitchFamily="34" charset="-120"/>
+                <a:ea typeface="微軟正黑體" panose="020B0604030504040204" pitchFamily="34" charset="-120"/>
+              </a:rPr>
+              <a:t>), huge!</a:t>
+            </a:r>
+            <a:endParaRPr lang="en-US" altLang="zh-TW" sz="2400" b="1" dirty="0">
+              <a:solidFill>
+                <a:srgbClr val="FF0000"/>
+              </a:solidFill>
+              <a:latin typeface="微軟正黑體" panose="020B0604030504040204" pitchFamily="34" charset="-120"/>
+              <a:ea typeface="微軟正黑體" panose="020B0604030504040204" pitchFamily="34" charset="-120"/>
+            </a:endParaRPr>
           </a:p>
           <a:p>
             <a:endParaRPr lang="en-US" sz="2400" b="1" u="sng" dirty="0" smtClean="0">
@@ -16493,36 +16822,6 @@
           </a:p>
         </p:txBody>
       </p:sp>
-      <p:pic>
-        <p:nvPicPr>
-          <p:cNvPr id="4" name="圖片 3"/>
-          <p:cNvPicPr>
-            <a:picLocks noChangeAspect="1"/>
-          </p:cNvPicPr>
-          <p:nvPr/>
-        </p:nvPicPr>
-        <p:blipFill>
-          <a:blip r:embed="rId2">
-            <a:extLst>
-              <a:ext uri="{28A0092B-C50C-407E-A947-70E740481C1C}">
-                <a14:useLocalDpi xmlns:a14="http://schemas.microsoft.com/office/drawing/2010/main" val="0"/>
-              </a:ext>
-            </a:extLst>
-          </a:blip>
-          <a:stretch>
-            <a:fillRect/>
-          </a:stretch>
-        </p:blipFill>
-        <p:spPr>
-          <a:xfrm>
-            <a:off x="3080610" y="1941924"/>
-            <a:ext cx="6026139" cy="4649478"/>
-          </a:xfrm>
-          <a:prstGeom prst="rect">
-            <a:avLst/>
-          </a:prstGeom>
-        </p:spPr>
-      </p:pic>
       <p:sp>
         <p:nvSpPr>
           <p:cNvPr id="5" name="文字方塊 4"/>
@@ -16531,8 +16830,8 @@
         </p:nvSpPr>
         <p:spPr>
           <a:xfrm>
-            <a:off x="9080543" y="5181600"/>
-            <a:ext cx="6174421" cy="830997"/>
+            <a:off x="3006469" y="6077635"/>
+            <a:ext cx="6174421" cy="646331"/>
           </a:xfrm>
           <a:prstGeom prst="rect">
             <a:avLst/>
@@ -16546,7 +16845,7 @@
           <a:lstStyle/>
           <a:p>
             <a:r>
-              <a:rPr lang="en-US" dirty="0" smtClean="0">
+              <a:rPr lang="en-US" sz="1800" dirty="0" smtClean="0">
                 <a:latin typeface="微軟正黑體" panose="020B0604030504040204" pitchFamily="34" charset="-120"/>
                 <a:ea typeface="微軟正黑體" panose="020B0604030504040204" pitchFamily="34" charset="-120"/>
               </a:rPr>
@@ -16555,20 +16854,49 @@
           </a:p>
           <a:p>
             <a:r>
-              <a:rPr lang="en-US" dirty="0" smtClean="0">
+              <a:rPr lang="en-US" sz="1800" dirty="0" smtClean="0">
                 <a:latin typeface="微軟正黑體" panose="020B0604030504040204" pitchFamily="34" charset="-120"/>
                 <a:ea typeface="微軟正黑體" panose="020B0604030504040204" pitchFamily="34" charset="-120"/>
-                <a:hlinkClick r:id="rId3"/>
+                <a:hlinkClick r:id="rId2"/>
               </a:rPr>
               <a:t>Img from Apple Dev.</a:t>
             </a:r>
-            <a:endParaRPr lang="en-US" dirty="0">
+            <a:endParaRPr lang="en-US" sz="1800" dirty="0">
               <a:latin typeface="微軟正黑體" panose="020B0604030504040204" pitchFamily="34" charset="-120"/>
               <a:ea typeface="微軟正黑體" panose="020B0604030504040204" pitchFamily="34" charset="-120"/>
             </a:endParaRPr>
           </a:p>
         </p:txBody>
       </p:sp>
+      <p:pic>
+        <p:nvPicPr>
+          <p:cNvPr id="6" name="圖片 5"/>
+          <p:cNvPicPr>
+            <a:picLocks noChangeAspect="1"/>
+          </p:cNvPicPr>
+          <p:nvPr/>
+        </p:nvPicPr>
+        <p:blipFill rotWithShape="1">
+          <a:blip r:embed="rId3">
+            <a:extLst>
+              <a:ext uri="{28A0092B-C50C-407E-A947-70E740481C1C}">
+                <a14:useLocalDpi xmlns:a14="http://schemas.microsoft.com/office/drawing/2010/main" val="0"/>
+              </a:ext>
+            </a:extLst>
+          </a:blip>
+          <a:srcRect l="273" t="23142" r="-273" b="-16530"/>
+          <a:stretch/>
+        </p:blipFill>
+        <p:spPr>
+          <a:xfrm>
+            <a:off x="2880030" y="2133601"/>
+            <a:ext cx="6427298" cy="4590365"/>
+          </a:xfrm>
+          <a:prstGeom prst="rect">
+            <a:avLst/>
+          </a:prstGeom>
+        </p:spPr>
+      </p:pic>
     </p:spTree>
     <p:extLst>
       <p:ext uri="{BB962C8B-B14F-4D97-AF65-F5344CB8AC3E}">
@@ -16623,12 +16951,14 @@
           <a:p>
             <a:r>
               <a:rPr kumimoji="1" lang="en-US" altLang="zh-TW" sz="4800" dirty="0" smtClean="0">
-                <a:latin typeface="+mj-ea"/>
+                <a:latin typeface="微軟正黑體" panose="020B0604030504040204" pitchFamily="34" charset="-120"/>
+                <a:ea typeface="微軟正黑體" panose="020B0604030504040204" pitchFamily="34" charset="-120"/>
               </a:rPr>
               <a:t>Parallel Platforms</a:t>
             </a:r>
             <a:endParaRPr kumimoji="1" lang="zh-TW" altLang="en-US" sz="4800" dirty="0">
-              <a:latin typeface="+mj-ea"/>
+              <a:latin typeface="微軟正黑體" panose="020B0604030504040204" pitchFamily="34" charset="-120"/>
+              <a:ea typeface="微軟正黑體" panose="020B0604030504040204" pitchFamily="34" charset="-120"/>
             </a:endParaRPr>
           </a:p>
         </p:txBody>
@@ -16645,8 +16975,8 @@
         </p:nvSpPr>
         <p:spPr>
           <a:xfrm>
-            <a:off x="913557" y="1732450"/>
-            <a:ext cx="10351066" cy="5125550"/>
+            <a:off x="913557" y="1295400"/>
+            <a:ext cx="3275855" cy="5125550"/>
           </a:xfrm>
         </p:spPr>
         <p:txBody>
@@ -16656,75 +16986,223 @@
           <a:lstStyle/>
           <a:p>
             <a:r>
-              <a:rPr kumimoji="1" lang="en-US" altLang="zh-TW" sz="2400" dirty="0" err="1" smtClean="0">
-                <a:latin typeface="+mj-ea"/>
-                <a:ea typeface="+mj-ea"/>
+              <a:rPr kumimoji="1" lang="en-US" altLang="zh-TW" sz="4800" dirty="0" err="1" smtClean="0">
+                <a:latin typeface="微軟正黑體" panose="020B0604030504040204" pitchFamily="34" charset="-120"/>
+                <a:ea typeface="微軟正黑體" panose="020B0604030504040204" pitchFamily="34" charset="-120"/>
               </a:rPr>
               <a:t>OpenMP</a:t>
             </a:r>
-            <a:r>
-              <a:rPr kumimoji="1" lang="en-US" altLang="zh-TW" sz="2400" dirty="0" smtClean="0">
-                <a:latin typeface="+mj-ea"/>
-                <a:ea typeface="+mj-ea"/>
-              </a:rPr>
-              <a:t>: CPU</a:t>
-            </a:r>
-            <a:r>
-              <a:rPr kumimoji="1" lang="zh-TW" altLang="en-US" sz="2400" dirty="0" smtClean="0">
-                <a:latin typeface="+mj-ea"/>
-                <a:ea typeface="+mj-ea"/>
-              </a:rPr>
-              <a:t>（改用ㄈ字型）</a:t>
-            </a:r>
-            <a:endParaRPr kumimoji="1" lang="en-US" altLang="zh-TW" sz="2400" dirty="0" smtClean="0">
-              <a:latin typeface="+mj-ea"/>
-              <a:ea typeface="+mj-ea"/>
+            <a:endParaRPr kumimoji="1" lang="en-US" altLang="zh-TW" sz="4800" dirty="0" smtClean="0">
+              <a:latin typeface="微軟正黑體" panose="020B0604030504040204" pitchFamily="34" charset="-120"/>
+              <a:ea typeface="微軟正黑體" panose="020B0604030504040204" pitchFamily="34" charset="-120"/>
             </a:endParaRPr>
           </a:p>
           <a:p>
             <a:r>
-              <a:rPr kumimoji="1" lang="en-US" altLang="zh-TW" sz="2400" dirty="0" err="1" smtClean="0">
-                <a:latin typeface="+mj-ea"/>
-                <a:ea typeface="+mj-ea"/>
+              <a:rPr kumimoji="1" lang="en-US" altLang="zh-TW" sz="4800" dirty="0" err="1" smtClean="0">
+                <a:latin typeface="微軟正黑體" panose="020B0604030504040204" pitchFamily="34" charset="-120"/>
+                <a:ea typeface="微軟正黑體" panose="020B0604030504040204" pitchFamily="34" charset="-120"/>
               </a:rPr>
               <a:t>Pthread</a:t>
             </a:r>
-            <a:r>
-              <a:rPr kumimoji="1" lang="en-US" altLang="zh-TW" sz="2400" dirty="0" smtClean="0">
-                <a:latin typeface="+mj-ea"/>
-                <a:ea typeface="+mj-ea"/>
+            <a:endParaRPr kumimoji="1" lang="en-US" altLang="zh-TW" sz="4800" dirty="0" smtClean="0">
+              <a:latin typeface="微軟正黑體" panose="020B0604030504040204" pitchFamily="34" charset="-120"/>
+              <a:ea typeface="微軟正黑體" panose="020B0604030504040204" pitchFamily="34" charset="-120"/>
+            </a:endParaRPr>
+          </a:p>
+          <a:p>
+            <a:endParaRPr kumimoji="1" lang="en-US" altLang="zh-TW" sz="4800" dirty="0" smtClean="0">
+              <a:latin typeface="微軟正黑體" panose="020B0604030504040204" pitchFamily="34" charset="-120"/>
+              <a:ea typeface="微軟正黑體" panose="020B0604030504040204" pitchFamily="34" charset="-120"/>
+            </a:endParaRPr>
+          </a:p>
+          <a:p>
+            <a:r>
+              <a:rPr kumimoji="1" lang="en-US" altLang="zh-TW" sz="4800" dirty="0" smtClean="0">
+                <a:latin typeface="微軟正黑體" panose="020B0604030504040204" pitchFamily="34" charset="-120"/>
+                <a:ea typeface="微軟正黑體" panose="020B0604030504040204" pitchFamily="34" charset="-120"/>
               </a:rPr>
-              <a:t>: CPU</a:t>
-            </a:r>
-          </a:p>
-          <a:p>
-            <a:r>
-              <a:rPr kumimoji="1" lang="en-US" altLang="zh-TW" sz="2400" dirty="0" smtClean="0">
-                <a:latin typeface="+mj-ea"/>
-                <a:ea typeface="+mj-ea"/>
-              </a:rPr>
-              <a:t>CUDA: CPU + GPU</a:t>
-            </a:r>
-          </a:p>
-          <a:p>
-            <a:r>
-              <a:rPr kumimoji="1" lang="en-US" altLang="zh-TW" sz="2400" dirty="0" err="1" smtClean="0">
-                <a:latin typeface="+mj-ea"/>
-                <a:ea typeface="+mj-ea"/>
+              <a:t>CUDA</a:t>
+            </a:r>
+            <a:endParaRPr kumimoji="1" lang="en-US" altLang="zh-TW" sz="4800" dirty="0" smtClean="0">
+              <a:latin typeface="微軟正黑體" panose="020B0604030504040204" pitchFamily="34" charset="-120"/>
+              <a:ea typeface="微軟正黑體" panose="020B0604030504040204" pitchFamily="34" charset="-120"/>
+            </a:endParaRPr>
+          </a:p>
+          <a:p>
+            <a:r>
+              <a:rPr kumimoji="1" lang="en-US" altLang="zh-TW" sz="4800" dirty="0" err="1" smtClean="0">
+                <a:latin typeface="微軟正黑體" panose="020B0604030504040204" pitchFamily="34" charset="-120"/>
+                <a:ea typeface="微軟正黑體" panose="020B0604030504040204" pitchFamily="34" charset="-120"/>
               </a:rPr>
               <a:t>OpenCL</a:t>
             </a:r>
-            <a:r>
-              <a:rPr kumimoji="1" lang="en-US" altLang="zh-TW" sz="2400" dirty="0" smtClean="0">
-                <a:latin typeface="+mj-ea"/>
-                <a:ea typeface="+mj-ea"/>
+            <a:endParaRPr kumimoji="1" lang="zh-TW" altLang="en-US" sz="4800" dirty="0">
+              <a:latin typeface="微軟正黑體" panose="020B0604030504040204" pitchFamily="34" charset="-120"/>
+              <a:ea typeface="微軟正黑體" panose="020B0604030504040204" pitchFamily="34" charset="-120"/>
+            </a:endParaRPr>
+          </a:p>
+        </p:txBody>
+      </p:sp>
+      <p:sp>
+        <p:nvSpPr>
+          <p:cNvPr id="4" name="文字方塊 3"/>
+          <p:cNvSpPr txBox="1"/>
+          <p:nvPr/>
+        </p:nvSpPr>
+        <p:spPr>
+          <a:xfrm>
+            <a:off x="6531184" y="1828800"/>
+            <a:ext cx="5638800" cy="830997"/>
+          </a:xfrm>
+          <a:prstGeom prst="rect">
+            <a:avLst/>
+          </a:prstGeom>
+          <a:noFill/>
+        </p:spPr>
+        <p:txBody>
+          <a:bodyPr wrap="square" rtlCol="0">
+            <a:spAutoFit/>
+          </a:bodyPr>
+          <a:lstStyle/>
+          <a:p>
+            <a:r>
+              <a:rPr lang="en-US" sz="4800" dirty="0" smtClean="0">
+                <a:latin typeface="微軟正黑體" panose="020B0604030504040204" pitchFamily="34" charset="-120"/>
+                <a:ea typeface="微軟正黑體" panose="020B0604030504040204" pitchFamily="34" charset="-120"/>
               </a:rPr>
-              <a:t>: CPU + GPU</a:t>
-            </a:r>
-            <a:endParaRPr kumimoji="1" lang="zh-TW" altLang="en-US" sz="2400" dirty="0">
-              <a:latin typeface="+mj-ea"/>
-              <a:ea typeface="+mj-ea"/>
+              <a:t>CPU Only</a:t>
+            </a:r>
+            <a:endParaRPr lang="en-US" sz="4800" dirty="0">
+              <a:latin typeface="微軟正黑體" panose="020B0604030504040204" pitchFamily="34" charset="-120"/>
+              <a:ea typeface="微軟正黑體" panose="020B0604030504040204" pitchFamily="34" charset="-120"/>
             </a:endParaRPr>
+          </a:p>
+        </p:txBody>
+      </p:sp>
+      <p:sp>
+        <p:nvSpPr>
+          <p:cNvPr id="5" name="文字方塊 4"/>
+          <p:cNvSpPr txBox="1"/>
+          <p:nvPr/>
+        </p:nvSpPr>
+        <p:spPr>
+          <a:xfrm>
+            <a:off x="6531184" y="4495800"/>
+            <a:ext cx="5638800" cy="830997"/>
+          </a:xfrm>
+          <a:prstGeom prst="rect">
+            <a:avLst/>
+          </a:prstGeom>
+          <a:noFill/>
+        </p:spPr>
+        <p:txBody>
+          <a:bodyPr wrap="square" rtlCol="0">
+            <a:spAutoFit/>
+          </a:bodyPr>
+          <a:lstStyle/>
+          <a:p>
+            <a:r>
+              <a:rPr lang="en-US" sz="4800" dirty="0" smtClean="0">
+                <a:latin typeface="微軟正黑體" panose="020B0604030504040204" pitchFamily="34" charset="-120"/>
+                <a:ea typeface="微軟正黑體" panose="020B0604030504040204" pitchFamily="34" charset="-120"/>
+              </a:rPr>
+              <a:t>CPU + GPU</a:t>
+            </a:r>
+            <a:endParaRPr lang="en-US" sz="4800" dirty="0">
+              <a:latin typeface="微軟正黑體" panose="020B0604030504040204" pitchFamily="34" charset="-120"/>
+              <a:ea typeface="微軟正黑體" panose="020B0604030504040204" pitchFamily="34" charset="-120"/>
+            </a:endParaRPr>
+          </a:p>
+        </p:txBody>
+      </p:sp>
+      <p:sp>
+        <p:nvSpPr>
+          <p:cNvPr id="6" name="右大括弧 5"/>
+          <p:cNvSpPr/>
+          <p:nvPr/>
+        </p:nvSpPr>
+        <p:spPr>
+          <a:xfrm>
+            <a:off x="4494212" y="1600200"/>
+            <a:ext cx="1752600" cy="1371600"/>
+          </a:xfrm>
+          <a:prstGeom prst="rightBrace">
+            <a:avLst/>
+          </a:prstGeom>
+          <a:ln w="50800">
+            <a:solidFill>
+              <a:schemeClr val="tx1"/>
+            </a:solidFill>
+            <a:headEnd type="none"/>
+            <a:tailEnd type="none"/>
+          </a:ln>
+        </p:spPr>
+        <p:style>
+          <a:lnRef idx="1">
+            <a:schemeClr val="accent1"/>
+          </a:lnRef>
+          <a:fillRef idx="0">
+            <a:schemeClr val="accent1"/>
+          </a:fillRef>
+          <a:effectRef idx="0">
+            <a:schemeClr val="accent1"/>
+          </a:effectRef>
+          <a:fontRef idx="minor">
+            <a:schemeClr val="tx1"/>
+          </a:fontRef>
+        </p:style>
+        <p:txBody>
+          <a:bodyPr rtlCol="0" anchor="ctr"/>
+          <a:lstStyle/>
+          <a:p>
+            <a:pPr algn="ctr"/>
+            <a:endParaRPr lang="en-US"/>
+          </a:p>
+        </p:txBody>
+      </p:sp>
+      <p:sp>
+        <p:nvSpPr>
+          <p:cNvPr id="8" name="右大括弧 7"/>
+          <p:cNvSpPr/>
+          <p:nvPr/>
+        </p:nvSpPr>
+        <p:spPr>
+          <a:xfrm>
+            <a:off x="4494212" y="4225498"/>
+            <a:ext cx="1752600" cy="1371600"/>
+          </a:xfrm>
+          <a:prstGeom prst="rightBrace">
+            <a:avLst/>
+          </a:prstGeom>
+          <a:ln w="50800">
+            <a:solidFill>
+              <a:schemeClr val="tx1"/>
+            </a:solidFill>
+            <a:headEnd type="none"/>
+            <a:tailEnd type="none"/>
+          </a:ln>
+        </p:spPr>
+        <p:style>
+          <a:lnRef idx="1">
+            <a:schemeClr val="accent1"/>
+          </a:lnRef>
+          <a:fillRef idx="0">
+            <a:schemeClr val="accent1"/>
+          </a:fillRef>
+          <a:effectRef idx="0">
+            <a:schemeClr val="accent1"/>
+          </a:effectRef>
+          <a:fontRef idx="minor">
+            <a:schemeClr val="tx1"/>
+          </a:fontRef>
+        </p:style>
+        <p:txBody>
+          <a:bodyPr rtlCol="0" anchor="ctr"/>
+          <a:lstStyle/>
+          <a:p>
+            <a:pPr algn="ctr"/>
+            <a:endParaRPr lang="en-US"/>
           </a:p>
         </p:txBody>
       </p:sp>
@@ -16760,417 +17238,6 @@
       </p:grpSpPr>
       <p:sp>
         <p:nvSpPr>
-          <p:cNvPr id="2" name="標題 1"/>
-          <p:cNvSpPr>
-            <a:spLocks noGrp="1"/>
-          </p:cNvSpPr>
-          <p:nvPr>
-            <p:ph type="title"/>
-          </p:nvPr>
-        </p:nvSpPr>
-        <p:spPr>
-          <a:xfrm>
-            <a:off x="913557" y="76200"/>
-            <a:ext cx="10351066" cy="970450"/>
-          </a:xfrm>
-        </p:spPr>
-        <p:txBody>
-          <a:bodyPr>
-            <a:normAutofit/>
-          </a:bodyPr>
-          <a:lstStyle/>
-          <a:p>
-            <a:r>
-              <a:rPr lang="en-US" sz="4800" dirty="0" smtClean="0">
-                <a:latin typeface="微軟正黑體" panose="020B0604030504040204" pitchFamily="34" charset="-120"/>
-                <a:ea typeface="微軟正黑體" panose="020B0604030504040204" pitchFamily="34" charset="-120"/>
-              </a:rPr>
-              <a:t>Environment for this </a:t>
-            </a:r>
-            <a:r>
-              <a:rPr lang="en-US" sz="4800" dirty="0" smtClean="0">
-                <a:latin typeface="微軟正黑體" panose="020B0604030504040204" pitchFamily="34" charset="-120"/>
-                <a:ea typeface="微軟正黑體" panose="020B0604030504040204" pitchFamily="34" charset="-120"/>
-              </a:rPr>
-              <a:t>project</a:t>
-            </a:r>
-            <a:r>
-              <a:rPr lang="zh-TW" altLang="en-US" sz="4800" dirty="0" smtClean="0">
-                <a:latin typeface="微軟正黑體" panose="020B0604030504040204" pitchFamily="34" charset="-120"/>
-                <a:ea typeface="微軟正黑體" panose="020B0604030504040204" pitchFamily="34" charset="-120"/>
-              </a:rPr>
-              <a:t>改表格</a:t>
-            </a:r>
-            <a:endParaRPr lang="en-US" sz="4800" dirty="0">
-              <a:latin typeface="微軟正黑體" panose="020B0604030504040204" pitchFamily="34" charset="-120"/>
-              <a:ea typeface="微軟正黑體" panose="020B0604030504040204" pitchFamily="34" charset="-120"/>
-            </a:endParaRPr>
-          </a:p>
-        </p:txBody>
-      </p:sp>
-      <p:pic>
-        <p:nvPicPr>
-          <p:cNvPr id="3" name="圖片 2"/>
-          <p:cNvPicPr>
-            <a:picLocks noChangeAspect="1"/>
-          </p:cNvPicPr>
-          <p:nvPr/>
-        </p:nvPicPr>
-        <p:blipFill rotWithShape="1">
-          <a:blip r:embed="rId2">
-            <a:extLst>
-              <a:ext uri="{28A0092B-C50C-407E-A947-70E740481C1C}">
-                <a14:useLocalDpi xmlns:a14="http://schemas.microsoft.com/office/drawing/2010/main" val="0"/>
-              </a:ext>
-            </a:extLst>
-          </a:blip>
-          <a:srcRect l="5714" t="3613" r="8571" b="2102"/>
-          <a:stretch/>
-        </p:blipFill>
-        <p:spPr>
-          <a:xfrm>
-            <a:off x="227012" y="1143000"/>
-            <a:ext cx="2493818" cy="2743200"/>
-          </a:xfrm>
-          <a:prstGeom prst="rect">
-            <a:avLst/>
-          </a:prstGeom>
-        </p:spPr>
-      </p:pic>
-      <p:pic>
-        <p:nvPicPr>
-          <p:cNvPr id="4" name="圖片 3"/>
-          <p:cNvPicPr>
-            <a:picLocks noChangeAspect="1"/>
-          </p:cNvPicPr>
-          <p:nvPr/>
-        </p:nvPicPr>
-        <p:blipFill>
-          <a:blip r:embed="rId3">
-            <a:extLst>
-              <a:ext uri="{28A0092B-C50C-407E-A947-70E740481C1C}">
-                <a14:useLocalDpi xmlns:a14="http://schemas.microsoft.com/office/drawing/2010/main" val="0"/>
-              </a:ext>
-            </a:extLst>
-          </a:blip>
-          <a:stretch>
-            <a:fillRect/>
-          </a:stretch>
-        </p:blipFill>
-        <p:spPr>
-          <a:xfrm>
-            <a:off x="6399212" y="1143000"/>
-            <a:ext cx="2743200" cy="2743200"/>
-          </a:xfrm>
-          <a:prstGeom prst="rect">
-            <a:avLst/>
-          </a:prstGeom>
-        </p:spPr>
-      </p:pic>
-      <p:pic>
-        <p:nvPicPr>
-          <p:cNvPr id="5" name="圖片 4"/>
-          <p:cNvPicPr>
-            <a:picLocks noChangeAspect="1"/>
-          </p:cNvPicPr>
-          <p:nvPr/>
-        </p:nvPicPr>
-        <p:blipFill rotWithShape="1">
-          <a:blip r:embed="rId4">
-            <a:extLst>
-              <a:ext uri="{28A0092B-C50C-407E-A947-70E740481C1C}">
-                <a14:useLocalDpi xmlns:a14="http://schemas.microsoft.com/office/drawing/2010/main" val="0"/>
-              </a:ext>
-            </a:extLst>
-          </a:blip>
-          <a:srcRect l="5775" t="5105" r="5425" b="4804"/>
-          <a:stretch/>
-        </p:blipFill>
-        <p:spPr>
-          <a:xfrm>
-            <a:off x="227012" y="4215977"/>
-            <a:ext cx="3647676" cy="2464646"/>
-          </a:xfrm>
-          <a:prstGeom prst="rect">
-            <a:avLst/>
-          </a:prstGeom>
-        </p:spPr>
-      </p:pic>
-      <p:pic>
-        <p:nvPicPr>
-          <p:cNvPr id="6" name="圖片 5"/>
-          <p:cNvPicPr>
-            <a:picLocks noChangeAspect="1"/>
-          </p:cNvPicPr>
-          <p:nvPr/>
-        </p:nvPicPr>
-        <p:blipFill>
-          <a:blip r:embed="rId5">
-            <a:extLst>
-              <a:ext uri="{28A0092B-C50C-407E-A947-70E740481C1C}">
-                <a14:useLocalDpi xmlns:a14="http://schemas.microsoft.com/office/drawing/2010/main" val="0"/>
-              </a:ext>
-            </a:extLst>
-          </a:blip>
-          <a:stretch>
-            <a:fillRect/>
-          </a:stretch>
-        </p:blipFill>
-        <p:spPr>
-          <a:xfrm>
-            <a:off x="6399212" y="4152900"/>
-            <a:ext cx="2743200" cy="2590800"/>
-          </a:xfrm>
-          <a:prstGeom prst="rect">
-            <a:avLst/>
-          </a:prstGeom>
-        </p:spPr>
-      </p:pic>
-      <p:sp>
-        <p:nvSpPr>
-          <p:cNvPr id="7" name="文字方塊 6"/>
-          <p:cNvSpPr txBox="1"/>
-          <p:nvPr/>
-        </p:nvSpPr>
-        <p:spPr>
-          <a:xfrm>
-            <a:off x="3112221" y="2031149"/>
-            <a:ext cx="2895600" cy="1200329"/>
-          </a:xfrm>
-          <a:prstGeom prst="rect">
-            <a:avLst/>
-          </a:prstGeom>
-          <a:noFill/>
-        </p:spPr>
-        <p:txBody>
-          <a:bodyPr wrap="square" rtlCol="0">
-            <a:spAutoFit/>
-          </a:bodyPr>
-          <a:lstStyle/>
-          <a:p>
-            <a:r>
-              <a:rPr kumimoji="1" lang="en-US" altLang="zh-TW" dirty="0" smtClean="0">
-                <a:latin typeface="+mn-ea"/>
-              </a:rPr>
-              <a:t>Intel i5 7500 4C4T</a:t>
-            </a:r>
-          </a:p>
-          <a:p>
-            <a:r>
-              <a:rPr kumimoji="1" lang="en-US" altLang="zh-TW" dirty="0" smtClean="0">
-                <a:latin typeface="+mn-ea"/>
-              </a:rPr>
-              <a:t>3.4GHz</a:t>
-            </a:r>
-          </a:p>
-          <a:p>
-            <a:endParaRPr kumimoji="1" lang="zh-TW" altLang="en-US" dirty="0">
-              <a:latin typeface="+mn-ea"/>
-            </a:endParaRPr>
-          </a:p>
-        </p:txBody>
-      </p:sp>
-      <p:sp>
-        <p:nvSpPr>
-          <p:cNvPr id="8" name="文字方塊 7"/>
-          <p:cNvSpPr txBox="1"/>
-          <p:nvPr/>
-        </p:nvSpPr>
-        <p:spPr>
-          <a:xfrm>
-            <a:off x="9328213" y="1999610"/>
-            <a:ext cx="2895600" cy="1200329"/>
-          </a:xfrm>
-          <a:prstGeom prst="rect">
-            <a:avLst/>
-          </a:prstGeom>
-          <a:noFill/>
-        </p:spPr>
-        <p:txBody>
-          <a:bodyPr wrap="square" rtlCol="0">
-            <a:spAutoFit/>
-          </a:bodyPr>
-          <a:lstStyle/>
-          <a:p>
-            <a:r>
-              <a:rPr kumimoji="1" lang="en-US" altLang="zh-TW" dirty="0" smtClean="0">
-                <a:latin typeface="+mn-ea"/>
-              </a:rPr>
-              <a:t>ASUS STRIX GTX1070 OC 8GB</a:t>
-            </a:r>
-          </a:p>
-          <a:p>
-            <a:r>
-              <a:rPr kumimoji="1" lang="en-US" altLang="zh-TW" dirty="0" smtClean="0">
-                <a:latin typeface="+mn-ea"/>
-              </a:rPr>
-              <a:t>1920 CUDA Cores</a:t>
-            </a:r>
-            <a:endParaRPr kumimoji="1" lang="zh-TW" altLang="en-US" dirty="0">
-              <a:latin typeface="+mn-ea"/>
-            </a:endParaRPr>
-          </a:p>
-        </p:txBody>
-      </p:sp>
-      <p:sp>
-        <p:nvSpPr>
-          <p:cNvPr id="9" name="文字方塊 8"/>
-          <p:cNvSpPr txBox="1"/>
-          <p:nvPr/>
-        </p:nvSpPr>
-        <p:spPr>
-          <a:xfrm>
-            <a:off x="3885292" y="4817650"/>
-            <a:ext cx="2895600" cy="1200329"/>
-          </a:xfrm>
-          <a:prstGeom prst="rect">
-            <a:avLst/>
-          </a:prstGeom>
-          <a:noFill/>
-        </p:spPr>
-        <p:txBody>
-          <a:bodyPr wrap="square" rtlCol="0">
-            <a:spAutoFit/>
-          </a:bodyPr>
-          <a:lstStyle/>
-          <a:p>
-            <a:r>
-              <a:rPr kumimoji="1" lang="en-US" altLang="zh-TW" dirty="0" smtClean="0">
-                <a:latin typeface="+mn-ea"/>
-              </a:rPr>
-              <a:t>Samsung PM981</a:t>
-            </a:r>
-          </a:p>
-          <a:p>
-            <a:r>
-              <a:rPr kumimoji="1" lang="en-US" altLang="zh-TW" dirty="0" smtClean="0">
-                <a:latin typeface="+mn-ea"/>
-              </a:rPr>
-              <a:t>512G (970 EVO</a:t>
-            </a:r>
-          </a:p>
-          <a:p>
-            <a:r>
-              <a:rPr kumimoji="1" lang="en-US" altLang="zh-TW" dirty="0" smtClean="0">
-                <a:latin typeface="+mn-ea"/>
-              </a:rPr>
-              <a:t>Equivalent)</a:t>
-            </a:r>
-            <a:endParaRPr kumimoji="1" lang="zh-TW" altLang="en-US" dirty="0">
-              <a:latin typeface="+mn-ea"/>
-            </a:endParaRPr>
-          </a:p>
-        </p:txBody>
-      </p:sp>
-      <p:sp>
-        <p:nvSpPr>
-          <p:cNvPr id="10" name="文字方塊 9"/>
-          <p:cNvSpPr txBox="1"/>
-          <p:nvPr/>
-        </p:nvSpPr>
-        <p:spPr>
-          <a:xfrm>
-            <a:off x="9328213" y="4848135"/>
-            <a:ext cx="2895600" cy="1200329"/>
-          </a:xfrm>
-          <a:prstGeom prst="rect">
-            <a:avLst/>
-          </a:prstGeom>
-          <a:noFill/>
-        </p:spPr>
-        <p:txBody>
-          <a:bodyPr wrap="square" rtlCol="0">
-            <a:spAutoFit/>
-          </a:bodyPr>
-          <a:lstStyle/>
-          <a:p>
-            <a:r>
-              <a:rPr kumimoji="1" lang="en-US" altLang="zh-TW" dirty="0" smtClean="0">
-                <a:latin typeface="+mn-ea"/>
-              </a:rPr>
-              <a:t>Ubuntu 16.04 x64</a:t>
-            </a:r>
-          </a:p>
-          <a:p>
-            <a:endParaRPr kumimoji="1" lang="en-US" altLang="zh-TW" dirty="0">
-              <a:latin typeface="+mn-ea"/>
-            </a:endParaRPr>
-          </a:p>
-          <a:p>
-            <a:endParaRPr kumimoji="1" lang="zh-TW" altLang="en-US" dirty="0">
-              <a:latin typeface="+mn-ea"/>
-            </a:endParaRPr>
-          </a:p>
-        </p:txBody>
-      </p:sp>
-      <p:sp>
-        <p:nvSpPr>
-          <p:cNvPr id="11" name="文字方塊 10"/>
-          <p:cNvSpPr txBox="1"/>
-          <p:nvPr/>
-        </p:nvSpPr>
-        <p:spPr>
-          <a:xfrm>
-            <a:off x="9142412" y="6359164"/>
-            <a:ext cx="2971800" cy="523220"/>
-          </a:xfrm>
-          <a:prstGeom prst="rect">
-            <a:avLst/>
-          </a:prstGeom>
-          <a:noFill/>
-        </p:spPr>
-        <p:txBody>
-          <a:bodyPr wrap="square" rtlCol="0">
-            <a:spAutoFit/>
-          </a:bodyPr>
-          <a:lstStyle/>
-          <a:p>
-            <a:r>
-              <a:rPr kumimoji="1" lang="en-US" altLang="zh-TW" sz="1400" dirty="0" smtClean="0">
-                <a:latin typeface="+mj-ea"/>
-                <a:ea typeface="+mj-ea"/>
-              </a:rPr>
-              <a:t>Images source from respective company</a:t>
-            </a:r>
-            <a:endParaRPr kumimoji="1" lang="zh-TW" altLang="en-US" sz="1400" dirty="0">
-              <a:latin typeface="+mj-ea"/>
-              <a:ea typeface="+mj-ea"/>
-            </a:endParaRPr>
-          </a:p>
-        </p:txBody>
-      </p:sp>
-    </p:spTree>
-    <p:extLst>
-      <p:ext uri="{BB962C8B-B14F-4D97-AF65-F5344CB8AC3E}">
-        <p14:creationId xmlns:p14="http://schemas.microsoft.com/office/powerpoint/2010/main" val="3635218041"/>
-      </p:ext>
-    </p:extLst>
-  </p:cSld>
-  <p:clrMapOvr>
-    <a:masterClrMapping/>
-  </p:clrMapOvr>
-</p:sld>
-</file>
-
-<file path=ppt/slides/slide8.xml><?xml version="1.0" encoding="utf-8"?>
-<p:sld xmlns:a="http://schemas.openxmlformats.org/drawingml/2006/main" xmlns:r="http://schemas.openxmlformats.org/officeDocument/2006/relationships" xmlns:p="http://schemas.openxmlformats.org/presentationml/2006/main">
-  <p:cSld>
-    <p:spTree>
-      <p:nvGrpSpPr>
-        <p:cNvPr id="1" name=""/>
-        <p:cNvGrpSpPr/>
-        <p:nvPr/>
-      </p:nvGrpSpPr>
-      <p:grpSpPr>
-        <a:xfrm>
-          <a:off x="0" y="0"/>
-          <a:ext cx="0" cy="0"/>
-          <a:chOff x="0" y="0"/>
-          <a:chExt cx="0" cy="0"/>
-        </a:xfrm>
-      </p:grpSpPr>
-      <p:sp>
-        <p:nvSpPr>
           <p:cNvPr id="13" name="標題 12"/>
           <p:cNvSpPr>
             <a:spLocks noGrp="1"/>
@@ -17198,7 +17265,7 @@
                 <a:ea typeface="微軟正黑體" panose="020B0604030504040204" pitchFamily="34" charset="-120"/>
                 <a:sym typeface="Salesforce Sans"/>
               </a:rPr>
-              <a:t>Benchmark method</a:t>
+              <a:t>How we parallel (animation)</a:t>
             </a:r>
             <a:endParaRPr lang="zh-TW" altLang="en-US" sz="4800" dirty="0">
               <a:latin typeface="微軟正黑體" panose="020B0604030504040204" pitchFamily="34" charset="-120"/>
@@ -17210,7 +17277,7 @@
       </p:sp>
       <p:sp>
         <p:nvSpPr>
-          <p:cNvPr id="2" name="內容版面配置區 1"/>
+          <p:cNvPr id="3" name="內容版面配置區 2"/>
           <p:cNvSpPr>
             <a:spLocks noGrp="1"/>
           </p:cNvSpPr>
@@ -17218,289 +17285,19 @@
             <p:ph idx="1"/>
           </p:nvPr>
         </p:nvSpPr>
-        <p:spPr>
-          <a:xfrm>
-            <a:off x="20036" y="970450"/>
-            <a:ext cx="5754130" cy="5638800"/>
-          </a:xfrm>
-        </p:spPr>
+        <p:spPr/>
         <p:txBody>
-          <a:bodyPr>
-            <a:normAutofit/>
-          </a:bodyPr>
+          <a:bodyPr/>
           <a:lstStyle/>
           <a:p>
-            <a:r>
-              <a:rPr lang="en-US" sz="2400" dirty="0" smtClean="0">
-                <a:latin typeface="微軟正黑體" panose="020B0604030504040204" pitchFamily="34" charset="-120"/>
-                <a:ea typeface="微軟正黑體" panose="020B0604030504040204" pitchFamily="34" charset="-120"/>
-              </a:rPr>
-              <a:t>8K(7680 x 4320) image for processing</a:t>
-            </a:r>
-          </a:p>
-          <a:p>
-            <a:r>
-              <a:rPr lang="en-US" sz="2400" dirty="0" smtClean="0">
-                <a:latin typeface="微軟正黑體" panose="020B0604030504040204" pitchFamily="34" charset="-120"/>
-                <a:ea typeface="微軟正黑體" panose="020B0604030504040204" pitchFamily="34" charset="-120"/>
-              </a:rPr>
-              <a:t>Filter size fixed to 101 x 101</a:t>
-            </a:r>
-          </a:p>
-          <a:p>
-            <a:r>
-              <a:rPr lang="en-US" sz="2400" dirty="0" smtClean="0">
-                <a:latin typeface="微軟正黑體" panose="020B0604030504040204" pitchFamily="34" charset="-120"/>
-                <a:ea typeface="微軟正黑體" panose="020B0604030504040204" pitchFamily="34" charset="-120"/>
-              </a:rPr>
-              <a:t>Computation </a:t>
-            </a:r>
-            <a:r>
-              <a:rPr lang="en-US" sz="2400" dirty="0" smtClean="0">
-                <a:latin typeface="微軟正黑體" panose="020B0604030504040204" pitchFamily="34" charset="-120"/>
-                <a:ea typeface="微軟正黑體" panose="020B0604030504040204" pitchFamily="34" charset="-120"/>
-              </a:rPr>
-              <a:t>is </a:t>
-            </a:r>
-            <a:r>
-              <a:rPr lang="cs-CZ" sz="2400" b="1" dirty="0" smtClean="0">
-                <a:solidFill>
-                  <a:srgbClr val="FF0000"/>
-                </a:solidFill>
-                <a:latin typeface="微軟正黑體" panose="020B0604030504040204" pitchFamily="34" charset="-120"/>
-                <a:ea typeface="微軟正黑體" panose="020B0604030504040204" pitchFamily="34" charset="-120"/>
-              </a:rPr>
-              <a:t>338444697600 (338 </a:t>
-            </a:r>
-            <a:r>
-              <a:rPr lang="cs-CZ" sz="2400" b="1" dirty="0" err="1" smtClean="0">
-                <a:solidFill>
-                  <a:srgbClr val="FF0000"/>
-                </a:solidFill>
-                <a:latin typeface="微軟正黑體" panose="020B0604030504040204" pitchFamily="34" charset="-120"/>
-                <a:ea typeface="微軟正黑體" panose="020B0604030504040204" pitchFamily="34" charset="-120"/>
-              </a:rPr>
-              <a:t>billion</a:t>
-            </a:r>
-            <a:r>
-              <a:rPr lang="cs-CZ" sz="2400" b="1" dirty="0" smtClean="0">
-                <a:solidFill>
-                  <a:srgbClr val="FF0000"/>
-                </a:solidFill>
-                <a:latin typeface="微軟正黑體" panose="020B0604030504040204" pitchFamily="34" charset="-120"/>
-                <a:ea typeface="微軟正黑體" panose="020B0604030504040204" pitchFamily="34" charset="-120"/>
-              </a:rPr>
-              <a:t>!)</a:t>
-            </a:r>
-          </a:p>
-          <a:p>
-            <a:r>
-              <a:rPr lang="cs-CZ" sz="2400" dirty="0" err="1" smtClean="0">
-                <a:latin typeface="微軟正黑體" panose="020B0604030504040204" pitchFamily="34" charset="-120"/>
-                <a:ea typeface="微軟正黑體" panose="020B0604030504040204" pitchFamily="34" charset="-120"/>
-              </a:rPr>
-              <a:t>Check</a:t>
-            </a:r>
-            <a:r>
-              <a:rPr lang="cs-CZ" sz="2400" dirty="0" smtClean="0">
-                <a:latin typeface="微軟正黑體" panose="020B0604030504040204" pitchFamily="34" charset="-120"/>
-                <a:ea typeface="微軟正黑體" panose="020B0604030504040204" pitchFamily="34" charset="-120"/>
-              </a:rPr>
-              <a:t> </a:t>
-            </a:r>
-            <a:r>
-              <a:rPr lang="cs-CZ" sz="2400" dirty="0" err="1" smtClean="0">
-                <a:latin typeface="微軟正黑體" panose="020B0604030504040204" pitchFamily="34" charset="-120"/>
-                <a:ea typeface="微軟正黑體" panose="020B0604030504040204" pitchFamily="34" charset="-120"/>
-              </a:rPr>
-              <a:t>error</a:t>
-            </a:r>
-            <a:r>
-              <a:rPr lang="cs-CZ" sz="2400" dirty="0" smtClean="0">
-                <a:latin typeface="微軟正黑體" panose="020B0604030504040204" pitchFamily="34" charset="-120"/>
-                <a:ea typeface="微軟正黑體" panose="020B0604030504040204" pitchFamily="34" charset="-120"/>
-              </a:rPr>
-              <a:t> percent </a:t>
-            </a:r>
-            <a:r>
-              <a:rPr lang="cs-CZ" sz="2400" dirty="0" err="1" smtClean="0">
-                <a:latin typeface="微軟正黑體" panose="020B0604030504040204" pitchFamily="34" charset="-120"/>
-                <a:ea typeface="微軟正黑體" panose="020B0604030504040204" pitchFamily="34" charset="-120"/>
-              </a:rPr>
-              <a:t>if</a:t>
-            </a:r>
-            <a:r>
-              <a:rPr lang="cs-CZ" sz="2400" dirty="0" smtClean="0">
-                <a:latin typeface="微軟正黑體" panose="020B0604030504040204" pitchFamily="34" charset="-120"/>
-                <a:ea typeface="微軟正黑體" panose="020B0604030504040204" pitchFamily="34" charset="-120"/>
-              </a:rPr>
-              <a:t> </a:t>
-            </a:r>
-            <a:r>
-              <a:rPr lang="cs-CZ" sz="2400" dirty="0" err="1" smtClean="0">
-                <a:latin typeface="微軟正黑體" panose="020B0604030504040204" pitchFamily="34" charset="-120"/>
-                <a:ea typeface="微軟正黑體" panose="020B0604030504040204" pitchFamily="34" charset="-120"/>
-              </a:rPr>
-              <a:t>needed</a:t>
-            </a:r>
-            <a:r>
-              <a:rPr lang="cs-CZ" sz="2400" dirty="0" smtClean="0">
-                <a:latin typeface="微軟正黑體" panose="020B0604030504040204" pitchFamily="34" charset="-120"/>
-                <a:ea typeface="微軟正黑體" panose="020B0604030504040204" pitchFamily="34" charset="-120"/>
-              </a:rPr>
-              <a:t> (</a:t>
-            </a:r>
-            <a:r>
-              <a:rPr lang="cs-CZ" sz="2400" dirty="0" err="1" smtClean="0">
-                <a:latin typeface="微軟正黑體" panose="020B0604030504040204" pitchFamily="34" charset="-120"/>
-                <a:ea typeface="微軟正黑體" panose="020B0604030504040204" pitchFamily="34" charset="-120"/>
-              </a:rPr>
-              <a:t>diff</a:t>
-            </a:r>
-            <a:r>
-              <a:rPr lang="cs-CZ" sz="2400" dirty="0" smtClean="0">
-                <a:latin typeface="微軟正黑體" panose="020B0604030504040204" pitchFamily="34" charset="-120"/>
-                <a:ea typeface="微軟正黑體" panose="020B0604030504040204" pitchFamily="34" charset="-120"/>
-              </a:rPr>
-              <a:t> image)</a:t>
-            </a:r>
-          </a:p>
-          <a:p>
-            <a:r>
-              <a:rPr lang="cs-CZ" sz="2400" dirty="0" err="1" smtClean="0">
-                <a:latin typeface="微軟正黑體" panose="020B0604030504040204" pitchFamily="34" charset="-120"/>
-                <a:ea typeface="微軟正黑體" panose="020B0604030504040204" pitchFamily="34" charset="-120"/>
-              </a:rPr>
-              <a:t>Baseline</a:t>
-            </a:r>
-            <a:endParaRPr lang="cs-CZ" sz="2400" dirty="0" smtClean="0">
-              <a:latin typeface="微軟正黑體" panose="020B0604030504040204" pitchFamily="34" charset="-120"/>
-              <a:ea typeface="微軟正黑體" panose="020B0604030504040204" pitchFamily="34" charset="-120"/>
-            </a:endParaRPr>
-          </a:p>
-          <a:p>
-            <a:pPr lvl="1"/>
-            <a:r>
-              <a:rPr lang="cs-CZ" sz="2200" dirty="0" err="1" smtClean="0">
-                <a:latin typeface="微軟正黑體" panose="020B0604030504040204" pitchFamily="34" charset="-120"/>
-                <a:ea typeface="微軟正黑體" panose="020B0604030504040204" pitchFamily="34" charset="-120"/>
-              </a:rPr>
-              <a:t>Serial</a:t>
-            </a:r>
-            <a:r>
-              <a:rPr lang="cs-CZ" sz="2200" dirty="0" smtClean="0">
-                <a:latin typeface="微軟正黑體" panose="020B0604030504040204" pitchFamily="34" charset="-120"/>
-                <a:ea typeface="微軟正黑體" panose="020B0604030504040204" pitchFamily="34" charset="-120"/>
-              </a:rPr>
-              <a:t> </a:t>
-            </a:r>
-            <a:r>
-              <a:rPr lang="cs-CZ" sz="2200" dirty="0" err="1" smtClean="0">
-                <a:latin typeface="微軟正黑體" panose="020B0604030504040204" pitchFamily="34" charset="-120"/>
-                <a:ea typeface="微軟正黑體" panose="020B0604030504040204" pitchFamily="34" charset="-120"/>
-              </a:rPr>
-              <a:t>time</a:t>
-            </a:r>
-            <a:r>
-              <a:rPr lang="cs-CZ" sz="2200" dirty="0" smtClean="0">
-                <a:latin typeface="微軟正黑體" panose="020B0604030504040204" pitchFamily="34" charset="-120"/>
-                <a:ea typeface="微軟正黑體" panose="020B0604030504040204" pitchFamily="34" charset="-120"/>
-              </a:rPr>
-              <a:t> </a:t>
-            </a:r>
-            <a:r>
-              <a:rPr lang="cs-CZ" sz="2200" dirty="0" err="1" smtClean="0">
-                <a:latin typeface="微軟正黑體" panose="020B0604030504040204" pitchFamily="34" charset="-120"/>
-                <a:ea typeface="微軟正黑體" panose="020B0604030504040204" pitchFamily="34" charset="-120"/>
-              </a:rPr>
-              <a:t>is</a:t>
-            </a:r>
-            <a:r>
-              <a:rPr lang="cs-CZ" sz="2200" dirty="0" smtClean="0">
-                <a:latin typeface="微軟正黑體" panose="020B0604030504040204" pitchFamily="34" charset="-120"/>
-                <a:ea typeface="微軟正黑體" panose="020B0604030504040204" pitchFamily="34" charset="-120"/>
-              </a:rPr>
-              <a:t> 82m44s (4964s)</a:t>
-            </a:r>
-          </a:p>
-          <a:p>
-            <a:pPr lvl="1"/>
-            <a:r>
-              <a:rPr lang="cs-CZ" sz="2200" dirty="0" smtClean="0">
-                <a:latin typeface="微軟正黑體" panose="020B0604030504040204" pitchFamily="34" charset="-120"/>
-                <a:ea typeface="微軟正黑體" panose="020B0604030504040204" pitchFamily="34" charset="-120"/>
-              </a:rPr>
-              <a:t>POSIX </a:t>
-            </a:r>
-            <a:r>
-              <a:rPr lang="cs-CZ" sz="2200" dirty="0" err="1" smtClean="0">
-                <a:latin typeface="微軟正黑體" panose="020B0604030504040204" pitchFamily="34" charset="-120"/>
-                <a:ea typeface="微軟正黑體" panose="020B0604030504040204" pitchFamily="34" charset="-120"/>
-              </a:rPr>
-              <a:t>thread</a:t>
-            </a:r>
-            <a:r>
-              <a:rPr lang="cs-CZ" sz="2200" dirty="0" smtClean="0">
-                <a:latin typeface="微軟正黑體" panose="020B0604030504040204" pitchFamily="34" charset="-120"/>
-                <a:ea typeface="微軟正黑體" panose="020B0604030504040204" pitchFamily="34" charset="-120"/>
-              </a:rPr>
-              <a:t> </a:t>
-            </a:r>
-            <a:r>
-              <a:rPr lang="cs-CZ" sz="2200" dirty="0" err="1" smtClean="0">
-                <a:latin typeface="微軟正黑體" panose="020B0604030504040204" pitchFamily="34" charset="-120"/>
-                <a:ea typeface="微軟正黑體" panose="020B0604030504040204" pitchFamily="34" charset="-120"/>
-              </a:rPr>
-              <a:t>time</a:t>
-            </a:r>
-            <a:r>
-              <a:rPr lang="cs-CZ" sz="2200" dirty="0" smtClean="0">
-                <a:latin typeface="微軟正黑體" panose="020B0604030504040204" pitchFamily="34" charset="-120"/>
-                <a:ea typeface="微軟正黑體" panose="020B0604030504040204" pitchFamily="34" charset="-120"/>
-              </a:rPr>
-              <a:t> </a:t>
-            </a:r>
-            <a:endParaRPr lang="en-US" sz="2200" dirty="0">
-              <a:latin typeface="微軟正黑體" panose="020B0604030504040204" pitchFamily="34" charset="-120"/>
-              <a:ea typeface="微軟正黑體" panose="020B0604030504040204" pitchFamily="34" charset="-120"/>
-            </a:endParaRPr>
+            <a:endParaRPr kumimoji="1" lang="zh-TW" altLang="en-US"/>
           </a:p>
         </p:txBody>
       </p:sp>
-      <p:pic>
-        <p:nvPicPr>
-          <p:cNvPr id="6" name="圖片 5"/>
-          <p:cNvPicPr>
-            <a:picLocks noChangeAspect="1"/>
-          </p:cNvPicPr>
-          <p:nvPr/>
-        </p:nvPicPr>
-        <p:blipFill>
-          <a:blip r:embed="rId3" cstate="print">
-            <a:extLst>
-              <a:ext uri="{28A0092B-C50C-407E-A947-70E740481C1C}">
-                <a14:useLocalDpi xmlns:a14="http://schemas.microsoft.com/office/drawing/2010/main" val="0"/>
-              </a:ext>
-            </a:extLst>
-          </a:blip>
-          <a:stretch>
-            <a:fillRect/>
-          </a:stretch>
-        </p:blipFill>
-        <p:spPr>
-          <a:xfrm>
-            <a:off x="5918843" y="970450"/>
-            <a:ext cx="6094413" cy="3428107"/>
-          </a:xfrm>
-          <a:prstGeom prst="rect">
-            <a:avLst/>
-          </a:prstGeom>
-        </p:spPr>
-      </p:pic>
     </p:spTree>
     <p:extLst>
       <p:ext uri="{BB962C8B-B14F-4D97-AF65-F5344CB8AC3E}">
-        <p14:creationId xmlns:p14="http://schemas.microsoft.com/office/powerpoint/2010/main" val="128907965"/>
+        <p14:creationId xmlns:p14="http://schemas.microsoft.com/office/powerpoint/2010/main" val="1758262596"/>
       </p:ext>
     </p:extLst>
   </p:cSld>
@@ -17529,6 +17326,497 @@
 </p:sld>
 </file>
 
+<file path=ppt/slides/slide8.xml><?xml version="1.0" encoding="utf-8"?>
+<p:sld xmlns:a="http://schemas.openxmlformats.org/drawingml/2006/main" xmlns:r="http://schemas.openxmlformats.org/officeDocument/2006/relationships" xmlns:p="http://schemas.openxmlformats.org/presentationml/2006/main">
+  <p:cSld>
+    <p:spTree>
+      <p:nvGrpSpPr>
+        <p:cNvPr id="1" name=""/>
+        <p:cNvGrpSpPr/>
+        <p:nvPr/>
+      </p:nvGrpSpPr>
+      <p:grpSpPr>
+        <a:xfrm>
+          <a:off x="0" y="0"/>
+          <a:ext cx="0" cy="0"/>
+          <a:chOff x="0" y="0"/>
+          <a:chExt cx="0" cy="0"/>
+        </a:xfrm>
+      </p:grpSpPr>
+      <p:sp>
+        <p:nvSpPr>
+          <p:cNvPr id="2" name="標題 1"/>
+          <p:cNvSpPr>
+            <a:spLocks noGrp="1"/>
+          </p:cNvSpPr>
+          <p:nvPr>
+            <p:ph type="title"/>
+          </p:nvPr>
+        </p:nvSpPr>
+        <p:spPr>
+          <a:xfrm>
+            <a:off x="913557" y="76200"/>
+            <a:ext cx="10351066" cy="970450"/>
+          </a:xfrm>
+        </p:spPr>
+        <p:txBody>
+          <a:bodyPr>
+            <a:normAutofit/>
+          </a:bodyPr>
+          <a:lstStyle/>
+          <a:p>
+            <a:r>
+              <a:rPr lang="en-US" sz="4800" dirty="0" smtClean="0">
+                <a:latin typeface="微軟正黑體" panose="020B0604030504040204" pitchFamily="34" charset="-120"/>
+                <a:ea typeface="微軟正黑體" panose="020B0604030504040204" pitchFamily="34" charset="-120"/>
+              </a:rPr>
+              <a:t>Environment for this </a:t>
+            </a:r>
+            <a:r>
+              <a:rPr lang="en-US" sz="4800" dirty="0" smtClean="0">
+                <a:latin typeface="微軟正黑體" panose="020B0604030504040204" pitchFamily="34" charset="-120"/>
+                <a:ea typeface="微軟正黑體" panose="020B0604030504040204" pitchFamily="34" charset="-120"/>
+              </a:rPr>
+              <a:t>project</a:t>
+            </a:r>
+            <a:endParaRPr lang="en-US" sz="4800" dirty="0">
+              <a:latin typeface="微軟正黑體" panose="020B0604030504040204" pitchFamily="34" charset="-120"/>
+              <a:ea typeface="微軟正黑體" panose="020B0604030504040204" pitchFamily="34" charset="-120"/>
+            </a:endParaRPr>
+          </a:p>
+        </p:txBody>
+      </p:sp>
+      <p:graphicFrame>
+        <p:nvGraphicFramePr>
+          <p:cNvPr id="12" name="表格 11"/>
+          <p:cNvGraphicFramePr>
+            <a:graphicFrameLocks noGrp="1"/>
+          </p:cNvGraphicFramePr>
+          <p:nvPr>
+            <p:extLst>
+              <p:ext uri="{D42A27DB-BD31-4B8C-83A1-F6EECF244321}">
+                <p14:modId xmlns:p14="http://schemas.microsoft.com/office/powerpoint/2010/main" val="4192608248"/>
+              </p:ext>
+            </p:extLst>
+          </p:nvPr>
+        </p:nvGraphicFramePr>
+        <p:xfrm>
+          <a:off x="2035658" y="1046651"/>
+          <a:ext cx="8106864" cy="5689754"/>
+        </p:xfrm>
+        <a:graphic>
+          <a:graphicData uri="http://schemas.openxmlformats.org/drawingml/2006/table">
+            <a:tbl>
+              <a:tblPr firstRow="1" bandRow="1">
+                <a:tableStyleId>{D7AC3CCA-C797-4891-BE02-D94E43425B78}</a:tableStyleId>
+              </a:tblPr>
+              <a:tblGrid>
+                <a:gridCol w="1620354">
+                  <a:extLst>
+                    <a:ext uri="{9D8B030D-6E8A-4147-A177-3AD203B41FA5}">
+                      <a16:colId xmlns:a16="http://schemas.microsoft.com/office/drawing/2014/main" val="1917913497"/>
+                    </a:ext>
+                  </a:extLst>
+                </a:gridCol>
+                <a:gridCol w="6486510">
+                  <a:extLst>
+                    <a:ext uri="{9D8B030D-6E8A-4147-A177-3AD203B41FA5}">
+                      <a16:colId xmlns:a16="http://schemas.microsoft.com/office/drawing/2014/main" val="2881882938"/>
+                    </a:ext>
+                  </a:extLst>
+                </a:gridCol>
+              </a:tblGrid>
+              <a:tr h="934874">
+                <a:tc>
+                  <a:txBody>
+                    <a:bodyPr/>
+                    <a:lstStyle/>
+                    <a:p>
+                      <a:r>
+                        <a:rPr lang="en-US" sz="3600" b="0" dirty="0" smtClean="0">
+                          <a:latin typeface="微軟正黑體" panose="020B0604030504040204" pitchFamily="34" charset="-120"/>
+                          <a:ea typeface="微軟正黑體" panose="020B0604030504040204" pitchFamily="34" charset="-120"/>
+                        </a:rPr>
+                        <a:t>CPU</a:t>
+                      </a:r>
+                      <a:endParaRPr lang="en-US" sz="3600" b="0" dirty="0">
+                        <a:latin typeface="微軟正黑體" panose="020B0604030504040204" pitchFamily="34" charset="-120"/>
+                        <a:ea typeface="微軟正黑體" panose="020B0604030504040204" pitchFamily="34" charset="-120"/>
+                      </a:endParaRPr>
+                    </a:p>
+                  </a:txBody>
+                  <a:tcPr/>
+                </a:tc>
+                <a:tc>
+                  <a:txBody>
+                    <a:bodyPr/>
+                    <a:lstStyle/>
+                    <a:p>
+                      <a:r>
+                        <a:rPr lang="en-US" sz="3600" b="0" dirty="0" smtClean="0">
+                          <a:latin typeface="微軟正黑體" panose="020B0604030504040204" pitchFamily="34" charset="-120"/>
+                          <a:ea typeface="微軟正黑體" panose="020B0604030504040204" pitchFamily="34" charset="-120"/>
+                        </a:rPr>
+                        <a:t>Intel</a:t>
+                      </a:r>
+                      <a:r>
+                        <a:rPr lang="en-US" sz="3600" b="0" baseline="0" dirty="0" smtClean="0">
+                          <a:latin typeface="微軟正黑體" panose="020B0604030504040204" pitchFamily="34" charset="-120"/>
+                          <a:ea typeface="微軟正黑體" panose="020B0604030504040204" pitchFamily="34" charset="-120"/>
+                        </a:rPr>
+                        <a:t> i5 7500 (4C 4T)</a:t>
+                      </a:r>
+                      <a:endParaRPr lang="en-US" sz="3600" b="0" dirty="0">
+                        <a:latin typeface="微軟正黑體" panose="020B0604030504040204" pitchFamily="34" charset="-120"/>
+                        <a:ea typeface="微軟正黑體" panose="020B0604030504040204" pitchFamily="34" charset="-120"/>
+                      </a:endParaRPr>
+                    </a:p>
+                  </a:txBody>
+                  <a:tcPr/>
+                </a:tc>
+                <a:extLst>
+                  <a:ext uri="{0D108BD9-81ED-4DB2-BD59-A6C34878D82A}">
+                    <a16:rowId xmlns:a16="http://schemas.microsoft.com/office/drawing/2014/main" val="1718032476"/>
+                  </a:ext>
+                </a:extLst>
+              </a:tr>
+              <a:tr h="1123869">
+                <a:tc>
+                  <a:txBody>
+                    <a:bodyPr/>
+                    <a:lstStyle/>
+                    <a:p>
+                      <a:pPr marL="0" marR="0" lvl="0" indent="0" algn="l" defTabSz="457063" rtl="0" eaLnBrk="1" fontAlgn="auto" latinLnBrk="0" hangingPunct="1">
+                        <a:lnSpc>
+                          <a:spcPct val="100000"/>
+                        </a:lnSpc>
+                        <a:spcBef>
+                          <a:spcPts val="0"/>
+                        </a:spcBef>
+                        <a:spcAft>
+                          <a:spcPts val="0"/>
+                        </a:spcAft>
+                        <a:buClrTx/>
+                        <a:buSzTx/>
+                        <a:buFontTx/>
+                        <a:buNone/>
+                        <a:tabLst/>
+                        <a:defRPr/>
+                      </a:pPr>
+                      <a:r>
+                        <a:rPr kumimoji="0" lang="en-US" sz="3600" b="0" i="0" u="none" strike="noStrike" kern="1200" cap="none" spc="0" normalizeH="0" baseline="0" noProof="0" dirty="0" smtClean="0">
+                          <a:ln>
+                            <a:noFill/>
+                          </a:ln>
+                          <a:solidFill>
+                            <a:prstClr val="black"/>
+                          </a:solidFill>
+                          <a:effectLst/>
+                          <a:uLnTx/>
+                          <a:uFillTx/>
+                          <a:latin typeface="微軟正黑體" panose="020B0604030504040204" pitchFamily="34" charset="-120"/>
+                          <a:ea typeface="微軟正黑體" panose="020B0604030504040204" pitchFamily="34" charset="-120"/>
+                          <a:cs typeface="+mn-cs"/>
+                        </a:rPr>
+                        <a:t>GPU</a:t>
+                      </a:r>
+                    </a:p>
+                    <a:p>
+                      <a:endParaRPr lang="en-US" sz="3600" b="0" dirty="0">
+                        <a:latin typeface="微軟正黑體" panose="020B0604030504040204" pitchFamily="34" charset="-120"/>
+                        <a:ea typeface="微軟正黑體" panose="020B0604030504040204" pitchFamily="34" charset="-120"/>
+                      </a:endParaRPr>
+                    </a:p>
+                  </a:txBody>
+                  <a:tcPr/>
+                </a:tc>
+                <a:tc>
+                  <a:txBody>
+                    <a:bodyPr/>
+                    <a:lstStyle/>
+                    <a:p>
+                      <a:r>
+                        <a:rPr lang="en-US" sz="3600" b="0" dirty="0" smtClean="0">
+                          <a:latin typeface="微軟正黑體" panose="020B0604030504040204" pitchFamily="34" charset="-120"/>
+                          <a:ea typeface="微軟正黑體" panose="020B0604030504040204" pitchFamily="34" charset="-120"/>
+                        </a:rPr>
+                        <a:t>NVIDIA GTX1070 </a:t>
+                      </a:r>
+                    </a:p>
+                    <a:p>
+                      <a:r>
+                        <a:rPr lang="en-US" sz="3600" b="0" dirty="0" smtClean="0">
+                          <a:latin typeface="微軟正黑體" panose="020B0604030504040204" pitchFamily="34" charset="-120"/>
+                          <a:ea typeface="微軟正黑體" panose="020B0604030504040204" pitchFamily="34" charset="-120"/>
+                        </a:rPr>
+                        <a:t>(1920 CUDA Cores)</a:t>
+                      </a:r>
+                      <a:endParaRPr lang="en-US" sz="3600" b="0" dirty="0">
+                        <a:latin typeface="微軟正黑體" panose="020B0604030504040204" pitchFamily="34" charset="-120"/>
+                        <a:ea typeface="微軟正黑體" panose="020B0604030504040204" pitchFamily="34" charset="-120"/>
+                      </a:endParaRPr>
+                    </a:p>
+                  </a:txBody>
+                  <a:tcPr/>
+                </a:tc>
+                <a:extLst>
+                  <a:ext uri="{0D108BD9-81ED-4DB2-BD59-A6C34878D82A}">
+                    <a16:rowId xmlns:a16="http://schemas.microsoft.com/office/drawing/2014/main" val="3215692717"/>
+                  </a:ext>
+                </a:extLst>
+              </a:tr>
+              <a:tr h="1123869">
+                <a:tc>
+                  <a:txBody>
+                    <a:bodyPr/>
+                    <a:lstStyle/>
+                    <a:p>
+                      <a:pPr marL="0" marR="0" lvl="0" indent="0" algn="l" defTabSz="457063" rtl="0" eaLnBrk="1" fontAlgn="auto" latinLnBrk="0" hangingPunct="1">
+                        <a:lnSpc>
+                          <a:spcPct val="100000"/>
+                        </a:lnSpc>
+                        <a:spcBef>
+                          <a:spcPts val="0"/>
+                        </a:spcBef>
+                        <a:spcAft>
+                          <a:spcPts val="0"/>
+                        </a:spcAft>
+                        <a:buClrTx/>
+                        <a:buSzTx/>
+                        <a:buFontTx/>
+                        <a:buNone/>
+                        <a:tabLst/>
+                        <a:defRPr/>
+                      </a:pPr>
+                      <a:r>
+                        <a:rPr kumimoji="0" lang="en-US" sz="3600" b="0" i="0" u="none" strike="noStrike" kern="1200" cap="none" spc="0" normalizeH="0" baseline="0" noProof="0" dirty="0" smtClean="0">
+                          <a:ln>
+                            <a:noFill/>
+                          </a:ln>
+                          <a:solidFill>
+                            <a:prstClr val="black"/>
+                          </a:solidFill>
+                          <a:effectLst/>
+                          <a:uLnTx/>
+                          <a:uFillTx/>
+                          <a:latin typeface="微軟正黑體" panose="020B0604030504040204" pitchFamily="34" charset="-120"/>
+                          <a:ea typeface="微軟正黑體" panose="020B0604030504040204" pitchFamily="34" charset="-120"/>
+                          <a:cs typeface="+mn-cs"/>
+                        </a:rPr>
+                        <a:t>SSD</a:t>
+                      </a:r>
+                    </a:p>
+                    <a:p>
+                      <a:endParaRPr lang="en-US" sz="3600" b="0" dirty="0">
+                        <a:latin typeface="微軟正黑體" panose="020B0604030504040204" pitchFamily="34" charset="-120"/>
+                        <a:ea typeface="微軟正黑體" panose="020B0604030504040204" pitchFamily="34" charset="-120"/>
+                      </a:endParaRPr>
+                    </a:p>
+                  </a:txBody>
+                  <a:tcPr/>
+                </a:tc>
+                <a:tc>
+                  <a:txBody>
+                    <a:bodyPr/>
+                    <a:lstStyle/>
+                    <a:p>
+                      <a:r>
+                        <a:rPr lang="en-US" sz="3600" b="0" dirty="0" smtClean="0">
+                          <a:latin typeface="微軟正黑體" panose="020B0604030504040204" pitchFamily="34" charset="-120"/>
+                          <a:ea typeface="微軟正黑體" panose="020B0604030504040204" pitchFamily="34" charset="-120"/>
+                        </a:rPr>
+                        <a:t>Samsung PM981 SSD 512GB</a:t>
+                      </a:r>
+                      <a:endParaRPr lang="en-US" sz="3600" b="0" dirty="0">
+                        <a:latin typeface="微軟正黑體" panose="020B0604030504040204" pitchFamily="34" charset="-120"/>
+                        <a:ea typeface="微軟正黑體" panose="020B0604030504040204" pitchFamily="34" charset="-120"/>
+                      </a:endParaRPr>
+                    </a:p>
+                  </a:txBody>
+                  <a:tcPr/>
+                </a:tc>
+                <a:extLst>
+                  <a:ext uri="{0D108BD9-81ED-4DB2-BD59-A6C34878D82A}">
+                    <a16:rowId xmlns:a16="http://schemas.microsoft.com/office/drawing/2014/main" val="3296786175"/>
+                  </a:ext>
+                </a:extLst>
+              </a:tr>
+              <a:tr h="1123869">
+                <a:tc>
+                  <a:txBody>
+                    <a:bodyPr/>
+                    <a:lstStyle/>
+                    <a:p>
+                      <a:pPr marL="0" marR="0" lvl="0" indent="0" algn="l" defTabSz="457063" rtl="0" eaLnBrk="1" fontAlgn="auto" latinLnBrk="0" hangingPunct="1">
+                        <a:lnSpc>
+                          <a:spcPct val="100000"/>
+                        </a:lnSpc>
+                        <a:spcBef>
+                          <a:spcPts val="0"/>
+                        </a:spcBef>
+                        <a:spcAft>
+                          <a:spcPts val="0"/>
+                        </a:spcAft>
+                        <a:buClrTx/>
+                        <a:buSzTx/>
+                        <a:buFontTx/>
+                        <a:buNone/>
+                        <a:tabLst/>
+                        <a:defRPr/>
+                      </a:pPr>
+                      <a:r>
+                        <a:rPr kumimoji="0" lang="en-US" sz="3600" b="0" i="0" u="none" strike="noStrike" kern="1200" cap="none" spc="0" normalizeH="0" baseline="0" noProof="0" dirty="0" smtClean="0">
+                          <a:ln>
+                            <a:noFill/>
+                          </a:ln>
+                          <a:solidFill>
+                            <a:prstClr val="black"/>
+                          </a:solidFill>
+                          <a:effectLst/>
+                          <a:uLnTx/>
+                          <a:uFillTx/>
+                          <a:latin typeface="微軟正黑體" panose="020B0604030504040204" pitchFamily="34" charset="-120"/>
+                          <a:ea typeface="微軟正黑體" panose="020B0604030504040204" pitchFamily="34" charset="-120"/>
+                          <a:cs typeface="+mn-cs"/>
+                        </a:rPr>
+                        <a:t>RAM</a:t>
+                      </a:r>
+                    </a:p>
+                    <a:p>
+                      <a:endParaRPr lang="en-US" sz="3600" b="0" dirty="0">
+                        <a:latin typeface="微軟正黑體" panose="020B0604030504040204" pitchFamily="34" charset="-120"/>
+                        <a:ea typeface="微軟正黑體" panose="020B0604030504040204" pitchFamily="34" charset="-120"/>
+                      </a:endParaRPr>
+                    </a:p>
+                  </a:txBody>
+                  <a:tcPr/>
+                </a:tc>
+                <a:tc>
+                  <a:txBody>
+                    <a:bodyPr/>
+                    <a:lstStyle/>
+                    <a:p>
+                      <a:r>
+                        <a:rPr lang="en-US" sz="3600" b="0" dirty="0" smtClean="0">
+                          <a:latin typeface="微軟正黑體" panose="020B0604030504040204" pitchFamily="34" charset="-120"/>
+                          <a:ea typeface="微軟正黑體" panose="020B0604030504040204" pitchFamily="34" charset="-120"/>
+                        </a:rPr>
+                        <a:t>DDR4 2666 8G x</a:t>
+                      </a:r>
+                      <a:r>
+                        <a:rPr lang="en-US" sz="3600" b="0" baseline="0" dirty="0" smtClean="0">
+                          <a:latin typeface="微軟正黑體" panose="020B0604030504040204" pitchFamily="34" charset="-120"/>
+                          <a:ea typeface="微軟正黑體" panose="020B0604030504040204" pitchFamily="34" charset="-120"/>
+                        </a:rPr>
+                        <a:t> 4</a:t>
+                      </a:r>
+                      <a:endParaRPr lang="en-US" sz="3600" b="0" dirty="0">
+                        <a:latin typeface="微軟正黑體" panose="020B0604030504040204" pitchFamily="34" charset="-120"/>
+                        <a:ea typeface="微軟正黑體" panose="020B0604030504040204" pitchFamily="34" charset="-120"/>
+                      </a:endParaRPr>
+                    </a:p>
+                  </a:txBody>
+                  <a:tcPr/>
+                </a:tc>
+                <a:extLst>
+                  <a:ext uri="{0D108BD9-81ED-4DB2-BD59-A6C34878D82A}">
+                    <a16:rowId xmlns:a16="http://schemas.microsoft.com/office/drawing/2014/main" val="1663358492"/>
+                  </a:ext>
+                </a:extLst>
+              </a:tr>
+              <a:tr h="1123869">
+                <a:tc>
+                  <a:txBody>
+                    <a:bodyPr/>
+                    <a:lstStyle/>
+                    <a:p>
+                      <a:pPr marL="0" marR="0" lvl="0" indent="0" algn="l" defTabSz="457063" rtl="0" eaLnBrk="1" fontAlgn="auto" latinLnBrk="0" hangingPunct="1">
+                        <a:lnSpc>
+                          <a:spcPct val="100000"/>
+                        </a:lnSpc>
+                        <a:spcBef>
+                          <a:spcPts val="0"/>
+                        </a:spcBef>
+                        <a:spcAft>
+                          <a:spcPts val="0"/>
+                        </a:spcAft>
+                        <a:buClrTx/>
+                        <a:buSzTx/>
+                        <a:buFontTx/>
+                        <a:buNone/>
+                        <a:tabLst/>
+                        <a:defRPr/>
+                      </a:pPr>
+                      <a:r>
+                        <a:rPr kumimoji="0" lang="en-US" sz="3600" b="0" i="0" u="none" strike="noStrike" kern="1200" cap="none" spc="0" normalizeH="0" baseline="0" noProof="0" dirty="0" smtClean="0">
+                          <a:ln>
+                            <a:noFill/>
+                          </a:ln>
+                          <a:solidFill>
+                            <a:prstClr val="black"/>
+                          </a:solidFill>
+                          <a:effectLst/>
+                          <a:uLnTx/>
+                          <a:uFillTx/>
+                          <a:latin typeface="微軟正黑體" panose="020B0604030504040204" pitchFamily="34" charset="-120"/>
+                          <a:ea typeface="微軟正黑體" panose="020B0604030504040204" pitchFamily="34" charset="-120"/>
+                          <a:cs typeface="+mn-cs"/>
+                        </a:rPr>
+                        <a:t>OS</a:t>
+                      </a:r>
+                    </a:p>
+                    <a:p>
+                      <a:endParaRPr lang="en-US" sz="3600" b="0" dirty="0">
+                        <a:latin typeface="微軟正黑體" panose="020B0604030504040204" pitchFamily="34" charset="-120"/>
+                        <a:ea typeface="微軟正黑體" panose="020B0604030504040204" pitchFamily="34" charset="-120"/>
+                      </a:endParaRPr>
+                    </a:p>
+                  </a:txBody>
+                  <a:tcPr/>
+                </a:tc>
+                <a:tc>
+                  <a:txBody>
+                    <a:bodyPr/>
+                    <a:lstStyle/>
+                    <a:p>
+                      <a:r>
+                        <a:rPr lang="en-US" sz="3600" b="0" dirty="0" smtClean="0">
+                          <a:latin typeface="微軟正黑體" panose="020B0604030504040204" pitchFamily="34" charset="-120"/>
+                          <a:ea typeface="微軟正黑體" panose="020B0604030504040204" pitchFamily="34" charset="-120"/>
+                        </a:rPr>
+                        <a:t>Ubuntu 16.04 64bit</a:t>
+                      </a:r>
+                      <a:endParaRPr lang="en-US" sz="3600" b="0" dirty="0">
+                        <a:latin typeface="微軟正黑體" panose="020B0604030504040204" pitchFamily="34" charset="-120"/>
+                        <a:ea typeface="微軟正黑體" panose="020B0604030504040204" pitchFamily="34" charset="-120"/>
+                      </a:endParaRPr>
+                    </a:p>
+                  </a:txBody>
+                  <a:tcPr/>
+                </a:tc>
+                <a:extLst>
+                  <a:ext uri="{0D108BD9-81ED-4DB2-BD59-A6C34878D82A}">
+                    <a16:rowId xmlns:a16="http://schemas.microsoft.com/office/drawing/2014/main" val="1358922665"/>
+                  </a:ext>
+                </a:extLst>
+              </a:tr>
+            </a:tbl>
+          </a:graphicData>
+        </a:graphic>
+      </p:graphicFrame>
+    </p:spTree>
+    <p:extLst>
+      <p:ext uri="{BB962C8B-B14F-4D97-AF65-F5344CB8AC3E}">
+        <p14:creationId xmlns:p14="http://schemas.microsoft.com/office/powerpoint/2010/main" val="3635218041"/>
+      </p:ext>
+    </p:extLst>
+  </p:cSld>
+  <p:clrMapOvr>
+    <a:masterClrMapping/>
+  </p:clrMapOvr>
+</p:sld>
+</file>
+
 <file path=ppt/slides/slide9.xml><?xml version="1.0" encoding="utf-8"?>
 <p:sld xmlns:a="http://schemas.openxmlformats.org/drawingml/2006/main" xmlns:r="http://schemas.openxmlformats.org/officeDocument/2006/relationships" xmlns:p="http://schemas.openxmlformats.org/presentationml/2006/main">
   <p:cSld>
@@ -17575,7 +17863,7 @@
                 <a:ea typeface="微軟正黑體" panose="020B0604030504040204" pitchFamily="34" charset="-120"/>
                 <a:sym typeface="Salesforce Sans"/>
               </a:rPr>
-              <a:t>How we parallel (animation)</a:t>
+              <a:t>Benchmark method</a:t>
             </a:r>
             <a:endParaRPr lang="zh-TW" altLang="en-US" sz="4800" dirty="0">
               <a:latin typeface="微軟正黑體" panose="020B0604030504040204" pitchFamily="34" charset="-120"/>
@@ -17587,7 +17875,7 @@
       </p:sp>
       <p:sp>
         <p:nvSpPr>
-          <p:cNvPr id="3" name="內容版面配置區 2"/>
+          <p:cNvPr id="2" name="內容版面配置區 1"/>
           <p:cNvSpPr>
             <a:spLocks noGrp="1"/>
           </p:cNvSpPr>
@@ -17595,19 +17883,261 @@
             <p:ph idx="1"/>
           </p:nvPr>
         </p:nvSpPr>
-        <p:spPr/>
+        <p:spPr>
+          <a:xfrm>
+            <a:off x="482468" y="974742"/>
+            <a:ext cx="5754130" cy="5638800"/>
+          </a:xfrm>
+        </p:spPr>
         <p:txBody>
-          <a:bodyPr/>
+          <a:bodyPr>
+            <a:normAutofit/>
+          </a:bodyPr>
           <a:lstStyle/>
           <a:p>
-            <a:endParaRPr kumimoji="1" lang="zh-TW" altLang="en-US"/>
+            <a:r>
+              <a:rPr lang="en-US" sz="2800" dirty="0" smtClean="0">
+                <a:latin typeface="微軟正黑體" panose="020B0604030504040204" pitchFamily="34" charset="-120"/>
+                <a:ea typeface="微軟正黑體" panose="020B0604030504040204" pitchFamily="34" charset="-120"/>
+              </a:rPr>
+              <a:t>8K(7680 x 4320) image for processing</a:t>
+            </a:r>
+          </a:p>
+          <a:p>
+            <a:r>
+              <a:rPr lang="en-US" sz="2800" dirty="0" smtClean="0">
+                <a:latin typeface="微軟正黑體" panose="020B0604030504040204" pitchFamily="34" charset="-120"/>
+                <a:ea typeface="微軟正黑體" panose="020B0604030504040204" pitchFamily="34" charset="-120"/>
+              </a:rPr>
+              <a:t>Filter size fixed to 101 x 101</a:t>
+            </a:r>
+          </a:p>
+          <a:p>
+            <a:r>
+              <a:rPr lang="en-US" sz="2800" dirty="0" smtClean="0">
+                <a:latin typeface="微軟正黑體" panose="020B0604030504040204" pitchFamily="34" charset="-120"/>
+                <a:ea typeface="微軟正黑體" panose="020B0604030504040204" pitchFamily="34" charset="-120"/>
+              </a:rPr>
+              <a:t>Computation is </a:t>
+            </a:r>
+            <a:r>
+              <a:rPr lang="cs-CZ" sz="2800" b="1" dirty="0" smtClean="0">
+                <a:solidFill>
+                  <a:srgbClr val="FF0000"/>
+                </a:solidFill>
+                <a:latin typeface="微軟正黑體" panose="020B0604030504040204" pitchFamily="34" charset="-120"/>
+                <a:ea typeface="微軟正黑體" panose="020B0604030504040204" pitchFamily="34" charset="-120"/>
+              </a:rPr>
+              <a:t>338444697600 (338 </a:t>
+            </a:r>
+            <a:r>
+              <a:rPr lang="cs-CZ" sz="2800" b="1" dirty="0" err="1" smtClean="0">
+                <a:solidFill>
+                  <a:srgbClr val="FF0000"/>
+                </a:solidFill>
+                <a:latin typeface="微軟正黑體" panose="020B0604030504040204" pitchFamily="34" charset="-120"/>
+                <a:ea typeface="微軟正黑體" panose="020B0604030504040204" pitchFamily="34" charset="-120"/>
+              </a:rPr>
+              <a:t>billion</a:t>
+            </a:r>
+            <a:r>
+              <a:rPr lang="cs-CZ" sz="2800" b="1" dirty="0" smtClean="0">
+                <a:solidFill>
+                  <a:srgbClr val="FF0000"/>
+                </a:solidFill>
+                <a:latin typeface="微軟正黑體" panose="020B0604030504040204" pitchFamily="34" charset="-120"/>
+                <a:ea typeface="微軟正黑體" panose="020B0604030504040204" pitchFamily="34" charset="-120"/>
+              </a:rPr>
+              <a:t>!)</a:t>
+            </a:r>
+          </a:p>
+          <a:p>
+            <a:r>
+              <a:rPr lang="cs-CZ" sz="2800" dirty="0" err="1" smtClean="0">
+                <a:latin typeface="微軟正黑體" panose="020B0604030504040204" pitchFamily="34" charset="-120"/>
+                <a:ea typeface="微軟正黑體" panose="020B0604030504040204" pitchFamily="34" charset="-120"/>
+              </a:rPr>
+              <a:t>Check</a:t>
+            </a:r>
+            <a:r>
+              <a:rPr lang="cs-CZ" sz="2800" dirty="0" smtClean="0">
+                <a:latin typeface="微軟正黑體" panose="020B0604030504040204" pitchFamily="34" charset="-120"/>
+                <a:ea typeface="微軟正黑體" panose="020B0604030504040204" pitchFamily="34" charset="-120"/>
+              </a:rPr>
+              <a:t> </a:t>
+            </a:r>
+            <a:r>
+              <a:rPr lang="cs-CZ" sz="2800" dirty="0" err="1" smtClean="0">
+                <a:latin typeface="微軟正黑體" panose="020B0604030504040204" pitchFamily="34" charset="-120"/>
+                <a:ea typeface="微軟正黑體" panose="020B0604030504040204" pitchFamily="34" charset="-120"/>
+              </a:rPr>
+              <a:t>error</a:t>
+            </a:r>
+            <a:r>
+              <a:rPr lang="cs-CZ" sz="2800" dirty="0" smtClean="0">
+                <a:latin typeface="微軟正黑體" panose="020B0604030504040204" pitchFamily="34" charset="-120"/>
+                <a:ea typeface="微軟正黑體" panose="020B0604030504040204" pitchFamily="34" charset="-120"/>
+              </a:rPr>
+              <a:t> percent </a:t>
+            </a:r>
+            <a:r>
+              <a:rPr lang="cs-CZ" sz="2800" dirty="0" err="1" smtClean="0">
+                <a:latin typeface="微軟正黑體" panose="020B0604030504040204" pitchFamily="34" charset="-120"/>
+                <a:ea typeface="微軟正黑體" panose="020B0604030504040204" pitchFamily="34" charset="-120"/>
+              </a:rPr>
+              <a:t>if</a:t>
+            </a:r>
+            <a:r>
+              <a:rPr lang="cs-CZ" sz="2800" dirty="0" smtClean="0">
+                <a:latin typeface="微軟正黑體" panose="020B0604030504040204" pitchFamily="34" charset="-120"/>
+                <a:ea typeface="微軟正黑體" panose="020B0604030504040204" pitchFamily="34" charset="-120"/>
+              </a:rPr>
+              <a:t> </a:t>
+            </a:r>
+            <a:r>
+              <a:rPr lang="cs-CZ" sz="2800" dirty="0" err="1" smtClean="0">
+                <a:latin typeface="微軟正黑體" panose="020B0604030504040204" pitchFamily="34" charset="-120"/>
+                <a:ea typeface="微軟正黑體" panose="020B0604030504040204" pitchFamily="34" charset="-120"/>
+              </a:rPr>
+              <a:t>needed</a:t>
+            </a:r>
+            <a:r>
+              <a:rPr lang="cs-CZ" sz="2800" dirty="0" smtClean="0">
+                <a:latin typeface="微軟正黑體" panose="020B0604030504040204" pitchFamily="34" charset="-120"/>
+                <a:ea typeface="微軟正黑體" panose="020B0604030504040204" pitchFamily="34" charset="-120"/>
+              </a:rPr>
+              <a:t> (</a:t>
+            </a:r>
+            <a:r>
+              <a:rPr lang="cs-CZ" sz="2800" dirty="0" err="1" smtClean="0">
+                <a:latin typeface="微軟正黑體" panose="020B0604030504040204" pitchFamily="34" charset="-120"/>
+                <a:ea typeface="微軟正黑體" panose="020B0604030504040204" pitchFamily="34" charset="-120"/>
+              </a:rPr>
+              <a:t>diff</a:t>
+            </a:r>
+            <a:r>
+              <a:rPr lang="cs-CZ" sz="2800" dirty="0" smtClean="0">
+                <a:latin typeface="微軟正黑體" panose="020B0604030504040204" pitchFamily="34" charset="-120"/>
+                <a:ea typeface="微軟正黑體" panose="020B0604030504040204" pitchFamily="34" charset="-120"/>
+              </a:rPr>
+              <a:t> image)</a:t>
+            </a:r>
+          </a:p>
+          <a:p>
+            <a:r>
+              <a:rPr lang="cs-CZ" sz="2800" dirty="0" err="1" smtClean="0">
+                <a:latin typeface="微軟正黑體" panose="020B0604030504040204" pitchFamily="34" charset="-120"/>
+                <a:ea typeface="微軟正黑體" panose="020B0604030504040204" pitchFamily="34" charset="-120"/>
+              </a:rPr>
+              <a:t>Baseline</a:t>
+            </a:r>
+            <a:endParaRPr lang="cs-CZ" sz="2800" dirty="0" smtClean="0">
+              <a:latin typeface="微軟正黑體" panose="020B0604030504040204" pitchFamily="34" charset="-120"/>
+              <a:ea typeface="微軟正黑體" panose="020B0604030504040204" pitchFamily="34" charset="-120"/>
+            </a:endParaRPr>
+          </a:p>
+          <a:p>
+            <a:pPr lvl="1"/>
+            <a:r>
+              <a:rPr lang="cs-CZ" sz="2400" dirty="0" err="1" smtClean="0">
+                <a:latin typeface="微軟正黑體" panose="020B0604030504040204" pitchFamily="34" charset="-120"/>
+                <a:ea typeface="微軟正黑體" panose="020B0604030504040204" pitchFamily="34" charset="-120"/>
+              </a:rPr>
+              <a:t>Serial</a:t>
+            </a:r>
+            <a:r>
+              <a:rPr lang="cs-CZ" sz="2400" dirty="0" smtClean="0">
+                <a:latin typeface="微軟正黑體" panose="020B0604030504040204" pitchFamily="34" charset="-120"/>
+                <a:ea typeface="微軟正黑體" panose="020B0604030504040204" pitchFamily="34" charset="-120"/>
+              </a:rPr>
+              <a:t> </a:t>
+            </a:r>
+            <a:r>
+              <a:rPr lang="cs-CZ" sz="2400" dirty="0" err="1" smtClean="0">
+                <a:latin typeface="微軟正黑體" panose="020B0604030504040204" pitchFamily="34" charset="-120"/>
+                <a:ea typeface="微軟正黑體" panose="020B0604030504040204" pitchFamily="34" charset="-120"/>
+              </a:rPr>
+              <a:t>time</a:t>
+            </a:r>
+            <a:r>
+              <a:rPr lang="cs-CZ" sz="2400" dirty="0" smtClean="0">
+                <a:latin typeface="微軟正黑體" panose="020B0604030504040204" pitchFamily="34" charset="-120"/>
+                <a:ea typeface="微軟正黑體" panose="020B0604030504040204" pitchFamily="34" charset="-120"/>
+              </a:rPr>
+              <a:t> </a:t>
+            </a:r>
+            <a:r>
+              <a:rPr lang="cs-CZ" sz="2400" dirty="0" err="1" smtClean="0">
+                <a:latin typeface="微軟正黑體" panose="020B0604030504040204" pitchFamily="34" charset="-120"/>
+                <a:ea typeface="微軟正黑體" panose="020B0604030504040204" pitchFamily="34" charset="-120"/>
+              </a:rPr>
+              <a:t>is</a:t>
+            </a:r>
+            <a:r>
+              <a:rPr lang="cs-CZ" sz="2400" dirty="0" smtClean="0">
+                <a:latin typeface="微軟正黑體" panose="020B0604030504040204" pitchFamily="34" charset="-120"/>
+                <a:ea typeface="微軟正黑體" panose="020B0604030504040204" pitchFamily="34" charset="-120"/>
+              </a:rPr>
+              <a:t> 82m44s (4964s)</a:t>
+            </a:r>
+          </a:p>
+          <a:p>
+            <a:pPr lvl="1"/>
+            <a:r>
+              <a:rPr lang="cs-CZ" sz="2400" dirty="0" smtClean="0">
+                <a:latin typeface="微軟正黑體" panose="020B0604030504040204" pitchFamily="34" charset="-120"/>
+                <a:ea typeface="微軟正黑體" panose="020B0604030504040204" pitchFamily="34" charset="-120"/>
+              </a:rPr>
+              <a:t>POSIX thread time </a:t>
+            </a:r>
+            <a:r>
+              <a:rPr lang="en-US" sz="2400" dirty="0" smtClean="0">
+                <a:latin typeface="微軟正黑體" panose="020B0604030504040204" pitchFamily="34" charset="-120"/>
+                <a:ea typeface="微軟正黑體" panose="020B0604030504040204" pitchFamily="34" charset="-120"/>
+              </a:rPr>
+              <a:t>is</a:t>
+            </a:r>
+            <a:endParaRPr lang="en-US" sz="2400" dirty="0">
+              <a:latin typeface="微軟正黑體" panose="020B0604030504040204" pitchFamily="34" charset="-120"/>
+              <a:ea typeface="微軟正黑體" panose="020B0604030504040204" pitchFamily="34" charset="-120"/>
+            </a:endParaRPr>
           </a:p>
         </p:txBody>
       </p:sp>
+      <p:pic>
+        <p:nvPicPr>
+          <p:cNvPr id="6" name="圖片 5"/>
+          <p:cNvPicPr>
+            <a:picLocks noChangeAspect="1"/>
+          </p:cNvPicPr>
+          <p:nvPr/>
+        </p:nvPicPr>
+        <p:blipFill>
+          <a:blip r:embed="rId3" cstate="print">
+            <a:extLst>
+              <a:ext uri="{28A0092B-C50C-407E-A947-70E740481C1C}">
+                <a14:useLocalDpi xmlns:a14="http://schemas.microsoft.com/office/drawing/2010/main" val="0"/>
+              </a:ext>
+            </a:extLst>
+          </a:blip>
+          <a:stretch>
+            <a:fillRect/>
+          </a:stretch>
+        </p:blipFill>
+        <p:spPr>
+          <a:xfrm>
+            <a:off x="6249387" y="2183867"/>
+            <a:ext cx="5725423" cy="3220550"/>
+          </a:xfrm>
+          <a:prstGeom prst="rect">
+            <a:avLst/>
+          </a:prstGeom>
+        </p:spPr>
+      </p:pic>
     </p:spTree>
     <p:extLst>
       <p:ext uri="{BB962C8B-B14F-4D97-AF65-F5344CB8AC3E}">
-        <p14:creationId xmlns:p14="http://schemas.microsoft.com/office/powerpoint/2010/main" val="1758262596"/>
+        <p14:creationId xmlns:p14="http://schemas.microsoft.com/office/powerpoint/2010/main" val="128907965"/>
       </p:ext>
     </p:extLst>
   </p:cSld>
@@ -18469,15 +18999,6 @@
 </file>
 
 <file path=customXml/item1.xml><?xml version="1.0" encoding="utf-8"?>
-<?mso-contentType ?>
-<FormTemplates xmlns="http://schemas.microsoft.com/sharepoint/v3/contenttype/forms">
-  <Display>DocumentLibraryForm</Display>
-  <Edit>AssetEditForm</Edit>
-  <New>DocumentLibraryForm</New>
-</FormTemplates>
-</file>
-
-<file path=customXml/item2.xml><?xml version="1.0" encoding="utf-8"?>
 <p:properties xmlns:p="http://schemas.microsoft.com/office/2006/metadata/properties" xmlns:xsi="http://www.w3.org/2001/XMLSchema-instance" xmlns:pc="http://schemas.microsoft.com/office/infopath/2007/PartnerControls">
   <documentManagement>
     <LocPublishedLinkedAssetsLookup xmlns="4873beb7-5857-4685-be1f-d57550cc96cc" xsi:nil="true"/>
@@ -18611,6 +19132,15 @@
     <LocMarketGroupTiers2 xmlns="4873beb7-5857-4685-be1f-d57550cc96cc" xsi:nil="true"/>
   </documentManagement>
 </p:properties>
+</file>
+
+<file path=customXml/item2.xml><?xml version="1.0" encoding="utf-8"?>
+<?mso-contentType ?>
+<FormTemplates xmlns="http://schemas.microsoft.com/sharepoint/v3/contenttype/forms">
+  <Display>DocumentLibraryForm</Display>
+  <Edit>AssetEditForm</Edit>
+  <New>DocumentLibraryForm</New>
+</FormTemplates>
 </file>
 
 <file path=customXml/item3.xml><?xml version="1.0" encoding="utf-8"?>
@@ -19654,14 +20184,6 @@
 </file>
 
 <file path=customXml/itemProps1.xml><?xml version="1.0" encoding="utf-8"?>
-<ds:datastoreItem xmlns:ds="http://schemas.openxmlformats.org/officeDocument/2006/customXml" ds:itemID="{3836F65B-1B07-41EE-A0E8-BC6EF3855225}">
-  <ds:schemaRefs>
-    <ds:schemaRef ds:uri="http://schemas.microsoft.com/sharepoint/v3/contenttype/forms"/>
-  </ds:schemaRefs>
-</ds:datastoreItem>
-</file>
-
-<file path=customXml/itemProps2.xml><?xml version="1.0" encoding="utf-8"?>
 <ds:datastoreItem xmlns:ds="http://schemas.openxmlformats.org/officeDocument/2006/customXml" ds:itemID="{60C67BEE-D13F-4BD2-98A5-34D8A0977F68}">
   <ds:schemaRefs>
     <ds:schemaRef ds:uri="4873beb7-5857-4685-be1f-d57550cc96cc"/>
@@ -19673,6 +20195,14 @@
     <ds:schemaRef ds:uri="http://schemas.microsoft.com/office/infopath/2007/PartnerControls"/>
     <ds:schemaRef ds:uri="http://www.w3.org/XML/1998/namespace"/>
     <ds:schemaRef ds:uri="http://purl.org/dc/dcmitype/"/>
+  </ds:schemaRefs>
+</ds:datastoreItem>
+</file>
+
+<file path=customXml/itemProps2.xml><?xml version="1.0" encoding="utf-8"?>
+<ds:datastoreItem xmlns:ds="http://schemas.openxmlformats.org/officeDocument/2006/customXml" ds:itemID="{3836F65B-1B07-41EE-A0E8-BC6EF3855225}">
+  <ds:schemaRefs>
+    <ds:schemaRef ds:uri="http://schemas.microsoft.com/sharepoint/v3/contenttype/forms"/>
   </ds:schemaRefs>
 </ds:datastoreItem>
 </file>

--- a/Final Project/Report.pptx
+++ b/Final Project/Report.pptx
@@ -5,10 +5,10 @@
     <p:sldMasterId id="2147483750" r:id="rId4"/>
   </p:sldMasterIdLst>
   <p:notesMasterIdLst>
-    <p:notesMasterId r:id="rId27"/>
+    <p:notesMasterId r:id="rId28"/>
   </p:notesMasterIdLst>
   <p:handoutMasterIdLst>
-    <p:handoutMasterId r:id="rId28"/>
+    <p:handoutMasterId r:id="rId29"/>
   </p:handoutMasterIdLst>
   <p:sldIdLst>
     <p:sldId id="257" r:id="rId5"/>
@@ -21,18 +21,19 @@
     <p:sldId id="274" r:id="rId12"/>
     <p:sldId id="276" r:id="rId13"/>
     <p:sldId id="277" r:id="rId14"/>
-    <p:sldId id="279" r:id="rId15"/>
-    <p:sldId id="281" r:id="rId16"/>
-    <p:sldId id="280" r:id="rId17"/>
-    <p:sldId id="267" r:id="rId18"/>
-    <p:sldId id="269" r:id="rId19"/>
-    <p:sldId id="270" r:id="rId20"/>
-    <p:sldId id="259" r:id="rId21"/>
-    <p:sldId id="261" r:id="rId22"/>
-    <p:sldId id="262" r:id="rId23"/>
-    <p:sldId id="263" r:id="rId24"/>
-    <p:sldId id="271" r:id="rId25"/>
-    <p:sldId id="265" r:id="rId26"/>
+    <p:sldId id="285" r:id="rId15"/>
+    <p:sldId id="279" r:id="rId16"/>
+    <p:sldId id="281" r:id="rId17"/>
+    <p:sldId id="280" r:id="rId18"/>
+    <p:sldId id="267" r:id="rId19"/>
+    <p:sldId id="269" r:id="rId20"/>
+    <p:sldId id="270" r:id="rId21"/>
+    <p:sldId id="259" r:id="rId22"/>
+    <p:sldId id="261" r:id="rId23"/>
+    <p:sldId id="262" r:id="rId24"/>
+    <p:sldId id="263" r:id="rId25"/>
+    <p:sldId id="271" r:id="rId26"/>
+    <p:sldId id="265" r:id="rId27"/>
   </p:sldIdLst>
   <p:sldSz cx="12188825" cy="6858000"/>
   <p:notesSz cx="6858000" cy="9144000"/>
@@ -5896,7 +5897,7 @@
                 <a:ea typeface="+mj-ea"/>
               </a:rPr>
               <a:pPr algn="r" rtl="0"/>
-              <a:t>15</a:t>
+              <a:t>16</a:t>
             </a:fld>
             <a:endParaRPr lang="zh-TW" altLang="en-US" dirty="0">
               <a:latin typeface="+mj-ea"/>
@@ -6000,7 +6001,7 @@
                 <a:ea typeface="+mj-ea"/>
               </a:rPr>
               <a:pPr algn="r" rtl="0"/>
-              <a:t>16</a:t>
+              <a:t>17</a:t>
             </a:fld>
             <a:endParaRPr lang="zh-TW" altLang="en-US" dirty="0">
               <a:latin typeface="+mj-ea"/>
@@ -6103,7 +6104,7 @@
                 <a:ea typeface="+mj-ea"/>
               </a:rPr>
               <a:pPr algn="r" rtl="0"/>
-              <a:t>17</a:t>
+              <a:t>18</a:t>
             </a:fld>
             <a:endParaRPr lang="zh-TW" altLang="en-US" dirty="0">
               <a:latin typeface="+mj-ea"/>
@@ -6203,7 +6204,7 @@
                 <a:ea typeface="+mj-ea"/>
               </a:rPr>
               <a:pPr algn="r" rtl="0"/>
-              <a:t>18</a:t>
+              <a:t>19</a:t>
             </a:fld>
             <a:endParaRPr lang="zh-TW" altLang="en-US" dirty="0">
               <a:latin typeface="+mj-ea"/>
@@ -6303,7 +6304,7 @@
                 <a:ea typeface="+mj-ea"/>
               </a:rPr>
               <a:pPr algn="r" rtl="0"/>
-              <a:t>19</a:t>
+              <a:t>20</a:t>
             </a:fld>
             <a:endParaRPr lang="zh-TW" altLang="en-US" dirty="0">
               <a:latin typeface="+mj-ea"/>
@@ -6403,7 +6404,7 @@
                 <a:ea typeface="+mj-ea"/>
               </a:rPr>
               <a:pPr algn="r" rtl="0"/>
-              <a:t>20</a:t>
+              <a:t>21</a:t>
             </a:fld>
             <a:endParaRPr lang="zh-TW" altLang="en-US" dirty="0">
               <a:latin typeface="+mj-ea"/>
@@ -6503,7 +6504,7 @@
                 <a:ea typeface="+mj-ea"/>
               </a:rPr>
               <a:pPr algn="r" rtl="0"/>
-              <a:t>21</a:t>
+              <a:t>22</a:t>
             </a:fld>
             <a:endParaRPr lang="zh-TW" altLang="en-US" dirty="0">
               <a:latin typeface="+mj-ea"/>
@@ -6603,7 +6604,7 @@
                 <a:ea typeface="+mj-ea"/>
               </a:rPr>
               <a:pPr algn="r" rtl="0"/>
-              <a:t>22</a:t>
+              <a:t>23</a:t>
             </a:fld>
             <a:endParaRPr lang="zh-TW" altLang="en-US" dirty="0">
               <a:latin typeface="+mj-ea"/>
@@ -7203,7 +7204,7 @@
                 <a:ea typeface="+mj-ea"/>
               </a:rPr>
               <a:pPr algn="r" rtl="0"/>
-              <a:t>11</a:t>
+              <a:t>12</a:t>
             </a:fld>
             <a:endParaRPr lang="zh-TW" altLang="en-US" dirty="0">
               <a:latin typeface="+mj-ea"/>
@@ -7303,7 +7304,7 @@
                 <a:ea typeface="+mj-ea"/>
               </a:rPr>
               <a:pPr algn="r" rtl="0"/>
-              <a:t>13</a:t>
+              <a:t>14</a:t>
             </a:fld>
             <a:endParaRPr lang="zh-TW" altLang="en-US" dirty="0">
               <a:latin typeface="+mj-ea"/>
@@ -7403,7 +7404,7 @@
                 <a:ea typeface="+mj-ea"/>
               </a:rPr>
               <a:pPr algn="r" rtl="0"/>
-              <a:t>14</a:t>
+              <a:t>15</a:t>
             </a:fld>
             <a:endParaRPr lang="zh-TW" altLang="en-US" dirty="0">
               <a:latin typeface="+mj-ea"/>
@@ -13970,13 +13971,13 @@
         </p:nvSpPr>
         <p:spPr>
           <a:xfrm>
-            <a:off x="912812" y="970450"/>
-            <a:ext cx="10210800" cy="5638800"/>
+            <a:off x="836612" y="6858000"/>
+            <a:ext cx="10210800" cy="2001350"/>
           </a:xfrm>
         </p:spPr>
         <p:txBody>
           <a:bodyPr>
-            <a:normAutofit/>
+            <a:normAutofit lnSpcReduction="10000"/>
           </a:bodyPr>
           <a:lstStyle/>
           <a:p>
@@ -13985,28 +13986,7 @@
                 <a:latin typeface="微軟正黑體" panose="020B0604030504040204" pitchFamily="34" charset="-120"/>
                 <a:ea typeface="微軟正黑體" panose="020B0604030504040204" pitchFamily="34" charset="-120"/>
               </a:rPr>
-              <a:t>Using 1024 </a:t>
-            </a:r>
-            <a:r>
-              <a:rPr lang="en-US" sz="2400" dirty="0" smtClean="0">
-                <a:latin typeface="微軟正黑體" panose="020B0604030504040204" pitchFamily="34" charset="-120"/>
-                <a:ea typeface="微軟正黑體" panose="020B0604030504040204" pitchFamily="34" charset="-120"/>
-              </a:rPr>
-              <a:t>threads </a:t>
-            </a:r>
-            <a:r>
-              <a:rPr lang="en-US" sz="2400" dirty="0" smtClean="0">
-                <a:latin typeface="微軟正黑體" panose="020B0604030504040204" pitchFamily="34" charset="-120"/>
-                <a:ea typeface="微軟正黑體" panose="020B0604030504040204" pitchFamily="34" charset="-120"/>
-              </a:rPr>
-              <a:t>per </a:t>
-            </a:r>
-            <a:r>
-              <a:rPr lang="en-US" sz="2400" dirty="0" smtClean="0">
-                <a:latin typeface="微軟正黑體" panose="020B0604030504040204" pitchFamily="34" charset="-120"/>
-                <a:ea typeface="微軟正黑體" panose="020B0604030504040204" pitchFamily="34" charset="-120"/>
-              </a:rPr>
-              <a:t>block. </a:t>
+              <a:t>Using 1024 threads per block. </a:t>
             </a:r>
           </a:p>
           <a:p>
@@ -14017,10 +13997,6 @@
               </a:rPr>
               <a:t>Total of 32400 blocks.</a:t>
             </a:r>
-            <a:endParaRPr lang="en-US" sz="2400" dirty="0" smtClean="0">
-              <a:latin typeface="微軟正黑體" panose="020B0604030504040204" pitchFamily="34" charset="-120"/>
-              <a:ea typeface="微軟正黑體" panose="020B0604030504040204" pitchFamily="34" charset="-120"/>
-            </a:endParaRPr>
           </a:p>
           <a:p>
             <a:r>
@@ -14030,26 +14006,23 @@
               </a:rPr>
               <a:t>Each thread deal with one pixel.</a:t>
             </a:r>
+          </a:p>
+          <a:p>
+            <a:r>
+              <a:rPr lang="en-US" sz="2400" dirty="0" smtClean="0">
+                <a:latin typeface="微軟正黑體" panose="020B0604030504040204" pitchFamily="34" charset="-120"/>
+                <a:ea typeface="微軟正黑體" panose="020B0604030504040204" pitchFamily="34" charset="-120"/>
+              </a:rPr>
+              <a:t>Compare pixel-wise(R G B) to verify the correctness</a:t>
+            </a:r>
+          </a:p>
+          <a:p>
             <a:endParaRPr lang="en-US" sz="2400" dirty="0" smtClean="0">
               <a:latin typeface="微軟正黑體" panose="020B0604030504040204" pitchFamily="34" charset="-120"/>
               <a:ea typeface="微軟正黑體" panose="020B0604030504040204" pitchFamily="34" charset="-120"/>
             </a:endParaRPr>
           </a:p>
           <a:p>
-            <a:r>
-              <a:rPr lang="en-US" sz="2400" dirty="0" smtClean="0">
-                <a:latin typeface="微軟正黑體" panose="020B0604030504040204" pitchFamily="34" charset="-120"/>
-                <a:ea typeface="微軟正黑體" panose="020B0604030504040204" pitchFamily="34" charset="-120"/>
-              </a:rPr>
-              <a:t>Compare pixel-wise(R G B) to verify the </a:t>
-            </a:r>
-            <a:r>
-              <a:rPr lang="en-US" sz="2400" dirty="0" smtClean="0">
-                <a:latin typeface="微軟正黑體" panose="020B0604030504040204" pitchFamily="34" charset="-120"/>
-                <a:ea typeface="微軟正黑體" panose="020B0604030504040204" pitchFamily="34" charset="-120"/>
-              </a:rPr>
-              <a:t>correctness</a:t>
-            </a:r>
             <a:endParaRPr lang="en-US" sz="2400" dirty="0" smtClean="0">
               <a:latin typeface="微軟正黑體" panose="020B0604030504040204" pitchFamily="34" charset="-120"/>
               <a:ea typeface="微軟正黑體" panose="020B0604030504040204" pitchFamily="34" charset="-120"/>
@@ -14061,17 +14034,1287 @@
               <a:ea typeface="微軟正黑體" panose="020B0604030504040204" pitchFamily="34" charset="-120"/>
             </a:endParaRPr>
           </a:p>
-          <a:p>
-            <a:endParaRPr lang="en-US" sz="2400" dirty="0" smtClean="0">
+        </p:txBody>
+      </p:sp>
+      <p:graphicFrame>
+        <p:nvGraphicFramePr>
+          <p:cNvPr id="4" name="表格 3"/>
+          <p:cNvGraphicFramePr>
+            <a:graphicFrameLocks noGrp="1"/>
+          </p:cNvGraphicFramePr>
+          <p:nvPr>
+            <p:extLst>
+              <p:ext uri="{D42A27DB-BD31-4B8C-83A1-F6EECF244321}">
+                <p14:modId xmlns:p14="http://schemas.microsoft.com/office/powerpoint/2010/main" val="3108861195"/>
+              </p:ext>
+            </p:extLst>
+          </p:nvPr>
+        </p:nvGraphicFramePr>
+        <p:xfrm>
+          <a:off x="2894621" y="976494"/>
+          <a:ext cx="6373280" cy="4507230"/>
+        </p:xfrm>
+        <a:graphic>
+          <a:graphicData uri="http://schemas.openxmlformats.org/drawingml/2006/table">
+            <a:tbl>
+              <a:tblPr firstRow="1" bandRow="1">
+                <a:tableStyleId>{D7AC3CCA-C797-4891-BE02-D94E43425B78}</a:tableStyleId>
+              </a:tblPr>
+              <a:tblGrid>
+                <a:gridCol w="796660">
+                  <a:extLst>
+                    <a:ext uri="{9D8B030D-6E8A-4147-A177-3AD203B41FA5}">
+                      <a16:colId xmlns:a16="http://schemas.microsoft.com/office/drawing/2014/main" val="2143632981"/>
+                    </a:ext>
+                  </a:extLst>
+                </a:gridCol>
+                <a:gridCol w="796660">
+                  <a:extLst>
+                    <a:ext uri="{9D8B030D-6E8A-4147-A177-3AD203B41FA5}">
+                      <a16:colId xmlns:a16="http://schemas.microsoft.com/office/drawing/2014/main" val="256714713"/>
+                    </a:ext>
+                  </a:extLst>
+                </a:gridCol>
+                <a:gridCol w="796660">
+                  <a:extLst>
+                    <a:ext uri="{9D8B030D-6E8A-4147-A177-3AD203B41FA5}">
+                      <a16:colId xmlns:a16="http://schemas.microsoft.com/office/drawing/2014/main" val="3383731159"/>
+                    </a:ext>
+                  </a:extLst>
+                </a:gridCol>
+                <a:gridCol w="796660">
+                  <a:extLst>
+                    <a:ext uri="{9D8B030D-6E8A-4147-A177-3AD203B41FA5}">
+                      <a16:colId xmlns:a16="http://schemas.microsoft.com/office/drawing/2014/main" val="44299500"/>
+                    </a:ext>
+                  </a:extLst>
+                </a:gridCol>
+                <a:gridCol w="796660">
+                  <a:extLst>
+                    <a:ext uri="{9D8B030D-6E8A-4147-A177-3AD203B41FA5}">
+                      <a16:colId xmlns:a16="http://schemas.microsoft.com/office/drawing/2014/main" val="3040518523"/>
+                    </a:ext>
+                  </a:extLst>
+                </a:gridCol>
+                <a:gridCol w="796660">
+                  <a:extLst>
+                    <a:ext uri="{9D8B030D-6E8A-4147-A177-3AD203B41FA5}">
+                      <a16:colId xmlns:a16="http://schemas.microsoft.com/office/drawing/2014/main" val="61716542"/>
+                    </a:ext>
+                  </a:extLst>
+                </a:gridCol>
+                <a:gridCol w="796660">
+                  <a:extLst>
+                    <a:ext uri="{9D8B030D-6E8A-4147-A177-3AD203B41FA5}">
+                      <a16:colId xmlns:a16="http://schemas.microsoft.com/office/drawing/2014/main" val="2766088148"/>
+                    </a:ext>
+                  </a:extLst>
+                </a:gridCol>
+                <a:gridCol w="796660">
+                  <a:extLst>
+                    <a:ext uri="{9D8B030D-6E8A-4147-A177-3AD203B41FA5}">
+                      <a16:colId xmlns:a16="http://schemas.microsoft.com/office/drawing/2014/main" val="1119374313"/>
+                    </a:ext>
+                  </a:extLst>
+                </a:gridCol>
+              </a:tblGrid>
+              <a:tr h="552450">
+                <a:tc rowSpan="4" gridSpan="4">
+                  <a:txBody>
+                    <a:bodyPr/>
+                    <a:lstStyle/>
+                    <a:p>
+                      <a:pPr algn="ctr"/>
+                      <a:r>
+                        <a:rPr lang="en-US" altLang="zh-TW" sz="3200" dirty="0" smtClean="0">
+                          <a:solidFill>
+                            <a:schemeClr val="tx1"/>
+                          </a:solidFill>
+                          <a:latin typeface="+mj-ea"/>
+                          <a:ea typeface="+mj-ea"/>
+                        </a:rPr>
+                        <a:t>1024</a:t>
+                      </a:r>
+                      <a:r>
+                        <a:rPr lang="zh-TW" altLang="en-US" sz="3200" dirty="0" smtClean="0">
+                          <a:solidFill>
+                            <a:schemeClr val="tx1"/>
+                          </a:solidFill>
+                          <a:latin typeface="+mj-ea"/>
+                          <a:ea typeface="+mj-ea"/>
+                        </a:rPr>
+                        <a:t> </a:t>
+                      </a:r>
+                      <a:endParaRPr lang="en-US" altLang="zh-TW" sz="3200" dirty="0" smtClean="0">
+                        <a:solidFill>
+                          <a:schemeClr val="tx1"/>
+                        </a:solidFill>
+                        <a:latin typeface="+mj-ea"/>
+                        <a:ea typeface="+mj-ea"/>
+                      </a:endParaRPr>
+                    </a:p>
+                    <a:p>
+                      <a:pPr algn="ctr"/>
+                      <a:r>
+                        <a:rPr lang="en-US" altLang="zh-TW" sz="3200" dirty="0" smtClean="0">
+                          <a:solidFill>
+                            <a:schemeClr val="tx1"/>
+                          </a:solidFill>
+                          <a:latin typeface="+mj-ea"/>
+                          <a:ea typeface="+mj-ea"/>
+                        </a:rPr>
+                        <a:t>threads</a:t>
+                      </a:r>
+                      <a:r>
+                        <a:rPr lang="en-US" altLang="zh-TW" sz="3200" baseline="0" dirty="0" smtClean="0">
+                          <a:solidFill>
+                            <a:schemeClr val="tx1"/>
+                          </a:solidFill>
+                          <a:latin typeface="+mj-ea"/>
+                          <a:ea typeface="+mj-ea"/>
+                        </a:rPr>
+                        <a:t> </a:t>
+                      </a:r>
+                    </a:p>
+                    <a:p>
+                      <a:pPr algn="ctr"/>
+                      <a:r>
+                        <a:rPr lang="en-US" altLang="zh-TW" sz="3200" baseline="0" dirty="0" smtClean="0">
+                          <a:solidFill>
+                            <a:schemeClr val="tx1"/>
+                          </a:solidFill>
+                          <a:latin typeface="+mj-ea"/>
+                          <a:ea typeface="+mj-ea"/>
+                        </a:rPr>
+                        <a:t>per</a:t>
+                      </a:r>
+                    </a:p>
+                    <a:p>
+                      <a:pPr algn="ctr"/>
+                      <a:r>
+                        <a:rPr lang="en-US" altLang="zh-TW" sz="3200" baseline="0" dirty="0" smtClean="0">
+                          <a:solidFill>
+                            <a:schemeClr val="tx1"/>
+                          </a:solidFill>
+                          <a:latin typeface="+mj-ea"/>
+                          <a:ea typeface="+mj-ea"/>
+                        </a:rPr>
+                        <a:t>block</a:t>
+                      </a:r>
+                    </a:p>
+                  </a:txBody>
+                  <a:tcPr>
+                    <a:solidFill>
+                      <a:schemeClr val="accent1"/>
+                    </a:solidFill>
+                  </a:tcPr>
+                </a:tc>
+                <a:tc rowSpan="4" hMerge="1">
+                  <a:txBody>
+                    <a:bodyPr/>
+                    <a:lstStyle/>
+                    <a:p>
+                      <a:endParaRPr lang="en-US" dirty="0"/>
+                    </a:p>
+                  </a:txBody>
+                  <a:tcPr>
+                    <a:solidFill>
+                      <a:schemeClr val="accent1"/>
+                    </a:solidFill>
+                  </a:tcPr>
+                </a:tc>
+                <a:tc rowSpan="4" hMerge="1">
+                  <a:txBody>
+                    <a:bodyPr/>
+                    <a:lstStyle/>
+                    <a:p>
+                      <a:endParaRPr lang="en-US"/>
+                    </a:p>
+                  </a:txBody>
+                  <a:tcPr>
+                    <a:solidFill>
+                      <a:schemeClr val="accent1"/>
+                    </a:solidFill>
+                  </a:tcPr>
+                </a:tc>
+                <a:tc rowSpan="4" hMerge="1">
+                  <a:txBody>
+                    <a:bodyPr/>
+                    <a:lstStyle/>
+                    <a:p>
+                      <a:endParaRPr lang="en-US"/>
+                    </a:p>
+                  </a:txBody>
+                  <a:tcPr>
+                    <a:solidFill>
+                      <a:schemeClr val="accent1"/>
+                    </a:solidFill>
+                  </a:tcPr>
+                </a:tc>
+                <a:tc>
+                  <a:txBody>
+                    <a:bodyPr/>
+                    <a:lstStyle/>
+                    <a:p>
+                      <a:endParaRPr lang="en-US"/>
+                    </a:p>
+                  </a:txBody>
+                  <a:tcPr/>
+                </a:tc>
+                <a:tc>
+                  <a:txBody>
+                    <a:bodyPr/>
+                    <a:lstStyle/>
+                    <a:p>
+                      <a:endParaRPr lang="en-US"/>
+                    </a:p>
+                  </a:txBody>
+                  <a:tcPr/>
+                </a:tc>
+                <a:tc>
+                  <a:txBody>
+                    <a:bodyPr/>
+                    <a:lstStyle/>
+                    <a:p>
+                      <a:endParaRPr lang="en-US"/>
+                    </a:p>
+                  </a:txBody>
+                  <a:tcPr/>
+                </a:tc>
+                <a:tc>
+                  <a:txBody>
+                    <a:bodyPr/>
+                    <a:lstStyle/>
+                    <a:p>
+                      <a:endParaRPr lang="en-US"/>
+                    </a:p>
+                  </a:txBody>
+                  <a:tcPr/>
+                </a:tc>
+                <a:extLst>
+                  <a:ext uri="{0D108BD9-81ED-4DB2-BD59-A6C34878D82A}">
+                    <a16:rowId xmlns:a16="http://schemas.microsoft.com/office/drawing/2014/main" val="3710824741"/>
+                  </a:ext>
+                </a:extLst>
+              </a:tr>
+              <a:tr h="552450">
+                <a:tc gridSpan="4" vMerge="1">
+                  <a:txBody>
+                    <a:bodyPr/>
+                    <a:lstStyle/>
+                    <a:p>
+                      <a:endParaRPr lang="en-US" dirty="0"/>
+                    </a:p>
+                  </a:txBody>
+                  <a:tcPr>
+                    <a:solidFill>
+                      <a:schemeClr val="accent1"/>
+                    </a:solidFill>
+                  </a:tcPr>
+                </a:tc>
+                <a:tc hMerge="1" vMerge="1">
+                  <a:txBody>
+                    <a:bodyPr/>
+                    <a:lstStyle/>
+                    <a:p>
+                      <a:endParaRPr lang="en-US" dirty="0"/>
+                    </a:p>
+                  </a:txBody>
+                  <a:tcPr>
+                    <a:solidFill>
+                      <a:schemeClr val="accent1"/>
+                    </a:solidFill>
+                  </a:tcPr>
+                </a:tc>
+                <a:tc hMerge="1" vMerge="1">
+                  <a:txBody>
+                    <a:bodyPr/>
+                    <a:lstStyle/>
+                    <a:p>
+                      <a:endParaRPr lang="en-US" dirty="0"/>
+                    </a:p>
+                  </a:txBody>
+                  <a:tcPr>
+                    <a:solidFill>
+                      <a:schemeClr val="accent1"/>
+                    </a:solidFill>
+                  </a:tcPr>
+                </a:tc>
+                <a:tc hMerge="1" vMerge="1">
+                  <a:txBody>
+                    <a:bodyPr/>
+                    <a:lstStyle/>
+                    <a:p>
+                      <a:endParaRPr lang="en-US" dirty="0"/>
+                    </a:p>
+                  </a:txBody>
+                  <a:tcPr>
+                    <a:solidFill>
+                      <a:schemeClr val="accent1"/>
+                    </a:solidFill>
+                  </a:tcPr>
+                </a:tc>
+                <a:tc>
+                  <a:txBody>
+                    <a:bodyPr/>
+                    <a:lstStyle/>
+                    <a:p>
+                      <a:r>
+                        <a:rPr lang="zh-TW" altLang="en-US" sz="3600" dirty="0" smtClean="0"/>
+                        <a:t> </a:t>
+                      </a:r>
+                      <a:endParaRPr lang="en-US" sz="3600" dirty="0"/>
+                    </a:p>
+                  </a:txBody>
+                  <a:tcPr/>
+                </a:tc>
+                <a:tc>
+                  <a:txBody>
+                    <a:bodyPr/>
+                    <a:lstStyle/>
+                    <a:p>
+                      <a:endParaRPr lang="en-US" sz="3600" dirty="0"/>
+                    </a:p>
+                  </a:txBody>
+                  <a:tcPr/>
+                </a:tc>
+                <a:tc>
+                  <a:txBody>
+                    <a:bodyPr/>
+                    <a:lstStyle/>
+                    <a:p>
+                      <a:endParaRPr lang="en-US" sz="3600" dirty="0"/>
+                    </a:p>
+                  </a:txBody>
+                  <a:tcPr/>
+                </a:tc>
+                <a:tc>
+                  <a:txBody>
+                    <a:bodyPr/>
+                    <a:lstStyle/>
+                    <a:p>
+                      <a:endParaRPr lang="en-US" sz="3600" dirty="0"/>
+                    </a:p>
+                  </a:txBody>
+                  <a:tcPr/>
+                </a:tc>
+                <a:extLst>
+                  <a:ext uri="{0D108BD9-81ED-4DB2-BD59-A6C34878D82A}">
+                    <a16:rowId xmlns:a16="http://schemas.microsoft.com/office/drawing/2014/main" val="4108638129"/>
+                  </a:ext>
+                </a:extLst>
+              </a:tr>
+              <a:tr h="552450">
+                <a:tc gridSpan="4" vMerge="1">
+                  <a:txBody>
+                    <a:bodyPr/>
+                    <a:lstStyle/>
+                    <a:p>
+                      <a:endParaRPr lang="en-US"/>
+                    </a:p>
+                  </a:txBody>
+                  <a:tcPr>
+                    <a:solidFill>
+                      <a:schemeClr val="accent1"/>
+                    </a:solidFill>
+                  </a:tcPr>
+                </a:tc>
+                <a:tc hMerge="1" vMerge="1">
+                  <a:txBody>
+                    <a:bodyPr/>
+                    <a:lstStyle/>
+                    <a:p>
+                      <a:endParaRPr lang="en-US" dirty="0"/>
+                    </a:p>
+                  </a:txBody>
+                  <a:tcPr>
+                    <a:solidFill>
+                      <a:schemeClr val="accent1"/>
+                    </a:solidFill>
+                  </a:tcPr>
+                </a:tc>
+                <a:tc hMerge="1" vMerge="1">
+                  <a:txBody>
+                    <a:bodyPr/>
+                    <a:lstStyle/>
+                    <a:p>
+                      <a:endParaRPr lang="en-US" dirty="0"/>
+                    </a:p>
+                  </a:txBody>
+                  <a:tcPr>
+                    <a:solidFill>
+                      <a:schemeClr val="accent1"/>
+                    </a:solidFill>
+                  </a:tcPr>
+                </a:tc>
+                <a:tc hMerge="1" vMerge="1">
+                  <a:txBody>
+                    <a:bodyPr/>
+                    <a:lstStyle/>
+                    <a:p>
+                      <a:endParaRPr lang="en-US" dirty="0"/>
+                    </a:p>
+                  </a:txBody>
+                  <a:tcPr>
+                    <a:solidFill>
+                      <a:schemeClr val="accent1"/>
+                    </a:solidFill>
+                  </a:tcPr>
+                </a:tc>
+                <a:tc>
+                  <a:txBody>
+                    <a:bodyPr/>
+                    <a:lstStyle/>
+                    <a:p>
+                      <a:endParaRPr lang="en-US" dirty="0"/>
+                    </a:p>
+                  </a:txBody>
+                  <a:tcPr/>
+                </a:tc>
+                <a:tc>
+                  <a:txBody>
+                    <a:bodyPr/>
+                    <a:lstStyle/>
+                    <a:p>
+                      <a:endParaRPr lang="en-US" dirty="0"/>
+                    </a:p>
+                  </a:txBody>
+                  <a:tcPr/>
+                </a:tc>
+                <a:tc>
+                  <a:txBody>
+                    <a:bodyPr/>
+                    <a:lstStyle/>
+                    <a:p>
+                      <a:endParaRPr lang="en-US"/>
+                    </a:p>
+                  </a:txBody>
+                  <a:tcPr/>
+                </a:tc>
+                <a:tc>
+                  <a:txBody>
+                    <a:bodyPr/>
+                    <a:lstStyle/>
+                    <a:p>
+                      <a:endParaRPr lang="en-US"/>
+                    </a:p>
+                  </a:txBody>
+                  <a:tcPr/>
+                </a:tc>
+                <a:extLst>
+                  <a:ext uri="{0D108BD9-81ED-4DB2-BD59-A6C34878D82A}">
+                    <a16:rowId xmlns:a16="http://schemas.microsoft.com/office/drawing/2014/main" val="1889495464"/>
+                  </a:ext>
+                </a:extLst>
+              </a:tr>
+              <a:tr h="552450">
+                <a:tc gridSpan="4" vMerge="1">
+                  <a:txBody>
+                    <a:bodyPr/>
+                    <a:lstStyle/>
+                    <a:p>
+                      <a:endParaRPr lang="en-US" dirty="0"/>
+                    </a:p>
+                  </a:txBody>
+                  <a:tcPr>
+                    <a:solidFill>
+                      <a:schemeClr val="accent1"/>
+                    </a:solidFill>
+                  </a:tcPr>
+                </a:tc>
+                <a:tc hMerge="1" vMerge="1">
+                  <a:txBody>
+                    <a:bodyPr/>
+                    <a:lstStyle/>
+                    <a:p>
+                      <a:endParaRPr lang="en-US"/>
+                    </a:p>
+                  </a:txBody>
+                  <a:tcPr>
+                    <a:solidFill>
+                      <a:schemeClr val="accent1"/>
+                    </a:solidFill>
+                  </a:tcPr>
+                </a:tc>
+                <a:tc hMerge="1" vMerge="1">
+                  <a:txBody>
+                    <a:bodyPr/>
+                    <a:lstStyle/>
+                    <a:p>
+                      <a:endParaRPr lang="en-US"/>
+                    </a:p>
+                  </a:txBody>
+                  <a:tcPr>
+                    <a:solidFill>
+                      <a:schemeClr val="accent1"/>
+                    </a:solidFill>
+                  </a:tcPr>
+                </a:tc>
+                <a:tc hMerge="1" vMerge="1">
+                  <a:txBody>
+                    <a:bodyPr/>
+                    <a:lstStyle/>
+                    <a:p>
+                      <a:endParaRPr lang="en-US" dirty="0"/>
+                    </a:p>
+                  </a:txBody>
+                  <a:tcPr>
+                    <a:solidFill>
+                      <a:schemeClr val="accent1"/>
+                    </a:solidFill>
+                  </a:tcPr>
+                </a:tc>
+                <a:tc>
+                  <a:txBody>
+                    <a:bodyPr/>
+                    <a:lstStyle/>
+                    <a:p>
+                      <a:endParaRPr lang="en-US"/>
+                    </a:p>
+                  </a:txBody>
+                  <a:tcPr/>
+                </a:tc>
+                <a:tc>
+                  <a:txBody>
+                    <a:bodyPr/>
+                    <a:lstStyle/>
+                    <a:p>
+                      <a:endParaRPr lang="en-US"/>
+                    </a:p>
+                  </a:txBody>
+                  <a:tcPr/>
+                </a:tc>
+                <a:tc>
+                  <a:txBody>
+                    <a:bodyPr/>
+                    <a:lstStyle/>
+                    <a:p>
+                      <a:endParaRPr lang="en-US"/>
+                    </a:p>
+                  </a:txBody>
+                  <a:tcPr/>
+                </a:tc>
+                <a:tc>
+                  <a:txBody>
+                    <a:bodyPr/>
+                    <a:lstStyle/>
+                    <a:p>
+                      <a:endParaRPr lang="en-US"/>
+                    </a:p>
+                  </a:txBody>
+                  <a:tcPr/>
+                </a:tc>
+                <a:extLst>
+                  <a:ext uri="{0D108BD9-81ED-4DB2-BD59-A6C34878D82A}">
+                    <a16:rowId xmlns:a16="http://schemas.microsoft.com/office/drawing/2014/main" val="1691667041"/>
+                  </a:ext>
+                </a:extLst>
+              </a:tr>
+              <a:tr h="552450">
+                <a:tc>
+                  <a:txBody>
+                    <a:bodyPr/>
+                    <a:lstStyle/>
+                    <a:p>
+                      <a:endParaRPr lang="en-US"/>
+                    </a:p>
+                  </a:txBody>
+                  <a:tcPr/>
+                </a:tc>
+                <a:tc>
+                  <a:txBody>
+                    <a:bodyPr/>
+                    <a:lstStyle/>
+                    <a:p>
+                      <a:pPr algn="ctr"/>
+                      <a:endParaRPr lang="en-US" sz="2800" b="1" dirty="0">
+                        <a:latin typeface="+mj-ea"/>
+                        <a:ea typeface="+mj-ea"/>
+                      </a:endParaRPr>
+                    </a:p>
+                  </a:txBody>
+                  <a:tcPr/>
+                </a:tc>
+                <a:tc>
+                  <a:txBody>
+                    <a:bodyPr/>
+                    <a:lstStyle/>
+                    <a:p>
+                      <a:endParaRPr lang="en-US" dirty="0"/>
+                    </a:p>
+                  </a:txBody>
+                  <a:tcPr/>
+                </a:tc>
+                <a:tc>
+                  <a:txBody>
+                    <a:bodyPr/>
+                    <a:lstStyle/>
+                    <a:p>
+                      <a:endParaRPr lang="en-US" dirty="0"/>
+                    </a:p>
+                  </a:txBody>
+                  <a:tcPr/>
+                </a:tc>
+                <a:tc>
+                  <a:txBody>
+                    <a:bodyPr/>
+                    <a:lstStyle/>
+                    <a:p>
+                      <a:endParaRPr lang="en-US"/>
+                    </a:p>
+                  </a:txBody>
+                  <a:tcPr/>
+                </a:tc>
+                <a:tc>
+                  <a:txBody>
+                    <a:bodyPr/>
+                    <a:lstStyle/>
+                    <a:p>
+                      <a:endParaRPr lang="en-US" dirty="0"/>
+                    </a:p>
+                  </a:txBody>
+                  <a:tcPr/>
+                </a:tc>
+                <a:tc>
+                  <a:txBody>
+                    <a:bodyPr/>
+                    <a:lstStyle/>
+                    <a:p>
+                      <a:endParaRPr lang="en-US"/>
+                    </a:p>
+                  </a:txBody>
+                  <a:tcPr/>
+                </a:tc>
+                <a:tc>
+                  <a:txBody>
+                    <a:bodyPr/>
+                    <a:lstStyle/>
+                    <a:p>
+                      <a:endParaRPr lang="en-US"/>
+                    </a:p>
+                  </a:txBody>
+                  <a:tcPr/>
+                </a:tc>
+                <a:extLst>
+                  <a:ext uri="{0D108BD9-81ED-4DB2-BD59-A6C34878D82A}">
+                    <a16:rowId xmlns:a16="http://schemas.microsoft.com/office/drawing/2014/main" val="1208744398"/>
+                  </a:ext>
+                </a:extLst>
+              </a:tr>
+              <a:tr h="552450">
+                <a:tc>
+                  <a:txBody>
+                    <a:bodyPr/>
+                    <a:lstStyle/>
+                    <a:p>
+                      <a:endParaRPr lang="en-US"/>
+                    </a:p>
+                  </a:txBody>
+                  <a:tcPr/>
+                </a:tc>
+                <a:tc>
+                  <a:txBody>
+                    <a:bodyPr/>
+                    <a:lstStyle/>
+                    <a:p>
+                      <a:pPr algn="ctr"/>
+                      <a:endParaRPr lang="en-US" sz="2800" b="1" dirty="0">
+                        <a:latin typeface="+mj-ea"/>
+                        <a:ea typeface="+mj-ea"/>
+                      </a:endParaRPr>
+                    </a:p>
+                  </a:txBody>
+                  <a:tcPr/>
+                </a:tc>
+                <a:tc>
+                  <a:txBody>
+                    <a:bodyPr/>
+                    <a:lstStyle/>
+                    <a:p>
+                      <a:endParaRPr lang="en-US" dirty="0"/>
+                    </a:p>
+                  </a:txBody>
+                  <a:tcPr/>
+                </a:tc>
+                <a:tc>
+                  <a:txBody>
+                    <a:bodyPr/>
+                    <a:lstStyle/>
+                    <a:p>
+                      <a:endParaRPr lang="en-US" dirty="0"/>
+                    </a:p>
+                  </a:txBody>
+                  <a:tcPr/>
+                </a:tc>
+                <a:tc>
+                  <a:txBody>
+                    <a:bodyPr/>
+                    <a:lstStyle/>
+                    <a:p>
+                      <a:endParaRPr lang="en-US" dirty="0"/>
+                    </a:p>
+                  </a:txBody>
+                  <a:tcPr/>
+                </a:tc>
+                <a:tc>
+                  <a:txBody>
+                    <a:bodyPr/>
+                    <a:lstStyle/>
+                    <a:p>
+                      <a:endParaRPr lang="en-US" dirty="0"/>
+                    </a:p>
+                  </a:txBody>
+                  <a:tcPr/>
+                </a:tc>
+                <a:tc>
+                  <a:txBody>
+                    <a:bodyPr/>
+                    <a:lstStyle/>
+                    <a:p>
+                      <a:endParaRPr lang="en-US"/>
+                    </a:p>
+                  </a:txBody>
+                  <a:tcPr/>
+                </a:tc>
+                <a:tc>
+                  <a:txBody>
+                    <a:bodyPr/>
+                    <a:lstStyle/>
+                    <a:p>
+                      <a:endParaRPr lang="en-US"/>
+                    </a:p>
+                  </a:txBody>
+                  <a:tcPr/>
+                </a:tc>
+                <a:extLst>
+                  <a:ext uri="{0D108BD9-81ED-4DB2-BD59-A6C34878D82A}">
+                    <a16:rowId xmlns:a16="http://schemas.microsoft.com/office/drawing/2014/main" val="3909699655"/>
+                  </a:ext>
+                </a:extLst>
+              </a:tr>
+              <a:tr h="552450">
+                <a:tc>
+                  <a:txBody>
+                    <a:bodyPr/>
+                    <a:lstStyle/>
+                    <a:p>
+                      <a:endParaRPr lang="en-US"/>
+                    </a:p>
+                  </a:txBody>
+                  <a:tcPr/>
+                </a:tc>
+                <a:tc>
+                  <a:txBody>
+                    <a:bodyPr/>
+                    <a:lstStyle/>
+                    <a:p>
+                      <a:pPr algn="ctr"/>
+                      <a:endParaRPr lang="en-US" sz="2800" b="1" dirty="0">
+                        <a:latin typeface="+mj-ea"/>
+                        <a:ea typeface="+mj-ea"/>
+                      </a:endParaRPr>
+                    </a:p>
+                  </a:txBody>
+                  <a:tcPr/>
+                </a:tc>
+                <a:tc>
+                  <a:txBody>
+                    <a:bodyPr/>
+                    <a:lstStyle/>
+                    <a:p>
+                      <a:endParaRPr lang="en-US"/>
+                    </a:p>
+                  </a:txBody>
+                  <a:tcPr/>
+                </a:tc>
+                <a:tc>
+                  <a:txBody>
+                    <a:bodyPr/>
+                    <a:lstStyle/>
+                    <a:p>
+                      <a:endParaRPr lang="en-US"/>
+                    </a:p>
+                  </a:txBody>
+                  <a:tcPr/>
+                </a:tc>
+                <a:tc>
+                  <a:txBody>
+                    <a:bodyPr/>
+                    <a:lstStyle/>
+                    <a:p>
+                      <a:endParaRPr lang="en-US" dirty="0"/>
+                    </a:p>
+                  </a:txBody>
+                  <a:tcPr/>
+                </a:tc>
+                <a:tc>
+                  <a:txBody>
+                    <a:bodyPr/>
+                    <a:lstStyle/>
+                    <a:p>
+                      <a:endParaRPr lang="en-US"/>
+                    </a:p>
+                  </a:txBody>
+                  <a:tcPr/>
+                </a:tc>
+                <a:tc>
+                  <a:txBody>
+                    <a:bodyPr/>
+                    <a:lstStyle/>
+                    <a:p>
+                      <a:endParaRPr lang="en-US" dirty="0"/>
+                    </a:p>
+                  </a:txBody>
+                  <a:tcPr/>
+                </a:tc>
+                <a:tc>
+                  <a:txBody>
+                    <a:bodyPr/>
+                    <a:lstStyle/>
+                    <a:p>
+                      <a:endParaRPr lang="en-US"/>
+                    </a:p>
+                  </a:txBody>
+                  <a:tcPr/>
+                </a:tc>
+                <a:extLst>
+                  <a:ext uri="{0D108BD9-81ED-4DB2-BD59-A6C34878D82A}">
+                    <a16:rowId xmlns:a16="http://schemas.microsoft.com/office/drawing/2014/main" val="714303597"/>
+                  </a:ext>
+                </a:extLst>
+              </a:tr>
+              <a:tr h="552450">
+                <a:tc>
+                  <a:txBody>
+                    <a:bodyPr/>
+                    <a:lstStyle/>
+                    <a:p>
+                      <a:endParaRPr lang="en-US"/>
+                    </a:p>
+                  </a:txBody>
+                  <a:tcPr/>
+                </a:tc>
+                <a:tc>
+                  <a:txBody>
+                    <a:bodyPr/>
+                    <a:lstStyle/>
+                    <a:p>
+                      <a:pPr algn="ctr"/>
+                      <a:endParaRPr lang="en-US" sz="2800" b="1" dirty="0">
+                        <a:latin typeface="+mj-ea"/>
+                        <a:ea typeface="+mj-ea"/>
+                      </a:endParaRPr>
+                    </a:p>
+                  </a:txBody>
+                  <a:tcPr/>
+                </a:tc>
+                <a:tc>
+                  <a:txBody>
+                    <a:bodyPr/>
+                    <a:lstStyle/>
+                    <a:p>
+                      <a:endParaRPr lang="en-US" dirty="0"/>
+                    </a:p>
+                  </a:txBody>
+                  <a:tcPr/>
+                </a:tc>
+                <a:tc>
+                  <a:txBody>
+                    <a:bodyPr/>
+                    <a:lstStyle/>
+                    <a:p>
+                      <a:endParaRPr lang="en-US" dirty="0"/>
+                    </a:p>
+                  </a:txBody>
+                  <a:tcPr/>
+                </a:tc>
+                <a:tc>
+                  <a:txBody>
+                    <a:bodyPr/>
+                    <a:lstStyle/>
+                    <a:p>
+                      <a:endParaRPr lang="en-US"/>
+                    </a:p>
+                  </a:txBody>
+                  <a:tcPr/>
+                </a:tc>
+                <a:tc>
+                  <a:txBody>
+                    <a:bodyPr/>
+                    <a:lstStyle/>
+                    <a:p>
+                      <a:endParaRPr lang="en-US"/>
+                    </a:p>
+                  </a:txBody>
+                  <a:tcPr/>
+                </a:tc>
+                <a:tc>
+                  <a:txBody>
+                    <a:bodyPr/>
+                    <a:lstStyle/>
+                    <a:p>
+                      <a:endParaRPr lang="en-US"/>
+                    </a:p>
+                  </a:txBody>
+                  <a:tcPr/>
+                </a:tc>
+                <a:tc>
+                  <a:txBody>
+                    <a:bodyPr/>
+                    <a:lstStyle/>
+                    <a:p>
+                      <a:endParaRPr lang="en-US" dirty="0"/>
+                    </a:p>
+                  </a:txBody>
+                  <a:tcPr/>
+                </a:tc>
+                <a:extLst>
+                  <a:ext uri="{0D108BD9-81ED-4DB2-BD59-A6C34878D82A}">
+                    <a16:rowId xmlns:a16="http://schemas.microsoft.com/office/drawing/2014/main" val="1843144627"/>
+                  </a:ext>
+                </a:extLst>
+              </a:tr>
+            </a:tbl>
+          </a:graphicData>
+        </a:graphic>
+      </p:graphicFrame>
+      <p:sp>
+        <p:nvSpPr>
+          <p:cNvPr id="5" name="左大括弧 4"/>
+          <p:cNvSpPr/>
+          <p:nvPr/>
+        </p:nvSpPr>
+        <p:spPr>
+          <a:xfrm>
+            <a:off x="2121507" y="971731"/>
+            <a:ext cx="381000" cy="4429125"/>
+          </a:xfrm>
+          <a:prstGeom prst="leftBrace">
+            <a:avLst>
+              <a:gd name="adj1" fmla="val 8333"/>
+              <a:gd name="adj2" fmla="val 50645"/>
+            </a:avLst>
+          </a:prstGeom>
+          <a:ln w="50800">
+            <a:solidFill>
+              <a:schemeClr val="tx1"/>
+            </a:solidFill>
+          </a:ln>
+        </p:spPr>
+        <p:style>
+          <a:lnRef idx="1">
+            <a:schemeClr val="accent1"/>
+          </a:lnRef>
+          <a:fillRef idx="0">
+            <a:schemeClr val="accent1"/>
+          </a:fillRef>
+          <a:effectRef idx="0">
+            <a:schemeClr val="accent1"/>
+          </a:effectRef>
+          <a:fontRef idx="minor">
+            <a:schemeClr val="tx1"/>
+          </a:fontRef>
+        </p:style>
+        <p:txBody>
+          <a:bodyPr rtlCol="0" anchor="ctr"/>
+          <a:lstStyle/>
+          <a:p>
+            <a:pPr algn="ctr"/>
+            <a:endParaRPr lang="en-US"/>
+          </a:p>
+        </p:txBody>
+      </p:sp>
+      <p:sp>
+        <p:nvSpPr>
+          <p:cNvPr id="7" name="左大括弧 6"/>
+          <p:cNvSpPr/>
+          <p:nvPr/>
+        </p:nvSpPr>
+        <p:spPr>
+          <a:xfrm rot="16200000">
+            <a:off x="5890761" y="2811706"/>
+            <a:ext cx="381000" cy="6248401"/>
+          </a:xfrm>
+          <a:prstGeom prst="leftBrace">
+            <a:avLst/>
+          </a:prstGeom>
+          <a:ln w="50800">
+            <a:solidFill>
+              <a:schemeClr val="tx1"/>
+            </a:solidFill>
+          </a:ln>
+        </p:spPr>
+        <p:style>
+          <a:lnRef idx="1">
+            <a:schemeClr val="accent1"/>
+          </a:lnRef>
+          <a:fillRef idx="0">
+            <a:schemeClr val="accent1"/>
+          </a:fillRef>
+          <a:effectRef idx="0">
+            <a:schemeClr val="accent1"/>
+          </a:effectRef>
+          <a:fontRef idx="minor">
+            <a:schemeClr val="tx1"/>
+          </a:fontRef>
+        </p:style>
+        <p:txBody>
+          <a:bodyPr rtlCol="0" anchor="ctr"/>
+          <a:lstStyle/>
+          <a:p>
+            <a:pPr algn="ctr"/>
+            <a:endParaRPr lang="en-US"/>
+          </a:p>
+        </p:txBody>
+      </p:sp>
+      <p:sp>
+        <p:nvSpPr>
+          <p:cNvPr id="6" name="文字方塊 5"/>
+          <p:cNvSpPr txBox="1"/>
+          <p:nvPr/>
+        </p:nvSpPr>
+        <p:spPr>
+          <a:xfrm>
+            <a:off x="303212" y="2724628"/>
+            <a:ext cx="1818295" cy="830997"/>
+          </a:xfrm>
+          <a:prstGeom prst="rect">
+            <a:avLst/>
+          </a:prstGeom>
+          <a:noFill/>
+        </p:spPr>
+        <p:txBody>
+          <a:bodyPr wrap="square" rtlCol="0">
+            <a:spAutoFit/>
+          </a:bodyPr>
+          <a:lstStyle/>
+          <a:p>
+            <a:r>
+              <a:rPr lang="en-US" altLang="zh-TW" sz="4800" dirty="0" smtClean="0">
+                <a:latin typeface="+mj-ea"/>
+                <a:ea typeface="+mj-ea"/>
+              </a:rPr>
+              <a:t>7680</a:t>
+            </a:r>
+            <a:endParaRPr lang="en-US" sz="4800" dirty="0">
+              <a:latin typeface="+mj-ea"/>
+              <a:ea typeface="+mj-ea"/>
+            </a:endParaRPr>
+          </a:p>
+        </p:txBody>
+      </p:sp>
+      <p:sp>
+        <p:nvSpPr>
+          <p:cNvPr id="9" name="文字方塊 8"/>
+          <p:cNvSpPr txBox="1"/>
+          <p:nvPr/>
+        </p:nvSpPr>
+        <p:spPr>
+          <a:xfrm>
+            <a:off x="5256212" y="6027003"/>
+            <a:ext cx="1818295" cy="830997"/>
+          </a:xfrm>
+          <a:prstGeom prst="rect">
+            <a:avLst/>
+          </a:prstGeom>
+          <a:noFill/>
+        </p:spPr>
+        <p:txBody>
+          <a:bodyPr wrap="square" rtlCol="0">
+            <a:spAutoFit/>
+          </a:bodyPr>
+          <a:lstStyle/>
+          <a:p>
+            <a:r>
+              <a:rPr lang="en-US" altLang="zh-TW" sz="4800" dirty="0" smtClean="0">
+                <a:latin typeface="+mj-ea"/>
+                <a:ea typeface="+mj-ea"/>
+              </a:rPr>
+              <a:t>4320</a:t>
+            </a:r>
+            <a:endParaRPr lang="en-US" sz="4800" dirty="0">
+              <a:latin typeface="+mj-ea"/>
+              <a:ea typeface="+mj-ea"/>
+            </a:endParaRPr>
+          </a:p>
+        </p:txBody>
+      </p:sp>
+      <p:sp>
+        <p:nvSpPr>
+          <p:cNvPr id="8" name="文字方塊 7"/>
+          <p:cNvSpPr txBox="1"/>
+          <p:nvPr/>
+        </p:nvSpPr>
+        <p:spPr>
+          <a:xfrm>
+            <a:off x="9455617" y="1293467"/>
+            <a:ext cx="2514600" cy="3785652"/>
+          </a:xfrm>
+          <a:prstGeom prst="rect">
+            <a:avLst/>
+          </a:prstGeom>
+          <a:noFill/>
+        </p:spPr>
+        <p:txBody>
+          <a:bodyPr wrap="square" rtlCol="0">
+            <a:spAutoFit/>
+          </a:bodyPr>
+          <a:lstStyle/>
+          <a:p>
+            <a:r>
+              <a:rPr lang="en-US" sz="4000" dirty="0">
+                <a:latin typeface="微軟正黑體" panose="020B0604030504040204" pitchFamily="34" charset="-120"/>
+                <a:ea typeface="微軟正黑體" panose="020B0604030504040204" pitchFamily="34" charset="-120"/>
+              </a:rPr>
+              <a:t>A</a:t>
+            </a:r>
+            <a:r>
+              <a:rPr lang="en-US" sz="4000" dirty="0" smtClean="0">
+                <a:latin typeface="微軟正黑體" panose="020B0604030504040204" pitchFamily="34" charset="-120"/>
+                <a:ea typeface="微軟正黑體" panose="020B0604030504040204" pitchFamily="34" charset="-120"/>
+              </a:rPr>
+              <a:t> thread process a pixel. </a:t>
+            </a:r>
+          </a:p>
+          <a:p>
+            <a:r>
+              <a:rPr lang="en-US" sz="4000" dirty="0">
+                <a:latin typeface="微軟正黑體" panose="020B0604030504040204" pitchFamily="34" charset="-120"/>
+                <a:ea typeface="微軟正黑體" panose="020B0604030504040204" pitchFamily="34" charset="-120"/>
+              </a:rPr>
+              <a:t>T</a:t>
+            </a:r>
+            <a:r>
+              <a:rPr lang="en-US" sz="4000" dirty="0" smtClean="0">
+                <a:latin typeface="微軟正黑體" panose="020B0604030504040204" pitchFamily="34" charset="-120"/>
+                <a:ea typeface="微軟正黑體" panose="020B0604030504040204" pitchFamily="34" charset="-120"/>
+              </a:rPr>
+              <a:t>otal 32400 blocks</a:t>
+            </a:r>
+            <a:endParaRPr lang="en-US" sz="4000" dirty="0">
               <a:latin typeface="微軟正黑體" panose="020B0604030504040204" pitchFamily="34" charset="-120"/>
               <a:ea typeface="微軟正黑體" panose="020B0604030504040204" pitchFamily="34" charset="-120"/>
             </a:endParaRPr>
           </a:p>
-          <a:p>
-            <a:endParaRPr lang="en-US" sz="2400" dirty="0" smtClean="0">
-              <a:latin typeface="微軟正黑體" panose="020B0604030504040204" pitchFamily="34" charset="-120"/>
-              <a:ea typeface="微軟正黑體" panose="020B0604030504040204" pitchFamily="34" charset="-120"/>
-            </a:endParaRPr>
+        </p:txBody>
+      </p:sp>
+      <p:sp>
+        <p:nvSpPr>
+          <p:cNvPr id="10" name="向下箭號 9"/>
+          <p:cNvSpPr/>
+          <p:nvPr/>
+        </p:nvSpPr>
+        <p:spPr>
+          <a:xfrm>
+            <a:off x="4113212" y="3474610"/>
+            <a:ext cx="762000" cy="1905000"/>
+          </a:xfrm>
+          <a:prstGeom prst="downArrow">
+            <a:avLst/>
+          </a:prstGeom>
+        </p:spPr>
+        <p:style>
+          <a:lnRef idx="2">
+            <a:schemeClr val="accent1">
+              <a:shade val="50000"/>
+            </a:schemeClr>
+          </a:lnRef>
+          <a:fillRef idx="1">
+            <a:schemeClr val="accent1"/>
+          </a:fillRef>
+          <a:effectRef idx="0">
+            <a:schemeClr val="accent1"/>
+          </a:effectRef>
+          <a:fontRef idx="minor">
+            <a:schemeClr val="lt1"/>
+          </a:fontRef>
+        </p:style>
+        <p:txBody>
+          <a:bodyPr rtlCol="0" anchor="ctr"/>
+          <a:lstStyle/>
+          <a:p>
+            <a:pPr algn="ctr"/>
+            <a:endParaRPr lang="en-US"/>
+          </a:p>
+        </p:txBody>
+      </p:sp>
+      <p:sp>
+        <p:nvSpPr>
+          <p:cNvPr id="12" name="向下箭號 11"/>
+          <p:cNvSpPr/>
+          <p:nvPr/>
+        </p:nvSpPr>
+        <p:spPr>
+          <a:xfrm rot="16200000">
+            <a:off x="7351712" y="914089"/>
+            <a:ext cx="762000" cy="1905000"/>
+          </a:xfrm>
+          <a:prstGeom prst="downArrow">
+            <a:avLst/>
+          </a:prstGeom>
+        </p:spPr>
+        <p:style>
+          <a:lnRef idx="2">
+            <a:schemeClr val="accent1">
+              <a:shade val="50000"/>
+            </a:schemeClr>
+          </a:lnRef>
+          <a:fillRef idx="1">
+            <a:schemeClr val="accent1"/>
+          </a:fillRef>
+          <a:effectRef idx="0">
+            <a:schemeClr val="accent1"/>
+          </a:effectRef>
+          <a:fontRef idx="minor">
+            <a:schemeClr val="lt1"/>
+          </a:fontRef>
+        </p:style>
+        <p:txBody>
+          <a:bodyPr rtlCol="0" anchor="ctr"/>
+          <a:lstStyle/>
+          <a:p>
+            <a:pPr algn="ctr"/>
+            <a:endParaRPr lang="en-US"/>
+          </a:p>
+        </p:txBody>
+      </p:sp>
+      <p:sp>
+        <p:nvSpPr>
+          <p:cNvPr id="14" name="向下箭號 13"/>
+          <p:cNvSpPr/>
+          <p:nvPr/>
+        </p:nvSpPr>
+        <p:spPr>
+          <a:xfrm rot="18335617">
+            <a:off x="6957158" y="3390111"/>
+            <a:ext cx="762000" cy="1905000"/>
+          </a:xfrm>
+          <a:prstGeom prst="downArrow">
+            <a:avLst/>
+          </a:prstGeom>
+        </p:spPr>
+        <p:style>
+          <a:lnRef idx="2">
+            <a:schemeClr val="accent1">
+              <a:shade val="50000"/>
+            </a:schemeClr>
+          </a:lnRef>
+          <a:fillRef idx="1">
+            <a:schemeClr val="accent1"/>
+          </a:fillRef>
+          <a:effectRef idx="0">
+            <a:schemeClr val="accent1"/>
+          </a:effectRef>
+          <a:fontRef idx="minor">
+            <a:schemeClr val="lt1"/>
+          </a:fontRef>
+        </p:style>
+        <p:txBody>
+          <a:bodyPr rtlCol="0" anchor="ctr"/>
+          <a:lstStyle/>
+          <a:p>
+            <a:pPr algn="ctr"/>
+            <a:endParaRPr lang="en-US"/>
           </a:p>
         </p:txBody>
       </p:sp>
@@ -14126,6 +15369,98 @@
       </p:grpSpPr>
       <p:sp>
         <p:nvSpPr>
+          <p:cNvPr id="4" name="文字方塊 3"/>
+          <p:cNvSpPr txBox="1"/>
+          <p:nvPr/>
+        </p:nvSpPr>
+        <p:spPr>
+          <a:xfrm>
+            <a:off x="454025" y="5410200"/>
+            <a:ext cx="11734800" cy="1323439"/>
+          </a:xfrm>
+          <a:prstGeom prst="rect">
+            <a:avLst/>
+          </a:prstGeom>
+          <a:noFill/>
+        </p:spPr>
+        <p:txBody>
+          <a:bodyPr wrap="square" rtlCol="0">
+            <a:spAutoFit/>
+          </a:bodyPr>
+          <a:lstStyle/>
+          <a:p>
+            <a:r>
+              <a:rPr lang="en-US" sz="4000" dirty="0" smtClean="0">
+                <a:latin typeface="微軟正黑體" panose="020B0604030504040204" pitchFamily="34" charset="-120"/>
+                <a:ea typeface="微軟正黑體" panose="020B0604030504040204" pitchFamily="34" charset="-120"/>
+              </a:rPr>
+              <a:t>Serial 4964sec, CUDA 5.875sec, accelerate </a:t>
+            </a:r>
+            <a:r>
+              <a:rPr lang="en-US" sz="4000" u="sng" dirty="0" smtClean="0">
+                <a:solidFill>
+                  <a:srgbClr val="FF0000"/>
+                </a:solidFill>
+                <a:latin typeface="微軟正黑體" panose="020B0604030504040204" pitchFamily="34" charset="-120"/>
+                <a:ea typeface="微軟正黑體" panose="020B0604030504040204" pitchFamily="34" charset="-120"/>
+              </a:rPr>
+              <a:t>857x</a:t>
+            </a:r>
+          </a:p>
+          <a:p>
+            <a:r>
+              <a:rPr lang="en-US" sz="4000" dirty="0" smtClean="0">
+                <a:latin typeface="微軟正黑體" panose="020B0604030504040204" pitchFamily="34" charset="-120"/>
+                <a:ea typeface="微軟正黑體" panose="020B0604030504040204" pitchFamily="34" charset="-120"/>
+              </a:rPr>
+              <a:t>Error is 2% but unseen by eye in </a:t>
+            </a:r>
+            <a:r>
+              <a:rPr lang="en-US" sz="4000" smtClean="0">
+                <a:latin typeface="微軟正黑體" panose="020B0604030504040204" pitchFamily="34" charset="-120"/>
+                <a:ea typeface="微軟正黑體" panose="020B0604030504040204" pitchFamily="34" charset="-120"/>
+              </a:rPr>
+              <a:t>blurred image. </a:t>
+            </a:r>
+            <a:endParaRPr lang="en-US" sz="4000" dirty="0">
+              <a:latin typeface="微軟正黑體" panose="020B0604030504040204" pitchFamily="34" charset="-120"/>
+              <a:ea typeface="微軟正黑體" panose="020B0604030504040204" pitchFamily="34" charset="-120"/>
+            </a:endParaRPr>
+          </a:p>
+        </p:txBody>
+      </p:sp>
+    </p:spTree>
+    <p:extLst>
+      <p:ext uri="{BB962C8B-B14F-4D97-AF65-F5344CB8AC3E}">
+        <p14:creationId xmlns:p14="http://schemas.microsoft.com/office/powerpoint/2010/main" val="4026648329"/>
+      </p:ext>
+    </p:extLst>
+  </p:cSld>
+  <p:clrMapOvr>
+    <a:masterClrMapping/>
+  </p:clrMapOvr>
+</p:sld>
+</file>
+
+<file path=ppt/slides/slide12.xml><?xml version="1.0" encoding="utf-8"?>
+<p:sld xmlns:a="http://schemas.openxmlformats.org/drawingml/2006/main" xmlns:r="http://schemas.openxmlformats.org/officeDocument/2006/relationships" xmlns:p="http://schemas.openxmlformats.org/presentationml/2006/main">
+  <p:cSld>
+    <p:spTree>
+      <p:nvGrpSpPr>
+        <p:cNvPr id="1" name=""/>
+        <p:cNvGrpSpPr/>
+        <p:nvPr/>
+      </p:nvGrpSpPr>
+      <p:grpSpPr>
+        <a:xfrm>
+          <a:off x="0" y="0"/>
+          <a:ext cx="0" cy="0"/>
+          <a:chOff x="0" y="0"/>
+          <a:chExt cx="0" cy="0"/>
+        </a:xfrm>
+      </p:grpSpPr>
+      <p:sp>
+        <p:nvSpPr>
           <p:cNvPr id="13" name="標題 12"/>
           <p:cNvSpPr>
             <a:spLocks noGrp="1"/>
@@ -14236,7 +15571,7 @@
 </p:sld>
 </file>
 
-<file path=ppt/slides/slide12.xml><?xml version="1.0" encoding="utf-8"?>
+<file path=ppt/slides/slide13.xml><?xml version="1.0" encoding="utf-8"?>
 <p:sld xmlns:a="http://schemas.openxmlformats.org/drawingml/2006/main" xmlns:r="http://schemas.openxmlformats.org/officeDocument/2006/relationships" xmlns:p="http://schemas.openxmlformats.org/presentationml/2006/main">
   <p:cSld>
     <p:spTree>
@@ -14329,7 +15664,7 @@
 </p:sld>
 </file>
 
-<file path=ppt/slides/slide13.xml><?xml version="1.0" encoding="utf-8"?>
+<file path=ppt/slides/slide14.xml><?xml version="1.0" encoding="utf-8"?>
 <p:sld xmlns:a="http://schemas.openxmlformats.org/drawingml/2006/main" xmlns:r="http://schemas.openxmlformats.org/officeDocument/2006/relationships" xmlns:p="http://schemas.openxmlformats.org/presentationml/2006/main">
   <p:cSld>
     <p:spTree>
@@ -14503,7 +15838,7 @@
 </p:sld>
 </file>
 
-<file path=ppt/slides/slide14.xml><?xml version="1.0" encoding="utf-8"?>
+<file path=ppt/slides/slide15.xml><?xml version="1.0" encoding="utf-8"?>
 <p:sld xmlns:a="http://schemas.openxmlformats.org/drawingml/2006/main" xmlns:r="http://schemas.openxmlformats.org/officeDocument/2006/relationships" xmlns:p="http://schemas.openxmlformats.org/presentationml/2006/main">
   <p:cSld>
     <p:spTree>
@@ -14602,7 +15937,7 @@
 </p:sld>
 </file>
 
-<file path=ppt/slides/slide15.xml><?xml version="1.0" encoding="utf-8"?>
+<file path=ppt/slides/slide16.xml><?xml version="1.0" encoding="utf-8"?>
 <p:sld xmlns:a="http://schemas.openxmlformats.org/drawingml/2006/main" xmlns:r="http://schemas.openxmlformats.org/officeDocument/2006/relationships" xmlns:p="http://schemas.openxmlformats.org/presentationml/2006/main">
   <p:cSld>
     <p:spTree>
@@ -15138,7 +16473,7 @@
 </p:sld>
 </file>
 
-<file path=ppt/slides/slide16.xml><?xml version="1.0" encoding="utf-8"?>
+<file path=ppt/slides/slide17.xml><?xml version="1.0" encoding="utf-8"?>
 <p:sld xmlns:a="http://schemas.openxmlformats.org/drawingml/2006/main" xmlns:r="http://schemas.openxmlformats.org/officeDocument/2006/relationships" xmlns:p="http://schemas.openxmlformats.org/presentationml/2006/main">
   <p:cSld>
     <p:spTree>
@@ -15291,104 +16626,6 @@
 </p:sld>
 </file>
 
-<file path=ppt/slides/slide17.xml><?xml version="1.0" encoding="utf-8"?>
-<p:sld xmlns:a="http://schemas.openxmlformats.org/drawingml/2006/main" xmlns:r="http://schemas.openxmlformats.org/officeDocument/2006/relationships" xmlns:p="http://schemas.openxmlformats.org/presentationml/2006/main">
-  <p:cSld>
-    <p:spTree>
-      <p:nvGrpSpPr>
-        <p:cNvPr id="1" name=""/>
-        <p:cNvGrpSpPr/>
-        <p:nvPr/>
-      </p:nvGrpSpPr>
-      <p:grpSpPr>
-        <a:xfrm>
-          <a:off x="0" y="0"/>
-          <a:ext cx="0" cy="0"/>
-          <a:chOff x="0" y="0"/>
-          <a:chExt cx="0" cy="0"/>
-        </a:xfrm>
-      </p:grpSpPr>
-      <p:sp>
-        <p:nvSpPr>
-          <p:cNvPr id="4" name="標題 3"/>
-          <p:cNvSpPr>
-            <a:spLocks noGrp="1"/>
-          </p:cNvSpPr>
-          <p:nvPr>
-            <p:ph type="title"/>
-          </p:nvPr>
-        </p:nvSpPr>
-        <p:spPr/>
-        <p:txBody>
-          <a:bodyPr rtlCol="0"/>
-          <a:lstStyle/>
-          <a:p>
-            <a:pPr rtl="0"/>
-            <a:r>
-              <a:rPr lang="zh-TW" altLang="en-US" dirty="0" smtClean="0">
-                <a:sym typeface="Salesforce Sans"/>
-              </a:rPr>
-              <a:t>新增投影片標題 </a:t>
-            </a:r>
-            <a:r>
-              <a:rPr lang="en-US" altLang="zh-TW" dirty="0" smtClean="0">
-                <a:sym typeface="Salesforce Sans"/>
-              </a:rPr>
-              <a:t>- 1</a:t>
-            </a:r>
-            <a:endParaRPr lang="zh-TW" altLang="en-US" dirty="0">
-              <a:sym typeface="Salesforce Sans"/>
-            </a:endParaRPr>
-          </a:p>
-        </p:txBody>
-      </p:sp>
-      <p:sp>
-        <p:nvSpPr>
-          <p:cNvPr id="5" name="文字預留位置 4"/>
-          <p:cNvSpPr>
-            <a:spLocks noGrp="1"/>
-          </p:cNvSpPr>
-          <p:nvPr>
-            <p:ph type="body" idx="1"/>
-          </p:nvPr>
-        </p:nvSpPr>
-        <p:spPr/>
-        <p:txBody>
-          <a:bodyPr rtlCol="0"/>
-          <a:lstStyle/>
-          <a:p>
-            <a:pPr rtl="0"/>
-            <a:endParaRPr lang="zh-TW" altLang="en-US" dirty="0">
-              <a:sym typeface="Salesforce Sans"/>
-            </a:endParaRPr>
-          </a:p>
-        </p:txBody>
-      </p:sp>
-    </p:spTree>
-    <p:extLst>
-      <p:ext uri="{BB962C8B-B14F-4D97-AF65-F5344CB8AC3E}">
-        <p14:creationId xmlns:p14="http://schemas.microsoft.com/office/powerpoint/2010/main" val="4264977537"/>
-      </p:ext>
-    </p:extLst>
-  </p:cSld>
-  <p:clrMapOvr>
-    <a:masterClrMapping/>
-  </p:clrMapOvr>
-  <mc:AlternateContent xmlns:mc="http://schemas.openxmlformats.org/markup-compatibility/2006" xmlns:p14="http://schemas.microsoft.com/office/powerpoint/2010/main">
-    <mc:Choice Requires="p14">
-      <p:transition spd="med" p14:dur="700">
-        <p:fade/>
-      </p:transition>
-    </mc:Choice>
-    <mc:Fallback xmlns="">
-      <p:transition spd="med">
-        <p:fade/>
-      </p:transition>
-    </mc:Fallback>
-  </mc:AlternateContent>
-</p:sld>
-</file>
-
 <file path=ppt/slides/slide18.xml><?xml version="1.0" encoding="utf-8"?>
 <p:sld xmlns:a="http://schemas.openxmlformats.org/drawingml/2006/main" xmlns:r="http://schemas.openxmlformats.org/officeDocument/2006/relationships" xmlns:p="http://schemas.openxmlformats.org/presentationml/2006/main">
   <p:cSld>
@@ -15408,7 +16645,7 @@
       </p:grpSpPr>
       <p:sp>
         <p:nvSpPr>
-          <p:cNvPr id="7" name="標題 6"/>
+          <p:cNvPr id="4" name="標題 3"/>
           <p:cNvSpPr>
             <a:spLocks noGrp="1"/>
           </p:cNvSpPr>
@@ -15432,7 +16669,7 @@
               <a:rPr lang="en-US" altLang="zh-TW" dirty="0" smtClean="0">
                 <a:sym typeface="Salesforce Sans"/>
               </a:rPr>
-              <a:t>- 2</a:t>
+              <a:t>- 1</a:t>
             </a:r>
             <a:endParaRPr lang="zh-TW" altLang="en-US" dirty="0">
               <a:sym typeface="Salesforce Sans"/>
@@ -15442,7 +16679,7 @@
       </p:sp>
       <p:sp>
         <p:nvSpPr>
-          <p:cNvPr id="8" name="文字預留位置 7"/>
+          <p:cNvPr id="5" name="文字預留位置 4"/>
           <p:cNvSpPr>
             <a:spLocks noGrp="1"/>
           </p:cNvSpPr>
@@ -15462,76 +16699,10 @@
           </a:p>
         </p:txBody>
       </p:sp>
-      <p:sp>
-        <p:nvSpPr>
-          <p:cNvPr id="10" name="內容預留位置 9"/>
-          <p:cNvSpPr>
-            <a:spLocks noGrp="1"/>
-          </p:cNvSpPr>
-          <p:nvPr>
-            <p:ph sz="half" idx="2"/>
-          </p:nvPr>
-        </p:nvSpPr>
-        <p:spPr/>
-        <p:txBody>
-          <a:bodyPr rtlCol="0"/>
-          <a:lstStyle/>
-          <a:p>
-            <a:pPr rtl="0"/>
-            <a:endParaRPr lang="zh-TW" altLang="en-US" dirty="0">
-              <a:sym typeface="Salesforce Sans"/>
-            </a:endParaRPr>
-          </a:p>
-        </p:txBody>
-      </p:sp>
-      <p:sp>
-        <p:nvSpPr>
-          <p:cNvPr id="9" name="文字預留位置 8"/>
-          <p:cNvSpPr>
-            <a:spLocks noGrp="1"/>
-          </p:cNvSpPr>
-          <p:nvPr>
-            <p:ph type="body" sz="quarter" idx="3"/>
-          </p:nvPr>
-        </p:nvSpPr>
-        <p:spPr/>
-        <p:txBody>
-          <a:bodyPr rtlCol="0"/>
-          <a:lstStyle/>
-          <a:p>
-            <a:pPr rtl="0"/>
-            <a:endParaRPr lang="zh-TW" altLang="en-US" dirty="0">
-              <a:sym typeface="Salesforce Sans"/>
-            </a:endParaRPr>
-          </a:p>
-        </p:txBody>
-      </p:sp>
-      <p:sp>
-        <p:nvSpPr>
-          <p:cNvPr id="11" name="內容預留位置 10"/>
-          <p:cNvSpPr>
-            <a:spLocks noGrp="1"/>
-          </p:cNvSpPr>
-          <p:nvPr>
-            <p:ph sz="quarter" idx="4"/>
-          </p:nvPr>
-        </p:nvSpPr>
-        <p:spPr/>
-        <p:txBody>
-          <a:bodyPr rtlCol="0"/>
-          <a:lstStyle/>
-          <a:p>
-            <a:pPr rtl="0"/>
-            <a:endParaRPr lang="zh-TW" altLang="en-US" dirty="0">
-              <a:sym typeface="Salesforce Sans"/>
-            </a:endParaRPr>
-          </a:p>
-        </p:txBody>
-      </p:sp>
     </p:spTree>
     <p:extLst>
       <p:ext uri="{BB962C8B-B14F-4D97-AF65-F5344CB8AC3E}">
-        <p14:creationId xmlns:p14="http://schemas.microsoft.com/office/powerpoint/2010/main" val="2672039197"/>
+        <p14:creationId xmlns:p14="http://schemas.microsoft.com/office/powerpoint/2010/main" val="4264977537"/>
       </p:ext>
     </p:extLst>
   </p:cSld>
@@ -15572,7 +16743,7 @@
       </p:grpSpPr>
       <p:sp>
         <p:nvSpPr>
-          <p:cNvPr id="3" name="標題 2"/>
+          <p:cNvPr id="7" name="標題 6"/>
           <p:cNvSpPr>
             <a:spLocks noGrp="1"/>
           </p:cNvSpPr>
@@ -15596,7 +16767,7 @@
               <a:rPr lang="en-US" altLang="zh-TW" dirty="0" smtClean="0">
                 <a:sym typeface="Salesforce Sans"/>
               </a:rPr>
-              <a:t>- 3</a:t>
+              <a:t>- 2</a:t>
             </a:r>
             <a:endParaRPr lang="zh-TW" altLang="en-US" dirty="0">
               <a:sym typeface="Salesforce Sans"/>
@@ -15604,10 +16775,98 @@
           </a:p>
         </p:txBody>
       </p:sp>
+      <p:sp>
+        <p:nvSpPr>
+          <p:cNvPr id="8" name="文字預留位置 7"/>
+          <p:cNvSpPr>
+            <a:spLocks noGrp="1"/>
+          </p:cNvSpPr>
+          <p:nvPr>
+            <p:ph type="body" idx="1"/>
+          </p:nvPr>
+        </p:nvSpPr>
+        <p:spPr/>
+        <p:txBody>
+          <a:bodyPr rtlCol="0"/>
+          <a:lstStyle/>
+          <a:p>
+            <a:pPr rtl="0"/>
+            <a:endParaRPr lang="zh-TW" altLang="en-US" dirty="0">
+              <a:sym typeface="Salesforce Sans"/>
+            </a:endParaRPr>
+          </a:p>
+        </p:txBody>
+      </p:sp>
+      <p:sp>
+        <p:nvSpPr>
+          <p:cNvPr id="10" name="內容預留位置 9"/>
+          <p:cNvSpPr>
+            <a:spLocks noGrp="1"/>
+          </p:cNvSpPr>
+          <p:nvPr>
+            <p:ph sz="half" idx="2"/>
+          </p:nvPr>
+        </p:nvSpPr>
+        <p:spPr/>
+        <p:txBody>
+          <a:bodyPr rtlCol="0"/>
+          <a:lstStyle/>
+          <a:p>
+            <a:pPr rtl="0"/>
+            <a:endParaRPr lang="zh-TW" altLang="en-US" dirty="0">
+              <a:sym typeface="Salesforce Sans"/>
+            </a:endParaRPr>
+          </a:p>
+        </p:txBody>
+      </p:sp>
+      <p:sp>
+        <p:nvSpPr>
+          <p:cNvPr id="9" name="文字預留位置 8"/>
+          <p:cNvSpPr>
+            <a:spLocks noGrp="1"/>
+          </p:cNvSpPr>
+          <p:nvPr>
+            <p:ph type="body" sz="quarter" idx="3"/>
+          </p:nvPr>
+        </p:nvSpPr>
+        <p:spPr/>
+        <p:txBody>
+          <a:bodyPr rtlCol="0"/>
+          <a:lstStyle/>
+          <a:p>
+            <a:pPr rtl="0"/>
+            <a:endParaRPr lang="zh-TW" altLang="en-US" dirty="0">
+              <a:sym typeface="Salesforce Sans"/>
+            </a:endParaRPr>
+          </a:p>
+        </p:txBody>
+      </p:sp>
+      <p:sp>
+        <p:nvSpPr>
+          <p:cNvPr id="11" name="內容預留位置 10"/>
+          <p:cNvSpPr>
+            <a:spLocks noGrp="1"/>
+          </p:cNvSpPr>
+          <p:nvPr>
+            <p:ph sz="quarter" idx="4"/>
+          </p:nvPr>
+        </p:nvSpPr>
+        <p:spPr/>
+        <p:txBody>
+          <a:bodyPr rtlCol="0"/>
+          <a:lstStyle/>
+          <a:p>
+            <a:pPr rtl="0"/>
+            <a:endParaRPr lang="zh-TW" altLang="en-US" dirty="0">
+              <a:sym typeface="Salesforce Sans"/>
+            </a:endParaRPr>
+          </a:p>
+        </p:txBody>
+      </p:sp>
     </p:spTree>
     <p:extLst>
       <p:ext uri="{BB962C8B-B14F-4D97-AF65-F5344CB8AC3E}">
-        <p14:creationId xmlns:p14="http://schemas.microsoft.com/office/powerpoint/2010/main" val="397710800"/>
+        <p14:creationId xmlns:p14="http://schemas.microsoft.com/office/powerpoint/2010/main" val="2672039197"/>
       </p:ext>
     </p:extLst>
   </p:cSld>
@@ -15749,14 +17008,7 @@
                 <a:latin typeface="微軟正黑體" panose="020B0604030504040204" pitchFamily="34" charset="-120"/>
                 <a:ea typeface="微軟正黑體" panose="020B0604030504040204" pitchFamily="34" charset="-120"/>
               </a:rPr>
-              <a:t>Different </a:t>
-            </a:r>
-            <a:r>
-              <a:rPr lang="en-US" sz="2800" dirty="0" smtClean="0">
-                <a:latin typeface="微軟正黑體" panose="020B0604030504040204" pitchFamily="34" charset="-120"/>
-                <a:ea typeface="微軟正黑體" panose="020B0604030504040204" pitchFamily="34" charset="-120"/>
-              </a:rPr>
-              <a:t>platforms explained and respective discoveries .</a:t>
+              <a:t>Different platforms explained and respective discoveries .</a:t>
             </a:r>
           </a:p>
           <a:p>
@@ -15845,6 +17097,82 @@
 </file>
 
 <file path=ppt/slides/slide20.xml><?xml version="1.0" encoding="utf-8"?>
+<p:sld xmlns:a="http://schemas.openxmlformats.org/drawingml/2006/main" xmlns:r="http://schemas.openxmlformats.org/officeDocument/2006/relationships" xmlns:p="http://schemas.openxmlformats.org/presentationml/2006/main">
+  <p:cSld>
+    <p:spTree>
+      <p:nvGrpSpPr>
+        <p:cNvPr id="1" name=""/>
+        <p:cNvGrpSpPr/>
+        <p:nvPr/>
+      </p:nvGrpSpPr>
+      <p:grpSpPr>
+        <a:xfrm>
+          <a:off x="0" y="0"/>
+          <a:ext cx="0" cy="0"/>
+          <a:chOff x="0" y="0"/>
+          <a:chExt cx="0" cy="0"/>
+        </a:xfrm>
+      </p:grpSpPr>
+      <p:sp>
+        <p:nvSpPr>
+          <p:cNvPr id="3" name="標題 2"/>
+          <p:cNvSpPr>
+            <a:spLocks noGrp="1"/>
+          </p:cNvSpPr>
+          <p:nvPr>
+            <p:ph type="title"/>
+          </p:nvPr>
+        </p:nvSpPr>
+        <p:spPr/>
+        <p:txBody>
+          <a:bodyPr rtlCol="0"/>
+          <a:lstStyle/>
+          <a:p>
+            <a:pPr rtl="0"/>
+            <a:r>
+              <a:rPr lang="zh-TW" altLang="en-US" dirty="0" smtClean="0">
+                <a:sym typeface="Salesforce Sans"/>
+              </a:rPr>
+              <a:t>新增投影片標題 </a:t>
+            </a:r>
+            <a:r>
+              <a:rPr lang="en-US" altLang="zh-TW" dirty="0" smtClean="0">
+                <a:sym typeface="Salesforce Sans"/>
+              </a:rPr>
+              <a:t>- 3</a:t>
+            </a:r>
+            <a:endParaRPr lang="zh-TW" altLang="en-US" dirty="0">
+              <a:sym typeface="Salesforce Sans"/>
+            </a:endParaRPr>
+          </a:p>
+        </p:txBody>
+      </p:sp>
+    </p:spTree>
+    <p:extLst>
+      <p:ext uri="{BB962C8B-B14F-4D97-AF65-F5344CB8AC3E}">
+        <p14:creationId xmlns:p14="http://schemas.microsoft.com/office/powerpoint/2010/main" val="397710800"/>
+      </p:ext>
+    </p:extLst>
+  </p:cSld>
+  <p:clrMapOvr>
+    <a:masterClrMapping/>
+  </p:clrMapOvr>
+  <mc:AlternateContent xmlns:mc="http://schemas.openxmlformats.org/markup-compatibility/2006" xmlns:p14="http://schemas.microsoft.com/office/powerpoint/2010/main">
+    <mc:Choice Requires="p14">
+      <p:transition spd="med" p14:dur="700">
+        <p:fade/>
+      </p:transition>
+    </mc:Choice>
+    <mc:Fallback xmlns="">
+      <p:transition spd="med">
+        <p:fade/>
+      </p:transition>
+    </mc:Fallback>
+  </mc:AlternateContent>
+</p:sld>
+</file>
+
+<file path=ppt/slides/slide21.xml><?xml version="1.0" encoding="utf-8"?>
 <p:sld xmlns:a="http://schemas.openxmlformats.org/drawingml/2006/main" xmlns:r="http://schemas.openxmlformats.org/officeDocument/2006/relationships" xmlns:p="http://schemas.openxmlformats.org/presentationml/2006/main">
   <p:cSld>
     <p:spTree>
@@ -15886,7 +17214,7 @@
 </p:sld>
 </file>
 
-<file path=ppt/slides/slide21.xml><?xml version="1.0" encoding="utf-8"?>
+<file path=ppt/slides/slide22.xml><?xml version="1.0" encoding="utf-8"?>
 <p:sld xmlns:a="http://schemas.openxmlformats.org/drawingml/2006/main" xmlns:r="http://schemas.openxmlformats.org/officeDocument/2006/relationships" xmlns:p="http://schemas.openxmlformats.org/presentationml/2006/main">
   <p:cSld>
     <p:spTree>
@@ -16006,7 +17334,7 @@
 </p:sld>
 </file>
 
-<file path=ppt/slides/slide22.xml><?xml version="1.0" encoding="utf-8"?>
+<file path=ppt/slides/slide23.xml><?xml version="1.0" encoding="utf-8"?>
 <p:sld xmlns:a="http://schemas.openxmlformats.org/drawingml/2006/main" xmlns:r="http://schemas.openxmlformats.org/officeDocument/2006/relationships" xmlns:p="http://schemas.openxmlformats.org/presentationml/2006/main">
   <p:cSld>
     <p:spTree>
@@ -16215,14 +17543,7 @@
                 <a:latin typeface="微軟正黑體" panose="020B0604030504040204" pitchFamily="34" charset="-120"/>
                 <a:ea typeface="微軟正黑體" panose="020B0604030504040204" pitchFamily="34" charset="-120"/>
               </a:rPr>
-              <a:t>Can be </a:t>
-            </a:r>
-            <a:r>
-              <a:rPr lang="en-US" sz="2400" dirty="0" smtClean="0">
-                <a:latin typeface="微軟正黑體" panose="020B0604030504040204" pitchFamily="34" charset="-120"/>
-                <a:ea typeface="微軟正黑體" panose="020B0604030504040204" pitchFamily="34" charset="-120"/>
-              </a:rPr>
-              <a:t>used for noise reduction of the image.</a:t>
+              <a:t>Can be used for noise reduction of the image.</a:t>
             </a:r>
           </a:p>
           <a:p>
@@ -17024,10 +18345,6 @@
               </a:rPr>
               <a:t>CUDA</a:t>
             </a:r>
-            <a:endParaRPr kumimoji="1" lang="en-US" altLang="zh-TW" sz="4800" dirty="0" smtClean="0">
-              <a:latin typeface="微軟正黑體" panose="020B0604030504040204" pitchFamily="34" charset="-120"/>
-              <a:ea typeface="微軟正黑體" panose="020B0604030504040204" pitchFamily="34" charset="-120"/>
-            </a:endParaRPr>
           </a:p>
           <a:p>
             <a:r>
@@ -17370,14 +18687,7 @@
                 <a:latin typeface="微軟正黑體" panose="020B0604030504040204" pitchFamily="34" charset="-120"/>
                 <a:ea typeface="微軟正黑體" panose="020B0604030504040204" pitchFamily="34" charset="-120"/>
               </a:rPr>
-              <a:t>Environment for this </a:t>
-            </a:r>
-            <a:r>
-              <a:rPr lang="en-US" sz="4800" dirty="0" smtClean="0">
-                <a:latin typeface="微軟正黑體" panose="020B0604030504040204" pitchFamily="34" charset="-120"/>
-                <a:ea typeface="微軟正黑體" panose="020B0604030504040204" pitchFamily="34" charset="-120"/>
-              </a:rPr>
-              <a:t>project</a:t>
+              <a:t>Environment for this project</a:t>
             </a:r>
             <a:endParaRPr lang="en-US" sz="4800" dirty="0">
               <a:latin typeface="微軟正黑體" panose="020B0604030504040204" pitchFamily="34" charset="-120"/>
@@ -18999,6 +20309,15 @@
 </file>
 
 <file path=customXml/item1.xml><?xml version="1.0" encoding="utf-8"?>
+<?mso-contentType ?>
+<FormTemplates xmlns="http://schemas.microsoft.com/sharepoint/v3/contenttype/forms">
+  <Display>DocumentLibraryForm</Display>
+  <Edit>AssetEditForm</Edit>
+  <New>DocumentLibraryForm</New>
+</FormTemplates>
+</file>
+
+<file path=customXml/item2.xml><?xml version="1.0" encoding="utf-8"?>
 <p:properties xmlns:p="http://schemas.microsoft.com/office/2006/metadata/properties" xmlns:xsi="http://www.w3.org/2001/XMLSchema-instance" xmlns:pc="http://schemas.microsoft.com/office/infopath/2007/PartnerControls">
   <documentManagement>
     <LocPublishedLinkedAssetsLookup xmlns="4873beb7-5857-4685-be1f-d57550cc96cc" xsi:nil="true"/>
@@ -19132,15 +20451,6 @@
     <LocMarketGroupTiers2 xmlns="4873beb7-5857-4685-be1f-d57550cc96cc" xsi:nil="true"/>
   </documentManagement>
 </p:properties>
-</file>
-
-<file path=customXml/item2.xml><?xml version="1.0" encoding="utf-8"?>
-<?mso-contentType ?>
-<FormTemplates xmlns="http://schemas.microsoft.com/sharepoint/v3/contenttype/forms">
-  <Display>DocumentLibraryForm</Display>
-  <Edit>AssetEditForm</Edit>
-  <New>DocumentLibraryForm</New>
-</FormTemplates>
 </file>
 
 <file path=customXml/item3.xml><?xml version="1.0" encoding="utf-8"?>
@@ -20184,25 +21494,25 @@
 </file>
 
 <file path=customXml/itemProps1.xml><?xml version="1.0" encoding="utf-8"?>
-<ds:datastoreItem xmlns:ds="http://schemas.openxmlformats.org/officeDocument/2006/customXml" ds:itemID="{60C67BEE-D13F-4BD2-98A5-34D8A0977F68}">
+<ds:datastoreItem xmlns:ds="http://schemas.openxmlformats.org/officeDocument/2006/customXml" ds:itemID="{3836F65B-1B07-41EE-A0E8-BC6EF3855225}">
   <ds:schemaRefs>
-    <ds:schemaRef ds:uri="4873beb7-5857-4685-be1f-d57550cc96cc"/>
-    <ds:schemaRef ds:uri="http://schemas.openxmlformats.org/package/2006/metadata/core-properties"/>
-    <ds:schemaRef ds:uri="http://purl.org/dc/terms/"/>
-    <ds:schemaRef ds:uri="http://schemas.microsoft.com/office/2006/documentManagement/types"/>
-    <ds:schemaRef ds:uri="http://purl.org/dc/elements/1.1/"/>
-    <ds:schemaRef ds:uri="http://schemas.microsoft.com/office/2006/metadata/properties"/>
-    <ds:schemaRef ds:uri="http://schemas.microsoft.com/office/infopath/2007/PartnerControls"/>
-    <ds:schemaRef ds:uri="http://www.w3.org/XML/1998/namespace"/>
-    <ds:schemaRef ds:uri="http://purl.org/dc/dcmitype/"/>
+    <ds:schemaRef ds:uri="http://schemas.microsoft.com/sharepoint/v3/contenttype/forms"/>
   </ds:schemaRefs>
 </ds:datastoreItem>
 </file>
 
 <file path=customXml/itemProps2.xml><?xml version="1.0" encoding="utf-8"?>
-<ds:datastoreItem xmlns:ds="http://schemas.openxmlformats.org/officeDocument/2006/customXml" ds:itemID="{3836F65B-1B07-41EE-A0E8-BC6EF3855225}">
+<ds:datastoreItem xmlns:ds="http://schemas.openxmlformats.org/officeDocument/2006/customXml" ds:itemID="{60C67BEE-D13F-4BD2-98A5-34D8A0977F68}">
   <ds:schemaRefs>
-    <ds:schemaRef ds:uri="http://schemas.microsoft.com/sharepoint/v3/contenttype/forms"/>
+    <ds:schemaRef ds:uri="http://schemas.microsoft.com/office/2006/documentManagement/types"/>
+    <ds:schemaRef ds:uri="http://purl.org/dc/elements/1.1/"/>
+    <ds:schemaRef ds:uri="http://schemas.microsoft.com/office/infopath/2007/PartnerControls"/>
+    <ds:schemaRef ds:uri="http://schemas.openxmlformats.org/package/2006/metadata/core-properties"/>
+    <ds:schemaRef ds:uri="http://schemas.microsoft.com/office/2006/metadata/properties"/>
+    <ds:schemaRef ds:uri="http://www.w3.org/XML/1998/namespace"/>
+    <ds:schemaRef ds:uri="http://purl.org/dc/terms/"/>
+    <ds:schemaRef ds:uri="4873beb7-5857-4685-be1f-d57550cc96cc"/>
+    <ds:schemaRef ds:uri="http://purl.org/dc/dcmitype/"/>
   </ds:schemaRefs>
 </ds:datastoreItem>
 </file>

--- a/Final Project/Report.pptx
+++ b/Final Project/Report.pptx
@@ -166,6 +166,424 @@
 </file>
 
 <file path=ppt/charts/chart1.xml><?xml version="1.0" encoding="utf-8"?>
+<c:chartSpace xmlns:c="http://schemas.openxmlformats.org/drawingml/2006/chart" xmlns:a="http://schemas.openxmlformats.org/drawingml/2006/main" xmlns:r="http://schemas.openxmlformats.org/officeDocument/2006/relationships" xmlns:c16r2="http://schemas.microsoft.com/office/drawing/2015/06/chart">
+  <c:date1904 val="0"/>
+  <c:lang val="zh-TW"/>
+  <c:roundedCorners val="0"/>
+  <mc:AlternateContent xmlns:mc="http://schemas.openxmlformats.org/markup-compatibility/2006">
+    <mc:Choice xmlns:c14="http://schemas.microsoft.com/office/drawing/2007/8/2/chart" Requires="c14">
+      <c14:style val="102"/>
+    </mc:Choice>
+    <mc:Fallback>
+      <c:style val="2"/>
+    </mc:Fallback>
+  </mc:AlternateContent>
+  <c:chart>
+    <c:autoTitleDeleted val="1"/>
+    <c:plotArea>
+      <c:layout/>
+      <c:lineChart>
+        <c:grouping val="standard"/>
+        <c:varyColors val="0"/>
+        <c:ser>
+          <c:idx val="0"/>
+          <c:order val="0"/>
+          <c:tx>
+            <c:strRef>
+              <c:f>工作表1!$B$1</c:f>
+              <c:strCache>
+                <c:ptCount val="1"/>
+                <c:pt idx="0">
+                  <c:v>數列 1</c:v>
+                </c:pt>
+              </c:strCache>
+            </c:strRef>
+          </c:tx>
+          <c:spPr>
+            <a:ln w="31750" cap="rnd">
+              <a:solidFill>
+                <a:schemeClr val="accent1"/>
+              </a:solidFill>
+              <a:round/>
+            </a:ln>
+            <a:effectLst/>
+          </c:spPr>
+          <c:marker>
+            <c:symbol val="circle"/>
+            <c:size val="17"/>
+            <c:spPr>
+              <a:solidFill>
+                <a:schemeClr val="accent1"/>
+              </a:solidFill>
+              <a:ln>
+                <a:noFill/>
+              </a:ln>
+              <a:effectLst/>
+            </c:spPr>
+          </c:marker>
+          <c:dLbls>
+            <c:dLbl>
+              <c:idx val="0"/>
+              <c:layout>
+                <c:manualLayout>
+                  <c:x val="1.2254901960784088E-3"/>
+                  <c:y val="-5.1110914358684881E-2"/>
+                </c:manualLayout>
+              </c:layout>
+              <c:showLegendKey val="0"/>
+              <c:showVal val="1"/>
+              <c:showCatName val="0"/>
+              <c:showSerName val="0"/>
+              <c:showPercent val="0"/>
+              <c:showBubbleSize val="0"/>
+              <c:extLst>
+                <c:ext xmlns:c15="http://schemas.microsoft.com/office/drawing/2012/chart" uri="{CE6537A1-D6FC-4f65-9D91-7224C49458BB}">
+                  <c15:layout/>
+                </c:ext>
+                <c:ext xmlns:c16="http://schemas.microsoft.com/office/drawing/2014/chart" uri="{C3380CC4-5D6E-409C-BE32-E72D297353CC}">
+                  <c16:uniqueId val="{00000003-A6D9-4491-8EDA-A251FBC1D4B8}"/>
+                </c:ext>
+              </c:extLst>
+            </c:dLbl>
+            <c:dLbl>
+              <c:idx val="1"/>
+              <c:layout>
+                <c:manualLayout>
+                  <c:x val="0"/>
+                  <c:y val="-9.5555187714063045E-2"/>
+                </c:manualLayout>
+              </c:layout>
+              <c:showLegendKey val="0"/>
+              <c:showVal val="1"/>
+              <c:showCatName val="0"/>
+              <c:showSerName val="0"/>
+              <c:showPercent val="0"/>
+              <c:showBubbleSize val="0"/>
+              <c:extLst>
+                <c:ext xmlns:c15="http://schemas.microsoft.com/office/drawing/2012/chart" uri="{CE6537A1-D6FC-4f65-9D91-7224C49458BB}">
+                  <c15:layout/>
+                </c:ext>
+                <c:ext xmlns:c16="http://schemas.microsoft.com/office/drawing/2014/chart" uri="{C3380CC4-5D6E-409C-BE32-E72D297353CC}">
+                  <c16:uniqueId val="{00000004-A6D9-4491-8EDA-A251FBC1D4B8}"/>
+                </c:ext>
+              </c:extLst>
+            </c:dLbl>
+            <c:dLbl>
+              <c:idx val="2"/>
+              <c:layout>
+                <c:manualLayout>
+                  <c:x val="2.4509803921568627E-3"/>
+                  <c:y val="-0.11333289705621431"/>
+                </c:manualLayout>
+              </c:layout>
+              <c:showLegendKey val="0"/>
+              <c:showVal val="1"/>
+              <c:showCatName val="0"/>
+              <c:showSerName val="0"/>
+              <c:showPercent val="0"/>
+              <c:showBubbleSize val="0"/>
+              <c:extLst>
+                <c:ext xmlns:c15="http://schemas.microsoft.com/office/drawing/2012/chart" uri="{CE6537A1-D6FC-4f65-9D91-7224C49458BB}">
+                  <c15:layout/>
+                </c:ext>
+                <c:ext xmlns:c16="http://schemas.microsoft.com/office/drawing/2014/chart" uri="{C3380CC4-5D6E-409C-BE32-E72D297353CC}">
+                  <c16:uniqueId val="{00000005-A6D9-4491-8EDA-A251FBC1D4B8}"/>
+                </c:ext>
+              </c:extLst>
+            </c:dLbl>
+            <c:dLbl>
+              <c:idx val="3"/>
+              <c:layout>
+                <c:manualLayout>
+                  <c:x val="-4.9019607843138156E-3"/>
+                  <c:y val="-0.10222182871736984"/>
+                </c:manualLayout>
+              </c:layout>
+              <c:showLegendKey val="0"/>
+              <c:showVal val="1"/>
+              <c:showCatName val="0"/>
+              <c:showSerName val="0"/>
+              <c:showPercent val="0"/>
+              <c:showBubbleSize val="0"/>
+              <c:extLst>
+                <c:ext xmlns:c15="http://schemas.microsoft.com/office/drawing/2012/chart" uri="{CE6537A1-D6FC-4f65-9D91-7224C49458BB}">
+                  <c15:layout/>
+                </c:ext>
+                <c:ext xmlns:c16="http://schemas.microsoft.com/office/drawing/2014/chart" uri="{C3380CC4-5D6E-409C-BE32-E72D297353CC}">
+                  <c16:uniqueId val="{00000006-A6D9-4491-8EDA-A251FBC1D4B8}"/>
+                </c:ext>
+              </c:extLst>
+            </c:dLbl>
+            <c:dLbl>
+              <c:idx val="4"/>
+              <c:layout>
+                <c:manualLayout>
+                  <c:x val="-9.8039215686274508E-3"/>
+                  <c:y val="-9.3332974046294134E-2"/>
+                </c:manualLayout>
+              </c:layout>
+              <c:showLegendKey val="0"/>
+              <c:showVal val="1"/>
+              <c:showCatName val="0"/>
+              <c:showSerName val="0"/>
+              <c:showPercent val="0"/>
+              <c:showBubbleSize val="0"/>
+              <c:extLst>
+                <c:ext xmlns:c15="http://schemas.microsoft.com/office/drawing/2012/chart" uri="{CE6537A1-D6FC-4f65-9D91-7224C49458BB}">
+                  <c15:layout/>
+                </c:ext>
+                <c:ext xmlns:c16="http://schemas.microsoft.com/office/drawing/2014/chart" uri="{C3380CC4-5D6E-409C-BE32-E72D297353CC}">
+                  <c16:uniqueId val="{00000007-A6D9-4491-8EDA-A251FBC1D4B8}"/>
+                </c:ext>
+              </c:extLst>
+            </c:dLbl>
+            <c:spPr>
+              <a:noFill/>
+              <a:ln>
+                <a:noFill/>
+              </a:ln>
+              <a:effectLst/>
+            </c:spPr>
+            <c:txPr>
+              <a:bodyPr rot="0" spcFirstLastPara="1" vertOverflow="ellipsis" vert="horz" wrap="square" lIns="38100" tIns="19050" rIns="38100" bIns="19050" anchor="ctr" anchorCtr="1">
+                <a:spAutoFit/>
+              </a:bodyPr>
+              <a:lstStyle/>
+              <a:p>
+                <a:pPr>
+                  <a:defRPr sz="4000" b="1" i="0" u="none" strike="noStrike" kern="1200" baseline="0">
+                    <a:solidFill>
+                      <a:schemeClr val="bg1"/>
+                    </a:solidFill>
+                    <a:latin typeface="+mn-lt"/>
+                    <a:ea typeface="+mn-ea"/>
+                    <a:cs typeface="+mn-cs"/>
+                  </a:defRPr>
+                </a:pPr>
+                <a:endParaRPr lang="en-US"/>
+              </a:p>
+            </c:txPr>
+            <c:showLegendKey val="0"/>
+            <c:showVal val="1"/>
+            <c:showCatName val="0"/>
+            <c:showSerName val="0"/>
+            <c:showPercent val="0"/>
+            <c:showBubbleSize val="0"/>
+            <c:showLeaderLines val="0"/>
+            <c:extLst>
+              <c:ext xmlns:c15="http://schemas.microsoft.com/office/drawing/2012/chart" uri="{CE6537A1-D6FC-4f65-9D91-7224C49458BB}">
+                <c15:layout/>
+                <c15:showLeaderLines val="1"/>
+                <c15:leaderLines>
+                  <c:spPr>
+                    <a:ln w="9525">
+                      <a:solidFill>
+                        <a:schemeClr val="dk1">
+                          <a:lumMod val="50000"/>
+                          <a:lumOff val="50000"/>
+                        </a:schemeClr>
+                      </a:solidFill>
+                    </a:ln>
+                    <a:effectLst/>
+                  </c:spPr>
+                </c15:leaderLines>
+              </c:ext>
+            </c:extLst>
+          </c:dLbls>
+          <c:cat>
+            <c:numRef>
+              <c:f>工作表1!$A$2:$A$6</c:f>
+              <c:numCache>
+                <c:formatCode>General</c:formatCode>
+                <c:ptCount val="5"/>
+                <c:pt idx="0">
+                  <c:v>4</c:v>
+                </c:pt>
+                <c:pt idx="1">
+                  <c:v>16</c:v>
+                </c:pt>
+                <c:pt idx="2">
+                  <c:v>64</c:v>
+                </c:pt>
+                <c:pt idx="3">
+                  <c:v>256</c:v>
+                </c:pt>
+                <c:pt idx="4">
+                  <c:v>1024</c:v>
+                </c:pt>
+              </c:numCache>
+            </c:numRef>
+          </c:cat>
+          <c:val>
+            <c:numRef>
+              <c:f>工作表1!$B$2:$B$6</c:f>
+              <c:numCache>
+                <c:formatCode>General</c:formatCode>
+                <c:ptCount val="5"/>
+                <c:pt idx="0">
+                  <c:v>38.65</c:v>
+                </c:pt>
+                <c:pt idx="1">
+                  <c:v>15.38</c:v>
+                </c:pt>
+                <c:pt idx="2">
+                  <c:v>9.4700000000000006</c:v>
+                </c:pt>
+                <c:pt idx="3">
+                  <c:v>6.21</c:v>
+                </c:pt>
+                <c:pt idx="4">
+                  <c:v>5.88</c:v>
+                </c:pt>
+              </c:numCache>
+            </c:numRef>
+          </c:val>
+          <c:smooth val="0"/>
+          <c:extLst>
+            <c:ext xmlns:c16="http://schemas.microsoft.com/office/drawing/2014/chart" uri="{C3380CC4-5D6E-409C-BE32-E72D297353CC}">
+              <c16:uniqueId val="{00000000-A6D9-4491-8EDA-A251FBC1D4B8}"/>
+            </c:ext>
+          </c:extLst>
+        </c:ser>
+        <c:dLbls>
+          <c:showLegendKey val="0"/>
+          <c:showVal val="1"/>
+          <c:showCatName val="0"/>
+          <c:showSerName val="0"/>
+          <c:showPercent val="0"/>
+          <c:showBubbleSize val="0"/>
+        </c:dLbls>
+        <c:marker val="1"/>
+        <c:smooth val="0"/>
+        <c:axId val="1711478223"/>
+        <c:axId val="1711489759"/>
+      </c:lineChart>
+      <c:catAx>
+        <c:axId val="1711478223"/>
+        <c:scaling>
+          <c:orientation val="minMax"/>
+        </c:scaling>
+        <c:delete val="0"/>
+        <c:axPos val="b"/>
+        <c:numFmt formatCode="General" sourceLinked="1"/>
+        <c:majorTickMark val="none"/>
+        <c:minorTickMark val="none"/>
+        <c:tickLblPos val="nextTo"/>
+        <c:spPr>
+          <a:noFill/>
+          <a:ln w="19050" cap="flat" cmpd="sng" algn="ctr">
+            <a:solidFill>
+              <a:schemeClr val="dk1">
+                <a:lumMod val="75000"/>
+                <a:lumOff val="25000"/>
+              </a:schemeClr>
+            </a:solidFill>
+            <a:round/>
+          </a:ln>
+          <a:effectLst/>
+        </c:spPr>
+        <c:txPr>
+          <a:bodyPr rot="-60000000" spcFirstLastPara="1" vertOverflow="ellipsis" vert="horz" wrap="square" anchor="ctr" anchorCtr="1"/>
+          <a:lstStyle/>
+          <a:p>
+            <a:pPr>
+              <a:defRPr sz="4000" b="0" i="0" u="none" strike="noStrike" kern="1200" cap="all" baseline="0">
+                <a:solidFill>
+                  <a:schemeClr val="dk1">
+                    <a:lumMod val="75000"/>
+                    <a:lumOff val="25000"/>
+                  </a:schemeClr>
+                </a:solidFill>
+                <a:latin typeface="+mn-lt"/>
+                <a:ea typeface="+mn-ea"/>
+                <a:cs typeface="+mn-cs"/>
+              </a:defRPr>
+            </a:pPr>
+            <a:endParaRPr lang="en-US"/>
+          </a:p>
+        </c:txPr>
+        <c:crossAx val="1711489759"/>
+        <c:crosses val="autoZero"/>
+        <c:auto val="1"/>
+        <c:lblAlgn val="ctr"/>
+        <c:lblOffset val="100"/>
+        <c:noMultiLvlLbl val="0"/>
+      </c:catAx>
+      <c:valAx>
+        <c:axId val="1711489759"/>
+        <c:scaling>
+          <c:orientation val="minMax"/>
+        </c:scaling>
+        <c:delete val="1"/>
+        <c:axPos val="l"/>
+        <c:numFmt formatCode="General" sourceLinked="1"/>
+        <c:majorTickMark val="out"/>
+        <c:minorTickMark val="none"/>
+        <c:tickLblPos val="nextTo"/>
+        <c:crossAx val="1711478223"/>
+        <c:crosses val="autoZero"/>
+        <c:crossBetween val="between"/>
+      </c:valAx>
+      <c:spPr>
+        <a:noFill/>
+        <a:ln>
+          <a:noFill/>
+        </a:ln>
+        <a:effectLst/>
+      </c:spPr>
+    </c:plotArea>
+    <c:plotVisOnly val="1"/>
+    <c:dispBlanksAs val="gap"/>
+    <c:showDLblsOverMax val="0"/>
+  </c:chart>
+  <c:spPr>
+    <a:gradFill flip="none" rotWithShape="1">
+      <a:gsLst>
+        <a:gs pos="0">
+          <a:schemeClr val="lt1"/>
+        </a:gs>
+        <a:gs pos="39000">
+          <a:schemeClr val="lt1"/>
+        </a:gs>
+        <a:gs pos="100000">
+          <a:schemeClr val="lt1">
+            <a:lumMod val="75000"/>
+          </a:schemeClr>
+        </a:gs>
+      </a:gsLst>
+      <a:path path="circle">
+        <a:fillToRect l="50000" t="-80000" r="50000" b="180000"/>
+      </a:path>
+      <a:tileRect/>
+    </a:gradFill>
+    <a:ln w="9525" cap="flat" cmpd="sng" algn="ctr">
+      <a:solidFill>
+        <a:schemeClr val="dk1">
+          <a:lumMod val="25000"/>
+          <a:lumOff val="75000"/>
+        </a:schemeClr>
+      </a:solidFill>
+      <a:round/>
+    </a:ln>
+    <a:effectLst/>
+  </c:spPr>
+  <c:txPr>
+    <a:bodyPr/>
+    <a:lstStyle/>
+    <a:p>
+      <a:pPr>
+        <a:defRPr/>
+      </a:pPr>
+      <a:endParaRPr lang="en-US"/>
+    </a:p>
+  </c:txPr>
+  <c:externalData r:id="rId3">
+    <c:autoUpdate val="0"/>
+  </c:externalData>
+</c:chartSpace>
+</file>
+
+<file path=ppt/charts/chart2.xml><?xml version="1.0" encoding="utf-8"?>
 <c:chartSpace xmlns:c="http://schemas.openxmlformats.org/drawingml/2006/chart" xmlns:a="http://schemas.openxmlformats.org/drawingml/2006/main" xmlns:r="http://schemas.openxmlformats.org/officeDocument/2006/relationships" xmlns:c16r2="http://schemas.microsoft.com/office/drawing/2015/06/chart">
   <c:date1904 val="0"/>
   <c:lang val="zh-TW"/>
@@ -608,7 +1026,615 @@
 </cs:colorStyle>
 </file>
 
+<file path=ppt/charts/colors2.xml><?xml version="1.0" encoding="utf-8"?>
+<cs:colorStyle xmlns:cs="http://schemas.microsoft.com/office/drawing/2012/chartStyle" xmlns:a="http://schemas.openxmlformats.org/drawingml/2006/main" meth="cycle" id="10">
+  <a:schemeClr val="accent1"/>
+  <a:schemeClr val="accent2"/>
+  <a:schemeClr val="accent3"/>
+  <a:schemeClr val="accent4"/>
+  <a:schemeClr val="accent5"/>
+  <a:schemeClr val="accent6"/>
+  <cs:variation/>
+  <cs:variation>
+    <a:lumMod val="60000"/>
+  </cs:variation>
+  <cs:variation>
+    <a:lumMod val="80000"/>
+    <a:lumOff val="20000"/>
+  </cs:variation>
+  <cs:variation>
+    <a:lumMod val="80000"/>
+  </cs:variation>
+  <cs:variation>
+    <a:lumMod val="60000"/>
+    <a:lumOff val="40000"/>
+  </cs:variation>
+  <cs:variation>
+    <a:lumMod val="50000"/>
+  </cs:variation>
+  <cs:variation>
+    <a:lumMod val="70000"/>
+    <a:lumOff val="30000"/>
+  </cs:variation>
+  <cs:variation>
+    <a:lumMod val="70000"/>
+  </cs:variation>
+  <cs:variation>
+    <a:lumMod val="50000"/>
+    <a:lumOff val="50000"/>
+  </cs:variation>
+</cs:colorStyle>
+</file>
+
 <file path=ppt/charts/style1.xml><?xml version="1.0" encoding="utf-8"?>
+<cs:chartStyle xmlns:cs="http://schemas.microsoft.com/office/drawing/2012/chartStyle" xmlns:a="http://schemas.openxmlformats.org/drawingml/2006/main" id="228">
+  <cs:axisTitle>
+    <cs:lnRef idx="0"/>
+    <cs:fillRef idx="0"/>
+    <cs:effectRef idx="0"/>
+    <cs:fontRef idx="minor">
+      <a:schemeClr val="dk1">
+        <a:lumMod val="75000"/>
+        <a:lumOff val="25000"/>
+      </a:schemeClr>
+    </cs:fontRef>
+    <cs:defRPr sz="1197" b="1" kern="1200"/>
+  </cs:axisTitle>
+  <cs:categoryAxis>
+    <cs:lnRef idx="0"/>
+    <cs:fillRef idx="0"/>
+    <cs:effectRef idx="0"/>
+    <cs:fontRef idx="minor">
+      <a:schemeClr val="dk1">
+        <a:lumMod val="75000"/>
+        <a:lumOff val="25000"/>
+      </a:schemeClr>
+    </cs:fontRef>
+    <cs:spPr>
+      <a:ln w="19050" cap="flat" cmpd="sng" algn="ctr">
+        <a:solidFill>
+          <a:schemeClr val="dk1">
+            <a:lumMod val="75000"/>
+            <a:lumOff val="25000"/>
+          </a:schemeClr>
+        </a:solidFill>
+        <a:round/>
+      </a:ln>
+    </cs:spPr>
+    <cs:defRPr sz="1197" kern="1200" cap="all" baseline="0"/>
+  </cs:categoryAxis>
+  <cs:chartArea>
+    <cs:lnRef idx="0"/>
+    <cs:fillRef idx="0"/>
+    <cs:effectRef idx="0"/>
+    <cs:fontRef idx="minor">
+      <a:schemeClr val="dk1"/>
+    </cs:fontRef>
+    <cs:spPr>
+      <a:gradFill flip="none" rotWithShape="1">
+        <a:gsLst>
+          <a:gs pos="0">
+            <a:schemeClr val="lt1"/>
+          </a:gs>
+          <a:gs pos="39000">
+            <a:schemeClr val="lt1"/>
+          </a:gs>
+          <a:gs pos="100000">
+            <a:schemeClr val="lt1">
+              <a:lumMod val="75000"/>
+            </a:schemeClr>
+          </a:gs>
+        </a:gsLst>
+        <a:path path="circle">
+          <a:fillToRect l="50000" t="-80000" r="50000" b="180000"/>
+        </a:path>
+        <a:tileRect/>
+      </a:gradFill>
+      <a:ln w="9525" cap="flat" cmpd="sng" algn="ctr">
+        <a:solidFill>
+          <a:schemeClr val="dk1">
+            <a:lumMod val="25000"/>
+            <a:lumOff val="75000"/>
+          </a:schemeClr>
+        </a:solidFill>
+        <a:round/>
+      </a:ln>
+    </cs:spPr>
+    <cs:defRPr sz="1197" kern="1200"/>
+  </cs:chartArea>
+  <cs:dataLabel>
+    <cs:lnRef idx="0"/>
+    <cs:fillRef idx="0">
+      <cs:styleClr val="auto"/>
+    </cs:fillRef>
+    <cs:effectRef idx="0"/>
+    <cs:fontRef idx="minor">
+      <a:schemeClr val="lt1"/>
+    </cs:fontRef>
+    <cs:defRPr sz="1197" b="1" i="0" u="none" strike="noStrike" kern="1200" baseline="0"/>
+  </cs:dataLabel>
+  <cs:dataLabelCallout>
+    <cs:lnRef idx="0"/>
+    <cs:fillRef idx="0"/>
+    <cs:effectRef idx="0"/>
+    <cs:fontRef idx="minor">
+      <a:schemeClr val="lt1"/>
+    </cs:fontRef>
+    <cs:spPr>
+      <a:solidFill>
+        <a:schemeClr val="dk1">
+          <a:lumMod val="65000"/>
+          <a:lumOff val="35000"/>
+          <a:alpha val="75000"/>
+        </a:schemeClr>
+      </a:solidFill>
+    </cs:spPr>
+    <cs:defRPr sz="1197" b="1" kern="1200"/>
+    <cs:bodyPr rot="0" spcFirstLastPara="1" vertOverflow="clip" horzOverflow="clip" vert="horz" wrap="square" lIns="36576" tIns="18288" rIns="36576" bIns="18288" anchor="ctr" anchorCtr="1">
+      <a:spAutoFit/>
+    </cs:bodyPr>
+  </cs:dataLabelCallout>
+  <cs:dataPoint>
+    <cs:lnRef idx="0"/>
+    <cs:fillRef idx="0">
+      <cs:styleClr val="auto"/>
+    </cs:fillRef>
+    <cs:effectRef idx="0"/>
+    <cs:fontRef idx="minor">
+      <a:schemeClr val="dk1"/>
+    </cs:fontRef>
+    <cs:spPr>
+      <a:solidFill>
+        <a:schemeClr val="phClr">
+          <a:alpha val="85000"/>
+        </a:schemeClr>
+      </a:solidFill>
+      <a:ln w="9525" cap="flat" cmpd="sng" algn="ctr">
+        <a:solidFill>
+          <a:schemeClr val="lt1">
+            <a:alpha val="50000"/>
+          </a:schemeClr>
+        </a:solidFill>
+        <a:round/>
+      </a:ln>
+    </cs:spPr>
+  </cs:dataPoint>
+  <cs:dataPoint3D>
+    <cs:lnRef idx="0"/>
+    <cs:fillRef idx="0">
+      <cs:styleClr val="auto"/>
+    </cs:fillRef>
+    <cs:effectRef idx="0"/>
+    <cs:fontRef idx="minor">
+      <a:schemeClr val="dk1"/>
+    </cs:fontRef>
+    <cs:spPr>
+      <a:solidFill>
+        <a:schemeClr val="phClr">
+          <a:alpha val="85000"/>
+        </a:schemeClr>
+      </a:solidFill>
+      <a:ln w="9525" cap="flat" cmpd="sng" algn="ctr">
+        <a:solidFill>
+          <a:schemeClr val="lt1">
+            <a:alpha val="50000"/>
+          </a:schemeClr>
+        </a:solidFill>
+        <a:round/>
+      </a:ln>
+    </cs:spPr>
+  </cs:dataPoint3D>
+  <cs:dataPointLine>
+    <cs:lnRef idx="0">
+      <cs:styleClr val="auto"/>
+    </cs:lnRef>
+    <cs:fillRef idx="0"/>
+    <cs:effectRef idx="0"/>
+    <cs:fontRef idx="minor">
+      <a:schemeClr val="dk1"/>
+    </cs:fontRef>
+    <cs:spPr>
+      <a:ln w="31750" cap="rnd">
+        <a:solidFill>
+          <a:schemeClr val="phClr"/>
+        </a:solidFill>
+        <a:round/>
+      </a:ln>
+    </cs:spPr>
+  </cs:dataPointLine>
+  <cs:dataPointMarker>
+    <cs:lnRef idx="0"/>
+    <cs:fillRef idx="0">
+      <cs:styleClr val="auto"/>
+    </cs:fillRef>
+    <cs:effectRef idx="0"/>
+    <cs:fontRef idx="minor">
+      <a:schemeClr val="dk1"/>
+    </cs:fontRef>
+    <cs:spPr>
+      <a:solidFill>
+        <a:schemeClr val="phClr"/>
+      </a:solidFill>
+    </cs:spPr>
+  </cs:dataPointMarker>
+  <cs:dataPointMarkerLayout symbol="circle" size="17"/>
+  <cs:dataPointWireframe>
+    <cs:lnRef idx="0">
+      <cs:styleClr val="auto"/>
+    </cs:lnRef>
+    <cs:fillRef idx="0"/>
+    <cs:effectRef idx="0"/>
+    <cs:fontRef idx="minor">
+      <a:schemeClr val="dk1"/>
+    </cs:fontRef>
+    <cs:spPr>
+      <a:ln w="9525" cap="rnd">
+        <a:solidFill>
+          <a:schemeClr val="phClr"/>
+        </a:solidFill>
+        <a:round/>
+      </a:ln>
+    </cs:spPr>
+  </cs:dataPointWireframe>
+  <cs:dataTable>
+    <cs:lnRef idx="0"/>
+    <cs:fillRef idx="0"/>
+    <cs:effectRef idx="0"/>
+    <cs:fontRef idx="minor">
+      <a:schemeClr val="dk1">
+        <a:lumMod val="75000"/>
+        <a:lumOff val="25000"/>
+      </a:schemeClr>
+    </cs:fontRef>
+    <cs:spPr>
+      <a:ln w="9525">
+        <a:solidFill>
+          <a:schemeClr val="dk1">
+            <a:lumMod val="35000"/>
+            <a:lumOff val="65000"/>
+          </a:schemeClr>
+        </a:solidFill>
+      </a:ln>
+    </cs:spPr>
+    <cs:defRPr sz="1197" kern="1200"/>
+  </cs:dataTable>
+  <cs:downBar>
+    <cs:lnRef idx="0"/>
+    <cs:fillRef idx="0"/>
+    <cs:effectRef idx="0"/>
+    <cs:fontRef idx="minor">
+      <a:schemeClr val="dk1"/>
+    </cs:fontRef>
+    <cs:spPr>
+      <a:solidFill>
+        <a:schemeClr val="dk1">
+          <a:lumMod val="50000"/>
+          <a:lumOff val="50000"/>
+        </a:schemeClr>
+      </a:solidFill>
+      <a:ln w="9525">
+        <a:solidFill>
+          <a:schemeClr val="dk1">
+            <a:lumMod val="65000"/>
+            <a:lumOff val="35000"/>
+          </a:schemeClr>
+        </a:solidFill>
+      </a:ln>
+    </cs:spPr>
+  </cs:downBar>
+  <cs:dropLine>
+    <cs:lnRef idx="0"/>
+    <cs:fillRef idx="0"/>
+    <cs:effectRef idx="0"/>
+    <cs:fontRef idx="minor">
+      <a:schemeClr val="dk1"/>
+    </cs:fontRef>
+    <cs:spPr>
+      <a:ln w="9525">
+        <a:solidFill>
+          <a:schemeClr val="dk1">
+            <a:lumMod val="35000"/>
+            <a:lumOff val="65000"/>
+          </a:schemeClr>
+        </a:solidFill>
+        <a:prstDash val="dash"/>
+      </a:ln>
+    </cs:spPr>
+  </cs:dropLine>
+  <cs:errorBar>
+    <cs:lnRef idx="0"/>
+    <cs:fillRef idx="0"/>
+    <cs:effectRef idx="0"/>
+    <cs:fontRef idx="minor">
+      <a:schemeClr val="dk1"/>
+    </cs:fontRef>
+    <cs:spPr>
+      <a:ln w="9525">
+        <a:solidFill>
+          <a:schemeClr val="dk1">
+            <a:lumMod val="65000"/>
+            <a:lumOff val="35000"/>
+          </a:schemeClr>
+        </a:solidFill>
+        <a:round/>
+      </a:ln>
+    </cs:spPr>
+  </cs:errorBar>
+  <cs:floor>
+    <cs:lnRef idx="0"/>
+    <cs:fillRef idx="0"/>
+    <cs:effectRef idx="0"/>
+    <cs:fontRef idx="minor">
+      <a:schemeClr val="dk1"/>
+    </cs:fontRef>
+  </cs:floor>
+  <cs:gridlineMajor>
+    <cs:lnRef idx="0"/>
+    <cs:fillRef idx="0"/>
+    <cs:effectRef idx="0"/>
+    <cs:fontRef idx="minor">
+      <a:schemeClr val="dk1"/>
+    </cs:fontRef>
+    <cs:spPr>
+      <a:ln w="9525" cap="flat" cmpd="sng" algn="ctr">
+        <a:gradFill>
+          <a:gsLst>
+            <a:gs pos="100000">
+              <a:schemeClr val="dk1">
+                <a:lumMod val="95000"/>
+                <a:lumOff val="5000"/>
+                <a:alpha val="42000"/>
+              </a:schemeClr>
+            </a:gs>
+            <a:gs pos="0">
+              <a:schemeClr val="lt1">
+                <a:lumMod val="75000"/>
+                <a:alpha val="36000"/>
+              </a:schemeClr>
+            </a:gs>
+          </a:gsLst>
+          <a:lin ang="5400000" scaled="0"/>
+        </a:gradFill>
+        <a:round/>
+      </a:ln>
+    </cs:spPr>
+  </cs:gridlineMajor>
+  <cs:gridlineMinor>
+    <cs:lnRef idx="0"/>
+    <cs:fillRef idx="0"/>
+    <cs:effectRef idx="0"/>
+    <cs:fontRef idx="minor">
+      <a:schemeClr val="dk1"/>
+    </cs:fontRef>
+    <cs:spPr>
+      <a:ln>
+        <a:gradFill>
+          <a:gsLst>
+            <a:gs pos="100000">
+              <a:schemeClr val="dk1">
+                <a:lumMod val="95000"/>
+                <a:lumOff val="5000"/>
+                <a:alpha val="42000"/>
+              </a:schemeClr>
+            </a:gs>
+            <a:gs pos="0">
+              <a:schemeClr val="lt1">
+                <a:lumMod val="75000"/>
+                <a:alpha val="36000"/>
+              </a:schemeClr>
+            </a:gs>
+          </a:gsLst>
+          <a:lin ang="5400000" scaled="0"/>
+        </a:gradFill>
+      </a:ln>
+    </cs:spPr>
+  </cs:gridlineMinor>
+  <cs:hiLoLine>
+    <cs:lnRef idx="0"/>
+    <cs:fillRef idx="0"/>
+    <cs:effectRef idx="0"/>
+    <cs:fontRef idx="minor">
+      <a:schemeClr val="dk1"/>
+    </cs:fontRef>
+    <cs:spPr>
+      <a:ln w="9525">
+        <a:solidFill>
+          <a:schemeClr val="dk1">
+            <a:lumMod val="35000"/>
+            <a:lumOff val="65000"/>
+          </a:schemeClr>
+        </a:solidFill>
+        <a:prstDash val="dash"/>
+      </a:ln>
+    </cs:spPr>
+  </cs:hiLoLine>
+  <cs:leaderLine>
+    <cs:lnRef idx="0"/>
+    <cs:fillRef idx="0"/>
+    <cs:effectRef idx="0"/>
+    <cs:fontRef idx="minor">
+      <a:schemeClr val="dk1"/>
+    </cs:fontRef>
+    <cs:spPr>
+      <a:ln w="9525">
+        <a:solidFill>
+          <a:schemeClr val="dk1">
+            <a:lumMod val="50000"/>
+            <a:lumOff val="50000"/>
+          </a:schemeClr>
+        </a:solidFill>
+      </a:ln>
+    </cs:spPr>
+  </cs:leaderLine>
+  <cs:legend>
+    <cs:lnRef idx="0"/>
+    <cs:fillRef idx="0"/>
+    <cs:effectRef idx="0"/>
+    <cs:fontRef idx="minor">
+      <a:schemeClr val="dk1">
+        <a:lumMod val="75000"/>
+        <a:lumOff val="25000"/>
+      </a:schemeClr>
+    </cs:fontRef>
+    <cs:spPr>
+      <a:solidFill>
+        <a:schemeClr val="lt1">
+          <a:lumMod val="95000"/>
+          <a:alpha val="39000"/>
+        </a:schemeClr>
+      </a:solidFill>
+    </cs:spPr>
+    <cs:defRPr sz="1197" kern="1200"/>
+  </cs:legend>
+  <cs:plotArea>
+    <cs:lnRef idx="0"/>
+    <cs:fillRef idx="0"/>
+    <cs:effectRef idx="0"/>
+    <cs:fontRef idx="minor">
+      <a:schemeClr val="dk1"/>
+    </cs:fontRef>
+  </cs:plotArea>
+  <cs:plotArea3D>
+    <cs:lnRef idx="0"/>
+    <cs:fillRef idx="0"/>
+    <cs:effectRef idx="0"/>
+    <cs:fontRef idx="minor">
+      <a:schemeClr val="dk1"/>
+    </cs:fontRef>
+  </cs:plotArea3D>
+  <cs:seriesAxis>
+    <cs:lnRef idx="0"/>
+    <cs:fillRef idx="0"/>
+    <cs:effectRef idx="0"/>
+    <cs:fontRef idx="minor">
+      <a:schemeClr val="dk1">
+        <a:lumMod val="75000"/>
+        <a:lumOff val="25000"/>
+      </a:schemeClr>
+    </cs:fontRef>
+    <cs:spPr>
+      <a:ln w="31750" cap="flat" cmpd="sng" algn="ctr">
+        <a:solidFill>
+          <a:schemeClr val="dk1">
+            <a:lumMod val="75000"/>
+            <a:lumOff val="25000"/>
+          </a:schemeClr>
+        </a:solidFill>
+        <a:round/>
+      </a:ln>
+    </cs:spPr>
+    <cs:defRPr sz="1197" kern="1200"/>
+  </cs:seriesAxis>
+  <cs:seriesLine>
+    <cs:lnRef idx="0"/>
+    <cs:fillRef idx="0"/>
+    <cs:effectRef idx="0"/>
+    <cs:fontRef idx="minor">
+      <a:schemeClr val="dk1"/>
+    </cs:fontRef>
+    <cs:spPr>
+      <a:ln w="9525">
+        <a:solidFill>
+          <a:schemeClr val="dk1">
+            <a:lumMod val="50000"/>
+            <a:lumOff val="50000"/>
+          </a:schemeClr>
+        </a:solidFill>
+        <a:round/>
+      </a:ln>
+    </cs:spPr>
+  </cs:seriesLine>
+  <cs:title>
+    <cs:lnRef idx="0"/>
+    <cs:fillRef idx="0"/>
+    <cs:effectRef idx="0"/>
+    <cs:fontRef idx="minor">
+      <a:schemeClr val="dk1">
+        <a:lumMod val="75000"/>
+        <a:lumOff val="25000"/>
+      </a:schemeClr>
+    </cs:fontRef>
+    <cs:defRPr sz="2200" b="1" kern="1200" baseline="0"/>
+  </cs:title>
+  <cs:trendline>
+    <cs:lnRef idx="0">
+      <cs:styleClr val="auto"/>
+    </cs:lnRef>
+    <cs:fillRef idx="0"/>
+    <cs:effectRef idx="0"/>
+    <cs:fontRef idx="minor">
+      <a:schemeClr val="dk1"/>
+    </cs:fontRef>
+    <cs:spPr>
+      <a:ln w="19050" cap="rnd">
+        <a:solidFill>
+          <a:schemeClr val="phClr"/>
+        </a:solidFill>
+      </a:ln>
+    </cs:spPr>
+  </cs:trendline>
+  <cs:trendlineLabel>
+    <cs:lnRef idx="0"/>
+    <cs:fillRef idx="0"/>
+    <cs:effectRef idx="0"/>
+    <cs:fontRef idx="minor">
+      <a:schemeClr val="dk1">
+        <a:lumMod val="75000"/>
+        <a:lumOff val="25000"/>
+      </a:schemeClr>
+    </cs:fontRef>
+    <cs:defRPr sz="1197" kern="1200"/>
+  </cs:trendlineLabel>
+  <cs:upBar>
+    <cs:lnRef idx="0"/>
+    <cs:fillRef idx="0"/>
+    <cs:effectRef idx="0"/>
+    <cs:fontRef idx="minor">
+      <a:schemeClr val="dk1"/>
+    </cs:fontRef>
+    <cs:spPr>
+      <a:solidFill>
+        <a:schemeClr val="lt1"/>
+      </a:solidFill>
+      <a:ln w="9525">
+        <a:solidFill>
+          <a:schemeClr val="dk1">
+            <a:lumMod val="65000"/>
+            <a:lumOff val="35000"/>
+          </a:schemeClr>
+        </a:solidFill>
+      </a:ln>
+    </cs:spPr>
+  </cs:upBar>
+  <cs:valueAxis>
+    <cs:lnRef idx="0"/>
+    <cs:fillRef idx="0"/>
+    <cs:effectRef idx="0"/>
+    <cs:fontRef idx="minor">
+      <a:schemeClr val="dk1">
+        <a:lumMod val="75000"/>
+        <a:lumOff val="25000"/>
+      </a:schemeClr>
+    </cs:fontRef>
+    <cs:spPr>
+      <a:ln>
+        <a:noFill/>
+      </a:ln>
+    </cs:spPr>
+    <cs:defRPr sz="1197" kern="1200"/>
+  </cs:valueAxis>
+  <cs:wall>
+    <cs:lnRef idx="0"/>
+    <cs:fillRef idx="0"/>
+    <cs:effectRef idx="0"/>
+    <cs:fontRef idx="minor">
+      <a:schemeClr val="dk1"/>
+    </cs:fontRef>
+  </cs:wall>
+</cs:chartStyle>
+</file>
+
+<file path=ppt/charts/style2.xml><?xml version="1.0" encoding="utf-8"?>
 <cs:chartStyle xmlns:cs="http://schemas.microsoft.com/office/drawing/2012/chartStyle" xmlns:a="http://schemas.openxmlformats.org/drawingml/2006/main" id="211">
   <cs:axisTitle>
     <cs:lnRef idx="0"/>
@@ -5247,7 +6273,7 @@
                 <a:ea typeface="+mj-ea"/>
               </a:rPr>
               <a:pPr algn="r" rtl="0"/>
-              <a:t>2018/12/25</a:t>
+              <a:t>2018/12/26</a:t>
             </a:fld>
             <a:endParaRPr lang="zh-TW" altLang="en-US" dirty="0">
               <a:latin typeface="+mj-ea"/>
@@ -5529,7 +6555,7 @@
                 <a:ea typeface="+mj-ea"/>
               </a:rPr>
               <a:pPr algn="r" rtl="0"/>
-              <a:t>2018/12/25</a:t>
+              <a:t>2018/12/26</a:t>
             </a:fld>
             <a:endParaRPr lang="zh-TW" altLang="en-US" dirty="0">
               <a:latin typeface="+mj-ea"/>
@@ -7612,7 +8638,7 @@
             <a:fld id="{9648EAF3-A6E8-4E9A-8D84-778422506FC2}" type="datetime1">
               <a:rPr lang="zh-TW" altLang="en-US" smtClean="0"/>
               <a:pPr/>
-              <a:t>2018/12/25</a:t>
+              <a:t>2018/12/26</a:t>
             </a:fld>
             <a:endParaRPr lang="zh-TW" altLang="en-US" dirty="0"/>
           </a:p>
@@ -7931,7 +8957,7 @@
             <a:fld id="{9648EAF3-A6E8-4E9A-8D84-778422506FC2}" type="datetime1">
               <a:rPr lang="zh-TW" altLang="en-US" smtClean="0"/>
               <a:pPr/>
-              <a:t>2018/12/25</a:t>
+              <a:t>2018/12/26</a:t>
             </a:fld>
             <a:endParaRPr lang="zh-TW" altLang="en-US" dirty="0"/>
           </a:p>
@@ -8132,7 +9158,7 @@
             <a:fld id="{9648EAF3-A6E8-4E9A-8D84-778422506FC2}" type="datetime1">
               <a:rPr lang="zh-TW" altLang="en-US" smtClean="0"/>
               <a:pPr/>
-              <a:t>2018/12/25</a:t>
+              <a:t>2018/12/26</a:t>
             </a:fld>
             <a:endParaRPr lang="zh-TW" altLang="en-US" dirty="0"/>
           </a:p>
@@ -8402,7 +9428,7 @@
             <a:fld id="{9648EAF3-A6E8-4E9A-8D84-778422506FC2}" type="datetime1">
               <a:rPr lang="zh-TW" altLang="en-US" smtClean="0"/>
               <a:pPr/>
-              <a:t>2018/12/25</a:t>
+              <a:t>2018/12/26</a:t>
             </a:fld>
             <a:endParaRPr lang="zh-TW" altLang="en-US" dirty="0"/>
           </a:p>
@@ -8835,7 +9861,7 @@
             <a:fld id="{9648EAF3-A6E8-4E9A-8D84-778422506FC2}" type="datetime1">
               <a:rPr lang="zh-TW" altLang="en-US" smtClean="0"/>
               <a:pPr/>
-              <a:t>2018/12/25</a:t>
+              <a:t>2018/12/26</a:t>
             </a:fld>
             <a:endParaRPr lang="zh-TW" altLang="en-US" dirty="0"/>
           </a:p>
@@ -9381,7 +10407,7 @@
             <a:fld id="{9648EAF3-A6E8-4E9A-8D84-778422506FC2}" type="datetime1">
               <a:rPr lang="zh-TW" altLang="en-US" smtClean="0"/>
               <a:pPr/>
-              <a:t>2018/12/25</a:t>
+              <a:t>2018/12/26</a:t>
             </a:fld>
             <a:endParaRPr lang="zh-TW" altLang="en-US" dirty="0"/>
           </a:p>
@@ -10247,7 +11273,7 @@
             <a:fld id="{9648EAF3-A6E8-4E9A-8D84-778422506FC2}" type="datetime1">
               <a:rPr lang="zh-TW" altLang="en-US" smtClean="0"/>
               <a:pPr/>
-              <a:t>2018/12/25</a:t>
+              <a:t>2018/12/26</a:t>
             </a:fld>
             <a:endParaRPr lang="zh-TW" altLang="en-US" dirty="0"/>
           </a:p>
@@ -10419,7 +11445,7 @@
             <a:fld id="{9648EAF3-A6E8-4E9A-8D84-778422506FC2}" type="datetime1">
               <a:rPr lang="zh-TW" altLang="en-US" smtClean="0"/>
               <a:pPr/>
-              <a:t>2018/12/25</a:t>
+              <a:t>2018/12/26</a:t>
             </a:fld>
             <a:endParaRPr lang="zh-TW" altLang="en-US" dirty="0"/>
           </a:p>
@@ -10625,7 +11651,7 @@
             <a:fld id="{9648EAF3-A6E8-4E9A-8D84-778422506FC2}" type="datetime1">
               <a:rPr lang="zh-TW" altLang="en-US" smtClean="0"/>
               <a:pPr/>
-              <a:t>2018/12/25</a:t>
+              <a:t>2018/12/26</a:t>
             </a:fld>
             <a:endParaRPr lang="zh-TW" altLang="en-US" dirty="0"/>
           </a:p>
@@ -10817,7 +11843,7 @@
             <a:fld id="{9648EAF3-A6E8-4E9A-8D84-778422506FC2}" type="datetime1">
               <a:rPr lang="zh-TW" altLang="en-US" smtClean="0"/>
               <a:pPr/>
-              <a:t>2018/12/25</a:t>
+              <a:t>2018/12/26</a:t>
             </a:fld>
             <a:endParaRPr lang="zh-TW" altLang="en-US" dirty="0"/>
           </a:p>
@@ -11070,7 +12096,7 @@
             <a:fld id="{9648EAF3-A6E8-4E9A-8D84-778422506FC2}" type="datetime1">
               <a:rPr lang="zh-TW" altLang="en-US" smtClean="0"/>
               <a:pPr/>
-              <a:t>2018/12/25</a:t>
+              <a:t>2018/12/26</a:t>
             </a:fld>
             <a:endParaRPr lang="zh-TW" altLang="en-US" dirty="0"/>
           </a:p>
@@ -11328,7 +12354,7 @@
             <a:fld id="{9648EAF3-A6E8-4E9A-8D84-778422506FC2}" type="datetime1">
               <a:rPr lang="zh-TW" altLang="en-US" smtClean="0"/>
               <a:pPr/>
-              <a:t>2018/12/25</a:t>
+              <a:t>2018/12/26</a:t>
             </a:fld>
             <a:endParaRPr lang="zh-TW" altLang="en-US" dirty="0"/>
           </a:p>
@@ -11803,7 +12829,7 @@
             <a:fld id="{9648EAF3-A6E8-4E9A-8D84-778422506FC2}" type="datetime1">
               <a:rPr lang="zh-TW" altLang="en-US" smtClean="0"/>
               <a:pPr/>
-              <a:t>2018/12/25</a:t>
+              <a:t>2018/12/26</a:t>
             </a:fld>
             <a:endParaRPr lang="zh-TW" altLang="en-US" dirty="0"/>
           </a:p>
@@ -11930,7 +12956,7 @@
             <a:fld id="{9648EAF3-A6E8-4E9A-8D84-778422506FC2}" type="datetime1">
               <a:rPr lang="zh-TW" altLang="en-US" smtClean="0"/>
               <a:pPr/>
-              <a:t>2018/12/25</a:t>
+              <a:t>2018/12/26</a:t>
             </a:fld>
             <a:endParaRPr lang="zh-TW" altLang="en-US" dirty="0"/>
           </a:p>
@@ -12047,7 +13073,7 @@
             <a:fld id="{9648EAF3-A6E8-4E9A-8D84-778422506FC2}" type="datetime1">
               <a:rPr lang="zh-TW" altLang="en-US" smtClean="0"/>
               <a:pPr/>
-              <a:t>2018/12/25</a:t>
+              <a:t>2018/12/26</a:t>
             </a:fld>
             <a:endParaRPr lang="zh-TW" altLang="en-US" dirty="0"/>
           </a:p>
@@ -12324,7 +13350,7 @@
             <a:fld id="{9648EAF3-A6E8-4E9A-8D84-778422506FC2}" type="datetime1">
               <a:rPr lang="zh-TW" altLang="en-US" smtClean="0"/>
               <a:pPr/>
-              <a:t>2018/12/25</a:t>
+              <a:t>2018/12/26</a:t>
             </a:fld>
             <a:endParaRPr lang="zh-TW" altLang="en-US" dirty="0"/>
           </a:p>
@@ -12646,7 +13672,7 @@
             <a:fld id="{9648EAF3-A6E8-4E9A-8D84-778422506FC2}" type="datetime1">
               <a:rPr lang="zh-TW" altLang="en-US" smtClean="0"/>
               <a:pPr/>
-              <a:t>2018/12/25</a:t>
+              <a:t>2018/12/26</a:t>
             </a:fld>
             <a:endParaRPr lang="zh-TW" altLang="en-US" dirty="0"/>
           </a:p>
@@ -12902,7 +13928,7 @@
             <a:fld id="{9648EAF3-A6E8-4E9A-8D84-778422506FC2}" type="datetime1">
               <a:rPr lang="zh-TW" altLang="en-US" smtClean="0"/>
               <a:pPr/>
-              <a:t>2018/12/25</a:t>
+              <a:t>2018/12/26</a:t>
             </a:fld>
             <a:endParaRPr lang="zh-TW" altLang="en-US" dirty="0"/>
           </a:p>
@@ -15471,7 +16497,7 @@
         </p:nvSpPr>
         <p:spPr>
           <a:xfrm>
-            <a:off x="4590" y="0"/>
+            <a:off x="52944" y="20150"/>
             <a:ext cx="12153343" cy="970450"/>
           </a:xfrm>
         </p:spPr>
@@ -15488,7 +16514,15 @@
                 <a:ea typeface="微軟正黑體" panose="020B0604030504040204" pitchFamily="34" charset="-120"/>
                 <a:sym typeface="Salesforce Sans"/>
               </a:rPr>
-              <a:t>Thread per block vs performance</a:t>
+              <a:t>Threads </a:t>
+            </a:r>
+            <a:r>
+              <a:rPr lang="en-US" altLang="zh-TW" sz="4800" dirty="0" smtClean="0">
+                <a:latin typeface="微軟正黑體" panose="020B0604030504040204" pitchFamily="34" charset="-120"/>
+                <a:ea typeface="微軟正黑體" panose="020B0604030504040204" pitchFamily="34" charset="-120"/>
+                <a:sym typeface="Salesforce Sans"/>
+              </a:rPr>
+              <a:t>per block vs performance</a:t>
             </a:r>
             <a:endParaRPr lang="zh-TW" altLang="en-US" sz="4800" dirty="0">
               <a:latin typeface="微軟正黑體" panose="020B0604030504040204" pitchFamily="34" charset="-120"/>
@@ -15510,7 +16544,7 @@
         </p:nvSpPr>
         <p:spPr>
           <a:xfrm>
-            <a:off x="20036" y="970450"/>
+            <a:off x="68390" y="990600"/>
             <a:ext cx="5754130" cy="5638800"/>
           </a:xfrm>
         </p:spPr>
@@ -15533,6 +16567,101 @@
           </a:p>
           <a:p>
             <a:endParaRPr lang="en-US" sz="2400" dirty="0" smtClean="0">
+              <a:latin typeface="微軟正黑體" panose="020B0604030504040204" pitchFamily="34" charset="-120"/>
+              <a:ea typeface="微軟正黑體" panose="020B0604030504040204" pitchFamily="34" charset="-120"/>
+            </a:endParaRPr>
+          </a:p>
+        </p:txBody>
+      </p:sp>
+      <p:graphicFrame>
+        <p:nvGraphicFramePr>
+          <p:cNvPr id="5" name="圖表 4"/>
+          <p:cNvGraphicFramePr/>
+          <p:nvPr>
+            <p:extLst>
+              <p:ext uri="{D42A27DB-BD31-4B8C-83A1-F6EECF244321}">
+                <p14:modId xmlns:p14="http://schemas.microsoft.com/office/powerpoint/2010/main" val="4073987430"/>
+              </p:ext>
+            </p:extLst>
+          </p:nvPr>
+        </p:nvGraphicFramePr>
+        <p:xfrm>
+          <a:off x="970539" y="1057275"/>
+          <a:ext cx="10363200" cy="5029200"/>
+        </p:xfrm>
+        <a:graphic>
+          <a:graphicData uri="http://schemas.openxmlformats.org/drawingml/2006/chart">
+            <c:chart xmlns:c="http://schemas.openxmlformats.org/drawingml/2006/chart" xmlns:r="http://schemas.openxmlformats.org/officeDocument/2006/relationships" r:id="rId3"/>
+          </a:graphicData>
+        </a:graphic>
+      </p:graphicFrame>
+      <p:sp>
+        <p:nvSpPr>
+          <p:cNvPr id="6" name="文字方塊 5"/>
+          <p:cNvSpPr txBox="1"/>
+          <p:nvPr/>
+        </p:nvSpPr>
+        <p:spPr>
+          <a:xfrm rot="16200000">
+            <a:off x="-623534" y="2160656"/>
+            <a:ext cx="2285998" cy="707886"/>
+          </a:xfrm>
+          <a:prstGeom prst="rect">
+            <a:avLst/>
+          </a:prstGeom>
+          <a:noFill/>
+        </p:spPr>
+        <p:txBody>
+          <a:bodyPr wrap="square" rtlCol="0">
+            <a:spAutoFit/>
+          </a:bodyPr>
+          <a:lstStyle/>
+          <a:p>
+            <a:r>
+              <a:rPr lang="en-US" sz="4000" dirty="0" smtClean="0">
+                <a:latin typeface="微軟正黑體" panose="020B0604030504040204" pitchFamily="34" charset="-120"/>
+                <a:ea typeface="微軟正黑體" panose="020B0604030504040204" pitchFamily="34" charset="-120"/>
+              </a:rPr>
+              <a:t>Secs</a:t>
+            </a:r>
+            <a:endParaRPr lang="en-US" sz="4000" dirty="0">
+              <a:latin typeface="微軟正黑體" panose="020B0604030504040204" pitchFamily="34" charset="-120"/>
+              <a:ea typeface="微軟正黑體" panose="020B0604030504040204" pitchFamily="34" charset="-120"/>
+            </a:endParaRPr>
+          </a:p>
+        </p:txBody>
+      </p:sp>
+      <p:sp>
+        <p:nvSpPr>
+          <p:cNvPr id="9" name="文字方塊 8"/>
+          <p:cNvSpPr txBox="1"/>
+          <p:nvPr/>
+        </p:nvSpPr>
+        <p:spPr>
+          <a:xfrm>
+            <a:off x="3500715" y="6172200"/>
+            <a:ext cx="5257800" cy="584775"/>
+          </a:xfrm>
+          <a:prstGeom prst="rect">
+            <a:avLst/>
+          </a:prstGeom>
+          <a:noFill/>
+        </p:spPr>
+        <p:txBody>
+          <a:bodyPr wrap="square" rtlCol="0">
+            <a:spAutoFit/>
+          </a:bodyPr>
+          <a:lstStyle/>
+          <a:p>
+            <a:pPr algn="ctr"/>
+            <a:r>
+              <a:rPr lang="en-US" sz="3200" dirty="0" smtClean="0">
+                <a:latin typeface="微軟正黑體" panose="020B0604030504040204" pitchFamily="34" charset="-120"/>
+                <a:ea typeface="微軟正黑體" panose="020B0604030504040204" pitchFamily="34" charset="-120"/>
+              </a:rPr>
+              <a:t>Threads per block</a:t>
+            </a:r>
+            <a:endParaRPr lang="en-US" sz="3200" dirty="0">
               <a:latin typeface="微軟正黑體" panose="020B0604030504040204" pitchFamily="34" charset="-120"/>
               <a:ea typeface="微軟正黑體" panose="020B0604030504040204" pitchFamily="34" charset="-120"/>
             </a:endParaRPr>
@@ -20309,15 +21438,6 @@
 </file>
 
 <file path=customXml/item1.xml><?xml version="1.0" encoding="utf-8"?>
-<?mso-contentType ?>
-<FormTemplates xmlns="http://schemas.microsoft.com/sharepoint/v3/contenttype/forms">
-  <Display>DocumentLibraryForm</Display>
-  <Edit>AssetEditForm</Edit>
-  <New>DocumentLibraryForm</New>
-</FormTemplates>
-</file>
-
-<file path=customXml/item2.xml><?xml version="1.0" encoding="utf-8"?>
 <p:properties xmlns:p="http://schemas.microsoft.com/office/2006/metadata/properties" xmlns:xsi="http://www.w3.org/2001/XMLSchema-instance" xmlns:pc="http://schemas.microsoft.com/office/infopath/2007/PartnerControls">
   <documentManagement>
     <LocPublishedLinkedAssetsLookup xmlns="4873beb7-5857-4685-be1f-d57550cc96cc" xsi:nil="true"/>
@@ -20451,6 +21571,15 @@
     <LocMarketGroupTiers2 xmlns="4873beb7-5857-4685-be1f-d57550cc96cc" xsi:nil="true"/>
   </documentManagement>
 </p:properties>
+</file>
+
+<file path=customXml/item2.xml><?xml version="1.0" encoding="utf-8"?>
+<?mso-contentType ?>
+<FormTemplates xmlns="http://schemas.microsoft.com/sharepoint/v3/contenttype/forms">
+  <Display>DocumentLibraryForm</Display>
+  <Edit>AssetEditForm</Edit>
+  <New>DocumentLibraryForm</New>
+</FormTemplates>
 </file>
 
 <file path=customXml/item3.xml><?xml version="1.0" encoding="utf-8"?>
@@ -21494,14 +22623,6 @@
 </file>
 
 <file path=customXml/itemProps1.xml><?xml version="1.0" encoding="utf-8"?>
-<ds:datastoreItem xmlns:ds="http://schemas.openxmlformats.org/officeDocument/2006/customXml" ds:itemID="{3836F65B-1B07-41EE-A0E8-BC6EF3855225}">
-  <ds:schemaRefs>
-    <ds:schemaRef ds:uri="http://schemas.microsoft.com/sharepoint/v3/contenttype/forms"/>
-  </ds:schemaRefs>
-</ds:datastoreItem>
-</file>
-
-<file path=customXml/itemProps2.xml><?xml version="1.0" encoding="utf-8"?>
 <ds:datastoreItem xmlns:ds="http://schemas.openxmlformats.org/officeDocument/2006/customXml" ds:itemID="{60C67BEE-D13F-4BD2-98A5-34D8A0977F68}">
   <ds:schemaRefs>
     <ds:schemaRef ds:uri="http://schemas.microsoft.com/office/2006/documentManagement/types"/>
@@ -21513,6 +22634,14 @@
     <ds:schemaRef ds:uri="http://purl.org/dc/terms/"/>
     <ds:schemaRef ds:uri="4873beb7-5857-4685-be1f-d57550cc96cc"/>
     <ds:schemaRef ds:uri="http://purl.org/dc/dcmitype/"/>
+  </ds:schemaRefs>
+</ds:datastoreItem>
+</file>
+
+<file path=customXml/itemProps2.xml><?xml version="1.0" encoding="utf-8"?>
+<ds:datastoreItem xmlns:ds="http://schemas.openxmlformats.org/officeDocument/2006/customXml" ds:itemID="{3836F65B-1B07-41EE-A0E8-BC6EF3855225}">
+  <ds:schemaRefs>
+    <ds:schemaRef ds:uri="http://schemas.microsoft.com/sharepoint/v3/contenttype/forms"/>
   </ds:schemaRefs>
 </ds:datastoreItem>
 </file>

--- a/Final Project/Report.pptx
+++ b/Final Project/Report.pptx
@@ -5,10 +5,10 @@
     <p:sldMasterId id="2147483750" r:id="rId4"/>
   </p:sldMasterIdLst>
   <p:notesMasterIdLst>
-    <p:notesMasterId r:id="rId28"/>
+    <p:notesMasterId r:id="rId24"/>
   </p:notesMasterIdLst>
   <p:handoutMasterIdLst>
-    <p:handoutMasterId r:id="rId29"/>
+    <p:handoutMasterId r:id="rId25"/>
   </p:handoutMasterIdLst>
   <p:sldIdLst>
     <p:sldId id="257" r:id="rId5"/>
@@ -25,15 +25,11 @@
     <p:sldId id="279" r:id="rId16"/>
     <p:sldId id="281" r:id="rId17"/>
     <p:sldId id="280" r:id="rId18"/>
-    <p:sldId id="267" r:id="rId19"/>
-    <p:sldId id="269" r:id="rId20"/>
-    <p:sldId id="270" r:id="rId21"/>
-    <p:sldId id="259" r:id="rId22"/>
-    <p:sldId id="261" r:id="rId23"/>
-    <p:sldId id="262" r:id="rId24"/>
-    <p:sldId id="263" r:id="rId25"/>
-    <p:sldId id="271" r:id="rId26"/>
-    <p:sldId id="265" r:id="rId27"/>
+    <p:sldId id="286" r:id="rId19"/>
+    <p:sldId id="287" r:id="rId20"/>
+    <p:sldId id="288" r:id="rId21"/>
+    <p:sldId id="290" r:id="rId22"/>
+    <p:sldId id="289" r:id="rId23"/>
   </p:sldIdLst>
   <p:sldSz cx="12188825" cy="6858000"/>
   <p:notesSz cx="6858000" cy="9144000"/>
@@ -372,7 +368,6 @@
             <c:showLeaderLines val="0"/>
             <c:extLst>
               <c:ext xmlns:c15="http://schemas.microsoft.com/office/drawing/2012/chart" uri="{CE6537A1-D6FC-4f65-9D91-7224C49458BB}">
-                <c15:layout/>
                 <c15:showLeaderLines val="1"/>
                 <c15:leaderLines>
                   <c:spPr>
@@ -597,7 +592,7 @@
     </mc:Fallback>
   </mc:AlternateContent>
   <c:chart>
-    <c:autoTitleDeleted val="0"/>
+    <c:autoTitleDeleted val="1"/>
     <c:plotArea>
       <c:layout/>
       <c:barChart>
@@ -609,70 +604,86 @@
           <c:order val="0"/>
           <c:tx>
             <c:strRef>
-              <c:f>Sheet1!$B$1</c:f>
+              <c:f>工作表1!$B$1</c:f>
               <c:strCache>
                 <c:ptCount val="1"/>
                 <c:pt idx="0">
-                  <c:v>數列 1</c:v>
+                  <c:v>Normal</c:v>
                 </c:pt>
               </c:strCache>
             </c:strRef>
           </c:tx>
           <c:spPr>
-            <a:noFill/>
-            <a:ln w="25400" cap="flat" cmpd="sng" algn="ctr">
+            <a:solidFill>
+              <a:schemeClr val="accent1">
+                <a:alpha val="85000"/>
+              </a:schemeClr>
+            </a:solidFill>
+            <a:ln w="9525" cap="flat" cmpd="sng" algn="ctr">
               <a:solidFill>
-                <a:schemeClr val="accent1"/>
+                <a:schemeClr val="lt1">
+                  <a:alpha val="50000"/>
+                </a:schemeClr>
               </a:solidFill>
-              <a:miter lim="800000"/>
+              <a:round/>
             </a:ln>
             <a:effectLst/>
           </c:spPr>
           <c:invertIfNegative val="0"/>
+          <c:dLbls>
+            <c:delete val="1"/>
+          </c:dLbls>
           <c:cat>
-            <c:strRef>
-              <c:f>Sheet1!$A$2:$A$5</c:f>
-              <c:strCache>
-                <c:ptCount val="4"/>
+            <c:numRef>
+              <c:f>工作表1!$A$2:$A$6</c:f>
+              <c:numCache>
+                <c:formatCode>General</c:formatCode>
+                <c:ptCount val="5"/>
                 <c:pt idx="0">
-                  <c:v>類別 1</c:v>
+                  <c:v>4</c:v>
                 </c:pt>
                 <c:pt idx="1">
-                  <c:v>類別 2</c:v>
+                  <c:v>16</c:v>
                 </c:pt>
                 <c:pt idx="2">
-                  <c:v>類別 3</c:v>
+                  <c:v>64</c:v>
                 </c:pt>
                 <c:pt idx="3">
-                  <c:v>類別 4</c:v>
+                  <c:v>256</c:v>
                 </c:pt>
-              </c:strCache>
-            </c:strRef>
+                <c:pt idx="4">
+                  <c:v>1024</c:v>
+                </c:pt>
+              </c:numCache>
+            </c:numRef>
           </c:cat>
           <c:val>
             <c:numRef>
-              <c:f>Sheet1!$B$2:$B$5</c:f>
+              <c:f>工作表1!$B$2:$B$6</c:f>
               <c:numCache>
                 <c:formatCode>General</c:formatCode>
-                <c:ptCount val="4"/>
+                <c:ptCount val="5"/>
                 <c:pt idx="0">
-                  <c:v>4.3</c:v>
+                  <c:v>38.65</c:v>
                 </c:pt>
                 <c:pt idx="1">
-                  <c:v>2.5</c:v>
+                  <c:v>15.38</c:v>
                 </c:pt>
                 <c:pt idx="2">
-                  <c:v>3.5</c:v>
+                  <c:v>9.4700000000000006</c:v>
                 </c:pt>
                 <c:pt idx="3">
-                  <c:v>4.5</c:v>
+                  <c:v>6.21</c:v>
+                </c:pt>
+                <c:pt idx="4">
+                  <c:v>5.88</c:v>
                 </c:pt>
               </c:numCache>
             </c:numRef>
           </c:val>
           <c:extLst>
             <c:ext xmlns:c16="http://schemas.microsoft.com/office/drawing/2014/chart" uri="{C3380CC4-5D6E-409C-BE32-E72D297353CC}">
-              <c16:uniqueId val="{00000000-5E92-4051-99BC-2623F45BF7E0}"/>
+              <c16:uniqueId val="{00000000-A6D9-4491-8EDA-A251FBC1D4B8}"/>
             </c:ext>
           </c:extLst>
         </c:ser>
@@ -681,173 +692,122 @@
           <c:order val="1"/>
           <c:tx>
             <c:strRef>
-              <c:f>Sheet1!$C$1</c:f>
+              <c:f>工作表1!$C$1</c:f>
               <c:strCache>
                 <c:ptCount val="1"/>
                 <c:pt idx="0">
-                  <c:v>數列 2</c:v>
+                  <c:v>Const</c:v>
                 </c:pt>
               </c:strCache>
             </c:strRef>
           </c:tx>
           <c:spPr>
-            <a:noFill/>
-            <a:ln w="25400" cap="flat" cmpd="sng" algn="ctr">
+            <a:solidFill>
+              <a:schemeClr val="accent2">
+                <a:alpha val="85000"/>
+              </a:schemeClr>
+            </a:solidFill>
+            <a:ln w="9525" cap="flat" cmpd="sng" algn="ctr">
               <a:solidFill>
-                <a:schemeClr val="accent2"/>
+                <a:schemeClr val="lt1">
+                  <a:alpha val="50000"/>
+                </a:schemeClr>
               </a:solidFill>
-              <a:miter lim="800000"/>
+              <a:round/>
             </a:ln>
             <a:effectLst/>
           </c:spPr>
           <c:invertIfNegative val="0"/>
+          <c:dLbls>
+            <c:delete val="1"/>
+          </c:dLbls>
           <c:cat>
-            <c:strRef>
-              <c:f>Sheet1!$A$2:$A$5</c:f>
-              <c:strCache>
-                <c:ptCount val="4"/>
+            <c:numRef>
+              <c:f>工作表1!$A$2:$A$6</c:f>
+              <c:numCache>
+                <c:formatCode>General</c:formatCode>
+                <c:ptCount val="5"/>
                 <c:pt idx="0">
-                  <c:v>類別 1</c:v>
+                  <c:v>4</c:v>
                 </c:pt>
                 <c:pt idx="1">
-                  <c:v>類別 2</c:v>
+                  <c:v>16</c:v>
                 </c:pt>
                 <c:pt idx="2">
-                  <c:v>類別 3</c:v>
+                  <c:v>64</c:v>
                 </c:pt>
                 <c:pt idx="3">
-                  <c:v>類別 4</c:v>
+                  <c:v>256</c:v>
                 </c:pt>
-              </c:strCache>
-            </c:strRef>
+                <c:pt idx="4">
+                  <c:v>1024</c:v>
+                </c:pt>
+              </c:numCache>
+            </c:numRef>
           </c:cat>
           <c:val>
             <c:numRef>
-              <c:f>Sheet1!$C$2:$C$5</c:f>
+              <c:f>工作表1!$C$2:$C$6</c:f>
               <c:numCache>
                 <c:formatCode>General</c:formatCode>
-                <c:ptCount val="4"/>
+                <c:ptCount val="5"/>
                 <c:pt idx="0">
-                  <c:v>2.4</c:v>
+                  <c:v>29.13</c:v>
                 </c:pt>
                 <c:pt idx="1">
-                  <c:v>4.4000000000000004</c:v>
+                  <c:v>13.41</c:v>
                 </c:pt>
                 <c:pt idx="2">
-                  <c:v>1.8</c:v>
+                  <c:v>8.27</c:v>
                 </c:pt>
                 <c:pt idx="3">
-                  <c:v>2.8</c:v>
+                  <c:v>5.0599999999999996</c:v>
+                </c:pt>
+                <c:pt idx="4">
+                  <c:v>4.62</c:v>
                 </c:pt>
               </c:numCache>
             </c:numRef>
           </c:val>
           <c:extLst>
             <c:ext xmlns:c16="http://schemas.microsoft.com/office/drawing/2014/chart" uri="{C3380CC4-5D6E-409C-BE32-E72D297353CC}">
-              <c16:uniqueId val="{00000001-5E92-4051-99BC-2623F45BF7E0}"/>
-            </c:ext>
-          </c:extLst>
-        </c:ser>
-        <c:ser>
-          <c:idx val="2"/>
-          <c:order val="2"/>
-          <c:tx>
-            <c:strRef>
-              <c:f>Sheet1!$D$1</c:f>
-              <c:strCache>
-                <c:ptCount val="1"/>
-                <c:pt idx="0">
-                  <c:v>數列 3</c:v>
-                </c:pt>
-              </c:strCache>
-            </c:strRef>
-          </c:tx>
-          <c:spPr>
-            <a:noFill/>
-            <a:ln w="25400" cap="flat" cmpd="sng" algn="ctr">
-              <a:solidFill>
-                <a:schemeClr val="accent3"/>
-              </a:solidFill>
-              <a:miter lim="800000"/>
-            </a:ln>
-            <a:effectLst/>
-          </c:spPr>
-          <c:invertIfNegative val="0"/>
-          <c:cat>
-            <c:strRef>
-              <c:f>Sheet1!$A$2:$A$5</c:f>
-              <c:strCache>
-                <c:ptCount val="4"/>
-                <c:pt idx="0">
-                  <c:v>類別 1</c:v>
-                </c:pt>
-                <c:pt idx="1">
-                  <c:v>類別 2</c:v>
-                </c:pt>
-                <c:pt idx="2">
-                  <c:v>類別 3</c:v>
-                </c:pt>
-                <c:pt idx="3">
-                  <c:v>類別 4</c:v>
-                </c:pt>
-              </c:strCache>
-            </c:strRef>
-          </c:cat>
-          <c:val>
-            <c:numRef>
-              <c:f>Sheet1!$D$2:$D$5</c:f>
-              <c:numCache>
-                <c:formatCode>General</c:formatCode>
-                <c:ptCount val="4"/>
-                <c:pt idx="0">
-                  <c:v>2</c:v>
-                </c:pt>
-                <c:pt idx="1">
-                  <c:v>2</c:v>
-                </c:pt>
-                <c:pt idx="2">
-                  <c:v>3</c:v>
-                </c:pt>
-                <c:pt idx="3">
-                  <c:v>5</c:v>
-                </c:pt>
-              </c:numCache>
-            </c:numRef>
-          </c:val>
-          <c:extLst>
-            <c:ext xmlns:c16="http://schemas.microsoft.com/office/drawing/2014/chart" uri="{C3380CC4-5D6E-409C-BE32-E72D297353CC}">
-              <c16:uniqueId val="{00000002-5E92-4051-99BC-2623F45BF7E0}"/>
+              <c16:uniqueId val="{00000000-A45D-4A0B-A688-335C0BFDD1A2}"/>
             </c:ext>
           </c:extLst>
         </c:ser>
         <c:dLbls>
           <c:showLegendKey val="0"/>
-          <c:showVal val="0"/>
+          <c:showVal val="1"/>
           <c:showCatName val="0"/>
           <c:showSerName val="0"/>
           <c:showPercent val="0"/>
           <c:showBubbleSize val="0"/>
         </c:dLbls>
-        <c:gapWidth val="164"/>
-        <c:overlap val="-35"/>
-        <c:axId val="2138253088"/>
-        <c:axId val="2138254928"/>
+        <c:gapWidth val="150"/>
+        <c:axId val="1711478223"/>
+        <c:axId val="1711489759"/>
       </c:barChart>
       <c:catAx>
-        <c:axId val="2138253088"/>
+        <c:axId val="1711478223"/>
         <c:scaling>
           <c:orientation val="minMax"/>
         </c:scaling>
         <c:delete val="0"/>
         <c:axPos val="b"/>
-        <c:numFmt formatCode="General" sourceLinked="0"/>
+        <c:numFmt formatCode="General" sourceLinked="1"/>
         <c:majorTickMark val="none"/>
         <c:minorTickMark val="none"/>
         <c:tickLblPos val="nextTo"/>
         <c:spPr>
           <a:noFill/>
-          <a:ln>
-            <a:noFill/>
+          <a:ln w="19050" cap="flat" cmpd="sng" algn="ctr">
+            <a:solidFill>
+              <a:schemeClr val="dk1">
+                <a:lumMod val="75000"/>
+                <a:lumOff val="25000"/>
+              </a:schemeClr>
+            </a:solidFill>
+            <a:round/>
           </a:ln>
           <a:effectLst/>
         </c:spPr>
@@ -856,22 +816,22 @@
           <a:lstStyle/>
           <a:p>
             <a:pPr>
-              <a:defRPr sz="1197" b="0" i="0" u="none" strike="noStrike" kern="1200" baseline="0">
+              <a:defRPr sz="3600" b="0" i="0" u="none" strike="noStrike" kern="1200" cap="all" baseline="0">
                 <a:solidFill>
-                  <a:schemeClr val="tx1">
-                    <a:lumMod val="50000"/>
-                    <a:lumOff val="50000"/>
+                  <a:schemeClr val="dk1">
+                    <a:lumMod val="75000"/>
+                    <a:lumOff val="25000"/>
                   </a:schemeClr>
                 </a:solidFill>
-                <a:latin typeface="+mj-ea"/>
-                <a:ea typeface="+mj-ea"/>
+                <a:latin typeface="+mn-lt"/>
+                <a:ea typeface="+mn-ea"/>
                 <a:cs typeface="+mn-cs"/>
               </a:defRPr>
             </a:pPr>
             <a:endParaRPr lang="en-US"/>
           </a:p>
         </c:txPr>
-        <c:crossAx val="2138254928"/>
+        <c:crossAx val="1711489759"/>
         <c:crosses val="autoZero"/>
         <c:auto val="1"/>
         <c:lblAlgn val="ctr"/>
@@ -879,44 +839,17 @@
         <c:noMultiLvlLbl val="0"/>
       </c:catAx>
       <c:valAx>
-        <c:axId val="2138254928"/>
+        <c:axId val="1711489759"/>
         <c:scaling>
           <c:orientation val="minMax"/>
         </c:scaling>
-        <c:delete val="0"/>
+        <c:delete val="1"/>
         <c:axPos val="l"/>
         <c:numFmt formatCode="General" sourceLinked="1"/>
-        <c:majorTickMark val="none"/>
+        <c:majorTickMark val="out"/>
         <c:minorTickMark val="none"/>
         <c:tickLblPos val="nextTo"/>
-        <c:spPr>
-          <a:noFill/>
-          <a:ln>
-            <a:noFill/>
-          </a:ln>
-          <a:effectLst/>
-        </c:spPr>
-        <c:txPr>
-          <a:bodyPr rot="-60000000" spcFirstLastPara="1" vertOverflow="ellipsis" vert="horz" wrap="square" anchor="ctr" anchorCtr="1"/>
-          <a:lstStyle/>
-          <a:p>
-            <a:pPr>
-              <a:defRPr sz="1197" b="0" i="0" u="none" strike="noStrike" kern="1200" baseline="0">
-                <a:solidFill>
-                  <a:schemeClr val="tx1">
-                    <a:lumMod val="50000"/>
-                    <a:lumOff val="50000"/>
-                  </a:schemeClr>
-                </a:solidFill>
-                <a:latin typeface="+mj-ea"/>
-                <a:ea typeface="+mj-ea"/>
-                <a:cs typeface="+mn-cs"/>
-              </a:defRPr>
-            </a:pPr>
-            <a:endParaRPr lang="en-US"/>
-          </a:p>
-        </c:txPr>
-        <c:crossAx val="2138253088"/>
+        <c:crossAx val="1711478223"/>
         <c:crosses val="autoZero"/>
         <c:crossBetween val="between"/>
       </c:valAx>
@@ -930,9 +863,24 @@
     </c:plotArea>
     <c:legend>
       <c:legendPos val="t"/>
+      <c:layout>
+        <c:manualLayout>
+          <c:xMode val="edge"/>
+          <c:yMode val="edge"/>
+          <c:x val="0.23328498919252741"/>
+          <c:y val="4.0404040404040407E-2"/>
+          <c:w val="0.52852806083063142"/>
+          <c:h val="0.13744412630239403"/>
+        </c:manualLayout>
+      </c:layout>
       <c:overlay val="0"/>
       <c:spPr>
-        <a:noFill/>
+        <a:solidFill>
+          <a:schemeClr val="lt1">
+            <a:lumMod val="95000"/>
+            <a:alpha val="39000"/>
+          </a:schemeClr>
+        </a:solidFill>
         <a:ln>
           <a:noFill/>
         </a:ln>
@@ -943,15 +891,15 @@
         <a:lstStyle/>
         <a:p>
           <a:pPr>
-            <a:defRPr sz="1197" b="0" i="0" u="none" strike="noStrike" kern="1200" baseline="0">
+            <a:defRPr sz="4400" b="0" i="0" u="none" strike="noStrike" kern="1200" baseline="0">
               <a:solidFill>
-                <a:schemeClr val="tx1">
-                  <a:lumMod val="50000"/>
-                  <a:lumOff val="50000"/>
+                <a:schemeClr val="dk1">
+                  <a:lumMod val="75000"/>
+                  <a:lumOff val="25000"/>
                 </a:schemeClr>
               </a:solidFill>
-              <a:latin typeface="+mj-ea"/>
-              <a:ea typeface="+mj-ea"/>
+              <a:latin typeface="+mn-lt"/>
+              <a:ea typeface="+mn-ea"/>
               <a:cs typeface="+mn-cs"/>
             </a:defRPr>
           </a:pPr>
@@ -964,9 +912,33 @@
     <c:showDLblsOverMax val="0"/>
   </c:chart>
   <c:spPr>
-    <a:noFill/>
-    <a:ln>
-      <a:noFill/>
+    <a:gradFill flip="none" rotWithShape="1">
+      <a:gsLst>
+        <a:gs pos="0">
+          <a:schemeClr val="lt1"/>
+        </a:gs>
+        <a:gs pos="39000">
+          <a:schemeClr val="lt1"/>
+        </a:gs>
+        <a:gs pos="100000">
+          <a:schemeClr val="lt1">
+            <a:lumMod val="75000"/>
+          </a:schemeClr>
+        </a:gs>
+      </a:gsLst>
+      <a:path path="circle">
+        <a:fillToRect l="50000" t="-80000" r="50000" b="180000"/>
+      </a:path>
+      <a:tileRect/>
+    </a:gradFill>
+    <a:ln w="9525" cap="flat" cmpd="sng" algn="ctr">
+      <a:solidFill>
+        <a:schemeClr val="dk1">
+          <a:lumMod val="25000"/>
+          <a:lumOff val="75000"/>
+        </a:schemeClr>
+      </a:solidFill>
+      <a:round/>
     </a:ln>
     <a:effectLst/>
   </c:spPr>
@@ -1635,32 +1607,43 @@
 </file>
 
 <file path=ppt/charts/style2.xml><?xml version="1.0" encoding="utf-8"?>
-<cs:chartStyle xmlns:cs="http://schemas.microsoft.com/office/drawing/2012/chartStyle" xmlns:a="http://schemas.openxmlformats.org/drawingml/2006/main" id="211">
+<cs:chartStyle xmlns:cs="http://schemas.microsoft.com/office/drawing/2012/chartStyle" xmlns:a="http://schemas.openxmlformats.org/drawingml/2006/main" id="228">
   <cs:axisTitle>
     <cs:lnRef idx="0"/>
     <cs:fillRef idx="0"/>
     <cs:effectRef idx="0"/>
     <cs:fontRef idx="minor">
-      <a:schemeClr val="tx1">
-        <a:lumMod val="50000"/>
-        <a:lumOff val="50000"/>
+      <a:schemeClr val="dk1">
+        <a:lumMod val="75000"/>
+        <a:lumOff val="25000"/>
       </a:schemeClr>
     </cs:fontRef>
-    <cs:defRPr sz="1197" kern="1200"/>
+    <cs:defRPr sz="1197" b="1" kern="1200"/>
   </cs:axisTitle>
   <cs:categoryAxis>
     <cs:lnRef idx="0"/>
     <cs:fillRef idx="0"/>
     <cs:effectRef idx="0"/>
     <cs:fontRef idx="minor">
-      <a:schemeClr val="tx1">
-        <a:lumMod val="50000"/>
-        <a:lumOff val="50000"/>
+      <a:schemeClr val="dk1">
+        <a:lumMod val="75000"/>
+        <a:lumOff val="25000"/>
       </a:schemeClr>
     </cs:fontRef>
-    <cs:defRPr sz="1197" kern="1200"/>
+    <cs:spPr>
+      <a:ln w="19050" cap="flat" cmpd="sng" algn="ctr">
+        <a:solidFill>
+          <a:schemeClr val="dk1">
+            <a:lumMod val="75000"/>
+            <a:lumOff val="25000"/>
+          </a:schemeClr>
+        </a:solidFill>
+        <a:round/>
+      </a:ln>
+    </cs:spPr>
+    <cs:defRPr sz="1197" kern="1200" cap="all" baseline="0"/>
   </cs:categoryAxis>
-  <cs:chartArea mods="allowNoFillOverride allowNoLineOverride">
+  <cs:chartArea>
     <cs:lnRef idx="0"/>
     <cs:fillRef idx="0"/>
     <cs:effectRef idx="0"/>
@@ -1668,14 +1651,30 @@
       <a:schemeClr val="dk1"/>
     </cs:fontRef>
     <cs:spPr>
-      <a:solidFill>
-        <a:schemeClr val="bg1"/>
-      </a:solidFill>
+      <a:gradFill flip="none" rotWithShape="1">
+        <a:gsLst>
+          <a:gs pos="0">
+            <a:schemeClr val="lt1"/>
+          </a:gs>
+          <a:gs pos="39000">
+            <a:schemeClr val="lt1"/>
+          </a:gs>
+          <a:gs pos="100000">
+            <a:schemeClr val="lt1">
+              <a:lumMod val="75000"/>
+            </a:schemeClr>
+          </a:gs>
+        </a:gsLst>
+        <a:path path="circle">
+          <a:fillToRect l="50000" t="-80000" r="50000" b="180000"/>
+        </a:path>
+        <a:tileRect/>
+      </a:gradFill>
       <a:ln w="9525" cap="flat" cmpd="sng" algn="ctr">
         <a:solidFill>
-          <a:schemeClr val="tx1">
-            <a:lumMod val="15000"/>
-            <a:lumOff val="85000"/>
+          <a:schemeClr val="dk1">
+            <a:lumMod val="25000"/>
+            <a:lumOff val="75000"/>
           </a:schemeClr>
         </a:solidFill>
         <a:round/>
@@ -1685,56 +1684,38 @@
   </cs:chartArea>
   <cs:dataLabel>
     <cs:lnRef idx="0"/>
-    <cs:fillRef idx="0"/>
+    <cs:fillRef idx="0">
+      <cs:styleClr val="auto"/>
+    </cs:fillRef>
     <cs:effectRef idx="0"/>
     <cs:fontRef idx="minor">
-      <a:schemeClr val="tx1">
-        <a:lumMod val="65000"/>
-        <a:lumOff val="35000"/>
-      </a:schemeClr>
+      <a:schemeClr val="lt1"/>
     </cs:fontRef>
-    <cs:defRPr sz="1197" kern="1200"/>
+    <cs:defRPr sz="1197" b="1" i="0" u="none" strike="noStrike" kern="1200" baseline="0"/>
   </cs:dataLabel>
   <cs:dataLabelCallout>
     <cs:lnRef idx="0"/>
     <cs:fillRef idx="0"/>
     <cs:effectRef idx="0"/>
     <cs:fontRef idx="minor">
-      <a:schemeClr val="bg1"/>
+      <a:schemeClr val="lt1"/>
     </cs:fontRef>
     <cs:spPr>
       <a:solidFill>
-        <a:schemeClr val="tx1">
-          <a:lumMod val="35000"/>
-          <a:lumOff val="65000"/>
+        <a:schemeClr val="dk1">
+          <a:lumMod val="65000"/>
+          <a:lumOff val="35000"/>
+          <a:alpha val="75000"/>
         </a:schemeClr>
       </a:solidFill>
     </cs:spPr>
-    <cs:defRPr sz="1197"/>
+    <cs:defRPr sz="1197" b="1" kern="1200"/>
+    <cs:bodyPr rot="0" spcFirstLastPara="1" vertOverflow="clip" horzOverflow="clip" vert="horz" wrap="square" lIns="36576" tIns="18288" rIns="36576" bIns="18288" anchor="ctr" anchorCtr="1">
+      <a:spAutoFit/>
+    </cs:bodyPr>
   </cs:dataLabelCallout>
   <cs:dataPoint>
-    <cs:lnRef idx="0">
-      <cs:styleClr val="auto"/>
-    </cs:lnRef>
-    <cs:fillRef idx="0"/>
-    <cs:effectRef idx="0"/>
-    <cs:fontRef idx="minor">
-      <a:schemeClr val="dk1"/>
-    </cs:fontRef>
-    <cs:spPr>
-      <a:noFill/>
-      <a:ln w="25400" cap="flat" cmpd="sng" algn="ctr">
-        <a:solidFill>
-          <a:schemeClr val="phClr"/>
-        </a:solidFill>
-        <a:miter lim="800000"/>
-      </a:ln>
-    </cs:spPr>
-  </cs:dataPoint>
-  <cs:dataPoint3D>
-    <cs:lnRef idx="0">
-      <cs:styleClr val="auto"/>
-    </cs:lnRef>
+    <cs:lnRef idx="0"/>
     <cs:fillRef idx="0">
       <cs:styleClr val="auto"/>
     </cs:fillRef>
@@ -1743,11 +1724,43 @@
       <a:schemeClr val="dk1"/>
     </cs:fontRef>
     <cs:spPr>
-      <a:ln w="19050" cap="flat" cmpd="sng" algn="ctr">
+      <a:solidFill>
+        <a:schemeClr val="phClr">
+          <a:alpha val="85000"/>
+        </a:schemeClr>
+      </a:solidFill>
+      <a:ln w="9525" cap="flat" cmpd="sng" algn="ctr">
         <a:solidFill>
-          <a:schemeClr val="phClr"/>
+          <a:schemeClr val="lt1">
+            <a:alpha val="50000"/>
+          </a:schemeClr>
         </a:solidFill>
-        <a:miter lim="800000"/>
+        <a:round/>
+      </a:ln>
+    </cs:spPr>
+  </cs:dataPoint>
+  <cs:dataPoint3D>
+    <cs:lnRef idx="0"/>
+    <cs:fillRef idx="0">
+      <cs:styleClr val="auto"/>
+    </cs:fillRef>
+    <cs:effectRef idx="0"/>
+    <cs:fontRef idx="minor">
+      <a:schemeClr val="dk1"/>
+    </cs:fontRef>
+    <cs:spPr>
+      <a:solidFill>
+        <a:schemeClr val="phClr">
+          <a:alpha val="85000"/>
+        </a:schemeClr>
+      </a:solidFill>
+      <a:ln w="9525" cap="flat" cmpd="sng" algn="ctr">
+        <a:solidFill>
+          <a:schemeClr val="lt1">
+            <a:alpha val="50000"/>
+          </a:schemeClr>
+        </a:solidFill>
+        <a:round/>
       </a:ln>
     </cs:spPr>
   </cs:dataPoint3D>
@@ -1761,7 +1774,7 @@
       <a:schemeClr val="dk1"/>
     </cs:fontRef>
     <cs:spPr>
-      <a:ln w="28575" cap="rnd">
+      <a:ln w="31750" cap="rnd">
         <a:solidFill>
           <a:schemeClr val="phClr"/>
         </a:solidFill>
@@ -1770,9 +1783,7 @@
     </cs:spPr>
   </cs:dataPointLine>
   <cs:dataPointMarker>
-    <cs:lnRef idx="0">
-      <cs:styleClr val="auto"/>
-    </cs:lnRef>
+    <cs:lnRef idx="0"/>
     <cs:fillRef idx="0">
       <cs:styleClr val="auto"/>
     </cs:fillRef>
@@ -1781,29 +1792,27 @@
       <a:schemeClr val="dk1"/>
     </cs:fontRef>
     <cs:spPr>
-      <a:ln w="19050" cap="rnd">
+      <a:solidFill>
+        <a:schemeClr val="phClr"/>
+      </a:solidFill>
+    </cs:spPr>
+  </cs:dataPointMarker>
+  <cs:dataPointMarkerLayout symbol="circle" size="17"/>
+  <cs:dataPointWireframe>
+    <cs:lnRef idx="0">
+      <cs:styleClr val="auto"/>
+    </cs:lnRef>
+    <cs:fillRef idx="0"/>
+    <cs:effectRef idx="0"/>
+    <cs:fontRef idx="minor">
+      <a:schemeClr val="dk1"/>
+    </cs:fontRef>
+    <cs:spPr>
+      <a:ln w="9525" cap="rnd">
         <a:solidFill>
           <a:schemeClr val="phClr"/>
         </a:solidFill>
         <a:round/>
-      </a:ln>
-    </cs:spPr>
-  </cs:dataPointMarker>
-  <cs:dataPointMarkerLayout symbol="circle" size="6"/>
-  <cs:dataPointWireframe>
-    <cs:lnRef idx="0">
-      <cs:styleClr val="auto"/>
-    </cs:lnRef>
-    <cs:fillRef idx="1"/>
-    <cs:effectRef idx="0"/>
-    <cs:fontRef idx="minor">
-      <a:schemeClr val="tx1"/>
-    </cs:fontRef>
-    <cs:spPr>
-      <a:ln w="9525">
-        <a:solidFill>
-          <a:schemeClr val="phClr"/>
-        </a:solidFill>
       </a:ln>
     </cs:spPr>
   </cs:dataPointWireframe>
@@ -1812,17 +1821,17 @@
     <cs:fillRef idx="0"/>
     <cs:effectRef idx="0"/>
     <cs:fontRef idx="minor">
-      <a:schemeClr val="tx1">
-        <a:lumMod val="50000"/>
-        <a:lumOff val="50000"/>
+      <a:schemeClr val="dk1">
+        <a:lumMod val="75000"/>
+        <a:lumOff val="25000"/>
       </a:schemeClr>
     </cs:fontRef>
     <cs:spPr>
       <a:ln w="9525">
         <a:solidFill>
-          <a:schemeClr val="tx1">
-            <a:lumMod val="15000"/>
-            <a:lumOff val="85000"/>
+          <a:schemeClr val="dk1">
+            <a:lumMod val="35000"/>
+            <a:lumOff val="65000"/>
           </a:schemeClr>
         </a:solidFill>
       </a:ln>
@@ -1839,18 +1848,17 @@
     <cs:spPr>
       <a:solidFill>
         <a:schemeClr val="dk1">
-          <a:lumMod val="75000"/>
-          <a:lumOff val="25000"/>
+          <a:lumMod val="50000"/>
+          <a:lumOff val="50000"/>
         </a:schemeClr>
       </a:solidFill>
-      <a:ln w="9525" cap="flat" cmpd="sng" algn="ctr">
+      <a:ln w="9525">
         <a:solidFill>
-          <a:schemeClr val="tx1">
-            <a:lumMod val="50000"/>
-            <a:lumOff val="50000"/>
+          <a:schemeClr val="dk1">
+            <a:lumMod val="65000"/>
+            <a:lumOff val="35000"/>
           </a:schemeClr>
         </a:solidFill>
-        <a:round/>
       </a:ln>
     </cs:spPr>
   </cs:downBar>
@@ -1862,14 +1870,14 @@
       <a:schemeClr val="dk1"/>
     </cs:fontRef>
     <cs:spPr>
-      <a:ln w="9525" cap="flat" cmpd="sng" algn="ctr">
+      <a:ln w="9525">
         <a:solidFill>
-          <a:schemeClr val="tx1">
+          <a:schemeClr val="dk1">
             <a:lumMod val="35000"/>
             <a:lumOff val="65000"/>
           </a:schemeClr>
         </a:solidFill>
-        <a:round/>
+        <a:prstDash val="dash"/>
       </a:ln>
     </cs:spPr>
   </cs:dropLine>
@@ -1881,11 +1889,11 @@
       <a:schemeClr val="dk1"/>
     </cs:fontRef>
     <cs:spPr>
-      <a:ln w="9525" cap="flat" cmpd="sng" algn="ctr">
+      <a:ln w="9525">
         <a:solidFill>
-          <a:schemeClr val="tx1">
-            <a:lumMod val="50000"/>
-            <a:lumOff val="50000"/>
+          <a:schemeClr val="dk1">
+            <a:lumMod val="65000"/>
+            <a:lumOff val="35000"/>
           </a:schemeClr>
         </a:solidFill>
         <a:round/>
@@ -1908,13 +1916,26 @@
       <a:schemeClr val="dk1"/>
     </cs:fontRef>
     <cs:spPr>
-      <a:ln w="9525">
-        <a:solidFill>
-          <a:schemeClr val="tx1">
-            <a:lumMod val="15000"/>
-            <a:lumOff val="85000"/>
-          </a:schemeClr>
-        </a:solidFill>
+      <a:ln w="9525" cap="flat" cmpd="sng" algn="ctr">
+        <a:gradFill>
+          <a:gsLst>
+            <a:gs pos="100000">
+              <a:schemeClr val="dk1">
+                <a:lumMod val="95000"/>
+                <a:lumOff val="5000"/>
+                <a:alpha val="42000"/>
+              </a:schemeClr>
+            </a:gs>
+            <a:gs pos="0">
+              <a:schemeClr val="lt1">
+                <a:lumMod val="75000"/>
+                <a:alpha val="36000"/>
+              </a:schemeClr>
+            </a:gs>
+          </a:gsLst>
+          <a:lin ang="5400000" scaled="0"/>
+        </a:gradFill>
+        <a:round/>
       </a:ln>
     </cs:spPr>
   </cs:gridlineMajor>
@@ -1926,13 +1947,25 @@
       <a:schemeClr val="dk1"/>
     </cs:fontRef>
     <cs:spPr>
-      <a:ln w="9525">
-        <a:solidFill>
-          <a:schemeClr val="tx1">
-            <a:lumMod val="5000"/>
-            <a:lumOff val="95000"/>
-          </a:schemeClr>
-        </a:solidFill>
+      <a:ln>
+        <a:gradFill>
+          <a:gsLst>
+            <a:gs pos="100000">
+              <a:schemeClr val="dk1">
+                <a:lumMod val="95000"/>
+                <a:lumOff val="5000"/>
+                <a:alpha val="42000"/>
+              </a:schemeClr>
+            </a:gs>
+            <a:gs pos="0">
+              <a:schemeClr val="lt1">
+                <a:lumMod val="75000"/>
+                <a:alpha val="36000"/>
+              </a:schemeClr>
+            </a:gs>
+          </a:gsLst>
+          <a:lin ang="5400000" scaled="0"/>
+        </a:gradFill>
       </a:ln>
     </cs:spPr>
   </cs:gridlineMinor>
@@ -1944,14 +1977,14 @@
       <a:schemeClr val="dk1"/>
     </cs:fontRef>
     <cs:spPr>
-      <a:ln w="9525" cap="flat" cmpd="sng" algn="ctr">
+      <a:ln w="9525">
         <a:solidFill>
-          <a:schemeClr val="tx1">
+          <a:schemeClr val="dk1">
             <a:lumMod val="35000"/>
             <a:lumOff val="65000"/>
           </a:schemeClr>
         </a:solidFill>
-        <a:round/>
+        <a:prstDash val="dash"/>
       </a:ln>
     </cs:spPr>
   </cs:hiLoLine>
@@ -1963,14 +1996,13 @@
       <a:schemeClr val="dk1"/>
     </cs:fontRef>
     <cs:spPr>
-      <a:ln w="9525" cap="flat" cmpd="sng" algn="ctr">
+      <a:ln w="9525">
         <a:solidFill>
-          <a:schemeClr val="tx1">
-            <a:lumMod val="35000"/>
-            <a:lumOff val="65000"/>
+          <a:schemeClr val="dk1">
+            <a:lumMod val="50000"/>
+            <a:lumOff val="50000"/>
           </a:schemeClr>
         </a:solidFill>
-        <a:round/>
       </a:ln>
     </cs:spPr>
   </cs:leaderLine>
@@ -1979,14 +2011,22 @@
     <cs:fillRef idx="0"/>
     <cs:effectRef idx="0"/>
     <cs:fontRef idx="minor">
-      <a:schemeClr val="tx1">
-        <a:lumMod val="50000"/>
-        <a:lumOff val="50000"/>
+      <a:schemeClr val="dk1">
+        <a:lumMod val="75000"/>
+        <a:lumOff val="25000"/>
       </a:schemeClr>
     </cs:fontRef>
+    <cs:spPr>
+      <a:solidFill>
+        <a:schemeClr val="lt1">
+          <a:lumMod val="95000"/>
+          <a:alpha val="39000"/>
+        </a:schemeClr>
+      </a:solidFill>
+    </cs:spPr>
     <cs:defRPr sz="1197" kern="1200"/>
   </cs:legend>
-  <cs:plotArea mods="allowNoFillOverride allowNoLineOverride">
+  <cs:plotArea>
     <cs:lnRef idx="0"/>
     <cs:fillRef idx="0"/>
     <cs:effectRef idx="0"/>
@@ -1994,7 +2034,7 @@
       <a:schemeClr val="dk1"/>
     </cs:fontRef>
   </cs:plotArea>
-  <cs:plotArea3D mods="allowNoFillOverride allowNoLineOverride">
+  <cs:plotArea3D>
     <cs:lnRef idx="0"/>
     <cs:fillRef idx="0"/>
     <cs:effectRef idx="0"/>
@@ -2007,11 +2047,22 @@
     <cs:fillRef idx="0"/>
     <cs:effectRef idx="0"/>
     <cs:fontRef idx="minor">
-      <a:schemeClr val="tx1">
-        <a:lumMod val="50000"/>
-        <a:lumOff val="50000"/>
+      <a:schemeClr val="dk1">
+        <a:lumMod val="75000"/>
+        <a:lumOff val="25000"/>
       </a:schemeClr>
     </cs:fontRef>
+    <cs:spPr>
+      <a:ln w="31750" cap="flat" cmpd="sng" algn="ctr">
+        <a:solidFill>
+          <a:schemeClr val="dk1">
+            <a:lumMod val="75000"/>
+            <a:lumOff val="25000"/>
+          </a:schemeClr>
+        </a:solidFill>
+        <a:round/>
+      </a:ln>
+    </cs:spPr>
     <cs:defRPr sz="1197" kern="1200"/>
   </cs:seriesAxis>
   <cs:seriesLine>
@@ -2022,11 +2073,11 @@
       <a:schemeClr val="dk1"/>
     </cs:fontRef>
     <cs:spPr>
-      <a:ln w="9525" cap="flat" cmpd="sng" algn="ctr">
+      <a:ln w="9525">
         <a:solidFill>
-          <a:schemeClr val="tx1">
-            <a:lumMod val="35000"/>
-            <a:lumOff val="65000"/>
+          <a:schemeClr val="dk1">
+            <a:lumMod val="50000"/>
+            <a:lumOff val="50000"/>
           </a:schemeClr>
         </a:solidFill>
         <a:round/>
@@ -2038,12 +2089,12 @@
     <cs:fillRef idx="0"/>
     <cs:effectRef idx="0"/>
     <cs:fontRef idx="minor">
-      <a:schemeClr val="tx1">
-        <a:lumMod val="65000"/>
-        <a:lumOff val="35000"/>
+      <a:schemeClr val="dk1">
+        <a:lumMod val="75000"/>
+        <a:lumOff val="25000"/>
       </a:schemeClr>
     </cs:fontRef>
-    <cs:defRPr sz="2200" b="0" kern="1200" cap="none" spc="50" baseline="0"/>
+    <cs:defRPr sz="2200" b="1" kern="1200" baseline="0"/>
   </cs:title>
   <cs:trendline>
     <cs:lnRef idx="0">
@@ -2067,9 +2118,9 @@
     <cs:fillRef idx="0"/>
     <cs:effectRef idx="0"/>
     <cs:fontRef idx="minor">
-      <a:schemeClr val="tx1">
-        <a:lumMod val="50000"/>
-        <a:lumOff val="50000"/>
+      <a:schemeClr val="dk1">
+        <a:lumMod val="75000"/>
+        <a:lumOff val="25000"/>
       </a:schemeClr>
     </cs:fontRef>
     <cs:defRPr sz="1197" kern="1200"/>
@@ -2085,14 +2136,13 @@
       <a:solidFill>
         <a:schemeClr val="lt1"/>
       </a:solidFill>
-      <a:ln w="9525" cap="flat" cmpd="sng" algn="ctr">
+      <a:ln w="9525">
         <a:solidFill>
-          <a:schemeClr val="tx1">
-            <a:lumMod val="50000"/>
-            <a:lumOff val="50000"/>
+          <a:schemeClr val="dk1">
+            <a:lumMod val="65000"/>
+            <a:lumOff val="35000"/>
           </a:schemeClr>
         </a:solidFill>
-        <a:round/>
       </a:ln>
     </cs:spPr>
   </cs:upBar>
@@ -2101,11 +2151,16 @@
     <cs:fillRef idx="0"/>
     <cs:effectRef idx="0"/>
     <cs:fontRef idx="minor">
-      <a:schemeClr val="tx1">
-        <a:lumMod val="50000"/>
-        <a:lumOff val="50000"/>
+      <a:schemeClr val="dk1">
+        <a:lumMod val="75000"/>
+        <a:lumOff val="25000"/>
       </a:schemeClr>
     </cs:fontRef>
+    <cs:spPr>
+      <a:ln>
+        <a:noFill/>
+      </a:ln>
+    </cs:spPr>
     <cs:defRPr sz="1197" kern="1200"/>
   </cs:valueAxis>
   <cs:wall>
@@ -2117,4069 +2172,6 @@
     </cs:fontRef>
   </cs:wall>
 </cs:chartStyle>
-</file>
-
-<file path=ppt/diagrams/colors1.xml><?xml version="1.0" encoding="utf-8"?>
-<dgm:colorsDef xmlns:dgm="http://schemas.openxmlformats.org/drawingml/2006/diagram" xmlns:a="http://schemas.openxmlformats.org/drawingml/2006/main" uniqueId="urn:microsoft.com/office/officeart/2005/8/colors/colorful1">
-  <dgm:title val=""/>
-  <dgm:desc val=""/>
-  <dgm:catLst>
-    <dgm:cat type="colorful" pri="10100"/>
-  </dgm:catLst>
-  <dgm:styleLbl name="node0">
-    <dgm:fillClrLst meth="repeat">
-      <a:schemeClr val="accent1"/>
-    </dgm:fillClrLst>
-    <dgm:linClrLst meth="repeat">
-      <a:schemeClr val="lt1"/>
-    </dgm:linClrLst>
-    <dgm:effectClrLst/>
-    <dgm:txLinClrLst/>
-    <dgm:txFillClrLst/>
-    <dgm:txEffectClrLst/>
-  </dgm:styleLbl>
-  <dgm:styleLbl name="node1">
-    <dgm:fillClrLst meth="repeat">
-      <a:schemeClr val="accent2"/>
-      <a:schemeClr val="accent3"/>
-      <a:schemeClr val="accent4"/>
-      <a:schemeClr val="accent5"/>
-      <a:schemeClr val="accent6"/>
-    </dgm:fillClrLst>
-    <dgm:linClrLst meth="repeat">
-      <a:schemeClr val="lt1"/>
-    </dgm:linClrLst>
-    <dgm:effectClrLst/>
-    <dgm:txLinClrLst/>
-    <dgm:txFillClrLst/>
-    <dgm:txEffectClrLst/>
-  </dgm:styleLbl>
-  <dgm:styleLbl name="alignNode1">
-    <dgm:fillClrLst meth="repeat">
-      <a:schemeClr val="accent2"/>
-      <a:schemeClr val="accent3"/>
-      <a:schemeClr val="accent4"/>
-      <a:schemeClr val="accent5"/>
-      <a:schemeClr val="accent6"/>
-    </dgm:fillClrLst>
-    <dgm:linClrLst meth="repeat">
-      <a:schemeClr val="accent2"/>
-      <a:schemeClr val="accent3"/>
-      <a:schemeClr val="accent4"/>
-      <a:schemeClr val="accent5"/>
-      <a:schemeClr val="accent6"/>
-    </dgm:linClrLst>
-    <dgm:effectClrLst/>
-    <dgm:txLinClrLst/>
-    <dgm:txFillClrLst/>
-    <dgm:txEffectClrLst/>
-  </dgm:styleLbl>
-  <dgm:styleLbl name="lnNode1">
-    <dgm:fillClrLst meth="repeat">
-      <a:schemeClr val="accent2"/>
-      <a:schemeClr val="accent3"/>
-      <a:schemeClr val="accent4"/>
-      <a:schemeClr val="accent5"/>
-      <a:schemeClr val="accent6"/>
-    </dgm:fillClrLst>
-    <dgm:linClrLst meth="repeat">
-      <a:schemeClr val="lt1"/>
-    </dgm:linClrLst>
-    <dgm:effectClrLst/>
-    <dgm:txLinClrLst/>
-    <dgm:txFillClrLst/>
-    <dgm:txEffectClrLst/>
-  </dgm:styleLbl>
-  <dgm:styleLbl name="vennNode1">
-    <dgm:fillClrLst meth="repeat">
-      <a:schemeClr val="accent2">
-        <a:alpha val="50000"/>
-      </a:schemeClr>
-      <a:schemeClr val="accent3">
-        <a:alpha val="50000"/>
-      </a:schemeClr>
-      <a:schemeClr val="accent4">
-        <a:alpha val="50000"/>
-      </a:schemeClr>
-      <a:schemeClr val="accent5">
-        <a:alpha val="50000"/>
-      </a:schemeClr>
-      <a:schemeClr val="accent6">
-        <a:alpha val="50000"/>
-      </a:schemeClr>
-    </dgm:fillClrLst>
-    <dgm:linClrLst meth="repeat">
-      <a:schemeClr val="lt1"/>
-    </dgm:linClrLst>
-    <dgm:effectClrLst/>
-    <dgm:txLinClrLst/>
-    <dgm:txFillClrLst/>
-    <dgm:txEffectClrLst/>
-  </dgm:styleLbl>
-  <dgm:styleLbl name="node2">
-    <dgm:fillClrLst>
-      <a:schemeClr val="accent2"/>
-    </dgm:fillClrLst>
-    <dgm:linClrLst meth="repeat">
-      <a:schemeClr val="lt1"/>
-    </dgm:linClrLst>
-    <dgm:effectClrLst/>
-    <dgm:txLinClrLst/>
-    <dgm:txFillClrLst/>
-    <dgm:txEffectClrLst/>
-  </dgm:styleLbl>
-  <dgm:styleLbl name="node3">
-    <dgm:fillClrLst>
-      <a:schemeClr val="accent3"/>
-    </dgm:fillClrLst>
-    <dgm:linClrLst meth="repeat">
-      <a:schemeClr val="lt1"/>
-    </dgm:linClrLst>
-    <dgm:effectClrLst/>
-    <dgm:txLinClrLst/>
-    <dgm:txFillClrLst/>
-    <dgm:txEffectClrLst/>
-  </dgm:styleLbl>
-  <dgm:styleLbl name="node4">
-    <dgm:fillClrLst>
-      <a:schemeClr val="accent4"/>
-    </dgm:fillClrLst>
-    <dgm:linClrLst meth="repeat">
-      <a:schemeClr val="lt1"/>
-    </dgm:linClrLst>
-    <dgm:effectClrLst/>
-    <dgm:txLinClrLst/>
-    <dgm:txFillClrLst/>
-    <dgm:txEffectClrLst/>
-  </dgm:styleLbl>
-  <dgm:styleLbl name="fgImgPlace1">
-    <dgm:fillClrLst meth="repeat">
-      <a:schemeClr val="accent2">
-        <a:tint val="50000"/>
-      </a:schemeClr>
-      <a:schemeClr val="accent3">
-        <a:tint val="50000"/>
-      </a:schemeClr>
-      <a:schemeClr val="accent4">
-        <a:tint val="50000"/>
-      </a:schemeClr>
-      <a:schemeClr val="accent5">
-        <a:tint val="50000"/>
-      </a:schemeClr>
-      <a:schemeClr val="accent6">
-        <a:tint val="50000"/>
-      </a:schemeClr>
-    </dgm:fillClrLst>
-    <dgm:linClrLst meth="repeat">
-      <a:schemeClr val="lt1"/>
-    </dgm:linClrLst>
-    <dgm:effectClrLst/>
-    <dgm:txLinClrLst/>
-    <dgm:txFillClrLst meth="repeat">
-      <a:schemeClr val="lt1"/>
-    </dgm:txFillClrLst>
-    <dgm:txEffectClrLst/>
-  </dgm:styleLbl>
-  <dgm:styleLbl name="alignImgPlace1">
-    <dgm:fillClrLst>
-      <a:schemeClr val="accent1">
-        <a:tint val="50000"/>
-      </a:schemeClr>
-      <a:schemeClr val="accent2">
-        <a:tint val="20000"/>
-      </a:schemeClr>
-    </dgm:fillClrLst>
-    <dgm:linClrLst meth="repeat">
-      <a:schemeClr val="lt1"/>
-    </dgm:linClrLst>
-    <dgm:effectClrLst/>
-    <dgm:txLinClrLst/>
-    <dgm:txFillClrLst meth="repeat">
-      <a:schemeClr val="lt1"/>
-    </dgm:txFillClrLst>
-    <dgm:txEffectClrLst/>
-  </dgm:styleLbl>
-  <dgm:styleLbl name="bgImgPlace1">
-    <dgm:fillClrLst>
-      <a:schemeClr val="accent1">
-        <a:tint val="50000"/>
-      </a:schemeClr>
-      <a:schemeClr val="accent2">
-        <a:tint val="20000"/>
-      </a:schemeClr>
-    </dgm:fillClrLst>
-    <dgm:linClrLst meth="repeat">
-      <a:schemeClr val="lt1"/>
-    </dgm:linClrLst>
-    <dgm:effectClrLst/>
-    <dgm:txLinClrLst/>
-    <dgm:txFillClrLst meth="repeat">
-      <a:schemeClr val="lt1"/>
-    </dgm:txFillClrLst>
-    <dgm:txEffectClrLst/>
-  </dgm:styleLbl>
-  <dgm:styleLbl name="sibTrans2D1">
-    <dgm:fillClrLst meth="repeat">
-      <a:schemeClr val="accent2"/>
-      <a:schemeClr val="accent3"/>
-      <a:schemeClr val="accent4"/>
-      <a:schemeClr val="accent5"/>
-      <a:schemeClr val="accent6"/>
-    </dgm:fillClrLst>
-    <dgm:linClrLst meth="cycle">
-      <a:schemeClr val="lt1"/>
-    </dgm:linClrLst>
-    <dgm:effectClrLst/>
-    <dgm:txLinClrLst/>
-    <dgm:txFillClrLst/>
-    <dgm:txEffectClrLst/>
-  </dgm:styleLbl>
-  <dgm:styleLbl name="fgSibTrans2D1">
-    <dgm:fillClrLst meth="repeat">
-      <a:schemeClr val="accent2"/>
-      <a:schemeClr val="accent3"/>
-      <a:schemeClr val="accent4"/>
-      <a:schemeClr val="accent5"/>
-      <a:schemeClr val="accent6"/>
-    </dgm:fillClrLst>
-    <dgm:linClrLst meth="cycle">
-      <a:schemeClr val="lt1"/>
-    </dgm:linClrLst>
-    <dgm:effectClrLst/>
-    <dgm:txLinClrLst/>
-    <dgm:txFillClrLst meth="repeat">
-      <a:schemeClr val="lt1"/>
-    </dgm:txFillClrLst>
-    <dgm:txEffectClrLst/>
-  </dgm:styleLbl>
-  <dgm:styleLbl name="bgSibTrans2D1">
-    <dgm:fillClrLst meth="repeat">
-      <a:schemeClr val="accent2"/>
-      <a:schemeClr val="accent3"/>
-      <a:schemeClr val="accent4"/>
-      <a:schemeClr val="accent5"/>
-      <a:schemeClr val="accent6"/>
-    </dgm:fillClrLst>
-    <dgm:linClrLst meth="cycle">
-      <a:schemeClr val="lt1"/>
-    </dgm:linClrLst>
-    <dgm:effectClrLst/>
-    <dgm:txLinClrLst/>
-    <dgm:txFillClrLst meth="repeat">
-      <a:schemeClr val="lt1"/>
-    </dgm:txFillClrLst>
-    <dgm:txEffectClrLst/>
-  </dgm:styleLbl>
-  <dgm:styleLbl name="sibTrans1D1">
-    <dgm:fillClrLst meth="repeat">
-      <a:schemeClr val="accent2"/>
-      <a:schemeClr val="accent3"/>
-      <a:schemeClr val="accent4"/>
-      <a:schemeClr val="accent5"/>
-      <a:schemeClr val="accent6"/>
-    </dgm:fillClrLst>
-    <dgm:linClrLst meth="repeat">
-      <a:schemeClr val="accent2"/>
-      <a:schemeClr val="accent3"/>
-      <a:schemeClr val="accent4"/>
-      <a:schemeClr val="accent5"/>
-      <a:schemeClr val="accent6"/>
-    </dgm:linClrLst>
-    <dgm:effectClrLst/>
-    <dgm:txLinClrLst/>
-    <dgm:txFillClrLst meth="repeat">
-      <a:schemeClr val="tx1"/>
-    </dgm:txFillClrLst>
-    <dgm:txEffectClrLst/>
-  </dgm:styleLbl>
-  <dgm:styleLbl name="callout">
-    <dgm:fillClrLst meth="repeat">
-      <a:schemeClr val="accent2"/>
-    </dgm:fillClrLst>
-    <dgm:linClrLst meth="repeat">
-      <a:schemeClr val="accent2">
-        <a:tint val="50000"/>
-      </a:schemeClr>
-    </dgm:linClrLst>
-    <dgm:effectClrLst/>
-    <dgm:txLinClrLst/>
-    <dgm:txFillClrLst meth="repeat">
-      <a:schemeClr val="tx1"/>
-    </dgm:txFillClrLst>
-    <dgm:txEffectClrLst/>
-  </dgm:styleLbl>
-  <dgm:styleLbl name="asst0">
-    <dgm:fillClrLst meth="repeat">
-      <a:schemeClr val="accent1"/>
-    </dgm:fillClrLst>
-    <dgm:linClrLst meth="repeat">
-      <a:schemeClr val="lt1"/>
-    </dgm:linClrLst>
-    <dgm:effectClrLst/>
-    <dgm:txLinClrLst/>
-    <dgm:txFillClrLst/>
-    <dgm:txEffectClrLst/>
-  </dgm:styleLbl>
-  <dgm:styleLbl name="asst1">
-    <dgm:fillClrLst meth="repeat">
-      <a:schemeClr val="accent2"/>
-    </dgm:fillClrLst>
-    <dgm:linClrLst meth="repeat">
-      <a:schemeClr val="lt1"/>
-    </dgm:linClrLst>
-    <dgm:effectClrLst/>
-    <dgm:txLinClrLst/>
-    <dgm:txFillClrLst/>
-    <dgm:txEffectClrLst/>
-  </dgm:styleLbl>
-  <dgm:styleLbl name="asst2">
-    <dgm:fillClrLst>
-      <a:schemeClr val="accent3"/>
-    </dgm:fillClrLst>
-    <dgm:linClrLst meth="repeat">
-      <a:schemeClr val="lt1"/>
-    </dgm:linClrLst>
-    <dgm:effectClrLst/>
-    <dgm:txLinClrLst/>
-    <dgm:txFillClrLst/>
-    <dgm:txEffectClrLst/>
-  </dgm:styleLbl>
-  <dgm:styleLbl name="asst3">
-    <dgm:fillClrLst>
-      <a:schemeClr val="accent4"/>
-    </dgm:fillClrLst>
-    <dgm:linClrLst meth="repeat">
-      <a:schemeClr val="lt1"/>
-    </dgm:linClrLst>
-    <dgm:effectClrLst/>
-    <dgm:txLinClrLst/>
-    <dgm:txFillClrLst/>
-    <dgm:txEffectClrLst/>
-  </dgm:styleLbl>
-  <dgm:styleLbl name="asst4">
-    <dgm:fillClrLst>
-      <a:schemeClr val="accent5"/>
-    </dgm:fillClrLst>
-    <dgm:linClrLst meth="repeat">
-      <a:schemeClr val="lt1"/>
-    </dgm:linClrLst>
-    <dgm:effectClrLst/>
-    <dgm:txLinClrLst/>
-    <dgm:txFillClrLst/>
-    <dgm:txEffectClrLst/>
-  </dgm:styleLbl>
-  <dgm:styleLbl name="parChTrans2D1">
-    <dgm:fillClrLst meth="repeat">
-      <a:schemeClr val="accent2"/>
-    </dgm:fillClrLst>
-    <dgm:linClrLst meth="repeat">
-      <a:schemeClr val="lt1"/>
-    </dgm:linClrLst>
-    <dgm:effectClrLst/>
-    <dgm:txLinClrLst/>
-    <dgm:txFillClrLst meth="repeat">
-      <a:schemeClr val="lt1"/>
-    </dgm:txFillClrLst>
-    <dgm:txEffectClrLst/>
-  </dgm:styleLbl>
-  <dgm:styleLbl name="parChTrans2D2">
-    <dgm:fillClrLst meth="repeat">
-      <a:schemeClr val="accent3"/>
-    </dgm:fillClrLst>
-    <dgm:linClrLst meth="repeat">
-      <a:schemeClr val="lt1"/>
-    </dgm:linClrLst>
-    <dgm:effectClrLst/>
-    <dgm:txLinClrLst/>
-    <dgm:txFillClrLst/>
-    <dgm:txEffectClrLst/>
-  </dgm:styleLbl>
-  <dgm:styleLbl name="parChTrans2D3">
-    <dgm:fillClrLst meth="repeat">
-      <a:schemeClr val="accent4"/>
-    </dgm:fillClrLst>
-    <dgm:linClrLst meth="repeat">
-      <a:schemeClr val="lt1"/>
-    </dgm:linClrLst>
-    <dgm:effectClrLst/>
-    <dgm:txLinClrLst/>
-    <dgm:txFillClrLst/>
-    <dgm:txEffectClrLst/>
-  </dgm:styleLbl>
-  <dgm:styleLbl name="parChTrans2D4">
-    <dgm:fillClrLst meth="repeat">
-      <a:schemeClr val="accent5"/>
-    </dgm:fillClrLst>
-    <dgm:linClrLst meth="repeat">
-      <a:schemeClr val="lt1"/>
-    </dgm:linClrLst>
-    <dgm:effectClrLst/>
-    <dgm:txLinClrLst/>
-    <dgm:txFillClrLst meth="repeat">
-      <a:schemeClr val="lt1"/>
-    </dgm:txFillClrLst>
-    <dgm:txEffectClrLst/>
-  </dgm:styleLbl>
-  <dgm:styleLbl name="parChTrans1D1">
-    <dgm:fillClrLst meth="repeat">
-      <a:schemeClr val="accent2"/>
-    </dgm:fillClrLst>
-    <dgm:linClrLst meth="repeat">
-      <a:schemeClr val="accent1"/>
-    </dgm:linClrLst>
-    <dgm:effectClrLst/>
-    <dgm:txLinClrLst/>
-    <dgm:txFillClrLst meth="repeat">
-      <a:schemeClr val="tx1"/>
-    </dgm:txFillClrLst>
-    <dgm:txEffectClrLst/>
-  </dgm:styleLbl>
-  <dgm:styleLbl name="parChTrans1D2">
-    <dgm:fillClrLst meth="repeat">
-      <a:schemeClr val="accent3">
-        <a:tint val="90000"/>
-      </a:schemeClr>
-    </dgm:fillClrLst>
-    <dgm:linClrLst meth="repeat">
-      <a:schemeClr val="accent2"/>
-    </dgm:linClrLst>
-    <dgm:effectClrLst/>
-    <dgm:txLinClrLst/>
-    <dgm:txFillClrLst meth="repeat">
-      <a:schemeClr val="tx1"/>
-    </dgm:txFillClrLst>
-    <dgm:txEffectClrLst/>
-  </dgm:styleLbl>
-  <dgm:styleLbl name="parChTrans1D3">
-    <dgm:fillClrLst meth="repeat">
-      <a:schemeClr val="accent4">
-        <a:tint val="70000"/>
-      </a:schemeClr>
-    </dgm:fillClrLst>
-    <dgm:linClrLst meth="repeat">
-      <a:schemeClr val="accent3"/>
-    </dgm:linClrLst>
-    <dgm:effectClrLst/>
-    <dgm:txLinClrLst/>
-    <dgm:txFillClrLst meth="repeat">
-      <a:schemeClr val="tx1"/>
-    </dgm:txFillClrLst>
-    <dgm:txEffectClrLst/>
-  </dgm:styleLbl>
-  <dgm:styleLbl name="parChTrans1D4">
-    <dgm:fillClrLst meth="repeat">
-      <a:schemeClr val="accent5">
-        <a:tint val="50000"/>
-      </a:schemeClr>
-    </dgm:fillClrLst>
-    <dgm:linClrLst meth="repeat">
-      <a:schemeClr val="accent4"/>
-    </dgm:linClrLst>
-    <dgm:effectClrLst/>
-    <dgm:txLinClrLst/>
-    <dgm:txFillClrLst meth="repeat">
-      <a:schemeClr val="tx1"/>
-    </dgm:txFillClrLst>
-    <dgm:txEffectClrLst/>
-  </dgm:styleLbl>
-  <dgm:styleLbl name="fgAcc1">
-    <dgm:fillClrLst meth="repeat">
-      <a:schemeClr val="lt1">
-        <a:alpha val="90000"/>
-      </a:schemeClr>
-    </dgm:fillClrLst>
-    <dgm:linClrLst meth="repeat">
-      <a:schemeClr val="accent2"/>
-      <a:schemeClr val="accent3"/>
-      <a:schemeClr val="accent4"/>
-      <a:schemeClr val="accent5"/>
-      <a:schemeClr val="accent6"/>
-    </dgm:linClrLst>
-    <dgm:effectClrLst/>
-    <dgm:txLinClrLst/>
-    <dgm:txFillClrLst meth="repeat">
-      <a:schemeClr val="dk1"/>
-    </dgm:txFillClrLst>
-    <dgm:txEffectClrLst/>
-  </dgm:styleLbl>
-  <dgm:styleLbl name="conFgAcc1">
-    <dgm:fillClrLst meth="repeat">
-      <a:schemeClr val="lt1">
-        <a:alpha val="90000"/>
-      </a:schemeClr>
-    </dgm:fillClrLst>
-    <dgm:linClrLst meth="repeat">
-      <a:schemeClr val="accent2"/>
-      <a:schemeClr val="accent3"/>
-      <a:schemeClr val="accent4"/>
-      <a:schemeClr val="accent5"/>
-      <a:schemeClr val="accent6"/>
-    </dgm:linClrLst>
-    <dgm:effectClrLst/>
-    <dgm:txLinClrLst/>
-    <dgm:txFillClrLst meth="repeat">
-      <a:schemeClr val="dk1"/>
-    </dgm:txFillClrLst>
-    <dgm:txEffectClrLst/>
-  </dgm:styleLbl>
-  <dgm:styleLbl name="alignAcc1">
-    <dgm:fillClrLst meth="repeat">
-      <a:schemeClr val="lt1">
-        <a:alpha val="90000"/>
-      </a:schemeClr>
-    </dgm:fillClrLst>
-    <dgm:linClrLst meth="repeat">
-      <a:schemeClr val="accent2"/>
-      <a:schemeClr val="accent3"/>
-      <a:schemeClr val="accent4"/>
-      <a:schemeClr val="accent5"/>
-      <a:schemeClr val="accent6"/>
-    </dgm:linClrLst>
-    <dgm:effectClrLst/>
-    <dgm:txLinClrLst/>
-    <dgm:txFillClrLst meth="repeat">
-      <a:schemeClr val="dk1"/>
-    </dgm:txFillClrLst>
-    <dgm:txEffectClrLst/>
-  </dgm:styleLbl>
-  <dgm:styleLbl name="trAlignAcc1">
-    <dgm:fillClrLst meth="repeat">
-      <a:schemeClr val="lt1">
-        <a:alpha val="40000"/>
-      </a:schemeClr>
-    </dgm:fillClrLst>
-    <dgm:linClrLst meth="repeat">
-      <a:schemeClr val="accent1"/>
-    </dgm:linClrLst>
-    <dgm:effectClrLst/>
-    <dgm:txLinClrLst/>
-    <dgm:txFillClrLst meth="repeat">
-      <a:schemeClr val="dk1"/>
-    </dgm:txFillClrLst>
-    <dgm:txEffectClrLst/>
-  </dgm:styleLbl>
-  <dgm:styleLbl name="bgAcc1">
-    <dgm:fillClrLst meth="repeat">
-      <a:schemeClr val="lt1">
-        <a:alpha val="90000"/>
-      </a:schemeClr>
-    </dgm:fillClrLst>
-    <dgm:linClrLst meth="repeat">
-      <a:schemeClr val="accent2"/>
-      <a:schemeClr val="accent3"/>
-      <a:schemeClr val="accent4"/>
-      <a:schemeClr val="accent5"/>
-      <a:schemeClr val="accent6"/>
-    </dgm:linClrLst>
-    <dgm:effectClrLst/>
-    <dgm:txLinClrLst/>
-    <dgm:txFillClrLst meth="repeat">
-      <a:schemeClr val="dk1"/>
-    </dgm:txFillClrLst>
-    <dgm:txEffectClrLst/>
-  </dgm:styleLbl>
-  <dgm:styleLbl name="solidFgAcc1">
-    <dgm:fillClrLst meth="repeat">
-      <a:schemeClr val="lt1"/>
-    </dgm:fillClrLst>
-    <dgm:linClrLst meth="repeat">
-      <a:schemeClr val="accent2"/>
-      <a:schemeClr val="accent3"/>
-      <a:schemeClr val="accent4"/>
-      <a:schemeClr val="accent5"/>
-      <a:schemeClr val="accent6"/>
-    </dgm:linClrLst>
-    <dgm:effectClrLst/>
-    <dgm:txLinClrLst/>
-    <dgm:txFillClrLst meth="repeat">
-      <a:schemeClr val="dk1"/>
-    </dgm:txFillClrLst>
-    <dgm:txEffectClrLst/>
-  </dgm:styleLbl>
-  <dgm:styleLbl name="solidAlignAcc1">
-    <dgm:fillClrLst meth="repeat">
-      <a:schemeClr val="lt1"/>
-    </dgm:fillClrLst>
-    <dgm:linClrLst meth="repeat">
-      <a:schemeClr val="accent2"/>
-      <a:schemeClr val="accent3"/>
-      <a:schemeClr val="accent4"/>
-      <a:schemeClr val="accent5"/>
-      <a:schemeClr val="accent6"/>
-    </dgm:linClrLst>
-    <dgm:effectClrLst/>
-    <dgm:txLinClrLst/>
-    <dgm:txFillClrLst meth="repeat">
-      <a:schemeClr val="dk1"/>
-    </dgm:txFillClrLst>
-    <dgm:txEffectClrLst/>
-  </dgm:styleLbl>
-  <dgm:styleLbl name="solidBgAcc1">
-    <dgm:fillClrLst meth="repeat">
-      <a:schemeClr val="lt1"/>
-    </dgm:fillClrLst>
-    <dgm:linClrLst meth="repeat">
-      <a:schemeClr val="accent2"/>
-      <a:schemeClr val="accent3"/>
-      <a:schemeClr val="accent4"/>
-      <a:schemeClr val="accent5"/>
-      <a:schemeClr val="accent6"/>
-    </dgm:linClrLst>
-    <dgm:effectClrLst/>
-    <dgm:txLinClrLst/>
-    <dgm:txFillClrLst meth="repeat">
-      <a:schemeClr val="dk1"/>
-    </dgm:txFillClrLst>
-    <dgm:txEffectClrLst/>
-  </dgm:styleLbl>
-  <dgm:styleLbl name="fgAccFollowNode1">
-    <dgm:fillClrLst meth="repeat">
-      <a:schemeClr val="accent2">
-        <a:tint val="40000"/>
-        <a:alpha val="90000"/>
-      </a:schemeClr>
-      <a:schemeClr val="accent3">
-        <a:tint val="40000"/>
-        <a:alpha val="90000"/>
-      </a:schemeClr>
-      <a:schemeClr val="accent4">
-        <a:tint val="40000"/>
-        <a:alpha val="90000"/>
-      </a:schemeClr>
-      <a:schemeClr val="accent5">
-        <a:tint val="40000"/>
-        <a:alpha val="90000"/>
-      </a:schemeClr>
-      <a:schemeClr val="accent6">
-        <a:tint val="40000"/>
-        <a:alpha val="90000"/>
-      </a:schemeClr>
-    </dgm:fillClrLst>
-    <dgm:linClrLst meth="repeat">
-      <a:schemeClr val="accent2">
-        <a:tint val="40000"/>
-        <a:alpha val="90000"/>
-      </a:schemeClr>
-      <a:schemeClr val="accent3">
-        <a:tint val="40000"/>
-        <a:alpha val="90000"/>
-      </a:schemeClr>
-      <a:schemeClr val="accent4">
-        <a:tint val="40000"/>
-        <a:alpha val="90000"/>
-      </a:schemeClr>
-      <a:schemeClr val="accent5">
-        <a:tint val="40000"/>
-        <a:alpha val="90000"/>
-      </a:schemeClr>
-      <a:schemeClr val="accent6">
-        <a:tint val="40000"/>
-        <a:alpha val="90000"/>
-      </a:schemeClr>
-    </dgm:linClrLst>
-    <dgm:effectClrLst/>
-    <dgm:txLinClrLst/>
-    <dgm:txFillClrLst meth="repeat">
-      <a:schemeClr val="dk1"/>
-    </dgm:txFillClrLst>
-    <dgm:txEffectClrLst/>
-  </dgm:styleLbl>
-  <dgm:styleLbl name="alignAccFollowNode1">
-    <dgm:fillClrLst meth="repeat">
-      <a:schemeClr val="accent2">
-        <a:tint val="40000"/>
-        <a:alpha val="90000"/>
-      </a:schemeClr>
-      <a:schemeClr val="accent3">
-        <a:tint val="40000"/>
-        <a:alpha val="90000"/>
-      </a:schemeClr>
-      <a:schemeClr val="accent4">
-        <a:tint val="40000"/>
-        <a:alpha val="90000"/>
-      </a:schemeClr>
-      <a:schemeClr val="accent5">
-        <a:tint val="40000"/>
-        <a:alpha val="90000"/>
-      </a:schemeClr>
-      <a:schemeClr val="accent6">
-        <a:tint val="40000"/>
-        <a:alpha val="90000"/>
-      </a:schemeClr>
-    </dgm:fillClrLst>
-    <dgm:linClrLst meth="repeat">
-      <a:schemeClr val="accent2">
-        <a:tint val="40000"/>
-        <a:alpha val="90000"/>
-      </a:schemeClr>
-      <a:schemeClr val="accent3">
-        <a:tint val="40000"/>
-        <a:alpha val="90000"/>
-      </a:schemeClr>
-      <a:schemeClr val="accent4">
-        <a:tint val="40000"/>
-        <a:alpha val="90000"/>
-      </a:schemeClr>
-      <a:schemeClr val="accent5">
-        <a:tint val="40000"/>
-        <a:alpha val="90000"/>
-      </a:schemeClr>
-      <a:schemeClr val="accent6">
-        <a:tint val="40000"/>
-        <a:alpha val="90000"/>
-      </a:schemeClr>
-    </dgm:linClrLst>
-    <dgm:effectClrLst/>
-    <dgm:txLinClrLst/>
-    <dgm:txFillClrLst meth="repeat">
-      <a:schemeClr val="dk1"/>
-    </dgm:txFillClrLst>
-    <dgm:txEffectClrLst/>
-  </dgm:styleLbl>
-  <dgm:styleLbl name="bgAccFollowNode1">
-    <dgm:fillClrLst meth="repeat">
-      <a:schemeClr val="accent2">
-        <a:tint val="40000"/>
-        <a:alpha val="90000"/>
-      </a:schemeClr>
-      <a:schemeClr val="accent3">
-        <a:tint val="40000"/>
-        <a:alpha val="90000"/>
-      </a:schemeClr>
-      <a:schemeClr val="accent4">
-        <a:tint val="40000"/>
-        <a:alpha val="90000"/>
-      </a:schemeClr>
-      <a:schemeClr val="accent5">
-        <a:tint val="40000"/>
-        <a:alpha val="90000"/>
-      </a:schemeClr>
-      <a:schemeClr val="accent6">
-        <a:tint val="40000"/>
-        <a:alpha val="90000"/>
-      </a:schemeClr>
-    </dgm:fillClrLst>
-    <dgm:linClrLst meth="repeat">
-      <a:schemeClr val="accent2">
-        <a:tint val="40000"/>
-        <a:alpha val="90000"/>
-      </a:schemeClr>
-      <a:schemeClr val="accent3">
-        <a:tint val="40000"/>
-        <a:alpha val="90000"/>
-      </a:schemeClr>
-      <a:schemeClr val="accent4">
-        <a:tint val="40000"/>
-        <a:alpha val="90000"/>
-      </a:schemeClr>
-      <a:schemeClr val="accent5">
-        <a:tint val="40000"/>
-        <a:alpha val="90000"/>
-      </a:schemeClr>
-      <a:schemeClr val="accent6">
-        <a:tint val="40000"/>
-        <a:alpha val="90000"/>
-      </a:schemeClr>
-    </dgm:linClrLst>
-    <dgm:effectClrLst/>
-    <dgm:txLinClrLst/>
-    <dgm:txFillClrLst meth="repeat">
-      <a:schemeClr val="dk1"/>
-    </dgm:txFillClrLst>
-    <dgm:txEffectClrLst/>
-  </dgm:styleLbl>
-  <dgm:styleLbl name="fgAcc0">
-    <dgm:fillClrLst meth="repeat">
-      <a:schemeClr val="lt1">
-        <a:alpha val="90000"/>
-      </a:schemeClr>
-    </dgm:fillClrLst>
-    <dgm:linClrLst>
-      <a:schemeClr val="accent1"/>
-    </dgm:linClrLst>
-    <dgm:effectClrLst/>
-    <dgm:txLinClrLst/>
-    <dgm:txFillClrLst meth="repeat">
-      <a:schemeClr val="dk1"/>
-    </dgm:txFillClrLst>
-    <dgm:txEffectClrLst/>
-  </dgm:styleLbl>
-  <dgm:styleLbl name="fgAcc2">
-    <dgm:fillClrLst meth="repeat">
-      <a:schemeClr val="lt1">
-        <a:alpha val="90000"/>
-      </a:schemeClr>
-    </dgm:fillClrLst>
-    <dgm:linClrLst>
-      <a:schemeClr val="accent2"/>
-    </dgm:linClrLst>
-    <dgm:effectClrLst/>
-    <dgm:txLinClrLst/>
-    <dgm:txFillClrLst meth="repeat">
-      <a:schemeClr val="dk1"/>
-    </dgm:txFillClrLst>
-    <dgm:txEffectClrLst/>
-  </dgm:styleLbl>
-  <dgm:styleLbl name="fgAcc3">
-    <dgm:fillClrLst meth="repeat">
-      <a:schemeClr val="lt1">
-        <a:alpha val="90000"/>
-      </a:schemeClr>
-    </dgm:fillClrLst>
-    <dgm:linClrLst>
-      <a:schemeClr val="accent3"/>
-    </dgm:linClrLst>
-    <dgm:effectClrLst/>
-    <dgm:txLinClrLst/>
-    <dgm:txFillClrLst meth="repeat">
-      <a:schemeClr val="dk1"/>
-    </dgm:txFillClrLst>
-    <dgm:txEffectClrLst/>
-  </dgm:styleLbl>
-  <dgm:styleLbl name="fgAcc4">
-    <dgm:fillClrLst meth="repeat">
-      <a:schemeClr val="lt1">
-        <a:alpha val="90000"/>
-      </a:schemeClr>
-    </dgm:fillClrLst>
-    <dgm:linClrLst>
-      <a:schemeClr val="accent4"/>
-    </dgm:linClrLst>
-    <dgm:effectClrLst/>
-    <dgm:txLinClrLst/>
-    <dgm:txFillClrLst meth="repeat">
-      <a:schemeClr val="dk1"/>
-    </dgm:txFillClrLst>
-    <dgm:txEffectClrLst/>
-  </dgm:styleLbl>
-  <dgm:styleLbl name="bgShp">
-    <dgm:fillClrLst meth="repeat">
-      <a:schemeClr val="accent2">
-        <a:tint val="40000"/>
-      </a:schemeClr>
-    </dgm:fillClrLst>
-    <dgm:linClrLst meth="repeat">
-      <a:schemeClr val="dk1"/>
-    </dgm:linClrLst>
-    <dgm:effectClrLst/>
-    <dgm:txLinClrLst/>
-    <dgm:txFillClrLst meth="repeat">
-      <a:schemeClr val="dk1"/>
-    </dgm:txFillClrLst>
-    <dgm:txEffectClrLst/>
-  </dgm:styleLbl>
-  <dgm:styleLbl name="dkBgShp">
-    <dgm:fillClrLst meth="repeat">
-      <a:schemeClr val="accent2">
-        <a:shade val="90000"/>
-      </a:schemeClr>
-    </dgm:fillClrLst>
-    <dgm:linClrLst meth="repeat">
-      <a:schemeClr val="dk1"/>
-    </dgm:linClrLst>
-    <dgm:effectClrLst/>
-    <dgm:txLinClrLst/>
-    <dgm:txFillClrLst meth="repeat">
-      <a:schemeClr val="lt1"/>
-    </dgm:txFillClrLst>
-    <dgm:txEffectClrLst/>
-  </dgm:styleLbl>
-  <dgm:styleLbl name="trBgShp">
-    <dgm:fillClrLst meth="repeat">
-      <a:schemeClr val="accent1">
-        <a:tint val="50000"/>
-        <a:alpha val="40000"/>
-      </a:schemeClr>
-    </dgm:fillClrLst>
-    <dgm:linClrLst meth="repeat">
-      <a:schemeClr val="accent2"/>
-    </dgm:linClrLst>
-    <dgm:effectClrLst/>
-    <dgm:txLinClrLst/>
-    <dgm:txFillClrLst meth="repeat">
-      <a:schemeClr val="lt1"/>
-    </dgm:txFillClrLst>
-    <dgm:txEffectClrLst/>
-  </dgm:styleLbl>
-  <dgm:styleLbl name="fgShp">
-    <dgm:fillClrLst meth="repeat">
-      <a:schemeClr val="accent2">
-        <a:tint val="40000"/>
-      </a:schemeClr>
-    </dgm:fillClrLst>
-    <dgm:linClrLst meth="repeat">
-      <a:schemeClr val="lt1"/>
-    </dgm:linClrLst>
-    <dgm:effectClrLst/>
-    <dgm:txLinClrLst/>
-    <dgm:txFillClrLst meth="repeat">
-      <a:schemeClr val="dk1"/>
-    </dgm:txFillClrLst>
-    <dgm:txEffectClrLst/>
-  </dgm:styleLbl>
-  <dgm:styleLbl name="revTx">
-    <dgm:fillClrLst meth="repeat">
-      <a:schemeClr val="lt1">
-        <a:alpha val="0"/>
-      </a:schemeClr>
-    </dgm:fillClrLst>
-    <dgm:linClrLst meth="repeat">
-      <a:schemeClr val="dk1">
-        <a:alpha val="0"/>
-      </a:schemeClr>
-    </dgm:linClrLst>
-    <dgm:effectClrLst/>
-    <dgm:txLinClrLst/>
-    <dgm:txFillClrLst meth="repeat">
-      <a:schemeClr val="tx1"/>
-    </dgm:txFillClrLst>
-    <dgm:txEffectClrLst/>
-  </dgm:styleLbl>
-</dgm:colorsDef>
-</file>
-
-<file path=ppt/diagrams/data1.xml><?xml version="1.0" encoding="utf-8"?>
-<dgm:dataModel xmlns:dgm="http://schemas.openxmlformats.org/drawingml/2006/diagram" xmlns:a="http://schemas.openxmlformats.org/drawingml/2006/main">
-  <dgm:ptLst>
-    <dgm:pt modelId="{CD7942A0-B7D2-4B14-8FEA-55FC702F5BE7}" type="doc">
-      <dgm:prSet loTypeId="urn:microsoft.com/office/officeart/2005/8/layout/vProcess5" loCatId="process" qsTypeId="urn:microsoft.com/office/officeart/2005/8/quickstyle/simple4" qsCatId="simple" csTypeId="urn:microsoft.com/office/officeart/2005/8/colors/colorful1" csCatId="colorful" phldr="1"/>
-      <dgm:spPr/>
-      <dgm:t>
-        <a:bodyPr rtlCol="0"/>
-        <a:lstStyle/>
-        <a:p>
-          <a:pPr rtl="0"/>
-          <a:endParaRPr lang="en-US"/>
-        </a:p>
-      </dgm:t>
-    </dgm:pt>
-    <dgm:pt modelId="{095A5E99-E976-4550-8F80-53CC813F2F5A}">
-      <dgm:prSet phldrT="[Text]"/>
-      <dgm:spPr>
-        <a:gradFill rotWithShape="0">
-          <a:gsLst>
-            <a:gs pos="0">
-              <a:srgbClr val="703000"/>
-            </a:gs>
-            <a:gs pos="50000">
-              <a:srgbClr val="A44A00"/>
-            </a:gs>
-            <a:gs pos="70000">
-              <a:srgbClr val="BC5500"/>
-            </a:gs>
-            <a:gs pos="100000">
-              <a:srgbClr val="F26D00"/>
-            </a:gs>
-          </a:gsLst>
-        </a:gradFill>
-      </dgm:spPr>
-      <dgm:t>
-        <a:bodyPr rtlCol="0"/>
-        <a:lstStyle/>
-        <a:p>
-          <a:pPr rtl="0"/>
-          <a:r>
-            <a:rPr lang="zh-TW" altLang="en-US" noProof="0" dirty="0" smtClean="0">
-              <a:latin typeface="+mj-ea"/>
-              <a:ea typeface="+mj-ea"/>
-            </a:rPr>
-            <a:t>工作 </a:t>
-          </a:r>
-          <a:r>
-            <a:rPr lang="en-US" altLang="zh-TW" noProof="0" dirty="0" smtClean="0">
-              <a:latin typeface="+mj-ea"/>
-              <a:ea typeface="+mj-ea"/>
-            </a:rPr>
-            <a:t>1</a:t>
-          </a:r>
-          <a:endParaRPr lang="zh-TW" altLang="en-US" noProof="0" dirty="0">
-            <a:latin typeface="+mj-ea"/>
-            <a:ea typeface="+mj-ea"/>
-          </a:endParaRPr>
-        </a:p>
-      </dgm:t>
-      <dgm:extLst>
-        <a:ext uri="{E40237B7-FDA0-4F09-8148-C483321AD2D9}">
-          <dgm14:cNvPr xmlns:dgm14="http://schemas.microsoft.com/office/drawing/2010/diagram" id="0" name="" descr="Staggered process showing 3 tasks arranged one below the other and two downward pointing arrows are used to indicate progression from first task to second task and second task to third task."/>
-        </a:ext>
-      </dgm:extLst>
-    </dgm:pt>
-    <dgm:pt modelId="{03339A0D-5DC0-4B29-8353-C5AEBFD4DE86}" type="parTrans" cxnId="{D1A4D8E6-F04E-4AB1-8D0C-63DC7AB1E81F}">
-      <dgm:prSet/>
-      <dgm:spPr/>
-      <dgm:t>
-        <a:bodyPr rtlCol="0"/>
-        <a:lstStyle/>
-        <a:p>
-          <a:pPr rtl="0"/>
-          <a:endParaRPr lang="en-US"/>
-        </a:p>
-      </dgm:t>
-    </dgm:pt>
-    <dgm:pt modelId="{8877691F-1B60-4485-9174-DDEC7EE68B70}" type="sibTrans" cxnId="{D1A4D8E6-F04E-4AB1-8D0C-63DC7AB1E81F}">
-      <dgm:prSet/>
-      <dgm:spPr/>
-      <dgm:t>
-        <a:bodyPr rtlCol="0"/>
-        <a:lstStyle/>
-        <a:p>
-          <a:pPr rtl="0"/>
-          <a:endParaRPr lang="en-US"/>
-        </a:p>
-      </dgm:t>
-    </dgm:pt>
-    <dgm:pt modelId="{8EC937D8-BD76-4A12-A3E5-900D5C1E2E05}">
-      <dgm:prSet phldrT="[Text]"/>
-      <dgm:spPr/>
-      <dgm:t>
-        <a:bodyPr rtlCol="0"/>
-        <a:lstStyle/>
-        <a:p>
-          <a:pPr rtl="0"/>
-          <a:r>
-            <a:rPr lang="zh-TW" altLang="en-US" noProof="0" dirty="0" smtClean="0">
-              <a:latin typeface="+mj-ea"/>
-              <a:ea typeface="+mj-ea"/>
-            </a:rPr>
-            <a:t>工作 </a:t>
-          </a:r>
-          <a:r>
-            <a:rPr lang="en-US" altLang="zh-TW" noProof="0" dirty="0" smtClean="0">
-              <a:latin typeface="+mj-ea"/>
-              <a:ea typeface="+mj-ea"/>
-            </a:rPr>
-            <a:t>2</a:t>
-          </a:r>
-          <a:endParaRPr lang="zh-TW" altLang="en-US" noProof="0" dirty="0">
-            <a:latin typeface="+mj-ea"/>
-            <a:ea typeface="+mj-ea"/>
-          </a:endParaRPr>
-        </a:p>
-      </dgm:t>
-    </dgm:pt>
-    <dgm:pt modelId="{8265EE85-9851-494E-A6D3-1CDACE947DF3}" type="parTrans" cxnId="{43DC8383-AEE5-490C-A8E5-1F216F2B8FE6}">
-      <dgm:prSet/>
-      <dgm:spPr/>
-      <dgm:t>
-        <a:bodyPr rtlCol="0"/>
-        <a:lstStyle/>
-        <a:p>
-          <a:pPr rtl="0"/>
-          <a:endParaRPr lang="en-US"/>
-        </a:p>
-      </dgm:t>
-    </dgm:pt>
-    <dgm:pt modelId="{B3EFD4A5-9FA1-4ABE-B722-05162509509B}" type="sibTrans" cxnId="{43DC8383-AEE5-490C-A8E5-1F216F2B8FE6}">
-      <dgm:prSet/>
-      <dgm:spPr/>
-      <dgm:t>
-        <a:bodyPr rtlCol="0"/>
-        <a:lstStyle/>
-        <a:p>
-          <a:pPr rtl="0"/>
-          <a:endParaRPr lang="en-US"/>
-        </a:p>
-      </dgm:t>
-    </dgm:pt>
-    <dgm:pt modelId="{7133ECF5-4190-4604-AA2F-03C9A0A9210F}">
-      <dgm:prSet phldrT="[Text]"/>
-      <dgm:spPr>
-        <a:gradFill rotWithShape="0">
-          <a:gsLst>
-            <a:gs pos="0">
-              <a:srgbClr val="394404"/>
-            </a:gs>
-            <a:gs pos="50000">
-              <a:srgbClr val="5F6F0F"/>
-            </a:gs>
-            <a:gs pos="70000">
-              <a:srgbClr val="65741A"/>
-            </a:gs>
-            <a:gs pos="100000">
-              <a:schemeClr val="accent4">
-                <a:hueOff val="0"/>
-                <a:satOff val="0"/>
-                <a:lumOff val="0"/>
-                <a:alphaOff val="0"/>
-                <a:tint val="100000"/>
-                <a:shade val="100000"/>
-                <a:satMod val="155000"/>
-              </a:schemeClr>
-            </a:gs>
-          </a:gsLst>
-        </a:gradFill>
-      </dgm:spPr>
-      <dgm:t>
-        <a:bodyPr rtlCol="0"/>
-        <a:lstStyle/>
-        <a:p>
-          <a:pPr rtl="0"/>
-          <a:r>
-            <a:rPr lang="zh-TW" altLang="en-US" noProof="0" dirty="0" smtClean="0">
-              <a:latin typeface="+mj-ea"/>
-              <a:ea typeface="+mj-ea"/>
-            </a:rPr>
-            <a:t>工作 </a:t>
-          </a:r>
-          <a:r>
-            <a:rPr lang="en-US" altLang="zh-TW" noProof="0" dirty="0" smtClean="0">
-              <a:latin typeface="+mj-ea"/>
-              <a:ea typeface="+mj-ea"/>
-            </a:rPr>
-            <a:t>3</a:t>
-          </a:r>
-          <a:endParaRPr lang="zh-TW" altLang="en-US" noProof="0" dirty="0">
-            <a:latin typeface="+mj-ea"/>
-            <a:ea typeface="+mj-ea"/>
-          </a:endParaRPr>
-        </a:p>
-      </dgm:t>
-      <dgm:extLst>
-        <a:ext uri="{E40237B7-FDA0-4F09-8148-C483321AD2D9}">
-          <dgm14:cNvPr xmlns:dgm14="http://schemas.microsoft.com/office/drawing/2010/diagram" id="0" name="" descr="Staggered process showing 3 tasks arranged one below the other and two downward pointing arrows are used to indicate progression from first task to second task and second task to third task."/>
-        </a:ext>
-      </dgm:extLst>
-    </dgm:pt>
-    <dgm:pt modelId="{7D1B29D7-21DD-436A-8F7C-E87DE53C1431}" type="parTrans" cxnId="{011A9761-E983-4C7D-AB1D-2038261D8FF8}">
-      <dgm:prSet/>
-      <dgm:spPr/>
-      <dgm:t>
-        <a:bodyPr rtlCol="0"/>
-        <a:lstStyle/>
-        <a:p>
-          <a:pPr rtl="0"/>
-          <a:endParaRPr lang="en-US"/>
-        </a:p>
-      </dgm:t>
-    </dgm:pt>
-    <dgm:pt modelId="{46037378-034A-4662-877A-B53E1DA069A3}" type="sibTrans" cxnId="{011A9761-E983-4C7D-AB1D-2038261D8FF8}">
-      <dgm:prSet/>
-      <dgm:spPr/>
-      <dgm:t>
-        <a:bodyPr rtlCol="0"/>
-        <a:lstStyle/>
-        <a:p>
-          <a:pPr rtl="0"/>
-          <a:endParaRPr lang="en-US"/>
-        </a:p>
-      </dgm:t>
-    </dgm:pt>
-    <dgm:pt modelId="{1D84D8B6-AB32-4491-B5D2-EFE3D7668B88}" type="pres">
-      <dgm:prSet presAssocID="{CD7942A0-B7D2-4B14-8FEA-55FC702F5BE7}" presName="outerComposite" presStyleCnt="0">
-        <dgm:presLayoutVars>
-          <dgm:chMax val="5"/>
-          <dgm:dir/>
-          <dgm:resizeHandles val="exact"/>
-        </dgm:presLayoutVars>
-      </dgm:prSet>
-      <dgm:spPr/>
-      <dgm:t>
-        <a:bodyPr/>
-        <a:lstStyle/>
-        <a:p>
-          <a:endParaRPr lang="zh-TW" altLang="en-US"/>
-        </a:p>
-      </dgm:t>
-    </dgm:pt>
-    <dgm:pt modelId="{3E0E8213-E460-4EB7-9A92-C2B1CC553F0D}" type="pres">
-      <dgm:prSet presAssocID="{CD7942A0-B7D2-4B14-8FEA-55FC702F5BE7}" presName="dummyMaxCanvas" presStyleCnt="0">
-        <dgm:presLayoutVars/>
-      </dgm:prSet>
-      <dgm:spPr/>
-    </dgm:pt>
-    <dgm:pt modelId="{124EF20B-D98C-45B2-BB13-7B93B5373CEB}" type="pres">
-      <dgm:prSet presAssocID="{CD7942A0-B7D2-4B14-8FEA-55FC702F5BE7}" presName="ThreeNodes_1" presStyleLbl="node1" presStyleIdx="0" presStyleCnt="3">
-        <dgm:presLayoutVars>
-          <dgm:bulletEnabled val="1"/>
-        </dgm:presLayoutVars>
-      </dgm:prSet>
-      <dgm:spPr/>
-      <dgm:t>
-        <a:bodyPr/>
-        <a:lstStyle/>
-        <a:p>
-          <a:endParaRPr lang="zh-TW" altLang="en-US"/>
-        </a:p>
-      </dgm:t>
-    </dgm:pt>
-    <dgm:pt modelId="{CA544AF7-F7B2-4CA5-9251-B4CDB8D06634}" type="pres">
-      <dgm:prSet presAssocID="{CD7942A0-B7D2-4B14-8FEA-55FC702F5BE7}" presName="ThreeNodes_2" presStyleLbl="node1" presStyleIdx="1" presStyleCnt="3">
-        <dgm:presLayoutVars>
-          <dgm:bulletEnabled val="1"/>
-        </dgm:presLayoutVars>
-      </dgm:prSet>
-      <dgm:spPr/>
-      <dgm:t>
-        <a:bodyPr/>
-        <a:lstStyle/>
-        <a:p>
-          <a:endParaRPr lang="zh-TW" altLang="en-US"/>
-        </a:p>
-      </dgm:t>
-    </dgm:pt>
-    <dgm:pt modelId="{2AE92D3F-F0FA-45DD-BB60-4C6FBC6BC016}" type="pres">
-      <dgm:prSet presAssocID="{CD7942A0-B7D2-4B14-8FEA-55FC702F5BE7}" presName="ThreeNodes_3" presStyleLbl="node1" presStyleIdx="2" presStyleCnt="3">
-        <dgm:presLayoutVars>
-          <dgm:bulletEnabled val="1"/>
-        </dgm:presLayoutVars>
-      </dgm:prSet>
-      <dgm:spPr/>
-      <dgm:t>
-        <a:bodyPr/>
-        <a:lstStyle/>
-        <a:p>
-          <a:endParaRPr lang="zh-TW" altLang="en-US"/>
-        </a:p>
-      </dgm:t>
-    </dgm:pt>
-    <dgm:pt modelId="{9CA877D8-99F8-40A0-89E9-59A61C9A70F4}" type="pres">
-      <dgm:prSet presAssocID="{CD7942A0-B7D2-4B14-8FEA-55FC702F5BE7}" presName="ThreeConn_1-2" presStyleLbl="fgAccFollowNode1" presStyleIdx="0" presStyleCnt="2">
-        <dgm:presLayoutVars>
-          <dgm:bulletEnabled val="1"/>
-        </dgm:presLayoutVars>
-      </dgm:prSet>
-      <dgm:spPr/>
-      <dgm:t>
-        <a:bodyPr/>
-        <a:lstStyle/>
-        <a:p>
-          <a:endParaRPr lang="zh-TW" altLang="en-US"/>
-        </a:p>
-      </dgm:t>
-    </dgm:pt>
-    <dgm:pt modelId="{62643EF2-016C-41F1-8CBC-398422A85727}" type="pres">
-      <dgm:prSet presAssocID="{CD7942A0-B7D2-4B14-8FEA-55FC702F5BE7}" presName="ThreeConn_2-3" presStyleLbl="fgAccFollowNode1" presStyleIdx="1" presStyleCnt="2">
-        <dgm:presLayoutVars>
-          <dgm:bulletEnabled val="1"/>
-        </dgm:presLayoutVars>
-      </dgm:prSet>
-      <dgm:spPr/>
-      <dgm:t>
-        <a:bodyPr/>
-        <a:lstStyle/>
-        <a:p>
-          <a:endParaRPr lang="zh-TW" altLang="en-US"/>
-        </a:p>
-      </dgm:t>
-    </dgm:pt>
-    <dgm:pt modelId="{7A2F6994-DA87-4497-BFC7-DD9D6EC5315F}" type="pres">
-      <dgm:prSet presAssocID="{CD7942A0-B7D2-4B14-8FEA-55FC702F5BE7}" presName="ThreeNodes_1_text" presStyleLbl="node1" presStyleIdx="2" presStyleCnt="3">
-        <dgm:presLayoutVars>
-          <dgm:bulletEnabled val="1"/>
-        </dgm:presLayoutVars>
-      </dgm:prSet>
-      <dgm:spPr/>
-      <dgm:t>
-        <a:bodyPr/>
-        <a:lstStyle/>
-        <a:p>
-          <a:endParaRPr lang="zh-TW" altLang="en-US"/>
-        </a:p>
-      </dgm:t>
-    </dgm:pt>
-    <dgm:pt modelId="{916C48CB-E452-4B79-A9B9-4C9A90B47960}" type="pres">
-      <dgm:prSet presAssocID="{CD7942A0-B7D2-4B14-8FEA-55FC702F5BE7}" presName="ThreeNodes_2_text" presStyleLbl="node1" presStyleIdx="2" presStyleCnt="3">
-        <dgm:presLayoutVars>
-          <dgm:bulletEnabled val="1"/>
-        </dgm:presLayoutVars>
-      </dgm:prSet>
-      <dgm:spPr/>
-      <dgm:t>
-        <a:bodyPr/>
-        <a:lstStyle/>
-        <a:p>
-          <a:endParaRPr lang="zh-TW" altLang="en-US"/>
-        </a:p>
-      </dgm:t>
-    </dgm:pt>
-    <dgm:pt modelId="{A31D264E-E285-4E5C-8EB7-762CD501BE72}" type="pres">
-      <dgm:prSet presAssocID="{CD7942A0-B7D2-4B14-8FEA-55FC702F5BE7}" presName="ThreeNodes_3_text" presStyleLbl="node1" presStyleIdx="2" presStyleCnt="3">
-        <dgm:presLayoutVars>
-          <dgm:bulletEnabled val="1"/>
-        </dgm:presLayoutVars>
-      </dgm:prSet>
-      <dgm:spPr/>
-      <dgm:t>
-        <a:bodyPr/>
-        <a:lstStyle/>
-        <a:p>
-          <a:endParaRPr lang="zh-TW" altLang="en-US"/>
-        </a:p>
-      </dgm:t>
-    </dgm:pt>
-  </dgm:ptLst>
-  <dgm:cxnLst>
-    <dgm:cxn modelId="{03E7038C-2CC0-496B-88A0-60396CDC31E4}" type="presOf" srcId="{7133ECF5-4190-4604-AA2F-03C9A0A9210F}" destId="{A31D264E-E285-4E5C-8EB7-762CD501BE72}" srcOrd="1" destOrd="0" presId="urn:microsoft.com/office/officeart/2005/8/layout/vProcess5"/>
-    <dgm:cxn modelId="{C2D0E194-BD14-4AD2-9E3A-CE984C34B6CD}" type="presOf" srcId="{CD7942A0-B7D2-4B14-8FEA-55FC702F5BE7}" destId="{1D84D8B6-AB32-4491-B5D2-EFE3D7668B88}" srcOrd="0" destOrd="0" presId="urn:microsoft.com/office/officeart/2005/8/layout/vProcess5"/>
-    <dgm:cxn modelId="{12FC7FDE-4033-4970-A683-61DE6FA84E89}" type="presOf" srcId="{8877691F-1B60-4485-9174-DDEC7EE68B70}" destId="{9CA877D8-99F8-40A0-89E9-59A61C9A70F4}" srcOrd="0" destOrd="0" presId="urn:microsoft.com/office/officeart/2005/8/layout/vProcess5"/>
-    <dgm:cxn modelId="{BB374C9D-646D-46E6-89B4-117F0E21BA34}" type="presOf" srcId="{8EC937D8-BD76-4A12-A3E5-900D5C1E2E05}" destId="{916C48CB-E452-4B79-A9B9-4C9A90B47960}" srcOrd="1" destOrd="0" presId="urn:microsoft.com/office/officeart/2005/8/layout/vProcess5"/>
-    <dgm:cxn modelId="{011A9761-E983-4C7D-AB1D-2038261D8FF8}" srcId="{CD7942A0-B7D2-4B14-8FEA-55FC702F5BE7}" destId="{7133ECF5-4190-4604-AA2F-03C9A0A9210F}" srcOrd="2" destOrd="0" parTransId="{7D1B29D7-21DD-436A-8F7C-E87DE53C1431}" sibTransId="{46037378-034A-4662-877A-B53E1DA069A3}"/>
-    <dgm:cxn modelId="{7C007CEB-6418-4EA7-9CB6-5B93D0C655E6}" type="presOf" srcId="{095A5E99-E976-4550-8F80-53CC813F2F5A}" destId="{7A2F6994-DA87-4497-BFC7-DD9D6EC5315F}" srcOrd="1" destOrd="0" presId="urn:microsoft.com/office/officeart/2005/8/layout/vProcess5"/>
-    <dgm:cxn modelId="{D1A4D8E6-F04E-4AB1-8D0C-63DC7AB1E81F}" srcId="{CD7942A0-B7D2-4B14-8FEA-55FC702F5BE7}" destId="{095A5E99-E976-4550-8F80-53CC813F2F5A}" srcOrd="0" destOrd="0" parTransId="{03339A0D-5DC0-4B29-8353-C5AEBFD4DE86}" sibTransId="{8877691F-1B60-4485-9174-DDEC7EE68B70}"/>
-    <dgm:cxn modelId="{6CF7D6F9-A5F2-48E3-AF5C-A2074559AE21}" type="presOf" srcId="{B3EFD4A5-9FA1-4ABE-B722-05162509509B}" destId="{62643EF2-016C-41F1-8CBC-398422A85727}" srcOrd="0" destOrd="0" presId="urn:microsoft.com/office/officeart/2005/8/layout/vProcess5"/>
-    <dgm:cxn modelId="{5A89A138-BC1A-490F-935E-2EC3F74E8E18}" type="presOf" srcId="{7133ECF5-4190-4604-AA2F-03C9A0A9210F}" destId="{2AE92D3F-F0FA-45DD-BB60-4C6FBC6BC016}" srcOrd="0" destOrd="0" presId="urn:microsoft.com/office/officeart/2005/8/layout/vProcess5"/>
-    <dgm:cxn modelId="{8A063A46-8F8D-405A-B2D6-6495FA638F46}" type="presOf" srcId="{8EC937D8-BD76-4A12-A3E5-900D5C1E2E05}" destId="{CA544AF7-F7B2-4CA5-9251-B4CDB8D06634}" srcOrd="0" destOrd="0" presId="urn:microsoft.com/office/officeart/2005/8/layout/vProcess5"/>
-    <dgm:cxn modelId="{A071614A-8A85-47B2-A113-0652CAB9B428}" type="presOf" srcId="{095A5E99-E976-4550-8F80-53CC813F2F5A}" destId="{124EF20B-D98C-45B2-BB13-7B93B5373CEB}" srcOrd="0" destOrd="0" presId="urn:microsoft.com/office/officeart/2005/8/layout/vProcess5"/>
-    <dgm:cxn modelId="{43DC8383-AEE5-490C-A8E5-1F216F2B8FE6}" srcId="{CD7942A0-B7D2-4B14-8FEA-55FC702F5BE7}" destId="{8EC937D8-BD76-4A12-A3E5-900D5C1E2E05}" srcOrd="1" destOrd="0" parTransId="{8265EE85-9851-494E-A6D3-1CDACE947DF3}" sibTransId="{B3EFD4A5-9FA1-4ABE-B722-05162509509B}"/>
-    <dgm:cxn modelId="{768DB908-A4BF-48A6-A740-5DD0CBAFBB11}" type="presParOf" srcId="{1D84D8B6-AB32-4491-B5D2-EFE3D7668B88}" destId="{3E0E8213-E460-4EB7-9A92-C2B1CC553F0D}" srcOrd="0" destOrd="0" presId="urn:microsoft.com/office/officeart/2005/8/layout/vProcess5"/>
-    <dgm:cxn modelId="{A8B17D3B-E670-4FE0-A845-244C702B8151}" type="presParOf" srcId="{1D84D8B6-AB32-4491-B5D2-EFE3D7668B88}" destId="{124EF20B-D98C-45B2-BB13-7B93B5373CEB}" srcOrd="1" destOrd="0" presId="urn:microsoft.com/office/officeart/2005/8/layout/vProcess5"/>
-    <dgm:cxn modelId="{1E8E2D8B-A980-4080-A16E-1F74528DE4D0}" type="presParOf" srcId="{1D84D8B6-AB32-4491-B5D2-EFE3D7668B88}" destId="{CA544AF7-F7B2-4CA5-9251-B4CDB8D06634}" srcOrd="2" destOrd="0" presId="urn:microsoft.com/office/officeart/2005/8/layout/vProcess5"/>
-    <dgm:cxn modelId="{7992440C-9F36-432D-90EE-E2A708CEB38B}" type="presParOf" srcId="{1D84D8B6-AB32-4491-B5D2-EFE3D7668B88}" destId="{2AE92D3F-F0FA-45DD-BB60-4C6FBC6BC016}" srcOrd="3" destOrd="0" presId="urn:microsoft.com/office/officeart/2005/8/layout/vProcess5"/>
-    <dgm:cxn modelId="{DBE883B8-7D13-43BA-A456-8DBB93D30C93}" type="presParOf" srcId="{1D84D8B6-AB32-4491-B5D2-EFE3D7668B88}" destId="{9CA877D8-99F8-40A0-89E9-59A61C9A70F4}" srcOrd="4" destOrd="0" presId="urn:microsoft.com/office/officeart/2005/8/layout/vProcess5"/>
-    <dgm:cxn modelId="{A3B9E6ED-FFD0-430E-B609-EBE8E75E7C44}" type="presParOf" srcId="{1D84D8B6-AB32-4491-B5D2-EFE3D7668B88}" destId="{62643EF2-016C-41F1-8CBC-398422A85727}" srcOrd="5" destOrd="0" presId="urn:microsoft.com/office/officeart/2005/8/layout/vProcess5"/>
-    <dgm:cxn modelId="{278FE748-9C54-4E36-9203-E948DB63C99A}" type="presParOf" srcId="{1D84D8B6-AB32-4491-B5D2-EFE3D7668B88}" destId="{7A2F6994-DA87-4497-BFC7-DD9D6EC5315F}" srcOrd="6" destOrd="0" presId="urn:microsoft.com/office/officeart/2005/8/layout/vProcess5"/>
-    <dgm:cxn modelId="{E81279B5-23BF-4F73-A353-8831FC04E9BC}" type="presParOf" srcId="{1D84D8B6-AB32-4491-B5D2-EFE3D7668B88}" destId="{916C48CB-E452-4B79-A9B9-4C9A90B47960}" srcOrd="7" destOrd="0" presId="urn:microsoft.com/office/officeart/2005/8/layout/vProcess5"/>
-    <dgm:cxn modelId="{16289EC3-0C51-4B32-B6CC-FE8F7F6F6C76}" type="presParOf" srcId="{1D84D8B6-AB32-4491-B5D2-EFE3D7668B88}" destId="{A31D264E-E285-4E5C-8EB7-762CD501BE72}" srcOrd="8" destOrd="0" presId="urn:microsoft.com/office/officeart/2005/8/layout/vProcess5"/>
-  </dgm:cxnLst>
-  <dgm:bg/>
-  <dgm:whole/>
-  <dgm:extLst>
-    <a:ext uri="http://schemas.microsoft.com/office/drawing/2008/diagram">
-      <dsp:dataModelExt xmlns:dsp="http://schemas.microsoft.com/office/drawing/2008/diagram" relId="rId7" minVer="http://schemas.openxmlformats.org/drawingml/2006/diagram"/>
-    </a:ext>
-  </dgm:extLst>
-</dgm:dataModel>
-</file>
-
-<file path=ppt/diagrams/drawing1.xml><?xml version="1.0" encoding="utf-8"?>
-<dsp:drawing xmlns:dgm="http://schemas.openxmlformats.org/drawingml/2006/diagram" xmlns:dsp="http://schemas.microsoft.com/office/drawing/2008/diagram" xmlns:a="http://schemas.openxmlformats.org/drawingml/2006/main">
-  <dsp:spTree>
-    <dsp:nvGrpSpPr>
-      <dsp:cNvPr id="0" name=""/>
-      <dsp:cNvGrpSpPr/>
-    </dsp:nvGrpSpPr>
-    <dsp:grpSpPr/>
-    <dsp:sp modelId="{124EF20B-D98C-45B2-BB13-7B93B5373CEB}">
-      <dsp:nvSpPr>
-        <dsp:cNvPr id="0" name=""/>
-        <dsp:cNvSpPr/>
-      </dsp:nvSpPr>
-      <dsp:spPr>
-        <a:xfrm>
-          <a:off x="0" y="0"/>
-          <a:ext cx="4304506" cy="1217771"/>
-        </a:xfrm>
-        <a:prstGeom prst="roundRect">
-          <a:avLst>
-            <a:gd name="adj" fmla="val 10000"/>
-          </a:avLst>
-        </a:prstGeom>
-        <a:gradFill rotWithShape="0">
-          <a:gsLst>
-            <a:gs pos="0">
-              <a:srgbClr val="703000"/>
-            </a:gs>
-            <a:gs pos="50000">
-              <a:srgbClr val="A44A00"/>
-            </a:gs>
-            <a:gs pos="70000">
-              <a:srgbClr val="BC5500"/>
-            </a:gs>
-            <a:gs pos="100000">
-              <a:srgbClr val="F26D00"/>
-            </a:gs>
-          </a:gsLst>
-          <a:lin ang="5400000" scaled="0"/>
-        </a:gradFill>
-        <a:ln>
-          <a:noFill/>
-        </a:ln>
-        <a:effectLst>
-          <a:outerShdw blurRad="63500" dist="25400" dir="5400000" rotWithShape="0">
-            <a:srgbClr val="000000">
-              <a:alpha val="60000"/>
-            </a:srgbClr>
-          </a:outerShdw>
-        </a:effectLst>
-      </dsp:spPr>
-      <dsp:style>
-        <a:lnRef idx="0">
-          <a:scrgbClr r="0" g="0" b="0"/>
-        </a:lnRef>
-        <a:fillRef idx="3">
-          <a:scrgbClr r="0" g="0" b="0"/>
-        </a:fillRef>
-        <a:effectRef idx="2">
-          <a:scrgbClr r="0" g="0" b="0"/>
-        </a:effectRef>
-        <a:fontRef idx="minor">
-          <a:schemeClr val="lt1"/>
-        </a:fontRef>
-      </dsp:style>
-      <dsp:txBody>
-        <a:bodyPr spcFirstLastPara="0" vert="horz" wrap="square" lIns="190500" tIns="190500" rIns="190500" bIns="190500" numCol="1" spcCol="1270" rtlCol="0" anchor="ctr" anchorCtr="0">
-          <a:noAutofit/>
-        </a:bodyPr>
-        <a:lstStyle/>
-        <a:p>
-          <a:pPr lvl="0" algn="l" defTabSz="2222500" rtl="0">
-            <a:lnSpc>
-              <a:spcPct val="90000"/>
-            </a:lnSpc>
-            <a:spcBef>
-              <a:spcPct val="0"/>
-            </a:spcBef>
-            <a:spcAft>
-              <a:spcPct val="35000"/>
-            </a:spcAft>
-          </a:pPr>
-          <a:r>
-            <a:rPr lang="zh-TW" altLang="en-US" sz="5000" kern="1200" noProof="0" dirty="0" smtClean="0">
-              <a:latin typeface="+mj-ea"/>
-              <a:ea typeface="+mj-ea"/>
-            </a:rPr>
-            <a:t>工作 </a:t>
-          </a:r>
-          <a:r>
-            <a:rPr lang="en-US" altLang="zh-TW" sz="5000" kern="1200" noProof="0" dirty="0" smtClean="0">
-              <a:latin typeface="+mj-ea"/>
-              <a:ea typeface="+mj-ea"/>
-            </a:rPr>
-            <a:t>1</a:t>
-          </a:r>
-          <a:endParaRPr lang="zh-TW" altLang="en-US" sz="5000" kern="1200" noProof="0" dirty="0">
-            <a:latin typeface="+mj-ea"/>
-            <a:ea typeface="+mj-ea"/>
-          </a:endParaRPr>
-        </a:p>
-      </dsp:txBody>
-      <dsp:txXfrm>
-        <a:off x="35667" y="35667"/>
-        <a:ext cx="2990436" cy="1146437"/>
-      </dsp:txXfrm>
-    </dsp:sp>
-    <dsp:sp modelId="{CA544AF7-F7B2-4CA5-9251-B4CDB8D06634}">
-      <dsp:nvSpPr>
-        <dsp:cNvPr id="0" name=""/>
-        <dsp:cNvSpPr/>
-      </dsp:nvSpPr>
-      <dsp:spPr>
-        <a:xfrm>
-          <a:off x="379809" y="1420732"/>
-          <a:ext cx="4304506" cy="1217771"/>
-        </a:xfrm>
-        <a:prstGeom prst="roundRect">
-          <a:avLst>
-            <a:gd name="adj" fmla="val 10000"/>
-          </a:avLst>
-        </a:prstGeom>
-        <a:gradFill rotWithShape="0">
-          <a:gsLst>
-            <a:gs pos="0">
-              <a:schemeClr val="accent3">
-                <a:hueOff val="0"/>
-                <a:satOff val="0"/>
-                <a:lumOff val="0"/>
-                <a:alphaOff val="0"/>
-                <a:tint val="96000"/>
-                <a:lumMod val="104000"/>
-              </a:schemeClr>
-            </a:gs>
-            <a:gs pos="100000">
-              <a:schemeClr val="accent3">
-                <a:hueOff val="0"/>
-                <a:satOff val="0"/>
-                <a:lumOff val="0"/>
-                <a:alphaOff val="0"/>
-                <a:shade val="90000"/>
-                <a:lumMod val="90000"/>
-              </a:schemeClr>
-            </a:gs>
-          </a:gsLst>
-          <a:lin ang="5400000" scaled="0"/>
-        </a:gradFill>
-        <a:ln>
-          <a:noFill/>
-        </a:ln>
-        <a:effectLst>
-          <a:outerShdw blurRad="63500" dist="25400" dir="5400000" rotWithShape="0">
-            <a:srgbClr val="000000">
-              <a:alpha val="60000"/>
-            </a:srgbClr>
-          </a:outerShdw>
-        </a:effectLst>
-      </dsp:spPr>
-      <dsp:style>
-        <a:lnRef idx="0">
-          <a:scrgbClr r="0" g="0" b="0"/>
-        </a:lnRef>
-        <a:fillRef idx="3">
-          <a:scrgbClr r="0" g="0" b="0"/>
-        </a:fillRef>
-        <a:effectRef idx="2">
-          <a:scrgbClr r="0" g="0" b="0"/>
-        </a:effectRef>
-        <a:fontRef idx="minor">
-          <a:schemeClr val="lt1"/>
-        </a:fontRef>
-      </dsp:style>
-      <dsp:txBody>
-        <a:bodyPr spcFirstLastPara="0" vert="horz" wrap="square" lIns="190500" tIns="190500" rIns="190500" bIns="190500" numCol="1" spcCol="1270" rtlCol="0" anchor="ctr" anchorCtr="0">
-          <a:noAutofit/>
-        </a:bodyPr>
-        <a:lstStyle/>
-        <a:p>
-          <a:pPr lvl="0" algn="l" defTabSz="2222500" rtl="0">
-            <a:lnSpc>
-              <a:spcPct val="90000"/>
-            </a:lnSpc>
-            <a:spcBef>
-              <a:spcPct val="0"/>
-            </a:spcBef>
-            <a:spcAft>
-              <a:spcPct val="35000"/>
-            </a:spcAft>
-          </a:pPr>
-          <a:r>
-            <a:rPr lang="zh-TW" altLang="en-US" sz="5000" kern="1200" noProof="0" dirty="0" smtClean="0">
-              <a:latin typeface="+mj-ea"/>
-              <a:ea typeface="+mj-ea"/>
-            </a:rPr>
-            <a:t>工作 </a:t>
-          </a:r>
-          <a:r>
-            <a:rPr lang="en-US" altLang="zh-TW" sz="5000" kern="1200" noProof="0" dirty="0" smtClean="0">
-              <a:latin typeface="+mj-ea"/>
-              <a:ea typeface="+mj-ea"/>
-            </a:rPr>
-            <a:t>2</a:t>
-          </a:r>
-          <a:endParaRPr lang="zh-TW" altLang="en-US" sz="5000" kern="1200" noProof="0" dirty="0">
-            <a:latin typeface="+mj-ea"/>
-            <a:ea typeface="+mj-ea"/>
-          </a:endParaRPr>
-        </a:p>
-      </dsp:txBody>
-      <dsp:txXfrm>
-        <a:off x="415476" y="1456399"/>
-        <a:ext cx="3061811" cy="1146437"/>
-      </dsp:txXfrm>
-    </dsp:sp>
-    <dsp:sp modelId="{2AE92D3F-F0FA-45DD-BB60-4C6FBC6BC016}">
-      <dsp:nvSpPr>
-        <dsp:cNvPr id="0" name=""/>
-        <dsp:cNvSpPr/>
-      </dsp:nvSpPr>
-      <dsp:spPr>
-        <a:xfrm>
-          <a:off x="759618" y="2841465"/>
-          <a:ext cx="4304506" cy="1217771"/>
-        </a:xfrm>
-        <a:prstGeom prst="roundRect">
-          <a:avLst>
-            <a:gd name="adj" fmla="val 10000"/>
-          </a:avLst>
-        </a:prstGeom>
-        <a:gradFill rotWithShape="0">
-          <a:gsLst>
-            <a:gs pos="0">
-              <a:srgbClr val="394404"/>
-            </a:gs>
-            <a:gs pos="50000">
-              <a:srgbClr val="5F6F0F"/>
-            </a:gs>
-            <a:gs pos="70000">
-              <a:srgbClr val="65741A"/>
-            </a:gs>
-            <a:gs pos="100000">
-              <a:schemeClr val="accent4">
-                <a:hueOff val="0"/>
-                <a:satOff val="0"/>
-                <a:lumOff val="0"/>
-                <a:alphaOff val="0"/>
-                <a:tint val="100000"/>
-                <a:shade val="100000"/>
-                <a:satMod val="155000"/>
-              </a:schemeClr>
-            </a:gs>
-          </a:gsLst>
-          <a:lin ang="5400000" scaled="0"/>
-        </a:gradFill>
-        <a:ln>
-          <a:noFill/>
-        </a:ln>
-        <a:effectLst>
-          <a:outerShdw blurRad="63500" dist="25400" dir="5400000" rotWithShape="0">
-            <a:srgbClr val="000000">
-              <a:alpha val="60000"/>
-            </a:srgbClr>
-          </a:outerShdw>
-        </a:effectLst>
-      </dsp:spPr>
-      <dsp:style>
-        <a:lnRef idx="0">
-          <a:scrgbClr r="0" g="0" b="0"/>
-        </a:lnRef>
-        <a:fillRef idx="3">
-          <a:scrgbClr r="0" g="0" b="0"/>
-        </a:fillRef>
-        <a:effectRef idx="2">
-          <a:scrgbClr r="0" g="0" b="0"/>
-        </a:effectRef>
-        <a:fontRef idx="minor">
-          <a:schemeClr val="lt1"/>
-        </a:fontRef>
-      </dsp:style>
-      <dsp:txBody>
-        <a:bodyPr spcFirstLastPara="0" vert="horz" wrap="square" lIns="190500" tIns="190500" rIns="190500" bIns="190500" numCol="1" spcCol="1270" rtlCol="0" anchor="ctr" anchorCtr="0">
-          <a:noAutofit/>
-        </a:bodyPr>
-        <a:lstStyle/>
-        <a:p>
-          <a:pPr lvl="0" algn="l" defTabSz="2222500" rtl="0">
-            <a:lnSpc>
-              <a:spcPct val="90000"/>
-            </a:lnSpc>
-            <a:spcBef>
-              <a:spcPct val="0"/>
-            </a:spcBef>
-            <a:spcAft>
-              <a:spcPct val="35000"/>
-            </a:spcAft>
-          </a:pPr>
-          <a:r>
-            <a:rPr lang="zh-TW" altLang="en-US" sz="5000" kern="1200" noProof="0" dirty="0" smtClean="0">
-              <a:latin typeface="+mj-ea"/>
-              <a:ea typeface="+mj-ea"/>
-            </a:rPr>
-            <a:t>工作 </a:t>
-          </a:r>
-          <a:r>
-            <a:rPr lang="en-US" altLang="zh-TW" sz="5000" kern="1200" noProof="0" dirty="0" smtClean="0">
-              <a:latin typeface="+mj-ea"/>
-              <a:ea typeface="+mj-ea"/>
-            </a:rPr>
-            <a:t>3</a:t>
-          </a:r>
-          <a:endParaRPr lang="zh-TW" altLang="en-US" sz="5000" kern="1200" noProof="0" dirty="0">
-            <a:latin typeface="+mj-ea"/>
-            <a:ea typeface="+mj-ea"/>
-          </a:endParaRPr>
-        </a:p>
-      </dsp:txBody>
-      <dsp:txXfrm>
-        <a:off x="795285" y="2877132"/>
-        <a:ext cx="3061811" cy="1146437"/>
-      </dsp:txXfrm>
-    </dsp:sp>
-    <dsp:sp modelId="{9CA877D8-99F8-40A0-89E9-59A61C9A70F4}">
-      <dsp:nvSpPr>
-        <dsp:cNvPr id="0" name=""/>
-        <dsp:cNvSpPr/>
-      </dsp:nvSpPr>
-      <dsp:spPr>
-        <a:xfrm>
-          <a:off x="3512955" y="923476"/>
-          <a:ext cx="791551" cy="791551"/>
-        </a:xfrm>
-        <a:prstGeom prst="downArrow">
-          <a:avLst>
-            <a:gd name="adj1" fmla="val 55000"/>
-            <a:gd name="adj2" fmla="val 45000"/>
-          </a:avLst>
-        </a:prstGeom>
-        <a:solidFill>
-          <a:schemeClr val="accent2">
-            <a:tint val="40000"/>
-            <a:alpha val="90000"/>
-            <a:hueOff val="0"/>
-            <a:satOff val="0"/>
-            <a:lumOff val="0"/>
-            <a:alphaOff val="0"/>
-          </a:schemeClr>
-        </a:solidFill>
-        <a:ln w="9525" cap="rnd" cmpd="sng" algn="ctr">
-          <a:solidFill>
-            <a:schemeClr val="accent2">
-              <a:tint val="40000"/>
-              <a:alpha val="90000"/>
-              <a:hueOff val="0"/>
-              <a:satOff val="0"/>
-              <a:lumOff val="0"/>
-              <a:alphaOff val="0"/>
-            </a:schemeClr>
-          </a:solidFill>
-          <a:prstDash val="solid"/>
-        </a:ln>
-        <a:effectLst/>
-      </dsp:spPr>
-      <dsp:style>
-        <a:lnRef idx="1">
-          <a:scrgbClr r="0" g="0" b="0"/>
-        </a:lnRef>
-        <a:fillRef idx="1">
-          <a:scrgbClr r="0" g="0" b="0"/>
-        </a:fillRef>
-        <a:effectRef idx="0">
-          <a:scrgbClr r="0" g="0" b="0"/>
-        </a:effectRef>
-        <a:fontRef idx="minor"/>
-      </dsp:style>
-      <dsp:txBody>
-        <a:bodyPr spcFirstLastPara="0" vert="horz" wrap="square" lIns="45720" tIns="45720" rIns="45720" bIns="45720" numCol="1" spcCol="1270" rtlCol="0" anchor="ctr" anchorCtr="0">
-          <a:noAutofit/>
-        </a:bodyPr>
-        <a:lstStyle/>
-        <a:p>
-          <a:pPr lvl="0" algn="ctr" defTabSz="1600200" rtl="0">
-            <a:lnSpc>
-              <a:spcPct val="90000"/>
-            </a:lnSpc>
-            <a:spcBef>
-              <a:spcPct val="0"/>
-            </a:spcBef>
-            <a:spcAft>
-              <a:spcPct val="35000"/>
-            </a:spcAft>
-          </a:pPr>
-          <a:endParaRPr lang="en-US" sz="3600" kern="1200"/>
-        </a:p>
-      </dsp:txBody>
-      <dsp:txXfrm>
-        <a:off x="3691054" y="923476"/>
-        <a:ext cx="435353" cy="595642"/>
-      </dsp:txXfrm>
-    </dsp:sp>
-    <dsp:sp modelId="{62643EF2-016C-41F1-8CBC-398422A85727}">
-      <dsp:nvSpPr>
-        <dsp:cNvPr id="0" name=""/>
-        <dsp:cNvSpPr/>
-      </dsp:nvSpPr>
-      <dsp:spPr>
-        <a:xfrm>
-          <a:off x="3892764" y="2336090"/>
-          <a:ext cx="791551" cy="791551"/>
-        </a:xfrm>
-        <a:prstGeom prst="downArrow">
-          <a:avLst>
-            <a:gd name="adj1" fmla="val 55000"/>
-            <a:gd name="adj2" fmla="val 45000"/>
-          </a:avLst>
-        </a:prstGeom>
-        <a:solidFill>
-          <a:schemeClr val="accent3">
-            <a:tint val="40000"/>
-            <a:alpha val="90000"/>
-            <a:hueOff val="0"/>
-            <a:satOff val="0"/>
-            <a:lumOff val="0"/>
-            <a:alphaOff val="0"/>
-          </a:schemeClr>
-        </a:solidFill>
-        <a:ln w="9525" cap="rnd" cmpd="sng" algn="ctr">
-          <a:solidFill>
-            <a:schemeClr val="accent3">
-              <a:tint val="40000"/>
-              <a:alpha val="90000"/>
-              <a:hueOff val="0"/>
-              <a:satOff val="0"/>
-              <a:lumOff val="0"/>
-              <a:alphaOff val="0"/>
-            </a:schemeClr>
-          </a:solidFill>
-          <a:prstDash val="solid"/>
-        </a:ln>
-        <a:effectLst/>
-      </dsp:spPr>
-      <dsp:style>
-        <a:lnRef idx="1">
-          <a:scrgbClr r="0" g="0" b="0"/>
-        </a:lnRef>
-        <a:fillRef idx="1">
-          <a:scrgbClr r="0" g="0" b="0"/>
-        </a:fillRef>
-        <a:effectRef idx="0">
-          <a:scrgbClr r="0" g="0" b="0"/>
-        </a:effectRef>
-        <a:fontRef idx="minor"/>
-      </dsp:style>
-      <dsp:txBody>
-        <a:bodyPr spcFirstLastPara="0" vert="horz" wrap="square" lIns="45720" tIns="45720" rIns="45720" bIns="45720" numCol="1" spcCol="1270" rtlCol="0" anchor="ctr" anchorCtr="0">
-          <a:noAutofit/>
-        </a:bodyPr>
-        <a:lstStyle/>
-        <a:p>
-          <a:pPr lvl="0" algn="ctr" defTabSz="1600200" rtl="0">
-            <a:lnSpc>
-              <a:spcPct val="90000"/>
-            </a:lnSpc>
-            <a:spcBef>
-              <a:spcPct val="0"/>
-            </a:spcBef>
-            <a:spcAft>
-              <a:spcPct val="35000"/>
-            </a:spcAft>
-          </a:pPr>
-          <a:endParaRPr lang="en-US" sz="3600" kern="1200"/>
-        </a:p>
-      </dsp:txBody>
-      <dsp:txXfrm>
-        <a:off x="4070863" y="2336090"/>
-        <a:ext cx="435353" cy="595642"/>
-      </dsp:txXfrm>
-    </dsp:sp>
-  </dsp:spTree>
-</dsp:drawing>
-</file>
-
-<file path=ppt/diagrams/layout1.xml><?xml version="1.0" encoding="utf-8"?>
-<dgm:layoutDef xmlns:dgm="http://schemas.openxmlformats.org/drawingml/2006/diagram" xmlns:a="http://schemas.openxmlformats.org/drawingml/2006/main" uniqueId="urn:microsoft.com/office/officeart/2005/8/layout/vProcess5">
-  <dgm:title val=""/>
-  <dgm:desc val=""/>
-  <dgm:catLst>
-    <dgm:cat type="process" pri="14000"/>
-  </dgm:catLst>
-  <dgm:sampData>
-    <dgm:dataModel>
-      <dgm:ptLst>
-        <dgm:pt modelId="0" type="doc"/>
-        <dgm:pt modelId="1">
-          <dgm:prSet phldr="1"/>
-        </dgm:pt>
-        <dgm:pt modelId="2">
-          <dgm:prSet phldr="1"/>
-        </dgm:pt>
-        <dgm:pt modelId="3">
-          <dgm:prSet phldr="1"/>
-        </dgm:pt>
-      </dgm:ptLst>
-      <dgm:cxnLst>
-        <dgm:cxn modelId="5" srcId="0" destId="1" srcOrd="0" destOrd="0"/>
-        <dgm:cxn modelId="6" srcId="0" destId="2" srcOrd="1" destOrd="0"/>
-        <dgm:cxn modelId="7" srcId="0" destId="3" srcOrd="2" destOrd="0"/>
-      </dgm:cxnLst>
-      <dgm:bg/>
-      <dgm:whole/>
-    </dgm:dataModel>
-  </dgm:sampData>
-  <dgm:styleData>
-    <dgm:dataModel>
-      <dgm:ptLst>
-        <dgm:pt modelId="0" type="doc"/>
-        <dgm:pt modelId="1"/>
-        <dgm:pt modelId="2"/>
-      </dgm:ptLst>
-      <dgm:cxnLst>
-        <dgm:cxn modelId="3" srcId="0" destId="1" srcOrd="0" destOrd="0"/>
-        <dgm:cxn modelId="4" srcId="0" destId="2" srcOrd="1" destOrd="0"/>
-      </dgm:cxnLst>
-      <dgm:bg/>
-      <dgm:whole/>
-    </dgm:dataModel>
-  </dgm:styleData>
-  <dgm:clrData>
-    <dgm:dataModel>
-      <dgm:ptLst>
-        <dgm:pt modelId="0" type="doc"/>
-        <dgm:pt modelId="1"/>
-        <dgm:pt modelId="2"/>
-        <dgm:pt modelId="3"/>
-        <dgm:pt modelId="4"/>
-      </dgm:ptLst>
-      <dgm:cxnLst>
-        <dgm:cxn modelId="6" srcId="0" destId="1" srcOrd="0" destOrd="0"/>
-        <dgm:cxn modelId="7" srcId="0" destId="2" srcOrd="1" destOrd="0"/>
-        <dgm:cxn modelId="8" srcId="0" destId="3" srcOrd="2" destOrd="0"/>
-        <dgm:cxn modelId="9" srcId="0" destId="4" srcOrd="3" destOrd="0"/>
-      </dgm:cxnLst>
-      <dgm:bg/>
-      <dgm:whole/>
-    </dgm:dataModel>
-  </dgm:clrData>
-  <dgm:layoutNode name="outerComposite">
-    <dgm:varLst>
-      <dgm:chMax val="5"/>
-      <dgm:dir/>
-      <dgm:resizeHandles val="exact"/>
-    </dgm:varLst>
-    <dgm:alg type="composite"/>
-    <dgm:shape xmlns:r="http://schemas.openxmlformats.org/officeDocument/2006/relationships" r:blip="">
-      <dgm:adjLst/>
-    </dgm:shape>
-    <dgm:presOf/>
-    <dgm:choose name="Name0">
-      <dgm:if name="Name1" func="var" arg="dir" op="equ" val="norm">
-        <dgm:constrLst>
-          <dgm:constr type="primFontSz" for="ch" ptType="node" op="equ" val="65"/>
-          <dgm:constr type="w" for="ch" forName="dummyMaxCanvas" refType="w"/>
-          <dgm:constr type="h" for="ch" forName="dummyMaxCanvas" refType="h"/>
-          <dgm:constr type="w" for="ch" forName="OneNode_1" refType="w"/>
-          <dgm:constr type="h" for="ch" forName="OneNode_1" refType="h" fact="0.5"/>
-          <dgm:constr type="ctrY" for="ch" forName="OneNode_1" refType="h" fact="0.5"/>
-          <dgm:constr type="w" for="ch" forName="TwoNodes_1" refType="w" fact="0.85"/>
-          <dgm:constr type="h" for="ch" forName="TwoNodes_1" refType="h" fact="0.45"/>
-          <dgm:constr type="t" for="ch" forName="TwoNodes_1"/>
-          <dgm:constr type="l" for="ch" forName="TwoNodes_1"/>
-          <dgm:constr type="w" for="ch" forName="TwoNodes_2" refType="w" fact="0.85"/>
-          <dgm:constr type="h" for="ch" forName="TwoNodes_2" refType="h" fact="0.45"/>
-          <dgm:constr type="b" for="ch" forName="TwoNodes_2" refType="h"/>
-          <dgm:constr type="r" for="ch" forName="TwoNodes_2" refType="w"/>
-          <dgm:constr type="w" for="ch" forName="TwoConn_1-2" refType="h" refFor="ch" refForName="TwoNodes_1" fact="0.65"/>
-          <dgm:constr type="h" for="ch" forName="TwoConn_1-2" refType="h" refFor="ch" refForName="TwoNodes_1" fact="0.65"/>
-          <dgm:constr type="ctrY" for="ch" forName="TwoConn_1-2" refType="h" fact="0.5"/>
-          <dgm:constr type="r" for="ch" forName="TwoConn_1-2" refType="r" refFor="ch" refForName="TwoNodes_1"/>
-          <dgm:constr type="r" for="ch" forName="TwoNodes_1_text" refType="l" refFor="ch" refForName="TwoConn_1-2"/>
-          <dgm:constr type="rOff" for="ch" forName="TwoNodes_1_text" refType="w" refFor="ch" refForName="TwoConn_1-2" fact="-0.5"/>
-          <dgm:constr type="t" for="ch" forName="TwoNodes_1_text" refType="t" refFor="ch" refForName="TwoNodes_1"/>
-          <dgm:constr type="b" for="ch" forName="TwoNodes_1_text" refType="b" refFor="ch" refForName="TwoNodes_1"/>
-          <dgm:constr type="l" for="ch" forName="TwoNodes_1_text" refType="l" refFor="ch" refForName="TwoNodes_1"/>
-          <dgm:constr type="r" for="ch" forName="TwoNodes_2_text" refType="l" refFor="ch" refForName="TwoConn_1-2"/>
-          <dgm:constr type="t" for="ch" forName="TwoNodes_2_text" refType="t" refFor="ch" refForName="TwoNodes_2"/>
-          <dgm:constr type="b" for="ch" forName="TwoNodes_2_text" refType="b" refFor="ch" refForName="TwoNodes_2"/>
-          <dgm:constr type="l" for="ch" forName="TwoNodes_2_text" refType="l" refFor="ch" refForName="TwoNodes_2"/>
-          <dgm:constr type="w" for="ch" forName="ThreeNodes_1" refType="w" fact="0.85"/>
-          <dgm:constr type="h" for="ch" forName="ThreeNodes_1" refType="h" fact="0.3"/>
-          <dgm:constr type="t" for="ch" forName="ThreeNodes_1"/>
-          <dgm:constr type="l" for="ch" forName="ThreeNodes_1"/>
-          <dgm:constr type="w" for="ch" forName="ThreeNodes_2" refType="w" fact="0.85"/>
-          <dgm:constr type="h" for="ch" forName="ThreeNodes_2" refType="h" fact="0.3"/>
-          <dgm:constr type="ctrY" for="ch" forName="ThreeNodes_2" refType="h" fact="0.5"/>
-          <dgm:constr type="ctrX" for="ch" forName="ThreeNodes_2" refType="w" fact="0.5"/>
-          <dgm:constr type="w" for="ch" forName="ThreeNodes_3" refType="w" fact="0.85"/>
-          <dgm:constr type="h" for="ch" forName="ThreeNodes_3" refType="h" fact="0.3"/>
-          <dgm:constr type="b" for="ch" forName="ThreeNodes_3" refType="h"/>
-          <dgm:constr type="r" for="ch" forName="ThreeNodes_3" refType="w"/>
-          <dgm:constr type="w" for="ch" forName="ThreeConn_1-2" refType="h" refFor="ch" refForName="ThreeNodes_1" fact="0.65"/>
-          <dgm:constr type="h" for="ch" forName="ThreeConn_1-2" refType="h" refFor="ch" refForName="ThreeNodes_1" fact="0.65"/>
-          <dgm:constr type="ctrY" for="ch" forName="ThreeConn_1-2" refType="h" fact="0.325"/>
-          <dgm:constr type="r" for="ch" forName="ThreeConn_1-2" refType="r" refFor="ch" refForName="ThreeNodes_1"/>
-          <dgm:constr type="w" for="ch" forName="ThreeConn_2-3" refType="h" refFor="ch" refForName="ThreeNodes_2" fact="0.65"/>
-          <dgm:constr type="h" for="ch" forName="ThreeConn_2-3" refType="h" refFor="ch" refForName="ThreeNodes_2" fact="0.65"/>
-          <dgm:constr type="ctrY" for="ch" forName="ThreeConn_2-3" refType="h" fact="0.673"/>
-          <dgm:constr type="r" for="ch" forName="ThreeConn_2-3" refType="r" refFor="ch" refForName="ThreeNodes_2"/>
-          <dgm:constr type="r" for="ch" forName="ThreeNodes_1_text" refType="l" refFor="ch" refForName="ThreeConn_1-2"/>
-          <dgm:constr type="rOff" for="ch" forName="ThreeNodes_1_text" refType="w" refFor="ch" refForName="ThreeConn_1-2" fact="-0.57"/>
-          <dgm:constr type="t" for="ch" forName="ThreeNodes_1_text" refType="t" refFor="ch" refForName="ThreeNodes_1"/>
-          <dgm:constr type="b" for="ch" forName="ThreeNodes_1_text" refType="b" refFor="ch" refForName="ThreeNodes_1"/>
-          <dgm:constr type="l" for="ch" forName="ThreeNodes_1_text" refType="l" refFor="ch" refForName="ThreeNodes_1"/>
-          <dgm:constr type="r" for="ch" forName="ThreeNodes_2_text" refType="l" refFor="ch" refForName="ThreeConn_1-2"/>
-          <dgm:constr type="t" for="ch" forName="ThreeNodes_2_text" refType="t" refFor="ch" refForName="ThreeNodes_2"/>
-          <dgm:constr type="b" for="ch" forName="ThreeNodes_2_text" refType="b" refFor="ch" refForName="ThreeNodes_2"/>
-          <dgm:constr type="l" for="ch" forName="ThreeNodes_2_text" refType="l" refFor="ch" refForName="ThreeNodes_2"/>
-          <dgm:constr type="r" for="ch" forName="ThreeNodes_3_text" refType="l" refFor="ch" refForName="ThreeConn_2-3"/>
-          <dgm:constr type="t" for="ch" forName="ThreeNodes_3_text" refType="t" refFor="ch" refForName="ThreeNodes_3"/>
-          <dgm:constr type="b" for="ch" forName="ThreeNodes_3_text" refType="b" refFor="ch" refForName="ThreeNodes_3"/>
-          <dgm:constr type="l" for="ch" forName="ThreeNodes_3_text" refType="l" refFor="ch" refForName="ThreeNodes_3"/>
-          <dgm:constr type="w" for="ch" forName="FourNodes_1" refType="w" fact="0.8"/>
-          <dgm:constr type="h" for="ch" forName="FourNodes_1" refType="h" fact="0.22"/>
-          <dgm:constr type="t" for="ch" forName="FourNodes_1"/>
-          <dgm:constr type="l" for="ch" forName="FourNodes_1"/>
-          <dgm:constr type="w" for="ch" forName="FourNodes_2" refType="w" fact="0.8"/>
-          <dgm:constr type="h" for="ch" forName="FourNodes_2" refType="h" fact="0.22"/>
-          <dgm:constr type="ctrY" for="ch" forName="FourNodes_2" refType="h" fact="0.37"/>
-          <dgm:constr type="ctrX" for="ch" forName="FourNodes_2" refType="w" fact="0.467"/>
-          <dgm:constr type="w" for="ch" forName="FourNodes_3" refType="w" fact="0.8"/>
-          <dgm:constr type="h" for="ch" forName="FourNodes_3" refType="h" fact="0.22"/>
-          <dgm:constr type="ctrY" for="ch" forName="FourNodes_3" refType="h" fact="0.63"/>
-          <dgm:constr type="ctrX" for="ch" forName="FourNodes_3" refType="w" fact="0.533"/>
-          <dgm:constr type="w" for="ch" forName="FourNodes_4" refType="w" fact="0.8"/>
-          <dgm:constr type="h" for="ch" forName="FourNodes_4" refType="h" fact="0.22"/>
-          <dgm:constr type="b" for="ch" forName="FourNodes_4" refType="h"/>
-          <dgm:constr type="r" for="ch" forName="FourNodes_4" refType="w"/>
-          <dgm:constr type="w" for="ch" forName="FourConn_1-2" refType="h" refFor="ch" refForName="FourNodes_1" fact="0.65"/>
-          <dgm:constr type="h" for="ch" forName="FourConn_1-2" refType="h" refFor="ch" refForName="FourNodes_1" fact="0.65"/>
-          <dgm:constr type="ctrY" for="ch" forName="FourConn_1-2" refType="h" fact="0.24"/>
-          <dgm:constr type="r" for="ch" forName="FourConn_1-2" refType="r" refFor="ch" refForName="FourNodes_1"/>
-          <dgm:constr type="w" for="ch" forName="FourConn_2-3" refType="h" refFor="ch" refForName="FourNodes_2" fact="0.65"/>
-          <dgm:constr type="h" for="ch" forName="FourConn_2-3" refType="h" refFor="ch" refForName="FourNodes_2" fact="0.65"/>
-          <dgm:constr type="ctrY" for="ch" forName="FourConn_2-3" refType="h" fact="0.5"/>
-          <dgm:constr type="r" for="ch" forName="FourConn_2-3" refType="r" refFor="ch" refForName="FourNodes_2"/>
-          <dgm:constr type="w" for="ch" forName="FourConn_3-4" refType="h" refFor="ch" refForName="FourNodes_3" fact="0.65"/>
-          <dgm:constr type="h" for="ch" forName="FourConn_3-4" refType="h" refFor="ch" refForName="FourNodes_3" fact="0.65"/>
-          <dgm:constr type="ctrY" for="ch" forName="FourConn_3-4" refType="h" fact="0.76"/>
-          <dgm:constr type="r" for="ch" forName="FourConn_3-4" refType="r" refFor="ch" refForName="FourNodes_3"/>
-          <dgm:constr type="r" for="ch" forName="FourNodes_1_text" refType="l" refFor="ch" refForName="FourConn_1-2"/>
-          <dgm:constr type="rOff" for="ch" forName="FourNodes_1_text" refType="w" refFor="ch" refForName="FourConn_1-2" fact="-0.7"/>
-          <dgm:constr type="t" for="ch" forName="FourNodes_1_text" refType="t" refFor="ch" refForName="FourNodes_1"/>
-          <dgm:constr type="b" for="ch" forName="FourNodes_1_text" refType="b" refFor="ch" refForName="FourNodes_1"/>
-          <dgm:constr type="l" for="ch" forName="FourNodes_1_text" refType="l" refFor="ch" refForName="FourNodes_1"/>
-          <dgm:constr type="r" for="ch" forName="FourNodes_2_text" refType="l" refFor="ch" refForName="FourConn_1-2"/>
-          <dgm:constr type="t" for="ch" forName="FourNodes_2_text" refType="t" refFor="ch" refForName="FourNodes_2"/>
-          <dgm:constr type="b" for="ch" forName="FourNodes_2_text" refType="b" refFor="ch" refForName="FourNodes_2"/>
-          <dgm:constr type="l" for="ch" forName="FourNodes_2_text" refType="l" refFor="ch" refForName="FourNodes_2"/>
-          <dgm:constr type="r" for="ch" forName="FourNodes_3_text" refType="l" refFor="ch" refForName="FourConn_2-3"/>
-          <dgm:constr type="t" for="ch" forName="FourNodes_3_text" refType="t" refFor="ch" refForName="FourNodes_3"/>
-          <dgm:constr type="b" for="ch" forName="FourNodes_3_text" refType="b" refFor="ch" refForName="FourNodes_3"/>
-          <dgm:constr type="l" for="ch" forName="FourNodes_3_text" refType="l" refFor="ch" refForName="FourNodes_3"/>
-          <dgm:constr type="r" for="ch" forName="FourNodes_4_text" refType="l" refFor="ch" refForName="FourConn_3-4"/>
-          <dgm:constr type="t" for="ch" forName="FourNodes_4_text" refType="t" refFor="ch" refForName="FourNodes_4"/>
-          <dgm:constr type="b" for="ch" forName="FourNodes_4_text" refType="b" refFor="ch" refForName="FourNodes_4"/>
-          <dgm:constr type="l" for="ch" forName="FourNodes_4_text" refType="l" refFor="ch" refForName="FourNodes_4"/>
-          <dgm:constr type="w" for="ch" forName="FiveNodes_1" refType="w" fact="0.77"/>
-          <dgm:constr type="h" for="ch" forName="FiveNodes_1" refType="h" fact="0.18"/>
-          <dgm:constr type="t" for="ch" forName="FiveNodes_1"/>
-          <dgm:constr type="l" for="ch" forName="FiveNodes_1"/>
-          <dgm:constr type="w" for="ch" forName="FiveNodes_2" refType="w" fact="0.77"/>
-          <dgm:constr type="h" for="ch" forName="FiveNodes_2" refType="h" fact="0.18"/>
-          <dgm:constr type="ctrY" for="ch" forName="FiveNodes_2" refType="h" fact="0.295"/>
-          <dgm:constr type="ctrX" for="ch" forName="FiveNodes_2" refType="w" fact="0.4425"/>
-          <dgm:constr type="w" for="ch" forName="FiveNodes_3" refType="w" fact="0.77"/>
-          <dgm:constr type="h" for="ch" forName="FiveNodes_3" refType="h" fact="0.18"/>
-          <dgm:constr type="ctrY" for="ch" forName="FiveNodes_3" refType="h" fact="0.5"/>
-          <dgm:constr type="ctrX" for="ch" forName="FiveNodes_3" refType="w" fact="0.5"/>
-          <dgm:constr type="w" for="ch" forName="FiveNodes_4" refType="w" fact="0.77"/>
-          <dgm:constr type="h" for="ch" forName="FiveNodes_4" refType="h" fact="0.18"/>
-          <dgm:constr type="ctrY" for="ch" forName="FiveNodes_4" refType="h" fact="0.705"/>
-          <dgm:constr type="ctrX" for="ch" forName="FiveNodes_4" refType="w" fact="0.5575"/>
-          <dgm:constr type="w" for="ch" forName="FiveNodes_5" refType="w" fact="0.77"/>
-          <dgm:constr type="h" for="ch" forName="FiveNodes_5" refType="h" fact="0.18"/>
-          <dgm:constr type="b" for="ch" forName="FiveNodes_5" refType="h"/>
-          <dgm:constr type="r" for="ch" forName="FiveNodes_5" refType="w"/>
-          <dgm:constr type="w" for="ch" forName="FiveConn_1-2" refType="h" refFor="ch" refForName="FiveNodes_1" fact="0.65"/>
-          <dgm:constr type="h" for="ch" forName="FiveConn_1-2" refType="h" refFor="ch" refForName="FiveNodes_1" fact="0.65"/>
-          <dgm:constr type="ctrY" for="ch" forName="FiveConn_1-2" refType="h" fact="0.19"/>
-          <dgm:constr type="r" for="ch" forName="FiveConn_1-2" refType="r" refFor="ch" refForName="FiveNodes_1"/>
-          <dgm:constr type="w" for="ch" forName="FiveConn_2-3" refType="h" refFor="ch" refForName="FiveNodes_2" fact="0.65"/>
-          <dgm:constr type="h" for="ch" forName="FiveConn_2-3" refType="h" refFor="ch" refForName="FiveNodes_2" fact="0.65"/>
-          <dgm:constr type="ctrY" for="ch" forName="FiveConn_2-3" refType="h" fact="0.395"/>
-          <dgm:constr type="r" for="ch" forName="FiveConn_2-3" refType="r" refFor="ch" refForName="FiveNodes_2"/>
-          <dgm:constr type="w" for="ch" forName="FiveConn_3-4" refType="h" refFor="ch" refForName="FiveNodes_3" fact="0.65"/>
-          <dgm:constr type="h" for="ch" forName="FiveConn_3-4" refType="h" refFor="ch" refForName="FiveNodes_3" fact="0.65"/>
-          <dgm:constr type="ctrY" for="ch" forName="FiveConn_3-4" refType="h" fact="0.597"/>
-          <dgm:constr type="r" for="ch" forName="FiveConn_3-4" refType="r" refFor="ch" refForName="FiveNodes_3"/>
-          <dgm:constr type="w" for="ch" forName="FiveConn_4-5" refType="h" refFor="ch" refForName="FiveNodes_4" fact="0.65"/>
-          <dgm:constr type="h" for="ch" forName="FiveConn_4-5" refType="h" refFor="ch" refForName="FiveNodes_4" fact="0.65"/>
-          <dgm:constr type="ctrY" for="ch" forName="FiveConn_4-5" refType="h" fact="0.804"/>
-          <dgm:constr type="r" for="ch" forName="FiveConn_4-5" refType="r" refFor="ch" refForName="FiveNodes_4"/>
-          <dgm:constr type="r" for="ch" forName="FiveNodes_1_text" refType="l" refFor="ch" refForName="FiveConn_1-2"/>
-          <dgm:constr type="rOff" for="ch" forName="FiveNodes_1_text" refType="w" refFor="ch" refForName="FiveConn_1-2" fact="-0.75"/>
-          <dgm:constr type="t" for="ch" forName="FiveNodes_1_text" refType="t" refFor="ch" refForName="FiveNodes_1"/>
-          <dgm:constr type="b" for="ch" forName="FiveNodes_1_text" refType="b" refFor="ch" refForName="FiveNodes_1"/>
-          <dgm:constr type="l" for="ch" forName="FiveNodes_1_text" refType="l" refFor="ch" refForName="FiveNodes_1"/>
-          <dgm:constr type="r" for="ch" forName="FiveNodes_2_text" refType="l" refFor="ch" refForName="FiveConn_1-2"/>
-          <dgm:constr type="t" for="ch" forName="FiveNodes_2_text" refType="t" refFor="ch" refForName="FiveNodes_2"/>
-          <dgm:constr type="b" for="ch" forName="FiveNodes_2_text" refType="b" refFor="ch" refForName="FiveNodes_2"/>
-          <dgm:constr type="l" for="ch" forName="FiveNodes_2_text" refType="l" refFor="ch" refForName="FiveNodes_2"/>
-          <dgm:constr type="r" for="ch" forName="FiveNodes_3_text" refType="l" refFor="ch" refForName="FiveConn_2-3"/>
-          <dgm:constr type="t" for="ch" forName="FiveNodes_3_text" refType="t" refFor="ch" refForName="FiveNodes_3"/>
-          <dgm:constr type="b" for="ch" forName="FiveNodes_3_text" refType="b" refFor="ch" refForName="FiveNodes_3"/>
-          <dgm:constr type="l" for="ch" forName="FiveNodes_3_text" refType="l" refFor="ch" refForName="FiveNodes_3"/>
-          <dgm:constr type="r" for="ch" forName="FiveNodes_4_text" refType="l" refFor="ch" refForName="FiveConn_3-4"/>
-          <dgm:constr type="t" for="ch" forName="FiveNodes_4_text" refType="t" refFor="ch" refForName="FiveNodes_4"/>
-          <dgm:constr type="b" for="ch" forName="FiveNodes_4_text" refType="b" refFor="ch" refForName="FiveNodes_4"/>
-          <dgm:constr type="l" for="ch" forName="FiveNodes_4_text" refType="l" refFor="ch" refForName="FiveNodes_4"/>
-          <dgm:constr type="r" for="ch" forName="FiveNodes_5_text" refType="l" refFor="ch" refForName="FiveConn_4-5"/>
-          <dgm:constr type="t" for="ch" forName="FiveNodes_5_text" refType="t" refFor="ch" refForName="FiveNodes_5"/>
-          <dgm:constr type="b" for="ch" forName="FiveNodes_5_text" refType="b" refFor="ch" refForName="FiveNodes_5"/>
-          <dgm:constr type="l" for="ch" forName="FiveNodes_5_text" refType="l" refFor="ch" refForName="FiveNodes_5"/>
-        </dgm:constrLst>
-      </dgm:if>
-      <dgm:else name="Name2">
-        <dgm:constrLst>
-          <dgm:constr type="primFontSz" for="ch" ptType="node" op="equ" val="65"/>
-          <dgm:constr type="w" for="ch" forName="dummyMaxCanvas" refType="w"/>
-          <dgm:constr type="h" for="ch" forName="dummyMaxCanvas" refType="h"/>
-          <dgm:constr type="w" for="ch" forName="OneNode_1" refType="w"/>
-          <dgm:constr type="h" for="ch" forName="OneNode_1" refType="h" fact="0.5"/>
-          <dgm:constr type="ctrY" for="ch" forName="OneNode_1" refType="h" fact="0.5"/>
-          <dgm:constr type="w" for="ch" forName="TwoNodes_1" refType="w" fact="0.85"/>
-          <dgm:constr type="h" for="ch" forName="TwoNodes_1" refType="h" fact="0.45"/>
-          <dgm:constr type="t" for="ch" forName="TwoNodes_1"/>
-          <dgm:constr type="r" for="ch" forName="TwoNodes_1" refType="w"/>
-          <dgm:constr type="w" for="ch" forName="TwoNodes_2" refType="w" fact="0.85"/>
-          <dgm:constr type="h" for="ch" forName="TwoNodes_2" refType="h" fact="0.45"/>
-          <dgm:constr type="b" for="ch" forName="TwoNodes_2" refType="h"/>
-          <dgm:constr type="l" for="ch" forName="TwoNodes_2"/>
-          <dgm:constr type="w" for="ch" forName="TwoConn_1-2" refType="h" refFor="ch" refForName="TwoNodes_1" fact="0.65"/>
-          <dgm:constr type="h" for="ch" forName="TwoConn_1-2" refType="h" refFor="ch" refForName="TwoNodes_1" fact="0.65"/>
-          <dgm:constr type="ctrY" for="ch" forName="TwoConn_1-2" refType="h" fact="0.5"/>
-          <dgm:constr type="l" for="ch" forName="TwoConn_1-2" refType="l" refFor="ch" refForName="TwoNodes_1"/>
-          <dgm:constr type="l" for="ch" forName="TwoNodes_1_text" refType="r" refFor="ch" refForName="TwoConn_1-2"/>
-          <dgm:constr type="lOff" for="ch" forName="TwoNodes_1_text" refType="w" refFor="ch" refForName="TwoConn_1-2" fact="0.5"/>
-          <dgm:constr type="t" for="ch" forName="TwoNodes_1_text" refType="t" refFor="ch" refForName="TwoNodes_1"/>
-          <dgm:constr type="b" for="ch" forName="TwoNodes_1_text" refType="b" refFor="ch" refForName="TwoNodes_1"/>
-          <dgm:constr type="r" for="ch" forName="TwoNodes_1_text" refType="r" refFor="ch" refForName="TwoNodes_1"/>
-          <dgm:constr type="l" for="ch" forName="TwoNodes_2_text" refType="r" refFor="ch" refForName="TwoConn_1-2"/>
-          <dgm:constr type="t" for="ch" forName="TwoNodes_2_text" refType="t" refFor="ch" refForName="TwoNodes_2"/>
-          <dgm:constr type="b" for="ch" forName="TwoNodes_2_text" refType="b" refFor="ch" refForName="TwoNodes_2"/>
-          <dgm:constr type="r" for="ch" forName="TwoNodes_2_text" refType="r" refFor="ch" refForName="TwoNodes_2"/>
-          <dgm:constr type="w" for="ch" forName="ThreeNodes_1" refType="w" fact="0.85"/>
-          <dgm:constr type="h" for="ch" forName="ThreeNodes_1" refType="h" fact="0.3"/>
-          <dgm:constr type="t" for="ch" forName="ThreeNodes_1"/>
-          <dgm:constr type="r" for="ch" forName="ThreeNodes_1" refType="w"/>
-          <dgm:constr type="w" for="ch" forName="ThreeNodes_2" refType="w" fact="0.85"/>
-          <dgm:constr type="h" for="ch" forName="ThreeNodes_2" refType="h" fact="0.3"/>
-          <dgm:constr type="ctrY" for="ch" forName="ThreeNodes_2" refType="h" fact="0.5"/>
-          <dgm:constr type="ctrX" for="ch" forName="ThreeNodes_2" refType="w" fact="0.5"/>
-          <dgm:constr type="w" for="ch" forName="ThreeNodes_3" refType="w" fact="0.85"/>
-          <dgm:constr type="h" for="ch" forName="ThreeNodes_3" refType="h" fact="0.3"/>
-          <dgm:constr type="b" for="ch" forName="ThreeNodes_3" refType="h"/>
-          <dgm:constr type="l" for="ch" forName="ThreeNodes_3"/>
-          <dgm:constr type="w" for="ch" forName="ThreeConn_1-2" refType="h" refFor="ch" refForName="ThreeNodes_1" fact="0.65"/>
-          <dgm:constr type="h" for="ch" forName="ThreeConn_1-2" refType="h" refFor="ch" refForName="ThreeNodes_1" fact="0.65"/>
-          <dgm:constr type="ctrY" for="ch" forName="ThreeConn_1-2" refType="h" fact="0.325"/>
-          <dgm:constr type="l" for="ch" forName="ThreeConn_1-2" refType="l" refFor="ch" refForName="ThreeNodes_1"/>
-          <dgm:constr type="w" for="ch" forName="ThreeConn_2-3" refType="h" refFor="ch" refForName="ThreeNodes_2" fact="0.65"/>
-          <dgm:constr type="h" for="ch" forName="ThreeConn_2-3" refType="h" refFor="ch" refForName="ThreeNodes_2" fact="0.65"/>
-          <dgm:constr type="ctrY" for="ch" forName="ThreeConn_2-3" refType="h" fact="0.673"/>
-          <dgm:constr type="l" for="ch" forName="ThreeConn_2-3" refType="l" refFor="ch" refForName="ThreeNodes_2"/>
-          <dgm:constr type="l" for="ch" forName="ThreeNodes_1_text" refType="r" refFor="ch" refForName="ThreeConn_1-2"/>
-          <dgm:constr type="lOff" for="ch" forName="ThreeNodes_1_text" refType="w" refFor="ch" refForName="ThreeConn_1-2" fact="0.55"/>
-          <dgm:constr type="t" for="ch" forName="ThreeNodes_1_text" refType="t" refFor="ch" refForName="ThreeNodes_1"/>
-          <dgm:constr type="b" for="ch" forName="ThreeNodes_1_text" refType="b" refFor="ch" refForName="ThreeNodes_1"/>
-          <dgm:constr type="r" for="ch" forName="ThreeNodes_1_text" refType="r" refFor="ch" refForName="ThreeNodes_1"/>
-          <dgm:constr type="l" for="ch" forName="ThreeNodes_2_text" refType="r" refFor="ch" refForName="ThreeConn_1-2"/>
-          <dgm:constr type="t" for="ch" forName="ThreeNodes_2_text" refType="t" refFor="ch" refForName="ThreeNodes_2"/>
-          <dgm:constr type="b" for="ch" forName="ThreeNodes_2_text" refType="b" refFor="ch" refForName="ThreeNodes_2"/>
-          <dgm:constr type="r" for="ch" forName="ThreeNodes_2_text" refType="r" refFor="ch" refForName="ThreeNodes_2"/>
-          <dgm:constr type="l" for="ch" forName="ThreeNodes_3_text" refType="r" refFor="ch" refForName="ThreeConn_2-3"/>
-          <dgm:constr type="t" for="ch" forName="ThreeNodes_3_text" refType="t" refFor="ch" refForName="ThreeNodes_3"/>
-          <dgm:constr type="b" for="ch" forName="ThreeNodes_3_text" refType="b" refFor="ch" refForName="ThreeNodes_3"/>
-          <dgm:constr type="r" for="ch" forName="ThreeNodes_3_text" refType="r" refFor="ch" refForName="ThreeNodes_3"/>
-          <dgm:constr type="w" for="ch" forName="FourNodes_1" refType="w" fact="0.8"/>
-          <dgm:constr type="h" for="ch" forName="FourNodes_1" refType="h" fact="0.22"/>
-          <dgm:constr type="t" for="ch" forName="FourNodes_1"/>
-          <dgm:constr type="r" for="ch" forName="FourNodes_1" refType="w"/>
-          <dgm:constr type="w" for="ch" forName="FourNodes_2" refType="w" fact="0.8"/>
-          <dgm:constr type="h" for="ch" forName="FourNodes_2" refType="h" fact="0.22"/>
-          <dgm:constr type="ctrY" for="ch" forName="FourNodes_2" refType="h" fact="0.37"/>
-          <dgm:constr type="ctrX" for="ch" forName="FourNodes_2" refType="w" fact="0.533"/>
-          <dgm:constr type="w" for="ch" forName="FourNodes_3" refType="w" fact="0.8"/>
-          <dgm:constr type="h" for="ch" forName="FourNodes_3" refType="h" fact="0.22"/>
-          <dgm:constr type="ctrY" for="ch" forName="FourNodes_3" refType="h" fact="0.63"/>
-          <dgm:constr type="ctrX" for="ch" forName="FourNodes_3" refType="w" fact="0.467"/>
-          <dgm:constr type="w" for="ch" forName="FourNodes_4" refType="w" fact="0.8"/>
-          <dgm:constr type="h" for="ch" forName="FourNodes_4" refType="h" fact="0.22"/>
-          <dgm:constr type="b" for="ch" forName="FourNodes_4" refType="h"/>
-          <dgm:constr type="l" for="ch" forName="FourNodes_4"/>
-          <dgm:constr type="w" for="ch" forName="FourConn_1-2" refType="h" refFor="ch" refForName="FourNodes_1" fact="0.65"/>
-          <dgm:constr type="h" for="ch" forName="FourConn_1-2" refType="h" refFor="ch" refForName="FourNodes_1" fact="0.65"/>
-          <dgm:constr type="ctrY" for="ch" forName="FourConn_1-2" refType="h" fact="0.24"/>
-          <dgm:constr type="l" for="ch" forName="FourConn_1-2" refType="l" refFor="ch" refForName="FourNodes_1"/>
-          <dgm:constr type="w" for="ch" forName="FourConn_2-3" refType="h" refFor="ch" refForName="FourNodes_2" fact="0.65"/>
-          <dgm:constr type="h" for="ch" forName="FourConn_2-3" refType="h" refFor="ch" refForName="FourNodes_2" fact="0.65"/>
-          <dgm:constr type="ctrY" for="ch" forName="FourConn_2-3" refType="h" fact="0.5"/>
-          <dgm:constr type="l" for="ch" forName="FourConn_2-3" refType="l" refFor="ch" refForName="FourNodes_2"/>
-          <dgm:constr type="w" for="ch" forName="FourConn_3-4" refType="h" refFor="ch" refForName="FourNodes_3" fact="0.65"/>
-          <dgm:constr type="h" for="ch" forName="FourConn_3-4" refType="h" refFor="ch" refForName="FourNodes_3" fact="0.65"/>
-          <dgm:constr type="ctrY" for="ch" forName="FourConn_3-4" refType="h" fact="0.76"/>
-          <dgm:constr type="l" for="ch" forName="FourConn_3-4" refType="l" refFor="ch" refForName="FourNodes_3"/>
-          <dgm:constr type="l" for="ch" forName="FourNodes_1_text" refType="r" refFor="ch" refForName="FourConn_1-2"/>
-          <dgm:constr type="lOff" for="ch" forName="FourNodes_1_text" refType="w" refFor="ch" refForName="FourConn_1-2" fact="0.69"/>
-          <dgm:constr type="t" for="ch" forName="FourNodes_1_text" refType="t" refFor="ch" refForName="FourNodes_1"/>
-          <dgm:constr type="b" for="ch" forName="FourNodes_1_text" refType="b" refFor="ch" refForName="FourNodes_1"/>
-          <dgm:constr type="r" for="ch" forName="FourNodes_1_text" refType="r" refFor="ch" refForName="FourNodes_1"/>
-          <dgm:constr type="l" for="ch" forName="FourNodes_2_text" refType="r" refFor="ch" refForName="FourConn_1-2"/>
-          <dgm:constr type="t" for="ch" forName="FourNodes_2_text" refType="t" refFor="ch" refForName="FourNodes_2"/>
-          <dgm:constr type="b" for="ch" forName="FourNodes_2_text" refType="b" refFor="ch" refForName="FourNodes_2"/>
-          <dgm:constr type="r" for="ch" forName="FourNodes_2_text" refType="r" refFor="ch" refForName="FourNodes_2"/>
-          <dgm:constr type="l" for="ch" forName="FourNodes_3_text" refType="r" refFor="ch" refForName="FourConn_2-3"/>
-          <dgm:constr type="t" for="ch" forName="FourNodes_3_text" refType="t" refFor="ch" refForName="FourNodes_3"/>
-          <dgm:constr type="b" for="ch" forName="FourNodes_3_text" refType="b" refFor="ch" refForName="FourNodes_3"/>
-          <dgm:constr type="r" for="ch" forName="FourNodes_3_text" refType="r" refFor="ch" refForName="FourNodes_3"/>
-          <dgm:constr type="l" for="ch" forName="FourNodes_4_text" refType="r" refFor="ch" refForName="FourConn_3-4"/>
-          <dgm:constr type="t" for="ch" forName="FourNodes_4_text" refType="t" refFor="ch" refForName="FourNodes_4"/>
-          <dgm:constr type="b" for="ch" forName="FourNodes_4_text" refType="b" refFor="ch" refForName="FourNodes_4"/>
-          <dgm:constr type="r" for="ch" forName="FourNodes_4_text" refType="r" refFor="ch" refForName="FourNodes_4"/>
-          <dgm:constr type="w" for="ch" forName="FiveNodes_1" refType="w" fact="0.77"/>
-          <dgm:constr type="h" for="ch" forName="FiveNodes_1" refType="h" fact="0.18"/>
-          <dgm:constr type="t" for="ch" forName="FiveNodes_1"/>
-          <dgm:constr type="r" for="ch" forName="FiveNodes_1" refType="w"/>
-          <dgm:constr type="w" for="ch" forName="FiveNodes_2" refType="w" fact="0.77"/>
-          <dgm:constr type="h" for="ch" forName="FiveNodes_2" refType="h" fact="0.18"/>
-          <dgm:constr type="ctrY" for="ch" forName="FiveNodes_2" refType="h" fact="0.295"/>
-          <dgm:constr type="ctrX" for="ch" forName="FiveNodes_2" refType="w" fact="0.5575"/>
-          <dgm:constr type="w" for="ch" forName="FiveNodes_3" refType="w" fact="0.77"/>
-          <dgm:constr type="h" for="ch" forName="FiveNodes_3" refType="h" fact="0.18"/>
-          <dgm:constr type="ctrY" for="ch" forName="FiveNodes_3" refType="h" fact="0.5"/>
-          <dgm:constr type="ctrX" for="ch" forName="FiveNodes_3" refType="w" fact="0.5"/>
-          <dgm:constr type="w" for="ch" forName="FiveNodes_4" refType="w" fact="0.77"/>
-          <dgm:constr type="h" for="ch" forName="FiveNodes_4" refType="h" fact="0.18"/>
-          <dgm:constr type="ctrY" for="ch" forName="FiveNodes_4" refType="h" fact="0.705"/>
-          <dgm:constr type="ctrX" for="ch" forName="FiveNodes_4" refType="w" fact="0.4425"/>
-          <dgm:constr type="w" for="ch" forName="FiveNodes_5" refType="w" fact="0.77"/>
-          <dgm:constr type="h" for="ch" forName="FiveNodes_5" refType="h" fact="0.18"/>
-          <dgm:constr type="b" for="ch" forName="FiveNodes_5" refType="h"/>
-          <dgm:constr type="l" for="ch" forName="FiveNodes_5"/>
-          <dgm:constr type="w" for="ch" forName="FiveConn_1-2" refType="h" refFor="ch" refForName="FiveNodes_1" fact="0.65"/>
-          <dgm:constr type="h" for="ch" forName="FiveConn_1-2" refType="h" refFor="ch" refForName="FiveNodes_1" fact="0.65"/>
-          <dgm:constr type="ctrY" for="ch" forName="FiveConn_1-2" refType="h" fact="0.19"/>
-          <dgm:constr type="l" for="ch" forName="FiveConn_1-2" refType="l" refFor="ch" refForName="FiveNodes_1"/>
-          <dgm:constr type="w" for="ch" forName="FiveConn_2-3" refType="h" refFor="ch" refForName="FiveNodes_2" fact="0.65"/>
-          <dgm:constr type="h" for="ch" forName="FiveConn_2-3" refType="h" refFor="ch" refForName="FiveNodes_2" fact="0.65"/>
-          <dgm:constr type="ctrY" for="ch" forName="FiveConn_2-3" refType="h" fact="0.395"/>
-          <dgm:constr type="l" for="ch" forName="FiveConn_2-3" refType="l" refFor="ch" refForName="FiveNodes_2"/>
-          <dgm:constr type="w" for="ch" forName="FiveConn_3-4" refType="h" refFor="ch" refForName="FiveNodes_3" fact="0.65"/>
-          <dgm:constr type="h" for="ch" forName="FiveConn_3-4" refType="h" refFor="ch" refForName="FiveNodes_3" fact="0.65"/>
-          <dgm:constr type="ctrY" for="ch" forName="FiveConn_3-4" refType="h" fact="0.597"/>
-          <dgm:constr type="l" for="ch" forName="FiveConn_3-4" refType="l" refFor="ch" refForName="FiveNodes_3"/>
-          <dgm:constr type="w" for="ch" forName="FiveConn_4-5" refType="h" refFor="ch" refForName="FiveNodes_4" fact="0.65"/>
-          <dgm:constr type="h" for="ch" forName="FiveConn_4-5" refType="h" refFor="ch" refForName="FiveNodes_4" fact="0.65"/>
-          <dgm:constr type="ctrY" for="ch" forName="FiveConn_4-5" refType="h" fact="0.804"/>
-          <dgm:constr type="l" for="ch" forName="FiveConn_4-5" refType="l" refFor="ch" refForName="FiveNodes_4"/>
-          <dgm:constr type="l" for="ch" forName="FiveNodes_1_text" refType="r" refFor="ch" refForName="FiveConn_1-2"/>
-          <dgm:constr type="lOff" for="ch" forName="FiveNodes_1_text" refType="w" refFor="ch" refForName="FiveConn_1-2" fact="0.73"/>
-          <dgm:constr type="t" for="ch" forName="FiveNodes_1_text" refType="t" refFor="ch" refForName="FiveNodes_1"/>
-          <dgm:constr type="b" for="ch" forName="FiveNodes_1_text" refType="b" refFor="ch" refForName="FiveNodes_1"/>
-          <dgm:constr type="r" for="ch" forName="FiveNodes_1_text" refType="r" refFor="ch" refForName="FiveNodes_1"/>
-          <dgm:constr type="l" for="ch" forName="FiveNodes_2_text" refType="r" refFor="ch" refForName="FiveConn_1-2"/>
-          <dgm:constr type="t" for="ch" forName="FiveNodes_2_text" refType="t" refFor="ch" refForName="FiveNodes_2"/>
-          <dgm:constr type="b" for="ch" forName="FiveNodes_2_text" refType="b" refFor="ch" refForName="FiveNodes_2"/>
-          <dgm:constr type="r" for="ch" forName="FiveNodes_2_text" refType="r" refFor="ch" refForName="FiveNodes_2"/>
-          <dgm:constr type="l" for="ch" forName="FiveNodes_3_text" refType="r" refFor="ch" refForName="FiveConn_2-3"/>
-          <dgm:constr type="t" for="ch" forName="FiveNodes_3_text" refType="t" refFor="ch" refForName="FiveNodes_3"/>
-          <dgm:constr type="b" for="ch" forName="FiveNodes_3_text" refType="b" refFor="ch" refForName="FiveNodes_3"/>
-          <dgm:constr type="r" for="ch" forName="FiveNodes_3_text" refType="r" refFor="ch" refForName="FiveNodes_3"/>
-          <dgm:constr type="l" for="ch" forName="FiveNodes_4_text" refType="r" refFor="ch" refForName="FiveConn_3-4"/>
-          <dgm:constr type="t" for="ch" forName="FiveNodes_4_text" refType="t" refFor="ch" refForName="FiveNodes_4"/>
-          <dgm:constr type="b" for="ch" forName="FiveNodes_4_text" refType="b" refFor="ch" refForName="FiveNodes_4"/>
-          <dgm:constr type="r" for="ch" forName="FiveNodes_4_text" refType="r" refFor="ch" refForName="FiveNodes_4"/>
-          <dgm:constr type="l" for="ch" forName="FiveNodes_5_text" refType="r" refFor="ch" refForName="FiveConn_4-5"/>
-          <dgm:constr type="t" for="ch" forName="FiveNodes_5_text" refType="t" refFor="ch" refForName="FiveNodes_5"/>
-          <dgm:constr type="b" for="ch" forName="FiveNodes_5_text" refType="b" refFor="ch" refForName="FiveNodes_5"/>
-          <dgm:constr type="r" for="ch" forName="FiveNodes_5_text" refType="r" refFor="ch" refForName="FiveNodes_5"/>
-        </dgm:constrLst>
-      </dgm:else>
-    </dgm:choose>
-    <dgm:ruleLst/>
-    <dgm:layoutNode name="dummyMaxCanvas">
-      <dgm:varLst/>
-      <dgm:alg type="sp"/>
-      <dgm:shape xmlns:r="http://schemas.openxmlformats.org/officeDocument/2006/relationships" r:blip="">
-        <dgm:adjLst/>
-      </dgm:shape>
-      <dgm:presOf/>
-      <dgm:constrLst/>
-      <dgm:ruleLst/>
-    </dgm:layoutNode>
-    <dgm:choose name="Name3">
-      <dgm:if name="Name4" axis="ch" ptType="node" func="cnt" op="equ" val="1">
-        <dgm:layoutNode name="OneNode_1">
-          <dgm:varLst>
-            <dgm:bulletEnabled val="1"/>
-          </dgm:varLst>
-          <dgm:alg type="tx"/>
-          <dgm:shape xmlns:r="http://schemas.openxmlformats.org/officeDocument/2006/relationships" type="roundRect" r:blip="">
-            <dgm:adjLst>
-              <dgm:adj idx="1" val="0.1"/>
-            </dgm:adjLst>
-          </dgm:shape>
-          <dgm:presOf axis="ch desOrSelf" ptType="node node" st="1 1" cnt="1 0"/>
-          <dgm:constrLst>
-            <dgm:constr type="lMarg" refType="primFontSz" fact="0.3"/>
-            <dgm:constr type="rMarg" refType="primFontSz" fact="0.3"/>
-            <dgm:constr type="tMarg" refType="primFontSz" fact="0.3"/>
-            <dgm:constr type="bMarg" refType="primFontSz" fact="0.3"/>
-          </dgm:constrLst>
-          <dgm:ruleLst>
-            <dgm:rule type="primFontSz" val="5" fact="NaN" max="NaN"/>
-          </dgm:ruleLst>
-        </dgm:layoutNode>
-      </dgm:if>
-      <dgm:else name="Name5">
-        <dgm:choose name="Name6">
-          <dgm:if name="Name7" axis="ch" ptType="node" func="cnt" op="equ" val="2">
-            <dgm:layoutNode name="TwoNodes_1">
-              <dgm:varLst>
-                <dgm:bulletEnabled val="1"/>
-              </dgm:varLst>
-              <dgm:alg type="sp"/>
-              <dgm:shape xmlns:r="http://schemas.openxmlformats.org/officeDocument/2006/relationships" type="roundRect" r:blip="">
-                <dgm:adjLst>
-                  <dgm:adj idx="1" val="0.1"/>
-                </dgm:adjLst>
-              </dgm:shape>
-              <dgm:presOf axis="ch desOrSelf" ptType="node node" st="1 1" cnt="1 0"/>
-              <dgm:constrLst/>
-              <dgm:ruleLst/>
-            </dgm:layoutNode>
-            <dgm:layoutNode name="TwoNodes_2">
-              <dgm:varLst>
-                <dgm:bulletEnabled val="1"/>
-              </dgm:varLst>
-              <dgm:alg type="sp"/>
-              <dgm:shape xmlns:r="http://schemas.openxmlformats.org/officeDocument/2006/relationships" type="roundRect" r:blip="">
-                <dgm:adjLst>
-                  <dgm:adj idx="1" val="0.1"/>
-                </dgm:adjLst>
-              </dgm:shape>
-              <dgm:presOf axis="ch desOrSelf" ptType="node node" st="2 1" cnt="1 0"/>
-              <dgm:constrLst/>
-              <dgm:ruleLst/>
-            </dgm:layoutNode>
-            <dgm:layoutNode name="TwoConn_1-2" styleLbl="fgAccFollowNode1">
-              <dgm:varLst>
-                <dgm:bulletEnabled val="1"/>
-              </dgm:varLst>
-              <dgm:alg type="tx"/>
-              <dgm:shape xmlns:r="http://schemas.openxmlformats.org/officeDocument/2006/relationships" type="downArrow" r:blip="">
-                <dgm:adjLst>
-                  <dgm:adj idx="1" val="0.55"/>
-                  <dgm:adj idx="2" val="0.45"/>
-                </dgm:adjLst>
-              </dgm:shape>
-              <dgm:presOf axis="ch" ptType="sibTrans" cnt="1"/>
-              <dgm:constrLst>
-                <dgm:constr type="lMarg" refType="primFontSz" fact="0.1"/>
-                <dgm:constr type="rMarg" refType="primFontSz" fact="0.1"/>
-                <dgm:constr type="tMarg" refType="primFontSz" fact="0.1"/>
-                <dgm:constr type="bMarg" refType="primFontSz" fact="0.1"/>
-              </dgm:constrLst>
-              <dgm:ruleLst>
-                <dgm:rule type="primFontSz" val="5" fact="NaN" max="NaN"/>
-              </dgm:ruleLst>
-            </dgm:layoutNode>
-            <dgm:layoutNode name="TwoNodes_1_text">
-              <dgm:varLst>
-                <dgm:bulletEnabled val="1"/>
-              </dgm:varLst>
-              <dgm:alg type="tx">
-                <dgm:param type="parTxLTRAlign" val="l"/>
-                <dgm:param type="txAnchorVertCh" val="mid"/>
-              </dgm:alg>
-              <dgm:shape xmlns:r="http://schemas.openxmlformats.org/officeDocument/2006/relationships" type="roundRect" r:blip="" hideGeom="1">
-                <dgm:adjLst>
-                  <dgm:adj idx="1" val="0.1"/>
-                </dgm:adjLst>
-              </dgm:shape>
-              <dgm:presOf axis="ch desOrSelf" ptType="node node" st="1 1" cnt="1 0"/>
-              <dgm:constrLst>
-                <dgm:constr type="lMarg" refType="primFontSz" fact="0.3"/>
-                <dgm:constr type="rMarg" refType="primFontSz" fact="0.3"/>
-                <dgm:constr type="tMarg" refType="primFontSz" fact="0.3"/>
-                <dgm:constr type="bMarg" refType="primFontSz" fact="0.3"/>
-              </dgm:constrLst>
-              <dgm:ruleLst>
-                <dgm:rule type="primFontSz" val="5" fact="NaN" max="NaN"/>
-              </dgm:ruleLst>
-            </dgm:layoutNode>
-            <dgm:layoutNode name="TwoNodes_2_text">
-              <dgm:varLst>
-                <dgm:bulletEnabled val="1"/>
-              </dgm:varLst>
-              <dgm:alg type="tx">
-                <dgm:param type="parTxLTRAlign" val="l"/>
-                <dgm:param type="txAnchorVertCh" val="mid"/>
-              </dgm:alg>
-              <dgm:shape xmlns:r="http://schemas.openxmlformats.org/officeDocument/2006/relationships" type="roundRect" r:blip="" hideGeom="1">
-                <dgm:adjLst>
-                  <dgm:adj idx="1" val="0.1"/>
-                </dgm:adjLst>
-              </dgm:shape>
-              <dgm:presOf axis="ch desOrSelf" ptType="node node" st="2 1" cnt="1 0"/>
-              <dgm:constrLst>
-                <dgm:constr type="lMarg" refType="primFontSz" fact="0.3"/>
-                <dgm:constr type="rMarg" refType="primFontSz" fact="0.3"/>
-                <dgm:constr type="tMarg" refType="primFontSz" fact="0.3"/>
-                <dgm:constr type="bMarg" refType="primFontSz" fact="0.3"/>
-              </dgm:constrLst>
-              <dgm:ruleLst>
-                <dgm:rule type="primFontSz" val="5" fact="NaN" max="NaN"/>
-              </dgm:ruleLst>
-            </dgm:layoutNode>
-          </dgm:if>
-          <dgm:else name="Name8">
-            <dgm:choose name="Name9">
-              <dgm:if name="Name10" axis="ch" ptType="node" func="cnt" op="equ" val="3">
-                <dgm:layoutNode name="ThreeNodes_1">
-                  <dgm:varLst>
-                    <dgm:bulletEnabled val="1"/>
-                  </dgm:varLst>
-                  <dgm:alg type="sp"/>
-                  <dgm:shape xmlns:r="http://schemas.openxmlformats.org/officeDocument/2006/relationships" type="roundRect" r:blip="">
-                    <dgm:adjLst>
-                      <dgm:adj idx="1" val="0.1"/>
-                    </dgm:adjLst>
-                  </dgm:shape>
-                  <dgm:presOf axis="ch desOrSelf" ptType="node node" st="1 1" cnt="1 0"/>
-                  <dgm:constrLst/>
-                  <dgm:ruleLst/>
-                </dgm:layoutNode>
-                <dgm:layoutNode name="ThreeNodes_2">
-                  <dgm:varLst>
-                    <dgm:bulletEnabled val="1"/>
-                  </dgm:varLst>
-                  <dgm:alg type="sp"/>
-                  <dgm:shape xmlns:r="http://schemas.openxmlformats.org/officeDocument/2006/relationships" type="roundRect" r:blip="">
-                    <dgm:adjLst>
-                      <dgm:adj idx="1" val="0.1"/>
-                    </dgm:adjLst>
-                  </dgm:shape>
-                  <dgm:presOf axis="ch desOrSelf" ptType="node node" st="2 1" cnt="1 0"/>
-                  <dgm:constrLst/>
-                  <dgm:ruleLst/>
-                </dgm:layoutNode>
-                <dgm:layoutNode name="ThreeNodes_3">
-                  <dgm:varLst>
-                    <dgm:bulletEnabled val="1"/>
-                  </dgm:varLst>
-                  <dgm:alg type="sp"/>
-                  <dgm:shape xmlns:r="http://schemas.openxmlformats.org/officeDocument/2006/relationships" type="roundRect" r:blip="">
-                    <dgm:adjLst>
-                      <dgm:adj idx="1" val="0.1"/>
-                    </dgm:adjLst>
-                  </dgm:shape>
-                  <dgm:presOf axis="ch desOrSelf" ptType="node node" st="3 1" cnt="1 0"/>
-                  <dgm:constrLst/>
-                  <dgm:ruleLst/>
-                </dgm:layoutNode>
-                <dgm:layoutNode name="ThreeConn_1-2" styleLbl="fgAccFollowNode1">
-                  <dgm:varLst>
-                    <dgm:bulletEnabled val="1"/>
-                  </dgm:varLst>
-                  <dgm:alg type="tx"/>
-                  <dgm:shape xmlns:r="http://schemas.openxmlformats.org/officeDocument/2006/relationships" type="downArrow" r:blip="">
-                    <dgm:adjLst>
-                      <dgm:adj idx="1" val="0.55"/>
-                      <dgm:adj idx="2" val="0.45"/>
-                    </dgm:adjLst>
-                  </dgm:shape>
-                  <dgm:presOf axis="ch" ptType="sibTrans" cnt="1"/>
-                  <dgm:constrLst>
-                    <dgm:constr type="lMarg" refType="primFontSz" fact="0.1"/>
-                    <dgm:constr type="rMarg" refType="primFontSz" fact="0.1"/>
-                    <dgm:constr type="tMarg" refType="primFontSz" fact="0.1"/>
-                    <dgm:constr type="bMarg" refType="primFontSz" fact="0.1"/>
-                  </dgm:constrLst>
-                  <dgm:ruleLst>
-                    <dgm:rule type="primFontSz" val="5" fact="NaN" max="NaN"/>
-                  </dgm:ruleLst>
-                </dgm:layoutNode>
-                <dgm:layoutNode name="ThreeConn_2-3" styleLbl="fgAccFollowNode1">
-                  <dgm:varLst>
-                    <dgm:bulletEnabled val="1"/>
-                  </dgm:varLst>
-                  <dgm:alg type="tx"/>
-                  <dgm:shape xmlns:r="http://schemas.openxmlformats.org/officeDocument/2006/relationships" type="downArrow" r:blip="">
-                    <dgm:adjLst>
-                      <dgm:adj idx="1" val="0.55"/>
-                      <dgm:adj idx="2" val="0.45"/>
-                    </dgm:adjLst>
-                  </dgm:shape>
-                  <dgm:presOf axis="ch" ptType="sibTrans" st="2" cnt="1"/>
-                  <dgm:constrLst>
-                    <dgm:constr type="lMarg" refType="primFontSz" fact="0.1"/>
-                    <dgm:constr type="rMarg" refType="primFontSz" fact="0.1"/>
-                    <dgm:constr type="tMarg" refType="primFontSz" fact="0.1"/>
-                    <dgm:constr type="bMarg" refType="primFontSz" fact="0.1"/>
-                  </dgm:constrLst>
-                  <dgm:ruleLst>
-                    <dgm:rule type="primFontSz" val="5" fact="NaN" max="NaN"/>
-                  </dgm:ruleLst>
-                </dgm:layoutNode>
-                <dgm:layoutNode name="ThreeNodes_1_text">
-                  <dgm:varLst>
-                    <dgm:bulletEnabled val="1"/>
-                  </dgm:varLst>
-                  <dgm:alg type="tx">
-                    <dgm:param type="parTxLTRAlign" val="l"/>
-                    <dgm:param type="txAnchorVertCh" val="mid"/>
-                  </dgm:alg>
-                  <dgm:shape xmlns:r="http://schemas.openxmlformats.org/officeDocument/2006/relationships" type="roundRect" r:blip="" hideGeom="1">
-                    <dgm:adjLst>
-                      <dgm:adj idx="1" val="0.1"/>
-                    </dgm:adjLst>
-                  </dgm:shape>
-                  <dgm:presOf axis="ch desOrSelf" ptType="node node" st="1 1" cnt="1 0"/>
-                  <dgm:constrLst>
-                    <dgm:constr type="lMarg" refType="primFontSz" fact="0.3"/>
-                    <dgm:constr type="rMarg" refType="primFontSz" fact="0.3"/>
-                    <dgm:constr type="tMarg" refType="primFontSz" fact="0.3"/>
-                    <dgm:constr type="bMarg" refType="primFontSz" fact="0.3"/>
-                  </dgm:constrLst>
-                  <dgm:ruleLst>
-                    <dgm:rule type="primFontSz" val="5" fact="NaN" max="NaN"/>
-                  </dgm:ruleLst>
-                </dgm:layoutNode>
-                <dgm:layoutNode name="ThreeNodes_2_text">
-                  <dgm:varLst>
-                    <dgm:bulletEnabled val="1"/>
-                  </dgm:varLst>
-                  <dgm:alg type="tx">
-                    <dgm:param type="parTxLTRAlign" val="l"/>
-                    <dgm:param type="txAnchorVertCh" val="mid"/>
-                  </dgm:alg>
-                  <dgm:shape xmlns:r="http://schemas.openxmlformats.org/officeDocument/2006/relationships" type="roundRect" r:blip="" hideGeom="1">
-                    <dgm:adjLst>
-                      <dgm:adj idx="1" val="0.1"/>
-                    </dgm:adjLst>
-                  </dgm:shape>
-                  <dgm:presOf axis="ch desOrSelf" ptType="node node" st="2 1" cnt="1 0"/>
-                  <dgm:constrLst>
-                    <dgm:constr type="lMarg" refType="primFontSz" fact="0.3"/>
-                    <dgm:constr type="rMarg" refType="primFontSz" fact="0.3"/>
-                    <dgm:constr type="tMarg" refType="primFontSz" fact="0.3"/>
-                    <dgm:constr type="bMarg" refType="primFontSz" fact="0.3"/>
-                  </dgm:constrLst>
-                  <dgm:ruleLst>
-                    <dgm:rule type="primFontSz" val="5" fact="NaN" max="NaN"/>
-                  </dgm:ruleLst>
-                </dgm:layoutNode>
-                <dgm:layoutNode name="ThreeNodes_3_text">
-                  <dgm:varLst>
-                    <dgm:bulletEnabled val="1"/>
-                  </dgm:varLst>
-                  <dgm:alg type="tx">
-                    <dgm:param type="parTxLTRAlign" val="l"/>
-                    <dgm:param type="txAnchorVertCh" val="mid"/>
-                  </dgm:alg>
-                  <dgm:shape xmlns:r="http://schemas.openxmlformats.org/officeDocument/2006/relationships" type="roundRect" r:blip="" hideGeom="1">
-                    <dgm:adjLst>
-                      <dgm:adj idx="1" val="0.1"/>
-                    </dgm:adjLst>
-                  </dgm:shape>
-                  <dgm:presOf axis="ch desOrSelf" ptType="node node" st="3 1" cnt="1 0"/>
-                  <dgm:constrLst>
-                    <dgm:constr type="lMarg" refType="primFontSz" fact="0.3"/>
-                    <dgm:constr type="rMarg" refType="primFontSz" fact="0.3"/>
-                    <dgm:constr type="tMarg" refType="primFontSz" fact="0.3"/>
-                    <dgm:constr type="bMarg" refType="primFontSz" fact="0.3"/>
-                  </dgm:constrLst>
-                  <dgm:ruleLst>
-                    <dgm:rule type="primFontSz" val="5" fact="NaN" max="NaN"/>
-                  </dgm:ruleLst>
-                </dgm:layoutNode>
-              </dgm:if>
-              <dgm:else name="Name11">
-                <dgm:choose name="Name12">
-                  <dgm:if name="Name13" axis="ch" ptType="node" func="cnt" op="equ" val="4">
-                    <dgm:layoutNode name="FourNodes_1">
-                      <dgm:varLst>
-                        <dgm:bulletEnabled val="1"/>
-                      </dgm:varLst>
-                      <dgm:alg type="sp"/>
-                      <dgm:shape xmlns:r="http://schemas.openxmlformats.org/officeDocument/2006/relationships" type="roundRect" r:blip="">
-                        <dgm:adjLst>
-                          <dgm:adj idx="1" val="0.1"/>
-                        </dgm:adjLst>
-                      </dgm:shape>
-                      <dgm:presOf axis="ch desOrSelf" ptType="node node" st="1 1" cnt="1 0"/>
-                      <dgm:constrLst/>
-                      <dgm:ruleLst/>
-                    </dgm:layoutNode>
-                    <dgm:layoutNode name="FourNodes_2">
-                      <dgm:varLst>
-                        <dgm:bulletEnabled val="1"/>
-                      </dgm:varLst>
-                      <dgm:alg type="sp"/>
-                      <dgm:shape xmlns:r="http://schemas.openxmlformats.org/officeDocument/2006/relationships" type="roundRect" r:blip="">
-                        <dgm:adjLst>
-                          <dgm:adj idx="1" val="0.1"/>
-                        </dgm:adjLst>
-                      </dgm:shape>
-                      <dgm:presOf axis="ch desOrSelf" ptType="node node" st="2 1" cnt="1 0"/>
-                      <dgm:constrLst/>
-                      <dgm:ruleLst/>
-                    </dgm:layoutNode>
-                    <dgm:layoutNode name="FourNodes_3">
-                      <dgm:varLst>
-                        <dgm:bulletEnabled val="1"/>
-                      </dgm:varLst>
-                      <dgm:alg type="sp"/>
-                      <dgm:shape xmlns:r="http://schemas.openxmlformats.org/officeDocument/2006/relationships" type="roundRect" r:blip="">
-                        <dgm:adjLst>
-                          <dgm:adj idx="1" val="0.1"/>
-                        </dgm:adjLst>
-                      </dgm:shape>
-                      <dgm:presOf axis="ch desOrSelf" ptType="node node" st="3 1" cnt="1 0"/>
-                      <dgm:constrLst/>
-                      <dgm:ruleLst/>
-                    </dgm:layoutNode>
-                    <dgm:layoutNode name="FourNodes_4">
-                      <dgm:varLst>
-                        <dgm:bulletEnabled val="1"/>
-                      </dgm:varLst>
-                      <dgm:alg type="sp"/>
-                      <dgm:shape xmlns:r="http://schemas.openxmlformats.org/officeDocument/2006/relationships" type="roundRect" r:blip="">
-                        <dgm:adjLst>
-                          <dgm:adj idx="1" val="0.1"/>
-                        </dgm:adjLst>
-                      </dgm:shape>
-                      <dgm:presOf axis="ch desOrSelf" ptType="node node" st="4 1" cnt="1 0"/>
-                      <dgm:constrLst/>
-                      <dgm:ruleLst/>
-                    </dgm:layoutNode>
-                    <dgm:layoutNode name="FourConn_1-2" styleLbl="fgAccFollowNode1">
-                      <dgm:varLst>
-                        <dgm:bulletEnabled val="1"/>
-                      </dgm:varLst>
-                      <dgm:alg type="tx"/>
-                      <dgm:shape xmlns:r="http://schemas.openxmlformats.org/officeDocument/2006/relationships" type="downArrow" r:blip="">
-                        <dgm:adjLst>
-                          <dgm:adj idx="1" val="0.55"/>
-                          <dgm:adj idx="2" val="0.45"/>
-                        </dgm:adjLst>
-                      </dgm:shape>
-                      <dgm:presOf axis="ch" ptType="sibTrans" cnt="1"/>
-                      <dgm:constrLst>
-                        <dgm:constr type="lMarg" refType="primFontSz" fact="0.1"/>
-                        <dgm:constr type="rMarg" refType="primFontSz" fact="0.1"/>
-                        <dgm:constr type="tMarg" refType="primFontSz" fact="0.1"/>
-                        <dgm:constr type="bMarg" refType="primFontSz" fact="0.1"/>
-                      </dgm:constrLst>
-                      <dgm:ruleLst>
-                        <dgm:rule type="primFontSz" val="5" fact="NaN" max="NaN"/>
-                      </dgm:ruleLst>
-                    </dgm:layoutNode>
-                    <dgm:layoutNode name="FourConn_2-3" styleLbl="fgAccFollowNode1">
-                      <dgm:varLst>
-                        <dgm:bulletEnabled val="1"/>
-                      </dgm:varLst>
-                      <dgm:alg type="tx"/>
-                      <dgm:shape xmlns:r="http://schemas.openxmlformats.org/officeDocument/2006/relationships" type="downArrow" r:blip="">
-                        <dgm:adjLst>
-                          <dgm:adj idx="1" val="0.55"/>
-                          <dgm:adj idx="2" val="0.45"/>
-                        </dgm:adjLst>
-                      </dgm:shape>
-                      <dgm:presOf axis="ch" ptType="sibTrans" st="2" cnt="1"/>
-                      <dgm:constrLst>
-                        <dgm:constr type="lMarg" refType="primFontSz" fact="0.1"/>
-                        <dgm:constr type="rMarg" refType="primFontSz" fact="0.1"/>
-                        <dgm:constr type="tMarg" refType="primFontSz" fact="0.1"/>
-                        <dgm:constr type="bMarg" refType="primFontSz" fact="0.1"/>
-                      </dgm:constrLst>
-                      <dgm:ruleLst>
-                        <dgm:rule type="primFontSz" val="5" fact="NaN" max="NaN"/>
-                      </dgm:ruleLst>
-                    </dgm:layoutNode>
-                    <dgm:layoutNode name="FourConn_3-4" styleLbl="fgAccFollowNode1">
-                      <dgm:varLst>
-                        <dgm:bulletEnabled val="1"/>
-                      </dgm:varLst>
-                      <dgm:alg type="tx"/>
-                      <dgm:shape xmlns:r="http://schemas.openxmlformats.org/officeDocument/2006/relationships" type="downArrow" r:blip="">
-                        <dgm:adjLst>
-                          <dgm:adj idx="1" val="0.55"/>
-                          <dgm:adj idx="2" val="0.45"/>
-                        </dgm:adjLst>
-                      </dgm:shape>
-                      <dgm:presOf axis="ch" ptType="sibTrans" st="3" cnt="1"/>
-                      <dgm:constrLst>
-                        <dgm:constr type="lMarg" refType="primFontSz" fact="0.1"/>
-                        <dgm:constr type="rMarg" refType="primFontSz" fact="0.1"/>
-                        <dgm:constr type="tMarg" refType="primFontSz" fact="0.1"/>
-                        <dgm:constr type="bMarg" refType="primFontSz" fact="0.1"/>
-                      </dgm:constrLst>
-                      <dgm:ruleLst>
-                        <dgm:rule type="primFontSz" val="5" fact="NaN" max="NaN"/>
-                      </dgm:ruleLst>
-                    </dgm:layoutNode>
-                    <dgm:layoutNode name="FourNodes_1_text">
-                      <dgm:varLst>
-                        <dgm:bulletEnabled val="1"/>
-                      </dgm:varLst>
-                      <dgm:alg type="tx">
-                        <dgm:param type="parTxLTRAlign" val="l"/>
-                        <dgm:param type="txAnchorVertCh" val="mid"/>
-                      </dgm:alg>
-                      <dgm:shape xmlns:r="http://schemas.openxmlformats.org/officeDocument/2006/relationships" type="roundRect" r:blip="" hideGeom="1">
-                        <dgm:adjLst>
-                          <dgm:adj idx="1" val="0.1"/>
-                        </dgm:adjLst>
-                      </dgm:shape>
-                      <dgm:presOf axis="ch desOrSelf" ptType="node node" st="1 1" cnt="1 0"/>
-                      <dgm:constrLst>
-                        <dgm:constr type="lMarg" refType="primFontSz" fact="0.3"/>
-                        <dgm:constr type="rMarg" refType="primFontSz" fact="0.3"/>
-                        <dgm:constr type="tMarg" refType="primFontSz" fact="0.3"/>
-                        <dgm:constr type="bMarg" refType="primFontSz" fact="0.3"/>
-                      </dgm:constrLst>
-                      <dgm:ruleLst>
-                        <dgm:rule type="primFontSz" val="5" fact="NaN" max="NaN"/>
-                      </dgm:ruleLst>
-                    </dgm:layoutNode>
-                    <dgm:layoutNode name="FourNodes_2_text">
-                      <dgm:varLst>
-                        <dgm:bulletEnabled val="1"/>
-                      </dgm:varLst>
-                      <dgm:alg type="tx">
-                        <dgm:param type="parTxLTRAlign" val="l"/>
-                        <dgm:param type="txAnchorVertCh" val="mid"/>
-                      </dgm:alg>
-                      <dgm:shape xmlns:r="http://schemas.openxmlformats.org/officeDocument/2006/relationships" type="roundRect" r:blip="" hideGeom="1">
-                        <dgm:adjLst>
-                          <dgm:adj idx="1" val="0.1"/>
-                        </dgm:adjLst>
-                      </dgm:shape>
-                      <dgm:presOf axis="ch desOrSelf" ptType="node node" st="2 1" cnt="1 0"/>
-                      <dgm:constrLst>
-                        <dgm:constr type="lMarg" refType="primFontSz" fact="0.3"/>
-                        <dgm:constr type="rMarg" refType="primFontSz" fact="0.3"/>
-                        <dgm:constr type="tMarg" refType="primFontSz" fact="0.3"/>
-                        <dgm:constr type="bMarg" refType="primFontSz" fact="0.3"/>
-                      </dgm:constrLst>
-                      <dgm:ruleLst>
-                        <dgm:rule type="primFontSz" val="5" fact="NaN" max="NaN"/>
-                      </dgm:ruleLst>
-                    </dgm:layoutNode>
-                    <dgm:layoutNode name="FourNodes_3_text">
-                      <dgm:varLst>
-                        <dgm:bulletEnabled val="1"/>
-                      </dgm:varLst>
-                      <dgm:alg type="tx">
-                        <dgm:param type="parTxLTRAlign" val="l"/>
-                        <dgm:param type="txAnchorVertCh" val="mid"/>
-                      </dgm:alg>
-                      <dgm:shape xmlns:r="http://schemas.openxmlformats.org/officeDocument/2006/relationships" type="roundRect" r:blip="" hideGeom="1">
-                        <dgm:adjLst>
-                          <dgm:adj idx="1" val="0.1"/>
-                        </dgm:adjLst>
-                      </dgm:shape>
-                      <dgm:presOf axis="ch desOrSelf" ptType="node node" st="3 1" cnt="1 0"/>
-                      <dgm:constrLst>
-                        <dgm:constr type="lMarg" refType="primFontSz" fact="0.3"/>
-                        <dgm:constr type="rMarg" refType="primFontSz" fact="0.3"/>
-                        <dgm:constr type="tMarg" refType="primFontSz" fact="0.3"/>
-                        <dgm:constr type="bMarg" refType="primFontSz" fact="0.3"/>
-                      </dgm:constrLst>
-                      <dgm:ruleLst>
-                        <dgm:rule type="primFontSz" val="5" fact="NaN" max="NaN"/>
-                      </dgm:ruleLst>
-                    </dgm:layoutNode>
-                    <dgm:layoutNode name="FourNodes_4_text">
-                      <dgm:varLst>
-                        <dgm:bulletEnabled val="1"/>
-                      </dgm:varLst>
-                      <dgm:alg type="tx">
-                        <dgm:param type="parTxLTRAlign" val="l"/>
-                        <dgm:param type="txAnchorVertCh" val="mid"/>
-                      </dgm:alg>
-                      <dgm:shape xmlns:r="http://schemas.openxmlformats.org/officeDocument/2006/relationships" type="roundRect" r:blip="" hideGeom="1">
-                        <dgm:adjLst>
-                          <dgm:adj idx="1" val="0.1"/>
-                        </dgm:adjLst>
-                      </dgm:shape>
-                      <dgm:presOf axis="ch desOrSelf" ptType="node node" st="4 1" cnt="1 0"/>
-                      <dgm:constrLst>
-                        <dgm:constr type="lMarg" refType="primFontSz" fact="0.3"/>
-                        <dgm:constr type="rMarg" refType="primFontSz" fact="0.3"/>
-                        <dgm:constr type="tMarg" refType="primFontSz" fact="0.3"/>
-                        <dgm:constr type="bMarg" refType="primFontSz" fact="0.3"/>
-                      </dgm:constrLst>
-                      <dgm:ruleLst>
-                        <dgm:rule type="primFontSz" val="5" fact="NaN" max="NaN"/>
-                      </dgm:ruleLst>
-                    </dgm:layoutNode>
-                  </dgm:if>
-                  <dgm:else name="Name14">
-                    <dgm:choose name="Name15">
-                      <dgm:if name="Name16" axis="ch" ptType="node" func="cnt" op="gte" val="5">
-                        <dgm:layoutNode name="FiveNodes_1">
-                          <dgm:varLst>
-                            <dgm:bulletEnabled val="1"/>
-                          </dgm:varLst>
-                          <dgm:alg type="sp"/>
-                          <dgm:shape xmlns:r="http://schemas.openxmlformats.org/officeDocument/2006/relationships" type="roundRect" r:blip="">
-                            <dgm:adjLst>
-                              <dgm:adj idx="1" val="0.1"/>
-                            </dgm:adjLst>
-                          </dgm:shape>
-                          <dgm:presOf axis="ch desOrSelf" ptType="node node" st="1 1" cnt="1 0"/>
-                          <dgm:constrLst/>
-                          <dgm:ruleLst/>
-                        </dgm:layoutNode>
-                        <dgm:layoutNode name="FiveNodes_2">
-                          <dgm:varLst>
-                            <dgm:bulletEnabled val="1"/>
-                          </dgm:varLst>
-                          <dgm:alg type="sp"/>
-                          <dgm:shape xmlns:r="http://schemas.openxmlformats.org/officeDocument/2006/relationships" type="roundRect" r:blip="">
-                            <dgm:adjLst>
-                              <dgm:adj idx="1" val="0.1"/>
-                            </dgm:adjLst>
-                          </dgm:shape>
-                          <dgm:presOf axis="ch desOrSelf" ptType="node node" st="2 1" cnt="1 0"/>
-                          <dgm:constrLst/>
-                          <dgm:ruleLst/>
-                        </dgm:layoutNode>
-                        <dgm:layoutNode name="FiveNodes_3">
-                          <dgm:varLst>
-                            <dgm:bulletEnabled val="1"/>
-                          </dgm:varLst>
-                          <dgm:alg type="sp"/>
-                          <dgm:shape xmlns:r="http://schemas.openxmlformats.org/officeDocument/2006/relationships" type="roundRect" r:blip="">
-                            <dgm:adjLst>
-                              <dgm:adj idx="1" val="0.1"/>
-                            </dgm:adjLst>
-                          </dgm:shape>
-                          <dgm:presOf axis="ch desOrSelf" ptType="node node" st="3 1" cnt="1 0"/>
-                          <dgm:constrLst/>
-                          <dgm:ruleLst/>
-                        </dgm:layoutNode>
-                        <dgm:layoutNode name="FiveNodes_4">
-                          <dgm:varLst>
-                            <dgm:bulletEnabled val="1"/>
-                          </dgm:varLst>
-                          <dgm:alg type="sp"/>
-                          <dgm:shape xmlns:r="http://schemas.openxmlformats.org/officeDocument/2006/relationships" type="roundRect" r:blip="">
-                            <dgm:adjLst>
-                              <dgm:adj idx="1" val="0.1"/>
-                            </dgm:adjLst>
-                          </dgm:shape>
-                          <dgm:presOf axis="ch desOrSelf" ptType="node node" st="4 1" cnt="1 0"/>
-                          <dgm:constrLst/>
-                          <dgm:ruleLst/>
-                        </dgm:layoutNode>
-                        <dgm:layoutNode name="FiveNodes_5">
-                          <dgm:varLst>
-                            <dgm:bulletEnabled val="1"/>
-                          </dgm:varLst>
-                          <dgm:alg type="sp"/>
-                          <dgm:shape xmlns:r="http://schemas.openxmlformats.org/officeDocument/2006/relationships" type="roundRect" r:blip="">
-                            <dgm:adjLst>
-                              <dgm:adj idx="1" val="0.1"/>
-                            </dgm:adjLst>
-                          </dgm:shape>
-                          <dgm:presOf axis="ch desOrSelf" ptType="node node" st="5 1" cnt="1 0"/>
-                          <dgm:constrLst/>
-                          <dgm:ruleLst/>
-                        </dgm:layoutNode>
-                        <dgm:layoutNode name="FiveConn_1-2" styleLbl="fgAccFollowNode1">
-                          <dgm:varLst>
-                            <dgm:bulletEnabled val="1"/>
-                          </dgm:varLst>
-                          <dgm:alg type="tx"/>
-                          <dgm:shape xmlns:r="http://schemas.openxmlformats.org/officeDocument/2006/relationships" type="downArrow" r:blip="">
-                            <dgm:adjLst>
-                              <dgm:adj idx="1" val="0.55"/>
-                              <dgm:adj idx="2" val="0.45"/>
-                            </dgm:adjLst>
-                          </dgm:shape>
-                          <dgm:presOf axis="ch" ptType="sibTrans" cnt="1"/>
-                          <dgm:constrLst>
-                            <dgm:constr type="lMarg" refType="primFontSz" fact="0.1"/>
-                            <dgm:constr type="rMarg" refType="primFontSz" fact="0.1"/>
-                            <dgm:constr type="tMarg" refType="primFontSz" fact="0.1"/>
-                            <dgm:constr type="bMarg" refType="primFontSz" fact="0.1"/>
-                          </dgm:constrLst>
-                          <dgm:ruleLst>
-                            <dgm:rule type="primFontSz" val="5" fact="NaN" max="NaN"/>
-                          </dgm:ruleLst>
-                        </dgm:layoutNode>
-                        <dgm:layoutNode name="FiveConn_2-3" styleLbl="fgAccFollowNode1">
-                          <dgm:varLst>
-                            <dgm:bulletEnabled val="1"/>
-                          </dgm:varLst>
-                          <dgm:alg type="tx"/>
-                          <dgm:shape xmlns:r="http://schemas.openxmlformats.org/officeDocument/2006/relationships" type="downArrow" r:blip="">
-                            <dgm:adjLst>
-                              <dgm:adj idx="1" val="0.55"/>
-                              <dgm:adj idx="2" val="0.45"/>
-                            </dgm:adjLst>
-                          </dgm:shape>
-                          <dgm:presOf axis="ch" ptType="sibTrans" st="2" cnt="1"/>
-                          <dgm:constrLst>
-                            <dgm:constr type="lMarg" refType="primFontSz" fact="0.1"/>
-                            <dgm:constr type="rMarg" refType="primFontSz" fact="0.1"/>
-                            <dgm:constr type="tMarg" refType="primFontSz" fact="0.1"/>
-                            <dgm:constr type="bMarg" refType="primFontSz" fact="0.1"/>
-                          </dgm:constrLst>
-                          <dgm:ruleLst>
-                            <dgm:rule type="primFontSz" val="5" fact="NaN" max="NaN"/>
-                          </dgm:ruleLst>
-                        </dgm:layoutNode>
-                        <dgm:layoutNode name="FiveConn_3-4" styleLbl="fgAccFollowNode1">
-                          <dgm:varLst>
-                            <dgm:bulletEnabled val="1"/>
-                          </dgm:varLst>
-                          <dgm:alg type="tx"/>
-                          <dgm:shape xmlns:r="http://schemas.openxmlformats.org/officeDocument/2006/relationships" type="downArrow" r:blip="">
-                            <dgm:adjLst>
-                              <dgm:adj idx="1" val="0.55"/>
-                              <dgm:adj idx="2" val="0.45"/>
-                            </dgm:adjLst>
-                          </dgm:shape>
-                          <dgm:presOf axis="ch" ptType="sibTrans" st="3" cnt="1"/>
-                          <dgm:constrLst>
-                            <dgm:constr type="lMarg" refType="primFontSz" fact="0.1"/>
-                            <dgm:constr type="rMarg" refType="primFontSz" fact="0.1"/>
-                            <dgm:constr type="tMarg" refType="primFontSz" fact="0.1"/>
-                            <dgm:constr type="bMarg" refType="primFontSz" fact="0.1"/>
-                          </dgm:constrLst>
-                          <dgm:ruleLst>
-                            <dgm:rule type="primFontSz" val="5" fact="NaN" max="NaN"/>
-                          </dgm:ruleLst>
-                        </dgm:layoutNode>
-                        <dgm:layoutNode name="FiveConn_4-5" styleLbl="fgAccFollowNode1">
-                          <dgm:varLst>
-                            <dgm:bulletEnabled val="1"/>
-                          </dgm:varLst>
-                          <dgm:alg type="tx"/>
-                          <dgm:shape xmlns:r="http://schemas.openxmlformats.org/officeDocument/2006/relationships" type="downArrow" r:blip="">
-                            <dgm:adjLst>
-                              <dgm:adj idx="1" val="0.55"/>
-                              <dgm:adj idx="2" val="0.45"/>
-                            </dgm:adjLst>
-                          </dgm:shape>
-                          <dgm:presOf axis="ch" ptType="sibTrans" st="4" cnt="1"/>
-                          <dgm:constrLst>
-                            <dgm:constr type="lMarg" refType="primFontSz" fact="0.1"/>
-                            <dgm:constr type="rMarg" refType="primFontSz" fact="0.1"/>
-                            <dgm:constr type="tMarg" refType="primFontSz" fact="0.1"/>
-                            <dgm:constr type="bMarg" refType="primFontSz" fact="0.1"/>
-                          </dgm:constrLst>
-                          <dgm:ruleLst>
-                            <dgm:rule type="primFontSz" val="5" fact="NaN" max="NaN"/>
-                          </dgm:ruleLst>
-                        </dgm:layoutNode>
-                        <dgm:layoutNode name="FiveNodes_1_text">
-                          <dgm:varLst>
-                            <dgm:bulletEnabled val="1"/>
-                          </dgm:varLst>
-                          <dgm:alg type="tx">
-                            <dgm:param type="parTxLTRAlign" val="l"/>
-                            <dgm:param type="txAnchorVertCh" val="mid"/>
-                          </dgm:alg>
-                          <dgm:shape xmlns:r="http://schemas.openxmlformats.org/officeDocument/2006/relationships" type="roundRect" r:blip="" hideGeom="1">
-                            <dgm:adjLst>
-                              <dgm:adj idx="1" val="0.1"/>
-                            </dgm:adjLst>
-                          </dgm:shape>
-                          <dgm:presOf axis="ch desOrSelf" ptType="node node" st="1 1" cnt="1 0"/>
-                          <dgm:constrLst>
-                            <dgm:constr type="lMarg" refType="primFontSz" fact="0.3"/>
-                            <dgm:constr type="rMarg" refType="primFontSz" fact="0.3"/>
-                            <dgm:constr type="tMarg" refType="primFontSz" fact="0.3"/>
-                            <dgm:constr type="bMarg" refType="primFontSz" fact="0.3"/>
-                          </dgm:constrLst>
-                          <dgm:ruleLst>
-                            <dgm:rule type="primFontSz" val="5" fact="NaN" max="NaN"/>
-                          </dgm:ruleLst>
-                        </dgm:layoutNode>
-                        <dgm:layoutNode name="FiveNodes_2_text">
-                          <dgm:varLst>
-                            <dgm:bulletEnabled val="1"/>
-                          </dgm:varLst>
-                          <dgm:alg type="tx">
-                            <dgm:param type="parTxLTRAlign" val="l"/>
-                            <dgm:param type="txAnchorVertCh" val="mid"/>
-                          </dgm:alg>
-                          <dgm:shape xmlns:r="http://schemas.openxmlformats.org/officeDocument/2006/relationships" type="roundRect" r:blip="" hideGeom="1">
-                            <dgm:adjLst>
-                              <dgm:adj idx="1" val="0.1"/>
-                            </dgm:adjLst>
-                          </dgm:shape>
-                          <dgm:presOf axis="ch desOrSelf" ptType="node node" st="2 1" cnt="1 0"/>
-                          <dgm:constrLst>
-                            <dgm:constr type="lMarg" refType="primFontSz" fact="0.3"/>
-                            <dgm:constr type="rMarg" refType="primFontSz" fact="0.3"/>
-                            <dgm:constr type="tMarg" refType="primFontSz" fact="0.3"/>
-                            <dgm:constr type="bMarg" refType="primFontSz" fact="0.3"/>
-                          </dgm:constrLst>
-                          <dgm:ruleLst>
-                            <dgm:rule type="primFontSz" val="5" fact="NaN" max="NaN"/>
-                          </dgm:ruleLst>
-                        </dgm:layoutNode>
-                        <dgm:layoutNode name="FiveNodes_3_text">
-                          <dgm:varLst>
-                            <dgm:bulletEnabled val="1"/>
-                          </dgm:varLst>
-                          <dgm:alg type="tx">
-                            <dgm:param type="parTxLTRAlign" val="l"/>
-                            <dgm:param type="txAnchorVertCh" val="mid"/>
-                          </dgm:alg>
-                          <dgm:shape xmlns:r="http://schemas.openxmlformats.org/officeDocument/2006/relationships" type="roundRect" r:blip="" hideGeom="1">
-                            <dgm:adjLst>
-                              <dgm:adj idx="1" val="0.1"/>
-                            </dgm:adjLst>
-                          </dgm:shape>
-                          <dgm:presOf axis="ch desOrSelf" ptType="node node" st="3 1" cnt="1 0"/>
-                          <dgm:constrLst>
-                            <dgm:constr type="lMarg" refType="primFontSz" fact="0.3"/>
-                            <dgm:constr type="rMarg" refType="primFontSz" fact="0.3"/>
-                            <dgm:constr type="tMarg" refType="primFontSz" fact="0.3"/>
-                            <dgm:constr type="bMarg" refType="primFontSz" fact="0.3"/>
-                          </dgm:constrLst>
-                          <dgm:ruleLst>
-                            <dgm:rule type="primFontSz" val="5" fact="NaN" max="NaN"/>
-                          </dgm:ruleLst>
-                        </dgm:layoutNode>
-                        <dgm:layoutNode name="FiveNodes_4_text">
-                          <dgm:varLst>
-                            <dgm:bulletEnabled val="1"/>
-                          </dgm:varLst>
-                          <dgm:alg type="tx">
-                            <dgm:param type="parTxLTRAlign" val="l"/>
-                            <dgm:param type="txAnchorVertCh" val="mid"/>
-                          </dgm:alg>
-                          <dgm:shape xmlns:r="http://schemas.openxmlformats.org/officeDocument/2006/relationships" type="roundRect" r:blip="" hideGeom="1">
-                            <dgm:adjLst>
-                              <dgm:adj idx="1" val="0.1"/>
-                            </dgm:adjLst>
-                          </dgm:shape>
-                          <dgm:presOf axis="ch desOrSelf" ptType="node node" st="4 1" cnt="1 0"/>
-                          <dgm:constrLst>
-                            <dgm:constr type="lMarg" refType="primFontSz" fact="0.3"/>
-                            <dgm:constr type="rMarg" refType="primFontSz" fact="0.3"/>
-                            <dgm:constr type="tMarg" refType="primFontSz" fact="0.3"/>
-                            <dgm:constr type="bMarg" refType="primFontSz" fact="0.3"/>
-                          </dgm:constrLst>
-                          <dgm:ruleLst>
-                            <dgm:rule type="primFontSz" val="5" fact="NaN" max="NaN"/>
-                          </dgm:ruleLst>
-                        </dgm:layoutNode>
-                        <dgm:layoutNode name="FiveNodes_5_text">
-                          <dgm:varLst>
-                            <dgm:bulletEnabled val="1"/>
-                          </dgm:varLst>
-                          <dgm:alg type="tx">
-                            <dgm:param type="parTxLTRAlign" val="l"/>
-                            <dgm:param type="txAnchorVertCh" val="mid"/>
-                          </dgm:alg>
-                          <dgm:shape xmlns:r="http://schemas.openxmlformats.org/officeDocument/2006/relationships" type="roundRect" r:blip="" hideGeom="1">
-                            <dgm:adjLst>
-                              <dgm:adj idx="1" val="0.1"/>
-                            </dgm:adjLst>
-                          </dgm:shape>
-                          <dgm:presOf axis="ch desOrSelf" ptType="node node" st="5 1" cnt="1 0"/>
-                          <dgm:constrLst>
-                            <dgm:constr type="lMarg" refType="primFontSz" fact="0.3"/>
-                            <dgm:constr type="rMarg" refType="primFontSz" fact="0.3"/>
-                            <dgm:constr type="tMarg" refType="primFontSz" fact="0.3"/>
-                            <dgm:constr type="bMarg" refType="primFontSz" fact="0.3"/>
-                          </dgm:constrLst>
-                          <dgm:ruleLst>
-                            <dgm:rule type="primFontSz" val="5" fact="NaN" max="NaN"/>
-                          </dgm:ruleLst>
-                        </dgm:layoutNode>
-                      </dgm:if>
-                      <dgm:else name="Name17"/>
-                    </dgm:choose>
-                  </dgm:else>
-                </dgm:choose>
-              </dgm:else>
-            </dgm:choose>
-          </dgm:else>
-        </dgm:choose>
-      </dgm:else>
-    </dgm:choose>
-  </dgm:layoutNode>
-</dgm:layoutDef>
-</file>
-
-<file path=ppt/diagrams/quickStyle1.xml><?xml version="1.0" encoding="utf-8"?>
-<dgm:styleDef xmlns:dgm="http://schemas.openxmlformats.org/drawingml/2006/diagram" xmlns:a="http://schemas.openxmlformats.org/drawingml/2006/main" uniqueId="urn:microsoft.com/office/officeart/2005/8/quickstyle/simple4">
-  <dgm:title val=""/>
-  <dgm:desc val=""/>
-  <dgm:catLst>
-    <dgm:cat type="simple" pri="10400"/>
-  </dgm:catLst>
-  <dgm:scene3d>
-    <a:camera prst="orthographicFront"/>
-    <a:lightRig rig="threePt" dir="t"/>
-  </dgm:scene3d>
-  <dgm:styleLbl name="node0">
-    <dgm:scene3d>
-      <a:camera prst="orthographicFront"/>
-      <a:lightRig rig="threePt" dir="t"/>
-    </dgm:scene3d>
-    <dgm:sp3d/>
-    <dgm:txPr/>
-    <dgm:style>
-      <a:lnRef idx="0">
-        <a:scrgbClr r="0" g="0" b="0"/>
-      </a:lnRef>
-      <a:fillRef idx="3">
-        <a:scrgbClr r="0" g="0" b="0"/>
-      </a:fillRef>
-      <a:effectRef idx="2">
-        <a:scrgbClr r="0" g="0" b="0"/>
-      </a:effectRef>
-      <a:fontRef idx="minor">
-        <a:schemeClr val="lt1"/>
-      </a:fontRef>
-    </dgm:style>
-  </dgm:styleLbl>
-  <dgm:styleLbl name="lnNode1">
-    <dgm:scene3d>
-      <a:camera prst="orthographicFront"/>
-      <a:lightRig rig="threePt" dir="t"/>
-    </dgm:scene3d>
-    <dgm:sp3d/>
-    <dgm:txPr/>
-    <dgm:style>
-      <a:lnRef idx="1">
-        <a:scrgbClr r="0" g="0" b="0"/>
-      </a:lnRef>
-      <a:fillRef idx="3">
-        <a:scrgbClr r="0" g="0" b="0"/>
-      </a:fillRef>
-      <a:effectRef idx="2">
-        <a:scrgbClr r="0" g="0" b="0"/>
-      </a:effectRef>
-      <a:fontRef idx="minor">
-        <a:schemeClr val="lt1"/>
-      </a:fontRef>
-    </dgm:style>
-  </dgm:styleLbl>
-  <dgm:styleLbl name="vennNode1">
-    <dgm:scene3d>
-      <a:camera prst="orthographicFront"/>
-      <a:lightRig rig="threePt" dir="t"/>
-    </dgm:scene3d>
-    <dgm:sp3d/>
-    <dgm:txPr/>
-    <dgm:style>
-      <a:lnRef idx="0">
-        <a:scrgbClr r="0" g="0" b="0"/>
-      </a:lnRef>
-      <a:fillRef idx="3">
-        <a:scrgbClr r="0" g="0" b="0"/>
-      </a:fillRef>
-      <a:effectRef idx="0">
-        <a:scrgbClr r="0" g="0" b="0"/>
-      </a:effectRef>
-      <a:fontRef idx="minor">
-        <a:schemeClr val="tx1"/>
-      </a:fontRef>
-    </dgm:style>
-  </dgm:styleLbl>
-  <dgm:styleLbl name="alignNode1">
-    <dgm:scene3d>
-      <a:camera prst="orthographicFront"/>
-      <a:lightRig rig="threePt" dir="t"/>
-    </dgm:scene3d>
-    <dgm:sp3d/>
-    <dgm:txPr/>
-    <dgm:style>
-      <a:lnRef idx="1">
-        <a:scrgbClr r="0" g="0" b="0"/>
-      </a:lnRef>
-      <a:fillRef idx="3">
-        <a:scrgbClr r="0" g="0" b="0"/>
-      </a:fillRef>
-      <a:effectRef idx="2">
-        <a:scrgbClr r="0" g="0" b="0"/>
-      </a:effectRef>
-      <a:fontRef idx="minor">
-        <a:schemeClr val="lt1"/>
-      </a:fontRef>
-    </dgm:style>
-  </dgm:styleLbl>
-  <dgm:styleLbl name="node1">
-    <dgm:scene3d>
-      <a:camera prst="orthographicFront"/>
-      <a:lightRig rig="threePt" dir="t"/>
-    </dgm:scene3d>
-    <dgm:sp3d/>
-    <dgm:txPr/>
-    <dgm:style>
-      <a:lnRef idx="0">
-        <a:scrgbClr r="0" g="0" b="0"/>
-      </a:lnRef>
-      <a:fillRef idx="3">
-        <a:scrgbClr r="0" g="0" b="0"/>
-      </a:fillRef>
-      <a:effectRef idx="2">
-        <a:scrgbClr r="0" g="0" b="0"/>
-      </a:effectRef>
-      <a:fontRef idx="minor">
-        <a:schemeClr val="lt1"/>
-      </a:fontRef>
-    </dgm:style>
-  </dgm:styleLbl>
-  <dgm:styleLbl name="node2">
-    <dgm:scene3d>
-      <a:camera prst="orthographicFront"/>
-      <a:lightRig rig="threePt" dir="t"/>
-    </dgm:scene3d>
-    <dgm:sp3d/>
-    <dgm:txPr/>
-    <dgm:style>
-      <a:lnRef idx="0">
-        <a:scrgbClr r="0" g="0" b="0"/>
-      </a:lnRef>
-      <a:fillRef idx="3">
-        <a:scrgbClr r="0" g="0" b="0"/>
-      </a:fillRef>
-      <a:effectRef idx="2">
-        <a:scrgbClr r="0" g="0" b="0"/>
-      </a:effectRef>
-      <a:fontRef idx="minor">
-        <a:schemeClr val="lt1"/>
-      </a:fontRef>
-    </dgm:style>
-  </dgm:styleLbl>
-  <dgm:styleLbl name="node3">
-    <dgm:scene3d>
-      <a:camera prst="orthographicFront"/>
-      <a:lightRig rig="threePt" dir="t"/>
-    </dgm:scene3d>
-    <dgm:sp3d/>
-    <dgm:txPr/>
-    <dgm:style>
-      <a:lnRef idx="0">
-        <a:scrgbClr r="0" g="0" b="0"/>
-      </a:lnRef>
-      <a:fillRef idx="3">
-        <a:scrgbClr r="0" g="0" b="0"/>
-      </a:fillRef>
-      <a:effectRef idx="2">
-        <a:scrgbClr r="0" g="0" b="0"/>
-      </a:effectRef>
-      <a:fontRef idx="minor">
-        <a:schemeClr val="lt1"/>
-      </a:fontRef>
-    </dgm:style>
-  </dgm:styleLbl>
-  <dgm:styleLbl name="node4">
-    <dgm:scene3d>
-      <a:camera prst="orthographicFront"/>
-      <a:lightRig rig="threePt" dir="t"/>
-    </dgm:scene3d>
-    <dgm:sp3d/>
-    <dgm:txPr/>
-    <dgm:style>
-      <a:lnRef idx="0">
-        <a:scrgbClr r="0" g="0" b="0"/>
-      </a:lnRef>
-      <a:fillRef idx="3">
-        <a:scrgbClr r="0" g="0" b="0"/>
-      </a:fillRef>
-      <a:effectRef idx="2">
-        <a:scrgbClr r="0" g="0" b="0"/>
-      </a:effectRef>
-      <a:fontRef idx="minor">
-        <a:schemeClr val="lt1"/>
-      </a:fontRef>
-    </dgm:style>
-  </dgm:styleLbl>
-  <dgm:styleLbl name="fgImgPlace1">
-    <dgm:scene3d>
-      <a:camera prst="orthographicFront"/>
-      <a:lightRig rig="threePt" dir="t"/>
-    </dgm:scene3d>
-    <dgm:sp3d/>
-    <dgm:txPr/>
-    <dgm:style>
-      <a:lnRef idx="0">
-        <a:scrgbClr r="0" g="0" b="0"/>
-      </a:lnRef>
-      <a:fillRef idx="1">
-        <a:scrgbClr r="0" g="0" b="0"/>
-      </a:fillRef>
-      <a:effectRef idx="2">
-        <a:scrgbClr r="0" g="0" b="0"/>
-      </a:effectRef>
-      <a:fontRef idx="minor"/>
-    </dgm:style>
-  </dgm:styleLbl>
-  <dgm:styleLbl name="alignImgPlace1">
-    <dgm:scene3d>
-      <a:camera prst="orthographicFront"/>
-      <a:lightRig rig="threePt" dir="t"/>
-    </dgm:scene3d>
-    <dgm:sp3d/>
-    <dgm:txPr/>
-    <dgm:style>
-      <a:lnRef idx="0">
-        <a:scrgbClr r="0" g="0" b="0"/>
-      </a:lnRef>
-      <a:fillRef idx="1">
-        <a:scrgbClr r="0" g="0" b="0"/>
-      </a:fillRef>
-      <a:effectRef idx="2">
-        <a:scrgbClr r="0" g="0" b="0"/>
-      </a:effectRef>
-      <a:fontRef idx="minor"/>
-    </dgm:style>
-  </dgm:styleLbl>
-  <dgm:styleLbl name="bgImgPlace1">
-    <dgm:scene3d>
-      <a:camera prst="orthographicFront"/>
-      <a:lightRig rig="threePt" dir="t"/>
-    </dgm:scene3d>
-    <dgm:sp3d/>
-    <dgm:txPr/>
-    <dgm:style>
-      <a:lnRef idx="0">
-        <a:scrgbClr r="0" g="0" b="0"/>
-      </a:lnRef>
-      <a:fillRef idx="1">
-        <a:scrgbClr r="0" g="0" b="0"/>
-      </a:fillRef>
-      <a:effectRef idx="2">
-        <a:scrgbClr r="0" g="0" b="0"/>
-      </a:effectRef>
-      <a:fontRef idx="minor"/>
-    </dgm:style>
-  </dgm:styleLbl>
-  <dgm:styleLbl name="sibTrans2D1">
-    <dgm:scene3d>
-      <a:camera prst="orthographicFront"/>
-      <a:lightRig rig="threePt" dir="t"/>
-    </dgm:scene3d>
-    <dgm:sp3d/>
-    <dgm:txPr/>
-    <dgm:style>
-      <a:lnRef idx="0">
-        <a:scrgbClr r="0" g="0" b="0"/>
-      </a:lnRef>
-      <a:fillRef idx="3">
-        <a:scrgbClr r="0" g="0" b="0"/>
-      </a:fillRef>
-      <a:effectRef idx="2">
-        <a:scrgbClr r="0" g="0" b="0"/>
-      </a:effectRef>
-      <a:fontRef idx="minor">
-        <a:schemeClr val="lt1"/>
-      </a:fontRef>
-    </dgm:style>
-  </dgm:styleLbl>
-  <dgm:styleLbl name="fgSibTrans2D1">
-    <dgm:scene3d>
-      <a:camera prst="orthographicFront"/>
-      <a:lightRig rig="threePt" dir="t"/>
-    </dgm:scene3d>
-    <dgm:sp3d/>
-    <dgm:txPr/>
-    <dgm:style>
-      <a:lnRef idx="0">
-        <a:scrgbClr r="0" g="0" b="0"/>
-      </a:lnRef>
-      <a:fillRef idx="3">
-        <a:scrgbClr r="0" g="0" b="0"/>
-      </a:fillRef>
-      <a:effectRef idx="2">
-        <a:scrgbClr r="0" g="0" b="0"/>
-      </a:effectRef>
-      <a:fontRef idx="minor">
-        <a:schemeClr val="lt1"/>
-      </a:fontRef>
-    </dgm:style>
-  </dgm:styleLbl>
-  <dgm:styleLbl name="bgSibTrans2D1">
-    <dgm:scene3d>
-      <a:camera prst="orthographicFront"/>
-      <a:lightRig rig="threePt" dir="t"/>
-    </dgm:scene3d>
-    <dgm:sp3d/>
-    <dgm:txPr/>
-    <dgm:style>
-      <a:lnRef idx="0">
-        <a:scrgbClr r="0" g="0" b="0"/>
-      </a:lnRef>
-      <a:fillRef idx="3">
-        <a:scrgbClr r="0" g="0" b="0"/>
-      </a:fillRef>
-      <a:effectRef idx="2">
-        <a:scrgbClr r="0" g="0" b="0"/>
-      </a:effectRef>
-      <a:fontRef idx="minor">
-        <a:schemeClr val="lt1"/>
-      </a:fontRef>
-    </dgm:style>
-  </dgm:styleLbl>
-  <dgm:styleLbl name="sibTrans1D1">
-    <dgm:scene3d>
-      <a:camera prst="orthographicFront"/>
-      <a:lightRig rig="threePt" dir="t"/>
-    </dgm:scene3d>
-    <dgm:sp3d/>
-    <dgm:txPr/>
-    <dgm:style>
-      <a:lnRef idx="1">
-        <a:scrgbClr r="0" g="0" b="0"/>
-      </a:lnRef>
-      <a:fillRef idx="0">
-        <a:scrgbClr r="0" g="0" b="0"/>
-      </a:fillRef>
-      <a:effectRef idx="0">
-        <a:scrgbClr r="0" g="0" b="0"/>
-      </a:effectRef>
-      <a:fontRef idx="minor"/>
-    </dgm:style>
-  </dgm:styleLbl>
-  <dgm:styleLbl name="callout">
-    <dgm:scene3d>
-      <a:camera prst="orthographicFront"/>
-      <a:lightRig rig="threePt" dir="t"/>
-    </dgm:scene3d>
-    <dgm:sp3d/>
-    <dgm:txPr/>
-    <dgm:style>
-      <a:lnRef idx="2">
-        <a:scrgbClr r="0" g="0" b="0"/>
-      </a:lnRef>
-      <a:fillRef idx="1">
-        <a:scrgbClr r="0" g="0" b="0"/>
-      </a:fillRef>
-      <a:effectRef idx="1">
-        <a:scrgbClr r="0" g="0" b="0"/>
-      </a:effectRef>
-      <a:fontRef idx="minor"/>
-    </dgm:style>
-  </dgm:styleLbl>
-  <dgm:styleLbl name="asst0">
-    <dgm:scene3d>
-      <a:camera prst="orthographicFront"/>
-      <a:lightRig rig="threePt" dir="t"/>
-    </dgm:scene3d>
-    <dgm:sp3d/>
-    <dgm:txPr/>
-    <dgm:style>
-      <a:lnRef idx="0">
-        <a:scrgbClr r="0" g="0" b="0"/>
-      </a:lnRef>
-      <a:fillRef idx="3">
-        <a:scrgbClr r="0" g="0" b="0"/>
-      </a:fillRef>
-      <a:effectRef idx="2">
-        <a:scrgbClr r="0" g="0" b="0"/>
-      </a:effectRef>
-      <a:fontRef idx="minor">
-        <a:schemeClr val="lt1"/>
-      </a:fontRef>
-    </dgm:style>
-  </dgm:styleLbl>
-  <dgm:styleLbl name="asst1">
-    <dgm:scene3d>
-      <a:camera prst="orthographicFront"/>
-      <a:lightRig rig="threePt" dir="t"/>
-    </dgm:scene3d>
-    <dgm:sp3d/>
-    <dgm:txPr/>
-    <dgm:style>
-      <a:lnRef idx="0">
-        <a:scrgbClr r="0" g="0" b="0"/>
-      </a:lnRef>
-      <a:fillRef idx="3">
-        <a:scrgbClr r="0" g="0" b="0"/>
-      </a:fillRef>
-      <a:effectRef idx="2">
-        <a:scrgbClr r="0" g="0" b="0"/>
-      </a:effectRef>
-      <a:fontRef idx="minor">
-        <a:schemeClr val="lt1"/>
-      </a:fontRef>
-    </dgm:style>
-  </dgm:styleLbl>
-  <dgm:styleLbl name="asst2">
-    <dgm:scene3d>
-      <a:camera prst="orthographicFront"/>
-      <a:lightRig rig="threePt" dir="t"/>
-    </dgm:scene3d>
-    <dgm:sp3d/>
-    <dgm:txPr/>
-    <dgm:style>
-      <a:lnRef idx="0">
-        <a:scrgbClr r="0" g="0" b="0"/>
-      </a:lnRef>
-      <a:fillRef idx="3">
-        <a:scrgbClr r="0" g="0" b="0"/>
-      </a:fillRef>
-      <a:effectRef idx="2">
-        <a:scrgbClr r="0" g="0" b="0"/>
-      </a:effectRef>
-      <a:fontRef idx="minor">
-        <a:schemeClr val="lt1"/>
-      </a:fontRef>
-    </dgm:style>
-  </dgm:styleLbl>
-  <dgm:styleLbl name="asst3">
-    <dgm:scene3d>
-      <a:camera prst="orthographicFront"/>
-      <a:lightRig rig="threePt" dir="t"/>
-    </dgm:scene3d>
-    <dgm:sp3d/>
-    <dgm:txPr/>
-    <dgm:style>
-      <a:lnRef idx="0">
-        <a:scrgbClr r="0" g="0" b="0"/>
-      </a:lnRef>
-      <a:fillRef idx="3">
-        <a:scrgbClr r="0" g="0" b="0"/>
-      </a:fillRef>
-      <a:effectRef idx="2">
-        <a:scrgbClr r="0" g="0" b="0"/>
-      </a:effectRef>
-      <a:fontRef idx="minor">
-        <a:schemeClr val="lt1"/>
-      </a:fontRef>
-    </dgm:style>
-  </dgm:styleLbl>
-  <dgm:styleLbl name="asst4">
-    <dgm:scene3d>
-      <a:camera prst="orthographicFront"/>
-      <a:lightRig rig="threePt" dir="t"/>
-    </dgm:scene3d>
-    <dgm:sp3d/>
-    <dgm:txPr/>
-    <dgm:style>
-      <a:lnRef idx="0">
-        <a:scrgbClr r="0" g="0" b="0"/>
-      </a:lnRef>
-      <a:fillRef idx="3">
-        <a:scrgbClr r="0" g="0" b="0"/>
-      </a:fillRef>
-      <a:effectRef idx="2">
-        <a:scrgbClr r="0" g="0" b="0"/>
-      </a:effectRef>
-      <a:fontRef idx="minor">
-        <a:schemeClr val="lt1"/>
-      </a:fontRef>
-    </dgm:style>
-  </dgm:styleLbl>
-  <dgm:styleLbl name="parChTrans2D1">
-    <dgm:scene3d>
-      <a:camera prst="orthographicFront"/>
-      <a:lightRig rig="threePt" dir="t"/>
-    </dgm:scene3d>
-    <dgm:sp3d/>
-    <dgm:txPr/>
-    <dgm:style>
-      <a:lnRef idx="0">
-        <a:scrgbClr r="0" g="0" b="0"/>
-      </a:lnRef>
-      <a:fillRef idx="3">
-        <a:scrgbClr r="0" g="0" b="0"/>
-      </a:fillRef>
-      <a:effectRef idx="2">
-        <a:scrgbClr r="0" g="0" b="0"/>
-      </a:effectRef>
-      <a:fontRef idx="minor">
-        <a:schemeClr val="lt1"/>
-      </a:fontRef>
-    </dgm:style>
-  </dgm:styleLbl>
-  <dgm:styleLbl name="parChTrans2D2">
-    <dgm:scene3d>
-      <a:camera prst="orthographicFront"/>
-      <a:lightRig rig="threePt" dir="t"/>
-    </dgm:scene3d>
-    <dgm:sp3d/>
-    <dgm:txPr/>
-    <dgm:style>
-      <a:lnRef idx="0">
-        <a:scrgbClr r="0" g="0" b="0"/>
-      </a:lnRef>
-      <a:fillRef idx="3">
-        <a:scrgbClr r="0" g="0" b="0"/>
-      </a:fillRef>
-      <a:effectRef idx="2">
-        <a:scrgbClr r="0" g="0" b="0"/>
-      </a:effectRef>
-      <a:fontRef idx="minor">
-        <a:schemeClr val="lt1"/>
-      </a:fontRef>
-    </dgm:style>
-  </dgm:styleLbl>
-  <dgm:styleLbl name="parChTrans2D3">
-    <dgm:scene3d>
-      <a:camera prst="orthographicFront"/>
-      <a:lightRig rig="threePt" dir="t"/>
-    </dgm:scene3d>
-    <dgm:sp3d/>
-    <dgm:txPr/>
-    <dgm:style>
-      <a:lnRef idx="1">
-        <a:scrgbClr r="0" g="0" b="0"/>
-      </a:lnRef>
-      <a:fillRef idx="3">
-        <a:scrgbClr r="0" g="0" b="0"/>
-      </a:fillRef>
-      <a:effectRef idx="2">
-        <a:scrgbClr r="0" g="0" b="0"/>
-      </a:effectRef>
-      <a:fontRef idx="minor">
-        <a:schemeClr val="lt1"/>
-      </a:fontRef>
-    </dgm:style>
-  </dgm:styleLbl>
-  <dgm:styleLbl name="parChTrans2D4">
-    <dgm:scene3d>
-      <a:camera prst="orthographicFront"/>
-      <a:lightRig rig="threePt" dir="t"/>
-    </dgm:scene3d>
-    <dgm:sp3d/>
-    <dgm:txPr/>
-    <dgm:style>
-      <a:lnRef idx="1">
-        <a:scrgbClr r="0" g="0" b="0"/>
-      </a:lnRef>
-      <a:fillRef idx="3">
-        <a:scrgbClr r="0" g="0" b="0"/>
-      </a:fillRef>
-      <a:effectRef idx="2">
-        <a:scrgbClr r="0" g="0" b="0"/>
-      </a:effectRef>
-      <a:fontRef idx="minor">
-        <a:schemeClr val="lt1"/>
-      </a:fontRef>
-    </dgm:style>
-  </dgm:styleLbl>
-  <dgm:styleLbl name="parChTrans1D1">
-    <dgm:scene3d>
-      <a:camera prst="orthographicFront"/>
-      <a:lightRig rig="threePt" dir="t"/>
-    </dgm:scene3d>
-    <dgm:sp3d/>
-    <dgm:txPr/>
-    <dgm:style>
-      <a:lnRef idx="1">
-        <a:scrgbClr r="0" g="0" b="0"/>
-      </a:lnRef>
-      <a:fillRef idx="0">
-        <a:scrgbClr r="0" g="0" b="0"/>
-      </a:fillRef>
-      <a:effectRef idx="0">
-        <a:scrgbClr r="0" g="0" b="0"/>
-      </a:effectRef>
-      <a:fontRef idx="minor"/>
-    </dgm:style>
-  </dgm:styleLbl>
-  <dgm:styleLbl name="parChTrans1D2">
-    <dgm:scene3d>
-      <a:camera prst="orthographicFront"/>
-      <a:lightRig rig="threePt" dir="t"/>
-    </dgm:scene3d>
-    <dgm:sp3d/>
-    <dgm:txPr/>
-    <dgm:style>
-      <a:lnRef idx="1">
-        <a:scrgbClr r="0" g="0" b="0"/>
-      </a:lnRef>
-      <a:fillRef idx="0">
-        <a:scrgbClr r="0" g="0" b="0"/>
-      </a:fillRef>
-      <a:effectRef idx="0">
-        <a:scrgbClr r="0" g="0" b="0"/>
-      </a:effectRef>
-      <a:fontRef idx="minor"/>
-    </dgm:style>
-  </dgm:styleLbl>
-  <dgm:styleLbl name="parChTrans1D3">
-    <dgm:scene3d>
-      <a:camera prst="orthographicFront"/>
-      <a:lightRig rig="threePt" dir="t"/>
-    </dgm:scene3d>
-    <dgm:sp3d/>
-    <dgm:txPr/>
-    <dgm:style>
-      <a:lnRef idx="1">
-        <a:scrgbClr r="0" g="0" b="0"/>
-      </a:lnRef>
-      <a:fillRef idx="0">
-        <a:scrgbClr r="0" g="0" b="0"/>
-      </a:fillRef>
-      <a:effectRef idx="0">
-        <a:scrgbClr r="0" g="0" b="0"/>
-      </a:effectRef>
-      <a:fontRef idx="minor"/>
-    </dgm:style>
-  </dgm:styleLbl>
-  <dgm:styleLbl name="parChTrans1D4">
-    <dgm:scene3d>
-      <a:camera prst="orthographicFront"/>
-      <a:lightRig rig="threePt" dir="t"/>
-    </dgm:scene3d>
-    <dgm:sp3d/>
-    <dgm:txPr/>
-    <dgm:style>
-      <a:lnRef idx="1">
-        <a:scrgbClr r="0" g="0" b="0"/>
-      </a:lnRef>
-      <a:fillRef idx="0">
-        <a:scrgbClr r="0" g="0" b="0"/>
-      </a:fillRef>
-      <a:effectRef idx="0">
-        <a:scrgbClr r="0" g="0" b="0"/>
-      </a:effectRef>
-      <a:fontRef idx="minor"/>
-    </dgm:style>
-  </dgm:styleLbl>
-  <dgm:styleLbl name="fgAcc1">
-    <dgm:scene3d>
-      <a:camera prst="orthographicFront"/>
-      <a:lightRig rig="threePt" dir="t"/>
-    </dgm:scene3d>
-    <dgm:sp3d/>
-    <dgm:txPr/>
-    <dgm:style>
-      <a:lnRef idx="1">
-        <a:scrgbClr r="0" g="0" b="0"/>
-      </a:lnRef>
-      <a:fillRef idx="1">
-        <a:scrgbClr r="0" g="0" b="0"/>
-      </a:fillRef>
-      <a:effectRef idx="0">
-        <a:scrgbClr r="0" g="0" b="0"/>
-      </a:effectRef>
-      <a:fontRef idx="minor"/>
-    </dgm:style>
-  </dgm:styleLbl>
-  <dgm:styleLbl name="conFgAcc1">
-    <dgm:scene3d>
-      <a:camera prst="orthographicFront"/>
-      <a:lightRig rig="threePt" dir="t"/>
-    </dgm:scene3d>
-    <dgm:sp3d/>
-    <dgm:txPr/>
-    <dgm:style>
-      <a:lnRef idx="1">
-        <a:scrgbClr r="0" g="0" b="0"/>
-      </a:lnRef>
-      <a:fillRef idx="1">
-        <a:scrgbClr r="0" g="0" b="0"/>
-      </a:fillRef>
-      <a:effectRef idx="0">
-        <a:scrgbClr r="0" g="0" b="0"/>
-      </a:effectRef>
-      <a:fontRef idx="minor"/>
-    </dgm:style>
-  </dgm:styleLbl>
-  <dgm:styleLbl name="alignAcc1">
-    <dgm:scene3d>
-      <a:camera prst="orthographicFront"/>
-      <a:lightRig rig="threePt" dir="t"/>
-    </dgm:scene3d>
-    <dgm:sp3d/>
-    <dgm:txPr/>
-    <dgm:style>
-      <a:lnRef idx="1">
-        <a:scrgbClr r="0" g="0" b="0"/>
-      </a:lnRef>
-      <a:fillRef idx="1">
-        <a:scrgbClr r="0" g="0" b="0"/>
-      </a:fillRef>
-      <a:effectRef idx="0">
-        <a:scrgbClr r="0" g="0" b="0"/>
-      </a:effectRef>
-      <a:fontRef idx="minor"/>
-    </dgm:style>
-  </dgm:styleLbl>
-  <dgm:styleLbl name="trAlignAcc1">
-    <dgm:scene3d>
-      <a:camera prst="orthographicFront"/>
-      <a:lightRig rig="threePt" dir="t"/>
-    </dgm:scene3d>
-    <dgm:sp3d/>
-    <dgm:txPr/>
-    <dgm:style>
-      <a:lnRef idx="1">
-        <a:scrgbClr r="0" g="0" b="0"/>
-      </a:lnRef>
-      <a:fillRef idx="1">
-        <a:scrgbClr r="0" g="0" b="0"/>
-      </a:fillRef>
-      <a:effectRef idx="0">
-        <a:scrgbClr r="0" g="0" b="0"/>
-      </a:effectRef>
-      <a:fontRef idx="minor"/>
-    </dgm:style>
-  </dgm:styleLbl>
-  <dgm:styleLbl name="bgAcc1">
-    <dgm:scene3d>
-      <a:camera prst="orthographicFront"/>
-      <a:lightRig rig="threePt" dir="t"/>
-    </dgm:scene3d>
-    <dgm:sp3d/>
-    <dgm:txPr/>
-    <dgm:style>
-      <a:lnRef idx="1">
-        <a:scrgbClr r="0" g="0" b="0"/>
-      </a:lnRef>
-      <a:fillRef idx="1">
-        <a:scrgbClr r="0" g="0" b="0"/>
-      </a:fillRef>
-      <a:effectRef idx="0">
-        <a:scrgbClr r="0" g="0" b="0"/>
-      </a:effectRef>
-      <a:fontRef idx="minor"/>
-    </dgm:style>
-  </dgm:styleLbl>
-  <dgm:styleLbl name="solidFgAcc1">
-    <dgm:scene3d>
-      <a:camera prst="orthographicFront"/>
-      <a:lightRig rig="threePt" dir="t"/>
-    </dgm:scene3d>
-    <dgm:sp3d/>
-    <dgm:txPr/>
-    <dgm:style>
-      <a:lnRef idx="1">
-        <a:scrgbClr r="0" g="0" b="0"/>
-      </a:lnRef>
-      <a:fillRef idx="1">
-        <a:scrgbClr r="0" g="0" b="0"/>
-      </a:fillRef>
-      <a:effectRef idx="0">
-        <a:scrgbClr r="0" g="0" b="0"/>
-      </a:effectRef>
-      <a:fontRef idx="minor"/>
-    </dgm:style>
-  </dgm:styleLbl>
-  <dgm:styleLbl name="solidAlignAcc1">
-    <dgm:scene3d>
-      <a:camera prst="orthographicFront"/>
-      <a:lightRig rig="threePt" dir="t"/>
-    </dgm:scene3d>
-    <dgm:sp3d/>
-    <dgm:txPr/>
-    <dgm:style>
-      <a:lnRef idx="1">
-        <a:scrgbClr r="0" g="0" b="0"/>
-      </a:lnRef>
-      <a:fillRef idx="1">
-        <a:scrgbClr r="0" g="0" b="0"/>
-      </a:fillRef>
-      <a:effectRef idx="0">
-        <a:scrgbClr r="0" g="0" b="0"/>
-      </a:effectRef>
-      <a:fontRef idx="minor"/>
-    </dgm:style>
-  </dgm:styleLbl>
-  <dgm:styleLbl name="solidBgAcc1">
-    <dgm:scene3d>
-      <a:camera prst="orthographicFront"/>
-      <a:lightRig rig="threePt" dir="t"/>
-    </dgm:scene3d>
-    <dgm:sp3d/>
-    <dgm:txPr/>
-    <dgm:style>
-      <a:lnRef idx="1">
-        <a:scrgbClr r="0" g="0" b="0"/>
-      </a:lnRef>
-      <a:fillRef idx="1">
-        <a:scrgbClr r="0" g="0" b="0"/>
-      </a:fillRef>
-      <a:effectRef idx="0">
-        <a:scrgbClr r="0" g="0" b="0"/>
-      </a:effectRef>
-      <a:fontRef idx="minor"/>
-    </dgm:style>
-  </dgm:styleLbl>
-  <dgm:styleLbl name="fgAccFollowNode1">
-    <dgm:scene3d>
-      <a:camera prst="orthographicFront"/>
-      <a:lightRig rig="threePt" dir="t"/>
-    </dgm:scene3d>
-    <dgm:sp3d/>
-    <dgm:txPr/>
-    <dgm:style>
-      <a:lnRef idx="1">
-        <a:scrgbClr r="0" g="0" b="0"/>
-      </a:lnRef>
-      <a:fillRef idx="1">
-        <a:scrgbClr r="0" g="0" b="0"/>
-      </a:fillRef>
-      <a:effectRef idx="0">
-        <a:scrgbClr r="0" g="0" b="0"/>
-      </a:effectRef>
-      <a:fontRef idx="minor"/>
-    </dgm:style>
-  </dgm:styleLbl>
-  <dgm:styleLbl name="alignAccFollowNode1">
-    <dgm:scene3d>
-      <a:camera prst="orthographicFront"/>
-      <a:lightRig rig="threePt" dir="t"/>
-    </dgm:scene3d>
-    <dgm:sp3d/>
-    <dgm:txPr/>
-    <dgm:style>
-      <a:lnRef idx="1">
-        <a:scrgbClr r="0" g="0" b="0"/>
-      </a:lnRef>
-      <a:fillRef idx="1">
-        <a:scrgbClr r="0" g="0" b="0"/>
-      </a:fillRef>
-      <a:effectRef idx="0">
-        <a:scrgbClr r="0" g="0" b="0"/>
-      </a:effectRef>
-      <a:fontRef idx="minor"/>
-    </dgm:style>
-  </dgm:styleLbl>
-  <dgm:styleLbl name="bgAccFollowNode1">
-    <dgm:scene3d>
-      <a:camera prst="orthographicFront"/>
-      <a:lightRig rig="threePt" dir="t"/>
-    </dgm:scene3d>
-    <dgm:sp3d/>
-    <dgm:txPr/>
-    <dgm:style>
-      <a:lnRef idx="1">
-        <a:scrgbClr r="0" g="0" b="0"/>
-      </a:lnRef>
-      <a:fillRef idx="1">
-        <a:scrgbClr r="0" g="0" b="0"/>
-      </a:fillRef>
-      <a:effectRef idx="0">
-        <a:scrgbClr r="0" g="0" b="0"/>
-      </a:effectRef>
-      <a:fontRef idx="minor"/>
-    </dgm:style>
-  </dgm:styleLbl>
-  <dgm:styleLbl name="fgAcc0">
-    <dgm:scene3d>
-      <a:camera prst="orthographicFront"/>
-      <a:lightRig rig="threePt" dir="t"/>
-    </dgm:scene3d>
-    <dgm:sp3d/>
-    <dgm:txPr/>
-    <dgm:style>
-      <a:lnRef idx="1">
-        <a:scrgbClr r="0" g="0" b="0"/>
-      </a:lnRef>
-      <a:fillRef idx="1">
-        <a:scrgbClr r="0" g="0" b="0"/>
-      </a:fillRef>
-      <a:effectRef idx="0">
-        <a:scrgbClr r="0" g="0" b="0"/>
-      </a:effectRef>
-      <a:fontRef idx="minor"/>
-    </dgm:style>
-  </dgm:styleLbl>
-  <dgm:styleLbl name="fgAcc2">
-    <dgm:scene3d>
-      <a:camera prst="orthographicFront"/>
-      <a:lightRig rig="threePt" dir="t"/>
-    </dgm:scene3d>
-    <dgm:sp3d/>
-    <dgm:txPr/>
-    <dgm:style>
-      <a:lnRef idx="1">
-        <a:scrgbClr r="0" g="0" b="0"/>
-      </a:lnRef>
-      <a:fillRef idx="1">
-        <a:scrgbClr r="0" g="0" b="0"/>
-      </a:fillRef>
-      <a:effectRef idx="0">
-        <a:scrgbClr r="0" g="0" b="0"/>
-      </a:effectRef>
-      <a:fontRef idx="minor"/>
-    </dgm:style>
-  </dgm:styleLbl>
-  <dgm:styleLbl name="fgAcc3">
-    <dgm:scene3d>
-      <a:camera prst="orthographicFront"/>
-      <a:lightRig rig="threePt" dir="t"/>
-    </dgm:scene3d>
-    <dgm:sp3d/>
-    <dgm:txPr/>
-    <dgm:style>
-      <a:lnRef idx="1">
-        <a:scrgbClr r="0" g="0" b="0"/>
-      </a:lnRef>
-      <a:fillRef idx="1">
-        <a:scrgbClr r="0" g="0" b="0"/>
-      </a:fillRef>
-      <a:effectRef idx="0">
-        <a:scrgbClr r="0" g="0" b="0"/>
-      </a:effectRef>
-      <a:fontRef idx="minor"/>
-    </dgm:style>
-  </dgm:styleLbl>
-  <dgm:styleLbl name="fgAcc4">
-    <dgm:scene3d>
-      <a:camera prst="orthographicFront"/>
-      <a:lightRig rig="threePt" dir="t"/>
-    </dgm:scene3d>
-    <dgm:sp3d/>
-    <dgm:txPr/>
-    <dgm:style>
-      <a:lnRef idx="1">
-        <a:scrgbClr r="0" g="0" b="0"/>
-      </a:lnRef>
-      <a:fillRef idx="1">
-        <a:scrgbClr r="0" g="0" b="0"/>
-      </a:fillRef>
-      <a:effectRef idx="0">
-        <a:scrgbClr r="0" g="0" b="0"/>
-      </a:effectRef>
-      <a:fontRef idx="minor"/>
-    </dgm:style>
-  </dgm:styleLbl>
-  <dgm:styleLbl name="bgShp">
-    <dgm:scene3d>
-      <a:camera prst="orthographicFront"/>
-      <a:lightRig rig="threePt" dir="t"/>
-    </dgm:scene3d>
-    <dgm:sp3d/>
-    <dgm:txPr/>
-    <dgm:style>
-      <a:lnRef idx="0">
-        <a:scrgbClr r="0" g="0" b="0"/>
-      </a:lnRef>
-      <a:fillRef idx="1">
-        <a:scrgbClr r="0" g="0" b="0"/>
-      </a:fillRef>
-      <a:effectRef idx="2">
-        <a:scrgbClr r="0" g="0" b="0"/>
-      </a:effectRef>
-      <a:fontRef idx="minor"/>
-    </dgm:style>
-  </dgm:styleLbl>
-  <dgm:styleLbl name="dkBgShp">
-    <dgm:scene3d>
-      <a:camera prst="orthographicFront"/>
-      <a:lightRig rig="threePt" dir="t"/>
-    </dgm:scene3d>
-    <dgm:sp3d/>
-    <dgm:txPr/>
-    <dgm:style>
-      <a:lnRef idx="0">
-        <a:scrgbClr r="0" g="0" b="0"/>
-      </a:lnRef>
-      <a:fillRef idx="1">
-        <a:scrgbClr r="0" g="0" b="0"/>
-      </a:fillRef>
-      <a:effectRef idx="2">
-        <a:scrgbClr r="0" g="0" b="0"/>
-      </a:effectRef>
-      <a:fontRef idx="minor"/>
-    </dgm:style>
-  </dgm:styleLbl>
-  <dgm:styleLbl name="trBgShp">
-    <dgm:scene3d>
-      <a:camera prst="orthographicFront"/>
-      <a:lightRig rig="threePt" dir="t"/>
-    </dgm:scene3d>
-    <dgm:sp3d/>
-    <dgm:txPr/>
-    <dgm:style>
-      <a:lnRef idx="0">
-        <a:scrgbClr r="0" g="0" b="0"/>
-      </a:lnRef>
-      <a:fillRef idx="1">
-        <a:scrgbClr r="0" g="0" b="0"/>
-      </a:fillRef>
-      <a:effectRef idx="0">
-        <a:scrgbClr r="0" g="0" b="0"/>
-      </a:effectRef>
-      <a:fontRef idx="minor"/>
-    </dgm:style>
-  </dgm:styleLbl>
-  <dgm:styleLbl name="fgShp">
-    <dgm:scene3d>
-      <a:camera prst="orthographicFront"/>
-      <a:lightRig rig="threePt" dir="t"/>
-    </dgm:scene3d>
-    <dgm:sp3d/>
-    <dgm:txPr/>
-    <dgm:style>
-      <a:lnRef idx="0">
-        <a:scrgbClr r="0" g="0" b="0"/>
-      </a:lnRef>
-      <a:fillRef idx="3">
-        <a:scrgbClr r="0" g="0" b="0"/>
-      </a:fillRef>
-      <a:effectRef idx="2">
-        <a:scrgbClr r="0" g="0" b="0"/>
-      </a:effectRef>
-      <a:fontRef idx="minor"/>
-    </dgm:style>
-  </dgm:styleLbl>
-  <dgm:styleLbl name="revTx">
-    <dgm:scene3d>
-      <a:camera prst="orthographicFront"/>
-      <a:lightRig rig="threePt" dir="t"/>
-    </dgm:scene3d>
-    <dgm:sp3d/>
-    <dgm:txPr/>
-    <dgm:style>
-      <a:lnRef idx="0">
-        <a:scrgbClr r="0" g="0" b="0"/>
-      </a:lnRef>
-      <a:fillRef idx="0">
-        <a:scrgbClr r="0" g="0" b="0"/>
-      </a:fillRef>
-      <a:effectRef idx="0">
-        <a:scrgbClr r="0" g="0" b="0"/>
-      </a:effectRef>
-      <a:fontRef idx="minor"/>
-    </dgm:style>
-  </dgm:styleLbl>
-</dgm:styleDef>
 </file>
 
 <file path=ppt/handoutMasters/handoutMaster1.xml><?xml version="1.0" encoding="utf-8"?>
@@ -6845,813 +2837,6 @@
 </p:notes>
 </file>
 
-<file path=ppt/notesSlides/notesSlide10.xml><?xml version="1.0" encoding="utf-8"?>
-<p:notes xmlns:a="http://schemas.openxmlformats.org/drawingml/2006/main" xmlns:r="http://schemas.openxmlformats.org/officeDocument/2006/relationships" xmlns:p="http://schemas.openxmlformats.org/presentationml/2006/main">
-  <p:cSld>
-    <p:spTree>
-      <p:nvGrpSpPr>
-        <p:cNvPr id="1" name=""/>
-        <p:cNvGrpSpPr/>
-        <p:nvPr/>
-      </p:nvGrpSpPr>
-      <p:grpSpPr>
-        <a:xfrm>
-          <a:off x="0" y="0"/>
-          <a:ext cx="0" cy="0"/>
-          <a:chOff x="0" y="0"/>
-          <a:chExt cx="0" cy="0"/>
-        </a:xfrm>
-      </p:grpSpPr>
-      <p:sp>
-        <p:nvSpPr>
-          <p:cNvPr id="2" name="投影片圖像版面配置區 1"/>
-          <p:cNvSpPr>
-            <a:spLocks noGrp="1" noRot="1" noChangeAspect="1"/>
-          </p:cNvSpPr>
-          <p:nvPr>
-            <p:ph type="sldImg"/>
-          </p:nvPr>
-        </p:nvSpPr>
-        <p:spPr/>
-      </p:sp>
-      <p:sp>
-        <p:nvSpPr>
-          <p:cNvPr id="3" name="備忘稿版面配置區 2"/>
-          <p:cNvSpPr>
-            <a:spLocks noGrp="1"/>
-          </p:cNvSpPr>
-          <p:nvPr>
-            <p:ph type="body" idx="1"/>
-          </p:nvPr>
-        </p:nvSpPr>
-        <p:spPr/>
-        <p:txBody>
-          <a:bodyPr/>
-          <a:lstStyle/>
-          <a:p>
-            <a:endParaRPr lang="zh-TW" altLang="en-US" dirty="0"/>
-          </a:p>
-        </p:txBody>
-      </p:sp>
-      <p:sp>
-        <p:nvSpPr>
-          <p:cNvPr id="5" name="投影片編號版面配置區 3"/>
-          <p:cNvSpPr>
-            <a:spLocks noGrp="1"/>
-          </p:cNvSpPr>
-          <p:nvPr>
-            <p:ph type="sldNum" sz="quarter" idx="5"/>
-          </p:nvPr>
-        </p:nvSpPr>
-        <p:spPr>
-          <a:xfrm>
-            <a:off x="3884613" y="8685213"/>
-            <a:ext cx="2971800" cy="457200"/>
-          </a:xfrm>
-          <a:prstGeom prst="rect">
-            <a:avLst/>
-          </a:prstGeom>
-        </p:spPr>
-        <p:txBody>
-          <a:bodyPr/>
-          <a:lstStyle/>
-          <a:p>
-            <a:pPr algn="r" rtl="0"/>
-            <a:fld id="{3EBA5BD7-F043-4D1B-AA17-CD412FC534DE}" type="slidenum">
-              <a:rPr lang="en-US" altLang="zh-TW" smtClean="0">
-                <a:latin typeface="+mj-ea"/>
-                <a:ea typeface="+mj-ea"/>
-              </a:rPr>
-              <a:pPr algn="r" rtl="0"/>
-              <a:t>16</a:t>
-            </a:fld>
-            <a:endParaRPr lang="zh-TW" altLang="en-US" dirty="0">
-              <a:latin typeface="+mj-ea"/>
-              <a:ea typeface="+mj-ea"/>
-            </a:endParaRPr>
-          </a:p>
-        </p:txBody>
-      </p:sp>
-    </p:spTree>
-    <p:extLst>
-      <p:ext uri="{BB962C8B-B14F-4D97-AF65-F5344CB8AC3E}">
-        <p14:creationId xmlns:p14="http://schemas.microsoft.com/office/powerpoint/2010/main" val="3785988129"/>
-      </p:ext>
-    </p:extLst>
-  </p:cSld>
-  <p:clrMapOvr>
-    <a:masterClrMapping/>
-  </p:clrMapOvr>
-</p:notes>
-</file>
-
-<file path=ppt/notesSlides/notesSlide11.xml><?xml version="1.0" encoding="utf-8"?>
-<p:notes xmlns:a="http://schemas.openxmlformats.org/drawingml/2006/main" xmlns:r="http://schemas.openxmlformats.org/officeDocument/2006/relationships" xmlns:p="http://schemas.openxmlformats.org/presentationml/2006/main">
-  <p:cSld>
-    <p:spTree>
-      <p:nvGrpSpPr>
-        <p:cNvPr id="1" name=""/>
-        <p:cNvGrpSpPr/>
-        <p:nvPr/>
-      </p:nvGrpSpPr>
-      <p:grpSpPr>
-        <a:xfrm>
-          <a:off x="0" y="0"/>
-          <a:ext cx="0" cy="0"/>
-          <a:chOff x="0" y="0"/>
-          <a:chExt cx="0" cy="0"/>
-        </a:xfrm>
-      </p:grpSpPr>
-      <p:sp>
-        <p:nvSpPr>
-          <p:cNvPr id="2" name="投影片影像預留位置 1"/>
-          <p:cNvSpPr>
-            <a:spLocks noGrp="1" noRot="1" noChangeAspect="1"/>
-          </p:cNvSpPr>
-          <p:nvPr>
-            <p:ph type="sldImg"/>
-          </p:nvPr>
-        </p:nvSpPr>
-        <p:spPr/>
-      </p:sp>
-      <p:sp>
-        <p:nvSpPr>
-          <p:cNvPr id="3" name="備忘稿預留位置 2"/>
-          <p:cNvSpPr>
-            <a:spLocks noGrp="1"/>
-          </p:cNvSpPr>
-          <p:nvPr>
-            <p:ph type="body" idx="1"/>
-          </p:nvPr>
-        </p:nvSpPr>
-        <p:spPr/>
-        <p:txBody>
-          <a:bodyPr rtlCol="0"/>
-          <a:lstStyle/>
-          <a:p>
-            <a:pPr rtl="0"/>
-            <a:endParaRPr lang="zh-TW" altLang="en-US" noProof="0" dirty="0">
-              <a:latin typeface="+mj-ea"/>
-              <a:ea typeface="+mj-ea"/>
-            </a:endParaRPr>
-          </a:p>
-        </p:txBody>
-      </p:sp>
-      <p:sp>
-        <p:nvSpPr>
-          <p:cNvPr id="5" name="投影片編號版面配置區 3"/>
-          <p:cNvSpPr>
-            <a:spLocks noGrp="1"/>
-          </p:cNvSpPr>
-          <p:nvPr>
-            <p:ph type="sldNum" sz="quarter" idx="5"/>
-          </p:nvPr>
-        </p:nvSpPr>
-        <p:spPr>
-          <a:xfrm>
-            <a:off x="3884613" y="8685213"/>
-            <a:ext cx="2971800" cy="457200"/>
-          </a:xfrm>
-          <a:prstGeom prst="rect">
-            <a:avLst/>
-          </a:prstGeom>
-        </p:spPr>
-        <p:txBody>
-          <a:bodyPr/>
-          <a:lstStyle/>
-          <a:p>
-            <a:pPr algn="r" rtl="0"/>
-            <a:fld id="{3EBA5BD7-F043-4D1B-AA17-CD412FC534DE}" type="slidenum">
-              <a:rPr lang="en-US" altLang="zh-TW" smtClean="0">
-                <a:latin typeface="+mj-ea"/>
-                <a:ea typeface="+mj-ea"/>
-              </a:rPr>
-              <a:pPr algn="r" rtl="0"/>
-              <a:t>17</a:t>
-            </a:fld>
-            <a:endParaRPr lang="zh-TW" altLang="en-US" dirty="0">
-              <a:latin typeface="+mj-ea"/>
-              <a:ea typeface="+mj-ea"/>
-            </a:endParaRPr>
-          </a:p>
-        </p:txBody>
-      </p:sp>
-    </p:spTree>
-    <p:extLst>
-      <p:ext uri="{BB962C8B-B14F-4D97-AF65-F5344CB8AC3E}">
-        <p14:creationId xmlns:p14="http://schemas.microsoft.com/office/powerpoint/2010/main" val="4117229062"/>
-      </p:ext>
-    </p:extLst>
-  </p:cSld>
-  <p:clrMapOvr>
-    <a:masterClrMapping/>
-  </p:clrMapOvr>
-</p:notes>
-</file>
-
-<file path=ppt/notesSlides/notesSlide12.xml><?xml version="1.0" encoding="utf-8"?>
-<p:notes xmlns:a="http://schemas.openxmlformats.org/drawingml/2006/main" xmlns:r="http://schemas.openxmlformats.org/officeDocument/2006/relationships" xmlns:p="http://schemas.openxmlformats.org/presentationml/2006/main">
-  <p:cSld>
-    <p:spTree>
-      <p:nvGrpSpPr>
-        <p:cNvPr id="1" name=""/>
-        <p:cNvGrpSpPr/>
-        <p:nvPr/>
-      </p:nvGrpSpPr>
-      <p:grpSpPr>
-        <a:xfrm>
-          <a:off x="0" y="0"/>
-          <a:ext cx="0" cy="0"/>
-          <a:chOff x="0" y="0"/>
-          <a:chExt cx="0" cy="0"/>
-        </a:xfrm>
-      </p:grpSpPr>
-      <p:sp>
-        <p:nvSpPr>
-          <p:cNvPr id="2" name="投影片圖像版面配置區 1"/>
-          <p:cNvSpPr>
-            <a:spLocks noGrp="1" noRot="1" noChangeAspect="1"/>
-          </p:cNvSpPr>
-          <p:nvPr>
-            <p:ph type="sldImg"/>
-          </p:nvPr>
-        </p:nvSpPr>
-        <p:spPr/>
-      </p:sp>
-      <p:sp>
-        <p:nvSpPr>
-          <p:cNvPr id="3" name="備忘稿版面配置區 2"/>
-          <p:cNvSpPr>
-            <a:spLocks noGrp="1"/>
-          </p:cNvSpPr>
-          <p:nvPr>
-            <p:ph type="body" idx="1"/>
-          </p:nvPr>
-        </p:nvSpPr>
-        <p:spPr/>
-        <p:txBody>
-          <a:bodyPr/>
-          <a:lstStyle/>
-          <a:p>
-            <a:endParaRPr lang="zh-TW" altLang="en-US" dirty="0">
-              <a:latin typeface="+mj-ea"/>
-              <a:ea typeface="+mj-ea"/>
-            </a:endParaRPr>
-          </a:p>
-        </p:txBody>
-      </p:sp>
-      <p:sp>
-        <p:nvSpPr>
-          <p:cNvPr id="5" name="投影片編號版面配置區 3"/>
-          <p:cNvSpPr>
-            <a:spLocks noGrp="1"/>
-          </p:cNvSpPr>
-          <p:nvPr>
-            <p:ph type="sldNum" sz="quarter" idx="5"/>
-          </p:nvPr>
-        </p:nvSpPr>
-        <p:spPr>
-          <a:xfrm>
-            <a:off x="3884613" y="8685213"/>
-            <a:ext cx="2971800" cy="457200"/>
-          </a:xfrm>
-          <a:prstGeom prst="rect">
-            <a:avLst/>
-          </a:prstGeom>
-        </p:spPr>
-        <p:txBody>
-          <a:bodyPr/>
-          <a:lstStyle/>
-          <a:p>
-            <a:pPr algn="r" rtl="0"/>
-            <a:fld id="{3EBA5BD7-F043-4D1B-AA17-CD412FC534DE}" type="slidenum">
-              <a:rPr lang="en-US" altLang="zh-TW" smtClean="0">
-                <a:latin typeface="+mj-ea"/>
-                <a:ea typeface="+mj-ea"/>
-              </a:rPr>
-              <a:pPr algn="r" rtl="0"/>
-              <a:t>18</a:t>
-            </a:fld>
-            <a:endParaRPr lang="zh-TW" altLang="en-US" dirty="0">
-              <a:latin typeface="+mj-ea"/>
-              <a:ea typeface="+mj-ea"/>
-            </a:endParaRPr>
-          </a:p>
-        </p:txBody>
-      </p:sp>
-    </p:spTree>
-    <p:extLst>
-      <p:ext uri="{BB962C8B-B14F-4D97-AF65-F5344CB8AC3E}">
-        <p14:creationId xmlns:p14="http://schemas.microsoft.com/office/powerpoint/2010/main" val="2495838477"/>
-      </p:ext>
-    </p:extLst>
-  </p:cSld>
-  <p:clrMapOvr>
-    <a:masterClrMapping/>
-  </p:clrMapOvr>
-</p:notes>
-</file>
-
-<file path=ppt/notesSlides/notesSlide13.xml><?xml version="1.0" encoding="utf-8"?>
-<p:notes xmlns:a="http://schemas.openxmlformats.org/drawingml/2006/main" xmlns:r="http://schemas.openxmlformats.org/officeDocument/2006/relationships" xmlns:p="http://schemas.openxmlformats.org/presentationml/2006/main">
-  <p:cSld>
-    <p:spTree>
-      <p:nvGrpSpPr>
-        <p:cNvPr id="1" name=""/>
-        <p:cNvGrpSpPr/>
-        <p:nvPr/>
-      </p:nvGrpSpPr>
-      <p:grpSpPr>
-        <a:xfrm>
-          <a:off x="0" y="0"/>
-          <a:ext cx="0" cy="0"/>
-          <a:chOff x="0" y="0"/>
-          <a:chExt cx="0" cy="0"/>
-        </a:xfrm>
-      </p:grpSpPr>
-      <p:sp>
-        <p:nvSpPr>
-          <p:cNvPr id="2" name="投影片圖像版面配置區 1"/>
-          <p:cNvSpPr>
-            <a:spLocks noGrp="1" noRot="1" noChangeAspect="1"/>
-          </p:cNvSpPr>
-          <p:nvPr>
-            <p:ph type="sldImg"/>
-          </p:nvPr>
-        </p:nvSpPr>
-        <p:spPr/>
-      </p:sp>
-      <p:sp>
-        <p:nvSpPr>
-          <p:cNvPr id="3" name="備忘稿版面配置區 2"/>
-          <p:cNvSpPr>
-            <a:spLocks noGrp="1"/>
-          </p:cNvSpPr>
-          <p:nvPr>
-            <p:ph type="body" idx="1"/>
-          </p:nvPr>
-        </p:nvSpPr>
-        <p:spPr/>
-        <p:txBody>
-          <a:bodyPr/>
-          <a:lstStyle/>
-          <a:p>
-            <a:endParaRPr lang="zh-TW" altLang="en-US" dirty="0"/>
-          </a:p>
-        </p:txBody>
-      </p:sp>
-      <p:sp>
-        <p:nvSpPr>
-          <p:cNvPr id="5" name="投影片編號版面配置區 3"/>
-          <p:cNvSpPr>
-            <a:spLocks noGrp="1"/>
-          </p:cNvSpPr>
-          <p:nvPr>
-            <p:ph type="sldNum" sz="quarter" idx="5"/>
-          </p:nvPr>
-        </p:nvSpPr>
-        <p:spPr>
-          <a:xfrm>
-            <a:off x="3884613" y="8685213"/>
-            <a:ext cx="2971800" cy="457200"/>
-          </a:xfrm>
-          <a:prstGeom prst="rect">
-            <a:avLst/>
-          </a:prstGeom>
-        </p:spPr>
-        <p:txBody>
-          <a:bodyPr/>
-          <a:lstStyle/>
-          <a:p>
-            <a:pPr algn="r" rtl="0"/>
-            <a:fld id="{3EBA5BD7-F043-4D1B-AA17-CD412FC534DE}" type="slidenum">
-              <a:rPr lang="en-US" altLang="zh-TW" smtClean="0">
-                <a:latin typeface="+mj-ea"/>
-                <a:ea typeface="+mj-ea"/>
-              </a:rPr>
-              <a:pPr algn="r" rtl="0"/>
-              <a:t>19</a:t>
-            </a:fld>
-            <a:endParaRPr lang="zh-TW" altLang="en-US" dirty="0">
-              <a:latin typeface="+mj-ea"/>
-              <a:ea typeface="+mj-ea"/>
-            </a:endParaRPr>
-          </a:p>
-        </p:txBody>
-      </p:sp>
-    </p:spTree>
-    <p:extLst>
-      <p:ext uri="{BB962C8B-B14F-4D97-AF65-F5344CB8AC3E}">
-        <p14:creationId xmlns:p14="http://schemas.microsoft.com/office/powerpoint/2010/main" val="2350785629"/>
-      </p:ext>
-    </p:extLst>
-  </p:cSld>
-  <p:clrMapOvr>
-    <a:masterClrMapping/>
-  </p:clrMapOvr>
-</p:notes>
-</file>
-
-<file path=ppt/notesSlides/notesSlide14.xml><?xml version="1.0" encoding="utf-8"?>
-<p:notes xmlns:a="http://schemas.openxmlformats.org/drawingml/2006/main" xmlns:r="http://schemas.openxmlformats.org/officeDocument/2006/relationships" xmlns:p="http://schemas.openxmlformats.org/presentationml/2006/main">
-  <p:cSld>
-    <p:spTree>
-      <p:nvGrpSpPr>
-        <p:cNvPr id="1" name=""/>
-        <p:cNvGrpSpPr/>
-        <p:nvPr/>
-      </p:nvGrpSpPr>
-      <p:grpSpPr>
-        <a:xfrm>
-          <a:off x="0" y="0"/>
-          <a:ext cx="0" cy="0"/>
-          <a:chOff x="0" y="0"/>
-          <a:chExt cx="0" cy="0"/>
-        </a:xfrm>
-      </p:grpSpPr>
-      <p:sp>
-        <p:nvSpPr>
-          <p:cNvPr id="2" name="投影片圖像版面配置區 1"/>
-          <p:cNvSpPr>
-            <a:spLocks noGrp="1" noRot="1" noChangeAspect="1"/>
-          </p:cNvSpPr>
-          <p:nvPr>
-            <p:ph type="sldImg"/>
-          </p:nvPr>
-        </p:nvSpPr>
-        <p:spPr/>
-      </p:sp>
-      <p:sp>
-        <p:nvSpPr>
-          <p:cNvPr id="3" name="備忘稿版面配置區 2"/>
-          <p:cNvSpPr>
-            <a:spLocks noGrp="1"/>
-          </p:cNvSpPr>
-          <p:nvPr>
-            <p:ph type="body" idx="1"/>
-          </p:nvPr>
-        </p:nvSpPr>
-        <p:spPr/>
-        <p:txBody>
-          <a:bodyPr/>
-          <a:lstStyle/>
-          <a:p>
-            <a:endParaRPr lang="zh-TW" altLang="en-US" dirty="0"/>
-          </a:p>
-        </p:txBody>
-      </p:sp>
-      <p:sp>
-        <p:nvSpPr>
-          <p:cNvPr id="5" name="投影片編號版面配置區 3"/>
-          <p:cNvSpPr>
-            <a:spLocks noGrp="1"/>
-          </p:cNvSpPr>
-          <p:nvPr>
-            <p:ph type="sldNum" sz="quarter" idx="5"/>
-          </p:nvPr>
-        </p:nvSpPr>
-        <p:spPr>
-          <a:xfrm>
-            <a:off x="3884613" y="8685213"/>
-            <a:ext cx="2971800" cy="457200"/>
-          </a:xfrm>
-          <a:prstGeom prst="rect">
-            <a:avLst/>
-          </a:prstGeom>
-        </p:spPr>
-        <p:txBody>
-          <a:bodyPr/>
-          <a:lstStyle/>
-          <a:p>
-            <a:pPr algn="r" rtl="0"/>
-            <a:fld id="{3EBA5BD7-F043-4D1B-AA17-CD412FC534DE}" type="slidenum">
-              <a:rPr lang="en-US" altLang="zh-TW" smtClean="0">
-                <a:latin typeface="+mj-ea"/>
-                <a:ea typeface="+mj-ea"/>
-              </a:rPr>
-              <a:pPr algn="r" rtl="0"/>
-              <a:t>20</a:t>
-            </a:fld>
-            <a:endParaRPr lang="zh-TW" altLang="en-US" dirty="0">
-              <a:latin typeface="+mj-ea"/>
-              <a:ea typeface="+mj-ea"/>
-            </a:endParaRPr>
-          </a:p>
-        </p:txBody>
-      </p:sp>
-    </p:spTree>
-    <p:extLst>
-      <p:ext uri="{BB962C8B-B14F-4D97-AF65-F5344CB8AC3E}">
-        <p14:creationId xmlns:p14="http://schemas.microsoft.com/office/powerpoint/2010/main" val="2978741859"/>
-      </p:ext>
-    </p:extLst>
-  </p:cSld>
-  <p:clrMapOvr>
-    <a:masterClrMapping/>
-  </p:clrMapOvr>
-</p:notes>
-</file>
-
-<file path=ppt/notesSlides/notesSlide15.xml><?xml version="1.0" encoding="utf-8"?>
-<p:notes xmlns:a="http://schemas.openxmlformats.org/drawingml/2006/main" xmlns:r="http://schemas.openxmlformats.org/officeDocument/2006/relationships" xmlns:p="http://schemas.openxmlformats.org/presentationml/2006/main">
-  <p:cSld>
-    <p:spTree>
-      <p:nvGrpSpPr>
-        <p:cNvPr id="1" name=""/>
-        <p:cNvGrpSpPr/>
-        <p:nvPr/>
-      </p:nvGrpSpPr>
-      <p:grpSpPr>
-        <a:xfrm>
-          <a:off x="0" y="0"/>
-          <a:ext cx="0" cy="0"/>
-          <a:chOff x="0" y="0"/>
-          <a:chExt cx="0" cy="0"/>
-        </a:xfrm>
-      </p:grpSpPr>
-      <p:sp>
-        <p:nvSpPr>
-          <p:cNvPr id="2" name="投影片圖像版面配置區 1"/>
-          <p:cNvSpPr>
-            <a:spLocks noGrp="1" noRot="1" noChangeAspect="1"/>
-          </p:cNvSpPr>
-          <p:nvPr>
-            <p:ph type="sldImg"/>
-          </p:nvPr>
-        </p:nvSpPr>
-        <p:spPr/>
-      </p:sp>
-      <p:sp>
-        <p:nvSpPr>
-          <p:cNvPr id="3" name="備忘稿版面配置區 2"/>
-          <p:cNvSpPr>
-            <a:spLocks noGrp="1"/>
-          </p:cNvSpPr>
-          <p:nvPr>
-            <p:ph type="body" idx="1"/>
-          </p:nvPr>
-        </p:nvSpPr>
-        <p:spPr/>
-        <p:txBody>
-          <a:bodyPr/>
-          <a:lstStyle/>
-          <a:p>
-            <a:endParaRPr lang="zh-TW" altLang="en-US" dirty="0"/>
-          </a:p>
-        </p:txBody>
-      </p:sp>
-      <p:sp>
-        <p:nvSpPr>
-          <p:cNvPr id="5" name="投影片編號版面配置區 3"/>
-          <p:cNvSpPr>
-            <a:spLocks noGrp="1"/>
-          </p:cNvSpPr>
-          <p:nvPr>
-            <p:ph type="sldNum" sz="quarter" idx="5"/>
-          </p:nvPr>
-        </p:nvSpPr>
-        <p:spPr>
-          <a:xfrm>
-            <a:off x="3884613" y="8685213"/>
-            <a:ext cx="2971800" cy="457200"/>
-          </a:xfrm>
-          <a:prstGeom prst="rect">
-            <a:avLst/>
-          </a:prstGeom>
-        </p:spPr>
-        <p:txBody>
-          <a:bodyPr/>
-          <a:lstStyle/>
-          <a:p>
-            <a:pPr algn="r" rtl="0"/>
-            <a:fld id="{3EBA5BD7-F043-4D1B-AA17-CD412FC534DE}" type="slidenum">
-              <a:rPr lang="en-US" altLang="zh-TW" smtClean="0">
-                <a:latin typeface="+mj-ea"/>
-                <a:ea typeface="+mj-ea"/>
-              </a:rPr>
-              <a:pPr algn="r" rtl="0"/>
-              <a:t>21</a:t>
-            </a:fld>
-            <a:endParaRPr lang="zh-TW" altLang="en-US" dirty="0">
-              <a:latin typeface="+mj-ea"/>
-              <a:ea typeface="+mj-ea"/>
-            </a:endParaRPr>
-          </a:p>
-        </p:txBody>
-      </p:sp>
-    </p:spTree>
-    <p:extLst>
-      <p:ext uri="{BB962C8B-B14F-4D97-AF65-F5344CB8AC3E}">
-        <p14:creationId xmlns:p14="http://schemas.microsoft.com/office/powerpoint/2010/main" val="1227375036"/>
-      </p:ext>
-    </p:extLst>
-  </p:cSld>
-  <p:clrMapOvr>
-    <a:masterClrMapping/>
-  </p:clrMapOvr>
-</p:notes>
-</file>
-
-<file path=ppt/notesSlides/notesSlide16.xml><?xml version="1.0" encoding="utf-8"?>
-<p:notes xmlns:a="http://schemas.openxmlformats.org/drawingml/2006/main" xmlns:r="http://schemas.openxmlformats.org/officeDocument/2006/relationships" xmlns:p="http://schemas.openxmlformats.org/presentationml/2006/main">
-  <p:cSld>
-    <p:spTree>
-      <p:nvGrpSpPr>
-        <p:cNvPr id="1" name=""/>
-        <p:cNvGrpSpPr/>
-        <p:nvPr/>
-      </p:nvGrpSpPr>
-      <p:grpSpPr>
-        <a:xfrm>
-          <a:off x="0" y="0"/>
-          <a:ext cx="0" cy="0"/>
-          <a:chOff x="0" y="0"/>
-          <a:chExt cx="0" cy="0"/>
-        </a:xfrm>
-      </p:grpSpPr>
-      <p:sp>
-        <p:nvSpPr>
-          <p:cNvPr id="2" name="投影片圖像版面配置區 1"/>
-          <p:cNvSpPr>
-            <a:spLocks noGrp="1" noRot="1" noChangeAspect="1"/>
-          </p:cNvSpPr>
-          <p:nvPr>
-            <p:ph type="sldImg"/>
-          </p:nvPr>
-        </p:nvSpPr>
-        <p:spPr/>
-      </p:sp>
-      <p:sp>
-        <p:nvSpPr>
-          <p:cNvPr id="3" name="備忘稿版面配置區 2"/>
-          <p:cNvSpPr>
-            <a:spLocks noGrp="1"/>
-          </p:cNvSpPr>
-          <p:nvPr>
-            <p:ph type="body" idx="1"/>
-          </p:nvPr>
-        </p:nvSpPr>
-        <p:spPr/>
-        <p:txBody>
-          <a:bodyPr/>
-          <a:lstStyle/>
-          <a:p>
-            <a:endParaRPr lang="zh-TW" altLang="en-US" dirty="0"/>
-          </a:p>
-        </p:txBody>
-      </p:sp>
-      <p:sp>
-        <p:nvSpPr>
-          <p:cNvPr id="5" name="投影片編號版面配置區 3"/>
-          <p:cNvSpPr>
-            <a:spLocks noGrp="1"/>
-          </p:cNvSpPr>
-          <p:nvPr>
-            <p:ph type="sldNum" sz="quarter" idx="5"/>
-          </p:nvPr>
-        </p:nvSpPr>
-        <p:spPr>
-          <a:xfrm>
-            <a:off x="3884613" y="8685213"/>
-            <a:ext cx="2971800" cy="457200"/>
-          </a:xfrm>
-          <a:prstGeom prst="rect">
-            <a:avLst/>
-          </a:prstGeom>
-        </p:spPr>
-        <p:txBody>
-          <a:bodyPr/>
-          <a:lstStyle/>
-          <a:p>
-            <a:pPr algn="r" rtl="0"/>
-            <a:fld id="{3EBA5BD7-F043-4D1B-AA17-CD412FC534DE}" type="slidenum">
-              <a:rPr lang="en-US" altLang="zh-TW" smtClean="0">
-                <a:latin typeface="+mj-ea"/>
-                <a:ea typeface="+mj-ea"/>
-              </a:rPr>
-              <a:pPr algn="r" rtl="0"/>
-              <a:t>22</a:t>
-            </a:fld>
-            <a:endParaRPr lang="zh-TW" altLang="en-US" dirty="0">
-              <a:latin typeface="+mj-ea"/>
-              <a:ea typeface="+mj-ea"/>
-            </a:endParaRPr>
-          </a:p>
-        </p:txBody>
-      </p:sp>
-    </p:spTree>
-    <p:extLst>
-      <p:ext uri="{BB962C8B-B14F-4D97-AF65-F5344CB8AC3E}">
-        <p14:creationId xmlns:p14="http://schemas.microsoft.com/office/powerpoint/2010/main" val="2270168328"/>
-      </p:ext>
-    </p:extLst>
-  </p:cSld>
-  <p:clrMapOvr>
-    <a:masterClrMapping/>
-  </p:clrMapOvr>
-</p:notes>
-</file>
-
-<file path=ppt/notesSlides/notesSlide17.xml><?xml version="1.0" encoding="utf-8"?>
-<p:notes xmlns:a="http://schemas.openxmlformats.org/drawingml/2006/main" xmlns:r="http://schemas.openxmlformats.org/officeDocument/2006/relationships" xmlns:p="http://schemas.openxmlformats.org/presentationml/2006/main">
-  <p:cSld>
-    <p:spTree>
-      <p:nvGrpSpPr>
-        <p:cNvPr id="1" name=""/>
-        <p:cNvGrpSpPr/>
-        <p:nvPr/>
-      </p:nvGrpSpPr>
-      <p:grpSpPr>
-        <a:xfrm>
-          <a:off x="0" y="0"/>
-          <a:ext cx="0" cy="0"/>
-          <a:chOff x="0" y="0"/>
-          <a:chExt cx="0" cy="0"/>
-        </a:xfrm>
-      </p:grpSpPr>
-      <p:sp>
-        <p:nvSpPr>
-          <p:cNvPr id="2" name="投影片圖像版面配置區 1"/>
-          <p:cNvSpPr>
-            <a:spLocks noGrp="1" noRot="1" noChangeAspect="1"/>
-          </p:cNvSpPr>
-          <p:nvPr>
-            <p:ph type="sldImg"/>
-          </p:nvPr>
-        </p:nvSpPr>
-        <p:spPr/>
-      </p:sp>
-      <p:sp>
-        <p:nvSpPr>
-          <p:cNvPr id="3" name="備忘稿版面配置區 2"/>
-          <p:cNvSpPr>
-            <a:spLocks noGrp="1"/>
-          </p:cNvSpPr>
-          <p:nvPr>
-            <p:ph type="body" idx="1"/>
-          </p:nvPr>
-        </p:nvSpPr>
-        <p:spPr/>
-        <p:txBody>
-          <a:bodyPr/>
-          <a:lstStyle/>
-          <a:p>
-            <a:endParaRPr lang="zh-TW" altLang="en-US" dirty="0"/>
-          </a:p>
-        </p:txBody>
-      </p:sp>
-      <p:sp>
-        <p:nvSpPr>
-          <p:cNvPr id="5" name="投影片編號版面配置區 3"/>
-          <p:cNvSpPr>
-            <a:spLocks noGrp="1"/>
-          </p:cNvSpPr>
-          <p:nvPr>
-            <p:ph type="sldNum" sz="quarter" idx="5"/>
-          </p:nvPr>
-        </p:nvSpPr>
-        <p:spPr>
-          <a:xfrm>
-            <a:off x="3884613" y="8685213"/>
-            <a:ext cx="2971800" cy="457200"/>
-          </a:xfrm>
-          <a:prstGeom prst="rect">
-            <a:avLst/>
-          </a:prstGeom>
-        </p:spPr>
-        <p:txBody>
-          <a:bodyPr/>
-          <a:lstStyle/>
-          <a:p>
-            <a:pPr algn="r" rtl="0"/>
-            <a:fld id="{3EBA5BD7-F043-4D1B-AA17-CD412FC534DE}" type="slidenum">
-              <a:rPr lang="en-US" altLang="zh-TW" smtClean="0">
-                <a:latin typeface="+mj-ea"/>
-                <a:ea typeface="+mj-ea"/>
-              </a:rPr>
-              <a:pPr algn="r" rtl="0"/>
-              <a:t>23</a:t>
-            </a:fld>
-            <a:endParaRPr lang="zh-TW" altLang="en-US" dirty="0">
-              <a:latin typeface="+mj-ea"/>
-              <a:ea typeface="+mj-ea"/>
-            </a:endParaRPr>
-          </a:p>
-        </p:txBody>
-      </p:sp>
-    </p:spTree>
-    <p:extLst>
-      <p:ext uri="{BB962C8B-B14F-4D97-AF65-F5344CB8AC3E}">
-        <p14:creationId xmlns:p14="http://schemas.microsoft.com/office/powerpoint/2010/main" val="1595984533"/>
-      </p:ext>
-    </p:extLst>
-  </p:cSld>
-  <p:clrMapOvr>
-    <a:masterClrMapping/>
-  </p:clrMapOvr>
-</p:notes>
-</file>
-
 <file path=ppt/notesSlides/notesSlide2.xml><?xml version="1.0" encoding="utf-8"?>
 <p:notes xmlns:a="http://schemas.openxmlformats.org/drawingml/2006/main" xmlns:r="http://schemas.openxmlformats.org/officeDocument/2006/relationships" xmlns:p="http://schemas.openxmlformats.org/presentationml/2006/main">
   <p:cSld>
@@ -8442,7 +3627,7 @@
     </p:spTree>
     <p:extLst>
       <p:ext uri="{BB962C8B-B14F-4D97-AF65-F5344CB8AC3E}">
-        <p14:creationId xmlns:p14="http://schemas.microsoft.com/office/powerpoint/2010/main" val="2591913702"/>
+        <p14:creationId xmlns:p14="http://schemas.microsoft.com/office/powerpoint/2010/main" val="811706346"/>
       </p:ext>
     </p:extLst>
   </p:cSld>
@@ -16439,16 +11624,120 @@
                 <a:latin typeface="微軟正黑體" panose="020B0604030504040204" pitchFamily="34" charset="-120"/>
                 <a:ea typeface="微軟正黑體" panose="020B0604030504040204" pitchFamily="34" charset="-120"/>
               </a:rPr>
-              <a:t>Error is 2% but unseen by eye in </a:t>
-            </a:r>
-            <a:r>
-              <a:rPr lang="en-US" sz="4000" smtClean="0">
+              <a:t>Error is </a:t>
+            </a:r>
+            <a:r>
+              <a:rPr lang="en-US" altLang="zh-TW" sz="4000" dirty="0" smtClean="0">
                 <a:latin typeface="微軟正黑體" panose="020B0604030504040204" pitchFamily="34" charset="-120"/>
                 <a:ea typeface="微軟正黑體" panose="020B0604030504040204" pitchFamily="34" charset="-120"/>
               </a:rPr>
-              <a:t>blurred image. </a:t>
+              <a:t>1</a:t>
+            </a:r>
+            <a:r>
+              <a:rPr lang="en-US" sz="4000" dirty="0" smtClean="0">
+                <a:latin typeface="微軟正黑體" panose="020B0604030504040204" pitchFamily="34" charset="-120"/>
+                <a:ea typeface="微軟正黑體" panose="020B0604030504040204" pitchFamily="34" charset="-120"/>
+              </a:rPr>
+              <a:t>% but unseen by eye in blurred image. </a:t>
             </a:r>
             <a:endParaRPr lang="en-US" sz="4000" dirty="0">
+              <a:latin typeface="微軟正黑體" panose="020B0604030504040204" pitchFamily="34" charset="-120"/>
+              <a:ea typeface="微軟正黑體" panose="020B0604030504040204" pitchFamily="34" charset="-120"/>
+            </a:endParaRPr>
+          </a:p>
+        </p:txBody>
+      </p:sp>
+      <p:pic>
+        <p:nvPicPr>
+          <p:cNvPr id="2" name="圖片 1"/>
+          <p:cNvPicPr>
+            <a:picLocks noChangeAspect="1"/>
+          </p:cNvPicPr>
+          <p:nvPr/>
+        </p:nvPicPr>
+        <p:blipFill>
+          <a:blip r:embed="rId2" cstate="print">
+            <a:extLst>
+              <a:ext uri="{28A0092B-C50C-407E-A947-70E740481C1C}">
+                <a14:useLocalDpi xmlns:a14="http://schemas.microsoft.com/office/drawing/2010/main" val="0"/>
+              </a:ext>
+            </a:extLst>
+          </a:blip>
+          <a:stretch>
+            <a:fillRect/>
+          </a:stretch>
+        </p:blipFill>
+        <p:spPr>
+          <a:xfrm>
+            <a:off x="6170612" y="1366434"/>
+            <a:ext cx="5865813" cy="3299519"/>
+          </a:xfrm>
+          <a:prstGeom prst="rect">
+            <a:avLst/>
+          </a:prstGeom>
+        </p:spPr>
+      </p:pic>
+      <p:pic>
+        <p:nvPicPr>
+          <p:cNvPr id="3" name="圖片 2"/>
+          <p:cNvPicPr>
+            <a:picLocks noChangeAspect="1"/>
+          </p:cNvPicPr>
+          <p:nvPr/>
+        </p:nvPicPr>
+        <p:blipFill>
+          <a:blip r:embed="rId2" cstate="print">
+            <a:extLst>
+              <a:ext uri="{28A0092B-C50C-407E-A947-70E740481C1C}">
+                <a14:useLocalDpi xmlns:a14="http://schemas.microsoft.com/office/drawing/2010/main" val="0"/>
+              </a:ext>
+            </a:extLst>
+          </a:blip>
+          <a:stretch>
+            <a:fillRect/>
+          </a:stretch>
+        </p:blipFill>
+        <p:spPr>
+          <a:xfrm>
+            <a:off x="150812" y="1371600"/>
+            <a:ext cx="5867400" cy="3300412"/>
+          </a:xfrm>
+          <a:prstGeom prst="rect">
+            <a:avLst/>
+          </a:prstGeom>
+        </p:spPr>
+      </p:pic>
+      <p:sp>
+        <p:nvSpPr>
+          <p:cNvPr id="6" name="文字方塊 5"/>
+          <p:cNvSpPr txBox="1"/>
+          <p:nvPr/>
+        </p:nvSpPr>
+        <p:spPr>
+          <a:xfrm>
+            <a:off x="227012" y="217913"/>
+            <a:ext cx="11809413" cy="830997"/>
+          </a:xfrm>
+          <a:prstGeom prst="rect">
+            <a:avLst/>
+          </a:prstGeom>
+          <a:noFill/>
+        </p:spPr>
+        <p:txBody>
+          <a:bodyPr wrap="square" rtlCol="0">
+            <a:spAutoFit/>
+          </a:bodyPr>
+          <a:lstStyle/>
+          <a:p>
+            <a:pPr algn="ctr"/>
+            <a:r>
+              <a:rPr lang="en-US" sz="4800" dirty="0" smtClean="0">
+                <a:latin typeface="微軟正黑體" panose="020B0604030504040204" pitchFamily="34" charset="-120"/>
+                <a:ea typeface="微軟正黑體" panose="020B0604030504040204" pitchFamily="34" charset="-120"/>
+              </a:rPr>
+              <a:t>Result </a:t>
+            </a:r>
+            <a:endParaRPr lang="en-US" sz="4800" dirty="0">
               <a:latin typeface="微軟正黑體" panose="020B0604030504040204" pitchFamily="34" charset="-120"/>
               <a:ea typeface="微軟正黑體" panose="020B0604030504040204" pitchFamily="34" charset="-120"/>
             </a:endParaRPr>
@@ -16465,6 +11754,13 @@
   <p:clrMapOvr>
     <a:masterClrMapping/>
   </p:clrMapOvr>
+  <p:timing>
+    <p:tnLst>
+      <p:par>
+        <p:cTn id="1" dur="indefinite" restart="never" nodeType="tmRoot"/>
+      </p:par>
+    </p:tnLst>
+  </p:timing>
 </p:sld>
 </file>
 
@@ -16514,15 +11810,7 @@
                 <a:ea typeface="微軟正黑體" panose="020B0604030504040204" pitchFamily="34" charset="-120"/>
                 <a:sym typeface="Salesforce Sans"/>
               </a:rPr>
-              <a:t>Threads </a:t>
-            </a:r>
-            <a:r>
-              <a:rPr lang="en-US" altLang="zh-TW" sz="4800" dirty="0" smtClean="0">
-                <a:latin typeface="微軟正黑體" panose="020B0604030504040204" pitchFamily="34" charset="-120"/>
-                <a:ea typeface="微軟正黑體" panose="020B0604030504040204" pitchFamily="34" charset="-120"/>
-                <a:sym typeface="Salesforce Sans"/>
-              </a:rPr>
-              <a:t>per block vs performance</a:t>
+              <a:t>Threads per block vs performance</a:t>
             </a:r>
             <a:endParaRPr lang="zh-TW" altLang="en-US" sz="4800" dirty="0">
               <a:latin typeface="微軟正黑體" panose="020B0604030504040204" pitchFamily="34" charset="-120"/>
@@ -16790,6 +12078,13 @@
   <p:clrMapOvr>
     <a:masterClrMapping/>
   </p:clrMapOvr>
+  <p:timing>
+    <p:tnLst>
+      <p:par>
+        <p:cTn id="1" dur="indefinite" restart="never" nodeType="tmRoot"/>
+      </p:par>
+    </p:tnLst>
+  </p:timing>
 </p:sld>
 </file>
 
@@ -16986,7 +12281,7 @@
       </p:grpSpPr>
       <p:sp>
         <p:nvSpPr>
-          <p:cNvPr id="7" name="標題 6"/>
+          <p:cNvPr id="13" name="標題 12"/>
           <p:cNvSpPr>
             <a:spLocks noGrp="1"/>
           </p:cNvSpPr>
@@ -16994,46 +12289,123 @@
             <p:ph type="title"/>
           </p:nvPr>
         </p:nvSpPr>
-        <p:spPr/>
-        <p:txBody>
-          <a:bodyPr rtlCol="0"/>
+        <p:spPr>
+          <a:xfrm>
+            <a:off x="52944" y="20150"/>
+            <a:ext cx="12153343" cy="970450"/>
+          </a:xfrm>
+        </p:spPr>
+        <p:txBody>
+          <a:bodyPr rtlCol="0">
+            <a:noAutofit/>
+          </a:bodyPr>
           <a:lstStyle/>
           <a:p>
             <a:pPr rtl="0"/>
             <a:r>
-              <a:rPr lang="zh-TW" altLang="en-US" dirty="0" smtClean="0">
-                <a:latin typeface="Salesforce Sans"/>
+              <a:rPr lang="en-US" altLang="zh-TW" sz="4800" dirty="0" smtClean="0">
+                <a:latin typeface="微軟正黑體" panose="020B0604030504040204" pitchFamily="34" charset="-120"/>
                 <a:ea typeface="微軟正黑體" panose="020B0604030504040204" pitchFamily="34" charset="-120"/>
                 <a:sym typeface="Salesforce Sans"/>
               </a:rPr>
-              <a:t>標題及含圖表的內容版面配置</a:t>
-            </a:r>
-            <a:endParaRPr lang="zh-TW" altLang="en-US" dirty="0">
-              <a:latin typeface="Salesforce Sans"/>
+              <a:t>Threads per block </a:t>
+            </a:r>
+            <a:r>
+              <a:rPr lang="en-US" altLang="zh-TW" sz="4800" dirty="0" smtClean="0">
+                <a:latin typeface="微軟正黑體" panose="020B0604030504040204" pitchFamily="34" charset="-120"/>
+                <a:ea typeface="微軟正黑體" panose="020B0604030504040204" pitchFamily="34" charset="-120"/>
+                <a:sym typeface="Salesforce Sans"/>
+              </a:rPr>
+              <a:t>vs </a:t>
+            </a:r>
+            <a:r>
+              <a:rPr lang="en-US" altLang="zh-TW" sz="4800" dirty="0" err="1" smtClean="0">
+                <a:latin typeface="微軟正黑體" panose="020B0604030504040204" pitchFamily="34" charset="-120"/>
+                <a:ea typeface="微軟正黑體" panose="020B0604030504040204" pitchFamily="34" charset="-120"/>
+                <a:sym typeface="Salesforce Sans"/>
+              </a:rPr>
+              <a:t>const</a:t>
+            </a:r>
+            <a:r>
+              <a:rPr lang="en-US" altLang="zh-TW" sz="4800" dirty="0" smtClean="0">
+                <a:latin typeface="微軟正黑體" panose="020B0604030504040204" pitchFamily="34" charset="-120"/>
+                <a:ea typeface="微軟正黑體" panose="020B0604030504040204" pitchFamily="34" charset="-120"/>
+                <a:sym typeface="Salesforce Sans"/>
+              </a:rPr>
+              <a:t> </a:t>
+            </a:r>
+            <a:r>
+              <a:rPr lang="en-US" altLang="zh-TW" sz="4800" dirty="0" smtClean="0">
+                <a:latin typeface="微軟正黑體" panose="020B0604030504040204" pitchFamily="34" charset="-120"/>
+                <a:ea typeface="微軟正黑體" panose="020B0604030504040204" pitchFamily="34" charset="-120"/>
+                <a:sym typeface="Salesforce Sans"/>
+              </a:rPr>
+              <a:t>performance</a:t>
+            </a:r>
+            <a:endParaRPr lang="zh-TW" altLang="en-US" sz="4800" dirty="0">
+              <a:latin typeface="微軟正黑體" panose="020B0604030504040204" pitchFamily="34" charset="-120"/>
               <a:ea typeface="微軟正黑體" panose="020B0604030504040204" pitchFamily="34" charset="-120"/>
               <a:sym typeface="Salesforce Sans"/>
             </a:endParaRPr>
           </a:p>
         </p:txBody>
       </p:sp>
+      <p:sp>
+        <p:nvSpPr>
+          <p:cNvPr id="2" name="內容版面配置區 1"/>
+          <p:cNvSpPr>
+            <a:spLocks noGrp="1"/>
+          </p:cNvSpPr>
+          <p:nvPr>
+            <p:ph idx="1"/>
+          </p:nvPr>
+        </p:nvSpPr>
+        <p:spPr>
+          <a:xfrm>
+            <a:off x="68390" y="990600"/>
+            <a:ext cx="5754130" cy="5638800"/>
+          </a:xfrm>
+        </p:spPr>
+        <p:txBody>
+          <a:bodyPr>
+            <a:normAutofit/>
+          </a:bodyPr>
+          <a:lstStyle/>
+          <a:p>
+            <a:endParaRPr lang="en-US" sz="2400" dirty="0" smtClean="0">
+              <a:latin typeface="微軟正黑體" panose="020B0604030504040204" pitchFamily="34" charset="-120"/>
+              <a:ea typeface="微軟正黑體" panose="020B0604030504040204" pitchFamily="34" charset="-120"/>
+            </a:endParaRPr>
+          </a:p>
+          <a:p>
+            <a:endParaRPr lang="en-US" sz="2400" dirty="0" smtClean="0">
+              <a:latin typeface="微軟正黑體" panose="020B0604030504040204" pitchFamily="34" charset="-120"/>
+              <a:ea typeface="微軟正黑體" panose="020B0604030504040204" pitchFamily="34" charset="-120"/>
+            </a:endParaRPr>
+          </a:p>
+          <a:p>
+            <a:endParaRPr lang="en-US" sz="2400" dirty="0" smtClean="0">
+              <a:latin typeface="微軟正黑體" panose="020B0604030504040204" pitchFamily="34" charset="-120"/>
+              <a:ea typeface="微軟正黑體" panose="020B0604030504040204" pitchFamily="34" charset="-120"/>
+            </a:endParaRPr>
+          </a:p>
+        </p:txBody>
+      </p:sp>
       <p:graphicFrame>
         <p:nvGraphicFramePr>
-          <p:cNvPr id="9" name="內容預留位置 8" descr="顯示由 3 種數列值所組成 4 種類別的群組直條圖"/>
-          <p:cNvGraphicFramePr>
-            <a:graphicFrameLocks noGrp="1"/>
-          </p:cNvGraphicFramePr>
+          <p:cNvPr id="5" name="圖表 4"/>
+          <p:cNvGraphicFramePr/>
           <p:nvPr>
-            <p:ph idx="1"/>
             <p:extLst>
               <p:ext uri="{D42A27DB-BD31-4B8C-83A1-F6EECF244321}">
-                <p14:modId xmlns:p14="http://schemas.microsoft.com/office/powerpoint/2010/main" val="2963422385"/>
+                <p14:modId xmlns:p14="http://schemas.microsoft.com/office/powerpoint/2010/main" val="577138027"/>
               </p:ext>
             </p:extLst>
           </p:nvPr>
         </p:nvGraphicFramePr>
         <p:xfrm>
-          <a:off x="912813" y="1731963"/>
-          <a:ext cx="10352087" cy="4059237"/>
+          <a:off x="970539" y="1057275"/>
+          <a:ext cx="10363200" cy="5029200"/>
         </p:xfrm>
         <a:graphic>
           <a:graphicData uri="http://schemas.openxmlformats.org/drawingml/2006/chart">
@@ -17041,10 +12413,273 @@
           </a:graphicData>
         </a:graphic>
       </p:graphicFrame>
+      <p:sp>
+        <p:nvSpPr>
+          <p:cNvPr id="6" name="文字方塊 5"/>
+          <p:cNvSpPr txBox="1"/>
+          <p:nvPr/>
+        </p:nvSpPr>
+        <p:spPr>
+          <a:xfrm rot="16200000">
+            <a:off x="-623534" y="2160656"/>
+            <a:ext cx="2285998" cy="707886"/>
+          </a:xfrm>
+          <a:prstGeom prst="rect">
+            <a:avLst/>
+          </a:prstGeom>
+          <a:noFill/>
+        </p:spPr>
+        <p:txBody>
+          <a:bodyPr wrap="square" rtlCol="0">
+            <a:spAutoFit/>
+          </a:bodyPr>
+          <a:lstStyle/>
+          <a:p>
+            <a:r>
+              <a:rPr lang="en-US" sz="4000" dirty="0" smtClean="0">
+                <a:latin typeface="微軟正黑體" panose="020B0604030504040204" pitchFamily="34" charset="-120"/>
+                <a:ea typeface="微軟正黑體" panose="020B0604030504040204" pitchFamily="34" charset="-120"/>
+              </a:rPr>
+              <a:t>Secs</a:t>
+            </a:r>
+            <a:endParaRPr lang="en-US" sz="4000" dirty="0">
+              <a:latin typeface="微軟正黑體" panose="020B0604030504040204" pitchFamily="34" charset="-120"/>
+              <a:ea typeface="微軟正黑體" panose="020B0604030504040204" pitchFamily="34" charset="-120"/>
+            </a:endParaRPr>
+          </a:p>
+        </p:txBody>
+      </p:sp>
+      <p:sp>
+        <p:nvSpPr>
+          <p:cNvPr id="9" name="文字方塊 8"/>
+          <p:cNvSpPr txBox="1"/>
+          <p:nvPr/>
+        </p:nvSpPr>
+        <p:spPr>
+          <a:xfrm>
+            <a:off x="3500715" y="6172200"/>
+            <a:ext cx="5257800" cy="584775"/>
+          </a:xfrm>
+          <a:prstGeom prst="rect">
+            <a:avLst/>
+          </a:prstGeom>
+          <a:noFill/>
+        </p:spPr>
+        <p:txBody>
+          <a:bodyPr wrap="square" rtlCol="0">
+            <a:spAutoFit/>
+          </a:bodyPr>
+          <a:lstStyle/>
+          <a:p>
+            <a:pPr algn="ctr"/>
+            <a:r>
+              <a:rPr lang="en-US" sz="3200" dirty="0" smtClean="0">
+                <a:latin typeface="微軟正黑體" panose="020B0604030504040204" pitchFamily="34" charset="-120"/>
+                <a:ea typeface="微軟正黑體" panose="020B0604030504040204" pitchFamily="34" charset="-120"/>
+              </a:rPr>
+              <a:t>Threads per block</a:t>
+            </a:r>
+            <a:endParaRPr lang="en-US" sz="3200" dirty="0">
+              <a:latin typeface="微軟正黑體" panose="020B0604030504040204" pitchFamily="34" charset="-120"/>
+              <a:ea typeface="微軟正黑體" panose="020B0604030504040204" pitchFamily="34" charset="-120"/>
+            </a:endParaRPr>
+          </a:p>
+        </p:txBody>
+      </p:sp>
+      <p:sp>
+        <p:nvSpPr>
+          <p:cNvPr id="3" name="文字方塊 2"/>
+          <p:cNvSpPr txBox="1"/>
+          <p:nvPr/>
+        </p:nvSpPr>
+        <p:spPr>
+          <a:xfrm>
+            <a:off x="3583019" y="3303655"/>
+            <a:ext cx="1295400" cy="707886"/>
+          </a:xfrm>
+          <a:prstGeom prst="rect">
+            <a:avLst/>
+          </a:prstGeom>
+          <a:noFill/>
+        </p:spPr>
+        <p:txBody>
+          <a:bodyPr wrap="square" rtlCol="0">
+            <a:spAutoFit/>
+          </a:bodyPr>
+          <a:lstStyle/>
+          <a:p>
+            <a:r>
+              <a:rPr lang="en-US" sz="4000" dirty="0" smtClean="0">
+                <a:solidFill>
+                  <a:schemeClr val="bg1"/>
+                </a:solidFill>
+              </a:rPr>
+              <a:t>14%</a:t>
+            </a:r>
+            <a:endParaRPr lang="en-US" dirty="0">
+              <a:solidFill>
+                <a:schemeClr val="bg1"/>
+              </a:solidFill>
+            </a:endParaRPr>
+          </a:p>
+        </p:txBody>
+      </p:sp>
+      <p:sp>
+        <p:nvSpPr>
+          <p:cNvPr id="8" name="文字方塊 7"/>
+          <p:cNvSpPr txBox="1"/>
+          <p:nvPr/>
+        </p:nvSpPr>
+        <p:spPr>
+          <a:xfrm>
+            <a:off x="1522412" y="1676400"/>
+            <a:ext cx="1295400" cy="707886"/>
+          </a:xfrm>
+          <a:prstGeom prst="rect">
+            <a:avLst/>
+          </a:prstGeom>
+          <a:noFill/>
+        </p:spPr>
+        <p:txBody>
+          <a:bodyPr wrap="square" rtlCol="0">
+            <a:spAutoFit/>
+          </a:bodyPr>
+          <a:lstStyle/>
+          <a:p>
+            <a:r>
+              <a:rPr lang="en-US" sz="4000" dirty="0" smtClean="0">
+                <a:solidFill>
+                  <a:schemeClr val="bg1"/>
+                </a:solidFill>
+              </a:rPr>
+              <a:t>32%</a:t>
+            </a:r>
+            <a:endParaRPr lang="en-US" dirty="0">
+              <a:solidFill>
+                <a:schemeClr val="bg1"/>
+              </a:solidFill>
+            </a:endParaRPr>
+          </a:p>
+        </p:txBody>
+      </p:sp>
+      <p:sp>
+        <p:nvSpPr>
+          <p:cNvPr id="10" name="文字方塊 9"/>
+          <p:cNvSpPr txBox="1"/>
+          <p:nvPr/>
+        </p:nvSpPr>
+        <p:spPr>
+          <a:xfrm>
+            <a:off x="5504439" y="3571875"/>
+            <a:ext cx="1295400" cy="707886"/>
+          </a:xfrm>
+          <a:prstGeom prst="rect">
+            <a:avLst/>
+          </a:prstGeom>
+          <a:noFill/>
+        </p:spPr>
+        <p:txBody>
+          <a:bodyPr wrap="square" rtlCol="0">
+            <a:spAutoFit/>
+          </a:bodyPr>
+          <a:lstStyle/>
+          <a:p>
+            <a:r>
+              <a:rPr lang="en-US" sz="4000" dirty="0" smtClean="0">
+                <a:solidFill>
+                  <a:schemeClr val="bg1"/>
+                </a:solidFill>
+              </a:rPr>
+              <a:t>14%</a:t>
+            </a:r>
+            <a:endParaRPr lang="en-US" dirty="0">
+              <a:solidFill>
+                <a:schemeClr val="bg1"/>
+              </a:solidFill>
+            </a:endParaRPr>
+          </a:p>
+        </p:txBody>
+      </p:sp>
+      <p:sp>
+        <p:nvSpPr>
+          <p:cNvPr id="11" name="文字方塊 10"/>
+          <p:cNvSpPr txBox="1"/>
+          <p:nvPr/>
+        </p:nvSpPr>
+        <p:spPr>
+          <a:xfrm>
+            <a:off x="7425859" y="3845668"/>
+            <a:ext cx="1295400" cy="707886"/>
+          </a:xfrm>
+          <a:prstGeom prst="rect">
+            <a:avLst/>
+          </a:prstGeom>
+          <a:noFill/>
+        </p:spPr>
+        <p:txBody>
+          <a:bodyPr wrap="square" rtlCol="0">
+            <a:spAutoFit/>
+          </a:bodyPr>
+          <a:lstStyle/>
+          <a:p>
+            <a:r>
+              <a:rPr lang="en-US" sz="4000" dirty="0" smtClean="0">
+                <a:solidFill>
+                  <a:schemeClr val="bg1"/>
+                </a:solidFill>
+              </a:rPr>
+              <a:t>22%</a:t>
+            </a:r>
+            <a:endParaRPr lang="en-US" dirty="0">
+              <a:solidFill>
+                <a:schemeClr val="bg1"/>
+              </a:solidFill>
+            </a:endParaRPr>
+          </a:p>
+        </p:txBody>
+      </p:sp>
+      <p:sp>
+        <p:nvSpPr>
+          <p:cNvPr id="12" name="文字方塊 11"/>
+          <p:cNvSpPr txBox="1"/>
+          <p:nvPr/>
+        </p:nvSpPr>
+        <p:spPr>
+          <a:xfrm>
+            <a:off x="9623408" y="3810000"/>
+            <a:ext cx="1295400" cy="707886"/>
+          </a:xfrm>
+          <a:prstGeom prst="rect">
+            <a:avLst/>
+          </a:prstGeom>
+          <a:noFill/>
+        </p:spPr>
+        <p:txBody>
+          <a:bodyPr wrap="square" rtlCol="0">
+            <a:spAutoFit/>
+          </a:bodyPr>
+          <a:lstStyle/>
+          <a:p>
+            <a:r>
+              <a:rPr lang="en-US" sz="4000" dirty="0" smtClean="0">
+                <a:solidFill>
+                  <a:schemeClr val="bg1"/>
+                </a:solidFill>
+              </a:rPr>
+              <a:t>27%</a:t>
+            </a:r>
+            <a:endParaRPr lang="en-US" dirty="0">
+              <a:solidFill>
+                <a:schemeClr val="bg1"/>
+              </a:solidFill>
+            </a:endParaRPr>
+          </a:p>
+        </p:txBody>
+      </p:sp>
     </p:spTree>
     <p:extLst>
       <p:ext uri="{BB962C8B-B14F-4D97-AF65-F5344CB8AC3E}">
-        <p14:creationId xmlns:p14="http://schemas.microsoft.com/office/powerpoint/2010/main" val="1484811712"/>
+        <p14:creationId xmlns:p14="http://schemas.microsoft.com/office/powerpoint/2010/main" val="1695494286"/>
       </p:ext>
     </p:extLst>
   </p:cSld>
@@ -17063,6 +12698,13 @@
       </p:transition>
     </mc:Fallback>
   </mc:AlternateContent>
+  <p:timing>
+    <p:tnLst>
+      <p:par>
+        <p:cTn id="1" dur="indefinite" restart="never" nodeType="tmRoot"/>
+      </p:par>
+    </p:tnLst>
+  </p:timing>
 </p:sld>
 </file>
 
@@ -17085,520 +12727,218 @@
       </p:grpSpPr>
       <p:sp>
         <p:nvSpPr>
-          <p:cNvPr id="2" name="標題 1"/>
-          <p:cNvSpPr>
-            <a:spLocks noGrp="1"/>
-          </p:cNvSpPr>
-          <p:nvPr>
-            <p:ph type="title"/>
-          </p:nvPr>
-        </p:nvSpPr>
-        <p:spPr/>
-        <p:txBody>
-          <a:bodyPr rtlCol="0"/>
+          <p:cNvPr id="4" name="文字方塊 3"/>
+          <p:cNvSpPr txBox="1"/>
+          <p:nvPr/>
+        </p:nvSpPr>
+        <p:spPr>
+          <a:xfrm>
+            <a:off x="454025" y="5410200"/>
+            <a:ext cx="11734800" cy="1323439"/>
+          </a:xfrm>
+          <a:prstGeom prst="rect">
+            <a:avLst/>
+          </a:prstGeom>
+          <a:noFill/>
+        </p:spPr>
+        <p:txBody>
+          <a:bodyPr wrap="square" rtlCol="0">
+            <a:spAutoFit/>
+          </a:bodyPr>
           <a:lstStyle/>
           <a:p>
-            <a:pPr rtl="0"/>
-            <a:r>
-              <a:rPr lang="zh-TW" altLang="en-US" dirty="0" smtClean="0">
-                <a:latin typeface="Salesforce Sans"/>
+            <a:r>
+              <a:rPr lang="en-US" sz="4000" dirty="0" smtClean="0">
+                <a:latin typeface="微軟正黑體" panose="020B0604030504040204" pitchFamily="34" charset="-120"/>
                 <a:ea typeface="微軟正黑體" panose="020B0604030504040204" pitchFamily="34" charset="-120"/>
-                <a:sym typeface="Salesforce Sans"/>
               </a:rPr>
-              <a:t>含表格的兩項內容版面配置</a:t>
-            </a:r>
-            <a:endParaRPr lang="zh-TW" altLang="en-US" dirty="0">
-              <a:latin typeface="Salesforce Sans"/>
+              <a:t>CUDA </a:t>
+            </a:r>
+            <a:r>
+              <a:rPr lang="en-US" sz="4000" dirty="0" err="1" smtClean="0">
+                <a:latin typeface="微軟正黑體" panose="020B0604030504040204" pitchFamily="34" charset="-120"/>
+                <a:ea typeface="微軟正黑體" panose="020B0604030504040204" pitchFamily="34" charset="-120"/>
+              </a:rPr>
+              <a:t>const</a:t>
+            </a:r>
+            <a:r>
+              <a:rPr lang="en-US" sz="4000" dirty="0" smtClean="0">
+                <a:latin typeface="微軟正黑體" panose="020B0604030504040204" pitchFamily="34" charset="-120"/>
+                <a:ea typeface="微軟正黑體" panose="020B0604030504040204" pitchFamily="34" charset="-120"/>
+              </a:rPr>
+              <a:t> 5.875sec</a:t>
+            </a:r>
+            <a:r>
+              <a:rPr lang="en-US" sz="4000" dirty="0" smtClean="0">
+                <a:latin typeface="微軟正黑體" panose="020B0604030504040204" pitchFamily="34" charset="-120"/>
+                <a:ea typeface="微軟正黑體" panose="020B0604030504040204" pitchFamily="34" charset="-120"/>
+              </a:rPr>
+              <a:t>, accelerate </a:t>
+            </a:r>
+            <a:r>
+              <a:rPr lang="en-US" sz="4000" u="sng" dirty="0" smtClean="0">
+                <a:solidFill>
+                  <a:srgbClr val="FF0000"/>
+                </a:solidFill>
+                <a:latin typeface="微軟正黑體" panose="020B0604030504040204" pitchFamily="34" charset="-120"/>
+                <a:ea typeface="微軟正黑體" panose="020B0604030504040204" pitchFamily="34" charset="-120"/>
+              </a:rPr>
+              <a:t>1108</a:t>
+            </a:r>
+            <a:r>
+              <a:rPr lang="en-US" sz="4000" u="sng" dirty="0" smtClean="0">
+                <a:solidFill>
+                  <a:srgbClr val="FF0000"/>
+                </a:solidFill>
+                <a:latin typeface="微軟正黑體" panose="020B0604030504040204" pitchFamily="34" charset="-120"/>
+                <a:ea typeface="微軟正黑體" panose="020B0604030504040204" pitchFamily="34" charset="-120"/>
+              </a:rPr>
+              <a:t>x</a:t>
+            </a:r>
+          </a:p>
+          <a:p>
+            <a:r>
+              <a:rPr lang="en-US" sz="4000" dirty="0" smtClean="0">
+                <a:latin typeface="微軟正黑體" panose="020B0604030504040204" pitchFamily="34" charset="-120"/>
+                <a:ea typeface="微軟正黑體" panose="020B0604030504040204" pitchFamily="34" charset="-120"/>
+              </a:rPr>
+              <a:t>Identical with normal CUDA, error 1 %</a:t>
+            </a:r>
+            <a:endParaRPr lang="en-US" sz="4000" dirty="0" smtClean="0">
+              <a:latin typeface="微軟正黑體" panose="020B0604030504040204" pitchFamily="34" charset="-120"/>
               <a:ea typeface="微軟正黑體" panose="020B0604030504040204" pitchFamily="34" charset="-120"/>
-              <a:sym typeface="Salesforce Sans"/>
             </a:endParaRPr>
           </a:p>
         </p:txBody>
       </p:sp>
-      <p:sp>
-        <p:nvSpPr>
-          <p:cNvPr id="3" name="內容預留位置 2"/>
-          <p:cNvSpPr>
-            <a:spLocks noGrp="1"/>
-          </p:cNvSpPr>
-          <p:nvPr>
-            <p:ph sz="half" idx="1"/>
-          </p:nvPr>
-        </p:nvSpPr>
-        <p:spPr/>
-        <p:txBody>
-          <a:bodyPr rtlCol="0"/>
+      <p:pic>
+        <p:nvPicPr>
+          <p:cNvPr id="2" name="圖片 1"/>
+          <p:cNvPicPr>
+            <a:picLocks noChangeAspect="1"/>
+          </p:cNvPicPr>
+          <p:nvPr/>
+        </p:nvPicPr>
+        <p:blipFill>
+          <a:blip r:embed="rId2" cstate="print">
+            <a:extLst>
+              <a:ext uri="{28A0092B-C50C-407E-A947-70E740481C1C}">
+                <a14:useLocalDpi xmlns:a14="http://schemas.microsoft.com/office/drawing/2010/main" val="0"/>
+              </a:ext>
+            </a:extLst>
+          </a:blip>
+          <a:stretch>
+            <a:fillRect/>
+          </a:stretch>
+        </p:blipFill>
+        <p:spPr>
+          <a:xfrm>
+            <a:off x="6170612" y="1366434"/>
+            <a:ext cx="5865813" cy="3299519"/>
+          </a:xfrm>
+          <a:prstGeom prst="rect">
+            <a:avLst/>
+          </a:prstGeom>
+        </p:spPr>
+      </p:pic>
+      <p:pic>
+        <p:nvPicPr>
+          <p:cNvPr id="3" name="圖片 2"/>
+          <p:cNvPicPr>
+            <a:picLocks noChangeAspect="1"/>
+          </p:cNvPicPr>
+          <p:nvPr/>
+        </p:nvPicPr>
+        <p:blipFill>
+          <a:blip r:embed="rId2" cstate="print">
+            <a:extLst>
+              <a:ext uri="{28A0092B-C50C-407E-A947-70E740481C1C}">
+                <a14:useLocalDpi xmlns:a14="http://schemas.microsoft.com/office/drawing/2010/main" val="0"/>
+              </a:ext>
+            </a:extLst>
+          </a:blip>
+          <a:stretch>
+            <a:fillRect/>
+          </a:stretch>
+        </p:blipFill>
+        <p:spPr>
+          <a:xfrm>
+            <a:off x="150812" y="1371600"/>
+            <a:ext cx="5867400" cy="3300412"/>
+          </a:xfrm>
+          <a:prstGeom prst="rect">
+            <a:avLst/>
+          </a:prstGeom>
+        </p:spPr>
+      </p:pic>
+      <p:sp>
+        <p:nvSpPr>
+          <p:cNvPr id="6" name="文字方塊 5"/>
+          <p:cNvSpPr txBox="1"/>
+          <p:nvPr/>
+        </p:nvSpPr>
+        <p:spPr>
+          <a:xfrm>
+            <a:off x="227012" y="217913"/>
+            <a:ext cx="11809413" cy="830997"/>
+          </a:xfrm>
+          <a:prstGeom prst="rect">
+            <a:avLst/>
+          </a:prstGeom>
+          <a:noFill/>
+        </p:spPr>
+        <p:txBody>
+          <a:bodyPr wrap="square" rtlCol="0">
+            <a:spAutoFit/>
+          </a:bodyPr>
           <a:lstStyle/>
           <a:p>
-            <a:pPr rtl="0"/>
-            <a:r>
-              <a:rPr lang="zh-TW" altLang="en-US" dirty="0" smtClean="0">
-                <a:latin typeface="Salesforce Sans"/>
+            <a:pPr algn="ctr"/>
+            <a:r>
+              <a:rPr lang="en-US" sz="4800" dirty="0" smtClean="0">
+                <a:latin typeface="微軟正黑體" panose="020B0604030504040204" pitchFamily="34" charset="-120"/>
                 <a:ea typeface="微軟正黑體" panose="020B0604030504040204" pitchFamily="34" charset="-120"/>
-                <a:sym typeface="Salesforce Sans"/>
               </a:rPr>
-              <a:t>第一個項目符號</a:t>
-            </a:r>
-          </a:p>
-          <a:p>
-            <a:pPr rtl="0"/>
-            <a:r>
-              <a:rPr lang="zh-TW" altLang="en-US" dirty="0" smtClean="0">
-                <a:latin typeface="Salesforce Sans"/>
+              <a:t>Result with </a:t>
+            </a:r>
+            <a:r>
+              <a:rPr lang="en-US" sz="4800" dirty="0" err="1" smtClean="0">
+                <a:latin typeface="微軟正黑體" panose="020B0604030504040204" pitchFamily="34" charset="-120"/>
                 <a:ea typeface="微軟正黑體" panose="020B0604030504040204" pitchFamily="34" charset="-120"/>
-                <a:sym typeface="Salesforce Sans"/>
               </a:rPr>
-              <a:t>第二個項目符號</a:t>
-            </a:r>
-          </a:p>
-          <a:p>
-            <a:pPr rtl="0"/>
-            <a:r>
-              <a:rPr lang="zh-TW" altLang="en-US" dirty="0" smtClean="0">
-                <a:latin typeface="Salesforce Sans"/>
+              <a:t>const</a:t>
+            </a:r>
+            <a:r>
+              <a:rPr lang="en-US" sz="4800" dirty="0" smtClean="0">
+                <a:latin typeface="微軟正黑體" panose="020B0604030504040204" pitchFamily="34" charset="-120"/>
                 <a:ea typeface="微軟正黑體" panose="020B0604030504040204" pitchFamily="34" charset="-120"/>
-                <a:sym typeface="Salesforce Sans"/>
               </a:rPr>
-              <a:t>第三個項目符號</a:t>
-            </a:r>
-            <a:endParaRPr lang="zh-TW" altLang="en-US" dirty="0">
-              <a:latin typeface="Salesforce Sans"/>
+              <a:t> memory </a:t>
+            </a:r>
+            <a:endParaRPr lang="en-US" sz="4800" dirty="0">
+              <a:latin typeface="微軟正黑體" panose="020B0604030504040204" pitchFamily="34" charset="-120"/>
               <a:ea typeface="微軟正黑體" panose="020B0604030504040204" pitchFamily="34" charset="-120"/>
-              <a:sym typeface="Salesforce Sans"/>
             </a:endParaRPr>
           </a:p>
         </p:txBody>
       </p:sp>
-      <p:graphicFrame>
-        <p:nvGraphicFramePr>
-          <p:cNvPr id="5" name="內容預留位置 4"/>
-          <p:cNvGraphicFramePr>
-            <a:graphicFrameLocks noGrp="1"/>
-          </p:cNvGraphicFramePr>
-          <p:nvPr>
-            <p:ph sz="half" idx="2"/>
-            <p:extLst>
-              <p:ext uri="{D42A27DB-BD31-4B8C-83A1-F6EECF244321}">
-                <p14:modId xmlns:p14="http://schemas.microsoft.com/office/powerpoint/2010/main" val="3252908172"/>
-              </p:ext>
-            </p:extLst>
-          </p:nvPr>
-        </p:nvGraphicFramePr>
-        <p:xfrm>
-          <a:off x="6200775" y="1731963"/>
-          <a:ext cx="5064126" cy="2255836"/>
-        </p:xfrm>
-        <a:graphic>
-          <a:graphicData uri="http://schemas.openxmlformats.org/drawingml/2006/table">
-            <a:tbl>
-              <a:tblPr firstRow="1" bandRow="1">
-                <a:tableStyleId>{5C22544A-7EE6-4342-B048-85BDC9FD1C3A}</a:tableStyleId>
-              </a:tblPr>
-              <a:tblGrid>
-                <a:gridCol w="1688042">
-                  <a:extLst>
-                    <a:ext uri="{9D8B030D-6E8A-4147-A177-3AD203B41FA5}">
-                      <a16:colId xmlns:a16="http://schemas.microsoft.com/office/drawing/2014/main" val="20000"/>
-                    </a:ext>
-                  </a:extLst>
-                </a:gridCol>
-                <a:gridCol w="1688042">
-                  <a:extLst>
-                    <a:ext uri="{9D8B030D-6E8A-4147-A177-3AD203B41FA5}">
-                      <a16:colId xmlns:a16="http://schemas.microsoft.com/office/drawing/2014/main" val="20001"/>
-                    </a:ext>
-                  </a:extLst>
-                </a:gridCol>
-                <a:gridCol w="1688042">
-                  <a:extLst>
-                    <a:ext uri="{9D8B030D-6E8A-4147-A177-3AD203B41FA5}">
-                      <a16:colId xmlns:a16="http://schemas.microsoft.com/office/drawing/2014/main" val="20002"/>
-                    </a:ext>
-                  </a:extLst>
-                </a:gridCol>
-              </a:tblGrid>
-              <a:tr h="563959">
-                <a:tc>
-                  <a:txBody>
-                    <a:bodyPr/>
-                    <a:lstStyle/>
-                    <a:p>
-                      <a:pPr rtl="0"/>
-                      <a:r>
-                        <a:rPr lang="zh-TW" altLang="en-US" noProof="0" dirty="0" smtClean="0">
-                          <a:latin typeface="+mj-ea"/>
-                          <a:ea typeface="+mj-ea"/>
-                          <a:sym typeface="Salesforce Sans"/>
-                        </a:rPr>
-                        <a:t>類別</a:t>
-                      </a:r>
-                      <a:endParaRPr lang="zh-TW" altLang="en-US" noProof="0" dirty="0">
-                        <a:latin typeface="+mj-ea"/>
-                        <a:ea typeface="+mj-ea"/>
-                        <a:sym typeface="Salesforce Sans"/>
-                      </a:endParaRPr>
-                    </a:p>
-                  </a:txBody>
-                  <a:tcPr marL="91184" marR="91184" anchor="ctr">
-                    <a:solidFill>
-                      <a:srgbClr val="008282"/>
-                    </a:solidFill>
-                  </a:tcPr>
-                </a:tc>
-                <a:tc>
-                  <a:txBody>
-                    <a:bodyPr/>
-                    <a:lstStyle/>
-                    <a:p>
-                      <a:pPr algn="ctr" rtl="0"/>
-                      <a:r>
-                        <a:rPr lang="zh-TW" altLang="en-US" noProof="0" dirty="0" smtClean="0">
-                          <a:latin typeface="+mj-ea"/>
-                          <a:ea typeface="+mj-ea"/>
-                          <a:sym typeface="Salesforce Sans"/>
-                        </a:rPr>
-                        <a:t>群組 </a:t>
-                      </a:r>
-                      <a:r>
-                        <a:rPr lang="en-US" altLang="zh-TW" noProof="0" dirty="0" smtClean="0">
-                          <a:latin typeface="+mj-ea"/>
-                          <a:ea typeface="+mj-ea"/>
-                          <a:sym typeface="Salesforce Sans"/>
-                        </a:rPr>
-                        <a:t>1</a:t>
-                      </a:r>
-                      <a:endParaRPr lang="zh-TW" altLang="en-US" noProof="0" dirty="0">
-                        <a:latin typeface="+mj-ea"/>
-                        <a:ea typeface="+mj-ea"/>
-                        <a:sym typeface="Salesforce Sans"/>
-                      </a:endParaRPr>
-                    </a:p>
-                  </a:txBody>
-                  <a:tcPr marL="91184" marR="91184" anchor="ctr">
-                    <a:solidFill>
-                      <a:srgbClr val="008282"/>
-                    </a:solidFill>
-                  </a:tcPr>
-                </a:tc>
-                <a:tc>
-                  <a:txBody>
-                    <a:bodyPr/>
-                    <a:lstStyle/>
-                    <a:p>
-                      <a:pPr algn="ctr" rtl="0"/>
-                      <a:r>
-                        <a:rPr lang="zh-TW" altLang="en-US" noProof="0" dirty="0" smtClean="0">
-                          <a:latin typeface="+mj-ea"/>
-                          <a:ea typeface="+mj-ea"/>
-                          <a:sym typeface="Salesforce Sans"/>
-                        </a:rPr>
-                        <a:t>群組 </a:t>
-                      </a:r>
-                      <a:r>
-                        <a:rPr lang="en-US" altLang="zh-TW" noProof="0" dirty="0" smtClean="0">
-                          <a:latin typeface="+mj-ea"/>
-                          <a:ea typeface="+mj-ea"/>
-                          <a:sym typeface="Salesforce Sans"/>
-                        </a:rPr>
-                        <a:t>2</a:t>
-                      </a:r>
-                      <a:endParaRPr lang="zh-TW" altLang="en-US" noProof="0" dirty="0">
-                        <a:latin typeface="+mj-ea"/>
-                        <a:ea typeface="+mj-ea"/>
-                        <a:sym typeface="Salesforce Sans"/>
-                      </a:endParaRPr>
-                    </a:p>
-                  </a:txBody>
-                  <a:tcPr marL="91184" marR="91184" anchor="ctr">
-                    <a:solidFill>
-                      <a:srgbClr val="008282"/>
-                    </a:solidFill>
-                  </a:tcPr>
-                </a:tc>
-                <a:extLst>
-                  <a:ext uri="{0D108BD9-81ED-4DB2-BD59-A6C34878D82A}">
-                    <a16:rowId xmlns:a16="http://schemas.microsoft.com/office/drawing/2014/main" val="10000"/>
-                  </a:ext>
-                </a:extLst>
-              </a:tr>
-              <a:tr h="563959">
-                <a:tc>
-                  <a:txBody>
-                    <a:bodyPr/>
-                    <a:lstStyle/>
-                    <a:p>
-                      <a:pPr rtl="0"/>
-                      <a:r>
-                        <a:rPr lang="zh-TW" altLang="en-US" noProof="0" dirty="0" smtClean="0">
-                          <a:latin typeface="+mj-ea"/>
-                          <a:ea typeface="+mj-ea"/>
-                          <a:sym typeface="Salesforce Sans"/>
-                        </a:rPr>
-                        <a:t>類別 </a:t>
-                      </a:r>
-                      <a:r>
-                        <a:rPr lang="en-US" altLang="zh-TW" noProof="0" dirty="0" smtClean="0">
-                          <a:latin typeface="+mj-ea"/>
-                          <a:ea typeface="+mj-ea"/>
-                          <a:sym typeface="Salesforce Sans"/>
-                        </a:rPr>
-                        <a:t>1</a:t>
-                      </a:r>
-                      <a:endParaRPr lang="zh-TW" altLang="en-US" noProof="0" dirty="0">
-                        <a:latin typeface="+mj-ea"/>
-                        <a:ea typeface="+mj-ea"/>
-                        <a:sym typeface="Salesforce Sans"/>
-                      </a:endParaRPr>
-                    </a:p>
-                  </a:txBody>
-                  <a:tcPr marL="91184" marR="91184" anchor="ctr"/>
-                </a:tc>
-                <a:tc>
-                  <a:txBody>
-                    <a:bodyPr/>
-                    <a:lstStyle/>
-                    <a:p>
-                      <a:pPr algn="ctr" rtl="0"/>
-                      <a:r>
-                        <a:rPr lang="en-US" altLang="zh-TW" noProof="0" dirty="0" smtClean="0">
-                          <a:latin typeface="+mj-ea"/>
-                          <a:ea typeface="+mj-ea"/>
-                          <a:sym typeface="Salesforce Sans"/>
-                        </a:rPr>
-                        <a:t>82</a:t>
-                      </a:r>
-                      <a:endParaRPr lang="zh-TW" altLang="en-US" noProof="0" dirty="0">
-                        <a:latin typeface="+mj-ea"/>
-                        <a:ea typeface="+mj-ea"/>
-                        <a:sym typeface="Salesforce Sans"/>
-                      </a:endParaRPr>
-                    </a:p>
-                  </a:txBody>
-                  <a:tcPr marL="91184" marR="91184" anchor="ctr"/>
-                </a:tc>
-                <a:tc>
-                  <a:txBody>
-                    <a:bodyPr/>
-                    <a:lstStyle/>
-                    <a:p>
-                      <a:pPr algn="ctr" rtl="0"/>
-                      <a:r>
-                        <a:rPr lang="en-US" altLang="zh-TW" noProof="0" dirty="0" smtClean="0">
-                          <a:latin typeface="+mj-ea"/>
-                          <a:ea typeface="+mj-ea"/>
-                          <a:sym typeface="Salesforce Sans"/>
-                        </a:rPr>
-                        <a:t>95</a:t>
-                      </a:r>
-                      <a:endParaRPr lang="zh-TW" altLang="en-US" noProof="0" dirty="0">
-                        <a:latin typeface="+mj-ea"/>
-                        <a:ea typeface="+mj-ea"/>
-                        <a:sym typeface="Salesforce Sans"/>
-                      </a:endParaRPr>
-                    </a:p>
-                  </a:txBody>
-                  <a:tcPr marL="91184" marR="91184" anchor="ctr"/>
-                </a:tc>
-                <a:extLst>
-                  <a:ext uri="{0D108BD9-81ED-4DB2-BD59-A6C34878D82A}">
-                    <a16:rowId xmlns:a16="http://schemas.microsoft.com/office/drawing/2014/main" val="10001"/>
-                  </a:ext>
-                </a:extLst>
-              </a:tr>
-              <a:tr h="563959">
-                <a:tc>
-                  <a:txBody>
-                    <a:bodyPr/>
-                    <a:lstStyle/>
-                    <a:p>
-                      <a:pPr rtl="0"/>
-                      <a:r>
-                        <a:rPr lang="zh-TW" altLang="en-US" noProof="0" dirty="0" smtClean="0">
-                          <a:latin typeface="+mj-ea"/>
-                          <a:ea typeface="+mj-ea"/>
-                          <a:sym typeface="Salesforce Sans"/>
-                        </a:rPr>
-                        <a:t>類別 </a:t>
-                      </a:r>
-                      <a:r>
-                        <a:rPr lang="en-US" altLang="zh-TW" noProof="0" dirty="0" smtClean="0">
-                          <a:latin typeface="+mj-ea"/>
-                          <a:ea typeface="+mj-ea"/>
-                          <a:sym typeface="Salesforce Sans"/>
-                        </a:rPr>
-                        <a:t>2</a:t>
-                      </a:r>
-                      <a:endParaRPr lang="zh-TW" altLang="en-US" noProof="0" dirty="0">
-                        <a:latin typeface="+mj-ea"/>
-                        <a:ea typeface="+mj-ea"/>
-                        <a:sym typeface="Salesforce Sans"/>
-                      </a:endParaRPr>
-                    </a:p>
-                  </a:txBody>
-                  <a:tcPr marL="91184" marR="91184" anchor="ctr"/>
-                </a:tc>
-                <a:tc>
-                  <a:txBody>
-                    <a:bodyPr/>
-                    <a:lstStyle/>
-                    <a:p>
-                      <a:pPr algn="ctr" rtl="0"/>
-                      <a:r>
-                        <a:rPr lang="en-US" altLang="zh-TW" noProof="0" dirty="0" smtClean="0">
-                          <a:latin typeface="+mj-ea"/>
-                          <a:ea typeface="+mj-ea"/>
-                          <a:sym typeface="Salesforce Sans"/>
-                        </a:rPr>
-                        <a:t>76</a:t>
-                      </a:r>
-                      <a:endParaRPr lang="zh-TW" altLang="en-US" noProof="0" dirty="0">
-                        <a:latin typeface="+mj-ea"/>
-                        <a:ea typeface="+mj-ea"/>
-                        <a:sym typeface="Salesforce Sans"/>
-                      </a:endParaRPr>
-                    </a:p>
-                  </a:txBody>
-                  <a:tcPr marL="91184" marR="91184" anchor="ctr"/>
-                </a:tc>
-                <a:tc>
-                  <a:txBody>
-                    <a:bodyPr/>
-                    <a:lstStyle/>
-                    <a:p>
-                      <a:pPr algn="ctr" rtl="0"/>
-                      <a:r>
-                        <a:rPr lang="en-US" altLang="zh-TW" noProof="0" dirty="0" smtClean="0">
-                          <a:latin typeface="+mj-ea"/>
-                          <a:ea typeface="+mj-ea"/>
-                          <a:sym typeface="Salesforce Sans"/>
-                        </a:rPr>
-                        <a:t>88</a:t>
-                      </a:r>
-                      <a:endParaRPr lang="zh-TW" altLang="en-US" noProof="0" dirty="0">
-                        <a:latin typeface="+mj-ea"/>
-                        <a:ea typeface="+mj-ea"/>
-                        <a:sym typeface="Salesforce Sans"/>
-                      </a:endParaRPr>
-                    </a:p>
-                  </a:txBody>
-                  <a:tcPr marL="91184" marR="91184" anchor="ctr"/>
-                </a:tc>
-                <a:extLst>
-                  <a:ext uri="{0D108BD9-81ED-4DB2-BD59-A6C34878D82A}">
-                    <a16:rowId xmlns:a16="http://schemas.microsoft.com/office/drawing/2014/main" val="10002"/>
-                  </a:ext>
-                </a:extLst>
-              </a:tr>
-              <a:tr h="563959">
-                <a:tc>
-                  <a:txBody>
-                    <a:bodyPr/>
-                    <a:lstStyle/>
-                    <a:p>
-                      <a:pPr rtl="0"/>
-                      <a:r>
-                        <a:rPr lang="zh-TW" altLang="en-US" noProof="0" dirty="0" smtClean="0">
-                          <a:latin typeface="+mj-ea"/>
-                          <a:ea typeface="+mj-ea"/>
-                          <a:sym typeface="Salesforce Sans"/>
-                        </a:rPr>
-                        <a:t>類別 </a:t>
-                      </a:r>
-                      <a:r>
-                        <a:rPr lang="en-US" altLang="zh-TW" noProof="0" dirty="0" smtClean="0">
-                          <a:latin typeface="+mj-ea"/>
-                          <a:ea typeface="+mj-ea"/>
-                          <a:sym typeface="Salesforce Sans"/>
-                        </a:rPr>
-                        <a:t>3</a:t>
-                      </a:r>
-                      <a:endParaRPr lang="zh-TW" altLang="en-US" noProof="0" dirty="0">
-                        <a:latin typeface="+mj-ea"/>
-                        <a:ea typeface="+mj-ea"/>
-                        <a:sym typeface="Salesforce Sans"/>
-                      </a:endParaRPr>
-                    </a:p>
-                  </a:txBody>
-                  <a:tcPr marL="91184" marR="91184" anchor="ctr"/>
-                </a:tc>
-                <a:tc>
-                  <a:txBody>
-                    <a:bodyPr/>
-                    <a:lstStyle/>
-                    <a:p>
-                      <a:pPr algn="ctr" rtl="0"/>
-                      <a:r>
-                        <a:rPr lang="en-US" altLang="zh-TW" noProof="0" dirty="0" smtClean="0">
-                          <a:latin typeface="+mj-ea"/>
-                          <a:ea typeface="+mj-ea"/>
-                          <a:sym typeface="Salesforce Sans"/>
-                        </a:rPr>
-                        <a:t>84</a:t>
-                      </a:r>
-                      <a:endParaRPr lang="zh-TW" altLang="en-US" noProof="0" dirty="0">
-                        <a:latin typeface="+mj-ea"/>
-                        <a:ea typeface="+mj-ea"/>
-                        <a:sym typeface="Salesforce Sans"/>
-                      </a:endParaRPr>
-                    </a:p>
-                  </a:txBody>
-                  <a:tcPr marL="91184" marR="91184" anchor="ctr"/>
-                </a:tc>
-                <a:tc>
-                  <a:txBody>
-                    <a:bodyPr/>
-                    <a:lstStyle/>
-                    <a:p>
-                      <a:pPr algn="ctr" rtl="0"/>
-                      <a:r>
-                        <a:rPr lang="en-US" altLang="zh-TW" noProof="0" dirty="0" smtClean="0">
-                          <a:latin typeface="+mj-ea"/>
-                          <a:ea typeface="+mj-ea"/>
-                          <a:sym typeface="Salesforce Sans"/>
-                        </a:rPr>
-                        <a:t>90</a:t>
-                      </a:r>
-                      <a:endParaRPr lang="zh-TW" altLang="en-US" noProof="0" dirty="0">
-                        <a:latin typeface="+mj-ea"/>
-                        <a:ea typeface="+mj-ea"/>
-                        <a:sym typeface="Salesforce Sans"/>
-                      </a:endParaRPr>
-                    </a:p>
-                  </a:txBody>
-                  <a:tcPr marL="91184" marR="91184" anchor="ctr"/>
-                </a:tc>
-                <a:extLst>
-                  <a:ext uri="{0D108BD9-81ED-4DB2-BD59-A6C34878D82A}">
-                    <a16:rowId xmlns:a16="http://schemas.microsoft.com/office/drawing/2014/main" val="10003"/>
-                  </a:ext>
-                </a:extLst>
-              </a:tr>
-            </a:tbl>
-          </a:graphicData>
-        </a:graphic>
-      </p:graphicFrame>
     </p:spTree>
     <p:extLst>
       <p:ext uri="{BB962C8B-B14F-4D97-AF65-F5344CB8AC3E}">
-        <p14:creationId xmlns:p14="http://schemas.microsoft.com/office/powerpoint/2010/main" val="2341911148"/>
+        <p14:creationId xmlns:p14="http://schemas.microsoft.com/office/powerpoint/2010/main" val="11474486"/>
       </p:ext>
     </p:extLst>
   </p:cSld>
   <p:clrMapOvr>
     <a:masterClrMapping/>
   </p:clrMapOvr>
-  <mc:AlternateContent xmlns:mc="http://schemas.openxmlformats.org/markup-compatibility/2006" xmlns:p14="http://schemas.microsoft.com/office/powerpoint/2010/main">
-    <mc:Choice Requires="p14">
-      <p:transition spd="med" p14:dur="700">
-        <p:fade/>
-      </p:transition>
-    </mc:Choice>
-    <mc:Fallback xmlns="">
-      <p:transition spd="med">
-        <p:fade/>
-      </p:transition>
-    </mc:Fallback>
-  </mc:AlternateContent>
+  <p:timing>
+    <p:tnLst>
+      <p:par>
+        <p:cTn id="1" dur="indefinite" restart="never" nodeType="tmRoot"/>
+      </p:par>
+    </p:tnLst>
+  </p:timing>
 </p:sld>
 </file>
 
@@ -17629,129 +12969,68 @@
             <p:ph type="title"/>
           </p:nvPr>
         </p:nvSpPr>
-        <p:spPr/>
-        <p:txBody>
-          <a:bodyPr rtlCol="0"/>
+        <p:spPr>
+          <a:xfrm>
+            <a:off x="946016" y="0"/>
+            <a:ext cx="10351066" cy="970450"/>
+          </a:xfrm>
+        </p:spPr>
+        <p:txBody>
+          <a:bodyPr>
+            <a:normAutofit/>
+          </a:bodyPr>
           <a:lstStyle/>
           <a:p>
-            <a:pPr rtl="0"/>
-            <a:r>
-              <a:rPr lang="zh-TW" altLang="en-US" dirty="0" smtClean="0">
-                <a:sym typeface="Salesforce Sans"/>
+            <a:r>
+              <a:rPr lang="en-US" sz="4800" dirty="0" smtClean="0">
+                <a:latin typeface="微軟正黑體" panose="020B0604030504040204" pitchFamily="34" charset="-120"/>
+                <a:ea typeface="微軟正黑體" panose="020B0604030504040204" pitchFamily="34" charset="-120"/>
               </a:rPr>
-              <a:t>含 </a:t>
-            </a:r>
-            <a:r>
-              <a:rPr lang="en-US" altLang="zh-TW" dirty="0" smtClean="0">
-                <a:sym typeface="Salesforce Sans"/>
-              </a:rPr>
-              <a:t>SmartArt </a:t>
-            </a:r>
-            <a:r>
-              <a:rPr lang="zh-TW" altLang="en-US" dirty="0" smtClean="0">
-                <a:sym typeface="Salesforce Sans"/>
-              </a:rPr>
-              <a:t>的兩項內容版面配置</a:t>
-            </a:r>
-            <a:endParaRPr lang="zh-TW" altLang="en-US" dirty="0">
-              <a:sym typeface="Salesforce Sans"/>
+              <a:t>Demo Video</a:t>
+            </a:r>
+            <a:endParaRPr lang="en-US" sz="4800" dirty="0">
+              <a:latin typeface="微軟正黑體" panose="020B0604030504040204" pitchFamily="34" charset="-120"/>
+              <a:ea typeface="微軟正黑體" panose="020B0604030504040204" pitchFamily="34" charset="-120"/>
             </a:endParaRPr>
           </a:p>
         </p:txBody>
       </p:sp>
       <p:sp>
         <p:nvSpPr>
-          <p:cNvPr id="3" name="內容預留位置 2"/>
+          <p:cNvPr id="3" name="內容版面配置區 2"/>
           <p:cNvSpPr>
             <a:spLocks noGrp="1"/>
           </p:cNvSpPr>
           <p:nvPr>
-            <p:ph sz="half" idx="1"/>
+            <p:ph idx="1"/>
           </p:nvPr>
         </p:nvSpPr>
         <p:spPr/>
         <p:txBody>
-          <a:bodyPr rtlCol="0"/>
+          <a:bodyPr/>
           <a:lstStyle/>
           <a:p>
-            <a:pPr rtl="0"/>
-            <a:r>
-              <a:rPr lang="zh-TW" altLang="en-US" dirty="0" smtClean="0">
-                <a:sym typeface="Salesforce Sans"/>
-              </a:rPr>
-              <a:t>第一個項目符號</a:t>
-            </a:r>
-          </a:p>
-          <a:p>
-            <a:pPr rtl="0"/>
-            <a:r>
-              <a:rPr lang="zh-TW" altLang="en-US" dirty="0" smtClean="0">
-                <a:sym typeface="Salesforce Sans"/>
-              </a:rPr>
-              <a:t>第二個項目符號</a:t>
-            </a:r>
-          </a:p>
-          <a:p>
-            <a:pPr rtl="0"/>
-            <a:r>
-              <a:rPr lang="zh-TW" altLang="en-US" dirty="0" smtClean="0">
-                <a:sym typeface="Salesforce Sans"/>
-              </a:rPr>
-              <a:t>第三個項目符號</a:t>
-            </a:r>
-            <a:endParaRPr lang="zh-TW" altLang="en-US" dirty="0">
-              <a:sym typeface="Salesforce Sans"/>
-            </a:endParaRPr>
-          </a:p>
-        </p:txBody>
-      </p:sp>
-      <p:graphicFrame>
-        <p:nvGraphicFramePr>
-          <p:cNvPr id="5" name="內容預留位置 4" descr="由上至下依序顯示 3 項工作的交錯流程圖，兩個向下箭號用來表示由第一項工作到第二項工作，再由第二項工作到第三項工作的進程。"/>
-          <p:cNvGraphicFramePr>
-            <a:graphicFrameLocks noGrp="1"/>
-          </p:cNvGraphicFramePr>
-          <p:nvPr>
-            <p:ph sz="half" idx="2"/>
-            <p:extLst>
-              <p:ext uri="{D42A27DB-BD31-4B8C-83A1-F6EECF244321}">
-                <p14:modId xmlns:p14="http://schemas.microsoft.com/office/powerpoint/2010/main" val="2150814564"/>
-              </p:ext>
-            </p:extLst>
-          </p:nvPr>
-        </p:nvGraphicFramePr>
-        <p:xfrm>
-          <a:off x="6200775" y="1731963"/>
-          <a:ext cx="5064125" cy="4059237"/>
-        </p:xfrm>
-        <a:graphic>
-          <a:graphicData uri="http://schemas.openxmlformats.org/drawingml/2006/diagram">
-            <dgm:relIds xmlns:dgm="http://schemas.openxmlformats.org/drawingml/2006/diagram" xmlns:r="http://schemas.openxmlformats.org/officeDocument/2006/relationships" r:dm="rId3" r:lo="rId4" r:qs="rId5" r:cs="rId6"/>
-          </a:graphicData>
-        </a:graphic>
-      </p:graphicFrame>
+            <a:endParaRPr lang="en-US" dirty="0"/>
+          </a:p>
+        </p:txBody>
+      </p:sp>
     </p:spTree>
     <p:extLst>
       <p:ext uri="{BB962C8B-B14F-4D97-AF65-F5344CB8AC3E}">
-        <p14:creationId xmlns:p14="http://schemas.microsoft.com/office/powerpoint/2010/main" val="4123189245"/>
+        <p14:creationId xmlns:p14="http://schemas.microsoft.com/office/powerpoint/2010/main" val="4202523198"/>
       </p:ext>
     </p:extLst>
   </p:cSld>
   <p:clrMapOvr>
     <a:masterClrMapping/>
   </p:clrMapOvr>
-  <mc:AlternateContent xmlns:mc="http://schemas.openxmlformats.org/markup-compatibility/2006" xmlns:p14="http://schemas.microsoft.com/office/powerpoint/2010/main">
-    <mc:Choice Requires="p14">
-      <p:transition spd="med" p14:dur="700">
-        <p:fade/>
-      </p:transition>
-    </mc:Choice>
-    <mc:Fallback xmlns="">
-      <p:transition spd="med">
-        <p:fade/>
-      </p:transition>
-    </mc:Fallback>
-  </mc:AlternateContent>
+  <p:timing>
+    <p:tnLst>
+      <p:par>
+        <p:cTn id="1" dur="indefinite" restart="never" nodeType="tmRoot"/>
+      </p:par>
+    </p:tnLst>
+  </p:timing>
 </p:sld>
 </file>
 
@@ -17774,7 +13053,7 @@
       </p:grpSpPr>
       <p:sp>
         <p:nvSpPr>
-          <p:cNvPr id="4" name="標題 3"/>
+          <p:cNvPr id="2" name="標題 1"/>
           <p:cNvSpPr>
             <a:spLocks noGrp="1"/>
           </p:cNvSpPr>
@@ -17782,74 +13061,430 @@
             <p:ph type="title"/>
           </p:nvPr>
         </p:nvSpPr>
-        <p:spPr/>
-        <p:txBody>
-          <a:bodyPr rtlCol="0"/>
+        <p:spPr>
+          <a:xfrm>
+            <a:off x="946016" y="228600"/>
+            <a:ext cx="10351066" cy="970450"/>
+          </a:xfrm>
+        </p:spPr>
+        <p:txBody>
+          <a:bodyPr>
+            <a:normAutofit/>
+          </a:bodyPr>
           <a:lstStyle/>
           <a:p>
-            <a:pPr rtl="0"/>
-            <a:r>
-              <a:rPr lang="zh-TW" altLang="en-US" dirty="0" smtClean="0">
-                <a:sym typeface="Salesforce Sans"/>
+            <a:r>
+              <a:rPr lang="en-US" sz="4800" dirty="0" smtClean="0">
+                <a:latin typeface="微軟正黑體" panose="020B0604030504040204" pitchFamily="34" charset="-120"/>
+                <a:ea typeface="微軟正黑體" panose="020B0604030504040204" pitchFamily="34" charset="-120"/>
               </a:rPr>
-              <a:t>新增投影片標題 </a:t>
-            </a:r>
-            <a:r>
-              <a:rPr lang="en-US" altLang="zh-TW" dirty="0" smtClean="0">
-                <a:sym typeface="Salesforce Sans"/>
-              </a:rPr>
-              <a:t>- 1</a:t>
-            </a:r>
-            <a:endParaRPr lang="zh-TW" altLang="en-US" dirty="0">
-              <a:sym typeface="Salesforce Sans"/>
+              <a:t>Individual Works</a:t>
+            </a:r>
+            <a:endParaRPr lang="en-US" sz="4800" dirty="0">
+              <a:latin typeface="微軟正黑體" panose="020B0604030504040204" pitchFamily="34" charset="-120"/>
+              <a:ea typeface="微軟正黑體" panose="020B0604030504040204" pitchFamily="34" charset="-120"/>
             </a:endParaRPr>
           </a:p>
         </p:txBody>
       </p:sp>
-      <p:sp>
-        <p:nvSpPr>
-          <p:cNvPr id="5" name="文字預留位置 4"/>
-          <p:cNvSpPr>
-            <a:spLocks noGrp="1"/>
-          </p:cNvSpPr>
+      <p:graphicFrame>
+        <p:nvGraphicFramePr>
+          <p:cNvPr id="4" name="表格 3"/>
+          <p:cNvGraphicFramePr>
+            <a:graphicFrameLocks noGrp="1"/>
+          </p:cNvGraphicFramePr>
           <p:nvPr>
-            <p:ph type="body" idx="1"/>
+            <p:extLst>
+              <p:ext uri="{D42A27DB-BD31-4B8C-83A1-F6EECF244321}">
+                <p14:modId xmlns:p14="http://schemas.microsoft.com/office/powerpoint/2010/main" val="3616744121"/>
+              </p:ext>
+            </p:extLst>
           </p:nvPr>
-        </p:nvSpPr>
-        <p:spPr/>
-        <p:txBody>
-          <a:bodyPr rtlCol="0"/>
-          <a:lstStyle/>
-          <a:p>
-            <a:pPr rtl="0"/>
-            <a:endParaRPr lang="zh-TW" altLang="en-US" dirty="0">
-              <a:sym typeface="Salesforce Sans"/>
-            </a:endParaRPr>
-          </a:p>
-        </p:txBody>
-      </p:sp>
+        </p:nvGraphicFramePr>
+        <p:xfrm>
+          <a:off x="946016" y="1600200"/>
+          <a:ext cx="10351065" cy="4481565"/>
+        </p:xfrm>
+        <a:graphic>
+          <a:graphicData uri="http://schemas.openxmlformats.org/drawingml/2006/table">
+            <a:tbl>
+              <a:tblPr firstRow="1" bandRow="1">
+                <a:tableStyleId>{D7AC3CCA-C797-4891-BE02-D94E43425B78}</a:tableStyleId>
+              </a:tblPr>
+              <a:tblGrid>
+                <a:gridCol w="1795596">
+                  <a:extLst>
+                    <a:ext uri="{9D8B030D-6E8A-4147-A177-3AD203B41FA5}">
+                      <a16:colId xmlns:a16="http://schemas.microsoft.com/office/drawing/2014/main" val="3345488265"/>
+                    </a:ext>
+                  </a:extLst>
+                </a:gridCol>
+                <a:gridCol w="7086600">
+                  <a:extLst>
+                    <a:ext uri="{9D8B030D-6E8A-4147-A177-3AD203B41FA5}">
+                      <a16:colId xmlns:a16="http://schemas.microsoft.com/office/drawing/2014/main" val="4238017165"/>
+                    </a:ext>
+                  </a:extLst>
+                </a:gridCol>
+                <a:gridCol w="1468869">
+                  <a:extLst>
+                    <a:ext uri="{9D8B030D-6E8A-4147-A177-3AD203B41FA5}">
+                      <a16:colId xmlns:a16="http://schemas.microsoft.com/office/drawing/2014/main" val="1589865751"/>
+                    </a:ext>
+                  </a:extLst>
+                </a:gridCol>
+              </a:tblGrid>
+              <a:tr h="440954">
+                <a:tc>
+                  <a:txBody>
+                    <a:bodyPr/>
+                    <a:lstStyle/>
+                    <a:p>
+                      <a:r>
+                        <a:rPr lang="zh-TW" altLang="en-US" sz="3200" dirty="0" smtClean="0">
+                          <a:latin typeface="+mj-ea"/>
+                          <a:ea typeface="+mj-ea"/>
+                        </a:rPr>
+                        <a:t>名字</a:t>
+                      </a:r>
+                      <a:endParaRPr lang="en-US" sz="3200" dirty="0">
+                        <a:latin typeface="+mj-ea"/>
+                        <a:ea typeface="+mj-ea"/>
+                      </a:endParaRPr>
+                    </a:p>
+                  </a:txBody>
+                  <a:tcPr/>
+                </a:tc>
+                <a:tc>
+                  <a:txBody>
+                    <a:bodyPr/>
+                    <a:lstStyle/>
+                    <a:p>
+                      <a:r>
+                        <a:rPr lang="zh-TW" altLang="en-US" sz="3200" dirty="0" smtClean="0">
+                          <a:latin typeface="+mj-ea"/>
+                          <a:ea typeface="+mj-ea"/>
+                        </a:rPr>
+                        <a:t>負責</a:t>
+                      </a:r>
+                      <a:endParaRPr lang="en-US" sz="3200" dirty="0">
+                        <a:latin typeface="+mj-ea"/>
+                        <a:ea typeface="+mj-ea"/>
+                      </a:endParaRPr>
+                    </a:p>
+                  </a:txBody>
+                  <a:tcPr/>
+                </a:tc>
+                <a:tc>
+                  <a:txBody>
+                    <a:bodyPr/>
+                    <a:lstStyle/>
+                    <a:p>
+                      <a:r>
+                        <a:rPr lang="zh-TW" altLang="en-US" sz="3200" dirty="0" smtClean="0">
+                          <a:latin typeface="+mj-ea"/>
+                          <a:ea typeface="+mj-ea"/>
+                        </a:rPr>
+                        <a:t>貢獻度</a:t>
+                      </a:r>
+                      <a:endParaRPr lang="en-US" sz="3200" dirty="0">
+                        <a:latin typeface="+mj-ea"/>
+                        <a:ea typeface="+mj-ea"/>
+                      </a:endParaRPr>
+                    </a:p>
+                  </a:txBody>
+                  <a:tcPr/>
+                </a:tc>
+                <a:extLst>
+                  <a:ext uri="{0D108BD9-81ED-4DB2-BD59-A6C34878D82A}">
+                    <a16:rowId xmlns:a16="http://schemas.microsoft.com/office/drawing/2014/main" val="464220972"/>
+                  </a:ext>
+                </a:extLst>
+              </a:tr>
+              <a:tr h="1300815">
+                <a:tc>
+                  <a:txBody>
+                    <a:bodyPr/>
+                    <a:lstStyle/>
+                    <a:p>
+                      <a:r>
+                        <a:rPr lang="zh-TW" altLang="en-US" sz="3200" dirty="0" smtClean="0">
+                          <a:latin typeface="+mj-ea"/>
+                          <a:ea typeface="+mj-ea"/>
+                        </a:rPr>
+                        <a:t>胡安鳳</a:t>
+                      </a:r>
+                      <a:endParaRPr lang="en-US" sz="3200" dirty="0">
+                        <a:latin typeface="+mj-ea"/>
+                        <a:ea typeface="+mj-ea"/>
+                      </a:endParaRPr>
+                    </a:p>
+                  </a:txBody>
+                  <a:tcPr/>
+                </a:tc>
+                <a:tc>
+                  <a:txBody>
+                    <a:bodyPr/>
+                    <a:lstStyle/>
+                    <a:p>
+                      <a:r>
+                        <a:rPr lang="en-US" sz="3200" dirty="0" smtClean="0">
+                          <a:latin typeface="+mj-ea"/>
+                          <a:ea typeface="+mj-ea"/>
+                        </a:rPr>
+                        <a:t>CUDA</a:t>
+                      </a:r>
+                      <a:r>
+                        <a:rPr lang="zh-TW" altLang="en-US" sz="3200" dirty="0" smtClean="0">
+                          <a:latin typeface="+mj-ea"/>
+                          <a:ea typeface="+mj-ea"/>
+                        </a:rPr>
+                        <a:t>、</a:t>
+                      </a:r>
+                      <a:r>
+                        <a:rPr lang="en-US" altLang="zh-TW" sz="3200" dirty="0" smtClean="0">
+                          <a:latin typeface="+mj-ea"/>
+                          <a:ea typeface="+mj-ea"/>
+                        </a:rPr>
+                        <a:t>PPT</a:t>
+                      </a:r>
+                      <a:r>
+                        <a:rPr lang="zh-TW" altLang="en-US" sz="3200" dirty="0" smtClean="0">
+                          <a:latin typeface="+mj-ea"/>
+                          <a:ea typeface="+mj-ea"/>
+                        </a:rPr>
+                        <a:t>、</a:t>
+                      </a:r>
+                      <a:r>
+                        <a:rPr lang="en-US" altLang="zh-TW" sz="3200" dirty="0" smtClean="0">
+                          <a:latin typeface="+mj-ea"/>
+                          <a:ea typeface="+mj-ea"/>
+                        </a:rPr>
+                        <a:t>Demo Video Editing</a:t>
+                      </a:r>
+                      <a:r>
+                        <a:rPr lang="zh-TW" altLang="en-US" sz="3200" dirty="0" smtClean="0">
+                          <a:latin typeface="+mj-ea"/>
+                          <a:ea typeface="+mj-ea"/>
+                        </a:rPr>
+                        <a:t>、</a:t>
+                      </a:r>
+                      <a:r>
+                        <a:rPr lang="en-US" altLang="zh-TW" sz="3200" dirty="0" smtClean="0">
+                          <a:latin typeface="+mj-ea"/>
+                          <a:ea typeface="+mj-ea"/>
+                        </a:rPr>
+                        <a:t>Environment Support</a:t>
+                      </a:r>
+                      <a:endParaRPr lang="en-US" sz="3200" dirty="0">
+                        <a:latin typeface="+mj-ea"/>
+                        <a:ea typeface="+mj-ea"/>
+                      </a:endParaRPr>
+                    </a:p>
+                  </a:txBody>
+                  <a:tcPr/>
+                </a:tc>
+                <a:tc>
+                  <a:txBody>
+                    <a:bodyPr/>
+                    <a:lstStyle/>
+                    <a:p>
+                      <a:endParaRPr lang="en-US" sz="3200">
+                        <a:latin typeface="+mj-ea"/>
+                        <a:ea typeface="+mj-ea"/>
+                      </a:endParaRPr>
+                    </a:p>
+                  </a:txBody>
+                  <a:tcPr/>
+                </a:tc>
+                <a:extLst>
+                  <a:ext uri="{0D108BD9-81ED-4DB2-BD59-A6C34878D82A}">
+                    <a16:rowId xmlns:a16="http://schemas.microsoft.com/office/drawing/2014/main" val="1703919540"/>
+                  </a:ext>
+                </a:extLst>
+              </a:tr>
+              <a:tr h="1300815">
+                <a:tc>
+                  <a:txBody>
+                    <a:bodyPr/>
+                    <a:lstStyle/>
+                    <a:p>
+                      <a:r>
+                        <a:rPr lang="zh-TW" altLang="en-US" sz="3200" dirty="0" smtClean="0">
+                          <a:latin typeface="+mj-ea"/>
+                          <a:ea typeface="+mj-ea"/>
+                        </a:rPr>
+                        <a:t>李鴻暘</a:t>
+                      </a:r>
+                      <a:endParaRPr lang="en-US" altLang="zh-TW" sz="3200" dirty="0" smtClean="0">
+                        <a:latin typeface="+mj-ea"/>
+                        <a:ea typeface="+mj-ea"/>
+                      </a:endParaRPr>
+                    </a:p>
+                    <a:p>
+                      <a:endParaRPr lang="en-US" sz="3200" dirty="0">
+                        <a:latin typeface="+mj-ea"/>
+                        <a:ea typeface="+mj-ea"/>
+                      </a:endParaRPr>
+                    </a:p>
+                  </a:txBody>
+                  <a:tcPr/>
+                </a:tc>
+                <a:tc>
+                  <a:txBody>
+                    <a:bodyPr/>
+                    <a:lstStyle/>
+                    <a:p>
+                      <a:r>
+                        <a:rPr lang="en-US" sz="3200" dirty="0" err="1" smtClean="0">
+                          <a:latin typeface="+mj-ea"/>
+                          <a:ea typeface="+mj-ea"/>
+                        </a:rPr>
+                        <a:t>OpenCL</a:t>
+                      </a:r>
+                      <a:r>
+                        <a:rPr lang="zh-TW" altLang="en-US" sz="3200" dirty="0" smtClean="0">
+                          <a:latin typeface="+mj-ea"/>
+                          <a:ea typeface="+mj-ea"/>
+                        </a:rPr>
+                        <a:t>、</a:t>
+                      </a:r>
+                      <a:r>
+                        <a:rPr lang="en-US" altLang="zh-TW" sz="3200" dirty="0" smtClean="0">
+                          <a:latin typeface="+mj-ea"/>
+                          <a:ea typeface="+mj-ea"/>
+                        </a:rPr>
+                        <a:t>PPT</a:t>
+                      </a:r>
+                      <a:endParaRPr lang="en-US" sz="3200" dirty="0">
+                        <a:latin typeface="+mj-ea"/>
+                        <a:ea typeface="+mj-ea"/>
+                      </a:endParaRPr>
+                    </a:p>
+                  </a:txBody>
+                  <a:tcPr/>
+                </a:tc>
+                <a:tc>
+                  <a:txBody>
+                    <a:bodyPr/>
+                    <a:lstStyle/>
+                    <a:p>
+                      <a:endParaRPr lang="en-US" sz="3200" dirty="0">
+                        <a:latin typeface="+mj-ea"/>
+                        <a:ea typeface="+mj-ea"/>
+                      </a:endParaRPr>
+                    </a:p>
+                  </a:txBody>
+                  <a:tcPr/>
+                </a:tc>
+                <a:extLst>
+                  <a:ext uri="{0D108BD9-81ED-4DB2-BD59-A6C34878D82A}">
+                    <a16:rowId xmlns:a16="http://schemas.microsoft.com/office/drawing/2014/main" val="2659396489"/>
+                  </a:ext>
+                </a:extLst>
+              </a:tr>
+              <a:tr h="1300815">
+                <a:tc>
+                  <a:txBody>
+                    <a:bodyPr/>
+                    <a:lstStyle/>
+                    <a:p>
+                      <a:r>
+                        <a:rPr lang="zh-TW" altLang="en-US" sz="3200" dirty="0" smtClean="0">
+                          <a:latin typeface="+mj-ea"/>
+                          <a:ea typeface="+mj-ea"/>
+                        </a:rPr>
+                        <a:t>陳羿豐</a:t>
+                      </a:r>
+                      <a:endParaRPr lang="en-US" sz="3200" dirty="0">
+                        <a:latin typeface="+mj-ea"/>
+                        <a:ea typeface="+mj-ea"/>
+                      </a:endParaRPr>
+                    </a:p>
+                  </a:txBody>
+                  <a:tcPr/>
+                </a:tc>
+                <a:tc>
+                  <a:txBody>
+                    <a:bodyPr/>
+                    <a:lstStyle/>
+                    <a:p>
+                      <a:r>
+                        <a:rPr lang="en-US" sz="3200" dirty="0" err="1" smtClean="0">
+                          <a:latin typeface="+mj-ea"/>
+                          <a:ea typeface="+mj-ea"/>
+                        </a:rPr>
+                        <a:t>OpenMP</a:t>
+                      </a:r>
+                      <a:r>
+                        <a:rPr lang="zh-TW" altLang="en-US" sz="3200" dirty="0" smtClean="0">
+                          <a:latin typeface="+mj-ea"/>
+                          <a:ea typeface="+mj-ea"/>
+                        </a:rPr>
+                        <a:t>、</a:t>
+                      </a:r>
+                      <a:r>
+                        <a:rPr lang="en-US" altLang="zh-TW" sz="3200" dirty="0" smtClean="0">
+                          <a:latin typeface="+mj-ea"/>
+                          <a:ea typeface="+mj-ea"/>
+                        </a:rPr>
+                        <a:t>Code</a:t>
+                      </a:r>
+                      <a:r>
+                        <a:rPr lang="en-US" altLang="zh-TW" sz="3200" baseline="0" dirty="0" smtClean="0">
+                          <a:latin typeface="+mj-ea"/>
+                          <a:ea typeface="+mj-ea"/>
+                        </a:rPr>
+                        <a:t> Suggestions</a:t>
+                      </a:r>
+                      <a:endParaRPr lang="en-US" sz="3200" dirty="0">
+                        <a:latin typeface="+mj-ea"/>
+                        <a:ea typeface="+mj-ea"/>
+                      </a:endParaRPr>
+                    </a:p>
+                  </a:txBody>
+                  <a:tcPr/>
+                </a:tc>
+                <a:tc>
+                  <a:txBody>
+                    <a:bodyPr/>
+                    <a:lstStyle/>
+                    <a:p>
+                      <a:endParaRPr lang="en-US" sz="3200" dirty="0">
+                        <a:latin typeface="+mj-ea"/>
+                        <a:ea typeface="+mj-ea"/>
+                      </a:endParaRPr>
+                    </a:p>
+                  </a:txBody>
+                  <a:tcPr/>
+                </a:tc>
+                <a:extLst>
+                  <a:ext uri="{0D108BD9-81ED-4DB2-BD59-A6C34878D82A}">
+                    <a16:rowId xmlns:a16="http://schemas.microsoft.com/office/drawing/2014/main" val="1630487106"/>
+                  </a:ext>
+                </a:extLst>
+              </a:tr>
+            </a:tbl>
+          </a:graphicData>
+        </a:graphic>
+      </p:graphicFrame>
     </p:spTree>
     <p:extLst>
       <p:ext uri="{BB962C8B-B14F-4D97-AF65-F5344CB8AC3E}">
-        <p14:creationId xmlns:p14="http://schemas.microsoft.com/office/powerpoint/2010/main" val="4264977537"/>
+        <p14:creationId xmlns:p14="http://schemas.microsoft.com/office/powerpoint/2010/main" val="3203468787"/>
       </p:ext>
     </p:extLst>
   </p:cSld>
   <p:clrMapOvr>
     <a:masterClrMapping/>
   </p:clrMapOvr>
-  <mc:AlternateContent xmlns:mc="http://schemas.openxmlformats.org/markup-compatibility/2006" xmlns:p14="http://schemas.microsoft.com/office/powerpoint/2010/main">
-    <mc:Choice Requires="p14">
-      <p:transition spd="med" p14:dur="700">
-        <p:fade/>
-      </p:transition>
-    </mc:Choice>
-    <mc:Fallback xmlns="">
-      <p:transition spd="med">
-        <p:fade/>
-      </p:transition>
-    </mc:Fallback>
-  </mc:AlternateContent>
+  <p:timing>
+    <p:tnLst>
+      <p:par>
+        <p:cTn id="1" dur="indefinite" restart="never" nodeType="tmRoot"/>
+      </p:par>
+    </p:tnLst>
+  </p:timing>
 </p:sld>
 </file>
 
@@ -17872,7 +13507,7 @@
       </p:grpSpPr>
       <p:sp>
         <p:nvSpPr>
-          <p:cNvPr id="7" name="標題 6"/>
+          <p:cNvPr id="2" name="標題 1"/>
           <p:cNvSpPr>
             <a:spLocks noGrp="1"/>
           </p:cNvSpPr>
@@ -17880,140 +13515,79 @@
             <p:ph type="title"/>
           </p:nvPr>
         </p:nvSpPr>
-        <p:spPr/>
-        <p:txBody>
-          <a:bodyPr rtlCol="0"/>
+        <p:spPr>
+          <a:xfrm>
+            <a:off x="4433231" y="53502"/>
+            <a:ext cx="3493811" cy="1676400"/>
+          </a:xfrm>
+        </p:spPr>
+        <p:txBody>
+          <a:bodyPr>
+            <a:noAutofit/>
+          </a:bodyPr>
           <a:lstStyle/>
           <a:p>
-            <a:pPr rtl="0"/>
-            <a:r>
-              <a:rPr lang="zh-TW" altLang="en-US" dirty="0" smtClean="0">
-                <a:sym typeface="Salesforce Sans"/>
+            <a:r>
+              <a:rPr lang="en-US" sz="9600" dirty="0" smtClean="0">
+                <a:latin typeface="微軟正黑體" panose="020B0604030504040204" pitchFamily="34" charset="-120"/>
+                <a:ea typeface="微軟正黑體" panose="020B0604030504040204" pitchFamily="34" charset="-120"/>
               </a:rPr>
-              <a:t>新增投影片標題 </a:t>
-            </a:r>
-            <a:r>
-              <a:rPr lang="en-US" altLang="zh-TW" dirty="0" smtClean="0">
-                <a:sym typeface="Salesforce Sans"/>
-              </a:rPr>
-              <a:t>- 2</a:t>
-            </a:r>
-            <a:endParaRPr lang="zh-TW" altLang="en-US" dirty="0">
-              <a:sym typeface="Salesforce Sans"/>
+              <a:t>Q&amp;A</a:t>
+            </a:r>
+            <a:endParaRPr lang="en-US" sz="9600" dirty="0">
+              <a:latin typeface="微軟正黑體" panose="020B0604030504040204" pitchFamily="34" charset="-120"/>
+              <a:ea typeface="微軟正黑體" panose="020B0604030504040204" pitchFamily="34" charset="-120"/>
             </a:endParaRPr>
           </a:p>
         </p:txBody>
       </p:sp>
-      <p:sp>
-        <p:nvSpPr>
-          <p:cNvPr id="8" name="文字預留位置 7"/>
-          <p:cNvSpPr>
-            <a:spLocks noGrp="1"/>
-          </p:cNvSpPr>
-          <p:nvPr>
-            <p:ph type="body" idx="1"/>
-          </p:nvPr>
-        </p:nvSpPr>
-        <p:spPr/>
-        <p:txBody>
-          <a:bodyPr rtlCol="0"/>
-          <a:lstStyle/>
-          <a:p>
-            <a:pPr rtl="0"/>
-            <a:endParaRPr lang="zh-TW" altLang="en-US" dirty="0">
-              <a:sym typeface="Salesforce Sans"/>
-            </a:endParaRPr>
-          </a:p>
-        </p:txBody>
-      </p:sp>
-      <p:sp>
-        <p:nvSpPr>
-          <p:cNvPr id="10" name="內容預留位置 9"/>
-          <p:cNvSpPr>
-            <a:spLocks noGrp="1"/>
-          </p:cNvSpPr>
-          <p:nvPr>
-            <p:ph sz="half" idx="2"/>
-          </p:nvPr>
-        </p:nvSpPr>
-        <p:spPr/>
-        <p:txBody>
-          <a:bodyPr rtlCol="0"/>
-          <a:lstStyle/>
-          <a:p>
-            <a:pPr rtl="0"/>
-            <a:endParaRPr lang="zh-TW" altLang="en-US" dirty="0">
-              <a:sym typeface="Salesforce Sans"/>
-            </a:endParaRPr>
-          </a:p>
-        </p:txBody>
-      </p:sp>
-      <p:sp>
-        <p:nvSpPr>
-          <p:cNvPr id="9" name="文字預留位置 8"/>
-          <p:cNvSpPr>
-            <a:spLocks noGrp="1"/>
-          </p:cNvSpPr>
-          <p:nvPr>
-            <p:ph type="body" sz="quarter" idx="3"/>
-          </p:nvPr>
-        </p:nvSpPr>
-        <p:spPr/>
-        <p:txBody>
-          <a:bodyPr rtlCol="0"/>
-          <a:lstStyle/>
-          <a:p>
-            <a:pPr rtl="0"/>
-            <a:endParaRPr lang="zh-TW" altLang="en-US" dirty="0">
-              <a:sym typeface="Salesforce Sans"/>
-            </a:endParaRPr>
-          </a:p>
-        </p:txBody>
-      </p:sp>
-      <p:sp>
-        <p:nvSpPr>
-          <p:cNvPr id="11" name="內容預留位置 10"/>
-          <p:cNvSpPr>
-            <a:spLocks noGrp="1"/>
-          </p:cNvSpPr>
-          <p:nvPr>
-            <p:ph sz="quarter" idx="4"/>
-          </p:nvPr>
-        </p:nvSpPr>
-        <p:spPr/>
-        <p:txBody>
-          <a:bodyPr rtlCol="0"/>
-          <a:lstStyle/>
-          <a:p>
-            <a:pPr rtl="0"/>
-            <a:endParaRPr lang="zh-TW" altLang="en-US" dirty="0">
-              <a:sym typeface="Salesforce Sans"/>
-            </a:endParaRPr>
-          </a:p>
-        </p:txBody>
-      </p:sp>
+      <p:pic>
+        <p:nvPicPr>
+          <p:cNvPr id="6" name="圖片 5"/>
+          <p:cNvPicPr>
+            <a:picLocks noChangeAspect="1"/>
+          </p:cNvPicPr>
+          <p:nvPr/>
+        </p:nvPicPr>
+        <p:blipFill>
+          <a:blip r:embed="rId2">
+            <a:extLst>
+              <a:ext uri="{28A0092B-C50C-407E-A947-70E740481C1C}">
+                <a14:useLocalDpi xmlns:a14="http://schemas.microsoft.com/office/drawing/2010/main" val="0"/>
+              </a:ext>
+            </a:extLst>
+          </a:blip>
+          <a:stretch>
+            <a:fillRect/>
+          </a:stretch>
+        </p:blipFill>
+        <p:spPr>
+          <a:xfrm>
+            <a:off x="4013198" y="1981200"/>
+            <a:ext cx="4333876" cy="4333876"/>
+          </a:xfrm>
+          <a:prstGeom prst="rect">
+            <a:avLst/>
+          </a:prstGeom>
+        </p:spPr>
+      </p:pic>
     </p:spTree>
     <p:extLst>
       <p:ext uri="{BB962C8B-B14F-4D97-AF65-F5344CB8AC3E}">
-        <p14:creationId xmlns:p14="http://schemas.microsoft.com/office/powerpoint/2010/main" val="2672039197"/>
+        <p14:creationId xmlns:p14="http://schemas.microsoft.com/office/powerpoint/2010/main" val="1689980365"/>
       </p:ext>
     </p:extLst>
   </p:cSld>
   <p:clrMapOvr>
     <a:masterClrMapping/>
   </p:clrMapOvr>
-  <mc:AlternateContent xmlns:mc="http://schemas.openxmlformats.org/markup-compatibility/2006" xmlns:p14="http://schemas.microsoft.com/office/powerpoint/2010/main">
-    <mc:Choice Requires="p14">
-      <p:transition spd="med" p14:dur="700">
-        <p:fade/>
-      </p:transition>
-    </mc:Choice>
-    <mc:Fallback xmlns="">
-      <p:transition spd="med">
-        <p:fade/>
-      </p:transition>
-    </mc:Fallback>
-  </mc:AlternateContent>
+  <p:timing>
+    <p:tnLst>
+      <p:par>
+        <p:cTn id="1" dur="indefinite" restart="never" nodeType="tmRoot"/>
+      </p:par>
+    </p:tnLst>
+  </p:timing>
 </p:sld>
 </file>
 
@@ -18110,25 +13684,32 @@
             </a:r>
           </a:p>
           <a:p>
-            <a:endParaRPr lang="en-US" sz="2800" dirty="0" smtClean="0">
-              <a:latin typeface="微軟正黑體" panose="020B0604030504040204" pitchFamily="34" charset="-120"/>
-              <a:ea typeface="微軟正黑體" panose="020B0604030504040204" pitchFamily="34" charset="-120"/>
-            </a:endParaRPr>
-          </a:p>
-          <a:p>
-            <a:r>
-              <a:rPr lang="en-US" sz="2800" dirty="0">
+            <a:r>
+              <a:rPr lang="en-US" sz="2800">
                 <a:latin typeface="微軟正黑體" panose="020B0604030504040204" pitchFamily="34" charset="-120"/>
                 <a:ea typeface="微軟正黑體" panose="020B0604030504040204" pitchFamily="34" charset="-120"/>
               </a:rPr>
               <a:t>Environment </a:t>
             </a:r>
+            <a:endParaRPr lang="en-US" sz="2800" smtClean="0">
+              <a:latin typeface="微軟正黑體" panose="020B0604030504040204" pitchFamily="34" charset="-120"/>
+              <a:ea typeface="微軟正黑體" panose="020B0604030504040204" pitchFamily="34" charset="-120"/>
+            </a:endParaRPr>
+          </a:p>
+          <a:p>
+            <a:r>
+              <a:rPr lang="en-US" sz="2800" smtClean="0">
+                <a:latin typeface="微軟正黑體" panose="020B0604030504040204" pitchFamily="34" charset="-120"/>
+                <a:ea typeface="微軟正黑體" panose="020B0604030504040204" pitchFamily="34" charset="-120"/>
+              </a:rPr>
+              <a:t>Benchmark </a:t>
+            </a:r>
             <a:r>
               <a:rPr lang="en-US" sz="2800" dirty="0" smtClean="0">
                 <a:latin typeface="微軟正黑體" panose="020B0604030504040204" pitchFamily="34" charset="-120"/>
                 <a:ea typeface="微軟正黑體" panose="020B0604030504040204" pitchFamily="34" charset="-120"/>
               </a:rPr>
-              <a:t>and benchmark method</a:t>
+              <a:t>method</a:t>
             </a:r>
           </a:p>
           <a:p>
@@ -18222,354 +13803,13 @@
   <p:clrMapOvr>
     <a:masterClrMapping/>
   </p:clrMapOvr>
-</p:sld>
-</file>
-
-<file path=ppt/slides/slide20.xml><?xml version="1.0" encoding="utf-8"?>
-<p:sld xmlns:a="http://schemas.openxmlformats.org/drawingml/2006/main" xmlns:r="http://schemas.openxmlformats.org/officeDocument/2006/relationships" xmlns:p="http://schemas.openxmlformats.org/presentationml/2006/main">
-  <p:cSld>
-    <p:spTree>
-      <p:nvGrpSpPr>
-        <p:cNvPr id="1" name=""/>
-        <p:cNvGrpSpPr/>
-        <p:nvPr/>
-      </p:nvGrpSpPr>
-      <p:grpSpPr>
-        <a:xfrm>
-          <a:off x="0" y="0"/>
-          <a:ext cx="0" cy="0"/>
-          <a:chOff x="0" y="0"/>
-          <a:chExt cx="0" cy="0"/>
-        </a:xfrm>
-      </p:grpSpPr>
-      <p:sp>
-        <p:nvSpPr>
-          <p:cNvPr id="3" name="標題 2"/>
-          <p:cNvSpPr>
-            <a:spLocks noGrp="1"/>
-          </p:cNvSpPr>
-          <p:nvPr>
-            <p:ph type="title"/>
-          </p:nvPr>
-        </p:nvSpPr>
-        <p:spPr/>
-        <p:txBody>
-          <a:bodyPr rtlCol="0"/>
-          <a:lstStyle/>
-          <a:p>
-            <a:pPr rtl="0"/>
-            <a:r>
-              <a:rPr lang="zh-TW" altLang="en-US" dirty="0" smtClean="0">
-                <a:sym typeface="Salesforce Sans"/>
-              </a:rPr>
-              <a:t>新增投影片標題 </a:t>
-            </a:r>
-            <a:r>
-              <a:rPr lang="en-US" altLang="zh-TW" dirty="0" smtClean="0">
-                <a:sym typeface="Salesforce Sans"/>
-              </a:rPr>
-              <a:t>- 3</a:t>
-            </a:r>
-            <a:endParaRPr lang="zh-TW" altLang="en-US" dirty="0">
-              <a:sym typeface="Salesforce Sans"/>
-            </a:endParaRPr>
-          </a:p>
-        </p:txBody>
-      </p:sp>
-    </p:spTree>
-    <p:extLst>
-      <p:ext uri="{BB962C8B-B14F-4D97-AF65-F5344CB8AC3E}">
-        <p14:creationId xmlns:p14="http://schemas.microsoft.com/office/powerpoint/2010/main" val="397710800"/>
-      </p:ext>
-    </p:extLst>
-  </p:cSld>
-  <p:clrMapOvr>
-    <a:masterClrMapping/>
-  </p:clrMapOvr>
-  <mc:AlternateContent xmlns:mc="http://schemas.openxmlformats.org/markup-compatibility/2006" xmlns:p14="http://schemas.microsoft.com/office/powerpoint/2010/main">
-    <mc:Choice Requires="p14">
-      <p:transition spd="med" p14:dur="700">
-        <p:fade/>
-      </p:transition>
-    </mc:Choice>
-    <mc:Fallback xmlns="">
-      <p:transition spd="med">
-        <p:fade/>
-      </p:transition>
-    </mc:Fallback>
-  </mc:AlternateContent>
-</p:sld>
-</file>
-
-<file path=ppt/slides/slide21.xml><?xml version="1.0" encoding="utf-8"?>
-<p:sld xmlns:a="http://schemas.openxmlformats.org/drawingml/2006/main" xmlns:r="http://schemas.openxmlformats.org/officeDocument/2006/relationships" xmlns:p="http://schemas.openxmlformats.org/presentationml/2006/main">
-  <p:cSld>
-    <p:spTree>
-      <p:nvGrpSpPr>
-        <p:cNvPr id="1" name=""/>
-        <p:cNvGrpSpPr/>
-        <p:nvPr/>
-      </p:nvGrpSpPr>
-      <p:grpSpPr>
-        <a:xfrm>
-          <a:off x="0" y="0"/>
-          <a:ext cx="0" cy="0"/>
-          <a:chOff x="0" y="0"/>
-          <a:chExt cx="0" cy="0"/>
-        </a:xfrm>
-      </p:grpSpPr>
-    </p:spTree>
-    <p:extLst>
-      <p:ext uri="{BB962C8B-B14F-4D97-AF65-F5344CB8AC3E}">
-        <p14:creationId xmlns:p14="http://schemas.microsoft.com/office/powerpoint/2010/main" val="1405850135"/>
-      </p:ext>
-    </p:extLst>
-  </p:cSld>
-  <p:clrMapOvr>
-    <a:masterClrMapping/>
-  </p:clrMapOvr>
-  <mc:AlternateContent xmlns:mc="http://schemas.openxmlformats.org/markup-compatibility/2006" xmlns:p14="http://schemas.microsoft.com/office/powerpoint/2010/main">
-    <mc:Choice Requires="p14">
-      <p:transition spd="med" p14:dur="700">
-        <p:fade/>
-      </p:transition>
-    </mc:Choice>
-    <mc:Fallback xmlns="">
-      <p:transition spd="med">
-        <p:fade/>
-      </p:transition>
-    </mc:Fallback>
-  </mc:AlternateContent>
-</p:sld>
-</file>
-
-<file path=ppt/slides/slide22.xml><?xml version="1.0" encoding="utf-8"?>
-<p:sld xmlns:a="http://schemas.openxmlformats.org/drawingml/2006/main" xmlns:r="http://schemas.openxmlformats.org/officeDocument/2006/relationships" xmlns:p="http://schemas.openxmlformats.org/presentationml/2006/main">
-  <p:cSld>
-    <p:spTree>
-      <p:nvGrpSpPr>
-        <p:cNvPr id="1" name=""/>
-        <p:cNvGrpSpPr/>
-        <p:nvPr/>
-      </p:nvGrpSpPr>
-      <p:grpSpPr>
-        <a:xfrm>
-          <a:off x="0" y="0"/>
-          <a:ext cx="0" cy="0"/>
-          <a:chOff x="0" y="0"/>
-          <a:chExt cx="0" cy="0"/>
-        </a:xfrm>
-      </p:grpSpPr>
-      <p:sp>
-        <p:nvSpPr>
-          <p:cNvPr id="2" name="標題 1"/>
-          <p:cNvSpPr>
-            <a:spLocks noGrp="1"/>
-          </p:cNvSpPr>
-          <p:nvPr>
-            <p:ph type="title"/>
-          </p:nvPr>
-        </p:nvSpPr>
-        <p:spPr/>
-        <p:txBody>
-          <a:bodyPr rtlCol="0"/>
-          <a:lstStyle/>
-          <a:p>
-            <a:pPr rtl="0"/>
-            <a:r>
-              <a:rPr lang="zh-TW" altLang="en-US" dirty="0" smtClean="0">
-                <a:sym typeface="Salesforce Sans"/>
-              </a:rPr>
-              <a:t>新增投影片標題 </a:t>
-            </a:r>
-            <a:r>
-              <a:rPr lang="en-US" altLang="zh-TW" dirty="0" smtClean="0">
-                <a:sym typeface="Salesforce Sans"/>
-              </a:rPr>
-              <a:t>- 4</a:t>
-            </a:r>
-            <a:endParaRPr lang="zh-TW" altLang="en-US" dirty="0">
-              <a:sym typeface="Salesforce Sans"/>
-            </a:endParaRPr>
-          </a:p>
-        </p:txBody>
-      </p:sp>
-      <p:sp>
-        <p:nvSpPr>
-          <p:cNvPr id="3" name="內容預留位置 2"/>
-          <p:cNvSpPr>
-            <a:spLocks noGrp="1"/>
-          </p:cNvSpPr>
-          <p:nvPr>
-            <p:ph idx="1"/>
-          </p:nvPr>
-        </p:nvSpPr>
-        <p:spPr/>
-        <p:txBody>
-          <a:bodyPr rtlCol="0"/>
-          <a:lstStyle/>
-          <a:p>
-            <a:pPr rtl="0"/>
-            <a:endParaRPr lang="zh-TW" altLang="en-US" dirty="0">
-              <a:sym typeface="Salesforce Sans"/>
-            </a:endParaRPr>
-          </a:p>
-        </p:txBody>
-      </p:sp>
-      <p:sp>
-        <p:nvSpPr>
-          <p:cNvPr id="4" name="文字預留位置 3"/>
-          <p:cNvSpPr>
-            <a:spLocks noGrp="1"/>
-          </p:cNvSpPr>
-          <p:nvPr>
-            <p:ph type="body" sz="half" idx="2"/>
-          </p:nvPr>
-        </p:nvSpPr>
-        <p:spPr/>
-        <p:txBody>
-          <a:bodyPr rtlCol="0"/>
-          <a:lstStyle/>
-          <a:p>
-            <a:pPr rtl="0"/>
-            <a:endParaRPr lang="zh-TW" altLang="en-US" dirty="0">
-              <a:sym typeface="Salesforce Sans"/>
-            </a:endParaRPr>
-          </a:p>
-        </p:txBody>
-      </p:sp>
-    </p:spTree>
-    <p:extLst>
-      <p:ext uri="{BB962C8B-B14F-4D97-AF65-F5344CB8AC3E}">
-        <p14:creationId xmlns:p14="http://schemas.microsoft.com/office/powerpoint/2010/main" val="2319046984"/>
-      </p:ext>
-    </p:extLst>
-  </p:cSld>
-  <p:clrMapOvr>
-    <a:masterClrMapping/>
-  </p:clrMapOvr>
-  <mc:AlternateContent xmlns:mc="http://schemas.openxmlformats.org/markup-compatibility/2006" xmlns:p14="http://schemas.microsoft.com/office/powerpoint/2010/main">
-    <mc:Choice Requires="p14">
-      <p:transition spd="med" p14:dur="700">
-        <p:fade/>
-      </p:transition>
-    </mc:Choice>
-    <mc:Fallback xmlns="">
-      <p:transition spd="med">
-        <p:fade/>
-      </p:transition>
-    </mc:Fallback>
-  </mc:AlternateContent>
-</p:sld>
-</file>
-
-<file path=ppt/slides/slide23.xml><?xml version="1.0" encoding="utf-8"?>
-<p:sld xmlns:a="http://schemas.openxmlformats.org/drawingml/2006/main" xmlns:r="http://schemas.openxmlformats.org/officeDocument/2006/relationships" xmlns:p="http://schemas.openxmlformats.org/presentationml/2006/main">
-  <p:cSld>
-    <p:spTree>
-      <p:nvGrpSpPr>
-        <p:cNvPr id="1" name=""/>
-        <p:cNvGrpSpPr/>
-        <p:nvPr/>
-      </p:nvGrpSpPr>
-      <p:grpSpPr>
-        <a:xfrm>
-          <a:off x="0" y="0"/>
-          <a:ext cx="0" cy="0"/>
-          <a:chOff x="0" y="0"/>
-          <a:chExt cx="0" cy="0"/>
-        </a:xfrm>
-      </p:grpSpPr>
-      <p:sp>
-        <p:nvSpPr>
-          <p:cNvPr id="3" name="標題 2"/>
-          <p:cNvSpPr>
-            <a:spLocks noGrp="1"/>
-          </p:cNvSpPr>
-          <p:nvPr>
-            <p:ph type="title"/>
-          </p:nvPr>
-        </p:nvSpPr>
-        <p:spPr/>
-        <p:txBody>
-          <a:bodyPr rtlCol="0"/>
-          <a:lstStyle/>
-          <a:p>
-            <a:pPr rtl="0"/>
-            <a:r>
-              <a:rPr lang="zh-TW" altLang="en-US" dirty="0" smtClean="0">
-                <a:sym typeface="Salesforce Sans"/>
-              </a:rPr>
-              <a:t>新增投影片標題 </a:t>
-            </a:r>
-            <a:r>
-              <a:rPr lang="en-US" altLang="zh-TW" dirty="0" smtClean="0">
-                <a:sym typeface="Salesforce Sans"/>
-              </a:rPr>
-              <a:t>- 5</a:t>
-            </a:r>
-            <a:endParaRPr lang="zh-TW" altLang="en-US" dirty="0">
-              <a:sym typeface="Salesforce Sans"/>
-            </a:endParaRPr>
-          </a:p>
-        </p:txBody>
-      </p:sp>
-      <p:sp>
-        <p:nvSpPr>
-          <p:cNvPr id="6" name="圖片預留位置 5" descr="要新增影像的空白預留位置。按一下預留位置，然後選取您想要新增的影像。"/>
-          <p:cNvSpPr>
-            <a:spLocks noGrp="1"/>
-          </p:cNvSpPr>
-          <p:nvPr>
-            <p:ph type="pic" idx="1"/>
-          </p:nvPr>
-        </p:nvSpPr>
-        <p:spPr/>
-      </p:sp>
-      <p:sp>
-        <p:nvSpPr>
-          <p:cNvPr id="5" name="文字預留位置 4"/>
-          <p:cNvSpPr>
-            <a:spLocks noGrp="1"/>
-          </p:cNvSpPr>
-          <p:nvPr>
-            <p:ph type="body" sz="half" idx="2"/>
-          </p:nvPr>
-        </p:nvSpPr>
-        <p:spPr/>
-        <p:txBody>
-          <a:bodyPr rtlCol="0"/>
-          <a:lstStyle/>
-          <a:p>
-            <a:pPr rtl="0"/>
-            <a:endParaRPr lang="zh-TW" altLang="en-US" dirty="0">
-              <a:sym typeface="Salesforce Sans"/>
-            </a:endParaRPr>
-          </a:p>
-        </p:txBody>
-      </p:sp>
-    </p:spTree>
-    <p:extLst>
-      <p:ext uri="{BB962C8B-B14F-4D97-AF65-F5344CB8AC3E}">
-        <p14:creationId xmlns:p14="http://schemas.microsoft.com/office/powerpoint/2010/main" val="3480339974"/>
-      </p:ext>
-    </p:extLst>
-  </p:cSld>
-  <p:clrMapOvr>
-    <a:masterClrMapping/>
-  </p:clrMapOvr>
-  <mc:AlternateContent xmlns:mc="http://schemas.openxmlformats.org/markup-compatibility/2006" xmlns:p14="http://schemas.microsoft.com/office/powerpoint/2010/main">
-    <mc:Choice Requires="p14">
-      <p:transition spd="med" p14:dur="700">
-        <p:fade/>
-      </p:transition>
-    </mc:Choice>
-    <mc:Fallback xmlns="">
-      <p:transition spd="med">
-        <p:fade/>
-      </p:transition>
-    </mc:Fallback>
-  </mc:AlternateContent>
+  <p:timing>
+    <p:tnLst>
+      <p:par>
+        <p:cTn id="1" dur="indefinite" restart="never" nodeType="tmRoot"/>
+      </p:par>
+    </p:tnLst>
+  </p:timing>
 </p:sld>
 </file>
 
@@ -19357,6 +14597,13 @@
   <p:clrMapOvr>
     <a:masterClrMapping/>
   </p:clrMapOvr>
+  <p:timing>
+    <p:tnLst>
+      <p:par>
+        <p:cTn id="1" dur="indefinite" restart="never" nodeType="tmRoot"/>
+      </p:par>
+    </p:tnLst>
+  </p:timing>
 </p:sld>
 </file>
 
@@ -19662,6 +14909,13 @@
   <p:clrMapOvr>
     <a:masterClrMapping/>
   </p:clrMapOvr>
+  <p:timing>
+    <p:tnLst>
+      <p:par>
+        <p:cTn id="1" dur="indefinite" restart="never" nodeType="tmRoot"/>
+      </p:par>
+    </p:tnLst>
+  </p:timing>
 </p:sld>
 </file>
 
@@ -20253,6 +15507,13 @@
   <p:clrMapOvr>
     <a:masterClrMapping/>
   </p:clrMapOvr>
+  <p:timing>
+    <p:tnLst>
+      <p:par>
+        <p:cTn id="1" dur="indefinite" restart="never" nodeType="tmRoot"/>
+      </p:par>
+    </p:tnLst>
+  </p:timing>
 </p:sld>
 </file>
 
@@ -21438,6 +16699,15 @@
 </file>
 
 <file path=customXml/item1.xml><?xml version="1.0" encoding="utf-8"?>
+<?mso-contentType ?>
+<FormTemplates xmlns="http://schemas.microsoft.com/sharepoint/v3/contenttype/forms">
+  <Display>DocumentLibraryForm</Display>
+  <Edit>AssetEditForm</Edit>
+  <New>DocumentLibraryForm</New>
+</FormTemplates>
+</file>
+
+<file path=customXml/item2.xml><?xml version="1.0" encoding="utf-8"?>
 <p:properties xmlns:p="http://schemas.microsoft.com/office/2006/metadata/properties" xmlns:xsi="http://www.w3.org/2001/XMLSchema-instance" xmlns:pc="http://schemas.microsoft.com/office/infopath/2007/PartnerControls">
   <documentManagement>
     <LocPublishedLinkedAssetsLookup xmlns="4873beb7-5857-4685-be1f-d57550cc96cc" xsi:nil="true"/>
@@ -21571,15 +16841,6 @@
     <LocMarketGroupTiers2 xmlns="4873beb7-5857-4685-be1f-d57550cc96cc" xsi:nil="true"/>
   </documentManagement>
 </p:properties>
-</file>
-
-<file path=customXml/item2.xml><?xml version="1.0" encoding="utf-8"?>
-<?mso-contentType ?>
-<FormTemplates xmlns="http://schemas.microsoft.com/sharepoint/v3/contenttype/forms">
-  <Display>DocumentLibraryForm</Display>
-  <Edit>AssetEditForm</Edit>
-  <New>DocumentLibraryForm</New>
-</FormTemplates>
 </file>
 
 <file path=customXml/item3.xml><?xml version="1.0" encoding="utf-8"?>
@@ -22623,25 +17884,25 @@
 </file>
 
 <file path=customXml/itemProps1.xml><?xml version="1.0" encoding="utf-8"?>
-<ds:datastoreItem xmlns:ds="http://schemas.openxmlformats.org/officeDocument/2006/customXml" ds:itemID="{60C67BEE-D13F-4BD2-98A5-34D8A0977F68}">
+<ds:datastoreItem xmlns:ds="http://schemas.openxmlformats.org/officeDocument/2006/customXml" ds:itemID="{3836F65B-1B07-41EE-A0E8-BC6EF3855225}">
   <ds:schemaRefs>
-    <ds:schemaRef ds:uri="http://schemas.microsoft.com/office/2006/documentManagement/types"/>
-    <ds:schemaRef ds:uri="http://purl.org/dc/elements/1.1/"/>
-    <ds:schemaRef ds:uri="http://schemas.microsoft.com/office/infopath/2007/PartnerControls"/>
-    <ds:schemaRef ds:uri="http://schemas.openxmlformats.org/package/2006/metadata/core-properties"/>
-    <ds:schemaRef ds:uri="http://schemas.microsoft.com/office/2006/metadata/properties"/>
-    <ds:schemaRef ds:uri="http://www.w3.org/XML/1998/namespace"/>
-    <ds:schemaRef ds:uri="http://purl.org/dc/terms/"/>
-    <ds:schemaRef ds:uri="4873beb7-5857-4685-be1f-d57550cc96cc"/>
-    <ds:schemaRef ds:uri="http://purl.org/dc/dcmitype/"/>
+    <ds:schemaRef ds:uri="http://schemas.microsoft.com/sharepoint/v3/contenttype/forms"/>
   </ds:schemaRefs>
 </ds:datastoreItem>
 </file>
 
 <file path=customXml/itemProps2.xml><?xml version="1.0" encoding="utf-8"?>
-<ds:datastoreItem xmlns:ds="http://schemas.openxmlformats.org/officeDocument/2006/customXml" ds:itemID="{3836F65B-1B07-41EE-A0E8-BC6EF3855225}">
+<ds:datastoreItem xmlns:ds="http://schemas.openxmlformats.org/officeDocument/2006/customXml" ds:itemID="{60C67BEE-D13F-4BD2-98A5-34D8A0977F68}">
   <ds:schemaRefs>
-    <ds:schemaRef ds:uri="http://schemas.microsoft.com/sharepoint/v3/contenttype/forms"/>
+    <ds:schemaRef ds:uri="http://purl.org/dc/elements/1.1/"/>
+    <ds:schemaRef ds:uri="http://schemas.microsoft.com/office/2006/documentManagement/types"/>
+    <ds:schemaRef ds:uri="http://schemas.microsoft.com/office/infopath/2007/PartnerControls"/>
+    <ds:schemaRef ds:uri="http://purl.org/dc/dcmitype/"/>
+    <ds:schemaRef ds:uri="http://purl.org/dc/terms/"/>
+    <ds:schemaRef ds:uri="http://www.w3.org/XML/1998/namespace"/>
+    <ds:schemaRef ds:uri="http://schemas.openxmlformats.org/package/2006/metadata/core-properties"/>
+    <ds:schemaRef ds:uri="4873beb7-5857-4685-be1f-d57550cc96cc"/>
+    <ds:schemaRef ds:uri="http://schemas.microsoft.com/office/2006/metadata/properties"/>
   </ds:schemaRefs>
 </ds:datastoreItem>
 </file>
